--- a/logboek_ESAT9A1.pptx
+++ b/logboek_ESAT9A1.pptx
@@ -6,15 +6,17 @@
     <p:sldMasterId id="2147483694" r:id="rId2"/>
   </p:sldMasterIdLst>
   <p:notesMasterIdLst>
-    <p:notesMasterId r:id="rId6"/>
+    <p:notesMasterId r:id="rId8"/>
   </p:notesMasterIdLst>
   <p:handoutMasterIdLst>
-    <p:handoutMasterId r:id="rId7"/>
+    <p:handoutMasterId r:id="rId9"/>
   </p:handoutMasterIdLst>
   <p:sldIdLst>
     <p:sldId id="261" r:id="rId3"/>
     <p:sldId id="262" r:id="rId4"/>
     <p:sldId id="263" r:id="rId5"/>
+    <p:sldId id="264" r:id="rId6"/>
+    <p:sldId id="265" r:id="rId7"/>
   </p:sldIdLst>
   <p:sldSz cx="12192000" cy="6858000"/>
   <p:notesSz cx="6858000" cy="9144000"/>
@@ -206,7 +208,7 @@
           <a:p>
             <a:fld id="{8F591CCF-F6FD-734B-854A-5BC033593B1E}" type="datetimeFigureOut">
               <a:rPr lang="nl-NL" smtClean="0"/>
-              <a:t>3-10-2022</a:t>
+              <a:t>6-10-2022</a:t>
             </a:fld>
             <a:endParaRPr lang="nl-NL"/>
           </a:p>
@@ -371,7 +373,7 @@
           <a:p>
             <a:fld id="{23C66214-DB21-4647-B5DA-0D17CA592867}" type="datetimeFigureOut">
               <a:rPr lang="nl-NL" smtClean="0"/>
-              <a:t>3-10-2022</a:t>
+              <a:t>6-10-2022</a:t>
             </a:fld>
             <a:endParaRPr lang="nl-NL"/>
           </a:p>
@@ -1360,7 +1362,7 @@
           <a:p>
             <a:fld id="{32CB04F5-1DDB-433A-9F56-F69ABF3D82C1}" type="datetime1">
               <a:rPr lang="nl-BE" smtClean="0"/>
-              <a:t>3/10/2022</a:t>
+              <a:t>6/10/2022</a:t>
             </a:fld>
             <a:endParaRPr lang="nl-NL"/>
           </a:p>
@@ -1643,7 +1645,7 @@
           <a:p>
             <a:fld id="{105EA0AE-89F5-40F4-A8AC-2CFB7172A437}" type="datetime1">
               <a:rPr lang="nl-BE" smtClean="0"/>
-              <a:t>3/10/2022</a:t>
+              <a:t>6/10/2022</a:t>
             </a:fld>
             <a:endParaRPr lang="nl-NL"/>
           </a:p>
@@ -1973,7 +1975,7 @@
           <a:p>
             <a:fld id="{51F891C0-052E-4374-9F7B-8DF3098847EC}" type="datetime1">
               <a:rPr lang="nl-BE" smtClean="0"/>
-              <a:t>3/10/2022</a:t>
+              <a:t>6/10/2022</a:t>
             </a:fld>
             <a:endParaRPr lang="nl-NL"/>
           </a:p>
@@ -2293,7 +2295,7 @@
           <a:p>
             <a:fld id="{0BAB7CBA-08E0-4FB9-BBC7-B0F9EE30FC23}" type="datetime1">
               <a:rPr lang="nl-BE" smtClean="0"/>
-              <a:t>3/10/2022</a:t>
+              <a:t>6/10/2022</a:t>
             </a:fld>
             <a:endParaRPr lang="nl-NL" dirty="0"/>
           </a:p>
@@ -2614,7 +2616,7 @@
           <a:p>
             <a:fld id="{A9A41F9E-F395-4802-BA0E-A579FF58717F}" type="datetime1">
               <a:rPr lang="nl-BE" smtClean="0"/>
-              <a:t>3/10/2022</a:t>
+              <a:t>6/10/2022</a:t>
             </a:fld>
             <a:endParaRPr lang="nl-NL" dirty="0"/>
           </a:p>
@@ -2756,7 +2758,7 @@
           <a:p>
             <a:fld id="{2A8B9AD4-BDDB-4121-9EEE-D890BB11E687}" type="datetime1">
               <a:rPr lang="nl-BE" smtClean="0"/>
-              <a:t>3/10/2022</a:t>
+              <a:t>6/10/2022</a:t>
             </a:fld>
             <a:endParaRPr lang="nl-NL"/>
           </a:p>
@@ -3240,7 +3242,7 @@
           <a:p>
             <a:fld id="{8DC808CC-4EBF-4C64-BA9E-B07B99C9DB99}" type="datetime1">
               <a:rPr lang="nl-BE" smtClean="0"/>
-              <a:t>3/10/2022</a:t>
+              <a:t>6/10/2022</a:t>
             </a:fld>
             <a:endParaRPr lang="nl-NL" dirty="0"/>
           </a:p>
@@ -3361,7 +3363,7 @@
           <a:p>
             <a:fld id="{26609C90-ED50-42CD-B56C-68BF842A2B6A}" type="datetime1">
               <a:rPr lang="nl-BE" smtClean="0"/>
-              <a:t>3/10/2022</a:t>
+              <a:t>6/10/2022</a:t>
             </a:fld>
             <a:endParaRPr lang="nl-NL"/>
           </a:p>
@@ -3482,7 +3484,7 @@
           <a:p>
             <a:fld id="{F15E82AE-B9EE-446E-B46E-329ABC891749}" type="datetime1">
               <a:rPr lang="nl-BE" smtClean="0"/>
-              <a:t>3/10/2022</a:t>
+              <a:t>6/10/2022</a:t>
             </a:fld>
             <a:endParaRPr lang="nl-NL"/>
           </a:p>
@@ -3664,7 +3666,7 @@
           <a:p>
             <a:fld id="{4A7FDF18-BDCB-4338-9FA2-782F60A2E51C}" type="datetime1">
               <a:rPr lang="nl-BE" smtClean="0"/>
-              <a:t>3/10/2022</a:t>
+              <a:t>6/10/2022</a:t>
             </a:fld>
             <a:endParaRPr lang="nl-NL" dirty="0"/>
           </a:p>
@@ -3948,7 +3950,7 @@
           <a:p>
             <a:fld id="{E389F4DD-E9F0-454C-8CE7-299000EBA983}" type="datetime1">
               <a:rPr lang="nl-BE" smtClean="0"/>
-              <a:t>3/10/2022</a:t>
+              <a:t>6/10/2022</a:t>
             </a:fld>
             <a:endParaRPr lang="nl-NL" dirty="0"/>
           </a:p>
@@ -4589,7 +4591,7 @@
           <a:p>
             <a:fld id="{7F18BCE0-9917-41C7-AA76-58ADB721FDEC}" type="datetime1">
               <a:rPr lang="nl-BE" smtClean="0"/>
-              <a:t>3/10/2022</a:t>
+              <a:t>6/10/2022</a:t>
             </a:fld>
             <a:endParaRPr lang="nl-NL" dirty="0"/>
           </a:p>
@@ -7203,7 +7205,7 @@
                 </a:solidFill>
                 <a:latin typeface="Verdana" panose="020B0604030504040204" pitchFamily="34" charset="0"/>
               </a:rPr>
-              <a:t> Item 1</a:t>
+              <a:t> Fixing environments on Python</a:t>
             </a:r>
           </a:p>
           <a:p>
@@ -7218,7 +7220,7 @@
                 </a:solidFill>
                 <a:latin typeface="Verdana" panose="020B0604030504040204" pitchFamily="34" charset="0"/>
               </a:rPr>
-              <a:t> Item 2</a:t>
+              <a:t> Fixing the external camera</a:t>
             </a:r>
           </a:p>
           <a:p>
@@ -7233,7 +7235,7 @@
                 </a:solidFill>
                 <a:latin typeface="Verdana" panose="020B0604030504040204" pitchFamily="34" charset="0"/>
               </a:rPr>
-              <a:t>…</a:t>
+              <a:t> Working on speech detection based on lip movement</a:t>
             </a:r>
           </a:p>
         </p:txBody>
@@ -7247,7 +7249,7 @@
           <p:nvPr>
             <p:extLst>
               <p:ext uri="{D42A27DB-BD31-4B8C-83A1-F6EECF244321}">
-                <p14:modId xmlns:p14="http://schemas.microsoft.com/office/powerpoint/2010/main" val="1330199921"/>
+                <p14:modId xmlns:p14="http://schemas.microsoft.com/office/powerpoint/2010/main" val="31308525"/>
               </p:ext>
             </p:extLst>
           </p:nvPr>
@@ -7473,6 +7475,14 @@
                     <a:bodyPr/>
                     <a:lstStyle/>
                     <a:p>
+                      <a:r>
+                        <a:rPr lang="nl-BE" dirty="0"/>
+                        <a:t>Speech </a:t>
+                      </a:r>
+                      <a:r>
+                        <a:rPr lang="nl-BE" dirty="0" err="1"/>
+                        <a:t>detection</a:t>
+                      </a:r>
                       <a:endParaRPr lang="nl-BE" dirty="0"/>
                     </a:p>
                   </a:txBody>
@@ -7483,6 +7493,14 @@
                     <a:bodyPr/>
                     <a:lstStyle/>
                     <a:p>
+                      <a:r>
+                        <a:rPr lang="nl-BE" dirty="0"/>
+                        <a:t>Speech </a:t>
+                      </a:r>
+                      <a:r>
+                        <a:rPr lang="nl-BE" dirty="0" err="1"/>
+                        <a:t>detection</a:t>
+                      </a:r>
                       <a:endParaRPr lang="nl-BE" dirty="0"/>
                     </a:p>
                   </a:txBody>
@@ -7493,7 +7511,15 @@
                     <a:bodyPr/>
                     <a:lstStyle/>
                     <a:p>
-                      <a:endParaRPr lang="nl-BE"/>
+                      <a:r>
+                        <a:rPr lang="nl-BE" dirty="0"/>
+                        <a:t>Speech </a:t>
+                      </a:r>
+                      <a:r>
+                        <a:rPr lang="nl-BE" dirty="0" err="1"/>
+                        <a:t>detection</a:t>
+                      </a:r>
+                      <a:endParaRPr lang="nl-BE" dirty="0"/>
                     </a:p>
                   </a:txBody>
                   <a:tcPr/>
@@ -7503,6 +7529,14 @@
                     <a:bodyPr/>
                     <a:lstStyle/>
                     <a:p>
+                      <a:r>
+                        <a:rPr lang="nl-BE" dirty="0"/>
+                        <a:t>Flow </a:t>
+                      </a:r>
+                      <a:r>
+                        <a:rPr lang="nl-BE" dirty="0" err="1"/>
+                        <a:t>chart</a:t>
+                      </a:r>
                       <a:endParaRPr lang="nl-BE" dirty="0"/>
                     </a:p>
                   </a:txBody>
@@ -7575,6 +7609,35 @@
                     <a:bodyPr/>
                     <a:lstStyle/>
                     <a:p>
+                      <a:r>
+                        <a:rPr lang="nl-BE" dirty="0"/>
+                        <a:t>Fixing </a:t>
+                      </a:r>
+                      <a:r>
+                        <a:rPr lang="nl-BE" dirty="0" err="1"/>
+                        <a:t>ext</a:t>
+                      </a:r>
+                      <a:r>
+                        <a:rPr lang="nl-BE" dirty="0"/>
+                        <a:t>. camera</a:t>
+                      </a:r>
+                    </a:p>
+                  </a:txBody>
+                  <a:tcPr/>
+                </a:tc>
+                <a:tc>
+                  <a:txBody>
+                    <a:bodyPr/>
+                    <a:lstStyle/>
+                    <a:p>
+                      <a:r>
+                        <a:rPr lang="nl-BE" dirty="0"/>
+                        <a:t>Speech </a:t>
+                      </a:r>
+                      <a:r>
+                        <a:rPr lang="nl-BE" dirty="0" err="1"/>
+                        <a:t>detection</a:t>
+                      </a:r>
                       <a:endParaRPr lang="nl-BE" dirty="0"/>
                     </a:p>
                   </a:txBody>
@@ -7585,7 +7648,15 @@
                     <a:bodyPr/>
                     <a:lstStyle/>
                     <a:p>
-                      <a:endParaRPr lang="nl-BE"/>
+                      <a:r>
+                        <a:rPr lang="nl-BE" dirty="0"/>
+                        <a:t>Speech </a:t>
+                      </a:r>
+                      <a:r>
+                        <a:rPr lang="nl-BE" dirty="0" err="1"/>
+                        <a:t>detection</a:t>
+                      </a:r>
+                      <a:endParaRPr lang="nl-BE" dirty="0"/>
                     </a:p>
                   </a:txBody>
                   <a:tcPr/>
@@ -7595,16 +7666,14 @@
                     <a:bodyPr/>
                     <a:lstStyle/>
                     <a:p>
-                      <a:endParaRPr lang="nl-BE"/>
-                    </a:p>
-                  </a:txBody>
-                  <a:tcPr/>
-                </a:tc>
-                <a:tc>
-                  <a:txBody>
-                    <a:bodyPr/>
-                    <a:lstStyle/>
-                    <a:p>
+                      <a:r>
+                        <a:rPr lang="nl-BE" dirty="0"/>
+                        <a:t>Hand </a:t>
+                      </a:r>
+                      <a:r>
+                        <a:rPr lang="nl-BE" dirty="0" err="1"/>
+                        <a:t>detection</a:t>
+                      </a:r>
                       <a:endParaRPr lang="nl-BE" dirty="0"/>
                     </a:p>
                   </a:txBody>
@@ -7672,6 +7741,36 @@
                     <a:bodyPr/>
                     <a:lstStyle/>
                     <a:p>
+                      <a:r>
+                        <a:rPr lang="nl-BE" dirty="0"/>
+                        <a:t>HD, MD</a:t>
+                      </a:r>
+                    </a:p>
+                  </a:txBody>
+                  <a:tcPr/>
+                </a:tc>
+                <a:tc>
+                  <a:txBody>
+                    <a:bodyPr/>
+                    <a:lstStyle/>
+                    <a:p>
+                      <a:r>
+                        <a:rPr lang="nl-BE" dirty="0"/>
+                        <a:t>HD, MD</a:t>
+                      </a:r>
+                    </a:p>
+                  </a:txBody>
+                  <a:tcPr/>
+                </a:tc>
+                <a:tc>
+                  <a:txBody>
+                    <a:bodyPr/>
+                    <a:lstStyle/>
+                    <a:p>
+                      <a:r>
+                        <a:rPr lang="nl-BE"/>
+                        <a:t>HD, MD</a:t>
+                      </a:r>
                       <a:endParaRPr lang="nl-BE" dirty="0"/>
                     </a:p>
                   </a:txBody>
@@ -7682,27 +7781,11 @@
                     <a:bodyPr/>
                     <a:lstStyle/>
                     <a:p>
-                      <a:endParaRPr lang="nl-BE"/>
-                    </a:p>
-                  </a:txBody>
-                  <a:tcPr/>
-                </a:tc>
-                <a:tc>
-                  <a:txBody>
-                    <a:bodyPr/>
-                    <a:lstStyle/>
-                    <a:p>
+                      <a:r>
+                        <a:rPr lang="nl-BE"/>
+                        <a:t>logbook</a:t>
+                      </a:r>
                       <a:endParaRPr lang="nl-BE" dirty="0"/>
-                    </a:p>
-                  </a:txBody>
-                  <a:tcPr/>
-                </a:tc>
-                <a:tc>
-                  <a:txBody>
-                    <a:bodyPr/>
-                    <a:lstStyle/>
-                    <a:p>
-                      <a:endParaRPr lang="nl-BE"/>
                     </a:p>
                   </a:txBody>
                   <a:tcPr>
@@ -7769,6 +7852,26 @@
                     <a:bodyPr/>
                     <a:lstStyle/>
                     <a:p>
+                      <a:r>
+                        <a:rPr lang="nl-BE" dirty="0" err="1"/>
+                        <a:t>Coord</a:t>
+                      </a:r>
+                      <a:r>
+                        <a:rPr lang="nl-BE" dirty="0"/>
+                        <a:t>. </a:t>
+                      </a:r>
+                      <a:r>
+                        <a:rPr lang="nl-BE" dirty="0" err="1"/>
+                        <a:t>and</a:t>
+                      </a:r>
+                      <a:r>
+                        <a:rPr lang="nl-BE" dirty="0"/>
+                        <a:t> </a:t>
+                      </a:r>
+                      <a:r>
+                        <a:rPr lang="nl-BE" dirty="0" err="1"/>
+                        <a:t>helping</a:t>
+                      </a:r>
                       <a:endParaRPr lang="nl-BE" dirty="0"/>
                     </a:p>
                   </a:txBody>
@@ -7779,6 +7882,26 @@
                     <a:bodyPr/>
                     <a:lstStyle/>
                     <a:p>
+                      <a:r>
+                        <a:rPr lang="nl-BE" dirty="0" err="1"/>
+                        <a:t>Coord</a:t>
+                      </a:r>
+                      <a:r>
+                        <a:rPr lang="nl-BE" dirty="0"/>
+                        <a:t>. </a:t>
+                      </a:r>
+                      <a:r>
+                        <a:rPr lang="nl-BE" dirty="0" err="1"/>
+                        <a:t>and</a:t>
+                      </a:r>
+                      <a:r>
+                        <a:rPr lang="nl-BE" dirty="0"/>
+                        <a:t> </a:t>
+                      </a:r>
+                      <a:r>
+                        <a:rPr lang="nl-BE" dirty="0" err="1"/>
+                        <a:t>helping</a:t>
+                      </a:r>
                       <a:endParaRPr lang="nl-BE" dirty="0"/>
                     </a:p>
                   </a:txBody>
@@ -7789,7 +7912,27 @@
                     <a:bodyPr/>
                     <a:lstStyle/>
                     <a:p>
-                      <a:endParaRPr lang="nl-BE"/>
+                      <a:r>
+                        <a:rPr lang="nl-BE" dirty="0" err="1"/>
+                        <a:t>Coord</a:t>
+                      </a:r>
+                      <a:r>
+                        <a:rPr lang="nl-BE" dirty="0"/>
+                        <a:t>. </a:t>
+                      </a:r>
+                      <a:r>
+                        <a:rPr lang="nl-BE" dirty="0" err="1"/>
+                        <a:t>and</a:t>
+                      </a:r>
+                      <a:r>
+                        <a:rPr lang="nl-BE" dirty="0"/>
+                        <a:t> </a:t>
+                      </a:r>
+                      <a:r>
+                        <a:rPr lang="nl-BE" dirty="0" err="1"/>
+                        <a:t>helping</a:t>
+                      </a:r>
+                      <a:endParaRPr lang="nl-BE" dirty="0"/>
                     </a:p>
                   </a:txBody>
                   <a:tcPr/>
@@ -7799,7 +7942,10 @@
                     <a:bodyPr/>
                     <a:lstStyle/>
                     <a:p>
-                      <a:endParaRPr lang="nl-BE"/>
+                      <a:r>
+                        <a:rPr lang="nl-BE" dirty="0"/>
+                        <a:t>Fixing git</a:t>
+                      </a:r>
                     </a:p>
                   </a:txBody>
                   <a:tcPr>
@@ -7871,6 +8017,35 @@
                     <a:bodyPr/>
                     <a:lstStyle/>
                     <a:p>
+                      <a:r>
+                        <a:rPr lang="nl-BE" dirty="0"/>
+                        <a:t>Fixing </a:t>
+                      </a:r>
+                      <a:r>
+                        <a:rPr lang="nl-BE" dirty="0" err="1"/>
+                        <a:t>ext</a:t>
+                      </a:r>
+                      <a:r>
+                        <a:rPr lang="nl-BE" dirty="0"/>
+                        <a:t>. camera</a:t>
+                      </a:r>
+                    </a:p>
+                  </a:txBody>
+                  <a:tcPr/>
+                </a:tc>
+                <a:tc>
+                  <a:txBody>
+                    <a:bodyPr/>
+                    <a:lstStyle/>
+                    <a:p>
+                      <a:r>
+                        <a:rPr lang="nl-BE" dirty="0"/>
+                        <a:t>Speech </a:t>
+                      </a:r>
+                      <a:r>
+                        <a:rPr lang="nl-BE" dirty="0" err="1"/>
+                        <a:t>detection</a:t>
+                      </a:r>
                       <a:endParaRPr lang="nl-BE" dirty="0"/>
                     </a:p>
                   </a:txBody>
@@ -7881,6 +8056,14 @@
                     <a:bodyPr/>
                     <a:lstStyle/>
                     <a:p>
+                      <a:r>
+                        <a:rPr lang="nl-BE" dirty="0"/>
+                        <a:t>Speech </a:t>
+                      </a:r>
+                      <a:r>
+                        <a:rPr lang="nl-BE" dirty="0" err="1"/>
+                        <a:t>detection</a:t>
+                      </a:r>
                       <a:endParaRPr lang="nl-BE" dirty="0"/>
                     </a:p>
                   </a:txBody>
@@ -7891,16 +8074,14 @@
                     <a:bodyPr/>
                     <a:lstStyle/>
                     <a:p>
-                      <a:endParaRPr lang="nl-BE"/>
-                    </a:p>
-                  </a:txBody>
-                  <a:tcPr/>
-                </a:tc>
-                <a:tc>
-                  <a:txBody>
-                    <a:bodyPr/>
-                    <a:lstStyle/>
-                    <a:p>
+                      <a:r>
+                        <a:rPr lang="nl-BE" dirty="0"/>
+                        <a:t>Hand </a:t>
+                      </a:r>
+                      <a:r>
+                        <a:rPr lang="nl-BE" dirty="0" err="1"/>
+                        <a:t>detection</a:t>
+                      </a:r>
                       <a:endParaRPr lang="nl-BE" dirty="0"/>
                     </a:p>
                   </a:txBody>
@@ -7986,6 +8167,14 @@
                     <a:bodyPr/>
                     <a:lstStyle/>
                     <a:p>
+                      <a:r>
+                        <a:rPr lang="nl-BE" dirty="0"/>
+                        <a:t>Speech </a:t>
+                      </a:r>
+                      <a:r>
+                        <a:rPr lang="nl-BE" dirty="0" err="1"/>
+                        <a:t>detection</a:t>
+                      </a:r>
                       <a:endParaRPr lang="nl-BE" dirty="0"/>
                     </a:p>
                   </a:txBody>
@@ -8006,6 +8195,14 @@
                     <a:bodyPr/>
                     <a:lstStyle/>
                     <a:p>
+                      <a:r>
+                        <a:rPr lang="nl-BE" dirty="0"/>
+                        <a:t>Speech </a:t>
+                      </a:r>
+                      <a:r>
+                        <a:rPr lang="nl-BE" dirty="0" err="1"/>
+                        <a:t>detection</a:t>
+                      </a:r>
                       <a:endParaRPr lang="nl-BE" dirty="0"/>
                     </a:p>
                   </a:txBody>
@@ -8026,7 +8223,15 @@
                     <a:bodyPr/>
                     <a:lstStyle/>
                     <a:p>
-                      <a:endParaRPr lang="nl-BE"/>
+                      <a:r>
+                        <a:rPr lang="nl-BE" dirty="0"/>
+                        <a:t>Speech </a:t>
+                      </a:r>
+                      <a:r>
+                        <a:rPr lang="nl-BE" dirty="0" err="1"/>
+                        <a:t>detection</a:t>
+                      </a:r>
+                      <a:endParaRPr lang="nl-BE" dirty="0"/>
                     </a:p>
                   </a:txBody>
                   <a:tcPr>
@@ -8046,6 +8251,14 @@
                     <a:bodyPr/>
                     <a:lstStyle/>
                     <a:p>
+                      <a:r>
+                        <a:rPr lang="nl-BE" dirty="0"/>
+                        <a:t>Hand </a:t>
+                      </a:r>
+                      <a:r>
+                        <a:rPr lang="nl-BE" dirty="0" err="1"/>
+                        <a:t>detection</a:t>
+                      </a:r>
                       <a:endParaRPr lang="nl-BE" dirty="0"/>
                     </a:p>
                   </a:txBody>
@@ -8376,7 +8589,7 @@
                 </a:solidFill>
                 <a:latin typeface="Verdana" panose="020B0604030504040204" pitchFamily="34" charset="0"/>
               </a:rPr>
-              <a:t> Item 1</a:t>
+              <a:t> External Camera connection with Face Detection</a:t>
             </a:r>
           </a:p>
           <a:p>
@@ -8391,23 +8604,31 @@
                 </a:solidFill>
                 <a:latin typeface="Verdana" panose="020B0604030504040204" pitchFamily="34" charset="0"/>
               </a:rPr>
-              <a:t> Item 2</a:t>
-            </a:r>
-          </a:p>
-          <a:p>
-            <a:pPr>
-              <a:buFontTx/>
-              <a:buChar char="•"/>
-            </a:pPr>
-            <a:r>
-              <a:rPr lang="en-US" altLang="nl-BE" sz="1200" dirty="0">
+              <a:t> Env on </a:t>
+            </a:r>
+            <a:r>
+              <a:rPr lang="en-US" altLang="nl-BE" sz="1200" dirty="0" err="1">
                 <a:solidFill>
                   <a:srgbClr val="333333"/>
                 </a:solidFill>
                 <a:latin typeface="Verdana" panose="020B0604030504040204" pitchFamily="34" charset="0"/>
               </a:rPr>
-              <a:t>…</a:t>
-            </a:r>
+              <a:t>Pycharm</a:t>
+            </a:r>
+            <a:endParaRPr lang="en-US" altLang="nl-BE" sz="1200" dirty="0">
+              <a:solidFill>
+                <a:srgbClr val="333333"/>
+              </a:solidFill>
+              <a:latin typeface="Verdana" panose="020B0604030504040204" pitchFamily="34" charset="0"/>
+            </a:endParaRPr>
+          </a:p>
+          <a:p>
+            <a:endParaRPr lang="en-US" altLang="nl-BE" sz="1200" dirty="0">
+              <a:solidFill>
+                <a:srgbClr val="333333"/>
+              </a:solidFill>
+              <a:latin typeface="Verdana" panose="020B0604030504040204" pitchFamily="34" charset="0"/>
+            </a:endParaRPr>
           </a:p>
         </p:txBody>
       </p:sp>
@@ -8636,7 +8857,7 @@
                 </a:solidFill>
                 <a:latin typeface="Verdana" panose="020B0604030504040204" pitchFamily="34" charset="0"/>
               </a:rPr>
-              <a:t> Item 1</a:t>
+              <a:t> Better detection of body parts (incl. full head detection)</a:t>
             </a:r>
           </a:p>
           <a:p>
@@ -8651,7 +8872,7 @@
                 </a:solidFill>
                 <a:latin typeface="Verdana" panose="020B0604030504040204" pitchFamily="34" charset="0"/>
               </a:rPr>
-              <a:t> Item 2</a:t>
+              <a:t> Lip/mouth movement detection (MD) =&gt; speech</a:t>
             </a:r>
           </a:p>
           <a:p>
@@ -8666,7 +8887,7 @@
                 </a:solidFill>
                 <a:latin typeface="Verdana" panose="020B0604030504040204" pitchFamily="34" charset="0"/>
               </a:rPr>
-              <a:t>…</a:t>
+              <a:t> Hand detection (HD) =&gt; gestures</a:t>
             </a:r>
           </a:p>
         </p:txBody>
@@ -8675,6 +8896,3480 @@
     <p:extLst>
       <p:ext uri="{BB962C8B-B14F-4D97-AF65-F5344CB8AC3E}">
         <p14:creationId xmlns:p14="http://schemas.microsoft.com/office/powerpoint/2010/main" val="1963611033"/>
+      </p:ext>
+    </p:extLst>
+  </p:cSld>
+  <p:clrMapOvr>
+    <a:masterClrMapping/>
+  </p:clrMapOvr>
+</p:sld>
+</file>
+
+<file path=ppt/slides/slide4.xml><?xml version="1.0" encoding="utf-8"?>
+<p:sld xmlns:a="http://schemas.openxmlformats.org/drawingml/2006/main" xmlns:r="http://schemas.openxmlformats.org/officeDocument/2006/relationships" xmlns:p="http://schemas.openxmlformats.org/presentationml/2006/main">
+  <p:cSld>
+    <p:spTree>
+      <p:nvGrpSpPr>
+        <p:cNvPr id="1" name=""/>
+        <p:cNvGrpSpPr/>
+        <p:nvPr/>
+      </p:nvGrpSpPr>
+      <p:grpSpPr>
+        <a:xfrm>
+          <a:off x="0" y="0"/>
+          <a:ext cx="0" cy="0"/>
+          <a:chOff x="0" y="0"/>
+          <a:chExt cx="0" cy="0"/>
+        </a:xfrm>
+      </p:grpSpPr>
+      <p:sp>
+        <p:nvSpPr>
+          <p:cNvPr id="3" name="Footer Placeholder 2"/>
+          <p:cNvSpPr>
+            <a:spLocks noGrp="1"/>
+          </p:cNvSpPr>
+          <p:nvPr>
+            <p:ph type="ftr" sz="quarter" idx="11"/>
+          </p:nvPr>
+        </p:nvSpPr>
+        <p:spPr>
+          <a:xfrm>
+            <a:off x="5742432" y="6210000"/>
+            <a:ext cx="5284368" cy="648000"/>
+          </a:xfrm>
+        </p:spPr>
+        <p:txBody>
+          <a:bodyPr/>
+          <a:lstStyle/>
+          <a:p>
+            <a:r>
+              <a:rPr lang="nl-NL" dirty="0"/>
+              <a:t>Faculteit ingenieurswetenschappen KU Leuven – </a:t>
+            </a:r>
+            <a:r>
+              <a:rPr lang="nl-NL" dirty="0" err="1"/>
+              <a:t>Probleemoplossen</a:t>
+            </a:r>
+            <a:r>
+              <a:rPr lang="nl-NL" dirty="0"/>
+              <a:t> en Ontwerpen, deel 3</a:t>
+            </a:r>
+          </a:p>
+        </p:txBody>
+      </p:sp>
+      <p:sp>
+        <p:nvSpPr>
+          <p:cNvPr id="4" name="Slide Number Placeholder 3"/>
+          <p:cNvSpPr>
+            <a:spLocks noGrp="1"/>
+          </p:cNvSpPr>
+          <p:nvPr>
+            <p:ph type="sldNum" sz="quarter" idx="12"/>
+          </p:nvPr>
+        </p:nvSpPr>
+        <p:spPr/>
+        <p:txBody>
+          <a:bodyPr/>
+          <a:lstStyle/>
+          <a:p>
+            <a:fld id="{0A297500-7527-634B-90F4-69D0994C32B4}" type="slidenum">
+              <a:rPr lang="nl-NL" smtClean="0"/>
+              <a:t>4</a:t>
+            </a:fld>
+            <a:endParaRPr lang="nl-NL"/>
+          </a:p>
+        </p:txBody>
+      </p:sp>
+      <p:sp>
+        <p:nvSpPr>
+          <p:cNvPr id="5" name="Title 4"/>
+          <p:cNvSpPr>
+            <a:spLocks noGrp="1"/>
+          </p:cNvSpPr>
+          <p:nvPr>
+            <p:ph type="title"/>
+          </p:nvPr>
+        </p:nvSpPr>
+        <p:spPr/>
+        <p:txBody>
+          <a:bodyPr/>
+          <a:lstStyle/>
+          <a:p>
+            <a:r>
+              <a:rPr lang="nl-BE" dirty="0"/>
+              <a:t>Week 2 (10/10/2022)</a:t>
+            </a:r>
+          </a:p>
+        </p:txBody>
+      </p:sp>
+      <p:sp>
+        <p:nvSpPr>
+          <p:cNvPr id="6" name="Rectangle 7"/>
+          <p:cNvSpPr>
+            <a:spLocks noChangeArrowheads="1"/>
+          </p:cNvSpPr>
+          <p:nvPr/>
+        </p:nvSpPr>
+        <p:spPr bwMode="auto">
+          <a:xfrm>
+            <a:off x="576000" y="1901580"/>
+            <a:ext cx="4940880" cy="1018404"/>
+          </a:xfrm>
+          <a:prstGeom prst="rect">
+            <a:avLst/>
+          </a:prstGeom>
+          <a:noFill/>
+          <a:ln w="9525">
+            <a:solidFill>
+              <a:srgbClr val="333333"/>
+            </a:solidFill>
+            <a:miter lim="800000"/>
+            <a:headEnd/>
+            <a:tailEnd/>
+          </a:ln>
+          <a:effectLst/>
+          <a:extLst>
+            <a:ext uri="{909E8E84-426E-40DD-AFC4-6F175D3DCCD1}">
+              <a14:hiddenFill xmlns:a14="http://schemas.microsoft.com/office/drawing/2010/main">
+                <a:solidFill>
+                  <a:schemeClr val="accent1"/>
+                </a:solidFill>
+              </a14:hiddenFill>
+            </a:ext>
+            <a:ext uri="{AF507438-7753-43E0-B8FC-AC1667EBCBE1}">
+              <a14:hiddenEffects xmlns:a14="http://schemas.microsoft.com/office/drawing/2010/main">
+                <a:effectLst>
+                  <a:outerShdw dist="35921" dir="2700000" algn="ctr" rotWithShape="0">
+                    <a:schemeClr val="bg2"/>
+                  </a:outerShdw>
+                </a:effectLst>
+              </a14:hiddenEffects>
+            </a:ext>
+          </a:extLst>
+        </p:spPr>
+        <p:txBody>
+          <a:bodyPr wrap="none" anchor="ctr"/>
+          <a:lstStyle/>
+          <a:p>
+            <a:endParaRPr lang="nl-BE"/>
+          </a:p>
+        </p:txBody>
+      </p:sp>
+      <p:sp>
+        <p:nvSpPr>
+          <p:cNvPr id="7" name="Rectangle 8"/>
+          <p:cNvSpPr>
+            <a:spLocks noChangeArrowheads="1"/>
+          </p:cNvSpPr>
+          <p:nvPr/>
+        </p:nvSpPr>
+        <p:spPr bwMode="auto">
+          <a:xfrm>
+            <a:off x="576000" y="1901580"/>
+            <a:ext cx="4940880" cy="304800"/>
+          </a:xfrm>
+          <a:prstGeom prst="rect">
+            <a:avLst/>
+          </a:prstGeom>
+          <a:solidFill>
+            <a:schemeClr val="tx2">
+              <a:lumMod val="75000"/>
+            </a:schemeClr>
+          </a:solidFill>
+          <a:ln w="9525">
+            <a:solidFill>
+              <a:srgbClr val="333333"/>
+            </a:solidFill>
+            <a:miter lim="800000"/>
+            <a:headEnd/>
+            <a:tailEnd/>
+          </a:ln>
+          <a:effectLst/>
+        </p:spPr>
+        <p:txBody>
+          <a:bodyPr wrap="none" anchor="ctr"/>
+          <a:lstStyle/>
+          <a:p>
+            <a:r>
+              <a:rPr lang="en-US" altLang="nl-BE" sz="1400" b="1">
+                <a:solidFill>
+                  <a:schemeClr val="bg1"/>
+                </a:solidFill>
+                <a:latin typeface="Verdana" panose="020B0604030504040204" pitchFamily="34" charset="0"/>
+              </a:rPr>
+              <a:t>Planning</a:t>
+            </a:r>
+          </a:p>
+        </p:txBody>
+      </p:sp>
+      <p:sp>
+        <p:nvSpPr>
+          <p:cNvPr id="8" name="Rectangle 20"/>
+          <p:cNvSpPr>
+            <a:spLocks noChangeArrowheads="1"/>
+          </p:cNvSpPr>
+          <p:nvPr/>
+        </p:nvSpPr>
+        <p:spPr bwMode="auto">
+          <a:xfrm>
+            <a:off x="576000" y="2206380"/>
+            <a:ext cx="4940880" cy="713604"/>
+          </a:xfrm>
+          <a:prstGeom prst="rect">
+            <a:avLst/>
+          </a:prstGeom>
+          <a:noFill/>
+          <a:ln>
+            <a:noFill/>
+          </a:ln>
+          <a:effectLst/>
+          <a:extLst>
+            <a:ext uri="{909E8E84-426E-40DD-AFC4-6F175D3DCCD1}">
+              <a14:hiddenFill xmlns:a14="http://schemas.microsoft.com/office/drawing/2010/main">
+                <a:solidFill>
+                  <a:srgbClr val="333333"/>
+                </a:solidFill>
+              </a14:hiddenFill>
+            </a:ext>
+            <a:ext uri="{91240B29-F687-4F45-9708-019B960494DF}">
+              <a14:hiddenLine xmlns:a14="http://schemas.microsoft.com/office/drawing/2010/main" w="9525">
+                <a:solidFill>
+                  <a:srgbClr val="333333"/>
+                </a:solidFill>
+                <a:miter lim="800000"/>
+                <a:headEnd/>
+                <a:tailEnd/>
+              </a14:hiddenLine>
+            </a:ext>
+            <a:ext uri="{AF507438-7753-43E0-B8FC-AC1667EBCBE1}">
+              <a14:hiddenEffects xmlns:a14="http://schemas.microsoft.com/office/drawing/2010/main">
+                <a:effectLst>
+                  <a:outerShdw dist="35921" dir="2700000" algn="ctr" rotWithShape="0">
+                    <a:schemeClr val="bg2"/>
+                  </a:outerShdw>
+                </a:effectLst>
+              </a14:hiddenEffects>
+            </a:ext>
+          </a:extLst>
+        </p:spPr>
+        <p:txBody>
+          <a:bodyPr wrap="none"/>
+          <a:lstStyle/>
+          <a:p>
+            <a:pPr>
+              <a:buFontTx/>
+              <a:buChar char="•"/>
+            </a:pPr>
+            <a:r>
+              <a:rPr lang="en-US" altLang="nl-BE" sz="1200" dirty="0">
+                <a:solidFill>
+                  <a:srgbClr val="333333"/>
+                </a:solidFill>
+                <a:latin typeface="Verdana" panose="020B0604030504040204" pitchFamily="34" charset="0"/>
+              </a:rPr>
+              <a:t> Item 1</a:t>
+            </a:r>
+          </a:p>
+          <a:p>
+            <a:pPr>
+              <a:buFontTx/>
+              <a:buChar char="•"/>
+            </a:pPr>
+            <a:r>
+              <a:rPr lang="en-US" altLang="nl-BE" sz="1200" dirty="0">
+                <a:solidFill>
+                  <a:srgbClr val="333333"/>
+                </a:solidFill>
+                <a:latin typeface="Verdana" panose="020B0604030504040204" pitchFamily="34" charset="0"/>
+              </a:rPr>
+              <a:t> Item 2</a:t>
+            </a:r>
+          </a:p>
+          <a:p>
+            <a:pPr>
+              <a:buFontTx/>
+              <a:buChar char="•"/>
+            </a:pPr>
+            <a:r>
+              <a:rPr lang="en-US" altLang="nl-BE" sz="1200" dirty="0">
+                <a:solidFill>
+                  <a:srgbClr val="333333"/>
+                </a:solidFill>
+                <a:latin typeface="Verdana" panose="020B0604030504040204" pitchFamily="34" charset="0"/>
+              </a:rPr>
+              <a:t>…</a:t>
+            </a:r>
+          </a:p>
+        </p:txBody>
+      </p:sp>
+      <p:graphicFrame>
+        <p:nvGraphicFramePr>
+          <p:cNvPr id="9" name="Table 8"/>
+          <p:cNvGraphicFramePr>
+            <a:graphicFrameLocks noGrp="1"/>
+          </p:cNvGraphicFramePr>
+          <p:nvPr/>
+        </p:nvGraphicFramePr>
+        <p:xfrm>
+          <a:off x="580800" y="3517586"/>
+          <a:ext cx="11306400" cy="2595880"/>
+        </p:xfrm>
+        <a:graphic>
+          <a:graphicData uri="http://schemas.openxmlformats.org/drawingml/2006/table">
+            <a:tbl>
+              <a:tblPr firstRow="1" bandRow="1">
+                <a:tableStyleId>{5C22544A-7EE6-4342-B048-85BDC9FD1C3A}</a:tableStyleId>
+              </a:tblPr>
+              <a:tblGrid>
+                <a:gridCol w="2261280">
+                  <a:extLst>
+                    <a:ext uri="{9D8B030D-6E8A-4147-A177-3AD203B41FA5}">
+                      <a16:colId xmlns:a16="http://schemas.microsoft.com/office/drawing/2014/main" val="3222044758"/>
+                    </a:ext>
+                  </a:extLst>
+                </a:gridCol>
+                <a:gridCol w="2261280">
+                  <a:extLst>
+                    <a:ext uri="{9D8B030D-6E8A-4147-A177-3AD203B41FA5}">
+                      <a16:colId xmlns:a16="http://schemas.microsoft.com/office/drawing/2014/main" val="23332546"/>
+                    </a:ext>
+                  </a:extLst>
+                </a:gridCol>
+                <a:gridCol w="2261280">
+                  <a:extLst>
+                    <a:ext uri="{9D8B030D-6E8A-4147-A177-3AD203B41FA5}">
+                      <a16:colId xmlns:a16="http://schemas.microsoft.com/office/drawing/2014/main" val="62682046"/>
+                    </a:ext>
+                  </a:extLst>
+                </a:gridCol>
+                <a:gridCol w="2261280">
+                  <a:extLst>
+                    <a:ext uri="{9D8B030D-6E8A-4147-A177-3AD203B41FA5}">
+                      <a16:colId xmlns:a16="http://schemas.microsoft.com/office/drawing/2014/main" val="1440099295"/>
+                    </a:ext>
+                  </a:extLst>
+                </a:gridCol>
+                <a:gridCol w="2261280">
+                  <a:extLst>
+                    <a:ext uri="{9D8B030D-6E8A-4147-A177-3AD203B41FA5}">
+                      <a16:colId xmlns:a16="http://schemas.microsoft.com/office/drawing/2014/main" val="2799077174"/>
+                    </a:ext>
+                  </a:extLst>
+                </a:gridCol>
+              </a:tblGrid>
+              <a:tr h="370840">
+                <a:tc>
+                  <a:txBody>
+                    <a:bodyPr/>
+                    <a:lstStyle/>
+                    <a:p>
+                      <a:r>
+                        <a:rPr lang="nl-BE" dirty="0"/>
+                        <a:t>Naam student</a:t>
+                      </a:r>
+                    </a:p>
+                  </a:txBody>
+                  <a:tcPr>
+                    <a:lnL w="12700" cap="flat" cmpd="sng" algn="ctr">
+                      <a:solidFill>
+                        <a:schemeClr val="tx1"/>
+                      </a:solidFill>
+                      <a:prstDash val="solid"/>
+                      <a:round/>
+                      <a:headEnd type="none" w="med" len="med"/>
+                      <a:tailEnd type="none" w="med" len="med"/>
+                    </a:lnL>
+                    <a:lnT w="12700" cap="flat" cmpd="sng" algn="ctr">
+                      <a:solidFill>
+                        <a:schemeClr val="tx1"/>
+                      </a:solidFill>
+                      <a:prstDash val="solid"/>
+                      <a:round/>
+                      <a:headEnd type="none" w="med" len="med"/>
+                      <a:tailEnd type="none" w="med" len="med"/>
+                    </a:lnT>
+                  </a:tcPr>
+                </a:tc>
+                <a:tc>
+                  <a:txBody>
+                    <a:bodyPr/>
+                    <a:lstStyle/>
+                    <a:p>
+                      <a:r>
+                        <a:rPr lang="nl-BE" dirty="0"/>
+                        <a:t>14u00-15u00</a:t>
+                      </a:r>
+                    </a:p>
+                  </a:txBody>
+                  <a:tcPr>
+                    <a:lnT w="12700" cap="flat" cmpd="sng" algn="ctr">
+                      <a:solidFill>
+                        <a:schemeClr val="tx1"/>
+                      </a:solidFill>
+                      <a:prstDash val="solid"/>
+                      <a:round/>
+                      <a:headEnd type="none" w="med" len="med"/>
+                      <a:tailEnd type="none" w="med" len="med"/>
+                    </a:lnT>
+                  </a:tcPr>
+                </a:tc>
+                <a:tc>
+                  <a:txBody>
+                    <a:bodyPr/>
+                    <a:lstStyle/>
+                    <a:p>
+                      <a:r>
+                        <a:rPr lang="nl-BE" dirty="0"/>
+                        <a:t>15u00-16u00</a:t>
+                      </a:r>
+                    </a:p>
+                  </a:txBody>
+                  <a:tcPr>
+                    <a:lnT w="12700" cap="flat" cmpd="sng" algn="ctr">
+                      <a:solidFill>
+                        <a:schemeClr val="tx1"/>
+                      </a:solidFill>
+                      <a:prstDash val="solid"/>
+                      <a:round/>
+                      <a:headEnd type="none" w="med" len="med"/>
+                      <a:tailEnd type="none" w="med" len="med"/>
+                    </a:lnT>
+                  </a:tcPr>
+                </a:tc>
+                <a:tc>
+                  <a:txBody>
+                    <a:bodyPr/>
+                    <a:lstStyle/>
+                    <a:p>
+                      <a:r>
+                        <a:rPr lang="nl-BE" dirty="0"/>
+                        <a:t>16u00-17u00</a:t>
+                      </a:r>
+                    </a:p>
+                  </a:txBody>
+                  <a:tcPr>
+                    <a:lnT w="12700" cap="flat" cmpd="sng" algn="ctr">
+                      <a:solidFill>
+                        <a:schemeClr val="tx1"/>
+                      </a:solidFill>
+                      <a:prstDash val="solid"/>
+                      <a:round/>
+                      <a:headEnd type="none" w="med" len="med"/>
+                      <a:tailEnd type="none" w="med" len="med"/>
+                    </a:lnT>
+                  </a:tcPr>
+                </a:tc>
+                <a:tc>
+                  <a:txBody>
+                    <a:bodyPr/>
+                    <a:lstStyle/>
+                    <a:p>
+                      <a:r>
+                        <a:rPr lang="nl-BE" dirty="0"/>
+                        <a:t>17u00-18u00</a:t>
+                      </a:r>
+                    </a:p>
+                  </a:txBody>
+                  <a:tcPr>
+                    <a:lnR w="12700" cap="flat" cmpd="sng" algn="ctr">
+                      <a:solidFill>
+                        <a:schemeClr val="tx1"/>
+                      </a:solidFill>
+                      <a:prstDash val="solid"/>
+                      <a:round/>
+                      <a:headEnd type="none" w="med" len="med"/>
+                      <a:tailEnd type="none" w="med" len="med"/>
+                    </a:lnR>
+                    <a:lnT w="12700" cap="flat" cmpd="sng" algn="ctr">
+                      <a:solidFill>
+                        <a:schemeClr val="tx1"/>
+                      </a:solidFill>
+                      <a:prstDash val="solid"/>
+                      <a:round/>
+                      <a:headEnd type="none" w="med" len="med"/>
+                      <a:tailEnd type="none" w="med" len="med"/>
+                    </a:lnT>
+                  </a:tcPr>
+                </a:tc>
+                <a:extLst>
+                  <a:ext uri="{0D108BD9-81ED-4DB2-BD59-A6C34878D82A}">
+                    <a16:rowId xmlns:a16="http://schemas.microsoft.com/office/drawing/2014/main" val="1545514501"/>
+                  </a:ext>
+                </a:extLst>
+              </a:tr>
+              <a:tr h="370840">
+                <a:tc>
+                  <a:txBody>
+                    <a:bodyPr/>
+                    <a:lstStyle/>
+                    <a:p>
+                      <a:r>
+                        <a:rPr lang="nl-BE" dirty="0"/>
+                        <a:t>Arne </a:t>
+                      </a:r>
+                      <a:r>
+                        <a:rPr lang="nl-BE" dirty="0" err="1"/>
+                        <a:t>Lemahieu</a:t>
+                      </a:r>
+                      <a:endParaRPr lang="nl-BE" dirty="0"/>
+                    </a:p>
+                  </a:txBody>
+                  <a:tcPr>
+                    <a:lnL w="12700" cap="flat" cmpd="sng" algn="ctr">
+                      <a:solidFill>
+                        <a:schemeClr val="tx1"/>
+                      </a:solidFill>
+                      <a:prstDash val="solid"/>
+                      <a:round/>
+                      <a:headEnd type="none" w="med" len="med"/>
+                      <a:tailEnd type="none" w="med" len="med"/>
+                    </a:lnL>
+                  </a:tcPr>
+                </a:tc>
+                <a:tc>
+                  <a:txBody>
+                    <a:bodyPr/>
+                    <a:lstStyle/>
+                    <a:p>
+                      <a:endParaRPr lang="nl-BE" dirty="0"/>
+                    </a:p>
+                  </a:txBody>
+                  <a:tcPr/>
+                </a:tc>
+                <a:tc>
+                  <a:txBody>
+                    <a:bodyPr/>
+                    <a:lstStyle/>
+                    <a:p>
+                      <a:endParaRPr lang="nl-BE" dirty="0"/>
+                    </a:p>
+                  </a:txBody>
+                  <a:tcPr/>
+                </a:tc>
+                <a:tc>
+                  <a:txBody>
+                    <a:bodyPr/>
+                    <a:lstStyle/>
+                    <a:p>
+                      <a:endParaRPr lang="nl-BE"/>
+                    </a:p>
+                  </a:txBody>
+                  <a:tcPr/>
+                </a:tc>
+                <a:tc>
+                  <a:txBody>
+                    <a:bodyPr/>
+                    <a:lstStyle/>
+                    <a:p>
+                      <a:endParaRPr lang="nl-BE" dirty="0"/>
+                    </a:p>
+                  </a:txBody>
+                  <a:tcPr>
+                    <a:lnR w="12700" cap="flat" cmpd="sng" algn="ctr">
+                      <a:solidFill>
+                        <a:schemeClr val="tx1"/>
+                      </a:solidFill>
+                      <a:prstDash val="solid"/>
+                      <a:round/>
+                      <a:headEnd type="none" w="med" len="med"/>
+                      <a:tailEnd type="none" w="med" len="med"/>
+                    </a:lnR>
+                  </a:tcPr>
+                </a:tc>
+                <a:extLst>
+                  <a:ext uri="{0D108BD9-81ED-4DB2-BD59-A6C34878D82A}">
+                    <a16:rowId xmlns:a16="http://schemas.microsoft.com/office/drawing/2014/main" val="4272612081"/>
+                  </a:ext>
+                </a:extLst>
+              </a:tr>
+              <a:tr h="370840">
+                <a:tc>
+                  <a:txBody>
+                    <a:bodyPr/>
+                    <a:lstStyle/>
+                    <a:p>
+                      <a:pPr marL="0" marR="0" lvl="0" indent="0" algn="l" defTabSz="914400" rtl="0" eaLnBrk="1" fontAlgn="auto" latinLnBrk="0" hangingPunct="1">
+                        <a:lnSpc>
+                          <a:spcPct val="100000"/>
+                        </a:lnSpc>
+                        <a:spcBef>
+                          <a:spcPts val="0"/>
+                        </a:spcBef>
+                        <a:spcAft>
+                          <a:spcPts val="0"/>
+                        </a:spcAft>
+                        <a:buClrTx/>
+                        <a:buSzTx/>
+                        <a:buFontTx/>
+                        <a:buNone/>
+                        <a:tabLst/>
+                        <a:defRPr/>
+                      </a:pPr>
+                      <a:r>
+                        <a:rPr lang="nl-BE" dirty="0"/>
+                        <a:t>Kasper </a:t>
+                      </a:r>
+                      <a:r>
+                        <a:rPr lang="nl-BE" dirty="0" err="1"/>
+                        <a:t>Dumoulin</a:t>
+                      </a:r>
+                      <a:endParaRPr lang="nl-BE" dirty="0"/>
+                    </a:p>
+                  </a:txBody>
+                  <a:tcPr>
+                    <a:lnL w="12700" cap="flat" cmpd="sng" algn="ctr">
+                      <a:solidFill>
+                        <a:schemeClr val="tx1"/>
+                      </a:solidFill>
+                      <a:prstDash val="solid"/>
+                      <a:round/>
+                      <a:headEnd type="none" w="med" len="med"/>
+                      <a:tailEnd type="none" w="med" len="med"/>
+                    </a:lnL>
+                  </a:tcPr>
+                </a:tc>
+                <a:tc>
+                  <a:txBody>
+                    <a:bodyPr/>
+                    <a:lstStyle/>
+                    <a:p>
+                      <a:endParaRPr lang="nl-BE" dirty="0"/>
+                    </a:p>
+                  </a:txBody>
+                  <a:tcPr/>
+                </a:tc>
+                <a:tc>
+                  <a:txBody>
+                    <a:bodyPr/>
+                    <a:lstStyle/>
+                    <a:p>
+                      <a:endParaRPr lang="nl-BE"/>
+                    </a:p>
+                  </a:txBody>
+                  <a:tcPr/>
+                </a:tc>
+                <a:tc>
+                  <a:txBody>
+                    <a:bodyPr/>
+                    <a:lstStyle/>
+                    <a:p>
+                      <a:endParaRPr lang="nl-BE"/>
+                    </a:p>
+                  </a:txBody>
+                  <a:tcPr/>
+                </a:tc>
+                <a:tc>
+                  <a:txBody>
+                    <a:bodyPr/>
+                    <a:lstStyle/>
+                    <a:p>
+                      <a:endParaRPr lang="nl-BE" dirty="0"/>
+                    </a:p>
+                  </a:txBody>
+                  <a:tcPr>
+                    <a:lnR w="12700" cap="flat" cmpd="sng" algn="ctr">
+                      <a:solidFill>
+                        <a:schemeClr val="tx1"/>
+                      </a:solidFill>
+                      <a:prstDash val="solid"/>
+                      <a:round/>
+                      <a:headEnd type="none" w="med" len="med"/>
+                      <a:tailEnd type="none" w="med" len="med"/>
+                    </a:lnR>
+                  </a:tcPr>
+                </a:tc>
+                <a:extLst>
+                  <a:ext uri="{0D108BD9-81ED-4DB2-BD59-A6C34878D82A}">
+                    <a16:rowId xmlns:a16="http://schemas.microsoft.com/office/drawing/2014/main" val="2535650466"/>
+                  </a:ext>
+                </a:extLst>
+              </a:tr>
+              <a:tr h="370840">
+                <a:tc>
+                  <a:txBody>
+                    <a:bodyPr/>
+                    <a:lstStyle/>
+                    <a:p>
+                      <a:pPr marL="0" marR="0" lvl="0" indent="0" algn="l" defTabSz="914400" rtl="0" eaLnBrk="1" fontAlgn="auto" latinLnBrk="0" hangingPunct="1">
+                        <a:lnSpc>
+                          <a:spcPct val="100000"/>
+                        </a:lnSpc>
+                        <a:spcBef>
+                          <a:spcPts val="0"/>
+                        </a:spcBef>
+                        <a:spcAft>
+                          <a:spcPts val="0"/>
+                        </a:spcAft>
+                        <a:buClrTx/>
+                        <a:buSzTx/>
+                        <a:buFontTx/>
+                        <a:buNone/>
+                        <a:tabLst/>
+                        <a:defRPr/>
+                      </a:pPr>
+                      <a:r>
+                        <a:rPr lang="nl-BE" dirty="0"/>
+                        <a:t>Mauro Janssens</a:t>
+                      </a:r>
+                    </a:p>
+                  </a:txBody>
+                  <a:tcPr>
+                    <a:lnL w="12700" cap="flat" cmpd="sng" algn="ctr">
+                      <a:solidFill>
+                        <a:schemeClr val="tx1"/>
+                      </a:solidFill>
+                      <a:prstDash val="solid"/>
+                      <a:round/>
+                      <a:headEnd type="none" w="med" len="med"/>
+                      <a:tailEnd type="none" w="med" len="med"/>
+                    </a:lnL>
+                  </a:tcPr>
+                </a:tc>
+                <a:tc>
+                  <a:txBody>
+                    <a:bodyPr/>
+                    <a:lstStyle/>
+                    <a:p>
+                      <a:endParaRPr lang="nl-BE" dirty="0"/>
+                    </a:p>
+                  </a:txBody>
+                  <a:tcPr/>
+                </a:tc>
+                <a:tc>
+                  <a:txBody>
+                    <a:bodyPr/>
+                    <a:lstStyle/>
+                    <a:p>
+                      <a:endParaRPr lang="nl-BE"/>
+                    </a:p>
+                  </a:txBody>
+                  <a:tcPr/>
+                </a:tc>
+                <a:tc>
+                  <a:txBody>
+                    <a:bodyPr/>
+                    <a:lstStyle/>
+                    <a:p>
+                      <a:endParaRPr lang="nl-BE" dirty="0"/>
+                    </a:p>
+                  </a:txBody>
+                  <a:tcPr/>
+                </a:tc>
+                <a:tc>
+                  <a:txBody>
+                    <a:bodyPr/>
+                    <a:lstStyle/>
+                    <a:p>
+                      <a:endParaRPr lang="nl-BE"/>
+                    </a:p>
+                  </a:txBody>
+                  <a:tcPr>
+                    <a:lnR w="12700" cap="flat" cmpd="sng" algn="ctr">
+                      <a:solidFill>
+                        <a:schemeClr val="tx1"/>
+                      </a:solidFill>
+                      <a:prstDash val="solid"/>
+                      <a:round/>
+                      <a:headEnd type="none" w="med" len="med"/>
+                      <a:tailEnd type="none" w="med" len="med"/>
+                    </a:lnR>
+                  </a:tcPr>
+                </a:tc>
+                <a:extLst>
+                  <a:ext uri="{0D108BD9-81ED-4DB2-BD59-A6C34878D82A}">
+                    <a16:rowId xmlns:a16="http://schemas.microsoft.com/office/drawing/2014/main" val="1056747163"/>
+                  </a:ext>
+                </a:extLst>
+              </a:tr>
+              <a:tr h="370840">
+                <a:tc>
+                  <a:txBody>
+                    <a:bodyPr/>
+                    <a:lstStyle/>
+                    <a:p>
+                      <a:pPr marL="0" marR="0" lvl="0" indent="0" algn="l" defTabSz="914400" rtl="0" eaLnBrk="1" fontAlgn="auto" latinLnBrk="0" hangingPunct="1">
+                        <a:lnSpc>
+                          <a:spcPct val="100000"/>
+                        </a:lnSpc>
+                        <a:spcBef>
+                          <a:spcPts val="0"/>
+                        </a:spcBef>
+                        <a:spcAft>
+                          <a:spcPts val="0"/>
+                        </a:spcAft>
+                        <a:buClrTx/>
+                        <a:buSzTx/>
+                        <a:buFontTx/>
+                        <a:buNone/>
+                        <a:tabLst/>
+                        <a:defRPr/>
+                      </a:pPr>
+                      <a:r>
+                        <a:rPr lang="nl-BE" dirty="0"/>
+                        <a:t>Pepijn Haenen</a:t>
+                      </a:r>
+                    </a:p>
+                  </a:txBody>
+                  <a:tcPr>
+                    <a:lnL w="12700" cap="flat" cmpd="sng" algn="ctr">
+                      <a:solidFill>
+                        <a:schemeClr val="tx1"/>
+                      </a:solidFill>
+                      <a:prstDash val="solid"/>
+                      <a:round/>
+                      <a:headEnd type="none" w="med" len="med"/>
+                      <a:tailEnd type="none" w="med" len="med"/>
+                    </a:lnL>
+                  </a:tcPr>
+                </a:tc>
+                <a:tc>
+                  <a:txBody>
+                    <a:bodyPr/>
+                    <a:lstStyle/>
+                    <a:p>
+                      <a:endParaRPr lang="nl-BE" dirty="0"/>
+                    </a:p>
+                  </a:txBody>
+                  <a:tcPr/>
+                </a:tc>
+                <a:tc>
+                  <a:txBody>
+                    <a:bodyPr/>
+                    <a:lstStyle/>
+                    <a:p>
+                      <a:endParaRPr lang="nl-BE" dirty="0"/>
+                    </a:p>
+                  </a:txBody>
+                  <a:tcPr/>
+                </a:tc>
+                <a:tc>
+                  <a:txBody>
+                    <a:bodyPr/>
+                    <a:lstStyle/>
+                    <a:p>
+                      <a:endParaRPr lang="nl-BE"/>
+                    </a:p>
+                  </a:txBody>
+                  <a:tcPr/>
+                </a:tc>
+                <a:tc>
+                  <a:txBody>
+                    <a:bodyPr/>
+                    <a:lstStyle/>
+                    <a:p>
+                      <a:endParaRPr lang="nl-BE"/>
+                    </a:p>
+                  </a:txBody>
+                  <a:tcPr>
+                    <a:lnR w="12700" cap="flat" cmpd="sng" algn="ctr">
+                      <a:solidFill>
+                        <a:schemeClr val="tx1"/>
+                      </a:solidFill>
+                      <a:prstDash val="solid"/>
+                      <a:round/>
+                      <a:headEnd type="none" w="med" len="med"/>
+                      <a:tailEnd type="none" w="med" len="med"/>
+                    </a:lnR>
+                  </a:tcPr>
+                </a:tc>
+                <a:extLst>
+                  <a:ext uri="{0D108BD9-81ED-4DB2-BD59-A6C34878D82A}">
+                    <a16:rowId xmlns:a16="http://schemas.microsoft.com/office/drawing/2014/main" val="4081416973"/>
+                  </a:ext>
+                </a:extLst>
+              </a:tr>
+              <a:tr h="370840">
+                <a:tc>
+                  <a:txBody>
+                    <a:bodyPr/>
+                    <a:lstStyle/>
+                    <a:p>
+                      <a:pPr marL="0" marR="0" lvl="0" indent="0" algn="l" defTabSz="914400" rtl="0" eaLnBrk="1" fontAlgn="auto" latinLnBrk="0" hangingPunct="1">
+                        <a:lnSpc>
+                          <a:spcPct val="100000"/>
+                        </a:lnSpc>
+                        <a:spcBef>
+                          <a:spcPts val="0"/>
+                        </a:spcBef>
+                        <a:spcAft>
+                          <a:spcPts val="0"/>
+                        </a:spcAft>
+                        <a:buClrTx/>
+                        <a:buSzTx/>
+                        <a:buFontTx/>
+                        <a:buNone/>
+                        <a:tabLst/>
+                        <a:defRPr/>
+                      </a:pPr>
+                      <a:r>
+                        <a:rPr lang="nl-BE" dirty="0"/>
+                        <a:t>Philippe </a:t>
+                      </a:r>
+                      <a:r>
+                        <a:rPr lang="nl-BE" dirty="0" err="1"/>
+                        <a:t>Laffineur</a:t>
+                      </a:r>
+                      <a:endParaRPr lang="nl-BE" dirty="0"/>
+                    </a:p>
+                  </a:txBody>
+                  <a:tcPr>
+                    <a:lnL w="12700" cap="flat" cmpd="sng" algn="ctr">
+                      <a:solidFill>
+                        <a:schemeClr val="tx1"/>
+                      </a:solidFill>
+                      <a:prstDash val="solid"/>
+                      <a:round/>
+                      <a:headEnd type="none" w="med" len="med"/>
+                      <a:tailEnd type="none" w="med" len="med"/>
+                    </a:lnL>
+                  </a:tcPr>
+                </a:tc>
+                <a:tc>
+                  <a:txBody>
+                    <a:bodyPr/>
+                    <a:lstStyle/>
+                    <a:p>
+                      <a:endParaRPr lang="nl-BE" dirty="0"/>
+                    </a:p>
+                  </a:txBody>
+                  <a:tcPr/>
+                </a:tc>
+                <a:tc>
+                  <a:txBody>
+                    <a:bodyPr/>
+                    <a:lstStyle/>
+                    <a:p>
+                      <a:endParaRPr lang="nl-BE" dirty="0"/>
+                    </a:p>
+                  </a:txBody>
+                  <a:tcPr/>
+                </a:tc>
+                <a:tc>
+                  <a:txBody>
+                    <a:bodyPr/>
+                    <a:lstStyle/>
+                    <a:p>
+                      <a:endParaRPr lang="nl-BE"/>
+                    </a:p>
+                  </a:txBody>
+                  <a:tcPr/>
+                </a:tc>
+                <a:tc>
+                  <a:txBody>
+                    <a:bodyPr/>
+                    <a:lstStyle/>
+                    <a:p>
+                      <a:endParaRPr lang="nl-BE" dirty="0"/>
+                    </a:p>
+                  </a:txBody>
+                  <a:tcPr>
+                    <a:lnR w="12700" cap="flat" cmpd="sng" algn="ctr">
+                      <a:solidFill>
+                        <a:schemeClr val="tx1"/>
+                      </a:solidFill>
+                      <a:prstDash val="solid"/>
+                      <a:round/>
+                      <a:headEnd type="none" w="med" len="med"/>
+                      <a:tailEnd type="none" w="med" len="med"/>
+                    </a:lnR>
+                  </a:tcPr>
+                </a:tc>
+                <a:extLst>
+                  <a:ext uri="{0D108BD9-81ED-4DB2-BD59-A6C34878D82A}">
+                    <a16:rowId xmlns:a16="http://schemas.microsoft.com/office/drawing/2014/main" val="4226429342"/>
+                  </a:ext>
+                </a:extLst>
+              </a:tr>
+              <a:tr h="370840">
+                <a:tc>
+                  <a:txBody>
+                    <a:bodyPr/>
+                    <a:lstStyle/>
+                    <a:p>
+                      <a:pPr marL="0" marR="0" lvl="0" indent="0" algn="l" defTabSz="914400" rtl="0" eaLnBrk="1" fontAlgn="auto" latinLnBrk="0" hangingPunct="1">
+                        <a:lnSpc>
+                          <a:spcPct val="100000"/>
+                        </a:lnSpc>
+                        <a:spcBef>
+                          <a:spcPts val="0"/>
+                        </a:spcBef>
+                        <a:spcAft>
+                          <a:spcPts val="0"/>
+                        </a:spcAft>
+                        <a:buClrTx/>
+                        <a:buSzTx/>
+                        <a:buFontTx/>
+                        <a:buNone/>
+                        <a:tabLst/>
+                        <a:defRPr/>
+                      </a:pPr>
+                      <a:r>
+                        <a:rPr lang="nl-BE" dirty="0" err="1"/>
+                        <a:t>Tjorben</a:t>
+                      </a:r>
+                      <a:r>
+                        <a:rPr lang="nl-BE" dirty="0"/>
+                        <a:t> </a:t>
+                      </a:r>
+                      <a:r>
+                        <a:rPr lang="nl-BE" dirty="0" err="1"/>
+                        <a:t>Godeau</a:t>
+                      </a:r>
+                      <a:endParaRPr lang="nl-BE" dirty="0"/>
+                    </a:p>
+                  </a:txBody>
+                  <a:tcPr>
+                    <a:lnL w="12700" cap="flat" cmpd="sng" algn="ctr">
+                      <a:solidFill>
+                        <a:schemeClr val="tx1"/>
+                      </a:solidFill>
+                      <a:prstDash val="solid"/>
+                      <a:round/>
+                      <a:headEnd type="none" w="med" len="med"/>
+                      <a:tailEnd type="none" w="med" len="med"/>
+                    </a:lnL>
+                    <a:lnB w="12700" cap="flat" cmpd="sng" algn="ctr">
+                      <a:solidFill>
+                        <a:schemeClr val="tx1"/>
+                      </a:solidFill>
+                      <a:prstDash val="solid"/>
+                      <a:round/>
+                      <a:headEnd type="none" w="med" len="med"/>
+                      <a:tailEnd type="none" w="med" len="med"/>
+                    </a:lnB>
+                  </a:tcPr>
+                </a:tc>
+                <a:tc>
+                  <a:txBody>
+                    <a:bodyPr/>
+                    <a:lstStyle/>
+                    <a:p>
+                      <a:endParaRPr lang="nl-BE" dirty="0"/>
+                    </a:p>
+                  </a:txBody>
+                  <a:tcPr>
+                    <a:lnB w="12700" cap="flat" cmpd="sng" algn="ctr">
+                      <a:solidFill>
+                        <a:schemeClr val="tx1"/>
+                      </a:solidFill>
+                      <a:prstDash val="solid"/>
+                      <a:round/>
+                      <a:headEnd type="none" w="med" len="med"/>
+                      <a:tailEnd type="none" w="med" len="med"/>
+                    </a:lnB>
+                  </a:tcPr>
+                </a:tc>
+                <a:tc>
+                  <a:txBody>
+                    <a:bodyPr/>
+                    <a:lstStyle/>
+                    <a:p>
+                      <a:endParaRPr lang="nl-BE" dirty="0"/>
+                    </a:p>
+                  </a:txBody>
+                  <a:tcPr>
+                    <a:lnB w="12700" cap="flat" cmpd="sng" algn="ctr">
+                      <a:solidFill>
+                        <a:schemeClr val="tx1"/>
+                      </a:solidFill>
+                      <a:prstDash val="solid"/>
+                      <a:round/>
+                      <a:headEnd type="none" w="med" len="med"/>
+                      <a:tailEnd type="none" w="med" len="med"/>
+                    </a:lnB>
+                  </a:tcPr>
+                </a:tc>
+                <a:tc>
+                  <a:txBody>
+                    <a:bodyPr/>
+                    <a:lstStyle/>
+                    <a:p>
+                      <a:endParaRPr lang="nl-BE"/>
+                    </a:p>
+                  </a:txBody>
+                  <a:tcPr>
+                    <a:lnB w="12700" cap="flat" cmpd="sng" algn="ctr">
+                      <a:solidFill>
+                        <a:schemeClr val="tx1"/>
+                      </a:solidFill>
+                      <a:prstDash val="solid"/>
+                      <a:round/>
+                      <a:headEnd type="none" w="med" len="med"/>
+                      <a:tailEnd type="none" w="med" len="med"/>
+                    </a:lnB>
+                  </a:tcPr>
+                </a:tc>
+                <a:tc>
+                  <a:txBody>
+                    <a:bodyPr/>
+                    <a:lstStyle/>
+                    <a:p>
+                      <a:endParaRPr lang="nl-BE" dirty="0"/>
+                    </a:p>
+                  </a:txBody>
+                  <a:tcPr>
+                    <a:lnR w="12700" cap="flat" cmpd="sng" algn="ctr">
+                      <a:solidFill>
+                        <a:schemeClr val="tx1"/>
+                      </a:solidFill>
+                      <a:prstDash val="solid"/>
+                      <a:round/>
+                      <a:headEnd type="none" w="med" len="med"/>
+                      <a:tailEnd type="none" w="med" len="med"/>
+                    </a:lnR>
+                    <a:lnB w="12700" cap="flat" cmpd="sng" algn="ctr">
+                      <a:solidFill>
+                        <a:schemeClr val="tx1"/>
+                      </a:solidFill>
+                      <a:prstDash val="solid"/>
+                      <a:round/>
+                      <a:headEnd type="none" w="med" len="med"/>
+                      <a:tailEnd type="none" w="med" len="med"/>
+                    </a:lnB>
+                  </a:tcPr>
+                </a:tc>
+                <a:extLst>
+                  <a:ext uri="{0D108BD9-81ED-4DB2-BD59-A6C34878D82A}">
+                    <a16:rowId xmlns:a16="http://schemas.microsoft.com/office/drawing/2014/main" val="3156394708"/>
+                  </a:ext>
+                </a:extLst>
+              </a:tr>
+            </a:tbl>
+          </a:graphicData>
+        </a:graphic>
+      </p:graphicFrame>
+      <p:sp>
+        <p:nvSpPr>
+          <p:cNvPr id="10" name="Rectangle 8"/>
+          <p:cNvSpPr>
+            <a:spLocks noChangeArrowheads="1"/>
+          </p:cNvSpPr>
+          <p:nvPr/>
+        </p:nvSpPr>
+        <p:spPr bwMode="auto">
+          <a:xfrm>
+            <a:off x="576000" y="3212786"/>
+            <a:ext cx="11311200" cy="304800"/>
+          </a:xfrm>
+          <a:prstGeom prst="rect">
+            <a:avLst/>
+          </a:prstGeom>
+          <a:solidFill>
+            <a:schemeClr val="tx2">
+              <a:lumMod val="75000"/>
+            </a:schemeClr>
+          </a:solidFill>
+          <a:ln w="9525">
+            <a:solidFill>
+              <a:srgbClr val="333333"/>
+            </a:solidFill>
+            <a:miter lim="800000"/>
+            <a:headEnd/>
+            <a:tailEnd/>
+          </a:ln>
+          <a:effectLst/>
+        </p:spPr>
+        <p:txBody>
+          <a:bodyPr wrap="none" anchor="ctr"/>
+          <a:lstStyle/>
+          <a:p>
+            <a:r>
+              <a:rPr lang="en-US" altLang="nl-BE" sz="1400" b="1" dirty="0" err="1">
+                <a:solidFill>
+                  <a:schemeClr val="bg1"/>
+                </a:solidFill>
+                <a:latin typeface="Verdana" panose="020B0604030504040204" pitchFamily="34" charset="0"/>
+              </a:rPr>
+              <a:t>Uitgevoerde</a:t>
+            </a:r>
+            <a:r>
+              <a:rPr lang="en-US" altLang="nl-BE" sz="1400" b="1" dirty="0">
+                <a:solidFill>
+                  <a:schemeClr val="bg1"/>
+                </a:solidFill>
+                <a:latin typeface="Verdana" panose="020B0604030504040204" pitchFamily="34" charset="0"/>
+              </a:rPr>
+              <a:t> taken </a:t>
+            </a:r>
+            <a:r>
+              <a:rPr lang="en-US" altLang="nl-BE" sz="1400" b="1" dirty="0" err="1">
+                <a:solidFill>
+                  <a:schemeClr val="bg1"/>
+                </a:solidFill>
+                <a:latin typeface="Verdana" panose="020B0604030504040204" pitchFamily="34" charset="0"/>
+              </a:rPr>
+              <a:t>tijdens</a:t>
+            </a:r>
+            <a:r>
+              <a:rPr lang="en-US" altLang="nl-BE" sz="1400" b="1" dirty="0">
+                <a:solidFill>
+                  <a:schemeClr val="bg1"/>
+                </a:solidFill>
+                <a:latin typeface="Verdana" panose="020B0604030504040204" pitchFamily="34" charset="0"/>
+              </a:rPr>
+              <a:t> </a:t>
+            </a:r>
+            <a:r>
+              <a:rPr lang="en-US" altLang="nl-BE" sz="1400" b="1" dirty="0" err="1">
+                <a:solidFill>
+                  <a:schemeClr val="bg1"/>
+                </a:solidFill>
+                <a:latin typeface="Verdana" panose="020B0604030504040204" pitchFamily="34" charset="0"/>
+              </a:rPr>
+              <a:t>teamzitting</a:t>
+            </a:r>
+            <a:endParaRPr lang="en-US" altLang="nl-BE" sz="1400" b="1" dirty="0">
+              <a:solidFill>
+                <a:schemeClr val="bg1"/>
+              </a:solidFill>
+              <a:latin typeface="Verdana" panose="020B0604030504040204" pitchFamily="34" charset="0"/>
+            </a:endParaRPr>
+          </a:p>
+        </p:txBody>
+      </p:sp>
+      <p:sp>
+        <p:nvSpPr>
+          <p:cNvPr id="11" name="Rectangle 7"/>
+          <p:cNvSpPr>
+            <a:spLocks noChangeArrowheads="1"/>
+          </p:cNvSpPr>
+          <p:nvPr/>
+        </p:nvSpPr>
+        <p:spPr bwMode="auto">
+          <a:xfrm>
+            <a:off x="6946320" y="695718"/>
+            <a:ext cx="4940880" cy="1018404"/>
+          </a:xfrm>
+          <a:prstGeom prst="rect">
+            <a:avLst/>
+          </a:prstGeom>
+          <a:noFill/>
+          <a:ln w="9525">
+            <a:solidFill>
+              <a:srgbClr val="333333"/>
+            </a:solidFill>
+            <a:miter lim="800000"/>
+            <a:headEnd/>
+            <a:tailEnd/>
+          </a:ln>
+          <a:effectLst/>
+          <a:extLst>
+            <a:ext uri="{909E8E84-426E-40DD-AFC4-6F175D3DCCD1}">
+              <a14:hiddenFill xmlns:a14="http://schemas.microsoft.com/office/drawing/2010/main">
+                <a:solidFill>
+                  <a:schemeClr val="accent1"/>
+                </a:solidFill>
+              </a14:hiddenFill>
+            </a:ext>
+            <a:ext uri="{AF507438-7753-43E0-B8FC-AC1667EBCBE1}">
+              <a14:hiddenEffects xmlns:a14="http://schemas.microsoft.com/office/drawing/2010/main">
+                <a:effectLst>
+                  <a:outerShdw dist="35921" dir="2700000" algn="ctr" rotWithShape="0">
+                    <a:schemeClr val="bg2"/>
+                  </a:outerShdw>
+                </a:effectLst>
+              </a14:hiddenEffects>
+            </a:ext>
+          </a:extLst>
+        </p:spPr>
+        <p:txBody>
+          <a:bodyPr wrap="none" anchor="ctr"/>
+          <a:lstStyle/>
+          <a:p>
+            <a:endParaRPr lang="nl-BE"/>
+          </a:p>
+        </p:txBody>
+      </p:sp>
+      <p:sp>
+        <p:nvSpPr>
+          <p:cNvPr id="12" name="Rectangle 8"/>
+          <p:cNvSpPr>
+            <a:spLocks noChangeArrowheads="1"/>
+          </p:cNvSpPr>
+          <p:nvPr/>
+        </p:nvSpPr>
+        <p:spPr bwMode="auto">
+          <a:xfrm>
+            <a:off x="6946320" y="695718"/>
+            <a:ext cx="4940880" cy="304800"/>
+          </a:xfrm>
+          <a:prstGeom prst="rect">
+            <a:avLst/>
+          </a:prstGeom>
+          <a:solidFill>
+            <a:schemeClr val="tx2">
+              <a:lumMod val="75000"/>
+            </a:schemeClr>
+          </a:solidFill>
+          <a:ln w="9525">
+            <a:solidFill>
+              <a:srgbClr val="333333"/>
+            </a:solidFill>
+            <a:miter lim="800000"/>
+            <a:headEnd/>
+            <a:tailEnd/>
+          </a:ln>
+          <a:effectLst/>
+        </p:spPr>
+        <p:txBody>
+          <a:bodyPr wrap="none" anchor="ctr"/>
+          <a:lstStyle/>
+          <a:p>
+            <a:r>
+              <a:rPr lang="en-US" altLang="nl-BE" sz="1400" b="1" dirty="0" err="1">
+                <a:solidFill>
+                  <a:schemeClr val="bg1"/>
+                </a:solidFill>
+                <a:latin typeface="Verdana" panose="020B0604030504040204" pitchFamily="34" charset="0"/>
+              </a:rPr>
+              <a:t>Voltooide</a:t>
+            </a:r>
+            <a:r>
+              <a:rPr lang="en-US" altLang="nl-BE" sz="1400" b="1" dirty="0">
+                <a:solidFill>
+                  <a:schemeClr val="bg1"/>
+                </a:solidFill>
+                <a:latin typeface="Verdana" panose="020B0604030504040204" pitchFamily="34" charset="0"/>
+              </a:rPr>
+              <a:t> </a:t>
+            </a:r>
+            <a:r>
+              <a:rPr lang="en-US" altLang="nl-BE" sz="1400" b="1" dirty="0" err="1">
+                <a:solidFill>
+                  <a:schemeClr val="bg1"/>
+                </a:solidFill>
+                <a:latin typeface="Verdana" panose="020B0604030504040204" pitchFamily="34" charset="0"/>
+              </a:rPr>
+              <a:t>acties</a:t>
+            </a:r>
+            <a:r>
+              <a:rPr lang="en-US" altLang="nl-BE" sz="1400" b="1" dirty="0">
+                <a:solidFill>
+                  <a:schemeClr val="bg1"/>
+                </a:solidFill>
+                <a:latin typeface="Verdana" panose="020B0604030504040204" pitchFamily="34" charset="0"/>
+              </a:rPr>
+              <a:t> – </a:t>
+            </a:r>
+            <a:r>
+              <a:rPr lang="en-US" altLang="nl-BE" sz="1400" b="1" dirty="0" err="1">
+                <a:solidFill>
+                  <a:schemeClr val="bg1"/>
+                </a:solidFill>
+                <a:latin typeface="Verdana" panose="020B0604030504040204" pitchFamily="34" charset="0"/>
+              </a:rPr>
+              <a:t>mijlpalen</a:t>
+            </a:r>
+            <a:endParaRPr lang="en-US" altLang="nl-BE" sz="1400" b="1" dirty="0">
+              <a:solidFill>
+                <a:schemeClr val="bg1"/>
+              </a:solidFill>
+              <a:latin typeface="Verdana" panose="020B0604030504040204" pitchFamily="34" charset="0"/>
+            </a:endParaRPr>
+          </a:p>
+        </p:txBody>
+      </p:sp>
+      <p:sp>
+        <p:nvSpPr>
+          <p:cNvPr id="13" name="Rectangle 20"/>
+          <p:cNvSpPr>
+            <a:spLocks noChangeArrowheads="1"/>
+          </p:cNvSpPr>
+          <p:nvPr/>
+        </p:nvSpPr>
+        <p:spPr bwMode="auto">
+          <a:xfrm>
+            <a:off x="6946320" y="1000518"/>
+            <a:ext cx="4940880" cy="713604"/>
+          </a:xfrm>
+          <a:prstGeom prst="rect">
+            <a:avLst/>
+          </a:prstGeom>
+          <a:noFill/>
+          <a:ln>
+            <a:noFill/>
+          </a:ln>
+          <a:effectLst/>
+          <a:extLst>
+            <a:ext uri="{909E8E84-426E-40DD-AFC4-6F175D3DCCD1}">
+              <a14:hiddenFill xmlns:a14="http://schemas.microsoft.com/office/drawing/2010/main">
+                <a:solidFill>
+                  <a:srgbClr val="333333"/>
+                </a:solidFill>
+              </a14:hiddenFill>
+            </a:ext>
+            <a:ext uri="{91240B29-F687-4F45-9708-019B960494DF}">
+              <a14:hiddenLine xmlns:a14="http://schemas.microsoft.com/office/drawing/2010/main" w="9525">
+                <a:solidFill>
+                  <a:srgbClr val="333333"/>
+                </a:solidFill>
+                <a:miter lim="800000"/>
+                <a:headEnd/>
+                <a:tailEnd/>
+              </a14:hiddenLine>
+            </a:ext>
+            <a:ext uri="{AF507438-7753-43E0-B8FC-AC1667EBCBE1}">
+              <a14:hiddenEffects xmlns:a14="http://schemas.microsoft.com/office/drawing/2010/main">
+                <a:effectLst>
+                  <a:outerShdw dist="35921" dir="2700000" algn="ctr" rotWithShape="0">
+                    <a:schemeClr val="bg2"/>
+                  </a:outerShdw>
+                </a:effectLst>
+              </a14:hiddenEffects>
+            </a:ext>
+          </a:extLst>
+        </p:spPr>
+        <p:txBody>
+          <a:bodyPr wrap="none"/>
+          <a:lstStyle/>
+          <a:p>
+            <a:pPr>
+              <a:buFontTx/>
+              <a:buChar char="•"/>
+            </a:pPr>
+            <a:r>
+              <a:rPr lang="en-US" altLang="nl-BE" sz="1200" dirty="0">
+                <a:solidFill>
+                  <a:srgbClr val="333333"/>
+                </a:solidFill>
+                <a:latin typeface="Verdana" panose="020B0604030504040204" pitchFamily="34" charset="0"/>
+              </a:rPr>
+              <a:t> Item 1</a:t>
+            </a:r>
+          </a:p>
+          <a:p>
+            <a:pPr>
+              <a:buFontTx/>
+              <a:buChar char="•"/>
+            </a:pPr>
+            <a:r>
+              <a:rPr lang="en-US" altLang="nl-BE" sz="1200" dirty="0">
+                <a:solidFill>
+                  <a:srgbClr val="333333"/>
+                </a:solidFill>
+                <a:latin typeface="Verdana" panose="020B0604030504040204" pitchFamily="34" charset="0"/>
+              </a:rPr>
+              <a:t> Item 2</a:t>
+            </a:r>
+          </a:p>
+          <a:p>
+            <a:pPr>
+              <a:buFontTx/>
+              <a:buChar char="•"/>
+            </a:pPr>
+            <a:r>
+              <a:rPr lang="en-US" altLang="nl-BE" sz="1200" dirty="0">
+                <a:solidFill>
+                  <a:srgbClr val="333333"/>
+                </a:solidFill>
+                <a:latin typeface="Verdana" panose="020B0604030504040204" pitchFamily="34" charset="0"/>
+              </a:rPr>
+              <a:t>…</a:t>
+            </a:r>
+          </a:p>
+        </p:txBody>
+      </p:sp>
+      <p:sp>
+        <p:nvSpPr>
+          <p:cNvPr id="14" name="Rectangle 7"/>
+          <p:cNvSpPr>
+            <a:spLocks noChangeArrowheads="1"/>
+          </p:cNvSpPr>
+          <p:nvPr/>
+        </p:nvSpPr>
+        <p:spPr bwMode="auto">
+          <a:xfrm>
+            <a:off x="6946320" y="1901580"/>
+            <a:ext cx="4940880" cy="1018404"/>
+          </a:xfrm>
+          <a:prstGeom prst="rect">
+            <a:avLst/>
+          </a:prstGeom>
+          <a:noFill/>
+          <a:ln w="9525">
+            <a:solidFill>
+              <a:srgbClr val="333333"/>
+            </a:solidFill>
+            <a:miter lim="800000"/>
+            <a:headEnd/>
+            <a:tailEnd/>
+          </a:ln>
+          <a:effectLst/>
+          <a:extLst>
+            <a:ext uri="{909E8E84-426E-40DD-AFC4-6F175D3DCCD1}">
+              <a14:hiddenFill xmlns:a14="http://schemas.microsoft.com/office/drawing/2010/main">
+                <a:solidFill>
+                  <a:schemeClr val="accent1"/>
+                </a:solidFill>
+              </a14:hiddenFill>
+            </a:ext>
+            <a:ext uri="{AF507438-7753-43E0-B8FC-AC1667EBCBE1}">
+              <a14:hiddenEffects xmlns:a14="http://schemas.microsoft.com/office/drawing/2010/main">
+                <a:effectLst>
+                  <a:outerShdw dist="35921" dir="2700000" algn="ctr" rotWithShape="0">
+                    <a:schemeClr val="bg2"/>
+                  </a:outerShdw>
+                </a:effectLst>
+              </a14:hiddenEffects>
+            </a:ext>
+          </a:extLst>
+        </p:spPr>
+        <p:txBody>
+          <a:bodyPr wrap="none" anchor="ctr"/>
+          <a:lstStyle/>
+          <a:p>
+            <a:endParaRPr lang="nl-BE"/>
+          </a:p>
+        </p:txBody>
+      </p:sp>
+      <p:sp>
+        <p:nvSpPr>
+          <p:cNvPr id="15" name="Rectangle 8"/>
+          <p:cNvSpPr>
+            <a:spLocks noChangeArrowheads="1"/>
+          </p:cNvSpPr>
+          <p:nvPr/>
+        </p:nvSpPr>
+        <p:spPr bwMode="auto">
+          <a:xfrm>
+            <a:off x="6946320" y="1901580"/>
+            <a:ext cx="4940880" cy="304800"/>
+          </a:xfrm>
+          <a:prstGeom prst="rect">
+            <a:avLst/>
+          </a:prstGeom>
+          <a:solidFill>
+            <a:schemeClr val="tx2">
+              <a:lumMod val="75000"/>
+            </a:schemeClr>
+          </a:solidFill>
+          <a:ln w="9525">
+            <a:solidFill>
+              <a:srgbClr val="333333"/>
+            </a:solidFill>
+            <a:miter lim="800000"/>
+            <a:headEnd/>
+            <a:tailEnd/>
+          </a:ln>
+          <a:effectLst/>
+        </p:spPr>
+        <p:txBody>
+          <a:bodyPr wrap="none" anchor="ctr"/>
+          <a:lstStyle/>
+          <a:p>
+            <a:r>
+              <a:rPr lang="en-US" altLang="nl-BE" sz="1400" b="1" dirty="0" err="1">
+                <a:solidFill>
+                  <a:schemeClr val="bg1"/>
+                </a:solidFill>
+                <a:latin typeface="Verdana" panose="020B0604030504040204" pitchFamily="34" charset="0"/>
+              </a:rPr>
+              <a:t>Lopende</a:t>
+            </a:r>
+            <a:r>
+              <a:rPr lang="en-US" altLang="nl-BE" sz="1400" b="1" dirty="0">
+                <a:solidFill>
+                  <a:schemeClr val="bg1"/>
+                </a:solidFill>
+                <a:latin typeface="Verdana" panose="020B0604030504040204" pitchFamily="34" charset="0"/>
+              </a:rPr>
+              <a:t> </a:t>
+            </a:r>
+            <a:r>
+              <a:rPr lang="en-US" altLang="nl-BE" sz="1400" b="1" dirty="0" err="1">
+                <a:solidFill>
+                  <a:schemeClr val="bg1"/>
+                </a:solidFill>
+                <a:latin typeface="Verdana" panose="020B0604030504040204" pitchFamily="34" charset="0"/>
+              </a:rPr>
+              <a:t>acties</a:t>
+            </a:r>
+            <a:r>
+              <a:rPr lang="en-US" altLang="nl-BE" sz="1400" b="1" dirty="0">
+                <a:solidFill>
+                  <a:schemeClr val="bg1"/>
+                </a:solidFill>
+                <a:latin typeface="Verdana" panose="020B0604030504040204" pitchFamily="34" charset="0"/>
+              </a:rPr>
+              <a:t> – </a:t>
+            </a:r>
+            <a:r>
+              <a:rPr lang="en-US" altLang="nl-BE" sz="1400" b="1" dirty="0" err="1">
+                <a:solidFill>
+                  <a:schemeClr val="bg1"/>
+                </a:solidFill>
+                <a:latin typeface="Verdana" panose="020B0604030504040204" pitchFamily="34" charset="0"/>
+              </a:rPr>
+              <a:t>volgende</a:t>
+            </a:r>
+            <a:r>
+              <a:rPr lang="en-US" altLang="nl-BE" sz="1400" b="1" dirty="0">
+                <a:solidFill>
+                  <a:schemeClr val="bg1"/>
+                </a:solidFill>
+                <a:latin typeface="Verdana" panose="020B0604030504040204" pitchFamily="34" charset="0"/>
+              </a:rPr>
+              <a:t> </a:t>
+            </a:r>
+            <a:r>
+              <a:rPr lang="en-US" altLang="nl-BE" sz="1400" b="1" dirty="0" err="1">
+                <a:solidFill>
+                  <a:schemeClr val="bg1"/>
+                </a:solidFill>
+                <a:latin typeface="Verdana" panose="020B0604030504040204" pitchFamily="34" charset="0"/>
+              </a:rPr>
+              <a:t>stappen</a:t>
+            </a:r>
+            <a:endParaRPr lang="en-US" altLang="nl-BE" sz="1400" b="1" dirty="0">
+              <a:solidFill>
+                <a:schemeClr val="bg1"/>
+              </a:solidFill>
+              <a:latin typeface="Verdana" panose="020B0604030504040204" pitchFamily="34" charset="0"/>
+            </a:endParaRPr>
+          </a:p>
+        </p:txBody>
+      </p:sp>
+      <p:sp>
+        <p:nvSpPr>
+          <p:cNvPr id="16" name="Rectangle 20"/>
+          <p:cNvSpPr>
+            <a:spLocks noChangeArrowheads="1"/>
+          </p:cNvSpPr>
+          <p:nvPr/>
+        </p:nvSpPr>
+        <p:spPr bwMode="auto">
+          <a:xfrm>
+            <a:off x="6946320" y="2206380"/>
+            <a:ext cx="4940880" cy="713604"/>
+          </a:xfrm>
+          <a:prstGeom prst="rect">
+            <a:avLst/>
+          </a:prstGeom>
+          <a:noFill/>
+          <a:ln>
+            <a:noFill/>
+          </a:ln>
+          <a:effectLst/>
+          <a:extLst>
+            <a:ext uri="{909E8E84-426E-40DD-AFC4-6F175D3DCCD1}">
+              <a14:hiddenFill xmlns:a14="http://schemas.microsoft.com/office/drawing/2010/main">
+                <a:solidFill>
+                  <a:srgbClr val="333333"/>
+                </a:solidFill>
+              </a14:hiddenFill>
+            </a:ext>
+            <a:ext uri="{91240B29-F687-4F45-9708-019B960494DF}">
+              <a14:hiddenLine xmlns:a14="http://schemas.microsoft.com/office/drawing/2010/main" w="9525">
+                <a:solidFill>
+                  <a:srgbClr val="333333"/>
+                </a:solidFill>
+                <a:miter lim="800000"/>
+                <a:headEnd/>
+                <a:tailEnd/>
+              </a14:hiddenLine>
+            </a:ext>
+            <a:ext uri="{AF507438-7753-43E0-B8FC-AC1667EBCBE1}">
+              <a14:hiddenEffects xmlns:a14="http://schemas.microsoft.com/office/drawing/2010/main">
+                <a:effectLst>
+                  <a:outerShdw dist="35921" dir="2700000" algn="ctr" rotWithShape="0">
+                    <a:schemeClr val="bg2"/>
+                  </a:outerShdw>
+                </a:effectLst>
+              </a14:hiddenEffects>
+            </a:ext>
+          </a:extLst>
+        </p:spPr>
+        <p:txBody>
+          <a:bodyPr wrap="none"/>
+          <a:lstStyle/>
+          <a:p>
+            <a:pPr>
+              <a:buFontTx/>
+              <a:buChar char="•"/>
+            </a:pPr>
+            <a:r>
+              <a:rPr lang="en-US" altLang="nl-BE" sz="1200" dirty="0">
+                <a:solidFill>
+                  <a:srgbClr val="333333"/>
+                </a:solidFill>
+                <a:latin typeface="Verdana" panose="020B0604030504040204" pitchFamily="34" charset="0"/>
+              </a:rPr>
+              <a:t> Item 1</a:t>
+            </a:r>
+          </a:p>
+          <a:p>
+            <a:pPr>
+              <a:buFontTx/>
+              <a:buChar char="•"/>
+            </a:pPr>
+            <a:r>
+              <a:rPr lang="en-US" altLang="nl-BE" sz="1200" dirty="0">
+                <a:solidFill>
+                  <a:srgbClr val="333333"/>
+                </a:solidFill>
+                <a:latin typeface="Verdana" panose="020B0604030504040204" pitchFamily="34" charset="0"/>
+              </a:rPr>
+              <a:t> Item 2</a:t>
+            </a:r>
+          </a:p>
+          <a:p>
+            <a:pPr>
+              <a:buFontTx/>
+              <a:buChar char="•"/>
+            </a:pPr>
+            <a:r>
+              <a:rPr lang="en-US" altLang="nl-BE" sz="1200" dirty="0">
+                <a:solidFill>
+                  <a:srgbClr val="333333"/>
+                </a:solidFill>
+                <a:latin typeface="Verdana" panose="020B0604030504040204" pitchFamily="34" charset="0"/>
+              </a:rPr>
+              <a:t>…</a:t>
+            </a:r>
+          </a:p>
+        </p:txBody>
+      </p:sp>
+    </p:spTree>
+    <p:extLst>
+      <p:ext uri="{BB962C8B-B14F-4D97-AF65-F5344CB8AC3E}">
+        <p14:creationId xmlns:p14="http://schemas.microsoft.com/office/powerpoint/2010/main" val="2020296622"/>
+      </p:ext>
+    </p:extLst>
+  </p:cSld>
+  <p:clrMapOvr>
+    <a:masterClrMapping/>
+  </p:clrMapOvr>
+</p:sld>
+</file>
+
+<file path=ppt/slides/slide5.xml><?xml version="1.0" encoding="utf-8"?>
+<p:sld xmlns:a="http://schemas.openxmlformats.org/drawingml/2006/main" xmlns:r="http://schemas.openxmlformats.org/officeDocument/2006/relationships" xmlns:p="http://schemas.openxmlformats.org/presentationml/2006/main">
+  <p:cSld>
+    <p:spTree>
+      <p:nvGrpSpPr>
+        <p:cNvPr id="1" name=""/>
+        <p:cNvGrpSpPr/>
+        <p:nvPr/>
+      </p:nvGrpSpPr>
+      <p:grpSpPr>
+        <a:xfrm>
+          <a:off x="0" y="0"/>
+          <a:ext cx="0" cy="0"/>
+          <a:chOff x="0" y="0"/>
+          <a:chExt cx="0" cy="0"/>
+        </a:xfrm>
+      </p:grpSpPr>
+      <p:sp>
+        <p:nvSpPr>
+          <p:cNvPr id="3" name="Footer Placeholder 2"/>
+          <p:cNvSpPr>
+            <a:spLocks noGrp="1"/>
+          </p:cNvSpPr>
+          <p:nvPr>
+            <p:ph type="ftr" sz="quarter" idx="11"/>
+          </p:nvPr>
+        </p:nvSpPr>
+        <p:spPr>
+          <a:xfrm>
+            <a:off x="5742432" y="6210000"/>
+            <a:ext cx="5284368" cy="648000"/>
+          </a:xfrm>
+        </p:spPr>
+        <p:txBody>
+          <a:bodyPr/>
+          <a:lstStyle/>
+          <a:p>
+            <a:r>
+              <a:rPr lang="nl-NL" dirty="0"/>
+              <a:t>Faculteit ingenieurswetenschappen KU Leuven – </a:t>
+            </a:r>
+            <a:r>
+              <a:rPr lang="nl-NL" dirty="0" err="1"/>
+              <a:t>Probleemoplossen</a:t>
+            </a:r>
+            <a:r>
+              <a:rPr lang="nl-NL" dirty="0"/>
+              <a:t> en Ontwerpen, deel 3</a:t>
+            </a:r>
+          </a:p>
+        </p:txBody>
+      </p:sp>
+      <p:sp>
+        <p:nvSpPr>
+          <p:cNvPr id="4" name="Slide Number Placeholder 3"/>
+          <p:cNvSpPr>
+            <a:spLocks noGrp="1"/>
+          </p:cNvSpPr>
+          <p:nvPr>
+            <p:ph type="sldNum" sz="quarter" idx="12"/>
+          </p:nvPr>
+        </p:nvSpPr>
+        <p:spPr/>
+        <p:txBody>
+          <a:bodyPr/>
+          <a:lstStyle/>
+          <a:p>
+            <a:fld id="{0A297500-7527-634B-90F4-69D0994C32B4}" type="slidenum">
+              <a:rPr lang="nl-NL" smtClean="0"/>
+              <a:t>5</a:t>
+            </a:fld>
+            <a:endParaRPr lang="nl-NL"/>
+          </a:p>
+        </p:txBody>
+      </p:sp>
+      <p:sp>
+        <p:nvSpPr>
+          <p:cNvPr id="5" name="Title 4"/>
+          <p:cNvSpPr>
+            <a:spLocks noGrp="1"/>
+          </p:cNvSpPr>
+          <p:nvPr>
+            <p:ph type="title"/>
+          </p:nvPr>
+        </p:nvSpPr>
+        <p:spPr/>
+        <p:txBody>
+          <a:bodyPr/>
+          <a:lstStyle/>
+          <a:p>
+            <a:r>
+              <a:rPr lang="nl-BE" dirty="0"/>
+              <a:t>Week 2 (13/10/2022)</a:t>
+            </a:r>
+          </a:p>
+        </p:txBody>
+      </p:sp>
+      <p:sp>
+        <p:nvSpPr>
+          <p:cNvPr id="6" name="Rectangle 7"/>
+          <p:cNvSpPr>
+            <a:spLocks noChangeArrowheads="1"/>
+          </p:cNvSpPr>
+          <p:nvPr/>
+        </p:nvSpPr>
+        <p:spPr bwMode="auto">
+          <a:xfrm>
+            <a:off x="576000" y="1901580"/>
+            <a:ext cx="4940880" cy="1018404"/>
+          </a:xfrm>
+          <a:prstGeom prst="rect">
+            <a:avLst/>
+          </a:prstGeom>
+          <a:noFill/>
+          <a:ln w="9525">
+            <a:solidFill>
+              <a:srgbClr val="333333"/>
+            </a:solidFill>
+            <a:miter lim="800000"/>
+            <a:headEnd/>
+            <a:tailEnd/>
+          </a:ln>
+          <a:effectLst/>
+          <a:extLst>
+            <a:ext uri="{909E8E84-426E-40DD-AFC4-6F175D3DCCD1}">
+              <a14:hiddenFill xmlns:a14="http://schemas.microsoft.com/office/drawing/2010/main">
+                <a:solidFill>
+                  <a:schemeClr val="accent1"/>
+                </a:solidFill>
+              </a14:hiddenFill>
+            </a:ext>
+            <a:ext uri="{AF507438-7753-43E0-B8FC-AC1667EBCBE1}">
+              <a14:hiddenEffects xmlns:a14="http://schemas.microsoft.com/office/drawing/2010/main">
+                <a:effectLst>
+                  <a:outerShdw dist="35921" dir="2700000" algn="ctr" rotWithShape="0">
+                    <a:schemeClr val="bg2"/>
+                  </a:outerShdw>
+                </a:effectLst>
+              </a14:hiddenEffects>
+            </a:ext>
+          </a:extLst>
+        </p:spPr>
+        <p:txBody>
+          <a:bodyPr wrap="none" anchor="ctr"/>
+          <a:lstStyle/>
+          <a:p>
+            <a:endParaRPr lang="nl-BE"/>
+          </a:p>
+        </p:txBody>
+      </p:sp>
+      <p:sp>
+        <p:nvSpPr>
+          <p:cNvPr id="7" name="Rectangle 8"/>
+          <p:cNvSpPr>
+            <a:spLocks noChangeArrowheads="1"/>
+          </p:cNvSpPr>
+          <p:nvPr/>
+        </p:nvSpPr>
+        <p:spPr bwMode="auto">
+          <a:xfrm>
+            <a:off x="576000" y="1901580"/>
+            <a:ext cx="4940880" cy="304800"/>
+          </a:xfrm>
+          <a:prstGeom prst="rect">
+            <a:avLst/>
+          </a:prstGeom>
+          <a:solidFill>
+            <a:schemeClr val="tx2">
+              <a:lumMod val="75000"/>
+            </a:schemeClr>
+          </a:solidFill>
+          <a:ln w="9525">
+            <a:solidFill>
+              <a:srgbClr val="333333"/>
+            </a:solidFill>
+            <a:miter lim="800000"/>
+            <a:headEnd/>
+            <a:tailEnd/>
+          </a:ln>
+          <a:effectLst/>
+        </p:spPr>
+        <p:txBody>
+          <a:bodyPr wrap="none" anchor="ctr"/>
+          <a:lstStyle/>
+          <a:p>
+            <a:r>
+              <a:rPr lang="en-US" altLang="nl-BE" sz="1400" b="1">
+                <a:solidFill>
+                  <a:schemeClr val="bg1"/>
+                </a:solidFill>
+                <a:latin typeface="Verdana" panose="020B0604030504040204" pitchFamily="34" charset="0"/>
+              </a:rPr>
+              <a:t>Planning</a:t>
+            </a:r>
+          </a:p>
+        </p:txBody>
+      </p:sp>
+      <p:sp>
+        <p:nvSpPr>
+          <p:cNvPr id="8" name="Rectangle 20"/>
+          <p:cNvSpPr>
+            <a:spLocks noChangeArrowheads="1"/>
+          </p:cNvSpPr>
+          <p:nvPr/>
+        </p:nvSpPr>
+        <p:spPr bwMode="auto">
+          <a:xfrm>
+            <a:off x="576000" y="2206380"/>
+            <a:ext cx="4940880" cy="713604"/>
+          </a:xfrm>
+          <a:prstGeom prst="rect">
+            <a:avLst/>
+          </a:prstGeom>
+          <a:noFill/>
+          <a:ln>
+            <a:noFill/>
+          </a:ln>
+          <a:effectLst/>
+          <a:extLst>
+            <a:ext uri="{909E8E84-426E-40DD-AFC4-6F175D3DCCD1}">
+              <a14:hiddenFill xmlns:a14="http://schemas.microsoft.com/office/drawing/2010/main">
+                <a:solidFill>
+                  <a:srgbClr val="333333"/>
+                </a:solidFill>
+              </a14:hiddenFill>
+            </a:ext>
+            <a:ext uri="{91240B29-F687-4F45-9708-019B960494DF}">
+              <a14:hiddenLine xmlns:a14="http://schemas.microsoft.com/office/drawing/2010/main" w="9525">
+                <a:solidFill>
+                  <a:srgbClr val="333333"/>
+                </a:solidFill>
+                <a:miter lim="800000"/>
+                <a:headEnd/>
+                <a:tailEnd/>
+              </a14:hiddenLine>
+            </a:ext>
+            <a:ext uri="{AF507438-7753-43E0-B8FC-AC1667EBCBE1}">
+              <a14:hiddenEffects xmlns:a14="http://schemas.microsoft.com/office/drawing/2010/main">
+                <a:effectLst>
+                  <a:outerShdw dist="35921" dir="2700000" algn="ctr" rotWithShape="0">
+                    <a:schemeClr val="bg2"/>
+                  </a:outerShdw>
+                </a:effectLst>
+              </a14:hiddenEffects>
+            </a:ext>
+          </a:extLst>
+        </p:spPr>
+        <p:txBody>
+          <a:bodyPr wrap="none"/>
+          <a:lstStyle/>
+          <a:p>
+            <a:pPr>
+              <a:buFontTx/>
+              <a:buChar char="•"/>
+            </a:pPr>
+            <a:r>
+              <a:rPr lang="en-US" altLang="nl-BE" sz="1200" dirty="0">
+                <a:solidFill>
+                  <a:srgbClr val="333333"/>
+                </a:solidFill>
+                <a:latin typeface="Verdana" panose="020B0604030504040204" pitchFamily="34" charset="0"/>
+              </a:rPr>
+              <a:t> Item 1</a:t>
+            </a:r>
+          </a:p>
+          <a:p>
+            <a:pPr>
+              <a:buFontTx/>
+              <a:buChar char="•"/>
+            </a:pPr>
+            <a:r>
+              <a:rPr lang="en-US" altLang="nl-BE" sz="1200" dirty="0">
+                <a:solidFill>
+                  <a:srgbClr val="333333"/>
+                </a:solidFill>
+                <a:latin typeface="Verdana" panose="020B0604030504040204" pitchFamily="34" charset="0"/>
+              </a:rPr>
+              <a:t> Item 2</a:t>
+            </a:r>
+          </a:p>
+          <a:p>
+            <a:pPr>
+              <a:buFontTx/>
+              <a:buChar char="•"/>
+            </a:pPr>
+            <a:r>
+              <a:rPr lang="en-US" altLang="nl-BE" sz="1200" dirty="0">
+                <a:solidFill>
+                  <a:srgbClr val="333333"/>
+                </a:solidFill>
+                <a:latin typeface="Verdana" panose="020B0604030504040204" pitchFamily="34" charset="0"/>
+              </a:rPr>
+              <a:t>…</a:t>
+            </a:r>
+          </a:p>
+        </p:txBody>
+      </p:sp>
+      <p:graphicFrame>
+        <p:nvGraphicFramePr>
+          <p:cNvPr id="9" name="Table 8"/>
+          <p:cNvGraphicFramePr>
+            <a:graphicFrameLocks noGrp="1"/>
+          </p:cNvGraphicFramePr>
+          <p:nvPr/>
+        </p:nvGraphicFramePr>
+        <p:xfrm>
+          <a:off x="580800" y="3517586"/>
+          <a:ext cx="11306400" cy="2595880"/>
+        </p:xfrm>
+        <a:graphic>
+          <a:graphicData uri="http://schemas.openxmlformats.org/drawingml/2006/table">
+            <a:tbl>
+              <a:tblPr firstRow="1" bandRow="1">
+                <a:tableStyleId>{5C22544A-7EE6-4342-B048-85BDC9FD1C3A}</a:tableStyleId>
+              </a:tblPr>
+              <a:tblGrid>
+                <a:gridCol w="2261280">
+                  <a:extLst>
+                    <a:ext uri="{9D8B030D-6E8A-4147-A177-3AD203B41FA5}">
+                      <a16:colId xmlns:a16="http://schemas.microsoft.com/office/drawing/2014/main" val="3222044758"/>
+                    </a:ext>
+                  </a:extLst>
+                </a:gridCol>
+                <a:gridCol w="2261280">
+                  <a:extLst>
+                    <a:ext uri="{9D8B030D-6E8A-4147-A177-3AD203B41FA5}">
+                      <a16:colId xmlns:a16="http://schemas.microsoft.com/office/drawing/2014/main" val="23332546"/>
+                    </a:ext>
+                  </a:extLst>
+                </a:gridCol>
+                <a:gridCol w="2261280">
+                  <a:extLst>
+                    <a:ext uri="{9D8B030D-6E8A-4147-A177-3AD203B41FA5}">
+                      <a16:colId xmlns:a16="http://schemas.microsoft.com/office/drawing/2014/main" val="62682046"/>
+                    </a:ext>
+                  </a:extLst>
+                </a:gridCol>
+                <a:gridCol w="2261280">
+                  <a:extLst>
+                    <a:ext uri="{9D8B030D-6E8A-4147-A177-3AD203B41FA5}">
+                      <a16:colId xmlns:a16="http://schemas.microsoft.com/office/drawing/2014/main" val="1440099295"/>
+                    </a:ext>
+                  </a:extLst>
+                </a:gridCol>
+                <a:gridCol w="2261280">
+                  <a:extLst>
+                    <a:ext uri="{9D8B030D-6E8A-4147-A177-3AD203B41FA5}">
+                      <a16:colId xmlns:a16="http://schemas.microsoft.com/office/drawing/2014/main" val="2799077174"/>
+                    </a:ext>
+                  </a:extLst>
+                </a:gridCol>
+              </a:tblGrid>
+              <a:tr h="370840">
+                <a:tc>
+                  <a:txBody>
+                    <a:bodyPr/>
+                    <a:lstStyle/>
+                    <a:p>
+                      <a:r>
+                        <a:rPr lang="nl-BE" dirty="0"/>
+                        <a:t>Naam student</a:t>
+                      </a:r>
+                    </a:p>
+                  </a:txBody>
+                  <a:tcPr>
+                    <a:lnL w="12700" cap="flat" cmpd="sng" algn="ctr">
+                      <a:solidFill>
+                        <a:schemeClr val="tx1"/>
+                      </a:solidFill>
+                      <a:prstDash val="solid"/>
+                      <a:round/>
+                      <a:headEnd type="none" w="med" len="med"/>
+                      <a:tailEnd type="none" w="med" len="med"/>
+                    </a:lnL>
+                    <a:lnT w="12700" cap="flat" cmpd="sng" algn="ctr">
+                      <a:solidFill>
+                        <a:schemeClr val="tx1"/>
+                      </a:solidFill>
+                      <a:prstDash val="solid"/>
+                      <a:round/>
+                      <a:headEnd type="none" w="med" len="med"/>
+                      <a:tailEnd type="none" w="med" len="med"/>
+                    </a:lnT>
+                  </a:tcPr>
+                </a:tc>
+                <a:tc>
+                  <a:txBody>
+                    <a:bodyPr/>
+                    <a:lstStyle/>
+                    <a:p>
+                      <a:r>
+                        <a:rPr lang="nl-BE" dirty="0"/>
+                        <a:t>14u00-15u00</a:t>
+                      </a:r>
+                    </a:p>
+                  </a:txBody>
+                  <a:tcPr>
+                    <a:lnT w="12700" cap="flat" cmpd="sng" algn="ctr">
+                      <a:solidFill>
+                        <a:schemeClr val="tx1"/>
+                      </a:solidFill>
+                      <a:prstDash val="solid"/>
+                      <a:round/>
+                      <a:headEnd type="none" w="med" len="med"/>
+                      <a:tailEnd type="none" w="med" len="med"/>
+                    </a:lnT>
+                  </a:tcPr>
+                </a:tc>
+                <a:tc>
+                  <a:txBody>
+                    <a:bodyPr/>
+                    <a:lstStyle/>
+                    <a:p>
+                      <a:r>
+                        <a:rPr lang="nl-BE" dirty="0"/>
+                        <a:t>15u00-16u00</a:t>
+                      </a:r>
+                    </a:p>
+                  </a:txBody>
+                  <a:tcPr>
+                    <a:lnT w="12700" cap="flat" cmpd="sng" algn="ctr">
+                      <a:solidFill>
+                        <a:schemeClr val="tx1"/>
+                      </a:solidFill>
+                      <a:prstDash val="solid"/>
+                      <a:round/>
+                      <a:headEnd type="none" w="med" len="med"/>
+                      <a:tailEnd type="none" w="med" len="med"/>
+                    </a:lnT>
+                  </a:tcPr>
+                </a:tc>
+                <a:tc>
+                  <a:txBody>
+                    <a:bodyPr/>
+                    <a:lstStyle/>
+                    <a:p>
+                      <a:r>
+                        <a:rPr lang="nl-BE" dirty="0"/>
+                        <a:t>16u00-17u00</a:t>
+                      </a:r>
+                    </a:p>
+                  </a:txBody>
+                  <a:tcPr>
+                    <a:lnT w="12700" cap="flat" cmpd="sng" algn="ctr">
+                      <a:solidFill>
+                        <a:schemeClr val="tx1"/>
+                      </a:solidFill>
+                      <a:prstDash val="solid"/>
+                      <a:round/>
+                      <a:headEnd type="none" w="med" len="med"/>
+                      <a:tailEnd type="none" w="med" len="med"/>
+                    </a:lnT>
+                  </a:tcPr>
+                </a:tc>
+                <a:tc>
+                  <a:txBody>
+                    <a:bodyPr/>
+                    <a:lstStyle/>
+                    <a:p>
+                      <a:r>
+                        <a:rPr lang="nl-BE" dirty="0"/>
+                        <a:t>17u00-18u00</a:t>
+                      </a:r>
+                    </a:p>
+                  </a:txBody>
+                  <a:tcPr>
+                    <a:lnR w="12700" cap="flat" cmpd="sng" algn="ctr">
+                      <a:solidFill>
+                        <a:schemeClr val="tx1"/>
+                      </a:solidFill>
+                      <a:prstDash val="solid"/>
+                      <a:round/>
+                      <a:headEnd type="none" w="med" len="med"/>
+                      <a:tailEnd type="none" w="med" len="med"/>
+                    </a:lnR>
+                    <a:lnT w="12700" cap="flat" cmpd="sng" algn="ctr">
+                      <a:solidFill>
+                        <a:schemeClr val="tx1"/>
+                      </a:solidFill>
+                      <a:prstDash val="solid"/>
+                      <a:round/>
+                      <a:headEnd type="none" w="med" len="med"/>
+                      <a:tailEnd type="none" w="med" len="med"/>
+                    </a:lnT>
+                  </a:tcPr>
+                </a:tc>
+                <a:extLst>
+                  <a:ext uri="{0D108BD9-81ED-4DB2-BD59-A6C34878D82A}">
+                    <a16:rowId xmlns:a16="http://schemas.microsoft.com/office/drawing/2014/main" val="1545514501"/>
+                  </a:ext>
+                </a:extLst>
+              </a:tr>
+              <a:tr h="370840">
+                <a:tc>
+                  <a:txBody>
+                    <a:bodyPr/>
+                    <a:lstStyle/>
+                    <a:p>
+                      <a:r>
+                        <a:rPr lang="nl-BE" dirty="0"/>
+                        <a:t>Arne </a:t>
+                      </a:r>
+                      <a:r>
+                        <a:rPr lang="nl-BE" dirty="0" err="1"/>
+                        <a:t>Lemahieu</a:t>
+                      </a:r>
+                      <a:endParaRPr lang="nl-BE" dirty="0"/>
+                    </a:p>
+                  </a:txBody>
+                  <a:tcPr>
+                    <a:lnL w="12700" cap="flat" cmpd="sng" algn="ctr">
+                      <a:solidFill>
+                        <a:schemeClr val="tx1"/>
+                      </a:solidFill>
+                      <a:prstDash val="solid"/>
+                      <a:round/>
+                      <a:headEnd type="none" w="med" len="med"/>
+                      <a:tailEnd type="none" w="med" len="med"/>
+                    </a:lnL>
+                  </a:tcPr>
+                </a:tc>
+                <a:tc>
+                  <a:txBody>
+                    <a:bodyPr/>
+                    <a:lstStyle/>
+                    <a:p>
+                      <a:endParaRPr lang="nl-BE" dirty="0"/>
+                    </a:p>
+                  </a:txBody>
+                  <a:tcPr/>
+                </a:tc>
+                <a:tc>
+                  <a:txBody>
+                    <a:bodyPr/>
+                    <a:lstStyle/>
+                    <a:p>
+                      <a:endParaRPr lang="nl-BE" dirty="0"/>
+                    </a:p>
+                  </a:txBody>
+                  <a:tcPr/>
+                </a:tc>
+                <a:tc>
+                  <a:txBody>
+                    <a:bodyPr/>
+                    <a:lstStyle/>
+                    <a:p>
+                      <a:endParaRPr lang="nl-BE"/>
+                    </a:p>
+                  </a:txBody>
+                  <a:tcPr/>
+                </a:tc>
+                <a:tc>
+                  <a:txBody>
+                    <a:bodyPr/>
+                    <a:lstStyle/>
+                    <a:p>
+                      <a:endParaRPr lang="nl-BE" dirty="0"/>
+                    </a:p>
+                  </a:txBody>
+                  <a:tcPr>
+                    <a:lnR w="12700" cap="flat" cmpd="sng" algn="ctr">
+                      <a:solidFill>
+                        <a:schemeClr val="tx1"/>
+                      </a:solidFill>
+                      <a:prstDash val="solid"/>
+                      <a:round/>
+                      <a:headEnd type="none" w="med" len="med"/>
+                      <a:tailEnd type="none" w="med" len="med"/>
+                    </a:lnR>
+                  </a:tcPr>
+                </a:tc>
+                <a:extLst>
+                  <a:ext uri="{0D108BD9-81ED-4DB2-BD59-A6C34878D82A}">
+                    <a16:rowId xmlns:a16="http://schemas.microsoft.com/office/drawing/2014/main" val="4272612081"/>
+                  </a:ext>
+                </a:extLst>
+              </a:tr>
+              <a:tr h="370840">
+                <a:tc>
+                  <a:txBody>
+                    <a:bodyPr/>
+                    <a:lstStyle/>
+                    <a:p>
+                      <a:pPr marL="0" marR="0" lvl="0" indent="0" algn="l" defTabSz="914400" rtl="0" eaLnBrk="1" fontAlgn="auto" latinLnBrk="0" hangingPunct="1">
+                        <a:lnSpc>
+                          <a:spcPct val="100000"/>
+                        </a:lnSpc>
+                        <a:spcBef>
+                          <a:spcPts val="0"/>
+                        </a:spcBef>
+                        <a:spcAft>
+                          <a:spcPts val="0"/>
+                        </a:spcAft>
+                        <a:buClrTx/>
+                        <a:buSzTx/>
+                        <a:buFontTx/>
+                        <a:buNone/>
+                        <a:tabLst/>
+                        <a:defRPr/>
+                      </a:pPr>
+                      <a:r>
+                        <a:rPr lang="nl-BE" dirty="0"/>
+                        <a:t>Kasper </a:t>
+                      </a:r>
+                      <a:r>
+                        <a:rPr lang="nl-BE" dirty="0" err="1"/>
+                        <a:t>Dumoulin</a:t>
+                      </a:r>
+                      <a:endParaRPr lang="nl-BE" dirty="0"/>
+                    </a:p>
+                  </a:txBody>
+                  <a:tcPr>
+                    <a:lnL w="12700" cap="flat" cmpd="sng" algn="ctr">
+                      <a:solidFill>
+                        <a:schemeClr val="tx1"/>
+                      </a:solidFill>
+                      <a:prstDash val="solid"/>
+                      <a:round/>
+                      <a:headEnd type="none" w="med" len="med"/>
+                      <a:tailEnd type="none" w="med" len="med"/>
+                    </a:lnL>
+                  </a:tcPr>
+                </a:tc>
+                <a:tc>
+                  <a:txBody>
+                    <a:bodyPr/>
+                    <a:lstStyle/>
+                    <a:p>
+                      <a:endParaRPr lang="nl-BE" dirty="0"/>
+                    </a:p>
+                  </a:txBody>
+                  <a:tcPr/>
+                </a:tc>
+                <a:tc>
+                  <a:txBody>
+                    <a:bodyPr/>
+                    <a:lstStyle/>
+                    <a:p>
+                      <a:endParaRPr lang="nl-BE"/>
+                    </a:p>
+                  </a:txBody>
+                  <a:tcPr/>
+                </a:tc>
+                <a:tc>
+                  <a:txBody>
+                    <a:bodyPr/>
+                    <a:lstStyle/>
+                    <a:p>
+                      <a:endParaRPr lang="nl-BE"/>
+                    </a:p>
+                  </a:txBody>
+                  <a:tcPr/>
+                </a:tc>
+                <a:tc>
+                  <a:txBody>
+                    <a:bodyPr/>
+                    <a:lstStyle/>
+                    <a:p>
+                      <a:endParaRPr lang="nl-BE" dirty="0"/>
+                    </a:p>
+                  </a:txBody>
+                  <a:tcPr>
+                    <a:lnR w="12700" cap="flat" cmpd="sng" algn="ctr">
+                      <a:solidFill>
+                        <a:schemeClr val="tx1"/>
+                      </a:solidFill>
+                      <a:prstDash val="solid"/>
+                      <a:round/>
+                      <a:headEnd type="none" w="med" len="med"/>
+                      <a:tailEnd type="none" w="med" len="med"/>
+                    </a:lnR>
+                  </a:tcPr>
+                </a:tc>
+                <a:extLst>
+                  <a:ext uri="{0D108BD9-81ED-4DB2-BD59-A6C34878D82A}">
+                    <a16:rowId xmlns:a16="http://schemas.microsoft.com/office/drawing/2014/main" val="2535650466"/>
+                  </a:ext>
+                </a:extLst>
+              </a:tr>
+              <a:tr h="370840">
+                <a:tc>
+                  <a:txBody>
+                    <a:bodyPr/>
+                    <a:lstStyle/>
+                    <a:p>
+                      <a:pPr marL="0" marR="0" lvl="0" indent="0" algn="l" defTabSz="914400" rtl="0" eaLnBrk="1" fontAlgn="auto" latinLnBrk="0" hangingPunct="1">
+                        <a:lnSpc>
+                          <a:spcPct val="100000"/>
+                        </a:lnSpc>
+                        <a:spcBef>
+                          <a:spcPts val="0"/>
+                        </a:spcBef>
+                        <a:spcAft>
+                          <a:spcPts val="0"/>
+                        </a:spcAft>
+                        <a:buClrTx/>
+                        <a:buSzTx/>
+                        <a:buFontTx/>
+                        <a:buNone/>
+                        <a:tabLst/>
+                        <a:defRPr/>
+                      </a:pPr>
+                      <a:r>
+                        <a:rPr lang="nl-BE" dirty="0"/>
+                        <a:t>Mauro Janssens</a:t>
+                      </a:r>
+                    </a:p>
+                  </a:txBody>
+                  <a:tcPr>
+                    <a:lnL w="12700" cap="flat" cmpd="sng" algn="ctr">
+                      <a:solidFill>
+                        <a:schemeClr val="tx1"/>
+                      </a:solidFill>
+                      <a:prstDash val="solid"/>
+                      <a:round/>
+                      <a:headEnd type="none" w="med" len="med"/>
+                      <a:tailEnd type="none" w="med" len="med"/>
+                    </a:lnL>
+                  </a:tcPr>
+                </a:tc>
+                <a:tc>
+                  <a:txBody>
+                    <a:bodyPr/>
+                    <a:lstStyle/>
+                    <a:p>
+                      <a:endParaRPr lang="nl-BE" dirty="0"/>
+                    </a:p>
+                  </a:txBody>
+                  <a:tcPr/>
+                </a:tc>
+                <a:tc>
+                  <a:txBody>
+                    <a:bodyPr/>
+                    <a:lstStyle/>
+                    <a:p>
+                      <a:endParaRPr lang="nl-BE"/>
+                    </a:p>
+                  </a:txBody>
+                  <a:tcPr/>
+                </a:tc>
+                <a:tc>
+                  <a:txBody>
+                    <a:bodyPr/>
+                    <a:lstStyle/>
+                    <a:p>
+                      <a:endParaRPr lang="nl-BE" dirty="0"/>
+                    </a:p>
+                  </a:txBody>
+                  <a:tcPr/>
+                </a:tc>
+                <a:tc>
+                  <a:txBody>
+                    <a:bodyPr/>
+                    <a:lstStyle/>
+                    <a:p>
+                      <a:endParaRPr lang="nl-BE"/>
+                    </a:p>
+                  </a:txBody>
+                  <a:tcPr>
+                    <a:lnR w="12700" cap="flat" cmpd="sng" algn="ctr">
+                      <a:solidFill>
+                        <a:schemeClr val="tx1"/>
+                      </a:solidFill>
+                      <a:prstDash val="solid"/>
+                      <a:round/>
+                      <a:headEnd type="none" w="med" len="med"/>
+                      <a:tailEnd type="none" w="med" len="med"/>
+                    </a:lnR>
+                  </a:tcPr>
+                </a:tc>
+                <a:extLst>
+                  <a:ext uri="{0D108BD9-81ED-4DB2-BD59-A6C34878D82A}">
+                    <a16:rowId xmlns:a16="http://schemas.microsoft.com/office/drawing/2014/main" val="1056747163"/>
+                  </a:ext>
+                </a:extLst>
+              </a:tr>
+              <a:tr h="370840">
+                <a:tc>
+                  <a:txBody>
+                    <a:bodyPr/>
+                    <a:lstStyle/>
+                    <a:p>
+                      <a:pPr marL="0" marR="0" lvl="0" indent="0" algn="l" defTabSz="914400" rtl="0" eaLnBrk="1" fontAlgn="auto" latinLnBrk="0" hangingPunct="1">
+                        <a:lnSpc>
+                          <a:spcPct val="100000"/>
+                        </a:lnSpc>
+                        <a:spcBef>
+                          <a:spcPts val="0"/>
+                        </a:spcBef>
+                        <a:spcAft>
+                          <a:spcPts val="0"/>
+                        </a:spcAft>
+                        <a:buClrTx/>
+                        <a:buSzTx/>
+                        <a:buFontTx/>
+                        <a:buNone/>
+                        <a:tabLst/>
+                        <a:defRPr/>
+                      </a:pPr>
+                      <a:r>
+                        <a:rPr lang="nl-BE" dirty="0"/>
+                        <a:t>Pepijn Haenen</a:t>
+                      </a:r>
+                    </a:p>
+                  </a:txBody>
+                  <a:tcPr>
+                    <a:lnL w="12700" cap="flat" cmpd="sng" algn="ctr">
+                      <a:solidFill>
+                        <a:schemeClr val="tx1"/>
+                      </a:solidFill>
+                      <a:prstDash val="solid"/>
+                      <a:round/>
+                      <a:headEnd type="none" w="med" len="med"/>
+                      <a:tailEnd type="none" w="med" len="med"/>
+                    </a:lnL>
+                  </a:tcPr>
+                </a:tc>
+                <a:tc>
+                  <a:txBody>
+                    <a:bodyPr/>
+                    <a:lstStyle/>
+                    <a:p>
+                      <a:endParaRPr lang="nl-BE" dirty="0"/>
+                    </a:p>
+                  </a:txBody>
+                  <a:tcPr/>
+                </a:tc>
+                <a:tc>
+                  <a:txBody>
+                    <a:bodyPr/>
+                    <a:lstStyle/>
+                    <a:p>
+                      <a:endParaRPr lang="nl-BE" dirty="0"/>
+                    </a:p>
+                  </a:txBody>
+                  <a:tcPr/>
+                </a:tc>
+                <a:tc>
+                  <a:txBody>
+                    <a:bodyPr/>
+                    <a:lstStyle/>
+                    <a:p>
+                      <a:endParaRPr lang="nl-BE"/>
+                    </a:p>
+                  </a:txBody>
+                  <a:tcPr/>
+                </a:tc>
+                <a:tc>
+                  <a:txBody>
+                    <a:bodyPr/>
+                    <a:lstStyle/>
+                    <a:p>
+                      <a:endParaRPr lang="nl-BE"/>
+                    </a:p>
+                  </a:txBody>
+                  <a:tcPr>
+                    <a:lnR w="12700" cap="flat" cmpd="sng" algn="ctr">
+                      <a:solidFill>
+                        <a:schemeClr val="tx1"/>
+                      </a:solidFill>
+                      <a:prstDash val="solid"/>
+                      <a:round/>
+                      <a:headEnd type="none" w="med" len="med"/>
+                      <a:tailEnd type="none" w="med" len="med"/>
+                    </a:lnR>
+                  </a:tcPr>
+                </a:tc>
+                <a:extLst>
+                  <a:ext uri="{0D108BD9-81ED-4DB2-BD59-A6C34878D82A}">
+                    <a16:rowId xmlns:a16="http://schemas.microsoft.com/office/drawing/2014/main" val="4081416973"/>
+                  </a:ext>
+                </a:extLst>
+              </a:tr>
+              <a:tr h="370840">
+                <a:tc>
+                  <a:txBody>
+                    <a:bodyPr/>
+                    <a:lstStyle/>
+                    <a:p>
+                      <a:pPr marL="0" marR="0" lvl="0" indent="0" algn="l" defTabSz="914400" rtl="0" eaLnBrk="1" fontAlgn="auto" latinLnBrk="0" hangingPunct="1">
+                        <a:lnSpc>
+                          <a:spcPct val="100000"/>
+                        </a:lnSpc>
+                        <a:spcBef>
+                          <a:spcPts val="0"/>
+                        </a:spcBef>
+                        <a:spcAft>
+                          <a:spcPts val="0"/>
+                        </a:spcAft>
+                        <a:buClrTx/>
+                        <a:buSzTx/>
+                        <a:buFontTx/>
+                        <a:buNone/>
+                        <a:tabLst/>
+                        <a:defRPr/>
+                      </a:pPr>
+                      <a:r>
+                        <a:rPr lang="nl-BE" dirty="0"/>
+                        <a:t>Philippe </a:t>
+                      </a:r>
+                      <a:r>
+                        <a:rPr lang="nl-BE" dirty="0" err="1"/>
+                        <a:t>Laffineur</a:t>
+                      </a:r>
+                      <a:endParaRPr lang="nl-BE" dirty="0"/>
+                    </a:p>
+                  </a:txBody>
+                  <a:tcPr>
+                    <a:lnL w="12700" cap="flat" cmpd="sng" algn="ctr">
+                      <a:solidFill>
+                        <a:schemeClr val="tx1"/>
+                      </a:solidFill>
+                      <a:prstDash val="solid"/>
+                      <a:round/>
+                      <a:headEnd type="none" w="med" len="med"/>
+                      <a:tailEnd type="none" w="med" len="med"/>
+                    </a:lnL>
+                  </a:tcPr>
+                </a:tc>
+                <a:tc>
+                  <a:txBody>
+                    <a:bodyPr/>
+                    <a:lstStyle/>
+                    <a:p>
+                      <a:endParaRPr lang="nl-BE" dirty="0"/>
+                    </a:p>
+                  </a:txBody>
+                  <a:tcPr/>
+                </a:tc>
+                <a:tc>
+                  <a:txBody>
+                    <a:bodyPr/>
+                    <a:lstStyle/>
+                    <a:p>
+                      <a:endParaRPr lang="nl-BE" dirty="0"/>
+                    </a:p>
+                  </a:txBody>
+                  <a:tcPr/>
+                </a:tc>
+                <a:tc>
+                  <a:txBody>
+                    <a:bodyPr/>
+                    <a:lstStyle/>
+                    <a:p>
+                      <a:endParaRPr lang="nl-BE"/>
+                    </a:p>
+                  </a:txBody>
+                  <a:tcPr/>
+                </a:tc>
+                <a:tc>
+                  <a:txBody>
+                    <a:bodyPr/>
+                    <a:lstStyle/>
+                    <a:p>
+                      <a:endParaRPr lang="nl-BE" dirty="0"/>
+                    </a:p>
+                  </a:txBody>
+                  <a:tcPr>
+                    <a:lnR w="12700" cap="flat" cmpd="sng" algn="ctr">
+                      <a:solidFill>
+                        <a:schemeClr val="tx1"/>
+                      </a:solidFill>
+                      <a:prstDash val="solid"/>
+                      <a:round/>
+                      <a:headEnd type="none" w="med" len="med"/>
+                      <a:tailEnd type="none" w="med" len="med"/>
+                    </a:lnR>
+                  </a:tcPr>
+                </a:tc>
+                <a:extLst>
+                  <a:ext uri="{0D108BD9-81ED-4DB2-BD59-A6C34878D82A}">
+                    <a16:rowId xmlns:a16="http://schemas.microsoft.com/office/drawing/2014/main" val="4226429342"/>
+                  </a:ext>
+                </a:extLst>
+              </a:tr>
+              <a:tr h="370840">
+                <a:tc>
+                  <a:txBody>
+                    <a:bodyPr/>
+                    <a:lstStyle/>
+                    <a:p>
+                      <a:pPr marL="0" marR="0" lvl="0" indent="0" algn="l" defTabSz="914400" rtl="0" eaLnBrk="1" fontAlgn="auto" latinLnBrk="0" hangingPunct="1">
+                        <a:lnSpc>
+                          <a:spcPct val="100000"/>
+                        </a:lnSpc>
+                        <a:spcBef>
+                          <a:spcPts val="0"/>
+                        </a:spcBef>
+                        <a:spcAft>
+                          <a:spcPts val="0"/>
+                        </a:spcAft>
+                        <a:buClrTx/>
+                        <a:buSzTx/>
+                        <a:buFontTx/>
+                        <a:buNone/>
+                        <a:tabLst/>
+                        <a:defRPr/>
+                      </a:pPr>
+                      <a:r>
+                        <a:rPr lang="nl-BE" dirty="0" err="1"/>
+                        <a:t>Tjorben</a:t>
+                      </a:r>
+                      <a:r>
+                        <a:rPr lang="nl-BE" dirty="0"/>
+                        <a:t> </a:t>
+                      </a:r>
+                      <a:r>
+                        <a:rPr lang="nl-BE" dirty="0" err="1"/>
+                        <a:t>Godeau</a:t>
+                      </a:r>
+                      <a:endParaRPr lang="nl-BE" dirty="0"/>
+                    </a:p>
+                  </a:txBody>
+                  <a:tcPr>
+                    <a:lnL w="12700" cap="flat" cmpd="sng" algn="ctr">
+                      <a:solidFill>
+                        <a:schemeClr val="tx1"/>
+                      </a:solidFill>
+                      <a:prstDash val="solid"/>
+                      <a:round/>
+                      <a:headEnd type="none" w="med" len="med"/>
+                      <a:tailEnd type="none" w="med" len="med"/>
+                    </a:lnL>
+                    <a:lnB w="12700" cap="flat" cmpd="sng" algn="ctr">
+                      <a:solidFill>
+                        <a:schemeClr val="tx1"/>
+                      </a:solidFill>
+                      <a:prstDash val="solid"/>
+                      <a:round/>
+                      <a:headEnd type="none" w="med" len="med"/>
+                      <a:tailEnd type="none" w="med" len="med"/>
+                    </a:lnB>
+                  </a:tcPr>
+                </a:tc>
+                <a:tc>
+                  <a:txBody>
+                    <a:bodyPr/>
+                    <a:lstStyle/>
+                    <a:p>
+                      <a:endParaRPr lang="nl-BE" dirty="0"/>
+                    </a:p>
+                  </a:txBody>
+                  <a:tcPr>
+                    <a:lnB w="12700" cap="flat" cmpd="sng" algn="ctr">
+                      <a:solidFill>
+                        <a:schemeClr val="tx1"/>
+                      </a:solidFill>
+                      <a:prstDash val="solid"/>
+                      <a:round/>
+                      <a:headEnd type="none" w="med" len="med"/>
+                      <a:tailEnd type="none" w="med" len="med"/>
+                    </a:lnB>
+                  </a:tcPr>
+                </a:tc>
+                <a:tc>
+                  <a:txBody>
+                    <a:bodyPr/>
+                    <a:lstStyle/>
+                    <a:p>
+                      <a:endParaRPr lang="nl-BE" dirty="0"/>
+                    </a:p>
+                  </a:txBody>
+                  <a:tcPr>
+                    <a:lnB w="12700" cap="flat" cmpd="sng" algn="ctr">
+                      <a:solidFill>
+                        <a:schemeClr val="tx1"/>
+                      </a:solidFill>
+                      <a:prstDash val="solid"/>
+                      <a:round/>
+                      <a:headEnd type="none" w="med" len="med"/>
+                      <a:tailEnd type="none" w="med" len="med"/>
+                    </a:lnB>
+                  </a:tcPr>
+                </a:tc>
+                <a:tc>
+                  <a:txBody>
+                    <a:bodyPr/>
+                    <a:lstStyle/>
+                    <a:p>
+                      <a:endParaRPr lang="nl-BE"/>
+                    </a:p>
+                  </a:txBody>
+                  <a:tcPr>
+                    <a:lnB w="12700" cap="flat" cmpd="sng" algn="ctr">
+                      <a:solidFill>
+                        <a:schemeClr val="tx1"/>
+                      </a:solidFill>
+                      <a:prstDash val="solid"/>
+                      <a:round/>
+                      <a:headEnd type="none" w="med" len="med"/>
+                      <a:tailEnd type="none" w="med" len="med"/>
+                    </a:lnB>
+                  </a:tcPr>
+                </a:tc>
+                <a:tc>
+                  <a:txBody>
+                    <a:bodyPr/>
+                    <a:lstStyle/>
+                    <a:p>
+                      <a:endParaRPr lang="nl-BE" dirty="0"/>
+                    </a:p>
+                  </a:txBody>
+                  <a:tcPr>
+                    <a:lnR w="12700" cap="flat" cmpd="sng" algn="ctr">
+                      <a:solidFill>
+                        <a:schemeClr val="tx1"/>
+                      </a:solidFill>
+                      <a:prstDash val="solid"/>
+                      <a:round/>
+                      <a:headEnd type="none" w="med" len="med"/>
+                      <a:tailEnd type="none" w="med" len="med"/>
+                    </a:lnR>
+                    <a:lnB w="12700" cap="flat" cmpd="sng" algn="ctr">
+                      <a:solidFill>
+                        <a:schemeClr val="tx1"/>
+                      </a:solidFill>
+                      <a:prstDash val="solid"/>
+                      <a:round/>
+                      <a:headEnd type="none" w="med" len="med"/>
+                      <a:tailEnd type="none" w="med" len="med"/>
+                    </a:lnB>
+                  </a:tcPr>
+                </a:tc>
+                <a:extLst>
+                  <a:ext uri="{0D108BD9-81ED-4DB2-BD59-A6C34878D82A}">
+                    <a16:rowId xmlns:a16="http://schemas.microsoft.com/office/drawing/2014/main" val="3156394708"/>
+                  </a:ext>
+                </a:extLst>
+              </a:tr>
+            </a:tbl>
+          </a:graphicData>
+        </a:graphic>
+      </p:graphicFrame>
+      <p:sp>
+        <p:nvSpPr>
+          <p:cNvPr id="10" name="Rectangle 8"/>
+          <p:cNvSpPr>
+            <a:spLocks noChangeArrowheads="1"/>
+          </p:cNvSpPr>
+          <p:nvPr/>
+        </p:nvSpPr>
+        <p:spPr bwMode="auto">
+          <a:xfrm>
+            <a:off x="576000" y="3212786"/>
+            <a:ext cx="11311200" cy="304800"/>
+          </a:xfrm>
+          <a:prstGeom prst="rect">
+            <a:avLst/>
+          </a:prstGeom>
+          <a:solidFill>
+            <a:schemeClr val="tx2">
+              <a:lumMod val="75000"/>
+            </a:schemeClr>
+          </a:solidFill>
+          <a:ln w="9525">
+            <a:solidFill>
+              <a:srgbClr val="333333"/>
+            </a:solidFill>
+            <a:miter lim="800000"/>
+            <a:headEnd/>
+            <a:tailEnd/>
+          </a:ln>
+          <a:effectLst/>
+        </p:spPr>
+        <p:txBody>
+          <a:bodyPr wrap="none" anchor="ctr"/>
+          <a:lstStyle/>
+          <a:p>
+            <a:r>
+              <a:rPr lang="en-US" altLang="nl-BE" sz="1400" b="1" dirty="0" err="1">
+                <a:solidFill>
+                  <a:schemeClr val="bg1"/>
+                </a:solidFill>
+                <a:latin typeface="Verdana" panose="020B0604030504040204" pitchFamily="34" charset="0"/>
+              </a:rPr>
+              <a:t>Uitgevoerde</a:t>
+            </a:r>
+            <a:r>
+              <a:rPr lang="en-US" altLang="nl-BE" sz="1400" b="1" dirty="0">
+                <a:solidFill>
+                  <a:schemeClr val="bg1"/>
+                </a:solidFill>
+                <a:latin typeface="Verdana" panose="020B0604030504040204" pitchFamily="34" charset="0"/>
+              </a:rPr>
+              <a:t> taken </a:t>
+            </a:r>
+            <a:r>
+              <a:rPr lang="en-US" altLang="nl-BE" sz="1400" b="1" dirty="0" err="1">
+                <a:solidFill>
+                  <a:schemeClr val="bg1"/>
+                </a:solidFill>
+                <a:latin typeface="Verdana" panose="020B0604030504040204" pitchFamily="34" charset="0"/>
+              </a:rPr>
+              <a:t>tijdens</a:t>
+            </a:r>
+            <a:r>
+              <a:rPr lang="en-US" altLang="nl-BE" sz="1400" b="1" dirty="0">
+                <a:solidFill>
+                  <a:schemeClr val="bg1"/>
+                </a:solidFill>
+                <a:latin typeface="Verdana" panose="020B0604030504040204" pitchFamily="34" charset="0"/>
+              </a:rPr>
+              <a:t> </a:t>
+            </a:r>
+            <a:r>
+              <a:rPr lang="en-US" altLang="nl-BE" sz="1400" b="1" dirty="0" err="1">
+                <a:solidFill>
+                  <a:schemeClr val="bg1"/>
+                </a:solidFill>
+                <a:latin typeface="Verdana" panose="020B0604030504040204" pitchFamily="34" charset="0"/>
+              </a:rPr>
+              <a:t>teamzitting</a:t>
+            </a:r>
+            <a:endParaRPr lang="en-US" altLang="nl-BE" sz="1400" b="1" dirty="0">
+              <a:solidFill>
+                <a:schemeClr val="bg1"/>
+              </a:solidFill>
+              <a:latin typeface="Verdana" panose="020B0604030504040204" pitchFamily="34" charset="0"/>
+            </a:endParaRPr>
+          </a:p>
+        </p:txBody>
+      </p:sp>
+      <p:sp>
+        <p:nvSpPr>
+          <p:cNvPr id="11" name="Rectangle 7"/>
+          <p:cNvSpPr>
+            <a:spLocks noChangeArrowheads="1"/>
+          </p:cNvSpPr>
+          <p:nvPr/>
+        </p:nvSpPr>
+        <p:spPr bwMode="auto">
+          <a:xfrm>
+            <a:off x="6946320" y="695718"/>
+            <a:ext cx="4940880" cy="1018404"/>
+          </a:xfrm>
+          <a:prstGeom prst="rect">
+            <a:avLst/>
+          </a:prstGeom>
+          <a:noFill/>
+          <a:ln w="9525">
+            <a:solidFill>
+              <a:srgbClr val="333333"/>
+            </a:solidFill>
+            <a:miter lim="800000"/>
+            <a:headEnd/>
+            <a:tailEnd/>
+          </a:ln>
+          <a:effectLst/>
+          <a:extLst>
+            <a:ext uri="{909E8E84-426E-40DD-AFC4-6F175D3DCCD1}">
+              <a14:hiddenFill xmlns:a14="http://schemas.microsoft.com/office/drawing/2010/main">
+                <a:solidFill>
+                  <a:schemeClr val="accent1"/>
+                </a:solidFill>
+              </a14:hiddenFill>
+            </a:ext>
+            <a:ext uri="{AF507438-7753-43E0-B8FC-AC1667EBCBE1}">
+              <a14:hiddenEffects xmlns:a14="http://schemas.microsoft.com/office/drawing/2010/main">
+                <a:effectLst>
+                  <a:outerShdw dist="35921" dir="2700000" algn="ctr" rotWithShape="0">
+                    <a:schemeClr val="bg2"/>
+                  </a:outerShdw>
+                </a:effectLst>
+              </a14:hiddenEffects>
+            </a:ext>
+          </a:extLst>
+        </p:spPr>
+        <p:txBody>
+          <a:bodyPr wrap="none" anchor="ctr"/>
+          <a:lstStyle/>
+          <a:p>
+            <a:endParaRPr lang="nl-BE"/>
+          </a:p>
+        </p:txBody>
+      </p:sp>
+      <p:sp>
+        <p:nvSpPr>
+          <p:cNvPr id="12" name="Rectangle 8"/>
+          <p:cNvSpPr>
+            <a:spLocks noChangeArrowheads="1"/>
+          </p:cNvSpPr>
+          <p:nvPr/>
+        </p:nvSpPr>
+        <p:spPr bwMode="auto">
+          <a:xfrm>
+            <a:off x="6946320" y="695718"/>
+            <a:ext cx="4940880" cy="304800"/>
+          </a:xfrm>
+          <a:prstGeom prst="rect">
+            <a:avLst/>
+          </a:prstGeom>
+          <a:solidFill>
+            <a:schemeClr val="tx2">
+              <a:lumMod val="75000"/>
+            </a:schemeClr>
+          </a:solidFill>
+          <a:ln w="9525">
+            <a:solidFill>
+              <a:srgbClr val="333333"/>
+            </a:solidFill>
+            <a:miter lim="800000"/>
+            <a:headEnd/>
+            <a:tailEnd/>
+          </a:ln>
+          <a:effectLst/>
+        </p:spPr>
+        <p:txBody>
+          <a:bodyPr wrap="none" anchor="ctr"/>
+          <a:lstStyle/>
+          <a:p>
+            <a:r>
+              <a:rPr lang="en-US" altLang="nl-BE" sz="1400" b="1" dirty="0" err="1">
+                <a:solidFill>
+                  <a:schemeClr val="bg1"/>
+                </a:solidFill>
+                <a:latin typeface="Verdana" panose="020B0604030504040204" pitchFamily="34" charset="0"/>
+              </a:rPr>
+              <a:t>Voltooide</a:t>
+            </a:r>
+            <a:r>
+              <a:rPr lang="en-US" altLang="nl-BE" sz="1400" b="1" dirty="0">
+                <a:solidFill>
+                  <a:schemeClr val="bg1"/>
+                </a:solidFill>
+                <a:latin typeface="Verdana" panose="020B0604030504040204" pitchFamily="34" charset="0"/>
+              </a:rPr>
+              <a:t> </a:t>
+            </a:r>
+            <a:r>
+              <a:rPr lang="en-US" altLang="nl-BE" sz="1400" b="1" dirty="0" err="1">
+                <a:solidFill>
+                  <a:schemeClr val="bg1"/>
+                </a:solidFill>
+                <a:latin typeface="Verdana" panose="020B0604030504040204" pitchFamily="34" charset="0"/>
+              </a:rPr>
+              <a:t>acties</a:t>
+            </a:r>
+            <a:r>
+              <a:rPr lang="en-US" altLang="nl-BE" sz="1400" b="1" dirty="0">
+                <a:solidFill>
+                  <a:schemeClr val="bg1"/>
+                </a:solidFill>
+                <a:latin typeface="Verdana" panose="020B0604030504040204" pitchFamily="34" charset="0"/>
+              </a:rPr>
+              <a:t> – </a:t>
+            </a:r>
+            <a:r>
+              <a:rPr lang="en-US" altLang="nl-BE" sz="1400" b="1" dirty="0" err="1">
+                <a:solidFill>
+                  <a:schemeClr val="bg1"/>
+                </a:solidFill>
+                <a:latin typeface="Verdana" panose="020B0604030504040204" pitchFamily="34" charset="0"/>
+              </a:rPr>
+              <a:t>mijlpalen</a:t>
+            </a:r>
+            <a:endParaRPr lang="en-US" altLang="nl-BE" sz="1400" b="1" dirty="0">
+              <a:solidFill>
+                <a:schemeClr val="bg1"/>
+              </a:solidFill>
+              <a:latin typeface="Verdana" panose="020B0604030504040204" pitchFamily="34" charset="0"/>
+            </a:endParaRPr>
+          </a:p>
+        </p:txBody>
+      </p:sp>
+      <p:sp>
+        <p:nvSpPr>
+          <p:cNvPr id="13" name="Rectangle 20"/>
+          <p:cNvSpPr>
+            <a:spLocks noChangeArrowheads="1"/>
+          </p:cNvSpPr>
+          <p:nvPr/>
+        </p:nvSpPr>
+        <p:spPr bwMode="auto">
+          <a:xfrm>
+            <a:off x="6946320" y="1000518"/>
+            <a:ext cx="4940880" cy="713604"/>
+          </a:xfrm>
+          <a:prstGeom prst="rect">
+            <a:avLst/>
+          </a:prstGeom>
+          <a:noFill/>
+          <a:ln>
+            <a:noFill/>
+          </a:ln>
+          <a:effectLst/>
+          <a:extLst>
+            <a:ext uri="{909E8E84-426E-40DD-AFC4-6F175D3DCCD1}">
+              <a14:hiddenFill xmlns:a14="http://schemas.microsoft.com/office/drawing/2010/main">
+                <a:solidFill>
+                  <a:srgbClr val="333333"/>
+                </a:solidFill>
+              </a14:hiddenFill>
+            </a:ext>
+            <a:ext uri="{91240B29-F687-4F45-9708-019B960494DF}">
+              <a14:hiddenLine xmlns:a14="http://schemas.microsoft.com/office/drawing/2010/main" w="9525">
+                <a:solidFill>
+                  <a:srgbClr val="333333"/>
+                </a:solidFill>
+                <a:miter lim="800000"/>
+                <a:headEnd/>
+                <a:tailEnd/>
+              </a14:hiddenLine>
+            </a:ext>
+            <a:ext uri="{AF507438-7753-43E0-B8FC-AC1667EBCBE1}">
+              <a14:hiddenEffects xmlns:a14="http://schemas.microsoft.com/office/drawing/2010/main">
+                <a:effectLst>
+                  <a:outerShdw dist="35921" dir="2700000" algn="ctr" rotWithShape="0">
+                    <a:schemeClr val="bg2"/>
+                  </a:outerShdw>
+                </a:effectLst>
+              </a14:hiddenEffects>
+            </a:ext>
+          </a:extLst>
+        </p:spPr>
+        <p:txBody>
+          <a:bodyPr wrap="none"/>
+          <a:lstStyle/>
+          <a:p>
+            <a:pPr>
+              <a:buFontTx/>
+              <a:buChar char="•"/>
+            </a:pPr>
+            <a:r>
+              <a:rPr lang="en-US" altLang="nl-BE" sz="1200" dirty="0">
+                <a:solidFill>
+                  <a:srgbClr val="333333"/>
+                </a:solidFill>
+                <a:latin typeface="Verdana" panose="020B0604030504040204" pitchFamily="34" charset="0"/>
+              </a:rPr>
+              <a:t> Item 1</a:t>
+            </a:r>
+          </a:p>
+          <a:p>
+            <a:pPr>
+              <a:buFontTx/>
+              <a:buChar char="•"/>
+            </a:pPr>
+            <a:r>
+              <a:rPr lang="en-US" altLang="nl-BE" sz="1200" dirty="0">
+                <a:solidFill>
+                  <a:srgbClr val="333333"/>
+                </a:solidFill>
+                <a:latin typeface="Verdana" panose="020B0604030504040204" pitchFamily="34" charset="0"/>
+              </a:rPr>
+              <a:t> Item 2</a:t>
+            </a:r>
+          </a:p>
+          <a:p>
+            <a:pPr>
+              <a:buFontTx/>
+              <a:buChar char="•"/>
+            </a:pPr>
+            <a:r>
+              <a:rPr lang="en-US" altLang="nl-BE" sz="1200" dirty="0">
+                <a:solidFill>
+                  <a:srgbClr val="333333"/>
+                </a:solidFill>
+                <a:latin typeface="Verdana" panose="020B0604030504040204" pitchFamily="34" charset="0"/>
+              </a:rPr>
+              <a:t>…</a:t>
+            </a:r>
+          </a:p>
+        </p:txBody>
+      </p:sp>
+      <p:sp>
+        <p:nvSpPr>
+          <p:cNvPr id="14" name="Rectangle 7"/>
+          <p:cNvSpPr>
+            <a:spLocks noChangeArrowheads="1"/>
+          </p:cNvSpPr>
+          <p:nvPr/>
+        </p:nvSpPr>
+        <p:spPr bwMode="auto">
+          <a:xfrm>
+            <a:off x="6946320" y="1901580"/>
+            <a:ext cx="4940880" cy="1018404"/>
+          </a:xfrm>
+          <a:prstGeom prst="rect">
+            <a:avLst/>
+          </a:prstGeom>
+          <a:noFill/>
+          <a:ln w="9525">
+            <a:solidFill>
+              <a:srgbClr val="333333"/>
+            </a:solidFill>
+            <a:miter lim="800000"/>
+            <a:headEnd/>
+            <a:tailEnd/>
+          </a:ln>
+          <a:effectLst/>
+          <a:extLst>
+            <a:ext uri="{909E8E84-426E-40DD-AFC4-6F175D3DCCD1}">
+              <a14:hiddenFill xmlns:a14="http://schemas.microsoft.com/office/drawing/2010/main">
+                <a:solidFill>
+                  <a:schemeClr val="accent1"/>
+                </a:solidFill>
+              </a14:hiddenFill>
+            </a:ext>
+            <a:ext uri="{AF507438-7753-43E0-B8FC-AC1667EBCBE1}">
+              <a14:hiddenEffects xmlns:a14="http://schemas.microsoft.com/office/drawing/2010/main">
+                <a:effectLst>
+                  <a:outerShdw dist="35921" dir="2700000" algn="ctr" rotWithShape="0">
+                    <a:schemeClr val="bg2"/>
+                  </a:outerShdw>
+                </a:effectLst>
+              </a14:hiddenEffects>
+            </a:ext>
+          </a:extLst>
+        </p:spPr>
+        <p:txBody>
+          <a:bodyPr wrap="none" anchor="ctr"/>
+          <a:lstStyle/>
+          <a:p>
+            <a:endParaRPr lang="nl-BE"/>
+          </a:p>
+        </p:txBody>
+      </p:sp>
+      <p:sp>
+        <p:nvSpPr>
+          <p:cNvPr id="15" name="Rectangle 8"/>
+          <p:cNvSpPr>
+            <a:spLocks noChangeArrowheads="1"/>
+          </p:cNvSpPr>
+          <p:nvPr/>
+        </p:nvSpPr>
+        <p:spPr bwMode="auto">
+          <a:xfrm>
+            <a:off x="6946320" y="1901580"/>
+            <a:ext cx="4940880" cy="304800"/>
+          </a:xfrm>
+          <a:prstGeom prst="rect">
+            <a:avLst/>
+          </a:prstGeom>
+          <a:solidFill>
+            <a:schemeClr val="tx2">
+              <a:lumMod val="75000"/>
+            </a:schemeClr>
+          </a:solidFill>
+          <a:ln w="9525">
+            <a:solidFill>
+              <a:srgbClr val="333333"/>
+            </a:solidFill>
+            <a:miter lim="800000"/>
+            <a:headEnd/>
+            <a:tailEnd/>
+          </a:ln>
+          <a:effectLst/>
+        </p:spPr>
+        <p:txBody>
+          <a:bodyPr wrap="none" anchor="ctr"/>
+          <a:lstStyle/>
+          <a:p>
+            <a:r>
+              <a:rPr lang="en-US" altLang="nl-BE" sz="1400" b="1" dirty="0" err="1">
+                <a:solidFill>
+                  <a:schemeClr val="bg1"/>
+                </a:solidFill>
+                <a:latin typeface="Verdana" panose="020B0604030504040204" pitchFamily="34" charset="0"/>
+              </a:rPr>
+              <a:t>Lopende</a:t>
+            </a:r>
+            <a:r>
+              <a:rPr lang="en-US" altLang="nl-BE" sz="1400" b="1" dirty="0">
+                <a:solidFill>
+                  <a:schemeClr val="bg1"/>
+                </a:solidFill>
+                <a:latin typeface="Verdana" panose="020B0604030504040204" pitchFamily="34" charset="0"/>
+              </a:rPr>
+              <a:t> </a:t>
+            </a:r>
+            <a:r>
+              <a:rPr lang="en-US" altLang="nl-BE" sz="1400" b="1" dirty="0" err="1">
+                <a:solidFill>
+                  <a:schemeClr val="bg1"/>
+                </a:solidFill>
+                <a:latin typeface="Verdana" panose="020B0604030504040204" pitchFamily="34" charset="0"/>
+              </a:rPr>
+              <a:t>acties</a:t>
+            </a:r>
+            <a:r>
+              <a:rPr lang="en-US" altLang="nl-BE" sz="1400" b="1" dirty="0">
+                <a:solidFill>
+                  <a:schemeClr val="bg1"/>
+                </a:solidFill>
+                <a:latin typeface="Verdana" panose="020B0604030504040204" pitchFamily="34" charset="0"/>
+              </a:rPr>
+              <a:t> – </a:t>
+            </a:r>
+            <a:r>
+              <a:rPr lang="en-US" altLang="nl-BE" sz="1400" b="1" dirty="0" err="1">
+                <a:solidFill>
+                  <a:schemeClr val="bg1"/>
+                </a:solidFill>
+                <a:latin typeface="Verdana" panose="020B0604030504040204" pitchFamily="34" charset="0"/>
+              </a:rPr>
+              <a:t>volgende</a:t>
+            </a:r>
+            <a:r>
+              <a:rPr lang="en-US" altLang="nl-BE" sz="1400" b="1" dirty="0">
+                <a:solidFill>
+                  <a:schemeClr val="bg1"/>
+                </a:solidFill>
+                <a:latin typeface="Verdana" panose="020B0604030504040204" pitchFamily="34" charset="0"/>
+              </a:rPr>
+              <a:t> </a:t>
+            </a:r>
+            <a:r>
+              <a:rPr lang="en-US" altLang="nl-BE" sz="1400" b="1" dirty="0" err="1">
+                <a:solidFill>
+                  <a:schemeClr val="bg1"/>
+                </a:solidFill>
+                <a:latin typeface="Verdana" panose="020B0604030504040204" pitchFamily="34" charset="0"/>
+              </a:rPr>
+              <a:t>stappen</a:t>
+            </a:r>
+            <a:endParaRPr lang="en-US" altLang="nl-BE" sz="1400" b="1" dirty="0">
+              <a:solidFill>
+                <a:schemeClr val="bg1"/>
+              </a:solidFill>
+              <a:latin typeface="Verdana" panose="020B0604030504040204" pitchFamily="34" charset="0"/>
+            </a:endParaRPr>
+          </a:p>
+        </p:txBody>
+      </p:sp>
+      <p:sp>
+        <p:nvSpPr>
+          <p:cNvPr id="16" name="Rectangle 20"/>
+          <p:cNvSpPr>
+            <a:spLocks noChangeArrowheads="1"/>
+          </p:cNvSpPr>
+          <p:nvPr/>
+        </p:nvSpPr>
+        <p:spPr bwMode="auto">
+          <a:xfrm>
+            <a:off x="6946320" y="2206380"/>
+            <a:ext cx="4940880" cy="713604"/>
+          </a:xfrm>
+          <a:prstGeom prst="rect">
+            <a:avLst/>
+          </a:prstGeom>
+          <a:noFill/>
+          <a:ln>
+            <a:noFill/>
+          </a:ln>
+          <a:effectLst/>
+          <a:extLst>
+            <a:ext uri="{909E8E84-426E-40DD-AFC4-6F175D3DCCD1}">
+              <a14:hiddenFill xmlns:a14="http://schemas.microsoft.com/office/drawing/2010/main">
+                <a:solidFill>
+                  <a:srgbClr val="333333"/>
+                </a:solidFill>
+              </a14:hiddenFill>
+            </a:ext>
+            <a:ext uri="{91240B29-F687-4F45-9708-019B960494DF}">
+              <a14:hiddenLine xmlns:a14="http://schemas.microsoft.com/office/drawing/2010/main" w="9525">
+                <a:solidFill>
+                  <a:srgbClr val="333333"/>
+                </a:solidFill>
+                <a:miter lim="800000"/>
+                <a:headEnd/>
+                <a:tailEnd/>
+              </a14:hiddenLine>
+            </a:ext>
+            <a:ext uri="{AF507438-7753-43E0-B8FC-AC1667EBCBE1}">
+              <a14:hiddenEffects xmlns:a14="http://schemas.microsoft.com/office/drawing/2010/main">
+                <a:effectLst>
+                  <a:outerShdw dist="35921" dir="2700000" algn="ctr" rotWithShape="0">
+                    <a:schemeClr val="bg2"/>
+                  </a:outerShdw>
+                </a:effectLst>
+              </a14:hiddenEffects>
+            </a:ext>
+          </a:extLst>
+        </p:spPr>
+        <p:txBody>
+          <a:bodyPr wrap="none"/>
+          <a:lstStyle/>
+          <a:p>
+            <a:pPr>
+              <a:buFontTx/>
+              <a:buChar char="•"/>
+            </a:pPr>
+            <a:r>
+              <a:rPr lang="en-US" altLang="nl-BE" sz="1200" dirty="0">
+                <a:solidFill>
+                  <a:srgbClr val="333333"/>
+                </a:solidFill>
+                <a:latin typeface="Verdana" panose="020B0604030504040204" pitchFamily="34" charset="0"/>
+              </a:rPr>
+              <a:t> Item 1</a:t>
+            </a:r>
+          </a:p>
+          <a:p>
+            <a:pPr>
+              <a:buFontTx/>
+              <a:buChar char="•"/>
+            </a:pPr>
+            <a:r>
+              <a:rPr lang="en-US" altLang="nl-BE" sz="1200" dirty="0">
+                <a:solidFill>
+                  <a:srgbClr val="333333"/>
+                </a:solidFill>
+                <a:latin typeface="Verdana" panose="020B0604030504040204" pitchFamily="34" charset="0"/>
+              </a:rPr>
+              <a:t> Item 2</a:t>
+            </a:r>
+          </a:p>
+          <a:p>
+            <a:pPr>
+              <a:buFontTx/>
+              <a:buChar char="•"/>
+            </a:pPr>
+            <a:r>
+              <a:rPr lang="en-US" altLang="nl-BE" sz="1200" dirty="0">
+                <a:solidFill>
+                  <a:srgbClr val="333333"/>
+                </a:solidFill>
+                <a:latin typeface="Verdana" panose="020B0604030504040204" pitchFamily="34" charset="0"/>
+              </a:rPr>
+              <a:t>…</a:t>
+            </a:r>
+          </a:p>
+        </p:txBody>
+      </p:sp>
+    </p:spTree>
+    <p:extLst>
+      <p:ext uri="{BB962C8B-B14F-4D97-AF65-F5344CB8AC3E}">
+        <p14:creationId xmlns:p14="http://schemas.microsoft.com/office/powerpoint/2010/main" val="3327747142"/>
       </p:ext>
     </p:extLst>
   </p:cSld>

--- a/logboek_ESAT9A1.pptx
+++ b/logboek_ESAT9A1.pptx
@@ -8803,7 +8803,7 @@
         <p:spPr bwMode="auto">
           <a:xfrm>
             <a:off x="6946320" y="2206380"/>
-            <a:ext cx="4940880" cy="713604"/>
+            <a:ext cx="4940880" cy="810138"/>
           </a:xfrm>
           <a:prstGeom prst="rect">
             <a:avLst/>
@@ -8888,6 +8888,21 @@
                 <a:latin typeface="Verdana" panose="020B0604030504040204" pitchFamily="34" charset="0"/>
               </a:rPr>
               <a:t> Hand detection (HD) =&gt; gestures</a:t>
+            </a:r>
+          </a:p>
+          <a:p>
+            <a:pPr>
+              <a:buFontTx/>
+              <a:buChar char="•"/>
+            </a:pPr>
+            <a:r>
+              <a:rPr lang="en-US" altLang="nl-BE" sz="1200" dirty="0">
+                <a:solidFill>
+                  <a:srgbClr val="333333"/>
+                </a:solidFill>
+                <a:latin typeface="Verdana" panose="020B0604030504040204" pitchFamily="34" charset="0"/>
+              </a:rPr>
+              <a:t> Looking for possible hardware to use for the project</a:t>
             </a:r>
           </a:p>
         </p:txBody>

--- a/logboek_ESAT9A1.pptx
+++ b/logboek_ESAT9A1.pptx
@@ -208,7 +208,7 @@
           <a:p>
             <a:fld id="{8F591CCF-F6FD-734B-854A-5BC033593B1E}" type="datetimeFigureOut">
               <a:rPr lang="nl-NL" smtClean="0"/>
-              <a:t>6-10-2022</a:t>
+              <a:t>10-10-2022</a:t>
             </a:fld>
             <a:endParaRPr lang="nl-NL"/>
           </a:p>
@@ -373,7 +373,7 @@
           <a:p>
             <a:fld id="{23C66214-DB21-4647-B5DA-0D17CA592867}" type="datetimeFigureOut">
               <a:rPr lang="nl-NL" smtClean="0"/>
-              <a:t>6-10-2022</a:t>
+              <a:t>10-10-2022</a:t>
             </a:fld>
             <a:endParaRPr lang="nl-NL"/>
           </a:p>
@@ -1362,7 +1362,7 @@
           <a:p>
             <a:fld id="{32CB04F5-1DDB-433A-9F56-F69ABF3D82C1}" type="datetime1">
               <a:rPr lang="nl-BE" smtClean="0"/>
-              <a:t>6/10/2022</a:t>
+              <a:t>10/10/2022</a:t>
             </a:fld>
             <a:endParaRPr lang="nl-NL"/>
           </a:p>
@@ -1645,7 +1645,7 @@
           <a:p>
             <a:fld id="{105EA0AE-89F5-40F4-A8AC-2CFB7172A437}" type="datetime1">
               <a:rPr lang="nl-BE" smtClean="0"/>
-              <a:t>6/10/2022</a:t>
+              <a:t>10/10/2022</a:t>
             </a:fld>
             <a:endParaRPr lang="nl-NL"/>
           </a:p>
@@ -1975,7 +1975,7 @@
           <a:p>
             <a:fld id="{51F891C0-052E-4374-9F7B-8DF3098847EC}" type="datetime1">
               <a:rPr lang="nl-BE" smtClean="0"/>
-              <a:t>6/10/2022</a:t>
+              <a:t>10/10/2022</a:t>
             </a:fld>
             <a:endParaRPr lang="nl-NL"/>
           </a:p>
@@ -2295,7 +2295,7 @@
           <a:p>
             <a:fld id="{0BAB7CBA-08E0-4FB9-BBC7-B0F9EE30FC23}" type="datetime1">
               <a:rPr lang="nl-BE" smtClean="0"/>
-              <a:t>6/10/2022</a:t>
+              <a:t>10/10/2022</a:t>
             </a:fld>
             <a:endParaRPr lang="nl-NL" dirty="0"/>
           </a:p>
@@ -2616,7 +2616,7 @@
           <a:p>
             <a:fld id="{A9A41F9E-F395-4802-BA0E-A579FF58717F}" type="datetime1">
               <a:rPr lang="nl-BE" smtClean="0"/>
-              <a:t>6/10/2022</a:t>
+              <a:t>10/10/2022</a:t>
             </a:fld>
             <a:endParaRPr lang="nl-NL" dirty="0"/>
           </a:p>
@@ -2758,7 +2758,7 @@
           <a:p>
             <a:fld id="{2A8B9AD4-BDDB-4121-9EEE-D890BB11E687}" type="datetime1">
               <a:rPr lang="nl-BE" smtClean="0"/>
-              <a:t>6/10/2022</a:t>
+              <a:t>10/10/2022</a:t>
             </a:fld>
             <a:endParaRPr lang="nl-NL"/>
           </a:p>
@@ -3242,7 +3242,7 @@
           <a:p>
             <a:fld id="{8DC808CC-4EBF-4C64-BA9E-B07B99C9DB99}" type="datetime1">
               <a:rPr lang="nl-BE" smtClean="0"/>
-              <a:t>6/10/2022</a:t>
+              <a:t>10/10/2022</a:t>
             </a:fld>
             <a:endParaRPr lang="nl-NL" dirty="0"/>
           </a:p>
@@ -3363,7 +3363,7 @@
           <a:p>
             <a:fld id="{26609C90-ED50-42CD-B56C-68BF842A2B6A}" type="datetime1">
               <a:rPr lang="nl-BE" smtClean="0"/>
-              <a:t>6/10/2022</a:t>
+              <a:t>10/10/2022</a:t>
             </a:fld>
             <a:endParaRPr lang="nl-NL"/>
           </a:p>
@@ -3484,7 +3484,7 @@
           <a:p>
             <a:fld id="{F15E82AE-B9EE-446E-B46E-329ABC891749}" type="datetime1">
               <a:rPr lang="nl-BE" smtClean="0"/>
-              <a:t>6/10/2022</a:t>
+              <a:t>10/10/2022</a:t>
             </a:fld>
             <a:endParaRPr lang="nl-NL"/>
           </a:p>
@@ -3666,7 +3666,7 @@
           <a:p>
             <a:fld id="{4A7FDF18-BDCB-4338-9FA2-782F60A2E51C}" type="datetime1">
               <a:rPr lang="nl-BE" smtClean="0"/>
-              <a:t>6/10/2022</a:t>
+              <a:t>10/10/2022</a:t>
             </a:fld>
             <a:endParaRPr lang="nl-NL" dirty="0"/>
           </a:p>
@@ -3950,7 +3950,7 @@
           <a:p>
             <a:fld id="{E389F4DD-E9F0-454C-8CE7-299000EBA983}" type="datetime1">
               <a:rPr lang="nl-BE" smtClean="0"/>
-              <a:t>6/10/2022</a:t>
+              <a:t>10/10/2022</a:t>
             </a:fld>
             <a:endParaRPr lang="nl-NL" dirty="0"/>
           </a:p>
@@ -4591,7 +4591,7 @@
           <a:p>
             <a:fld id="{7F18BCE0-9917-41C7-AA76-58ADB721FDEC}" type="datetime1">
               <a:rPr lang="nl-BE" smtClean="0"/>
-              <a:t>6/10/2022</a:t>
+              <a:t>10/10/2022</a:t>
             </a:fld>
             <a:endParaRPr lang="nl-NL" dirty="0"/>
           </a:p>
@@ -9005,7 +9005,12 @@
             <p:ph type="title"/>
           </p:nvPr>
         </p:nvSpPr>
-        <p:spPr/>
+        <p:spPr>
+          <a:xfrm>
+            <a:off x="576000" y="219446"/>
+            <a:ext cx="11041200" cy="1152000"/>
+          </a:xfrm>
+        </p:spPr>
         <p:txBody>
           <a:bodyPr/>
           <a:lstStyle/>
@@ -9027,8 +9032,8 @@
         </p:nvSpPr>
         <p:spPr bwMode="auto">
           <a:xfrm>
-            <a:off x="576000" y="1901580"/>
-            <a:ext cx="4940880" cy="1018404"/>
+            <a:off x="574800" y="1216740"/>
+            <a:ext cx="4940880" cy="1640960"/>
           </a:xfrm>
           <a:prstGeom prst="rect">
             <a:avLst/>
@@ -9080,7 +9085,7 @@
         </p:nvSpPr>
         <p:spPr bwMode="auto">
           <a:xfrm>
-            <a:off x="576000" y="1901580"/>
+            <a:off x="576000" y="1184928"/>
             <a:ext cx="4940880" cy="304800"/>
           </a:xfrm>
           <a:prstGeom prst="rect">
@@ -9127,7 +9132,7 @@
         </p:nvSpPr>
         <p:spPr bwMode="auto">
           <a:xfrm>
-            <a:off x="576000" y="2206380"/>
+            <a:off x="573600" y="1340376"/>
             <a:ext cx="4940880" cy="713604"/>
           </a:xfrm>
           <a:prstGeom prst="rect">
@@ -9171,6 +9176,17 @@
           <a:bodyPr wrap="none"/>
           <a:lstStyle/>
           <a:p>
+            <a:r>
+              <a:rPr lang="en-US" altLang="nl-BE" sz="1200" dirty="0">
+                <a:solidFill>
+                  <a:srgbClr val="333333"/>
+                </a:solidFill>
+                <a:latin typeface="Verdana" panose="020B0604030504040204" pitchFamily="34" charset="0"/>
+              </a:rPr>
+              <a:t> </a:t>
+            </a:r>
+          </a:p>
+          <a:p>
             <a:pPr>
               <a:buFontTx/>
               <a:buChar char="•"/>
@@ -9182,7 +9198,7 @@
                 </a:solidFill>
                 <a:latin typeface="Verdana" panose="020B0604030504040204" pitchFamily="34" charset="0"/>
               </a:rPr>
-              <a:t> Item 1</a:t>
+              <a:t> Hardware Meeting (HM)</a:t>
             </a:r>
           </a:p>
           <a:p>
@@ -9197,7 +9213,7 @@
                 </a:solidFill>
                 <a:latin typeface="Verdana" panose="020B0604030504040204" pitchFamily="34" charset="0"/>
               </a:rPr>
-              <a:t> Item 2</a:t>
+              <a:t> Better Head Detection (BHD)</a:t>
             </a:r>
           </a:p>
           <a:p>
@@ -9212,8 +9228,80 @@
                 </a:solidFill>
                 <a:latin typeface="Verdana" panose="020B0604030504040204" pitchFamily="34" charset="0"/>
               </a:rPr>
-              <a:t>…</a:t>
-            </a:r>
+              <a:t> Face Recognition (FR)</a:t>
+            </a:r>
+          </a:p>
+          <a:p>
+            <a:pPr>
+              <a:buFontTx/>
+              <a:buChar char="•"/>
+            </a:pPr>
+            <a:r>
+              <a:rPr lang="en-US" altLang="nl-BE" sz="1200" dirty="0">
+                <a:solidFill>
+                  <a:srgbClr val="333333"/>
+                </a:solidFill>
+                <a:latin typeface="Verdana" panose="020B0604030504040204" pitchFamily="34" charset="0"/>
+              </a:rPr>
+              <a:t> Hand Gestures (HG)</a:t>
+            </a:r>
+          </a:p>
+          <a:p>
+            <a:pPr>
+              <a:buFontTx/>
+              <a:buChar char="•"/>
+            </a:pPr>
+            <a:r>
+              <a:rPr lang="en-US" altLang="nl-BE" sz="1200" dirty="0">
+                <a:solidFill>
+                  <a:srgbClr val="333333"/>
+                </a:solidFill>
+                <a:latin typeface="Verdana" panose="020B0604030504040204" pitchFamily="34" charset="0"/>
+              </a:rPr>
+              <a:t> Lip Detection (LP)</a:t>
+            </a:r>
+          </a:p>
+          <a:p>
+            <a:pPr>
+              <a:buFontTx/>
+              <a:buChar char="•"/>
+            </a:pPr>
+            <a:r>
+              <a:rPr lang="en-US" altLang="nl-BE" sz="1200" dirty="0">
+                <a:solidFill>
+                  <a:srgbClr val="333333"/>
+                </a:solidFill>
+                <a:latin typeface="Verdana" panose="020B0604030504040204" pitchFamily="34" charset="0"/>
+              </a:rPr>
+              <a:t> Git Explanation (GE)</a:t>
+            </a:r>
+          </a:p>
+          <a:p>
+            <a:pPr>
+              <a:buFontTx/>
+              <a:buChar char="•"/>
+            </a:pPr>
+            <a:r>
+              <a:rPr lang="en-US" altLang="nl-BE" sz="1200" dirty="0">
+                <a:solidFill>
+                  <a:srgbClr val="333333"/>
+                </a:solidFill>
+                <a:latin typeface="Verdana" panose="020B0604030504040204" pitchFamily="34" charset="0"/>
+              </a:rPr>
+              <a:t> Head Switcher (HS)</a:t>
+            </a:r>
+          </a:p>
+          <a:p>
+            <a:pPr>
+              <a:buFontTx/>
+              <a:buChar char="•"/>
+            </a:pPr>
+            <a:endParaRPr lang="en-US" altLang="nl-BE" sz="1200" dirty="0">
+              <a:solidFill>
+                <a:srgbClr val="333333"/>
+              </a:solidFill>
+              <a:latin typeface="Verdana" panose="020B0604030504040204" pitchFamily="34" charset="0"/>
+            </a:endParaRPr>
           </a:p>
         </p:txBody>
       </p:sp>
@@ -9223,7 +9311,13 @@
           <p:cNvGraphicFramePr>
             <a:graphicFrameLocks noGrp="1"/>
           </p:cNvGraphicFramePr>
-          <p:nvPr/>
+          <p:nvPr>
+            <p:extLst>
+              <p:ext uri="{D42A27DB-BD31-4B8C-83A1-F6EECF244321}">
+                <p14:modId xmlns:p14="http://schemas.microsoft.com/office/powerpoint/2010/main" val="2351603161"/>
+              </p:ext>
+            </p:extLst>
+          </p:nvPr>
         </p:nvGraphicFramePr>
         <p:xfrm>
           <a:off x="580800" y="3517586"/>
@@ -9446,7 +9540,10 @@
                     <a:bodyPr/>
                     <a:lstStyle/>
                     <a:p>
-                      <a:endParaRPr lang="nl-BE" dirty="0"/>
+                      <a:r>
+                        <a:rPr lang="nl-BE" dirty="0"/>
+                        <a:t>BHD</a:t>
+                      </a:r>
                     </a:p>
                   </a:txBody>
                   <a:tcPr/>
@@ -9456,7 +9553,10 @@
                     <a:bodyPr/>
                     <a:lstStyle/>
                     <a:p>
-                      <a:endParaRPr lang="nl-BE" dirty="0"/>
+                      <a:r>
+                        <a:rPr lang="nl-BE" dirty="0"/>
+                        <a:t>BHD &amp; HM</a:t>
+                      </a:r>
                     </a:p>
                   </a:txBody>
                   <a:tcPr/>
@@ -9466,7 +9566,10 @@
                     <a:bodyPr/>
                     <a:lstStyle/>
                     <a:p>
-                      <a:endParaRPr lang="nl-BE"/>
+                      <a:r>
+                        <a:rPr lang="nl-BE" dirty="0"/>
+                        <a:t>BHD</a:t>
+                      </a:r>
                     </a:p>
                   </a:txBody>
                   <a:tcPr/>
@@ -9476,7 +9579,10 @@
                     <a:bodyPr/>
                     <a:lstStyle/>
                     <a:p>
-                      <a:endParaRPr lang="nl-BE" dirty="0"/>
+                      <a:r>
+                        <a:rPr lang="nl-BE" dirty="0"/>
+                        <a:t>BHD</a:t>
+                      </a:r>
                     </a:p>
                   </a:txBody>
                   <a:tcPr>
@@ -9548,7 +9654,10 @@
                     <a:bodyPr/>
                     <a:lstStyle/>
                     <a:p>
-                      <a:endParaRPr lang="nl-BE" dirty="0"/>
+                      <a:r>
+                        <a:rPr lang="nl-BE" dirty="0"/>
+                        <a:t>LP</a:t>
+                      </a:r>
                     </a:p>
                   </a:txBody>
                   <a:tcPr/>
@@ -9558,7 +9667,10 @@
                     <a:bodyPr/>
                     <a:lstStyle/>
                     <a:p>
-                      <a:endParaRPr lang="nl-BE"/>
+                      <a:r>
+                        <a:rPr lang="nl-BE" dirty="0"/>
+                        <a:t>LP &amp; HM</a:t>
+                      </a:r>
                     </a:p>
                   </a:txBody>
                   <a:tcPr/>
@@ -9568,7 +9680,10 @@
                     <a:bodyPr/>
                     <a:lstStyle/>
                     <a:p>
-                      <a:endParaRPr lang="nl-BE"/>
+                      <a:r>
+                        <a:rPr lang="nl-BE" dirty="0"/>
+                        <a:t>LP &amp; HS</a:t>
+                      </a:r>
                     </a:p>
                   </a:txBody>
                   <a:tcPr/>
@@ -9578,7 +9693,10 @@
                     <a:bodyPr/>
                     <a:lstStyle/>
                     <a:p>
-                      <a:endParaRPr lang="nl-BE" dirty="0"/>
+                      <a:r>
+                        <a:rPr lang="nl-BE" dirty="0"/>
+                        <a:t>HS</a:t>
+                      </a:r>
                     </a:p>
                   </a:txBody>
                   <a:tcPr>
@@ -9645,7 +9763,10 @@
                     <a:bodyPr/>
                     <a:lstStyle/>
                     <a:p>
-                      <a:endParaRPr lang="nl-BE" dirty="0"/>
+                      <a:r>
+                        <a:rPr lang="nl-BE" dirty="0"/>
+                        <a:t>FR</a:t>
+                      </a:r>
                     </a:p>
                   </a:txBody>
                   <a:tcPr/>
@@ -9655,7 +9776,10 @@
                     <a:bodyPr/>
                     <a:lstStyle/>
                     <a:p>
-                      <a:endParaRPr lang="nl-BE"/>
+                      <a:r>
+                        <a:rPr lang="nl-BE" dirty="0"/>
+                        <a:t>FR &amp; HM</a:t>
+                      </a:r>
                     </a:p>
                   </a:txBody>
                   <a:tcPr/>
@@ -9665,7 +9789,10 @@
                     <a:bodyPr/>
                     <a:lstStyle/>
                     <a:p>
-                      <a:endParaRPr lang="nl-BE" dirty="0"/>
+                      <a:r>
+                        <a:rPr lang="nl-BE" dirty="0"/>
+                        <a:t>FR</a:t>
+                      </a:r>
                     </a:p>
                   </a:txBody>
                   <a:tcPr/>
@@ -9675,7 +9802,10 @@
                     <a:bodyPr/>
                     <a:lstStyle/>
                     <a:p>
-                      <a:endParaRPr lang="nl-BE"/>
+                      <a:r>
+                        <a:rPr lang="nl-BE" dirty="0"/>
+                        <a:t>FR</a:t>
+                      </a:r>
                     </a:p>
                   </a:txBody>
                   <a:tcPr>
@@ -9742,6 +9872,36 @@
                     <a:bodyPr/>
                     <a:lstStyle/>
                     <a:p>
+                      <a:r>
+                        <a:rPr lang="nl-BE" dirty="0"/>
+                        <a:t>GE</a:t>
+                      </a:r>
+                    </a:p>
+                  </a:txBody>
+                  <a:tcPr/>
+                </a:tc>
+                <a:tc>
+                  <a:txBody>
+                    <a:bodyPr/>
+                    <a:lstStyle/>
+                    <a:p>
+                      <a:r>
+                        <a:rPr lang="nl-BE" dirty="0"/>
+                        <a:t>GE &amp; HM</a:t>
+                      </a:r>
+                    </a:p>
+                  </a:txBody>
+                  <a:tcPr/>
+                </a:tc>
+                <a:tc>
+                  <a:txBody>
+                    <a:bodyPr/>
+                    <a:lstStyle/>
+                    <a:p>
+                      <a:r>
+                        <a:rPr lang="nl-BE" dirty="0" err="1"/>
+                        <a:t>Helping</a:t>
+                      </a:r>
                       <a:endParaRPr lang="nl-BE" dirty="0"/>
                     </a:p>
                   </a:txBody>
@@ -9752,27 +9912,11 @@
                     <a:bodyPr/>
                     <a:lstStyle/>
                     <a:p>
+                      <a:r>
+                        <a:rPr lang="nl-BE" dirty="0" err="1"/>
+                        <a:t>Helping</a:t>
+                      </a:r>
                       <a:endParaRPr lang="nl-BE" dirty="0"/>
-                    </a:p>
-                  </a:txBody>
-                  <a:tcPr/>
-                </a:tc>
-                <a:tc>
-                  <a:txBody>
-                    <a:bodyPr/>
-                    <a:lstStyle/>
-                    <a:p>
-                      <a:endParaRPr lang="nl-BE"/>
-                    </a:p>
-                  </a:txBody>
-                  <a:tcPr/>
-                </a:tc>
-                <a:tc>
-                  <a:txBody>
-                    <a:bodyPr/>
-                    <a:lstStyle/>
-                    <a:p>
-                      <a:endParaRPr lang="nl-BE"/>
                     </a:p>
                   </a:txBody>
                   <a:tcPr>
@@ -9844,7 +9988,10 @@
                     <a:bodyPr/>
                     <a:lstStyle/>
                     <a:p>
-                      <a:endParaRPr lang="nl-BE" dirty="0"/>
+                      <a:r>
+                        <a:rPr lang="nl-BE" dirty="0"/>
+                        <a:t>LP</a:t>
+                      </a:r>
                     </a:p>
                   </a:txBody>
                   <a:tcPr/>
@@ -9854,7 +10001,10 @@
                     <a:bodyPr/>
                     <a:lstStyle/>
                     <a:p>
-                      <a:endParaRPr lang="nl-BE" dirty="0"/>
+                      <a:r>
+                        <a:rPr lang="nl-BE" dirty="0"/>
+                        <a:t>LP &amp; HM </a:t>
+                      </a:r>
                     </a:p>
                   </a:txBody>
                   <a:tcPr/>
@@ -9864,7 +10014,10 @@
                     <a:bodyPr/>
                     <a:lstStyle/>
                     <a:p>
-                      <a:endParaRPr lang="nl-BE"/>
+                      <a:r>
+                        <a:rPr lang="nl-BE" dirty="0"/>
+                        <a:t>LP &amp; HS</a:t>
+                      </a:r>
                     </a:p>
                   </a:txBody>
                   <a:tcPr/>
@@ -9874,7 +10027,10 @@
                     <a:bodyPr/>
                     <a:lstStyle/>
                     <a:p>
-                      <a:endParaRPr lang="nl-BE" dirty="0"/>
+                      <a:r>
+                        <a:rPr lang="nl-BE" dirty="0"/>
+                        <a:t>HS</a:t>
+                      </a:r>
                     </a:p>
                   </a:txBody>
                   <a:tcPr>
@@ -9959,7 +10115,10 @@
                     <a:bodyPr/>
                     <a:lstStyle/>
                     <a:p>
-                      <a:endParaRPr lang="nl-BE" dirty="0"/>
+                      <a:r>
+                        <a:rPr lang="nl-BE" dirty="0"/>
+                        <a:t>HG</a:t>
+                      </a:r>
                     </a:p>
                   </a:txBody>
                   <a:tcPr>
@@ -9979,7 +10138,10 @@
                     <a:bodyPr/>
                     <a:lstStyle/>
                     <a:p>
-                      <a:endParaRPr lang="nl-BE" dirty="0"/>
+                      <a:r>
+                        <a:rPr lang="nl-BE" dirty="0"/>
+                        <a:t>HG &amp; HM</a:t>
+                      </a:r>
                     </a:p>
                   </a:txBody>
                   <a:tcPr>
@@ -9999,7 +10161,14 @@
                     <a:bodyPr/>
                     <a:lstStyle/>
                     <a:p>
-                      <a:endParaRPr lang="nl-BE"/>
+                      <a:r>
+                        <a:rPr lang="nl-BE" dirty="0" err="1"/>
+                        <a:t>Problems</a:t>
+                      </a:r>
+                      <a:r>
+                        <a:rPr lang="nl-BE" dirty="0"/>
+                        <a:t> pc &amp; HG</a:t>
+                      </a:r>
                     </a:p>
                   </a:txBody>
                   <a:tcPr>
@@ -10019,7 +10188,10 @@
                     <a:bodyPr/>
                     <a:lstStyle/>
                     <a:p>
-                      <a:endParaRPr lang="nl-BE" dirty="0"/>
+                      <a:r>
+                        <a:rPr lang="nl-BE" dirty="0"/>
+                        <a:t>HG &amp; Notulist</a:t>
+                      </a:r>
                     </a:p>
                   </a:txBody>
                   <a:tcPr>
@@ -10153,7 +10325,7 @@
         <p:spPr bwMode="auto">
           <a:xfrm>
             <a:off x="6946320" y="695718"/>
-            <a:ext cx="4940880" cy="1018404"/>
+            <a:ext cx="4940880" cy="1109328"/>
           </a:xfrm>
           <a:prstGeom prst="rect">
             <a:avLst/>
@@ -10294,8 +10466,8 @@
         </p:nvSpPr>
         <p:spPr bwMode="auto">
           <a:xfrm>
-            <a:off x="6946320" y="1000518"/>
-            <a:ext cx="4940880" cy="713604"/>
+            <a:off x="6940800" y="1000518"/>
+            <a:ext cx="4940880" cy="804528"/>
           </a:xfrm>
           <a:prstGeom prst="rect">
             <a:avLst/>
@@ -10349,7 +10521,7 @@
                 </a:solidFill>
                 <a:latin typeface="Verdana" panose="020B0604030504040204" pitchFamily="34" charset="0"/>
               </a:rPr>
-              <a:t> Item 1</a:t>
+              <a:t> BHD almost, only tuples and lists</a:t>
             </a:r>
           </a:p>
           <a:p>
@@ -10364,7 +10536,7 @@
                 </a:solidFill>
                 <a:latin typeface="Verdana" panose="020B0604030504040204" pitchFamily="34" charset="0"/>
               </a:rPr>
-              <a:t> Item 2</a:t>
+              <a:t> FR realized that it is not the best option, slow</a:t>
             </a:r>
           </a:p>
           <a:p>
@@ -10379,7 +10551,37 @@
                 </a:solidFill>
                 <a:latin typeface="Verdana" panose="020B0604030504040204" pitchFamily="34" charset="0"/>
               </a:rPr>
-              <a:t>…</a:t>
+              <a:t> HG</a:t>
+            </a:r>
+          </a:p>
+          <a:p>
+            <a:pPr>
+              <a:buFontTx/>
+              <a:buChar char="•"/>
+            </a:pPr>
+            <a:r>
+              <a:rPr lang="en-US" altLang="nl-BE" sz="1200" dirty="0">
+                <a:solidFill>
+                  <a:srgbClr val="333333"/>
+                </a:solidFill>
+                <a:latin typeface="Verdana" panose="020B0604030504040204" pitchFamily="34" charset="0"/>
+              </a:rPr>
+              <a:t> GE</a:t>
+            </a:r>
+          </a:p>
+          <a:p>
+            <a:pPr>
+              <a:buFontTx/>
+              <a:buChar char="•"/>
+            </a:pPr>
+            <a:r>
+              <a:rPr lang="en-US" altLang="nl-BE" sz="1200" dirty="0">
+                <a:solidFill>
+                  <a:srgbClr val="333333"/>
+                </a:solidFill>
+                <a:latin typeface="Verdana" panose="020B0604030504040204" pitchFamily="34" charset="0"/>
+              </a:rPr>
+              <a:t> LP</a:t>
             </a:r>
           </a:p>
         </p:txBody>
@@ -10394,8 +10596,8 @@
         </p:nvSpPr>
         <p:spPr bwMode="auto">
           <a:xfrm>
-            <a:off x="6946320" y="1901580"/>
-            <a:ext cx="4940880" cy="1018404"/>
+            <a:off x="6946320" y="2097848"/>
+            <a:ext cx="4940880" cy="996656"/>
           </a:xfrm>
           <a:prstGeom prst="rect">
             <a:avLst/>
@@ -10447,7 +10649,7 @@
         </p:nvSpPr>
         <p:spPr bwMode="auto">
           <a:xfrm>
-            <a:off x="6946320" y="1901580"/>
+            <a:off x="6940800" y="2097848"/>
             <a:ext cx="4940880" cy="304800"/>
           </a:xfrm>
           <a:prstGeom prst="rect">
@@ -10555,7 +10757,7 @@
         <p:spPr bwMode="auto">
           <a:xfrm>
             <a:off x="6946320" y="2206380"/>
-            <a:ext cx="4940880" cy="713604"/>
+            <a:ext cx="4940880" cy="822136"/>
           </a:xfrm>
           <a:prstGeom prst="rect">
             <a:avLst/>
@@ -10598,6 +10800,14 @@
           <a:bodyPr wrap="none"/>
           <a:lstStyle/>
           <a:p>
+            <a:endParaRPr lang="en-US" altLang="nl-BE" sz="1200" dirty="0">
+              <a:solidFill>
+                <a:srgbClr val="333333"/>
+              </a:solidFill>
+              <a:latin typeface="Verdana" panose="020B0604030504040204" pitchFamily="34" charset="0"/>
+            </a:endParaRPr>
+          </a:p>
+          <a:p>
             <a:pPr>
               <a:buFontTx/>
               <a:buChar char="•"/>
@@ -10609,7 +10819,7 @@
                 </a:solidFill>
                 <a:latin typeface="Verdana" panose="020B0604030504040204" pitchFamily="34" charset="0"/>
               </a:rPr>
-              <a:t> Item 1</a:t>
+              <a:t> HS</a:t>
             </a:r>
           </a:p>
           <a:p>
@@ -10624,8 +10834,23 @@
                 </a:solidFill>
                 <a:latin typeface="Verdana" panose="020B0604030504040204" pitchFamily="34" charset="0"/>
               </a:rPr>
-              <a:t> Item 2</a:t>
-            </a:r>
+              <a:t> </a:t>
+            </a:r>
+            <a:r>
+              <a:rPr lang="en-US" altLang="nl-BE" sz="1200" dirty="0" err="1">
+                <a:solidFill>
+                  <a:srgbClr val="333333"/>
+                </a:solidFill>
+                <a:latin typeface="Verdana" panose="020B0604030504040204" pitchFamily="34" charset="0"/>
+              </a:rPr>
+              <a:t>Mergen</a:t>
+            </a:r>
+            <a:endParaRPr lang="en-US" altLang="nl-BE" sz="1200" dirty="0">
+              <a:solidFill>
+                <a:srgbClr val="333333"/>
+              </a:solidFill>
+              <a:latin typeface="Verdana" panose="020B0604030504040204" pitchFamily="34" charset="0"/>
+            </a:endParaRPr>
           </a:p>
           <a:p>
             <a:pPr>
@@ -10639,7 +10864,7 @@
                 </a:solidFill>
                 <a:latin typeface="Verdana" panose="020B0604030504040204" pitchFamily="34" charset="0"/>
               </a:rPr>
-              <a:t>…</a:t>
+              <a:t> Hardware Meeting</a:t>
             </a:r>
           </a:p>
         </p:txBody>

--- a/logboek_ESAT9A1.pptx
+++ b/logboek_ESAT9A1.pptx
@@ -208,7 +208,7 @@
           <a:p>
             <a:fld id="{8F591CCF-F6FD-734B-854A-5BC033593B1E}" type="datetimeFigureOut">
               <a:rPr lang="nl-NL" smtClean="0"/>
-              <a:t>10-10-2022</a:t>
+              <a:t>12-10-2022</a:t>
             </a:fld>
             <a:endParaRPr lang="nl-NL"/>
           </a:p>
@@ -373,7 +373,7 @@
           <a:p>
             <a:fld id="{23C66214-DB21-4647-B5DA-0D17CA592867}" type="datetimeFigureOut">
               <a:rPr lang="nl-NL" smtClean="0"/>
-              <a:t>10-10-2022</a:t>
+              <a:t>12-10-2022</a:t>
             </a:fld>
             <a:endParaRPr lang="nl-NL"/>
           </a:p>
@@ -1362,7 +1362,7 @@
           <a:p>
             <a:fld id="{32CB04F5-1DDB-433A-9F56-F69ABF3D82C1}" type="datetime1">
               <a:rPr lang="nl-BE" smtClean="0"/>
-              <a:t>10/10/2022</a:t>
+              <a:t>12/10/2022</a:t>
             </a:fld>
             <a:endParaRPr lang="nl-NL"/>
           </a:p>
@@ -1645,7 +1645,7 @@
           <a:p>
             <a:fld id="{105EA0AE-89F5-40F4-A8AC-2CFB7172A437}" type="datetime1">
               <a:rPr lang="nl-BE" smtClean="0"/>
-              <a:t>10/10/2022</a:t>
+              <a:t>12/10/2022</a:t>
             </a:fld>
             <a:endParaRPr lang="nl-NL"/>
           </a:p>
@@ -1975,7 +1975,7 @@
           <a:p>
             <a:fld id="{51F891C0-052E-4374-9F7B-8DF3098847EC}" type="datetime1">
               <a:rPr lang="nl-BE" smtClean="0"/>
-              <a:t>10/10/2022</a:t>
+              <a:t>12/10/2022</a:t>
             </a:fld>
             <a:endParaRPr lang="nl-NL"/>
           </a:p>
@@ -2295,7 +2295,7 @@
           <a:p>
             <a:fld id="{0BAB7CBA-08E0-4FB9-BBC7-B0F9EE30FC23}" type="datetime1">
               <a:rPr lang="nl-BE" smtClean="0"/>
-              <a:t>10/10/2022</a:t>
+              <a:t>12/10/2022</a:t>
             </a:fld>
             <a:endParaRPr lang="nl-NL" dirty="0"/>
           </a:p>
@@ -2616,7 +2616,7 @@
           <a:p>
             <a:fld id="{A9A41F9E-F395-4802-BA0E-A579FF58717F}" type="datetime1">
               <a:rPr lang="nl-BE" smtClean="0"/>
-              <a:t>10/10/2022</a:t>
+              <a:t>12/10/2022</a:t>
             </a:fld>
             <a:endParaRPr lang="nl-NL" dirty="0"/>
           </a:p>
@@ -2758,7 +2758,7 @@
           <a:p>
             <a:fld id="{2A8B9AD4-BDDB-4121-9EEE-D890BB11E687}" type="datetime1">
               <a:rPr lang="nl-BE" smtClean="0"/>
-              <a:t>10/10/2022</a:t>
+              <a:t>12/10/2022</a:t>
             </a:fld>
             <a:endParaRPr lang="nl-NL"/>
           </a:p>
@@ -3242,7 +3242,7 @@
           <a:p>
             <a:fld id="{8DC808CC-4EBF-4C64-BA9E-B07B99C9DB99}" type="datetime1">
               <a:rPr lang="nl-BE" smtClean="0"/>
-              <a:t>10/10/2022</a:t>
+              <a:t>12/10/2022</a:t>
             </a:fld>
             <a:endParaRPr lang="nl-NL" dirty="0"/>
           </a:p>
@@ -3363,7 +3363,7 @@
           <a:p>
             <a:fld id="{26609C90-ED50-42CD-B56C-68BF842A2B6A}" type="datetime1">
               <a:rPr lang="nl-BE" smtClean="0"/>
-              <a:t>10/10/2022</a:t>
+              <a:t>12/10/2022</a:t>
             </a:fld>
             <a:endParaRPr lang="nl-NL"/>
           </a:p>
@@ -3484,7 +3484,7 @@
           <a:p>
             <a:fld id="{F15E82AE-B9EE-446E-B46E-329ABC891749}" type="datetime1">
               <a:rPr lang="nl-BE" smtClean="0"/>
-              <a:t>10/10/2022</a:t>
+              <a:t>12/10/2022</a:t>
             </a:fld>
             <a:endParaRPr lang="nl-NL"/>
           </a:p>
@@ -3666,7 +3666,7 @@
           <a:p>
             <a:fld id="{4A7FDF18-BDCB-4338-9FA2-782F60A2E51C}" type="datetime1">
               <a:rPr lang="nl-BE" smtClean="0"/>
-              <a:t>10/10/2022</a:t>
+              <a:t>12/10/2022</a:t>
             </a:fld>
             <a:endParaRPr lang="nl-NL" dirty="0"/>
           </a:p>
@@ -3950,7 +3950,7 @@
           <a:p>
             <a:fld id="{E389F4DD-E9F0-454C-8CE7-299000EBA983}" type="datetime1">
               <a:rPr lang="nl-BE" smtClean="0"/>
-              <a:t>10/10/2022</a:t>
+              <a:t>12/10/2022</a:t>
             </a:fld>
             <a:endParaRPr lang="nl-NL" dirty="0"/>
           </a:p>
@@ -4591,7 +4591,7 @@
           <a:p>
             <a:fld id="{7F18BCE0-9917-41C7-AA76-58ADB721FDEC}" type="datetime1">
               <a:rPr lang="nl-BE" smtClean="0"/>
-              <a:t>10/10/2022</a:t>
+              <a:t>12/10/2022</a:t>
             </a:fld>
             <a:endParaRPr lang="nl-NL" dirty="0"/>
           </a:p>
@@ -8643,7 +8643,7 @@
         <p:spPr bwMode="auto">
           <a:xfrm>
             <a:off x="6946320" y="1901580"/>
-            <a:ext cx="4940880" cy="1018404"/>
+            <a:ext cx="4940880" cy="1114938"/>
           </a:xfrm>
           <a:prstGeom prst="rect">
             <a:avLst/>
@@ -10325,7 +10325,7 @@
         <p:spPr bwMode="auto">
           <a:xfrm>
             <a:off x="6946320" y="695718"/>
-            <a:ext cx="4940880" cy="1109328"/>
+            <a:ext cx="4940880" cy="1283848"/>
           </a:xfrm>
           <a:prstGeom prst="rect">
             <a:avLst/>
@@ -10467,7 +10467,7 @@
         <p:spPr bwMode="auto">
           <a:xfrm>
             <a:off x="6940800" y="1000518"/>
-            <a:ext cx="4940880" cy="804528"/>
+            <a:ext cx="4940880" cy="979048"/>
           </a:xfrm>
           <a:prstGeom prst="rect">
             <a:avLst/>

--- a/logboek_ESAT9A1.pptx
+++ b/logboek_ESAT9A1.pptx
@@ -208,7 +208,7 @@
           <a:p>
             <a:fld id="{8F591CCF-F6FD-734B-854A-5BC033593B1E}" type="datetimeFigureOut">
               <a:rPr lang="nl-NL" smtClean="0"/>
-              <a:t>12-10-2022</a:t>
+              <a:t>13-10-2022</a:t>
             </a:fld>
             <a:endParaRPr lang="nl-NL"/>
           </a:p>
@@ -373,7 +373,7 @@
           <a:p>
             <a:fld id="{23C66214-DB21-4647-B5DA-0D17CA592867}" type="datetimeFigureOut">
               <a:rPr lang="nl-NL" smtClean="0"/>
-              <a:t>12-10-2022</a:t>
+              <a:t>13-10-2022</a:t>
             </a:fld>
             <a:endParaRPr lang="nl-NL"/>
           </a:p>
@@ -1362,7 +1362,7 @@
           <a:p>
             <a:fld id="{32CB04F5-1DDB-433A-9F56-F69ABF3D82C1}" type="datetime1">
               <a:rPr lang="nl-BE" smtClean="0"/>
-              <a:t>12/10/2022</a:t>
+              <a:t>13/10/2022</a:t>
             </a:fld>
             <a:endParaRPr lang="nl-NL"/>
           </a:p>
@@ -1645,7 +1645,7 @@
           <a:p>
             <a:fld id="{105EA0AE-89F5-40F4-A8AC-2CFB7172A437}" type="datetime1">
               <a:rPr lang="nl-BE" smtClean="0"/>
-              <a:t>12/10/2022</a:t>
+              <a:t>13/10/2022</a:t>
             </a:fld>
             <a:endParaRPr lang="nl-NL"/>
           </a:p>
@@ -1975,7 +1975,7 @@
           <a:p>
             <a:fld id="{51F891C0-052E-4374-9F7B-8DF3098847EC}" type="datetime1">
               <a:rPr lang="nl-BE" smtClean="0"/>
-              <a:t>12/10/2022</a:t>
+              <a:t>13/10/2022</a:t>
             </a:fld>
             <a:endParaRPr lang="nl-NL"/>
           </a:p>
@@ -2295,7 +2295,7 @@
           <a:p>
             <a:fld id="{0BAB7CBA-08E0-4FB9-BBC7-B0F9EE30FC23}" type="datetime1">
               <a:rPr lang="nl-BE" smtClean="0"/>
-              <a:t>12/10/2022</a:t>
+              <a:t>13/10/2022</a:t>
             </a:fld>
             <a:endParaRPr lang="nl-NL" dirty="0"/>
           </a:p>
@@ -2616,7 +2616,7 @@
           <a:p>
             <a:fld id="{A9A41F9E-F395-4802-BA0E-A579FF58717F}" type="datetime1">
               <a:rPr lang="nl-BE" smtClean="0"/>
-              <a:t>12/10/2022</a:t>
+              <a:t>13/10/2022</a:t>
             </a:fld>
             <a:endParaRPr lang="nl-NL" dirty="0"/>
           </a:p>
@@ -2758,7 +2758,7 @@
           <a:p>
             <a:fld id="{2A8B9AD4-BDDB-4121-9EEE-D890BB11E687}" type="datetime1">
               <a:rPr lang="nl-BE" smtClean="0"/>
-              <a:t>12/10/2022</a:t>
+              <a:t>13/10/2022</a:t>
             </a:fld>
             <a:endParaRPr lang="nl-NL"/>
           </a:p>
@@ -3242,7 +3242,7 @@
           <a:p>
             <a:fld id="{8DC808CC-4EBF-4C64-BA9E-B07B99C9DB99}" type="datetime1">
               <a:rPr lang="nl-BE" smtClean="0"/>
-              <a:t>12/10/2022</a:t>
+              <a:t>13/10/2022</a:t>
             </a:fld>
             <a:endParaRPr lang="nl-NL" dirty="0"/>
           </a:p>
@@ -3363,7 +3363,7 @@
           <a:p>
             <a:fld id="{26609C90-ED50-42CD-B56C-68BF842A2B6A}" type="datetime1">
               <a:rPr lang="nl-BE" smtClean="0"/>
-              <a:t>12/10/2022</a:t>
+              <a:t>13/10/2022</a:t>
             </a:fld>
             <a:endParaRPr lang="nl-NL"/>
           </a:p>
@@ -3484,7 +3484,7 @@
           <a:p>
             <a:fld id="{F15E82AE-B9EE-446E-B46E-329ABC891749}" type="datetime1">
               <a:rPr lang="nl-BE" smtClean="0"/>
-              <a:t>12/10/2022</a:t>
+              <a:t>13/10/2022</a:t>
             </a:fld>
             <a:endParaRPr lang="nl-NL"/>
           </a:p>
@@ -3666,7 +3666,7 @@
           <a:p>
             <a:fld id="{4A7FDF18-BDCB-4338-9FA2-782F60A2E51C}" type="datetime1">
               <a:rPr lang="nl-BE" smtClean="0"/>
-              <a:t>12/10/2022</a:t>
+              <a:t>13/10/2022</a:t>
             </a:fld>
             <a:endParaRPr lang="nl-NL" dirty="0"/>
           </a:p>
@@ -3950,7 +3950,7 @@
           <a:p>
             <a:fld id="{E389F4DD-E9F0-454C-8CE7-299000EBA983}" type="datetime1">
               <a:rPr lang="nl-BE" smtClean="0"/>
-              <a:t>12/10/2022</a:t>
+              <a:t>13/10/2022</a:t>
             </a:fld>
             <a:endParaRPr lang="nl-NL" dirty="0"/>
           </a:p>
@@ -4591,7 +4591,7 @@
           <a:p>
             <a:fld id="{7F18BCE0-9917-41C7-AA76-58ADB721FDEC}" type="datetime1">
               <a:rPr lang="nl-BE" smtClean="0"/>
-              <a:t>12/10/2022</a:t>
+              <a:t>13/10/2022</a:t>
             </a:fld>
             <a:endParaRPr lang="nl-NL" dirty="0"/>
           </a:p>
@@ -10989,8 +10989,8 @@
         </p:nvSpPr>
         <p:spPr bwMode="auto">
           <a:xfrm>
-            <a:off x="576000" y="1901580"/>
-            <a:ext cx="4940880" cy="1018404"/>
+            <a:off x="580800" y="1348510"/>
+            <a:ext cx="4940880" cy="1767742"/>
           </a:xfrm>
           <a:prstGeom prst="rect">
             <a:avLst/>
@@ -11042,7 +11042,7 @@
         </p:nvSpPr>
         <p:spPr bwMode="auto">
           <a:xfrm>
-            <a:off x="576000" y="1901580"/>
+            <a:off x="580800" y="1365141"/>
             <a:ext cx="4940880" cy="304800"/>
           </a:xfrm>
           <a:prstGeom prst="rect">
@@ -11089,7 +11089,7 @@
         </p:nvSpPr>
         <p:spPr bwMode="auto">
           <a:xfrm>
-            <a:off x="576000" y="2206380"/>
+            <a:off x="576000" y="1669941"/>
             <a:ext cx="4940880" cy="713604"/>
           </a:xfrm>
           <a:prstGeom prst="rect">
@@ -11144,7 +11144,7 @@
                 </a:solidFill>
                 <a:latin typeface="Verdana" panose="020B0604030504040204" pitchFamily="34" charset="0"/>
               </a:rPr>
-              <a:t> Item 1</a:t>
+              <a:t> Issue: Face Detection (IFD)</a:t>
             </a:r>
           </a:p>
           <a:p>
@@ -11159,7 +11159,7 @@
                 </a:solidFill>
                 <a:latin typeface="Verdana" panose="020B0604030504040204" pitchFamily="34" charset="0"/>
               </a:rPr>
-              <a:t> Item 2</a:t>
+              <a:t> Gestures (G)</a:t>
             </a:r>
           </a:p>
           <a:p>
@@ -11174,8 +11174,80 @@
                 </a:solidFill>
                 <a:latin typeface="Verdana" panose="020B0604030504040204" pitchFamily="34" charset="0"/>
               </a:rPr>
-              <a:t>…</a:t>
-            </a:r>
+              <a:t> Better Face Detection (BFD)</a:t>
+            </a:r>
+          </a:p>
+          <a:p>
+            <a:pPr>
+              <a:buFontTx/>
+              <a:buChar char="•"/>
+            </a:pPr>
+            <a:r>
+              <a:rPr lang="en-US" altLang="nl-BE" sz="1200" dirty="0">
+                <a:solidFill>
+                  <a:srgbClr val="333333"/>
+                </a:solidFill>
+                <a:latin typeface="Verdana" panose="020B0604030504040204" pitchFamily="34" charset="0"/>
+              </a:rPr>
+              <a:t> Report</a:t>
+            </a:r>
+          </a:p>
+          <a:p>
+            <a:pPr>
+              <a:buFontTx/>
+              <a:buChar char="•"/>
+            </a:pPr>
+            <a:r>
+              <a:rPr lang="en-US" altLang="nl-BE" sz="1200" dirty="0">
+                <a:solidFill>
+                  <a:srgbClr val="333333"/>
+                </a:solidFill>
+                <a:latin typeface="Verdana" panose="020B0604030504040204" pitchFamily="34" charset="0"/>
+              </a:rPr>
+              <a:t> Face Recognition (FR)</a:t>
+            </a:r>
+          </a:p>
+          <a:p>
+            <a:pPr>
+              <a:buFontTx/>
+              <a:buChar char="•"/>
+            </a:pPr>
+            <a:r>
+              <a:rPr lang="en-US" altLang="nl-BE" sz="1200" dirty="0">
+                <a:solidFill>
+                  <a:srgbClr val="333333"/>
+                </a:solidFill>
+                <a:latin typeface="Verdana" panose="020B0604030504040204" pitchFamily="34" charset="0"/>
+              </a:rPr>
+              <a:t> Head Switcher (HS)</a:t>
+            </a:r>
+          </a:p>
+          <a:p>
+            <a:pPr>
+              <a:buFontTx/>
+              <a:buChar char="•"/>
+            </a:pPr>
+            <a:r>
+              <a:rPr lang="en-US" altLang="nl-BE" sz="1200" dirty="0">
+                <a:solidFill>
+                  <a:srgbClr val="333333"/>
+                </a:solidFill>
+                <a:latin typeface="Verdana" panose="020B0604030504040204" pitchFamily="34" charset="0"/>
+              </a:rPr>
+              <a:t> Relative Lip Detection (RLD)</a:t>
+            </a:r>
+          </a:p>
+          <a:p>
+            <a:pPr>
+              <a:buFontTx/>
+              <a:buChar char="•"/>
+            </a:pPr>
+            <a:endParaRPr lang="en-US" altLang="nl-BE" sz="1200" dirty="0">
+              <a:solidFill>
+                <a:srgbClr val="333333"/>
+              </a:solidFill>
+              <a:latin typeface="Verdana" panose="020B0604030504040204" pitchFamily="34" charset="0"/>
+            </a:endParaRPr>
           </a:p>
         </p:txBody>
       </p:sp>
@@ -11185,7 +11257,13 @@
           <p:cNvGraphicFramePr>
             <a:graphicFrameLocks noGrp="1"/>
           </p:cNvGraphicFramePr>
-          <p:nvPr/>
+          <p:nvPr>
+            <p:extLst>
+              <p:ext uri="{D42A27DB-BD31-4B8C-83A1-F6EECF244321}">
+                <p14:modId xmlns:p14="http://schemas.microsoft.com/office/powerpoint/2010/main" val="2414275679"/>
+              </p:ext>
+            </p:extLst>
+          </p:nvPr>
         </p:nvGraphicFramePr>
         <p:xfrm>
           <a:off x="580800" y="3517586"/>
@@ -11408,7 +11486,10 @@
                     <a:bodyPr/>
                     <a:lstStyle/>
                     <a:p>
-                      <a:endParaRPr lang="nl-BE" dirty="0"/>
+                      <a:r>
+                        <a:rPr lang="nl-BE" dirty="0"/>
+                        <a:t>BFD</a:t>
+                      </a:r>
                     </a:p>
                   </a:txBody>
                   <a:tcPr/>
@@ -11418,7 +11499,10 @@
                     <a:bodyPr/>
                     <a:lstStyle/>
                     <a:p>
-                      <a:endParaRPr lang="nl-BE" dirty="0"/>
+                      <a:r>
+                        <a:rPr lang="nl-BE" dirty="0"/>
+                        <a:t>BFD</a:t>
+                      </a:r>
                     </a:p>
                   </a:txBody>
                   <a:tcPr/>
@@ -11428,7 +11512,10 @@
                     <a:bodyPr/>
                     <a:lstStyle/>
                     <a:p>
-                      <a:endParaRPr lang="nl-BE"/>
+                      <a:r>
+                        <a:rPr lang="nl-BE" dirty="0"/>
+                        <a:t>BFD</a:t>
+                      </a:r>
                     </a:p>
                   </a:txBody>
                   <a:tcPr/>
@@ -11438,7 +11525,10 @@
                     <a:bodyPr/>
                     <a:lstStyle/>
                     <a:p>
-                      <a:endParaRPr lang="nl-BE" dirty="0"/>
+                      <a:r>
+                        <a:rPr lang="nl-BE" dirty="0"/>
+                        <a:t>BFD</a:t>
+                      </a:r>
                     </a:p>
                   </a:txBody>
                   <a:tcPr>
@@ -11510,7 +11600,10 @@
                     <a:bodyPr/>
                     <a:lstStyle/>
                     <a:p>
-                      <a:endParaRPr lang="nl-BE" dirty="0"/>
+                      <a:r>
+                        <a:rPr lang="nl-BE" dirty="0"/>
+                        <a:t>IFD &amp; RLD</a:t>
+                      </a:r>
                     </a:p>
                   </a:txBody>
                   <a:tcPr/>
@@ -11520,7 +11613,10 @@
                     <a:bodyPr/>
                     <a:lstStyle/>
                     <a:p>
-                      <a:endParaRPr lang="nl-BE"/>
+                      <a:r>
+                        <a:rPr lang="nl-BE" dirty="0"/>
+                        <a:t>RLD</a:t>
+                      </a:r>
                     </a:p>
                   </a:txBody>
                   <a:tcPr/>
@@ -11530,7 +11626,10 @@
                     <a:bodyPr/>
                     <a:lstStyle/>
                     <a:p>
-                      <a:endParaRPr lang="nl-BE"/>
+                      <a:r>
+                        <a:rPr lang="nl-BE" dirty="0"/>
+                        <a:t>RLD</a:t>
+                      </a:r>
                     </a:p>
                   </a:txBody>
                   <a:tcPr/>
@@ -11540,7 +11639,10 @@
                     <a:bodyPr/>
                     <a:lstStyle/>
                     <a:p>
-                      <a:endParaRPr lang="nl-BE" dirty="0"/>
+                      <a:r>
+                        <a:rPr lang="nl-BE" dirty="0"/>
+                        <a:t>HS</a:t>
+                      </a:r>
                     </a:p>
                   </a:txBody>
                   <a:tcPr>
@@ -11607,7 +11709,10 @@
                     <a:bodyPr/>
                     <a:lstStyle/>
                     <a:p>
-                      <a:endParaRPr lang="nl-BE" dirty="0"/>
+                      <a:r>
+                        <a:rPr lang="nl-BE" dirty="0"/>
+                        <a:t>Report</a:t>
+                      </a:r>
                     </a:p>
                   </a:txBody>
                   <a:tcPr/>
@@ -11617,7 +11722,10 @@
                     <a:bodyPr/>
                     <a:lstStyle/>
                     <a:p>
-                      <a:endParaRPr lang="nl-BE"/>
+                      <a:r>
+                        <a:rPr lang="nl-BE" dirty="0"/>
+                        <a:t>FR</a:t>
+                      </a:r>
                     </a:p>
                   </a:txBody>
                   <a:tcPr/>
@@ -11627,7 +11735,10 @@
                     <a:bodyPr/>
                     <a:lstStyle/>
                     <a:p>
-                      <a:endParaRPr lang="nl-BE" dirty="0"/>
+                      <a:r>
+                        <a:rPr lang="nl-BE" dirty="0"/>
+                        <a:t>FR</a:t>
+                      </a:r>
                     </a:p>
                   </a:txBody>
                   <a:tcPr/>
@@ -11637,7 +11748,10 @@
                     <a:bodyPr/>
                     <a:lstStyle/>
                     <a:p>
-                      <a:endParaRPr lang="nl-BE"/>
+                      <a:r>
+                        <a:rPr lang="nl-BE" dirty="0"/>
+                        <a:t>FR</a:t>
+                      </a:r>
                     </a:p>
                   </a:txBody>
                   <a:tcPr>
@@ -11704,6 +11818,23 @@
                     <a:bodyPr/>
                     <a:lstStyle/>
                     <a:p>
+                      <a:r>
+                        <a:rPr lang="nl-BE" dirty="0"/>
+                        <a:t>IFD</a:t>
+                      </a:r>
+                    </a:p>
+                  </a:txBody>
+                  <a:tcPr/>
+                </a:tc>
+                <a:tc>
+                  <a:txBody>
+                    <a:bodyPr/>
+                    <a:lstStyle/>
+                    <a:p>
+                      <a:r>
+                        <a:rPr lang="nl-BE" dirty="0" err="1"/>
+                        <a:t>Helping</a:t>
+                      </a:r>
                       <a:endParaRPr lang="nl-BE" dirty="0"/>
                     </a:p>
                   </a:txBody>
@@ -11714,6 +11845,10 @@
                     <a:bodyPr/>
                     <a:lstStyle/>
                     <a:p>
+                      <a:r>
+                        <a:rPr lang="nl-BE" dirty="0" err="1"/>
+                        <a:t>Helping</a:t>
+                      </a:r>
                       <a:endParaRPr lang="nl-BE" dirty="0"/>
                     </a:p>
                   </a:txBody>
@@ -11724,17 +11859,11 @@
                     <a:bodyPr/>
                     <a:lstStyle/>
                     <a:p>
-                      <a:endParaRPr lang="nl-BE"/>
-                    </a:p>
-                  </a:txBody>
-                  <a:tcPr/>
-                </a:tc>
-                <a:tc>
-                  <a:txBody>
-                    <a:bodyPr/>
-                    <a:lstStyle/>
-                    <a:p>
-                      <a:endParaRPr lang="nl-BE"/>
+                      <a:r>
+                        <a:rPr lang="nl-BE" dirty="0" err="1"/>
+                        <a:t>Helping</a:t>
+                      </a:r>
+                      <a:endParaRPr lang="nl-BE" dirty="0"/>
                     </a:p>
                   </a:txBody>
                   <a:tcPr>
@@ -11806,7 +11935,10 @@
                     <a:bodyPr/>
                     <a:lstStyle/>
                     <a:p>
-                      <a:endParaRPr lang="nl-BE" dirty="0"/>
+                      <a:r>
+                        <a:rPr lang="nl-BE" dirty="0"/>
+                        <a:t>HS</a:t>
+                      </a:r>
                     </a:p>
                   </a:txBody>
                   <a:tcPr/>
@@ -11816,7 +11948,10 @@
                     <a:bodyPr/>
                     <a:lstStyle/>
                     <a:p>
-                      <a:endParaRPr lang="nl-BE" dirty="0"/>
+                      <a:r>
+                        <a:rPr lang="nl-BE" dirty="0"/>
+                        <a:t>HS</a:t>
+                      </a:r>
                     </a:p>
                   </a:txBody>
                   <a:tcPr/>
@@ -11826,7 +11961,10 @@
                     <a:bodyPr/>
                     <a:lstStyle/>
                     <a:p>
-                      <a:endParaRPr lang="nl-BE"/>
+                      <a:r>
+                        <a:rPr lang="nl-BE" dirty="0"/>
+                        <a:t>HS</a:t>
+                      </a:r>
                     </a:p>
                   </a:txBody>
                   <a:tcPr/>
@@ -11836,7 +11974,10 @@
                     <a:bodyPr/>
                     <a:lstStyle/>
                     <a:p>
-                      <a:endParaRPr lang="nl-BE" dirty="0"/>
+                      <a:r>
+                        <a:rPr lang="nl-BE" dirty="0"/>
+                        <a:t>HS</a:t>
+                      </a:r>
                     </a:p>
                   </a:txBody>
                   <a:tcPr>
@@ -11921,7 +12062,10 @@
                     <a:bodyPr/>
                     <a:lstStyle/>
                     <a:p>
-                      <a:endParaRPr lang="nl-BE" dirty="0"/>
+                      <a:r>
+                        <a:rPr lang="nl-BE" dirty="0"/>
+                        <a:t>G</a:t>
+                      </a:r>
                     </a:p>
                   </a:txBody>
                   <a:tcPr>
@@ -11941,7 +12085,10 @@
                     <a:bodyPr/>
                     <a:lstStyle/>
                     <a:p>
-                      <a:endParaRPr lang="nl-BE" dirty="0"/>
+                      <a:r>
+                        <a:rPr lang="nl-BE" dirty="0"/>
+                        <a:t>G</a:t>
+                      </a:r>
                     </a:p>
                   </a:txBody>
                   <a:tcPr>
@@ -11961,7 +12108,10 @@
                     <a:bodyPr/>
                     <a:lstStyle/>
                     <a:p>
-                      <a:endParaRPr lang="nl-BE"/>
+                      <a:r>
+                        <a:rPr lang="nl-BE" dirty="0"/>
+                        <a:t>Hardware Search</a:t>
+                      </a:r>
                     </a:p>
                   </a:txBody>
                   <a:tcPr>
@@ -11981,7 +12131,10 @@
                     <a:bodyPr/>
                     <a:lstStyle/>
                     <a:p>
-                      <a:endParaRPr lang="nl-BE" dirty="0"/>
+                      <a:r>
+                        <a:rPr lang="nl-BE" dirty="0"/>
+                        <a:t>Hardware &amp; Log</a:t>
+                      </a:r>
                     </a:p>
                   </a:txBody>
                   <a:tcPr>
@@ -12311,7 +12464,7 @@
                 </a:solidFill>
                 <a:latin typeface="Verdana" panose="020B0604030504040204" pitchFamily="34" charset="0"/>
               </a:rPr>
-              <a:t> Item 1</a:t>
+              <a:t> RLD</a:t>
             </a:r>
           </a:p>
           <a:p>
@@ -12326,22 +12479,7 @@
                 </a:solidFill>
                 <a:latin typeface="Verdana" panose="020B0604030504040204" pitchFamily="34" charset="0"/>
               </a:rPr>
-              <a:t> Item 2</a:t>
-            </a:r>
-          </a:p>
-          <a:p>
-            <a:pPr>
-              <a:buFontTx/>
-              <a:buChar char="•"/>
-            </a:pPr>
-            <a:r>
-              <a:rPr lang="en-US" altLang="nl-BE" sz="1200" dirty="0">
-                <a:solidFill>
-                  <a:srgbClr val="333333"/>
-                </a:solidFill>
-                <a:latin typeface="Verdana" panose="020B0604030504040204" pitchFamily="34" charset="0"/>
-              </a:rPr>
-              <a:t>…</a:t>
+              <a:t>  G</a:t>
             </a:r>
           </a:p>
         </p:txBody>
@@ -12571,7 +12709,7 @@
                 </a:solidFill>
                 <a:latin typeface="Verdana" panose="020B0604030504040204" pitchFamily="34" charset="0"/>
               </a:rPr>
-              <a:t> Item 1</a:t>
+              <a:t> BFD</a:t>
             </a:r>
           </a:p>
           <a:p>
@@ -12586,7 +12724,7 @@
                 </a:solidFill>
                 <a:latin typeface="Verdana" panose="020B0604030504040204" pitchFamily="34" charset="0"/>
               </a:rPr>
-              <a:t> Item 2</a:t>
+              <a:t>IFD</a:t>
             </a:r>
           </a:p>
           <a:p>
@@ -12601,8 +12739,41 @@
                 </a:solidFill>
                 <a:latin typeface="Verdana" panose="020B0604030504040204" pitchFamily="34" charset="0"/>
               </a:rPr>
-              <a:t>…</a:t>
-            </a:r>
+              <a:t>FR</a:t>
+            </a:r>
+          </a:p>
+          <a:p>
+            <a:pPr>
+              <a:buFontTx/>
+              <a:buChar char="•"/>
+            </a:pPr>
+            <a:r>
+              <a:rPr lang="en-US" altLang="nl-BE" sz="1200">
+                <a:solidFill>
+                  <a:srgbClr val="333333"/>
+                </a:solidFill>
+                <a:latin typeface="Verdana" panose="020B0604030504040204" pitchFamily="34" charset="0"/>
+              </a:rPr>
+              <a:t>HS</a:t>
+            </a:r>
+            <a:endParaRPr lang="en-US" altLang="nl-BE" sz="1200" dirty="0">
+              <a:solidFill>
+                <a:srgbClr val="333333"/>
+              </a:solidFill>
+              <a:latin typeface="Verdana" panose="020B0604030504040204" pitchFamily="34" charset="0"/>
+            </a:endParaRPr>
+          </a:p>
+          <a:p>
+            <a:pPr>
+              <a:buFontTx/>
+              <a:buChar char="•"/>
+            </a:pPr>
+            <a:endParaRPr lang="en-US" altLang="nl-BE" sz="1200" dirty="0">
+              <a:solidFill>
+                <a:srgbClr val="333333"/>
+              </a:solidFill>
+              <a:latin typeface="Verdana" panose="020B0604030504040204" pitchFamily="34" charset="0"/>
+            </a:endParaRPr>
           </a:p>
         </p:txBody>
       </p:sp>

--- a/logboek_ESAT9A1.pptx
+++ b/logboek_ESAT9A1.pptx
@@ -208,7 +208,7 @@
           <a:p>
             <a:fld id="{8F591CCF-F6FD-734B-854A-5BC033593B1E}" type="datetimeFigureOut">
               <a:rPr lang="nl-NL" smtClean="0"/>
-              <a:t>13-10-2022</a:t>
+              <a:t>17-10-2022</a:t>
             </a:fld>
             <a:endParaRPr lang="nl-NL"/>
           </a:p>
@@ -373,7 +373,7 @@
           <a:p>
             <a:fld id="{23C66214-DB21-4647-B5DA-0D17CA592867}" type="datetimeFigureOut">
               <a:rPr lang="nl-NL" smtClean="0"/>
-              <a:t>13-10-2022</a:t>
+              <a:t>17-10-2022</a:t>
             </a:fld>
             <a:endParaRPr lang="nl-NL"/>
           </a:p>
@@ -1362,7 +1362,7 @@
           <a:p>
             <a:fld id="{32CB04F5-1DDB-433A-9F56-F69ABF3D82C1}" type="datetime1">
               <a:rPr lang="nl-BE" smtClean="0"/>
-              <a:t>13/10/2022</a:t>
+              <a:t>17/10/2022</a:t>
             </a:fld>
             <a:endParaRPr lang="nl-NL"/>
           </a:p>
@@ -1645,7 +1645,7 @@
           <a:p>
             <a:fld id="{105EA0AE-89F5-40F4-A8AC-2CFB7172A437}" type="datetime1">
               <a:rPr lang="nl-BE" smtClean="0"/>
-              <a:t>13/10/2022</a:t>
+              <a:t>17/10/2022</a:t>
             </a:fld>
             <a:endParaRPr lang="nl-NL"/>
           </a:p>
@@ -1975,7 +1975,7 @@
           <a:p>
             <a:fld id="{51F891C0-052E-4374-9F7B-8DF3098847EC}" type="datetime1">
               <a:rPr lang="nl-BE" smtClean="0"/>
-              <a:t>13/10/2022</a:t>
+              <a:t>17/10/2022</a:t>
             </a:fld>
             <a:endParaRPr lang="nl-NL"/>
           </a:p>
@@ -2295,7 +2295,7 @@
           <a:p>
             <a:fld id="{0BAB7CBA-08E0-4FB9-BBC7-B0F9EE30FC23}" type="datetime1">
               <a:rPr lang="nl-BE" smtClean="0"/>
-              <a:t>13/10/2022</a:t>
+              <a:t>17/10/2022</a:t>
             </a:fld>
             <a:endParaRPr lang="nl-NL" dirty="0"/>
           </a:p>
@@ -2616,7 +2616,7 @@
           <a:p>
             <a:fld id="{A9A41F9E-F395-4802-BA0E-A579FF58717F}" type="datetime1">
               <a:rPr lang="nl-BE" smtClean="0"/>
-              <a:t>13/10/2022</a:t>
+              <a:t>17/10/2022</a:t>
             </a:fld>
             <a:endParaRPr lang="nl-NL" dirty="0"/>
           </a:p>
@@ -2758,7 +2758,7 @@
           <a:p>
             <a:fld id="{2A8B9AD4-BDDB-4121-9EEE-D890BB11E687}" type="datetime1">
               <a:rPr lang="nl-BE" smtClean="0"/>
-              <a:t>13/10/2022</a:t>
+              <a:t>17/10/2022</a:t>
             </a:fld>
             <a:endParaRPr lang="nl-NL"/>
           </a:p>
@@ -3242,7 +3242,7 @@
           <a:p>
             <a:fld id="{8DC808CC-4EBF-4C64-BA9E-B07B99C9DB99}" type="datetime1">
               <a:rPr lang="nl-BE" smtClean="0"/>
-              <a:t>13/10/2022</a:t>
+              <a:t>17/10/2022</a:t>
             </a:fld>
             <a:endParaRPr lang="nl-NL" dirty="0"/>
           </a:p>
@@ -3363,7 +3363,7 @@
           <a:p>
             <a:fld id="{26609C90-ED50-42CD-B56C-68BF842A2B6A}" type="datetime1">
               <a:rPr lang="nl-BE" smtClean="0"/>
-              <a:t>13/10/2022</a:t>
+              <a:t>17/10/2022</a:t>
             </a:fld>
             <a:endParaRPr lang="nl-NL"/>
           </a:p>
@@ -3484,7 +3484,7 @@
           <a:p>
             <a:fld id="{F15E82AE-B9EE-446E-B46E-329ABC891749}" type="datetime1">
               <a:rPr lang="nl-BE" smtClean="0"/>
-              <a:t>13/10/2022</a:t>
+              <a:t>17/10/2022</a:t>
             </a:fld>
             <a:endParaRPr lang="nl-NL"/>
           </a:p>
@@ -3666,7 +3666,7 @@
           <a:p>
             <a:fld id="{4A7FDF18-BDCB-4338-9FA2-782F60A2E51C}" type="datetime1">
               <a:rPr lang="nl-BE" smtClean="0"/>
-              <a:t>13/10/2022</a:t>
+              <a:t>17/10/2022</a:t>
             </a:fld>
             <a:endParaRPr lang="nl-NL" dirty="0"/>
           </a:p>
@@ -3950,7 +3950,7 @@
           <a:p>
             <a:fld id="{E389F4DD-E9F0-454C-8CE7-299000EBA983}" type="datetime1">
               <a:rPr lang="nl-BE" smtClean="0"/>
-              <a:t>13/10/2022</a:t>
+              <a:t>17/10/2022</a:t>
             </a:fld>
             <a:endParaRPr lang="nl-NL" dirty="0"/>
           </a:p>
@@ -4591,7 +4591,7 @@
           <a:p>
             <a:fld id="{7F18BCE0-9917-41C7-AA76-58ADB721FDEC}" type="datetime1">
               <a:rPr lang="nl-BE" smtClean="0"/>
-              <a:t>13/10/2022</a:t>
+              <a:t>17/10/2022</a:t>
             </a:fld>
             <a:endParaRPr lang="nl-NL" dirty="0"/>
           </a:p>
@@ -7249,7 +7249,7 @@
           <p:nvPr>
             <p:extLst>
               <p:ext uri="{D42A27DB-BD31-4B8C-83A1-F6EECF244321}">
-                <p14:modId xmlns:p14="http://schemas.microsoft.com/office/powerpoint/2010/main" val="31308525"/>
+                <p14:modId xmlns:p14="http://schemas.microsoft.com/office/powerpoint/2010/main" val="4241294192"/>
               </p:ext>
             </p:extLst>
           </p:nvPr>
@@ -7477,6 +7477,27 @@
                     <a:p>
                       <a:r>
                         <a:rPr lang="nl-BE" dirty="0"/>
+                        <a:t>Fixing </a:t>
+                      </a:r>
+                      <a:r>
+                        <a:rPr lang="nl-BE" dirty="0" err="1"/>
+                        <a:t>ext</a:t>
+                      </a:r>
+                      <a:r>
+                        <a:rPr lang="nl-BE" dirty="0"/>
+                        <a:t>. camera</a:t>
+                      </a:r>
+                    </a:p>
+                  </a:txBody>
+                  <a:tcPr/>
+                </a:tc>
+                <a:tc>
+                  <a:txBody>
+                    <a:bodyPr/>
+                    <a:lstStyle/>
+                    <a:p>
+                      <a:r>
+                        <a:rPr lang="nl-BE" dirty="0"/>
                         <a:t>Speech </a:t>
                       </a:r>
                       <a:r>
@@ -7513,29 +7534,11 @@
                     <a:p>
                       <a:r>
                         <a:rPr lang="nl-BE" dirty="0"/>
-                        <a:t>Speech </a:t>
+                        <a:t>Hand </a:t>
                       </a:r>
                       <a:r>
                         <a:rPr lang="nl-BE" dirty="0" err="1"/>
                         <a:t>detection</a:t>
-                      </a:r>
-                      <a:endParaRPr lang="nl-BE" dirty="0"/>
-                    </a:p>
-                  </a:txBody>
-                  <a:tcPr/>
-                </a:tc>
-                <a:tc>
-                  <a:txBody>
-                    <a:bodyPr/>
-                    <a:lstStyle/>
-                    <a:p>
-                      <a:r>
-                        <a:rPr lang="nl-BE" dirty="0"/>
-                        <a:t>Flow </a:t>
-                      </a:r>
-                      <a:r>
-                        <a:rPr lang="nl-BE" dirty="0" err="1"/>
-                        <a:t>chart</a:t>
                       </a:r>
                       <a:endParaRPr lang="nl-BE" dirty="0"/>
                     </a:p>
@@ -7610,17 +7613,10 @@
                     <a:lstStyle/>
                     <a:p>
                       <a:r>
-                        <a:rPr lang="nl-BE" dirty="0"/>
-                        <a:t>Fixing </a:t>
-                      </a:r>
-                      <a:r>
-                        <a:rPr lang="nl-BE" dirty="0" err="1"/>
-                        <a:t>ext</a:t>
-                      </a:r>
-                      <a:r>
-                        <a:rPr lang="nl-BE" dirty="0"/>
-                        <a:t>. camera</a:t>
-                      </a:r>
+                        <a:rPr lang="en-BE" dirty="0"/>
+                        <a:t>Speech detection</a:t>
+                      </a:r>
+                      <a:endParaRPr lang="nl-BE" dirty="0"/>
                     </a:p>
                   </a:txBody>
                   <a:tcPr/>
@@ -7668,11 +7664,11 @@
                     <a:p>
                       <a:r>
                         <a:rPr lang="nl-BE" dirty="0"/>
-                        <a:t>Hand </a:t>
+                        <a:t>Flow </a:t>
                       </a:r>
                       <a:r>
                         <a:rPr lang="nl-BE" dirty="0" err="1"/>
-                        <a:t>detection</a:t>
+                        <a:t>chart</a:t>
                       </a:r>
                       <a:endParaRPr lang="nl-BE" dirty="0"/>
                     </a:p>
@@ -9314,7 +9310,7 @@
           <p:nvPr>
             <p:extLst>
               <p:ext uri="{D42A27DB-BD31-4B8C-83A1-F6EECF244321}">
-                <p14:modId xmlns:p14="http://schemas.microsoft.com/office/powerpoint/2010/main" val="2351603161"/>
+                <p14:modId xmlns:p14="http://schemas.microsoft.com/office/powerpoint/2010/main" val="4079367333"/>
               </p:ext>
             </p:extLst>
           </p:nvPr>
@@ -9542,7 +9538,7 @@
                     <a:p>
                       <a:r>
                         <a:rPr lang="nl-BE" dirty="0"/>
-                        <a:t>BHD</a:t>
+                        <a:t>LP</a:t>
                       </a:r>
                     </a:p>
                   </a:txBody>
@@ -9555,7 +9551,7 @@
                     <a:p>
                       <a:r>
                         <a:rPr lang="nl-BE" dirty="0"/>
-                        <a:t>BHD &amp; HM</a:t>
+                        <a:t>LP &amp; HM</a:t>
                       </a:r>
                     </a:p>
                   </a:txBody>
@@ -9568,7 +9564,7 @@
                     <a:p>
                       <a:r>
                         <a:rPr lang="nl-BE" dirty="0"/>
-                        <a:t>BHD</a:t>
+                        <a:t>LP &amp; HS</a:t>
                       </a:r>
                     </a:p>
                   </a:txBody>
@@ -9581,7 +9577,7 @@
                     <a:p>
                       <a:r>
                         <a:rPr lang="nl-BE" dirty="0"/>
-                        <a:t>BHD</a:t>
+                        <a:t>HS</a:t>
                       </a:r>
                     </a:p>
                   </a:txBody>
@@ -9656,7 +9652,7 @@
                     <a:p>
                       <a:r>
                         <a:rPr lang="nl-BE" dirty="0"/>
-                        <a:t>LP</a:t>
+                        <a:t>BHD</a:t>
                       </a:r>
                     </a:p>
                   </a:txBody>
@@ -9669,7 +9665,7 @@
                     <a:p>
                       <a:r>
                         <a:rPr lang="nl-BE" dirty="0"/>
-                        <a:t>LP &amp; HM</a:t>
+                        <a:t>BHD &amp; HM</a:t>
                       </a:r>
                     </a:p>
                   </a:txBody>
@@ -9682,7 +9678,7 @@
                     <a:p>
                       <a:r>
                         <a:rPr lang="nl-BE" dirty="0"/>
-                        <a:t>LP &amp; HS</a:t>
+                        <a:t>BHD</a:t>
                       </a:r>
                     </a:p>
                   </a:txBody>
@@ -9695,7 +9691,7 @@
                     <a:p>
                       <a:r>
                         <a:rPr lang="nl-BE" dirty="0"/>
-                        <a:t>HS</a:t>
+                        <a:t>BHD</a:t>
                       </a:r>
                     </a:p>
                   </a:txBody>
@@ -11260,7 +11256,7 @@
           <p:nvPr>
             <p:extLst>
               <p:ext uri="{D42A27DB-BD31-4B8C-83A1-F6EECF244321}">
-                <p14:modId xmlns:p14="http://schemas.microsoft.com/office/powerpoint/2010/main" val="2414275679"/>
+                <p14:modId xmlns:p14="http://schemas.microsoft.com/office/powerpoint/2010/main" val="2571320563"/>
               </p:ext>
             </p:extLst>
           </p:nvPr>
@@ -11488,7 +11484,7 @@
                     <a:p>
                       <a:r>
                         <a:rPr lang="nl-BE" dirty="0"/>
-                        <a:t>BFD</a:t>
+                        <a:t>IFD &amp; RLD</a:t>
                       </a:r>
                     </a:p>
                   </a:txBody>
@@ -11501,7 +11497,7 @@
                     <a:p>
                       <a:r>
                         <a:rPr lang="nl-BE" dirty="0"/>
-                        <a:t>BFD</a:t>
+                        <a:t>RLD</a:t>
                       </a:r>
                     </a:p>
                   </a:txBody>
@@ -11514,7 +11510,7 @@
                     <a:p>
                       <a:r>
                         <a:rPr lang="nl-BE" dirty="0"/>
-                        <a:t>BFD</a:t>
+                        <a:t>RLD</a:t>
                       </a:r>
                     </a:p>
                   </a:txBody>
@@ -11527,7 +11523,7 @@
                     <a:p>
                       <a:r>
                         <a:rPr lang="nl-BE" dirty="0"/>
-                        <a:t>BFD</a:t>
+                        <a:t>HS</a:t>
                       </a:r>
                     </a:p>
                   </a:txBody>
@@ -11602,7 +11598,7 @@
                     <a:p>
                       <a:r>
                         <a:rPr lang="nl-BE" dirty="0"/>
-                        <a:t>IFD &amp; RLD</a:t>
+                        <a:t>BFD</a:t>
                       </a:r>
                     </a:p>
                   </a:txBody>
@@ -11615,7 +11611,7 @@
                     <a:p>
                       <a:r>
                         <a:rPr lang="nl-BE" dirty="0"/>
-                        <a:t>RLD</a:t>
+                        <a:t>BFD</a:t>
                       </a:r>
                     </a:p>
                   </a:txBody>
@@ -11628,7 +11624,7 @@
                     <a:p>
                       <a:r>
                         <a:rPr lang="nl-BE" dirty="0"/>
-                        <a:t>RLD</a:t>
+                        <a:t>BFD</a:t>
                       </a:r>
                     </a:p>
                   </a:txBody>
@@ -11640,9 +11636,10 @@
                     <a:lstStyle/>
                     <a:p>
                       <a:r>
-                        <a:rPr lang="nl-BE" dirty="0"/>
-                        <a:t>HS</a:t>
-                      </a:r>
+                        <a:rPr lang="nl-BE"/>
+                        <a:t>BFD</a:t>
+                      </a:r>
+                      <a:endParaRPr lang="nl-BE" dirty="0"/>
                     </a:p>
                   </a:txBody>
                   <a:tcPr>

--- a/logboek_ESAT9A1.pptx
+++ b/logboek_ESAT9A1.pptx
@@ -6,10 +6,10 @@
     <p:sldMasterId id="2147483694" r:id="rId2"/>
   </p:sldMasterIdLst>
   <p:notesMasterIdLst>
-    <p:notesMasterId r:id="rId8"/>
+    <p:notesMasterId r:id="rId9"/>
   </p:notesMasterIdLst>
   <p:handoutMasterIdLst>
-    <p:handoutMasterId r:id="rId9"/>
+    <p:handoutMasterId r:id="rId10"/>
   </p:handoutMasterIdLst>
   <p:sldIdLst>
     <p:sldId id="261" r:id="rId3"/>
@@ -17,6 +17,7 @@
     <p:sldId id="263" r:id="rId5"/>
     <p:sldId id="264" r:id="rId6"/>
     <p:sldId id="265" r:id="rId7"/>
+    <p:sldId id="266" r:id="rId8"/>
   </p:sldIdLst>
   <p:sldSz cx="12192000" cy="6858000"/>
   <p:notesSz cx="6858000" cy="9144000"/>
@@ -12778,6 +12779,1943 @@
     <p:extLst>
       <p:ext uri="{BB962C8B-B14F-4D97-AF65-F5344CB8AC3E}">
         <p14:creationId xmlns:p14="http://schemas.microsoft.com/office/powerpoint/2010/main" val="3327747142"/>
+      </p:ext>
+    </p:extLst>
+  </p:cSld>
+  <p:clrMapOvr>
+    <a:masterClrMapping/>
+  </p:clrMapOvr>
+</p:sld>
+</file>
+
+<file path=ppt/slides/slide6.xml><?xml version="1.0" encoding="utf-8"?>
+<p:sld xmlns:a="http://schemas.openxmlformats.org/drawingml/2006/main" xmlns:r="http://schemas.openxmlformats.org/officeDocument/2006/relationships" xmlns:p="http://schemas.openxmlformats.org/presentationml/2006/main">
+  <p:cSld>
+    <p:spTree>
+      <p:nvGrpSpPr>
+        <p:cNvPr id="1" name=""/>
+        <p:cNvGrpSpPr/>
+        <p:nvPr/>
+      </p:nvGrpSpPr>
+      <p:grpSpPr>
+        <a:xfrm>
+          <a:off x="0" y="0"/>
+          <a:ext cx="0" cy="0"/>
+          <a:chOff x="0" y="0"/>
+          <a:chExt cx="0" cy="0"/>
+        </a:xfrm>
+      </p:grpSpPr>
+      <p:sp>
+        <p:nvSpPr>
+          <p:cNvPr id="3" name="Footer Placeholder 2"/>
+          <p:cNvSpPr>
+            <a:spLocks noGrp="1"/>
+          </p:cNvSpPr>
+          <p:nvPr>
+            <p:ph type="ftr" sz="quarter" idx="11"/>
+          </p:nvPr>
+        </p:nvSpPr>
+        <p:spPr>
+          <a:xfrm>
+            <a:off x="5742432" y="6210000"/>
+            <a:ext cx="5284368" cy="648000"/>
+          </a:xfrm>
+        </p:spPr>
+        <p:txBody>
+          <a:bodyPr/>
+          <a:lstStyle/>
+          <a:p>
+            <a:r>
+              <a:rPr lang="nl-NL" dirty="0"/>
+              <a:t>Faculteit ingenieurswetenschappen KU Leuven – </a:t>
+            </a:r>
+            <a:r>
+              <a:rPr lang="nl-NL" dirty="0" err="1"/>
+              <a:t>Probleemoplossen</a:t>
+            </a:r>
+            <a:r>
+              <a:rPr lang="nl-NL" dirty="0"/>
+              <a:t> en Ontwerpen, deel 3</a:t>
+            </a:r>
+          </a:p>
+        </p:txBody>
+      </p:sp>
+      <p:sp>
+        <p:nvSpPr>
+          <p:cNvPr id="4" name="Slide Number Placeholder 3"/>
+          <p:cNvSpPr>
+            <a:spLocks noGrp="1"/>
+          </p:cNvSpPr>
+          <p:nvPr>
+            <p:ph type="sldNum" sz="quarter" idx="12"/>
+          </p:nvPr>
+        </p:nvSpPr>
+        <p:spPr/>
+        <p:txBody>
+          <a:bodyPr/>
+          <a:lstStyle/>
+          <a:p>
+            <a:fld id="{0A297500-7527-634B-90F4-69D0994C32B4}" type="slidenum">
+              <a:rPr lang="nl-NL" smtClean="0"/>
+              <a:t>6</a:t>
+            </a:fld>
+            <a:endParaRPr lang="nl-NL"/>
+          </a:p>
+        </p:txBody>
+      </p:sp>
+      <p:sp>
+        <p:nvSpPr>
+          <p:cNvPr id="5" name="Title 4"/>
+          <p:cNvSpPr>
+            <a:spLocks noGrp="1"/>
+          </p:cNvSpPr>
+          <p:nvPr>
+            <p:ph type="title"/>
+          </p:nvPr>
+        </p:nvSpPr>
+        <p:spPr>
+          <a:xfrm>
+            <a:off x="576000" y="190258"/>
+            <a:ext cx="11041200" cy="1152000"/>
+          </a:xfrm>
+        </p:spPr>
+        <p:txBody>
+          <a:bodyPr/>
+          <a:lstStyle/>
+          <a:p>
+            <a:r>
+              <a:rPr lang="nl-BE" dirty="0"/>
+              <a:t>Week 3 (17/10/2022)</a:t>
+            </a:r>
+          </a:p>
+        </p:txBody>
+      </p:sp>
+      <p:sp>
+        <p:nvSpPr>
+          <p:cNvPr id="6" name="Rectangle 7"/>
+          <p:cNvSpPr>
+            <a:spLocks noChangeArrowheads="1"/>
+          </p:cNvSpPr>
+          <p:nvPr/>
+        </p:nvSpPr>
+        <p:spPr bwMode="auto">
+          <a:xfrm>
+            <a:off x="580800" y="1348510"/>
+            <a:ext cx="4940880" cy="1767742"/>
+          </a:xfrm>
+          <a:prstGeom prst="rect">
+            <a:avLst/>
+          </a:prstGeom>
+          <a:noFill/>
+          <a:ln w="9525">
+            <a:solidFill>
+              <a:srgbClr val="333333"/>
+            </a:solidFill>
+            <a:miter lim="800000"/>
+            <a:headEnd/>
+            <a:tailEnd/>
+          </a:ln>
+          <a:effectLst/>
+          <a:extLst>
+            <a:ext uri="{909E8E84-426E-40DD-AFC4-6F175D3DCCD1}">
+              <a14:hiddenFill xmlns:a14="http://schemas.microsoft.com/office/drawing/2010/main">
+                <a:solidFill>
+                  <a:schemeClr val="accent1"/>
+                </a:solidFill>
+              </a14:hiddenFill>
+            </a:ext>
+            <a:ext uri="{AF507438-7753-43E0-B8FC-AC1667EBCBE1}">
+              <a14:hiddenEffects xmlns:a14="http://schemas.microsoft.com/office/drawing/2010/main">
+                <a:effectLst>
+                  <a:outerShdw dist="35921" dir="2700000" algn="ctr" rotWithShape="0">
+                    <a:schemeClr val="bg2"/>
+                  </a:outerShdw>
+                </a:effectLst>
+              </a14:hiddenEffects>
+            </a:ext>
+          </a:extLst>
+        </p:spPr>
+        <p:txBody>
+          <a:bodyPr wrap="none" anchor="ctr"/>
+          <a:lstStyle/>
+          <a:p>
+            <a:endParaRPr lang="nl-BE"/>
+          </a:p>
+        </p:txBody>
+      </p:sp>
+      <p:sp>
+        <p:nvSpPr>
+          <p:cNvPr id="7" name="Rectangle 8"/>
+          <p:cNvSpPr>
+            <a:spLocks noChangeArrowheads="1"/>
+          </p:cNvSpPr>
+          <p:nvPr/>
+        </p:nvSpPr>
+        <p:spPr bwMode="auto">
+          <a:xfrm>
+            <a:off x="580800" y="1365141"/>
+            <a:ext cx="4940880" cy="304800"/>
+          </a:xfrm>
+          <a:prstGeom prst="rect">
+            <a:avLst/>
+          </a:prstGeom>
+          <a:solidFill>
+            <a:schemeClr val="tx2">
+              <a:lumMod val="75000"/>
+            </a:schemeClr>
+          </a:solidFill>
+          <a:ln w="9525">
+            <a:solidFill>
+              <a:srgbClr val="333333"/>
+            </a:solidFill>
+            <a:miter lim="800000"/>
+            <a:headEnd/>
+            <a:tailEnd/>
+          </a:ln>
+          <a:effectLst/>
+        </p:spPr>
+        <p:txBody>
+          <a:bodyPr wrap="none" anchor="ctr"/>
+          <a:lstStyle/>
+          <a:p>
+            <a:r>
+              <a:rPr lang="en-US" altLang="nl-BE" sz="1400" b="1">
+                <a:solidFill>
+                  <a:schemeClr val="bg1"/>
+                </a:solidFill>
+                <a:latin typeface="Verdana" panose="020B0604030504040204" pitchFamily="34" charset="0"/>
+              </a:rPr>
+              <a:t>Planning</a:t>
+            </a:r>
+          </a:p>
+        </p:txBody>
+      </p:sp>
+      <p:sp>
+        <p:nvSpPr>
+          <p:cNvPr id="8" name="Rectangle 20"/>
+          <p:cNvSpPr>
+            <a:spLocks noChangeArrowheads="1"/>
+          </p:cNvSpPr>
+          <p:nvPr/>
+        </p:nvSpPr>
+        <p:spPr bwMode="auto">
+          <a:xfrm>
+            <a:off x="576000" y="1669941"/>
+            <a:ext cx="4940880" cy="713604"/>
+          </a:xfrm>
+          <a:prstGeom prst="rect">
+            <a:avLst/>
+          </a:prstGeom>
+          <a:noFill/>
+          <a:ln>
+            <a:noFill/>
+          </a:ln>
+          <a:effectLst/>
+          <a:extLst>
+            <a:ext uri="{909E8E84-426E-40DD-AFC4-6F175D3DCCD1}">
+              <a14:hiddenFill xmlns:a14="http://schemas.microsoft.com/office/drawing/2010/main">
+                <a:solidFill>
+                  <a:srgbClr val="333333"/>
+                </a:solidFill>
+              </a14:hiddenFill>
+            </a:ext>
+            <a:ext uri="{91240B29-F687-4F45-9708-019B960494DF}">
+              <a14:hiddenLine xmlns:a14="http://schemas.microsoft.com/office/drawing/2010/main" w="9525">
+                <a:solidFill>
+                  <a:srgbClr val="333333"/>
+                </a:solidFill>
+                <a:miter lim="800000"/>
+                <a:headEnd/>
+                <a:tailEnd/>
+              </a14:hiddenLine>
+            </a:ext>
+            <a:ext uri="{AF507438-7753-43E0-B8FC-AC1667EBCBE1}">
+              <a14:hiddenEffects xmlns:a14="http://schemas.microsoft.com/office/drawing/2010/main">
+                <a:effectLst>
+                  <a:outerShdw dist="35921" dir="2700000" algn="ctr" rotWithShape="0">
+                    <a:schemeClr val="bg2"/>
+                  </a:outerShdw>
+                </a:effectLst>
+              </a14:hiddenEffects>
+            </a:ext>
+          </a:extLst>
+        </p:spPr>
+        <p:txBody>
+          <a:bodyPr wrap="none"/>
+          <a:lstStyle/>
+          <a:p>
+            <a:pPr>
+              <a:buFontTx/>
+              <a:buChar char="•"/>
+            </a:pPr>
+            <a:r>
+              <a:rPr lang="en-US" altLang="nl-BE" sz="1200" dirty="0">
+                <a:solidFill>
+                  <a:srgbClr val="333333"/>
+                </a:solidFill>
+                <a:latin typeface="Verdana" panose="020B0604030504040204" pitchFamily="34" charset="0"/>
+              </a:rPr>
+              <a:t> Issue: Face Detection (IFD)</a:t>
+            </a:r>
+          </a:p>
+          <a:p>
+            <a:pPr>
+              <a:buFontTx/>
+              <a:buChar char="•"/>
+            </a:pPr>
+            <a:r>
+              <a:rPr lang="en-US" altLang="nl-BE" sz="1200" dirty="0">
+                <a:solidFill>
+                  <a:srgbClr val="333333"/>
+                </a:solidFill>
+                <a:latin typeface="Verdana" panose="020B0604030504040204" pitchFamily="34" charset="0"/>
+              </a:rPr>
+              <a:t> Gestures (G)</a:t>
+            </a:r>
+          </a:p>
+          <a:p>
+            <a:pPr>
+              <a:buFontTx/>
+              <a:buChar char="•"/>
+            </a:pPr>
+            <a:r>
+              <a:rPr lang="en-US" altLang="nl-BE" sz="1200" dirty="0">
+                <a:solidFill>
+                  <a:srgbClr val="333333"/>
+                </a:solidFill>
+                <a:latin typeface="Verdana" panose="020B0604030504040204" pitchFamily="34" charset="0"/>
+              </a:rPr>
+              <a:t> Better Face Detection (BFD)</a:t>
+            </a:r>
+          </a:p>
+          <a:p>
+            <a:pPr>
+              <a:buFontTx/>
+              <a:buChar char="•"/>
+            </a:pPr>
+            <a:r>
+              <a:rPr lang="en-US" altLang="nl-BE" sz="1200" dirty="0">
+                <a:solidFill>
+                  <a:srgbClr val="333333"/>
+                </a:solidFill>
+                <a:latin typeface="Verdana" panose="020B0604030504040204" pitchFamily="34" charset="0"/>
+              </a:rPr>
+              <a:t> Report</a:t>
+            </a:r>
+          </a:p>
+          <a:p>
+            <a:pPr>
+              <a:buFontTx/>
+              <a:buChar char="•"/>
+            </a:pPr>
+            <a:r>
+              <a:rPr lang="en-US" altLang="nl-BE" sz="1200" dirty="0">
+                <a:solidFill>
+                  <a:srgbClr val="333333"/>
+                </a:solidFill>
+                <a:latin typeface="Verdana" panose="020B0604030504040204" pitchFamily="34" charset="0"/>
+              </a:rPr>
+              <a:t> Face Recognition (FR)</a:t>
+            </a:r>
+          </a:p>
+          <a:p>
+            <a:pPr>
+              <a:buFontTx/>
+              <a:buChar char="•"/>
+            </a:pPr>
+            <a:r>
+              <a:rPr lang="en-US" altLang="nl-BE" sz="1200" dirty="0">
+                <a:solidFill>
+                  <a:srgbClr val="333333"/>
+                </a:solidFill>
+                <a:latin typeface="Verdana" panose="020B0604030504040204" pitchFamily="34" charset="0"/>
+              </a:rPr>
+              <a:t> Head Switcher (HS)</a:t>
+            </a:r>
+          </a:p>
+          <a:p>
+            <a:pPr>
+              <a:buFontTx/>
+              <a:buChar char="•"/>
+            </a:pPr>
+            <a:r>
+              <a:rPr lang="en-US" altLang="nl-BE" sz="1200" dirty="0">
+                <a:solidFill>
+                  <a:srgbClr val="333333"/>
+                </a:solidFill>
+                <a:latin typeface="Verdana" panose="020B0604030504040204" pitchFamily="34" charset="0"/>
+              </a:rPr>
+              <a:t> Relative Lip Detection (RLD)</a:t>
+            </a:r>
+          </a:p>
+          <a:p>
+            <a:pPr>
+              <a:buFontTx/>
+              <a:buChar char="•"/>
+            </a:pPr>
+            <a:endParaRPr lang="en-US" altLang="nl-BE" sz="1200" dirty="0">
+              <a:solidFill>
+                <a:srgbClr val="333333"/>
+              </a:solidFill>
+              <a:latin typeface="Verdana" panose="020B0604030504040204" pitchFamily="34" charset="0"/>
+            </a:endParaRPr>
+          </a:p>
+        </p:txBody>
+      </p:sp>
+      <p:graphicFrame>
+        <p:nvGraphicFramePr>
+          <p:cNvPr id="9" name="Table 8"/>
+          <p:cNvGraphicFramePr>
+            <a:graphicFrameLocks noGrp="1"/>
+          </p:cNvGraphicFramePr>
+          <p:nvPr>
+            <p:extLst>
+              <p:ext uri="{D42A27DB-BD31-4B8C-83A1-F6EECF244321}">
+                <p14:modId xmlns:p14="http://schemas.microsoft.com/office/powerpoint/2010/main" val="3331437928"/>
+              </p:ext>
+            </p:extLst>
+          </p:nvPr>
+        </p:nvGraphicFramePr>
+        <p:xfrm>
+          <a:off x="580800" y="3517586"/>
+          <a:ext cx="11306400" cy="2595880"/>
+        </p:xfrm>
+        <a:graphic>
+          <a:graphicData uri="http://schemas.openxmlformats.org/drawingml/2006/table">
+            <a:tbl>
+              <a:tblPr firstRow="1" bandRow="1">
+                <a:tableStyleId>{5C22544A-7EE6-4342-B048-85BDC9FD1C3A}</a:tableStyleId>
+              </a:tblPr>
+              <a:tblGrid>
+                <a:gridCol w="2261280">
+                  <a:extLst>
+                    <a:ext uri="{9D8B030D-6E8A-4147-A177-3AD203B41FA5}">
+                      <a16:colId xmlns:a16="http://schemas.microsoft.com/office/drawing/2014/main" val="3222044758"/>
+                    </a:ext>
+                  </a:extLst>
+                </a:gridCol>
+                <a:gridCol w="2261280">
+                  <a:extLst>
+                    <a:ext uri="{9D8B030D-6E8A-4147-A177-3AD203B41FA5}">
+                      <a16:colId xmlns:a16="http://schemas.microsoft.com/office/drawing/2014/main" val="23332546"/>
+                    </a:ext>
+                  </a:extLst>
+                </a:gridCol>
+                <a:gridCol w="2261280">
+                  <a:extLst>
+                    <a:ext uri="{9D8B030D-6E8A-4147-A177-3AD203B41FA5}">
+                      <a16:colId xmlns:a16="http://schemas.microsoft.com/office/drawing/2014/main" val="62682046"/>
+                    </a:ext>
+                  </a:extLst>
+                </a:gridCol>
+                <a:gridCol w="2261280">
+                  <a:extLst>
+                    <a:ext uri="{9D8B030D-6E8A-4147-A177-3AD203B41FA5}">
+                      <a16:colId xmlns:a16="http://schemas.microsoft.com/office/drawing/2014/main" val="1440099295"/>
+                    </a:ext>
+                  </a:extLst>
+                </a:gridCol>
+                <a:gridCol w="2261280">
+                  <a:extLst>
+                    <a:ext uri="{9D8B030D-6E8A-4147-A177-3AD203B41FA5}">
+                      <a16:colId xmlns:a16="http://schemas.microsoft.com/office/drawing/2014/main" val="2799077174"/>
+                    </a:ext>
+                  </a:extLst>
+                </a:gridCol>
+              </a:tblGrid>
+              <a:tr h="370840">
+                <a:tc>
+                  <a:txBody>
+                    <a:bodyPr/>
+                    <a:lstStyle/>
+                    <a:p>
+                      <a:r>
+                        <a:rPr lang="nl-BE" dirty="0"/>
+                        <a:t>Naam student</a:t>
+                      </a:r>
+                    </a:p>
+                  </a:txBody>
+                  <a:tcPr>
+                    <a:lnL w="12700" cap="flat" cmpd="sng" algn="ctr">
+                      <a:solidFill>
+                        <a:schemeClr val="tx1"/>
+                      </a:solidFill>
+                      <a:prstDash val="solid"/>
+                      <a:round/>
+                      <a:headEnd type="none" w="med" len="med"/>
+                      <a:tailEnd type="none" w="med" len="med"/>
+                    </a:lnL>
+                    <a:lnT w="12700" cap="flat" cmpd="sng" algn="ctr">
+                      <a:solidFill>
+                        <a:schemeClr val="tx1"/>
+                      </a:solidFill>
+                      <a:prstDash val="solid"/>
+                      <a:round/>
+                      <a:headEnd type="none" w="med" len="med"/>
+                      <a:tailEnd type="none" w="med" len="med"/>
+                    </a:lnT>
+                  </a:tcPr>
+                </a:tc>
+                <a:tc>
+                  <a:txBody>
+                    <a:bodyPr/>
+                    <a:lstStyle/>
+                    <a:p>
+                      <a:r>
+                        <a:rPr lang="nl-BE" dirty="0"/>
+                        <a:t>14u00-15u00</a:t>
+                      </a:r>
+                    </a:p>
+                  </a:txBody>
+                  <a:tcPr>
+                    <a:lnT w="12700" cap="flat" cmpd="sng" algn="ctr">
+                      <a:solidFill>
+                        <a:schemeClr val="tx1"/>
+                      </a:solidFill>
+                      <a:prstDash val="solid"/>
+                      <a:round/>
+                      <a:headEnd type="none" w="med" len="med"/>
+                      <a:tailEnd type="none" w="med" len="med"/>
+                    </a:lnT>
+                  </a:tcPr>
+                </a:tc>
+                <a:tc>
+                  <a:txBody>
+                    <a:bodyPr/>
+                    <a:lstStyle/>
+                    <a:p>
+                      <a:r>
+                        <a:rPr lang="nl-BE" dirty="0"/>
+                        <a:t>15u00-16u00</a:t>
+                      </a:r>
+                    </a:p>
+                  </a:txBody>
+                  <a:tcPr>
+                    <a:lnT w="12700" cap="flat" cmpd="sng" algn="ctr">
+                      <a:solidFill>
+                        <a:schemeClr val="tx1"/>
+                      </a:solidFill>
+                      <a:prstDash val="solid"/>
+                      <a:round/>
+                      <a:headEnd type="none" w="med" len="med"/>
+                      <a:tailEnd type="none" w="med" len="med"/>
+                    </a:lnT>
+                  </a:tcPr>
+                </a:tc>
+                <a:tc>
+                  <a:txBody>
+                    <a:bodyPr/>
+                    <a:lstStyle/>
+                    <a:p>
+                      <a:r>
+                        <a:rPr lang="nl-BE" dirty="0"/>
+                        <a:t>16u00-17u00</a:t>
+                      </a:r>
+                    </a:p>
+                  </a:txBody>
+                  <a:tcPr>
+                    <a:lnT w="12700" cap="flat" cmpd="sng" algn="ctr">
+                      <a:solidFill>
+                        <a:schemeClr val="tx1"/>
+                      </a:solidFill>
+                      <a:prstDash val="solid"/>
+                      <a:round/>
+                      <a:headEnd type="none" w="med" len="med"/>
+                      <a:tailEnd type="none" w="med" len="med"/>
+                    </a:lnT>
+                  </a:tcPr>
+                </a:tc>
+                <a:tc>
+                  <a:txBody>
+                    <a:bodyPr/>
+                    <a:lstStyle/>
+                    <a:p>
+                      <a:r>
+                        <a:rPr lang="nl-BE" dirty="0"/>
+                        <a:t>17u00-18u00</a:t>
+                      </a:r>
+                    </a:p>
+                  </a:txBody>
+                  <a:tcPr>
+                    <a:lnR w="12700" cap="flat" cmpd="sng" algn="ctr">
+                      <a:solidFill>
+                        <a:schemeClr val="tx1"/>
+                      </a:solidFill>
+                      <a:prstDash val="solid"/>
+                      <a:round/>
+                      <a:headEnd type="none" w="med" len="med"/>
+                      <a:tailEnd type="none" w="med" len="med"/>
+                    </a:lnR>
+                    <a:lnT w="12700" cap="flat" cmpd="sng" algn="ctr">
+                      <a:solidFill>
+                        <a:schemeClr val="tx1"/>
+                      </a:solidFill>
+                      <a:prstDash val="solid"/>
+                      <a:round/>
+                      <a:headEnd type="none" w="med" len="med"/>
+                      <a:tailEnd type="none" w="med" len="med"/>
+                    </a:lnT>
+                  </a:tcPr>
+                </a:tc>
+                <a:extLst>
+                  <a:ext uri="{0D108BD9-81ED-4DB2-BD59-A6C34878D82A}">
+                    <a16:rowId xmlns:a16="http://schemas.microsoft.com/office/drawing/2014/main" val="1545514501"/>
+                  </a:ext>
+                </a:extLst>
+              </a:tr>
+              <a:tr h="370840">
+                <a:tc>
+                  <a:txBody>
+                    <a:bodyPr/>
+                    <a:lstStyle/>
+                    <a:p>
+                      <a:r>
+                        <a:rPr lang="nl-BE" dirty="0"/>
+                        <a:t>Arne </a:t>
+                      </a:r>
+                      <a:r>
+                        <a:rPr lang="nl-BE" dirty="0" err="1"/>
+                        <a:t>Lemahieu</a:t>
+                      </a:r>
+                      <a:endParaRPr lang="nl-BE" dirty="0"/>
+                    </a:p>
+                  </a:txBody>
+                  <a:tcPr>
+                    <a:lnL w="12700" cap="flat" cmpd="sng" algn="ctr">
+                      <a:solidFill>
+                        <a:schemeClr val="tx1"/>
+                      </a:solidFill>
+                      <a:prstDash val="solid"/>
+                      <a:round/>
+                      <a:headEnd type="none" w="med" len="med"/>
+                      <a:tailEnd type="none" w="med" len="med"/>
+                    </a:lnL>
+                  </a:tcPr>
+                </a:tc>
+                <a:tc>
+                  <a:txBody>
+                    <a:bodyPr/>
+                    <a:lstStyle/>
+                    <a:p>
+                      <a:r>
+                        <a:rPr lang="nl-BE" dirty="0"/>
+                        <a:t>Report</a:t>
+                      </a:r>
+                    </a:p>
+                  </a:txBody>
+                  <a:tcPr/>
+                </a:tc>
+                <a:tc>
+                  <a:txBody>
+                    <a:bodyPr/>
+                    <a:lstStyle/>
+                    <a:p>
+                      <a:pPr marL="0" marR="0" lvl="0" indent="0" algn="l" defTabSz="914400" rtl="0" eaLnBrk="1" fontAlgn="auto" latinLnBrk="0" hangingPunct="1">
+                        <a:lnSpc>
+                          <a:spcPct val="100000"/>
+                        </a:lnSpc>
+                        <a:spcBef>
+                          <a:spcPts val="0"/>
+                        </a:spcBef>
+                        <a:spcAft>
+                          <a:spcPts val="0"/>
+                        </a:spcAft>
+                        <a:buClrTx/>
+                        <a:buSzTx/>
+                        <a:buFontTx/>
+                        <a:buNone/>
+                        <a:tabLst/>
+                        <a:defRPr/>
+                      </a:pPr>
+                      <a:r>
+                        <a:rPr lang="nl-BE" dirty="0"/>
+                        <a:t>Report</a:t>
+                      </a:r>
+                    </a:p>
+                  </a:txBody>
+                  <a:tcPr/>
+                </a:tc>
+                <a:tc>
+                  <a:txBody>
+                    <a:bodyPr/>
+                    <a:lstStyle/>
+                    <a:p>
+                      <a:pPr marL="0" marR="0" lvl="0" indent="0" algn="l" defTabSz="914400" rtl="0" eaLnBrk="1" fontAlgn="auto" latinLnBrk="0" hangingPunct="1">
+                        <a:lnSpc>
+                          <a:spcPct val="100000"/>
+                        </a:lnSpc>
+                        <a:spcBef>
+                          <a:spcPts val="0"/>
+                        </a:spcBef>
+                        <a:spcAft>
+                          <a:spcPts val="0"/>
+                        </a:spcAft>
+                        <a:buClrTx/>
+                        <a:buSzTx/>
+                        <a:buFontTx/>
+                        <a:buNone/>
+                        <a:tabLst/>
+                        <a:defRPr/>
+                      </a:pPr>
+                      <a:r>
+                        <a:rPr lang="nl-BE" dirty="0"/>
+                        <a:t>Report</a:t>
+                      </a:r>
+                    </a:p>
+                  </a:txBody>
+                  <a:tcPr/>
+                </a:tc>
+                <a:tc>
+                  <a:txBody>
+                    <a:bodyPr/>
+                    <a:lstStyle/>
+                    <a:p>
+                      <a:pPr marL="0" marR="0" lvl="0" indent="0" algn="l" defTabSz="914400" rtl="0" eaLnBrk="1" fontAlgn="auto" latinLnBrk="0" hangingPunct="1">
+                        <a:lnSpc>
+                          <a:spcPct val="100000"/>
+                        </a:lnSpc>
+                        <a:spcBef>
+                          <a:spcPts val="0"/>
+                        </a:spcBef>
+                        <a:spcAft>
+                          <a:spcPts val="0"/>
+                        </a:spcAft>
+                        <a:buClrTx/>
+                        <a:buSzTx/>
+                        <a:buFontTx/>
+                        <a:buNone/>
+                        <a:tabLst/>
+                        <a:defRPr/>
+                      </a:pPr>
+                      <a:r>
+                        <a:rPr lang="nl-BE" dirty="0"/>
+                        <a:t>Report</a:t>
+                      </a:r>
+                    </a:p>
+                  </a:txBody>
+                  <a:tcPr>
+                    <a:lnR w="12700" cap="flat" cmpd="sng" algn="ctr">
+                      <a:solidFill>
+                        <a:schemeClr val="tx1"/>
+                      </a:solidFill>
+                      <a:prstDash val="solid"/>
+                      <a:round/>
+                      <a:headEnd type="none" w="med" len="med"/>
+                      <a:tailEnd type="none" w="med" len="med"/>
+                    </a:lnR>
+                  </a:tcPr>
+                </a:tc>
+                <a:extLst>
+                  <a:ext uri="{0D108BD9-81ED-4DB2-BD59-A6C34878D82A}">
+                    <a16:rowId xmlns:a16="http://schemas.microsoft.com/office/drawing/2014/main" val="4272612081"/>
+                  </a:ext>
+                </a:extLst>
+              </a:tr>
+              <a:tr h="370840">
+                <a:tc>
+                  <a:txBody>
+                    <a:bodyPr/>
+                    <a:lstStyle/>
+                    <a:p>
+                      <a:pPr marL="0" marR="0" lvl="0" indent="0" algn="l" defTabSz="914400" rtl="0" eaLnBrk="1" fontAlgn="auto" latinLnBrk="0" hangingPunct="1">
+                        <a:lnSpc>
+                          <a:spcPct val="100000"/>
+                        </a:lnSpc>
+                        <a:spcBef>
+                          <a:spcPts val="0"/>
+                        </a:spcBef>
+                        <a:spcAft>
+                          <a:spcPts val="0"/>
+                        </a:spcAft>
+                        <a:buClrTx/>
+                        <a:buSzTx/>
+                        <a:buFontTx/>
+                        <a:buNone/>
+                        <a:tabLst/>
+                        <a:defRPr/>
+                      </a:pPr>
+                      <a:r>
+                        <a:rPr lang="nl-BE" dirty="0"/>
+                        <a:t>Kasper </a:t>
+                      </a:r>
+                      <a:r>
+                        <a:rPr lang="nl-BE" dirty="0" err="1"/>
+                        <a:t>Dumoulin</a:t>
+                      </a:r>
+                      <a:endParaRPr lang="nl-BE" dirty="0"/>
+                    </a:p>
+                  </a:txBody>
+                  <a:tcPr>
+                    <a:lnL w="12700" cap="flat" cmpd="sng" algn="ctr">
+                      <a:solidFill>
+                        <a:schemeClr val="tx1"/>
+                      </a:solidFill>
+                      <a:prstDash val="solid"/>
+                      <a:round/>
+                      <a:headEnd type="none" w="med" len="med"/>
+                      <a:tailEnd type="none" w="med" len="med"/>
+                    </a:lnL>
+                  </a:tcPr>
+                </a:tc>
+                <a:tc>
+                  <a:txBody>
+                    <a:bodyPr/>
+                    <a:lstStyle/>
+                    <a:p>
+                      <a:r>
+                        <a:rPr lang="nl-BE" dirty="0"/>
+                        <a:t>BFD</a:t>
+                      </a:r>
+                    </a:p>
+                  </a:txBody>
+                  <a:tcPr/>
+                </a:tc>
+                <a:tc>
+                  <a:txBody>
+                    <a:bodyPr/>
+                    <a:lstStyle/>
+                    <a:p>
+                      <a:r>
+                        <a:rPr lang="nl-BE" dirty="0"/>
+                        <a:t>BFD</a:t>
+                      </a:r>
+                    </a:p>
+                  </a:txBody>
+                  <a:tcPr/>
+                </a:tc>
+                <a:tc>
+                  <a:txBody>
+                    <a:bodyPr/>
+                    <a:lstStyle/>
+                    <a:p>
+                      <a:r>
+                        <a:rPr lang="nl-BE" dirty="0"/>
+                        <a:t>BFD</a:t>
+                      </a:r>
+                    </a:p>
+                  </a:txBody>
+                  <a:tcPr/>
+                </a:tc>
+                <a:tc>
+                  <a:txBody>
+                    <a:bodyPr/>
+                    <a:lstStyle/>
+                    <a:p>
+                      <a:r>
+                        <a:rPr lang="nl-BE" dirty="0"/>
+                        <a:t>BFD</a:t>
+                      </a:r>
+                    </a:p>
+                  </a:txBody>
+                  <a:tcPr>
+                    <a:lnR w="12700" cap="flat" cmpd="sng" algn="ctr">
+                      <a:solidFill>
+                        <a:schemeClr val="tx1"/>
+                      </a:solidFill>
+                      <a:prstDash val="solid"/>
+                      <a:round/>
+                      <a:headEnd type="none" w="med" len="med"/>
+                      <a:tailEnd type="none" w="med" len="med"/>
+                    </a:lnR>
+                  </a:tcPr>
+                </a:tc>
+                <a:extLst>
+                  <a:ext uri="{0D108BD9-81ED-4DB2-BD59-A6C34878D82A}">
+                    <a16:rowId xmlns:a16="http://schemas.microsoft.com/office/drawing/2014/main" val="2535650466"/>
+                  </a:ext>
+                </a:extLst>
+              </a:tr>
+              <a:tr h="370840">
+                <a:tc>
+                  <a:txBody>
+                    <a:bodyPr/>
+                    <a:lstStyle/>
+                    <a:p>
+                      <a:pPr marL="0" marR="0" lvl="0" indent="0" algn="l" defTabSz="914400" rtl="0" eaLnBrk="1" fontAlgn="auto" latinLnBrk="0" hangingPunct="1">
+                        <a:lnSpc>
+                          <a:spcPct val="100000"/>
+                        </a:lnSpc>
+                        <a:spcBef>
+                          <a:spcPts val="0"/>
+                        </a:spcBef>
+                        <a:spcAft>
+                          <a:spcPts val="0"/>
+                        </a:spcAft>
+                        <a:buClrTx/>
+                        <a:buSzTx/>
+                        <a:buFontTx/>
+                        <a:buNone/>
+                        <a:tabLst/>
+                        <a:defRPr/>
+                      </a:pPr>
+                      <a:r>
+                        <a:rPr lang="nl-BE" dirty="0"/>
+                        <a:t>Mauro Janssens</a:t>
+                      </a:r>
+                    </a:p>
+                  </a:txBody>
+                  <a:tcPr>
+                    <a:lnL w="12700" cap="flat" cmpd="sng" algn="ctr">
+                      <a:solidFill>
+                        <a:schemeClr val="tx1"/>
+                      </a:solidFill>
+                      <a:prstDash val="solid"/>
+                      <a:round/>
+                      <a:headEnd type="none" w="med" len="med"/>
+                      <a:tailEnd type="none" w="med" len="med"/>
+                    </a:lnL>
+                  </a:tcPr>
+                </a:tc>
+                <a:tc>
+                  <a:txBody>
+                    <a:bodyPr/>
+                    <a:lstStyle/>
+                    <a:p>
+                      <a:r>
+                        <a:rPr lang="nl-BE" dirty="0"/>
+                        <a:t>FR</a:t>
+                      </a:r>
+                    </a:p>
+                  </a:txBody>
+                  <a:tcPr/>
+                </a:tc>
+                <a:tc>
+                  <a:txBody>
+                    <a:bodyPr/>
+                    <a:lstStyle/>
+                    <a:p>
+                      <a:r>
+                        <a:rPr lang="nl-BE" dirty="0"/>
+                        <a:t>Report</a:t>
+                      </a:r>
+                    </a:p>
+                  </a:txBody>
+                  <a:tcPr/>
+                </a:tc>
+                <a:tc>
+                  <a:txBody>
+                    <a:bodyPr/>
+                    <a:lstStyle/>
+                    <a:p>
+                      <a:r>
+                        <a:rPr lang="nl-BE" dirty="0"/>
+                        <a:t>Report</a:t>
+                      </a:r>
+                    </a:p>
+                  </a:txBody>
+                  <a:tcPr/>
+                </a:tc>
+                <a:tc>
+                  <a:txBody>
+                    <a:bodyPr/>
+                    <a:lstStyle/>
+                    <a:p>
+                      <a:r>
+                        <a:rPr lang="nl-BE" dirty="0"/>
+                        <a:t>Report</a:t>
+                      </a:r>
+                    </a:p>
+                  </a:txBody>
+                  <a:tcPr>
+                    <a:lnR w="12700" cap="flat" cmpd="sng" algn="ctr">
+                      <a:solidFill>
+                        <a:schemeClr val="tx1"/>
+                      </a:solidFill>
+                      <a:prstDash val="solid"/>
+                      <a:round/>
+                      <a:headEnd type="none" w="med" len="med"/>
+                      <a:tailEnd type="none" w="med" len="med"/>
+                    </a:lnR>
+                  </a:tcPr>
+                </a:tc>
+                <a:extLst>
+                  <a:ext uri="{0D108BD9-81ED-4DB2-BD59-A6C34878D82A}">
+                    <a16:rowId xmlns:a16="http://schemas.microsoft.com/office/drawing/2014/main" val="1056747163"/>
+                  </a:ext>
+                </a:extLst>
+              </a:tr>
+              <a:tr h="370840">
+                <a:tc>
+                  <a:txBody>
+                    <a:bodyPr/>
+                    <a:lstStyle/>
+                    <a:p>
+                      <a:pPr marL="0" marR="0" lvl="0" indent="0" algn="l" defTabSz="914400" rtl="0" eaLnBrk="1" fontAlgn="auto" latinLnBrk="0" hangingPunct="1">
+                        <a:lnSpc>
+                          <a:spcPct val="100000"/>
+                        </a:lnSpc>
+                        <a:spcBef>
+                          <a:spcPts val="0"/>
+                        </a:spcBef>
+                        <a:spcAft>
+                          <a:spcPts val="0"/>
+                        </a:spcAft>
+                        <a:buClrTx/>
+                        <a:buSzTx/>
+                        <a:buFontTx/>
+                        <a:buNone/>
+                        <a:tabLst/>
+                        <a:defRPr/>
+                      </a:pPr>
+                      <a:r>
+                        <a:rPr lang="nl-BE" dirty="0"/>
+                        <a:t>Pepijn Haenen</a:t>
+                      </a:r>
+                    </a:p>
+                  </a:txBody>
+                  <a:tcPr>
+                    <a:lnL w="12700" cap="flat" cmpd="sng" algn="ctr">
+                      <a:solidFill>
+                        <a:schemeClr val="tx1"/>
+                      </a:solidFill>
+                      <a:prstDash val="solid"/>
+                      <a:round/>
+                      <a:headEnd type="none" w="med" len="med"/>
+                      <a:tailEnd type="none" w="med" len="med"/>
+                    </a:lnL>
+                  </a:tcPr>
+                </a:tc>
+                <a:tc>
+                  <a:txBody>
+                    <a:bodyPr/>
+                    <a:lstStyle/>
+                    <a:p>
+                      <a:r>
+                        <a:rPr lang="nl-BE" dirty="0"/>
+                        <a:t>HS</a:t>
+                      </a:r>
+                    </a:p>
+                  </a:txBody>
+                  <a:tcPr/>
+                </a:tc>
+                <a:tc>
+                  <a:txBody>
+                    <a:bodyPr/>
+                    <a:lstStyle/>
+                    <a:p>
+                      <a:r>
+                        <a:rPr lang="nl-BE" dirty="0"/>
+                        <a:t>HS</a:t>
+                      </a:r>
+                    </a:p>
+                  </a:txBody>
+                  <a:tcPr/>
+                </a:tc>
+                <a:tc>
+                  <a:txBody>
+                    <a:bodyPr/>
+                    <a:lstStyle/>
+                    <a:p>
+                      <a:r>
+                        <a:rPr lang="nl-BE" dirty="0"/>
+                        <a:t>HS</a:t>
+                      </a:r>
+                    </a:p>
+                  </a:txBody>
+                  <a:tcPr/>
+                </a:tc>
+                <a:tc>
+                  <a:txBody>
+                    <a:bodyPr/>
+                    <a:lstStyle/>
+                    <a:p>
+                      <a:r>
+                        <a:rPr lang="nl-BE" dirty="0"/>
+                        <a:t>HS</a:t>
+                      </a:r>
+                    </a:p>
+                  </a:txBody>
+                  <a:tcPr>
+                    <a:lnR w="12700" cap="flat" cmpd="sng" algn="ctr">
+                      <a:solidFill>
+                        <a:schemeClr val="tx1"/>
+                      </a:solidFill>
+                      <a:prstDash val="solid"/>
+                      <a:round/>
+                      <a:headEnd type="none" w="med" len="med"/>
+                      <a:tailEnd type="none" w="med" len="med"/>
+                    </a:lnR>
+                  </a:tcPr>
+                </a:tc>
+                <a:extLst>
+                  <a:ext uri="{0D108BD9-81ED-4DB2-BD59-A6C34878D82A}">
+                    <a16:rowId xmlns:a16="http://schemas.microsoft.com/office/drawing/2014/main" val="4081416973"/>
+                  </a:ext>
+                </a:extLst>
+              </a:tr>
+              <a:tr h="370840">
+                <a:tc>
+                  <a:txBody>
+                    <a:bodyPr/>
+                    <a:lstStyle/>
+                    <a:p>
+                      <a:pPr marL="0" marR="0" lvl="0" indent="0" algn="l" defTabSz="914400" rtl="0" eaLnBrk="1" fontAlgn="auto" latinLnBrk="0" hangingPunct="1">
+                        <a:lnSpc>
+                          <a:spcPct val="100000"/>
+                        </a:lnSpc>
+                        <a:spcBef>
+                          <a:spcPts val="0"/>
+                        </a:spcBef>
+                        <a:spcAft>
+                          <a:spcPts val="0"/>
+                        </a:spcAft>
+                        <a:buClrTx/>
+                        <a:buSzTx/>
+                        <a:buFontTx/>
+                        <a:buNone/>
+                        <a:tabLst/>
+                        <a:defRPr/>
+                      </a:pPr>
+                      <a:r>
+                        <a:rPr lang="nl-BE" dirty="0"/>
+                        <a:t>Philippe </a:t>
+                      </a:r>
+                      <a:r>
+                        <a:rPr lang="nl-BE" dirty="0" err="1"/>
+                        <a:t>Laffineur</a:t>
+                      </a:r>
+                      <a:endParaRPr lang="nl-BE" dirty="0"/>
+                    </a:p>
+                  </a:txBody>
+                  <a:tcPr>
+                    <a:lnL w="12700" cap="flat" cmpd="sng" algn="ctr">
+                      <a:solidFill>
+                        <a:schemeClr val="tx1"/>
+                      </a:solidFill>
+                      <a:prstDash val="solid"/>
+                      <a:round/>
+                      <a:headEnd type="none" w="med" len="med"/>
+                      <a:tailEnd type="none" w="med" len="med"/>
+                    </a:lnL>
+                  </a:tcPr>
+                </a:tc>
+                <a:tc>
+                  <a:txBody>
+                    <a:bodyPr/>
+                    <a:lstStyle/>
+                    <a:p>
+                      <a:r>
+                        <a:rPr lang="nl-BE" dirty="0"/>
+                        <a:t>HS</a:t>
+                      </a:r>
+                    </a:p>
+                  </a:txBody>
+                  <a:tcPr/>
+                </a:tc>
+                <a:tc>
+                  <a:txBody>
+                    <a:bodyPr/>
+                    <a:lstStyle/>
+                    <a:p>
+                      <a:r>
+                        <a:rPr lang="nl-BE" dirty="0"/>
+                        <a:t>HS</a:t>
+                      </a:r>
+                    </a:p>
+                  </a:txBody>
+                  <a:tcPr/>
+                </a:tc>
+                <a:tc>
+                  <a:txBody>
+                    <a:bodyPr/>
+                    <a:lstStyle/>
+                    <a:p>
+                      <a:r>
+                        <a:rPr lang="nl-BE" dirty="0"/>
+                        <a:t>HS</a:t>
+                      </a:r>
+                    </a:p>
+                  </a:txBody>
+                  <a:tcPr/>
+                </a:tc>
+                <a:tc>
+                  <a:txBody>
+                    <a:bodyPr/>
+                    <a:lstStyle/>
+                    <a:p>
+                      <a:r>
+                        <a:rPr lang="nl-BE" dirty="0"/>
+                        <a:t>HS</a:t>
+                      </a:r>
+                    </a:p>
+                  </a:txBody>
+                  <a:tcPr>
+                    <a:lnR w="12700" cap="flat" cmpd="sng" algn="ctr">
+                      <a:solidFill>
+                        <a:schemeClr val="tx1"/>
+                      </a:solidFill>
+                      <a:prstDash val="solid"/>
+                      <a:round/>
+                      <a:headEnd type="none" w="med" len="med"/>
+                      <a:tailEnd type="none" w="med" len="med"/>
+                    </a:lnR>
+                  </a:tcPr>
+                </a:tc>
+                <a:extLst>
+                  <a:ext uri="{0D108BD9-81ED-4DB2-BD59-A6C34878D82A}">
+                    <a16:rowId xmlns:a16="http://schemas.microsoft.com/office/drawing/2014/main" val="4226429342"/>
+                  </a:ext>
+                </a:extLst>
+              </a:tr>
+              <a:tr h="370840">
+                <a:tc>
+                  <a:txBody>
+                    <a:bodyPr/>
+                    <a:lstStyle/>
+                    <a:p>
+                      <a:pPr marL="0" marR="0" lvl="0" indent="0" algn="l" defTabSz="914400" rtl="0" eaLnBrk="1" fontAlgn="auto" latinLnBrk="0" hangingPunct="1">
+                        <a:lnSpc>
+                          <a:spcPct val="100000"/>
+                        </a:lnSpc>
+                        <a:spcBef>
+                          <a:spcPts val="0"/>
+                        </a:spcBef>
+                        <a:spcAft>
+                          <a:spcPts val="0"/>
+                        </a:spcAft>
+                        <a:buClrTx/>
+                        <a:buSzTx/>
+                        <a:buFontTx/>
+                        <a:buNone/>
+                        <a:tabLst/>
+                        <a:defRPr/>
+                      </a:pPr>
+                      <a:r>
+                        <a:rPr lang="nl-BE" dirty="0" err="1"/>
+                        <a:t>Tjorben</a:t>
+                      </a:r>
+                      <a:r>
+                        <a:rPr lang="nl-BE" dirty="0"/>
+                        <a:t> </a:t>
+                      </a:r>
+                      <a:r>
+                        <a:rPr lang="nl-BE" dirty="0" err="1"/>
+                        <a:t>Godeau</a:t>
+                      </a:r>
+                      <a:endParaRPr lang="nl-BE" dirty="0"/>
+                    </a:p>
+                  </a:txBody>
+                  <a:tcPr>
+                    <a:lnL w="12700" cap="flat" cmpd="sng" algn="ctr">
+                      <a:solidFill>
+                        <a:schemeClr val="tx1"/>
+                      </a:solidFill>
+                      <a:prstDash val="solid"/>
+                      <a:round/>
+                      <a:headEnd type="none" w="med" len="med"/>
+                      <a:tailEnd type="none" w="med" len="med"/>
+                    </a:lnL>
+                    <a:lnB w="12700" cap="flat" cmpd="sng" algn="ctr">
+                      <a:solidFill>
+                        <a:schemeClr val="tx1"/>
+                      </a:solidFill>
+                      <a:prstDash val="solid"/>
+                      <a:round/>
+                      <a:headEnd type="none" w="med" len="med"/>
+                      <a:tailEnd type="none" w="med" len="med"/>
+                    </a:lnB>
+                  </a:tcPr>
+                </a:tc>
+                <a:tc>
+                  <a:txBody>
+                    <a:bodyPr/>
+                    <a:lstStyle/>
+                    <a:p>
+                      <a:r>
+                        <a:rPr lang="nl-BE" dirty="0"/>
+                        <a:t>Report</a:t>
+                      </a:r>
+                    </a:p>
+                  </a:txBody>
+                  <a:tcPr>
+                    <a:lnB w="12700" cap="flat" cmpd="sng" algn="ctr">
+                      <a:solidFill>
+                        <a:schemeClr val="tx1"/>
+                      </a:solidFill>
+                      <a:prstDash val="solid"/>
+                      <a:round/>
+                      <a:headEnd type="none" w="med" len="med"/>
+                      <a:tailEnd type="none" w="med" len="med"/>
+                    </a:lnB>
+                  </a:tcPr>
+                </a:tc>
+                <a:tc>
+                  <a:txBody>
+                    <a:bodyPr/>
+                    <a:lstStyle/>
+                    <a:p>
+                      <a:r>
+                        <a:rPr lang="nl-BE" dirty="0"/>
+                        <a:t>Report</a:t>
+                      </a:r>
+                    </a:p>
+                  </a:txBody>
+                  <a:tcPr>
+                    <a:lnB w="12700" cap="flat" cmpd="sng" algn="ctr">
+                      <a:solidFill>
+                        <a:schemeClr val="tx1"/>
+                      </a:solidFill>
+                      <a:prstDash val="solid"/>
+                      <a:round/>
+                      <a:headEnd type="none" w="med" len="med"/>
+                      <a:tailEnd type="none" w="med" len="med"/>
+                    </a:lnB>
+                  </a:tcPr>
+                </a:tc>
+                <a:tc>
+                  <a:txBody>
+                    <a:bodyPr/>
+                    <a:lstStyle/>
+                    <a:p>
+                      <a:r>
+                        <a:rPr lang="nl-BE" dirty="0"/>
+                        <a:t>Report</a:t>
+                      </a:r>
+                    </a:p>
+                  </a:txBody>
+                  <a:tcPr>
+                    <a:lnB w="12700" cap="flat" cmpd="sng" algn="ctr">
+                      <a:solidFill>
+                        <a:schemeClr val="tx1"/>
+                      </a:solidFill>
+                      <a:prstDash val="solid"/>
+                      <a:round/>
+                      <a:headEnd type="none" w="med" len="med"/>
+                      <a:tailEnd type="none" w="med" len="med"/>
+                    </a:lnB>
+                  </a:tcPr>
+                </a:tc>
+                <a:tc>
+                  <a:txBody>
+                    <a:bodyPr/>
+                    <a:lstStyle/>
+                    <a:p>
+                      <a:r>
+                        <a:rPr lang="nl-BE" dirty="0"/>
+                        <a:t>Report</a:t>
+                      </a:r>
+                    </a:p>
+                  </a:txBody>
+                  <a:tcPr>
+                    <a:lnR w="12700" cap="flat" cmpd="sng" algn="ctr">
+                      <a:solidFill>
+                        <a:schemeClr val="tx1"/>
+                      </a:solidFill>
+                      <a:prstDash val="solid"/>
+                      <a:round/>
+                      <a:headEnd type="none" w="med" len="med"/>
+                      <a:tailEnd type="none" w="med" len="med"/>
+                    </a:lnR>
+                    <a:lnB w="12700" cap="flat" cmpd="sng" algn="ctr">
+                      <a:solidFill>
+                        <a:schemeClr val="tx1"/>
+                      </a:solidFill>
+                      <a:prstDash val="solid"/>
+                      <a:round/>
+                      <a:headEnd type="none" w="med" len="med"/>
+                      <a:tailEnd type="none" w="med" len="med"/>
+                    </a:lnB>
+                  </a:tcPr>
+                </a:tc>
+                <a:extLst>
+                  <a:ext uri="{0D108BD9-81ED-4DB2-BD59-A6C34878D82A}">
+                    <a16:rowId xmlns:a16="http://schemas.microsoft.com/office/drawing/2014/main" val="3156394708"/>
+                  </a:ext>
+                </a:extLst>
+              </a:tr>
+            </a:tbl>
+          </a:graphicData>
+        </a:graphic>
+      </p:graphicFrame>
+      <p:sp>
+        <p:nvSpPr>
+          <p:cNvPr id="10" name="Rectangle 8"/>
+          <p:cNvSpPr>
+            <a:spLocks noChangeArrowheads="1"/>
+          </p:cNvSpPr>
+          <p:nvPr/>
+        </p:nvSpPr>
+        <p:spPr bwMode="auto">
+          <a:xfrm>
+            <a:off x="576000" y="3212786"/>
+            <a:ext cx="11311200" cy="304800"/>
+          </a:xfrm>
+          <a:prstGeom prst="rect">
+            <a:avLst/>
+          </a:prstGeom>
+          <a:solidFill>
+            <a:schemeClr val="tx2">
+              <a:lumMod val="75000"/>
+            </a:schemeClr>
+          </a:solidFill>
+          <a:ln w="9525">
+            <a:solidFill>
+              <a:srgbClr val="333333"/>
+            </a:solidFill>
+            <a:miter lim="800000"/>
+            <a:headEnd/>
+            <a:tailEnd/>
+          </a:ln>
+          <a:effectLst/>
+        </p:spPr>
+        <p:txBody>
+          <a:bodyPr wrap="none" anchor="ctr"/>
+          <a:lstStyle/>
+          <a:p>
+            <a:r>
+              <a:rPr lang="en-US" altLang="nl-BE" sz="1400" b="1" dirty="0" err="1">
+                <a:solidFill>
+                  <a:schemeClr val="bg1"/>
+                </a:solidFill>
+                <a:latin typeface="Verdana" panose="020B0604030504040204" pitchFamily="34" charset="0"/>
+              </a:rPr>
+              <a:t>Uitgevoerde</a:t>
+            </a:r>
+            <a:r>
+              <a:rPr lang="en-US" altLang="nl-BE" sz="1400" b="1" dirty="0">
+                <a:solidFill>
+                  <a:schemeClr val="bg1"/>
+                </a:solidFill>
+                <a:latin typeface="Verdana" panose="020B0604030504040204" pitchFamily="34" charset="0"/>
+              </a:rPr>
+              <a:t> taken </a:t>
+            </a:r>
+            <a:r>
+              <a:rPr lang="en-US" altLang="nl-BE" sz="1400" b="1" dirty="0" err="1">
+                <a:solidFill>
+                  <a:schemeClr val="bg1"/>
+                </a:solidFill>
+                <a:latin typeface="Verdana" panose="020B0604030504040204" pitchFamily="34" charset="0"/>
+              </a:rPr>
+              <a:t>tijdens</a:t>
+            </a:r>
+            <a:r>
+              <a:rPr lang="en-US" altLang="nl-BE" sz="1400" b="1" dirty="0">
+                <a:solidFill>
+                  <a:schemeClr val="bg1"/>
+                </a:solidFill>
+                <a:latin typeface="Verdana" panose="020B0604030504040204" pitchFamily="34" charset="0"/>
+              </a:rPr>
+              <a:t> </a:t>
+            </a:r>
+            <a:r>
+              <a:rPr lang="en-US" altLang="nl-BE" sz="1400" b="1" dirty="0" err="1">
+                <a:solidFill>
+                  <a:schemeClr val="bg1"/>
+                </a:solidFill>
+                <a:latin typeface="Verdana" panose="020B0604030504040204" pitchFamily="34" charset="0"/>
+              </a:rPr>
+              <a:t>teamzitting</a:t>
+            </a:r>
+            <a:endParaRPr lang="en-US" altLang="nl-BE" sz="1400" b="1" dirty="0">
+              <a:solidFill>
+                <a:schemeClr val="bg1"/>
+              </a:solidFill>
+              <a:latin typeface="Verdana" panose="020B0604030504040204" pitchFamily="34" charset="0"/>
+            </a:endParaRPr>
+          </a:p>
+        </p:txBody>
+      </p:sp>
+      <p:sp>
+        <p:nvSpPr>
+          <p:cNvPr id="11" name="Rectangle 7"/>
+          <p:cNvSpPr>
+            <a:spLocks noChangeArrowheads="1"/>
+          </p:cNvSpPr>
+          <p:nvPr/>
+        </p:nvSpPr>
+        <p:spPr bwMode="auto">
+          <a:xfrm>
+            <a:off x="6946320" y="695718"/>
+            <a:ext cx="4940880" cy="1018404"/>
+          </a:xfrm>
+          <a:prstGeom prst="rect">
+            <a:avLst/>
+          </a:prstGeom>
+          <a:noFill/>
+          <a:ln w="9525">
+            <a:solidFill>
+              <a:srgbClr val="333333"/>
+            </a:solidFill>
+            <a:miter lim="800000"/>
+            <a:headEnd/>
+            <a:tailEnd/>
+          </a:ln>
+          <a:effectLst/>
+          <a:extLst>
+            <a:ext uri="{909E8E84-426E-40DD-AFC4-6F175D3DCCD1}">
+              <a14:hiddenFill xmlns:a14="http://schemas.microsoft.com/office/drawing/2010/main">
+                <a:solidFill>
+                  <a:schemeClr val="accent1"/>
+                </a:solidFill>
+              </a14:hiddenFill>
+            </a:ext>
+            <a:ext uri="{AF507438-7753-43E0-B8FC-AC1667EBCBE1}">
+              <a14:hiddenEffects xmlns:a14="http://schemas.microsoft.com/office/drawing/2010/main">
+                <a:effectLst>
+                  <a:outerShdw dist="35921" dir="2700000" algn="ctr" rotWithShape="0">
+                    <a:schemeClr val="bg2"/>
+                  </a:outerShdw>
+                </a:effectLst>
+              </a14:hiddenEffects>
+            </a:ext>
+          </a:extLst>
+        </p:spPr>
+        <p:txBody>
+          <a:bodyPr wrap="none" anchor="ctr"/>
+          <a:lstStyle/>
+          <a:p>
+            <a:endParaRPr lang="nl-BE"/>
+          </a:p>
+        </p:txBody>
+      </p:sp>
+      <p:sp>
+        <p:nvSpPr>
+          <p:cNvPr id="12" name="Rectangle 8"/>
+          <p:cNvSpPr>
+            <a:spLocks noChangeArrowheads="1"/>
+          </p:cNvSpPr>
+          <p:nvPr/>
+        </p:nvSpPr>
+        <p:spPr bwMode="auto">
+          <a:xfrm>
+            <a:off x="6946320" y="695718"/>
+            <a:ext cx="4940880" cy="304800"/>
+          </a:xfrm>
+          <a:prstGeom prst="rect">
+            <a:avLst/>
+          </a:prstGeom>
+          <a:solidFill>
+            <a:schemeClr val="tx2">
+              <a:lumMod val="75000"/>
+            </a:schemeClr>
+          </a:solidFill>
+          <a:ln w="9525">
+            <a:solidFill>
+              <a:srgbClr val="333333"/>
+            </a:solidFill>
+            <a:miter lim="800000"/>
+            <a:headEnd/>
+            <a:tailEnd/>
+          </a:ln>
+          <a:effectLst/>
+        </p:spPr>
+        <p:txBody>
+          <a:bodyPr wrap="none" anchor="ctr"/>
+          <a:lstStyle/>
+          <a:p>
+            <a:r>
+              <a:rPr lang="en-US" altLang="nl-BE" sz="1400" b="1" dirty="0" err="1">
+                <a:solidFill>
+                  <a:schemeClr val="bg1"/>
+                </a:solidFill>
+                <a:latin typeface="Verdana" panose="020B0604030504040204" pitchFamily="34" charset="0"/>
+              </a:rPr>
+              <a:t>Voltooide</a:t>
+            </a:r>
+            <a:r>
+              <a:rPr lang="en-US" altLang="nl-BE" sz="1400" b="1" dirty="0">
+                <a:solidFill>
+                  <a:schemeClr val="bg1"/>
+                </a:solidFill>
+                <a:latin typeface="Verdana" panose="020B0604030504040204" pitchFamily="34" charset="0"/>
+              </a:rPr>
+              <a:t> </a:t>
+            </a:r>
+            <a:r>
+              <a:rPr lang="en-US" altLang="nl-BE" sz="1400" b="1" dirty="0" err="1">
+                <a:solidFill>
+                  <a:schemeClr val="bg1"/>
+                </a:solidFill>
+                <a:latin typeface="Verdana" panose="020B0604030504040204" pitchFamily="34" charset="0"/>
+              </a:rPr>
+              <a:t>acties</a:t>
+            </a:r>
+            <a:r>
+              <a:rPr lang="en-US" altLang="nl-BE" sz="1400" b="1" dirty="0">
+                <a:solidFill>
+                  <a:schemeClr val="bg1"/>
+                </a:solidFill>
+                <a:latin typeface="Verdana" panose="020B0604030504040204" pitchFamily="34" charset="0"/>
+              </a:rPr>
+              <a:t> – </a:t>
+            </a:r>
+            <a:r>
+              <a:rPr lang="en-US" altLang="nl-BE" sz="1400" b="1" dirty="0" err="1">
+                <a:solidFill>
+                  <a:schemeClr val="bg1"/>
+                </a:solidFill>
+                <a:latin typeface="Verdana" panose="020B0604030504040204" pitchFamily="34" charset="0"/>
+              </a:rPr>
+              <a:t>mijlpalen</a:t>
+            </a:r>
+            <a:endParaRPr lang="en-US" altLang="nl-BE" sz="1400" b="1" dirty="0">
+              <a:solidFill>
+                <a:schemeClr val="bg1"/>
+              </a:solidFill>
+              <a:latin typeface="Verdana" panose="020B0604030504040204" pitchFamily="34" charset="0"/>
+            </a:endParaRPr>
+          </a:p>
+        </p:txBody>
+      </p:sp>
+      <p:sp>
+        <p:nvSpPr>
+          <p:cNvPr id="13" name="Rectangle 20"/>
+          <p:cNvSpPr>
+            <a:spLocks noChangeArrowheads="1"/>
+          </p:cNvSpPr>
+          <p:nvPr/>
+        </p:nvSpPr>
+        <p:spPr bwMode="auto">
+          <a:xfrm>
+            <a:off x="6946320" y="1000518"/>
+            <a:ext cx="4940880" cy="713604"/>
+          </a:xfrm>
+          <a:prstGeom prst="rect">
+            <a:avLst/>
+          </a:prstGeom>
+          <a:noFill/>
+          <a:ln>
+            <a:noFill/>
+          </a:ln>
+          <a:effectLst/>
+          <a:extLst>
+            <a:ext uri="{909E8E84-426E-40DD-AFC4-6F175D3DCCD1}">
+              <a14:hiddenFill xmlns:a14="http://schemas.microsoft.com/office/drawing/2010/main">
+                <a:solidFill>
+                  <a:srgbClr val="333333"/>
+                </a:solidFill>
+              </a14:hiddenFill>
+            </a:ext>
+            <a:ext uri="{91240B29-F687-4F45-9708-019B960494DF}">
+              <a14:hiddenLine xmlns:a14="http://schemas.microsoft.com/office/drawing/2010/main" w="9525">
+                <a:solidFill>
+                  <a:srgbClr val="333333"/>
+                </a:solidFill>
+                <a:miter lim="800000"/>
+                <a:headEnd/>
+                <a:tailEnd/>
+              </a14:hiddenLine>
+            </a:ext>
+            <a:ext uri="{AF507438-7753-43E0-B8FC-AC1667EBCBE1}">
+              <a14:hiddenEffects xmlns:a14="http://schemas.microsoft.com/office/drawing/2010/main">
+                <a:effectLst>
+                  <a:outerShdw dist="35921" dir="2700000" algn="ctr" rotWithShape="0">
+                    <a:schemeClr val="bg2"/>
+                  </a:outerShdw>
+                </a:effectLst>
+              </a14:hiddenEffects>
+            </a:ext>
+          </a:extLst>
+        </p:spPr>
+        <p:txBody>
+          <a:bodyPr wrap="none"/>
+          <a:lstStyle/>
+          <a:p>
+            <a:pPr>
+              <a:buFontTx/>
+              <a:buChar char="•"/>
+            </a:pPr>
+            <a:r>
+              <a:rPr lang="en-US" altLang="nl-BE" sz="1200" dirty="0">
+                <a:solidFill>
+                  <a:srgbClr val="333333"/>
+                </a:solidFill>
+                <a:latin typeface="Verdana" panose="020B0604030504040204" pitchFamily="34" charset="0"/>
+              </a:rPr>
+              <a:t>  BFD</a:t>
+            </a:r>
+          </a:p>
+        </p:txBody>
+      </p:sp>
+      <p:sp>
+        <p:nvSpPr>
+          <p:cNvPr id="14" name="Rectangle 7"/>
+          <p:cNvSpPr>
+            <a:spLocks noChangeArrowheads="1"/>
+          </p:cNvSpPr>
+          <p:nvPr/>
+        </p:nvSpPr>
+        <p:spPr bwMode="auto">
+          <a:xfrm>
+            <a:off x="6946320" y="1901580"/>
+            <a:ext cx="4940880" cy="1018404"/>
+          </a:xfrm>
+          <a:prstGeom prst="rect">
+            <a:avLst/>
+          </a:prstGeom>
+          <a:noFill/>
+          <a:ln w="9525">
+            <a:solidFill>
+              <a:srgbClr val="333333"/>
+            </a:solidFill>
+            <a:miter lim="800000"/>
+            <a:headEnd/>
+            <a:tailEnd/>
+          </a:ln>
+          <a:effectLst/>
+          <a:extLst>
+            <a:ext uri="{909E8E84-426E-40DD-AFC4-6F175D3DCCD1}">
+              <a14:hiddenFill xmlns:a14="http://schemas.microsoft.com/office/drawing/2010/main">
+                <a:solidFill>
+                  <a:schemeClr val="accent1"/>
+                </a:solidFill>
+              </a14:hiddenFill>
+            </a:ext>
+            <a:ext uri="{AF507438-7753-43E0-B8FC-AC1667EBCBE1}">
+              <a14:hiddenEffects xmlns:a14="http://schemas.microsoft.com/office/drawing/2010/main">
+                <a:effectLst>
+                  <a:outerShdw dist="35921" dir="2700000" algn="ctr" rotWithShape="0">
+                    <a:schemeClr val="bg2"/>
+                  </a:outerShdw>
+                </a:effectLst>
+              </a14:hiddenEffects>
+            </a:ext>
+          </a:extLst>
+        </p:spPr>
+        <p:txBody>
+          <a:bodyPr wrap="none" anchor="ctr"/>
+          <a:lstStyle/>
+          <a:p>
+            <a:endParaRPr lang="nl-BE"/>
+          </a:p>
+        </p:txBody>
+      </p:sp>
+      <p:sp>
+        <p:nvSpPr>
+          <p:cNvPr id="15" name="Rectangle 8"/>
+          <p:cNvSpPr>
+            <a:spLocks noChangeArrowheads="1"/>
+          </p:cNvSpPr>
+          <p:nvPr/>
+        </p:nvSpPr>
+        <p:spPr bwMode="auto">
+          <a:xfrm>
+            <a:off x="6946320" y="1901580"/>
+            <a:ext cx="4940880" cy="304800"/>
+          </a:xfrm>
+          <a:prstGeom prst="rect">
+            <a:avLst/>
+          </a:prstGeom>
+          <a:solidFill>
+            <a:schemeClr val="tx2">
+              <a:lumMod val="75000"/>
+            </a:schemeClr>
+          </a:solidFill>
+          <a:ln w="9525">
+            <a:solidFill>
+              <a:srgbClr val="333333"/>
+            </a:solidFill>
+            <a:miter lim="800000"/>
+            <a:headEnd/>
+            <a:tailEnd/>
+          </a:ln>
+          <a:effectLst/>
+        </p:spPr>
+        <p:txBody>
+          <a:bodyPr wrap="none" anchor="ctr"/>
+          <a:lstStyle/>
+          <a:p>
+            <a:r>
+              <a:rPr lang="en-US" altLang="nl-BE" sz="1400" b="1" dirty="0" err="1">
+                <a:solidFill>
+                  <a:schemeClr val="bg1"/>
+                </a:solidFill>
+                <a:latin typeface="Verdana" panose="020B0604030504040204" pitchFamily="34" charset="0"/>
+              </a:rPr>
+              <a:t>Lopende</a:t>
+            </a:r>
+            <a:r>
+              <a:rPr lang="en-US" altLang="nl-BE" sz="1400" b="1" dirty="0">
+                <a:solidFill>
+                  <a:schemeClr val="bg1"/>
+                </a:solidFill>
+                <a:latin typeface="Verdana" panose="020B0604030504040204" pitchFamily="34" charset="0"/>
+              </a:rPr>
+              <a:t> </a:t>
+            </a:r>
+            <a:r>
+              <a:rPr lang="en-US" altLang="nl-BE" sz="1400" b="1" dirty="0" err="1">
+                <a:solidFill>
+                  <a:schemeClr val="bg1"/>
+                </a:solidFill>
+                <a:latin typeface="Verdana" panose="020B0604030504040204" pitchFamily="34" charset="0"/>
+              </a:rPr>
+              <a:t>acties</a:t>
+            </a:r>
+            <a:r>
+              <a:rPr lang="en-US" altLang="nl-BE" sz="1400" b="1" dirty="0">
+                <a:solidFill>
+                  <a:schemeClr val="bg1"/>
+                </a:solidFill>
+                <a:latin typeface="Verdana" panose="020B0604030504040204" pitchFamily="34" charset="0"/>
+              </a:rPr>
+              <a:t> – </a:t>
+            </a:r>
+            <a:r>
+              <a:rPr lang="en-US" altLang="nl-BE" sz="1400" b="1" dirty="0" err="1">
+                <a:solidFill>
+                  <a:schemeClr val="bg1"/>
+                </a:solidFill>
+                <a:latin typeface="Verdana" panose="020B0604030504040204" pitchFamily="34" charset="0"/>
+              </a:rPr>
+              <a:t>volgende</a:t>
+            </a:r>
+            <a:r>
+              <a:rPr lang="en-US" altLang="nl-BE" sz="1400" b="1" dirty="0">
+                <a:solidFill>
+                  <a:schemeClr val="bg1"/>
+                </a:solidFill>
+                <a:latin typeface="Verdana" panose="020B0604030504040204" pitchFamily="34" charset="0"/>
+              </a:rPr>
+              <a:t> </a:t>
+            </a:r>
+            <a:r>
+              <a:rPr lang="en-US" altLang="nl-BE" sz="1400" b="1" dirty="0" err="1">
+                <a:solidFill>
+                  <a:schemeClr val="bg1"/>
+                </a:solidFill>
+                <a:latin typeface="Verdana" panose="020B0604030504040204" pitchFamily="34" charset="0"/>
+              </a:rPr>
+              <a:t>stappen</a:t>
+            </a:r>
+            <a:endParaRPr lang="en-US" altLang="nl-BE" sz="1400" b="1" dirty="0">
+              <a:solidFill>
+                <a:schemeClr val="bg1"/>
+              </a:solidFill>
+              <a:latin typeface="Verdana" panose="020B0604030504040204" pitchFamily="34" charset="0"/>
+            </a:endParaRPr>
+          </a:p>
+        </p:txBody>
+      </p:sp>
+      <p:sp>
+        <p:nvSpPr>
+          <p:cNvPr id="16" name="Rectangle 20"/>
+          <p:cNvSpPr>
+            <a:spLocks noChangeArrowheads="1"/>
+          </p:cNvSpPr>
+          <p:nvPr/>
+        </p:nvSpPr>
+        <p:spPr bwMode="auto">
+          <a:xfrm>
+            <a:off x="6946320" y="2206380"/>
+            <a:ext cx="4940880" cy="713604"/>
+          </a:xfrm>
+          <a:prstGeom prst="rect">
+            <a:avLst/>
+          </a:prstGeom>
+          <a:noFill/>
+          <a:ln>
+            <a:noFill/>
+          </a:ln>
+          <a:effectLst/>
+          <a:extLst>
+            <a:ext uri="{909E8E84-426E-40DD-AFC4-6F175D3DCCD1}">
+              <a14:hiddenFill xmlns:a14="http://schemas.microsoft.com/office/drawing/2010/main">
+                <a:solidFill>
+                  <a:srgbClr val="333333"/>
+                </a:solidFill>
+              </a14:hiddenFill>
+            </a:ext>
+            <a:ext uri="{91240B29-F687-4F45-9708-019B960494DF}">
+              <a14:hiddenLine xmlns:a14="http://schemas.microsoft.com/office/drawing/2010/main" w="9525">
+                <a:solidFill>
+                  <a:srgbClr val="333333"/>
+                </a:solidFill>
+                <a:miter lim="800000"/>
+                <a:headEnd/>
+                <a:tailEnd/>
+              </a14:hiddenLine>
+            </a:ext>
+            <a:ext uri="{AF507438-7753-43E0-B8FC-AC1667EBCBE1}">
+              <a14:hiddenEffects xmlns:a14="http://schemas.microsoft.com/office/drawing/2010/main">
+                <a:effectLst>
+                  <a:outerShdw dist="35921" dir="2700000" algn="ctr" rotWithShape="0">
+                    <a:schemeClr val="bg2"/>
+                  </a:outerShdw>
+                </a:effectLst>
+              </a14:hiddenEffects>
+            </a:ext>
+          </a:extLst>
+        </p:spPr>
+        <p:txBody>
+          <a:bodyPr wrap="none"/>
+          <a:lstStyle/>
+          <a:p>
+            <a:pPr>
+              <a:buFontTx/>
+              <a:buChar char="•"/>
+            </a:pPr>
+            <a:r>
+              <a:rPr lang="en-US" altLang="nl-BE" sz="1200" dirty="0">
+                <a:solidFill>
+                  <a:srgbClr val="333333"/>
+                </a:solidFill>
+                <a:latin typeface="Verdana" panose="020B0604030504040204" pitchFamily="34" charset="0"/>
+              </a:rPr>
+              <a:t> Interim report</a:t>
+            </a:r>
+          </a:p>
+          <a:p>
+            <a:pPr>
+              <a:buFontTx/>
+              <a:buChar char="•"/>
+            </a:pPr>
+            <a:r>
+              <a:rPr lang="en-US" altLang="nl-BE" sz="1200" dirty="0">
+                <a:solidFill>
+                  <a:srgbClr val="333333"/>
+                </a:solidFill>
+                <a:latin typeface="Verdana" panose="020B0604030504040204" pitchFamily="34" charset="0"/>
+              </a:rPr>
+              <a:t> Storing faces</a:t>
+            </a:r>
+          </a:p>
+          <a:p>
+            <a:pPr>
+              <a:buFontTx/>
+              <a:buChar char="•"/>
+            </a:pPr>
+            <a:r>
+              <a:rPr lang="en-US" altLang="nl-BE" sz="1200" dirty="0">
+                <a:solidFill>
+                  <a:srgbClr val="333333"/>
+                </a:solidFill>
+                <a:latin typeface="Verdana" panose="020B0604030504040204" pitchFamily="34" charset="0"/>
+              </a:rPr>
+              <a:t> Combining code</a:t>
+            </a:r>
+          </a:p>
+          <a:p>
+            <a:pPr>
+              <a:buFontTx/>
+              <a:buChar char="•"/>
+            </a:pPr>
+            <a:endParaRPr lang="en-US" altLang="nl-BE" sz="1200" dirty="0">
+              <a:solidFill>
+                <a:srgbClr val="333333"/>
+              </a:solidFill>
+              <a:latin typeface="Verdana" panose="020B0604030504040204" pitchFamily="34" charset="0"/>
+            </a:endParaRPr>
+          </a:p>
+          <a:p>
+            <a:pPr>
+              <a:buFontTx/>
+              <a:buChar char="•"/>
+            </a:pPr>
+            <a:endParaRPr lang="en-US" altLang="nl-BE" sz="1200" dirty="0">
+              <a:solidFill>
+                <a:srgbClr val="333333"/>
+              </a:solidFill>
+              <a:latin typeface="Verdana" panose="020B0604030504040204" pitchFamily="34" charset="0"/>
+            </a:endParaRPr>
+          </a:p>
+        </p:txBody>
+      </p:sp>
+    </p:spTree>
+    <p:extLst>
+      <p:ext uri="{BB962C8B-B14F-4D97-AF65-F5344CB8AC3E}">
+        <p14:creationId xmlns:p14="http://schemas.microsoft.com/office/powerpoint/2010/main" val="4189010172"/>
       </p:ext>
     </p:extLst>
   </p:cSld>

--- a/logboek_ESAT9A1.pptx
+++ b/logboek_ESAT9A1.pptx
@@ -6,10 +6,10 @@
     <p:sldMasterId id="2147483694" r:id="rId2"/>
   </p:sldMasterIdLst>
   <p:notesMasterIdLst>
-    <p:notesMasterId r:id="rId9"/>
+    <p:notesMasterId r:id="rId10"/>
   </p:notesMasterIdLst>
   <p:handoutMasterIdLst>
-    <p:handoutMasterId r:id="rId10"/>
+    <p:handoutMasterId r:id="rId11"/>
   </p:handoutMasterIdLst>
   <p:sldIdLst>
     <p:sldId id="261" r:id="rId3"/>
@@ -18,6 +18,7 @@
     <p:sldId id="264" r:id="rId6"/>
     <p:sldId id="265" r:id="rId7"/>
     <p:sldId id="266" r:id="rId8"/>
+    <p:sldId id="267" r:id="rId9"/>
   </p:sldIdLst>
   <p:sldSz cx="12192000" cy="6858000"/>
   <p:notesSz cx="6858000" cy="9144000"/>
@@ -209,7 +210,7 @@
           <a:p>
             <a:fld id="{8F591CCF-F6FD-734B-854A-5BC033593B1E}" type="datetimeFigureOut">
               <a:rPr lang="nl-NL" smtClean="0"/>
-              <a:t>17-10-2022</a:t>
+              <a:t>20-10-2022</a:t>
             </a:fld>
             <a:endParaRPr lang="nl-NL"/>
           </a:p>
@@ -275,7 +276,7 @@
           <a:p>
             <a:fld id="{E152A6D4-CD3D-5148-8B70-A84796F20135}" type="slidenum">
               <a:rPr lang="nl-NL" smtClean="0"/>
-              <a:t>‹#›</a:t>
+              <a:t>‹nr.›</a:t>
             </a:fld>
             <a:endParaRPr lang="nl-NL"/>
           </a:p>
@@ -374,7 +375,7 @@
           <a:p>
             <a:fld id="{23C66214-DB21-4647-B5DA-0D17CA592867}" type="datetimeFigureOut">
               <a:rPr lang="nl-NL" smtClean="0"/>
-              <a:t>17-10-2022</a:t>
+              <a:t>20-10-2022</a:t>
             </a:fld>
             <a:endParaRPr lang="nl-NL"/>
           </a:p>
@@ -532,7 +533,7 @@
           <a:p>
             <a:fld id="{8954E32A-327F-AF4B-8E1F-209FBF93D26D}" type="slidenum">
               <a:rPr lang="nl-NL" smtClean="0"/>
-              <a:t>‹#›</a:t>
+              <a:t>‹nr.›</a:t>
             </a:fld>
             <a:endParaRPr lang="nl-NL"/>
           </a:p>
@@ -1363,7 +1364,7 @@
           <a:p>
             <a:fld id="{32CB04F5-1DDB-433A-9F56-F69ABF3D82C1}" type="datetime1">
               <a:rPr lang="nl-BE" smtClean="0"/>
-              <a:t>17/10/2022</a:t>
+              <a:t>20/10/2022</a:t>
             </a:fld>
             <a:endParaRPr lang="nl-NL"/>
           </a:p>
@@ -1408,7 +1409,7 @@
           <a:p>
             <a:fld id="{CF179DAE-D0A6-40C3-B8BC-6A97C268D03A}" type="slidenum">
               <a:rPr lang="nl-NL" smtClean="0"/>
-              <a:t>‹#›</a:t>
+              <a:t>‹nr.›</a:t>
             </a:fld>
             <a:endParaRPr lang="nl-NL"/>
           </a:p>
@@ -1646,7 +1647,7 @@
           <a:p>
             <a:fld id="{105EA0AE-89F5-40F4-A8AC-2CFB7172A437}" type="datetime1">
               <a:rPr lang="nl-BE" smtClean="0"/>
-              <a:t>17/10/2022</a:t>
+              <a:t>20/10/2022</a:t>
             </a:fld>
             <a:endParaRPr lang="nl-NL"/>
           </a:p>
@@ -1691,7 +1692,7 @@
           <a:p>
             <a:fld id="{CF179DAE-D0A6-40C3-B8BC-6A97C268D03A}" type="slidenum">
               <a:rPr lang="nl-NL" smtClean="0"/>
-              <a:t>‹#›</a:t>
+              <a:t>‹nr.›</a:t>
             </a:fld>
             <a:endParaRPr lang="nl-NL"/>
           </a:p>
@@ -1976,7 +1977,7 @@
           <a:p>
             <a:fld id="{51F891C0-052E-4374-9F7B-8DF3098847EC}" type="datetime1">
               <a:rPr lang="nl-BE" smtClean="0"/>
-              <a:t>17/10/2022</a:t>
+              <a:t>20/10/2022</a:t>
             </a:fld>
             <a:endParaRPr lang="nl-NL"/>
           </a:p>
@@ -2021,7 +2022,7 @@
           <a:p>
             <a:fld id="{0A297500-7527-634B-90F4-69D0994C32B4}" type="slidenum">
               <a:rPr lang="nl-NL" smtClean="0"/>
-              <a:t>‹#›</a:t>
+              <a:t>‹nr.›</a:t>
             </a:fld>
             <a:endParaRPr lang="nl-NL"/>
           </a:p>
@@ -2296,7 +2297,7 @@
           <a:p>
             <a:fld id="{0BAB7CBA-08E0-4FB9-BBC7-B0F9EE30FC23}" type="datetime1">
               <a:rPr lang="nl-BE" smtClean="0"/>
-              <a:t>17/10/2022</a:t>
+              <a:t>20/10/2022</a:t>
             </a:fld>
             <a:endParaRPr lang="nl-NL" dirty="0"/>
           </a:p>
@@ -2341,7 +2342,7 @@
           <a:p>
             <a:fld id="{0A297500-7527-634B-90F4-69D0994C32B4}" type="slidenum">
               <a:rPr lang="nl-NL" smtClean="0"/>
-              <a:t>‹#›</a:t>
+              <a:t>‹nr.›</a:t>
             </a:fld>
             <a:endParaRPr lang="nl-NL"/>
           </a:p>
@@ -2617,7 +2618,7 @@
           <a:p>
             <a:fld id="{A9A41F9E-F395-4802-BA0E-A579FF58717F}" type="datetime1">
               <a:rPr lang="nl-BE" smtClean="0"/>
-              <a:t>17/10/2022</a:t>
+              <a:t>20/10/2022</a:t>
             </a:fld>
             <a:endParaRPr lang="nl-NL" dirty="0"/>
           </a:p>
@@ -2662,7 +2663,7 @@
           <a:p>
             <a:fld id="{0A297500-7527-634B-90F4-69D0994C32B4}" type="slidenum">
               <a:rPr lang="nl-NL" smtClean="0"/>
-              <a:t>‹#›</a:t>
+              <a:t>‹nr.›</a:t>
             </a:fld>
             <a:endParaRPr lang="nl-NL"/>
           </a:p>
@@ -2759,7 +2760,7 @@
           <a:p>
             <a:fld id="{2A8B9AD4-BDDB-4121-9EEE-D890BB11E687}" type="datetime1">
               <a:rPr lang="nl-BE" smtClean="0"/>
-              <a:t>17/10/2022</a:t>
+              <a:t>20/10/2022</a:t>
             </a:fld>
             <a:endParaRPr lang="nl-NL"/>
           </a:p>
@@ -2804,7 +2805,7 @@
           <a:p>
             <a:fld id="{0A297500-7527-634B-90F4-69D0994C32B4}" type="slidenum">
               <a:rPr lang="nl-NL" smtClean="0"/>
-              <a:t>‹#›</a:t>
+              <a:t>‹nr.›</a:t>
             </a:fld>
             <a:endParaRPr lang="nl-NL"/>
           </a:p>
@@ -3243,7 +3244,7 @@
           <a:p>
             <a:fld id="{8DC808CC-4EBF-4C64-BA9E-B07B99C9DB99}" type="datetime1">
               <a:rPr lang="nl-BE" smtClean="0"/>
-              <a:t>17/10/2022</a:t>
+              <a:t>20/10/2022</a:t>
             </a:fld>
             <a:endParaRPr lang="nl-NL" dirty="0"/>
           </a:p>
@@ -3288,7 +3289,7 @@
           <a:p>
             <a:fld id="{0A297500-7527-634B-90F4-69D0994C32B4}" type="slidenum">
               <a:rPr lang="nl-NL" smtClean="0"/>
-              <a:t>‹#›</a:t>
+              <a:t>‹nr.›</a:t>
             </a:fld>
             <a:endParaRPr lang="nl-NL"/>
           </a:p>
@@ -3364,7 +3365,7 @@
           <a:p>
             <a:fld id="{26609C90-ED50-42CD-B56C-68BF842A2B6A}" type="datetime1">
               <a:rPr lang="nl-BE" smtClean="0"/>
-              <a:t>17/10/2022</a:t>
+              <a:t>20/10/2022</a:t>
             </a:fld>
             <a:endParaRPr lang="nl-NL"/>
           </a:p>
@@ -3409,7 +3410,7 @@
           <a:p>
             <a:fld id="{0A297500-7527-634B-90F4-69D0994C32B4}" type="slidenum">
               <a:rPr lang="nl-NL" smtClean="0"/>
-              <a:t>‹#›</a:t>
+              <a:t>‹nr.›</a:t>
             </a:fld>
             <a:endParaRPr lang="nl-NL"/>
           </a:p>
@@ -3485,7 +3486,7 @@
           <a:p>
             <a:fld id="{F15E82AE-B9EE-446E-B46E-329ABC891749}" type="datetime1">
               <a:rPr lang="nl-BE" smtClean="0"/>
-              <a:t>17/10/2022</a:t>
+              <a:t>20/10/2022</a:t>
             </a:fld>
             <a:endParaRPr lang="nl-NL"/>
           </a:p>
@@ -3530,7 +3531,7 @@
           <a:p>
             <a:fld id="{0A297500-7527-634B-90F4-69D0994C32B4}" type="slidenum">
               <a:rPr lang="nl-NL" smtClean="0"/>
-              <a:t>‹#›</a:t>
+              <a:t>‹nr.›</a:t>
             </a:fld>
             <a:endParaRPr lang="nl-NL"/>
           </a:p>
@@ -3667,7 +3668,7 @@
           <a:p>
             <a:fld id="{4A7FDF18-BDCB-4338-9FA2-782F60A2E51C}" type="datetime1">
               <a:rPr lang="nl-BE" smtClean="0"/>
-              <a:t>17/10/2022</a:t>
+              <a:t>20/10/2022</a:t>
             </a:fld>
             <a:endParaRPr lang="nl-NL" dirty="0"/>
           </a:p>
@@ -3712,7 +3713,7 @@
           <a:p>
             <a:fld id="{0A297500-7527-634B-90F4-69D0994C32B4}" type="slidenum">
               <a:rPr lang="nl-NL" smtClean="0"/>
-              <a:t>‹#›</a:t>
+              <a:t>‹nr.›</a:t>
             </a:fld>
             <a:endParaRPr lang="nl-NL"/>
           </a:p>
@@ -3951,7 +3952,7 @@
           <a:p>
             <a:fld id="{E389F4DD-E9F0-454C-8CE7-299000EBA983}" type="datetime1">
               <a:rPr lang="nl-BE" smtClean="0"/>
-              <a:t>17/10/2022</a:t>
+              <a:t>20/10/2022</a:t>
             </a:fld>
             <a:endParaRPr lang="nl-NL" dirty="0"/>
           </a:p>
@@ -4032,7 +4033,7 @@
             <a:fld id="{0A297500-7527-634B-90F4-69D0994C32B4}" type="slidenum">
               <a:rPr lang="nl-NL" smtClean="0"/>
               <a:pPr/>
-              <a:t>‹#›</a:t>
+              <a:t>‹nr.›</a:t>
             </a:fld>
             <a:endParaRPr lang="nl-NL" dirty="0"/>
           </a:p>
@@ -4592,7 +4593,7 @@
           <a:p>
             <a:fld id="{7F18BCE0-9917-41C7-AA76-58ADB721FDEC}" type="datetime1">
               <a:rPr lang="nl-BE" smtClean="0"/>
-              <a:t>17/10/2022</a:t>
+              <a:t>20/10/2022</a:t>
             </a:fld>
             <a:endParaRPr lang="nl-NL" dirty="0"/>
           </a:p>
@@ -4673,7 +4674,7 @@
             <a:fld id="{0A297500-7527-634B-90F4-69D0994C32B4}" type="slidenum">
               <a:rPr lang="nl-NL" smtClean="0"/>
               <a:pPr/>
-              <a:t>‹#›</a:t>
+              <a:t>‹nr.›</a:t>
             </a:fld>
             <a:endParaRPr lang="nl-NL" dirty="0"/>
           </a:p>
@@ -14716,6 +14717,1842 @@
     <p:extLst>
       <p:ext uri="{BB962C8B-B14F-4D97-AF65-F5344CB8AC3E}">
         <p14:creationId xmlns:p14="http://schemas.microsoft.com/office/powerpoint/2010/main" val="4189010172"/>
+      </p:ext>
+    </p:extLst>
+  </p:cSld>
+  <p:clrMapOvr>
+    <a:masterClrMapping/>
+  </p:clrMapOvr>
+</p:sld>
+</file>
+
+<file path=ppt/slides/slide7.xml><?xml version="1.0" encoding="utf-8"?>
+<p:sld xmlns:a="http://schemas.openxmlformats.org/drawingml/2006/main" xmlns:r="http://schemas.openxmlformats.org/officeDocument/2006/relationships" xmlns:p="http://schemas.openxmlformats.org/presentationml/2006/main">
+  <p:cSld>
+    <p:spTree>
+      <p:nvGrpSpPr>
+        <p:cNvPr id="1" name=""/>
+        <p:cNvGrpSpPr/>
+        <p:nvPr/>
+      </p:nvGrpSpPr>
+      <p:grpSpPr>
+        <a:xfrm>
+          <a:off x="0" y="0"/>
+          <a:ext cx="0" cy="0"/>
+          <a:chOff x="0" y="0"/>
+          <a:chExt cx="0" cy="0"/>
+        </a:xfrm>
+      </p:grpSpPr>
+      <p:sp>
+        <p:nvSpPr>
+          <p:cNvPr id="3" name="Footer Placeholder 2"/>
+          <p:cNvSpPr>
+            <a:spLocks noGrp="1"/>
+          </p:cNvSpPr>
+          <p:nvPr>
+            <p:ph type="ftr" sz="quarter" idx="11"/>
+          </p:nvPr>
+        </p:nvSpPr>
+        <p:spPr>
+          <a:xfrm>
+            <a:off x="5742432" y="6210000"/>
+            <a:ext cx="5284368" cy="648000"/>
+          </a:xfrm>
+        </p:spPr>
+        <p:txBody>
+          <a:bodyPr/>
+          <a:lstStyle/>
+          <a:p>
+            <a:r>
+              <a:rPr lang="nl-NL" dirty="0"/>
+              <a:t>Faculteit ingenieurswetenschappen KU Leuven – </a:t>
+            </a:r>
+            <a:r>
+              <a:rPr lang="nl-NL" dirty="0" err="1"/>
+              <a:t>Probleemoplossen</a:t>
+            </a:r>
+            <a:r>
+              <a:rPr lang="nl-NL" dirty="0"/>
+              <a:t> en Ontwerpen, deel 3</a:t>
+            </a:r>
+          </a:p>
+        </p:txBody>
+      </p:sp>
+      <p:sp>
+        <p:nvSpPr>
+          <p:cNvPr id="4" name="Slide Number Placeholder 3"/>
+          <p:cNvSpPr>
+            <a:spLocks noGrp="1"/>
+          </p:cNvSpPr>
+          <p:nvPr>
+            <p:ph type="sldNum" sz="quarter" idx="12"/>
+          </p:nvPr>
+        </p:nvSpPr>
+        <p:spPr/>
+        <p:txBody>
+          <a:bodyPr/>
+          <a:lstStyle/>
+          <a:p>
+            <a:fld id="{0A297500-7527-634B-90F4-69D0994C32B4}" type="slidenum">
+              <a:rPr lang="nl-NL" smtClean="0"/>
+              <a:t>7</a:t>
+            </a:fld>
+            <a:endParaRPr lang="nl-NL"/>
+          </a:p>
+        </p:txBody>
+      </p:sp>
+      <p:sp>
+        <p:nvSpPr>
+          <p:cNvPr id="5" name="Title 4"/>
+          <p:cNvSpPr>
+            <a:spLocks noGrp="1"/>
+          </p:cNvSpPr>
+          <p:nvPr>
+            <p:ph type="title"/>
+          </p:nvPr>
+        </p:nvSpPr>
+        <p:spPr>
+          <a:xfrm>
+            <a:off x="576000" y="190258"/>
+            <a:ext cx="11041200" cy="1152000"/>
+          </a:xfrm>
+        </p:spPr>
+        <p:txBody>
+          <a:bodyPr/>
+          <a:lstStyle/>
+          <a:p>
+            <a:r>
+              <a:rPr lang="nl-BE" dirty="0"/>
+              <a:t>Week 3 (20/10/2022)</a:t>
+            </a:r>
+          </a:p>
+        </p:txBody>
+      </p:sp>
+      <p:sp>
+        <p:nvSpPr>
+          <p:cNvPr id="6" name="Rectangle 7"/>
+          <p:cNvSpPr>
+            <a:spLocks noChangeArrowheads="1"/>
+          </p:cNvSpPr>
+          <p:nvPr/>
+        </p:nvSpPr>
+        <p:spPr bwMode="auto">
+          <a:xfrm>
+            <a:off x="580800" y="1348510"/>
+            <a:ext cx="4940880" cy="1767742"/>
+          </a:xfrm>
+          <a:prstGeom prst="rect">
+            <a:avLst/>
+          </a:prstGeom>
+          <a:noFill/>
+          <a:ln w="9525">
+            <a:solidFill>
+              <a:srgbClr val="333333"/>
+            </a:solidFill>
+            <a:miter lim="800000"/>
+            <a:headEnd/>
+            <a:tailEnd/>
+          </a:ln>
+          <a:effectLst/>
+          <a:extLst>
+            <a:ext uri="{909E8E84-426E-40DD-AFC4-6F175D3DCCD1}">
+              <a14:hiddenFill xmlns:a14="http://schemas.microsoft.com/office/drawing/2010/main">
+                <a:solidFill>
+                  <a:schemeClr val="accent1"/>
+                </a:solidFill>
+              </a14:hiddenFill>
+            </a:ext>
+            <a:ext uri="{AF507438-7753-43E0-B8FC-AC1667EBCBE1}">
+              <a14:hiddenEffects xmlns:a14="http://schemas.microsoft.com/office/drawing/2010/main">
+                <a:effectLst>
+                  <a:outerShdw dist="35921" dir="2700000" algn="ctr" rotWithShape="0">
+                    <a:schemeClr val="bg2"/>
+                  </a:outerShdw>
+                </a:effectLst>
+              </a14:hiddenEffects>
+            </a:ext>
+          </a:extLst>
+        </p:spPr>
+        <p:txBody>
+          <a:bodyPr wrap="none" anchor="ctr"/>
+          <a:lstStyle/>
+          <a:p>
+            <a:endParaRPr lang="nl-BE"/>
+          </a:p>
+        </p:txBody>
+      </p:sp>
+      <p:sp>
+        <p:nvSpPr>
+          <p:cNvPr id="7" name="Rectangle 8"/>
+          <p:cNvSpPr>
+            <a:spLocks noChangeArrowheads="1"/>
+          </p:cNvSpPr>
+          <p:nvPr/>
+        </p:nvSpPr>
+        <p:spPr bwMode="auto">
+          <a:xfrm>
+            <a:off x="580800" y="1365141"/>
+            <a:ext cx="4940880" cy="304800"/>
+          </a:xfrm>
+          <a:prstGeom prst="rect">
+            <a:avLst/>
+          </a:prstGeom>
+          <a:solidFill>
+            <a:schemeClr val="tx2">
+              <a:lumMod val="75000"/>
+            </a:schemeClr>
+          </a:solidFill>
+          <a:ln w="9525">
+            <a:solidFill>
+              <a:srgbClr val="333333"/>
+            </a:solidFill>
+            <a:miter lim="800000"/>
+            <a:headEnd/>
+            <a:tailEnd/>
+          </a:ln>
+          <a:effectLst/>
+        </p:spPr>
+        <p:txBody>
+          <a:bodyPr wrap="none" anchor="ctr"/>
+          <a:lstStyle/>
+          <a:p>
+            <a:r>
+              <a:rPr lang="en-US" altLang="nl-BE" sz="1400" b="1">
+                <a:solidFill>
+                  <a:schemeClr val="bg1"/>
+                </a:solidFill>
+                <a:latin typeface="Verdana" panose="020B0604030504040204" pitchFamily="34" charset="0"/>
+              </a:rPr>
+              <a:t>Planning</a:t>
+            </a:r>
+          </a:p>
+        </p:txBody>
+      </p:sp>
+      <p:sp>
+        <p:nvSpPr>
+          <p:cNvPr id="8" name="Rectangle 20"/>
+          <p:cNvSpPr>
+            <a:spLocks noChangeArrowheads="1"/>
+          </p:cNvSpPr>
+          <p:nvPr/>
+        </p:nvSpPr>
+        <p:spPr bwMode="auto">
+          <a:xfrm>
+            <a:off x="576000" y="1669941"/>
+            <a:ext cx="4940880" cy="713604"/>
+          </a:xfrm>
+          <a:prstGeom prst="rect">
+            <a:avLst/>
+          </a:prstGeom>
+          <a:noFill/>
+          <a:ln>
+            <a:noFill/>
+          </a:ln>
+          <a:effectLst/>
+          <a:extLst>
+            <a:ext uri="{909E8E84-426E-40DD-AFC4-6F175D3DCCD1}">
+              <a14:hiddenFill xmlns:a14="http://schemas.microsoft.com/office/drawing/2010/main">
+                <a:solidFill>
+                  <a:srgbClr val="333333"/>
+                </a:solidFill>
+              </a14:hiddenFill>
+            </a:ext>
+            <a:ext uri="{91240B29-F687-4F45-9708-019B960494DF}">
+              <a14:hiddenLine xmlns:a14="http://schemas.microsoft.com/office/drawing/2010/main" w="9525">
+                <a:solidFill>
+                  <a:srgbClr val="333333"/>
+                </a:solidFill>
+                <a:miter lim="800000"/>
+                <a:headEnd/>
+                <a:tailEnd/>
+              </a14:hiddenLine>
+            </a:ext>
+            <a:ext uri="{AF507438-7753-43E0-B8FC-AC1667EBCBE1}">
+              <a14:hiddenEffects xmlns:a14="http://schemas.microsoft.com/office/drawing/2010/main">
+                <a:effectLst>
+                  <a:outerShdw dist="35921" dir="2700000" algn="ctr" rotWithShape="0">
+                    <a:schemeClr val="bg2"/>
+                  </a:outerShdw>
+                </a:effectLst>
+              </a14:hiddenEffects>
+            </a:ext>
+          </a:extLst>
+        </p:spPr>
+        <p:txBody>
+          <a:bodyPr wrap="none"/>
+          <a:lstStyle/>
+          <a:p>
+            <a:pPr>
+              <a:buFontTx/>
+              <a:buChar char="•"/>
+            </a:pPr>
+            <a:r>
+              <a:rPr lang="en-US" altLang="nl-BE" sz="1200" dirty="0">
+                <a:solidFill>
+                  <a:srgbClr val="333333"/>
+                </a:solidFill>
+                <a:latin typeface="Verdana" panose="020B0604030504040204" pitchFamily="34" charset="0"/>
+              </a:rPr>
+              <a:t> Face tracking (FT)</a:t>
+            </a:r>
+          </a:p>
+          <a:p>
+            <a:pPr>
+              <a:buFontTx/>
+              <a:buChar char="•"/>
+            </a:pPr>
+            <a:r>
+              <a:rPr lang="en-US" altLang="nl-BE" sz="1200" dirty="0">
+                <a:solidFill>
+                  <a:srgbClr val="333333"/>
+                </a:solidFill>
+                <a:latin typeface="Verdana" panose="020B0604030504040204" pitchFamily="34" charset="0"/>
+              </a:rPr>
+              <a:t> Report</a:t>
+            </a:r>
+          </a:p>
+          <a:p>
+            <a:pPr>
+              <a:buFontTx/>
+              <a:buChar char="•"/>
+            </a:pPr>
+            <a:endParaRPr lang="en-US" altLang="nl-BE" sz="1200" dirty="0">
+              <a:solidFill>
+                <a:srgbClr val="333333"/>
+              </a:solidFill>
+              <a:latin typeface="Verdana" panose="020B0604030504040204" pitchFamily="34" charset="0"/>
+            </a:endParaRPr>
+          </a:p>
+        </p:txBody>
+      </p:sp>
+      <p:graphicFrame>
+        <p:nvGraphicFramePr>
+          <p:cNvPr id="9" name="Table 8"/>
+          <p:cNvGraphicFramePr>
+            <a:graphicFrameLocks noGrp="1"/>
+          </p:cNvGraphicFramePr>
+          <p:nvPr>
+            <p:extLst>
+              <p:ext uri="{D42A27DB-BD31-4B8C-83A1-F6EECF244321}">
+                <p14:modId xmlns:p14="http://schemas.microsoft.com/office/powerpoint/2010/main" val="876649925"/>
+              </p:ext>
+            </p:extLst>
+          </p:nvPr>
+        </p:nvGraphicFramePr>
+        <p:xfrm>
+          <a:off x="580800" y="3517586"/>
+          <a:ext cx="11306400" cy="2595880"/>
+        </p:xfrm>
+        <a:graphic>
+          <a:graphicData uri="http://schemas.openxmlformats.org/drawingml/2006/table">
+            <a:tbl>
+              <a:tblPr firstRow="1" bandRow="1">
+                <a:tableStyleId>{5C22544A-7EE6-4342-B048-85BDC9FD1C3A}</a:tableStyleId>
+              </a:tblPr>
+              <a:tblGrid>
+                <a:gridCol w="2261280">
+                  <a:extLst>
+                    <a:ext uri="{9D8B030D-6E8A-4147-A177-3AD203B41FA5}">
+                      <a16:colId xmlns:a16="http://schemas.microsoft.com/office/drawing/2014/main" val="3222044758"/>
+                    </a:ext>
+                  </a:extLst>
+                </a:gridCol>
+                <a:gridCol w="2261280">
+                  <a:extLst>
+                    <a:ext uri="{9D8B030D-6E8A-4147-A177-3AD203B41FA5}">
+                      <a16:colId xmlns:a16="http://schemas.microsoft.com/office/drawing/2014/main" val="23332546"/>
+                    </a:ext>
+                  </a:extLst>
+                </a:gridCol>
+                <a:gridCol w="2261280">
+                  <a:extLst>
+                    <a:ext uri="{9D8B030D-6E8A-4147-A177-3AD203B41FA5}">
+                      <a16:colId xmlns:a16="http://schemas.microsoft.com/office/drawing/2014/main" val="62682046"/>
+                    </a:ext>
+                  </a:extLst>
+                </a:gridCol>
+                <a:gridCol w="2261280">
+                  <a:extLst>
+                    <a:ext uri="{9D8B030D-6E8A-4147-A177-3AD203B41FA5}">
+                      <a16:colId xmlns:a16="http://schemas.microsoft.com/office/drawing/2014/main" val="1440099295"/>
+                    </a:ext>
+                  </a:extLst>
+                </a:gridCol>
+                <a:gridCol w="2261280">
+                  <a:extLst>
+                    <a:ext uri="{9D8B030D-6E8A-4147-A177-3AD203B41FA5}">
+                      <a16:colId xmlns:a16="http://schemas.microsoft.com/office/drawing/2014/main" val="2799077174"/>
+                    </a:ext>
+                  </a:extLst>
+                </a:gridCol>
+              </a:tblGrid>
+              <a:tr h="370840">
+                <a:tc>
+                  <a:txBody>
+                    <a:bodyPr/>
+                    <a:lstStyle/>
+                    <a:p>
+                      <a:r>
+                        <a:rPr lang="nl-BE" dirty="0"/>
+                        <a:t>Naam student</a:t>
+                      </a:r>
+                    </a:p>
+                  </a:txBody>
+                  <a:tcPr>
+                    <a:lnL w="12700" cap="flat" cmpd="sng" algn="ctr">
+                      <a:solidFill>
+                        <a:schemeClr val="tx1"/>
+                      </a:solidFill>
+                      <a:prstDash val="solid"/>
+                      <a:round/>
+                      <a:headEnd type="none" w="med" len="med"/>
+                      <a:tailEnd type="none" w="med" len="med"/>
+                    </a:lnL>
+                    <a:lnT w="12700" cap="flat" cmpd="sng" algn="ctr">
+                      <a:solidFill>
+                        <a:schemeClr val="tx1"/>
+                      </a:solidFill>
+                      <a:prstDash val="solid"/>
+                      <a:round/>
+                      <a:headEnd type="none" w="med" len="med"/>
+                      <a:tailEnd type="none" w="med" len="med"/>
+                    </a:lnT>
+                  </a:tcPr>
+                </a:tc>
+                <a:tc>
+                  <a:txBody>
+                    <a:bodyPr/>
+                    <a:lstStyle/>
+                    <a:p>
+                      <a:r>
+                        <a:rPr lang="nl-BE" dirty="0"/>
+                        <a:t>14u00-15u00</a:t>
+                      </a:r>
+                    </a:p>
+                  </a:txBody>
+                  <a:tcPr>
+                    <a:lnT w="12700" cap="flat" cmpd="sng" algn="ctr">
+                      <a:solidFill>
+                        <a:schemeClr val="tx1"/>
+                      </a:solidFill>
+                      <a:prstDash val="solid"/>
+                      <a:round/>
+                      <a:headEnd type="none" w="med" len="med"/>
+                      <a:tailEnd type="none" w="med" len="med"/>
+                    </a:lnT>
+                  </a:tcPr>
+                </a:tc>
+                <a:tc>
+                  <a:txBody>
+                    <a:bodyPr/>
+                    <a:lstStyle/>
+                    <a:p>
+                      <a:r>
+                        <a:rPr lang="nl-BE" dirty="0"/>
+                        <a:t>15u00-16u00</a:t>
+                      </a:r>
+                    </a:p>
+                  </a:txBody>
+                  <a:tcPr>
+                    <a:lnT w="12700" cap="flat" cmpd="sng" algn="ctr">
+                      <a:solidFill>
+                        <a:schemeClr val="tx1"/>
+                      </a:solidFill>
+                      <a:prstDash val="solid"/>
+                      <a:round/>
+                      <a:headEnd type="none" w="med" len="med"/>
+                      <a:tailEnd type="none" w="med" len="med"/>
+                    </a:lnT>
+                  </a:tcPr>
+                </a:tc>
+                <a:tc>
+                  <a:txBody>
+                    <a:bodyPr/>
+                    <a:lstStyle/>
+                    <a:p>
+                      <a:r>
+                        <a:rPr lang="nl-BE" dirty="0"/>
+                        <a:t>16u00-17u00</a:t>
+                      </a:r>
+                    </a:p>
+                  </a:txBody>
+                  <a:tcPr>
+                    <a:lnT w="12700" cap="flat" cmpd="sng" algn="ctr">
+                      <a:solidFill>
+                        <a:schemeClr val="tx1"/>
+                      </a:solidFill>
+                      <a:prstDash val="solid"/>
+                      <a:round/>
+                      <a:headEnd type="none" w="med" len="med"/>
+                      <a:tailEnd type="none" w="med" len="med"/>
+                    </a:lnT>
+                  </a:tcPr>
+                </a:tc>
+                <a:tc>
+                  <a:txBody>
+                    <a:bodyPr/>
+                    <a:lstStyle/>
+                    <a:p>
+                      <a:r>
+                        <a:rPr lang="nl-BE" dirty="0"/>
+                        <a:t>17u00-18u00</a:t>
+                      </a:r>
+                    </a:p>
+                  </a:txBody>
+                  <a:tcPr>
+                    <a:lnR w="12700" cap="flat" cmpd="sng" algn="ctr">
+                      <a:solidFill>
+                        <a:schemeClr val="tx1"/>
+                      </a:solidFill>
+                      <a:prstDash val="solid"/>
+                      <a:round/>
+                      <a:headEnd type="none" w="med" len="med"/>
+                      <a:tailEnd type="none" w="med" len="med"/>
+                    </a:lnR>
+                    <a:lnT w="12700" cap="flat" cmpd="sng" algn="ctr">
+                      <a:solidFill>
+                        <a:schemeClr val="tx1"/>
+                      </a:solidFill>
+                      <a:prstDash val="solid"/>
+                      <a:round/>
+                      <a:headEnd type="none" w="med" len="med"/>
+                      <a:tailEnd type="none" w="med" len="med"/>
+                    </a:lnT>
+                  </a:tcPr>
+                </a:tc>
+                <a:extLst>
+                  <a:ext uri="{0D108BD9-81ED-4DB2-BD59-A6C34878D82A}">
+                    <a16:rowId xmlns:a16="http://schemas.microsoft.com/office/drawing/2014/main" val="1545514501"/>
+                  </a:ext>
+                </a:extLst>
+              </a:tr>
+              <a:tr h="370840">
+                <a:tc>
+                  <a:txBody>
+                    <a:bodyPr/>
+                    <a:lstStyle/>
+                    <a:p>
+                      <a:r>
+                        <a:rPr lang="nl-BE" dirty="0"/>
+                        <a:t>Arne </a:t>
+                      </a:r>
+                      <a:r>
+                        <a:rPr lang="nl-BE" dirty="0" err="1"/>
+                        <a:t>Lemahieu</a:t>
+                      </a:r>
+                      <a:endParaRPr lang="nl-BE" dirty="0"/>
+                    </a:p>
+                  </a:txBody>
+                  <a:tcPr>
+                    <a:lnL w="12700" cap="flat" cmpd="sng" algn="ctr">
+                      <a:solidFill>
+                        <a:schemeClr val="tx1"/>
+                      </a:solidFill>
+                      <a:prstDash val="solid"/>
+                      <a:round/>
+                      <a:headEnd type="none" w="med" len="med"/>
+                      <a:tailEnd type="none" w="med" len="med"/>
+                    </a:lnL>
+                  </a:tcPr>
+                </a:tc>
+                <a:tc>
+                  <a:txBody>
+                    <a:bodyPr/>
+                    <a:lstStyle/>
+                    <a:p>
+                      <a:r>
+                        <a:rPr lang="nl-BE" dirty="0"/>
+                        <a:t>Report</a:t>
+                      </a:r>
+                    </a:p>
+                  </a:txBody>
+                  <a:tcPr/>
+                </a:tc>
+                <a:tc>
+                  <a:txBody>
+                    <a:bodyPr/>
+                    <a:lstStyle/>
+                    <a:p>
+                      <a:pPr marL="0" marR="0" lvl="0" indent="0" algn="l" defTabSz="914400" rtl="0" eaLnBrk="1" fontAlgn="auto" latinLnBrk="0" hangingPunct="1">
+                        <a:lnSpc>
+                          <a:spcPct val="100000"/>
+                        </a:lnSpc>
+                        <a:spcBef>
+                          <a:spcPts val="0"/>
+                        </a:spcBef>
+                        <a:spcAft>
+                          <a:spcPts val="0"/>
+                        </a:spcAft>
+                        <a:buClrTx/>
+                        <a:buSzTx/>
+                        <a:buFontTx/>
+                        <a:buNone/>
+                        <a:tabLst/>
+                        <a:defRPr/>
+                      </a:pPr>
+                      <a:r>
+                        <a:rPr lang="nl-BE" dirty="0"/>
+                        <a:t>Report</a:t>
+                      </a:r>
+                    </a:p>
+                  </a:txBody>
+                  <a:tcPr/>
+                </a:tc>
+                <a:tc>
+                  <a:txBody>
+                    <a:bodyPr/>
+                    <a:lstStyle/>
+                    <a:p>
+                      <a:pPr marL="0" marR="0" lvl="0" indent="0" algn="l" defTabSz="914400" rtl="0" eaLnBrk="1" fontAlgn="auto" latinLnBrk="0" hangingPunct="1">
+                        <a:lnSpc>
+                          <a:spcPct val="100000"/>
+                        </a:lnSpc>
+                        <a:spcBef>
+                          <a:spcPts val="0"/>
+                        </a:spcBef>
+                        <a:spcAft>
+                          <a:spcPts val="0"/>
+                        </a:spcAft>
+                        <a:buClrTx/>
+                        <a:buSzTx/>
+                        <a:buFontTx/>
+                        <a:buNone/>
+                        <a:tabLst/>
+                        <a:defRPr/>
+                      </a:pPr>
+                      <a:r>
+                        <a:rPr lang="nl-BE" dirty="0"/>
+                        <a:t>Report</a:t>
+                      </a:r>
+                    </a:p>
+                  </a:txBody>
+                  <a:tcPr/>
+                </a:tc>
+                <a:tc>
+                  <a:txBody>
+                    <a:bodyPr/>
+                    <a:lstStyle/>
+                    <a:p>
+                      <a:pPr marL="0" marR="0" lvl="0" indent="0" algn="l" defTabSz="914400" rtl="0" eaLnBrk="1" fontAlgn="auto" latinLnBrk="0" hangingPunct="1">
+                        <a:lnSpc>
+                          <a:spcPct val="100000"/>
+                        </a:lnSpc>
+                        <a:spcBef>
+                          <a:spcPts val="0"/>
+                        </a:spcBef>
+                        <a:spcAft>
+                          <a:spcPts val="0"/>
+                        </a:spcAft>
+                        <a:buClrTx/>
+                        <a:buSzTx/>
+                        <a:buFontTx/>
+                        <a:buNone/>
+                        <a:tabLst/>
+                        <a:defRPr/>
+                      </a:pPr>
+                      <a:r>
+                        <a:rPr lang="nl-BE" dirty="0"/>
+                        <a:t>Report</a:t>
+                      </a:r>
+                    </a:p>
+                  </a:txBody>
+                  <a:tcPr>
+                    <a:lnR w="12700" cap="flat" cmpd="sng" algn="ctr">
+                      <a:solidFill>
+                        <a:schemeClr val="tx1"/>
+                      </a:solidFill>
+                      <a:prstDash val="solid"/>
+                      <a:round/>
+                      <a:headEnd type="none" w="med" len="med"/>
+                      <a:tailEnd type="none" w="med" len="med"/>
+                    </a:lnR>
+                  </a:tcPr>
+                </a:tc>
+                <a:extLst>
+                  <a:ext uri="{0D108BD9-81ED-4DB2-BD59-A6C34878D82A}">
+                    <a16:rowId xmlns:a16="http://schemas.microsoft.com/office/drawing/2014/main" val="4272612081"/>
+                  </a:ext>
+                </a:extLst>
+              </a:tr>
+              <a:tr h="370840">
+                <a:tc>
+                  <a:txBody>
+                    <a:bodyPr/>
+                    <a:lstStyle/>
+                    <a:p>
+                      <a:pPr marL="0" marR="0" lvl="0" indent="0" algn="l" defTabSz="914400" rtl="0" eaLnBrk="1" fontAlgn="auto" latinLnBrk="0" hangingPunct="1">
+                        <a:lnSpc>
+                          <a:spcPct val="100000"/>
+                        </a:lnSpc>
+                        <a:spcBef>
+                          <a:spcPts val="0"/>
+                        </a:spcBef>
+                        <a:spcAft>
+                          <a:spcPts val="0"/>
+                        </a:spcAft>
+                        <a:buClrTx/>
+                        <a:buSzTx/>
+                        <a:buFontTx/>
+                        <a:buNone/>
+                        <a:tabLst/>
+                        <a:defRPr/>
+                      </a:pPr>
+                      <a:r>
+                        <a:rPr lang="nl-BE" dirty="0"/>
+                        <a:t>Kasper </a:t>
+                      </a:r>
+                      <a:r>
+                        <a:rPr lang="nl-BE" dirty="0" err="1"/>
+                        <a:t>Dumoulin</a:t>
+                      </a:r>
+                      <a:endParaRPr lang="nl-BE" dirty="0"/>
+                    </a:p>
+                  </a:txBody>
+                  <a:tcPr>
+                    <a:lnL w="12700" cap="flat" cmpd="sng" algn="ctr">
+                      <a:solidFill>
+                        <a:schemeClr val="tx1"/>
+                      </a:solidFill>
+                      <a:prstDash val="solid"/>
+                      <a:round/>
+                      <a:headEnd type="none" w="med" len="med"/>
+                      <a:tailEnd type="none" w="med" len="med"/>
+                    </a:lnL>
+                  </a:tcPr>
+                </a:tc>
+                <a:tc>
+                  <a:txBody>
+                    <a:bodyPr/>
+                    <a:lstStyle/>
+                    <a:p>
+                      <a:r>
+                        <a:rPr lang="nl-BE" dirty="0"/>
+                        <a:t>Report</a:t>
+                      </a:r>
+                    </a:p>
+                  </a:txBody>
+                  <a:tcPr/>
+                </a:tc>
+                <a:tc>
+                  <a:txBody>
+                    <a:bodyPr/>
+                    <a:lstStyle/>
+                    <a:p>
+                      <a:r>
+                        <a:rPr lang="nl-BE" dirty="0"/>
+                        <a:t>Report</a:t>
+                      </a:r>
+                    </a:p>
+                  </a:txBody>
+                  <a:tcPr/>
+                </a:tc>
+                <a:tc>
+                  <a:txBody>
+                    <a:bodyPr/>
+                    <a:lstStyle/>
+                    <a:p>
+                      <a:r>
+                        <a:rPr lang="nl-BE" dirty="0"/>
+                        <a:t>Report</a:t>
+                      </a:r>
+                    </a:p>
+                  </a:txBody>
+                  <a:tcPr/>
+                </a:tc>
+                <a:tc>
+                  <a:txBody>
+                    <a:bodyPr/>
+                    <a:lstStyle/>
+                    <a:p>
+                      <a:r>
+                        <a:rPr lang="nl-BE" dirty="0"/>
+                        <a:t>Report</a:t>
+                      </a:r>
+                    </a:p>
+                  </a:txBody>
+                  <a:tcPr>
+                    <a:lnR w="12700" cap="flat" cmpd="sng" algn="ctr">
+                      <a:solidFill>
+                        <a:schemeClr val="tx1"/>
+                      </a:solidFill>
+                      <a:prstDash val="solid"/>
+                      <a:round/>
+                      <a:headEnd type="none" w="med" len="med"/>
+                      <a:tailEnd type="none" w="med" len="med"/>
+                    </a:lnR>
+                  </a:tcPr>
+                </a:tc>
+                <a:extLst>
+                  <a:ext uri="{0D108BD9-81ED-4DB2-BD59-A6C34878D82A}">
+                    <a16:rowId xmlns:a16="http://schemas.microsoft.com/office/drawing/2014/main" val="2535650466"/>
+                  </a:ext>
+                </a:extLst>
+              </a:tr>
+              <a:tr h="370840">
+                <a:tc>
+                  <a:txBody>
+                    <a:bodyPr/>
+                    <a:lstStyle/>
+                    <a:p>
+                      <a:pPr marL="0" marR="0" lvl="0" indent="0" algn="l" defTabSz="914400" rtl="0" eaLnBrk="1" fontAlgn="auto" latinLnBrk="0" hangingPunct="1">
+                        <a:lnSpc>
+                          <a:spcPct val="100000"/>
+                        </a:lnSpc>
+                        <a:spcBef>
+                          <a:spcPts val="0"/>
+                        </a:spcBef>
+                        <a:spcAft>
+                          <a:spcPts val="0"/>
+                        </a:spcAft>
+                        <a:buClrTx/>
+                        <a:buSzTx/>
+                        <a:buFontTx/>
+                        <a:buNone/>
+                        <a:tabLst/>
+                        <a:defRPr/>
+                      </a:pPr>
+                      <a:r>
+                        <a:rPr lang="nl-BE" dirty="0"/>
+                        <a:t>Mauro Janssens</a:t>
+                      </a:r>
+                    </a:p>
+                  </a:txBody>
+                  <a:tcPr>
+                    <a:lnL w="12700" cap="flat" cmpd="sng" algn="ctr">
+                      <a:solidFill>
+                        <a:schemeClr val="tx1"/>
+                      </a:solidFill>
+                      <a:prstDash val="solid"/>
+                      <a:round/>
+                      <a:headEnd type="none" w="med" len="med"/>
+                      <a:tailEnd type="none" w="med" len="med"/>
+                    </a:lnL>
+                  </a:tcPr>
+                </a:tc>
+                <a:tc>
+                  <a:txBody>
+                    <a:bodyPr/>
+                    <a:lstStyle/>
+                    <a:p>
+                      <a:r>
+                        <a:rPr lang="nl-BE" dirty="0"/>
+                        <a:t>Report</a:t>
+                      </a:r>
+                    </a:p>
+                  </a:txBody>
+                  <a:tcPr/>
+                </a:tc>
+                <a:tc>
+                  <a:txBody>
+                    <a:bodyPr/>
+                    <a:lstStyle/>
+                    <a:p>
+                      <a:r>
+                        <a:rPr lang="nl-BE" dirty="0"/>
+                        <a:t>Report</a:t>
+                      </a:r>
+                    </a:p>
+                  </a:txBody>
+                  <a:tcPr/>
+                </a:tc>
+                <a:tc>
+                  <a:txBody>
+                    <a:bodyPr/>
+                    <a:lstStyle/>
+                    <a:p>
+                      <a:r>
+                        <a:rPr lang="nl-BE" dirty="0"/>
+                        <a:t>Report</a:t>
+                      </a:r>
+                    </a:p>
+                  </a:txBody>
+                  <a:tcPr/>
+                </a:tc>
+                <a:tc>
+                  <a:txBody>
+                    <a:bodyPr/>
+                    <a:lstStyle/>
+                    <a:p>
+                      <a:r>
+                        <a:rPr lang="nl-BE" dirty="0"/>
+                        <a:t>Report</a:t>
+                      </a:r>
+                    </a:p>
+                  </a:txBody>
+                  <a:tcPr>
+                    <a:lnR w="12700" cap="flat" cmpd="sng" algn="ctr">
+                      <a:solidFill>
+                        <a:schemeClr val="tx1"/>
+                      </a:solidFill>
+                      <a:prstDash val="solid"/>
+                      <a:round/>
+                      <a:headEnd type="none" w="med" len="med"/>
+                      <a:tailEnd type="none" w="med" len="med"/>
+                    </a:lnR>
+                  </a:tcPr>
+                </a:tc>
+                <a:extLst>
+                  <a:ext uri="{0D108BD9-81ED-4DB2-BD59-A6C34878D82A}">
+                    <a16:rowId xmlns:a16="http://schemas.microsoft.com/office/drawing/2014/main" val="1056747163"/>
+                  </a:ext>
+                </a:extLst>
+              </a:tr>
+              <a:tr h="370840">
+                <a:tc>
+                  <a:txBody>
+                    <a:bodyPr/>
+                    <a:lstStyle/>
+                    <a:p>
+                      <a:pPr marL="0" marR="0" lvl="0" indent="0" algn="l" defTabSz="914400" rtl="0" eaLnBrk="1" fontAlgn="auto" latinLnBrk="0" hangingPunct="1">
+                        <a:lnSpc>
+                          <a:spcPct val="100000"/>
+                        </a:lnSpc>
+                        <a:spcBef>
+                          <a:spcPts val="0"/>
+                        </a:spcBef>
+                        <a:spcAft>
+                          <a:spcPts val="0"/>
+                        </a:spcAft>
+                        <a:buClrTx/>
+                        <a:buSzTx/>
+                        <a:buFontTx/>
+                        <a:buNone/>
+                        <a:tabLst/>
+                        <a:defRPr/>
+                      </a:pPr>
+                      <a:r>
+                        <a:rPr lang="nl-BE" dirty="0"/>
+                        <a:t>Pepijn Haenen</a:t>
+                      </a:r>
+                    </a:p>
+                  </a:txBody>
+                  <a:tcPr>
+                    <a:lnL w="12700" cap="flat" cmpd="sng" algn="ctr">
+                      <a:solidFill>
+                        <a:schemeClr val="tx1"/>
+                      </a:solidFill>
+                      <a:prstDash val="solid"/>
+                      <a:round/>
+                      <a:headEnd type="none" w="med" len="med"/>
+                      <a:tailEnd type="none" w="med" len="med"/>
+                    </a:lnL>
+                  </a:tcPr>
+                </a:tc>
+                <a:tc>
+                  <a:txBody>
+                    <a:bodyPr/>
+                    <a:lstStyle/>
+                    <a:p>
+                      <a:r>
+                        <a:rPr lang="nl-BE" dirty="0"/>
+                        <a:t>HS</a:t>
+                      </a:r>
+                    </a:p>
+                  </a:txBody>
+                  <a:tcPr/>
+                </a:tc>
+                <a:tc>
+                  <a:txBody>
+                    <a:bodyPr/>
+                    <a:lstStyle/>
+                    <a:p>
+                      <a:r>
+                        <a:rPr lang="nl-BE" dirty="0"/>
+                        <a:t>HS</a:t>
+                      </a:r>
+                    </a:p>
+                  </a:txBody>
+                  <a:tcPr/>
+                </a:tc>
+                <a:tc>
+                  <a:txBody>
+                    <a:bodyPr/>
+                    <a:lstStyle/>
+                    <a:p>
+                      <a:r>
+                        <a:rPr lang="nl-BE" dirty="0"/>
+                        <a:t>HS</a:t>
+                      </a:r>
+                    </a:p>
+                  </a:txBody>
+                  <a:tcPr/>
+                </a:tc>
+                <a:tc>
+                  <a:txBody>
+                    <a:bodyPr/>
+                    <a:lstStyle/>
+                    <a:p>
+                      <a:r>
+                        <a:rPr lang="nl-BE" dirty="0"/>
+                        <a:t>HS</a:t>
+                      </a:r>
+                    </a:p>
+                  </a:txBody>
+                  <a:tcPr>
+                    <a:lnR w="12700" cap="flat" cmpd="sng" algn="ctr">
+                      <a:solidFill>
+                        <a:schemeClr val="tx1"/>
+                      </a:solidFill>
+                      <a:prstDash val="solid"/>
+                      <a:round/>
+                      <a:headEnd type="none" w="med" len="med"/>
+                      <a:tailEnd type="none" w="med" len="med"/>
+                    </a:lnR>
+                  </a:tcPr>
+                </a:tc>
+                <a:extLst>
+                  <a:ext uri="{0D108BD9-81ED-4DB2-BD59-A6C34878D82A}">
+                    <a16:rowId xmlns:a16="http://schemas.microsoft.com/office/drawing/2014/main" val="4081416973"/>
+                  </a:ext>
+                </a:extLst>
+              </a:tr>
+              <a:tr h="370840">
+                <a:tc>
+                  <a:txBody>
+                    <a:bodyPr/>
+                    <a:lstStyle/>
+                    <a:p>
+                      <a:pPr marL="0" marR="0" lvl="0" indent="0" algn="l" defTabSz="914400" rtl="0" eaLnBrk="1" fontAlgn="auto" latinLnBrk="0" hangingPunct="1">
+                        <a:lnSpc>
+                          <a:spcPct val="100000"/>
+                        </a:lnSpc>
+                        <a:spcBef>
+                          <a:spcPts val="0"/>
+                        </a:spcBef>
+                        <a:spcAft>
+                          <a:spcPts val="0"/>
+                        </a:spcAft>
+                        <a:buClrTx/>
+                        <a:buSzTx/>
+                        <a:buFontTx/>
+                        <a:buNone/>
+                        <a:tabLst/>
+                        <a:defRPr/>
+                      </a:pPr>
+                      <a:r>
+                        <a:rPr lang="nl-BE" dirty="0"/>
+                        <a:t>Philippe </a:t>
+                      </a:r>
+                      <a:r>
+                        <a:rPr lang="nl-BE" dirty="0" err="1"/>
+                        <a:t>Laffineur</a:t>
+                      </a:r>
+                      <a:endParaRPr lang="nl-BE" dirty="0"/>
+                    </a:p>
+                  </a:txBody>
+                  <a:tcPr>
+                    <a:lnL w="12700" cap="flat" cmpd="sng" algn="ctr">
+                      <a:solidFill>
+                        <a:schemeClr val="tx1"/>
+                      </a:solidFill>
+                      <a:prstDash val="solid"/>
+                      <a:round/>
+                      <a:headEnd type="none" w="med" len="med"/>
+                      <a:tailEnd type="none" w="med" len="med"/>
+                    </a:lnL>
+                  </a:tcPr>
+                </a:tc>
+                <a:tc>
+                  <a:txBody>
+                    <a:bodyPr/>
+                    <a:lstStyle/>
+                    <a:p>
+                      <a:r>
+                        <a:rPr lang="nl-BE" dirty="0"/>
+                        <a:t>Report</a:t>
+                      </a:r>
+                    </a:p>
+                  </a:txBody>
+                  <a:tcPr/>
+                </a:tc>
+                <a:tc>
+                  <a:txBody>
+                    <a:bodyPr/>
+                    <a:lstStyle/>
+                    <a:p>
+                      <a:r>
+                        <a:rPr lang="nl-BE" dirty="0"/>
+                        <a:t>Report</a:t>
+                      </a:r>
+                    </a:p>
+                  </a:txBody>
+                  <a:tcPr/>
+                </a:tc>
+                <a:tc>
+                  <a:txBody>
+                    <a:bodyPr/>
+                    <a:lstStyle/>
+                    <a:p>
+                      <a:r>
+                        <a:rPr lang="nl-BE" dirty="0"/>
+                        <a:t>Report</a:t>
+                      </a:r>
+                    </a:p>
+                  </a:txBody>
+                  <a:tcPr/>
+                </a:tc>
+                <a:tc>
+                  <a:txBody>
+                    <a:bodyPr/>
+                    <a:lstStyle/>
+                    <a:p>
+                      <a:r>
+                        <a:rPr lang="nl-BE" dirty="0"/>
+                        <a:t>Report</a:t>
+                      </a:r>
+                    </a:p>
+                  </a:txBody>
+                  <a:tcPr>
+                    <a:lnR w="12700" cap="flat" cmpd="sng" algn="ctr">
+                      <a:solidFill>
+                        <a:schemeClr val="tx1"/>
+                      </a:solidFill>
+                      <a:prstDash val="solid"/>
+                      <a:round/>
+                      <a:headEnd type="none" w="med" len="med"/>
+                      <a:tailEnd type="none" w="med" len="med"/>
+                    </a:lnR>
+                  </a:tcPr>
+                </a:tc>
+                <a:extLst>
+                  <a:ext uri="{0D108BD9-81ED-4DB2-BD59-A6C34878D82A}">
+                    <a16:rowId xmlns:a16="http://schemas.microsoft.com/office/drawing/2014/main" val="4226429342"/>
+                  </a:ext>
+                </a:extLst>
+              </a:tr>
+              <a:tr h="370840">
+                <a:tc>
+                  <a:txBody>
+                    <a:bodyPr/>
+                    <a:lstStyle/>
+                    <a:p>
+                      <a:pPr marL="0" marR="0" lvl="0" indent="0" algn="l" defTabSz="914400" rtl="0" eaLnBrk="1" fontAlgn="auto" latinLnBrk="0" hangingPunct="1">
+                        <a:lnSpc>
+                          <a:spcPct val="100000"/>
+                        </a:lnSpc>
+                        <a:spcBef>
+                          <a:spcPts val="0"/>
+                        </a:spcBef>
+                        <a:spcAft>
+                          <a:spcPts val="0"/>
+                        </a:spcAft>
+                        <a:buClrTx/>
+                        <a:buSzTx/>
+                        <a:buFontTx/>
+                        <a:buNone/>
+                        <a:tabLst/>
+                        <a:defRPr/>
+                      </a:pPr>
+                      <a:r>
+                        <a:rPr lang="nl-BE" dirty="0" err="1"/>
+                        <a:t>Tjorben</a:t>
+                      </a:r>
+                      <a:r>
+                        <a:rPr lang="nl-BE" dirty="0"/>
+                        <a:t> </a:t>
+                      </a:r>
+                      <a:r>
+                        <a:rPr lang="nl-BE" dirty="0" err="1"/>
+                        <a:t>Godeau</a:t>
+                      </a:r>
+                      <a:endParaRPr lang="nl-BE" dirty="0"/>
+                    </a:p>
+                  </a:txBody>
+                  <a:tcPr>
+                    <a:lnL w="12700" cap="flat" cmpd="sng" algn="ctr">
+                      <a:solidFill>
+                        <a:schemeClr val="tx1"/>
+                      </a:solidFill>
+                      <a:prstDash val="solid"/>
+                      <a:round/>
+                      <a:headEnd type="none" w="med" len="med"/>
+                      <a:tailEnd type="none" w="med" len="med"/>
+                    </a:lnL>
+                    <a:lnB w="12700" cap="flat" cmpd="sng" algn="ctr">
+                      <a:solidFill>
+                        <a:schemeClr val="tx1"/>
+                      </a:solidFill>
+                      <a:prstDash val="solid"/>
+                      <a:round/>
+                      <a:headEnd type="none" w="med" len="med"/>
+                      <a:tailEnd type="none" w="med" len="med"/>
+                    </a:lnB>
+                  </a:tcPr>
+                </a:tc>
+                <a:tc>
+                  <a:txBody>
+                    <a:bodyPr/>
+                    <a:lstStyle/>
+                    <a:p>
+                      <a:r>
+                        <a:rPr lang="nl-BE" dirty="0"/>
+                        <a:t>Report</a:t>
+                      </a:r>
+                    </a:p>
+                  </a:txBody>
+                  <a:tcPr>
+                    <a:lnB w="12700" cap="flat" cmpd="sng" algn="ctr">
+                      <a:solidFill>
+                        <a:schemeClr val="tx1"/>
+                      </a:solidFill>
+                      <a:prstDash val="solid"/>
+                      <a:round/>
+                      <a:headEnd type="none" w="med" len="med"/>
+                      <a:tailEnd type="none" w="med" len="med"/>
+                    </a:lnB>
+                  </a:tcPr>
+                </a:tc>
+                <a:tc>
+                  <a:txBody>
+                    <a:bodyPr/>
+                    <a:lstStyle/>
+                    <a:p>
+                      <a:r>
+                        <a:rPr lang="nl-BE" dirty="0"/>
+                        <a:t>Report</a:t>
+                      </a:r>
+                    </a:p>
+                  </a:txBody>
+                  <a:tcPr>
+                    <a:lnB w="12700" cap="flat" cmpd="sng" algn="ctr">
+                      <a:solidFill>
+                        <a:schemeClr val="tx1"/>
+                      </a:solidFill>
+                      <a:prstDash val="solid"/>
+                      <a:round/>
+                      <a:headEnd type="none" w="med" len="med"/>
+                      <a:tailEnd type="none" w="med" len="med"/>
+                    </a:lnB>
+                  </a:tcPr>
+                </a:tc>
+                <a:tc>
+                  <a:txBody>
+                    <a:bodyPr/>
+                    <a:lstStyle/>
+                    <a:p>
+                      <a:r>
+                        <a:rPr lang="nl-BE" dirty="0"/>
+                        <a:t>Report</a:t>
+                      </a:r>
+                    </a:p>
+                  </a:txBody>
+                  <a:tcPr>
+                    <a:lnB w="12700" cap="flat" cmpd="sng" algn="ctr">
+                      <a:solidFill>
+                        <a:schemeClr val="tx1"/>
+                      </a:solidFill>
+                      <a:prstDash val="solid"/>
+                      <a:round/>
+                      <a:headEnd type="none" w="med" len="med"/>
+                      <a:tailEnd type="none" w="med" len="med"/>
+                    </a:lnB>
+                  </a:tcPr>
+                </a:tc>
+                <a:tc>
+                  <a:txBody>
+                    <a:bodyPr/>
+                    <a:lstStyle/>
+                    <a:p>
+                      <a:r>
+                        <a:rPr lang="nl-BE" dirty="0"/>
+                        <a:t>Report</a:t>
+                      </a:r>
+                    </a:p>
+                  </a:txBody>
+                  <a:tcPr>
+                    <a:lnR w="12700" cap="flat" cmpd="sng" algn="ctr">
+                      <a:solidFill>
+                        <a:schemeClr val="tx1"/>
+                      </a:solidFill>
+                      <a:prstDash val="solid"/>
+                      <a:round/>
+                      <a:headEnd type="none" w="med" len="med"/>
+                      <a:tailEnd type="none" w="med" len="med"/>
+                    </a:lnR>
+                    <a:lnB w="12700" cap="flat" cmpd="sng" algn="ctr">
+                      <a:solidFill>
+                        <a:schemeClr val="tx1"/>
+                      </a:solidFill>
+                      <a:prstDash val="solid"/>
+                      <a:round/>
+                      <a:headEnd type="none" w="med" len="med"/>
+                      <a:tailEnd type="none" w="med" len="med"/>
+                    </a:lnB>
+                  </a:tcPr>
+                </a:tc>
+                <a:extLst>
+                  <a:ext uri="{0D108BD9-81ED-4DB2-BD59-A6C34878D82A}">
+                    <a16:rowId xmlns:a16="http://schemas.microsoft.com/office/drawing/2014/main" val="3156394708"/>
+                  </a:ext>
+                </a:extLst>
+              </a:tr>
+            </a:tbl>
+          </a:graphicData>
+        </a:graphic>
+      </p:graphicFrame>
+      <p:sp>
+        <p:nvSpPr>
+          <p:cNvPr id="10" name="Rectangle 8"/>
+          <p:cNvSpPr>
+            <a:spLocks noChangeArrowheads="1"/>
+          </p:cNvSpPr>
+          <p:nvPr/>
+        </p:nvSpPr>
+        <p:spPr bwMode="auto">
+          <a:xfrm>
+            <a:off x="576000" y="3212786"/>
+            <a:ext cx="11311200" cy="304800"/>
+          </a:xfrm>
+          <a:prstGeom prst="rect">
+            <a:avLst/>
+          </a:prstGeom>
+          <a:solidFill>
+            <a:schemeClr val="tx2">
+              <a:lumMod val="75000"/>
+            </a:schemeClr>
+          </a:solidFill>
+          <a:ln w="9525">
+            <a:solidFill>
+              <a:srgbClr val="333333"/>
+            </a:solidFill>
+            <a:miter lim="800000"/>
+            <a:headEnd/>
+            <a:tailEnd/>
+          </a:ln>
+          <a:effectLst/>
+        </p:spPr>
+        <p:txBody>
+          <a:bodyPr wrap="none" anchor="ctr"/>
+          <a:lstStyle/>
+          <a:p>
+            <a:r>
+              <a:rPr lang="en-US" altLang="nl-BE" sz="1400" b="1" dirty="0" err="1">
+                <a:solidFill>
+                  <a:schemeClr val="bg1"/>
+                </a:solidFill>
+                <a:latin typeface="Verdana" panose="020B0604030504040204" pitchFamily="34" charset="0"/>
+              </a:rPr>
+              <a:t>Uitgevoerde</a:t>
+            </a:r>
+            <a:r>
+              <a:rPr lang="en-US" altLang="nl-BE" sz="1400" b="1" dirty="0">
+                <a:solidFill>
+                  <a:schemeClr val="bg1"/>
+                </a:solidFill>
+                <a:latin typeface="Verdana" panose="020B0604030504040204" pitchFamily="34" charset="0"/>
+              </a:rPr>
+              <a:t> taken </a:t>
+            </a:r>
+            <a:r>
+              <a:rPr lang="en-US" altLang="nl-BE" sz="1400" b="1" dirty="0" err="1">
+                <a:solidFill>
+                  <a:schemeClr val="bg1"/>
+                </a:solidFill>
+                <a:latin typeface="Verdana" panose="020B0604030504040204" pitchFamily="34" charset="0"/>
+              </a:rPr>
+              <a:t>tijdens</a:t>
+            </a:r>
+            <a:r>
+              <a:rPr lang="en-US" altLang="nl-BE" sz="1400" b="1" dirty="0">
+                <a:solidFill>
+                  <a:schemeClr val="bg1"/>
+                </a:solidFill>
+                <a:latin typeface="Verdana" panose="020B0604030504040204" pitchFamily="34" charset="0"/>
+              </a:rPr>
+              <a:t> </a:t>
+            </a:r>
+            <a:r>
+              <a:rPr lang="en-US" altLang="nl-BE" sz="1400" b="1" dirty="0" err="1">
+                <a:solidFill>
+                  <a:schemeClr val="bg1"/>
+                </a:solidFill>
+                <a:latin typeface="Verdana" panose="020B0604030504040204" pitchFamily="34" charset="0"/>
+              </a:rPr>
+              <a:t>teamzitting</a:t>
+            </a:r>
+            <a:endParaRPr lang="en-US" altLang="nl-BE" sz="1400" b="1" dirty="0">
+              <a:solidFill>
+                <a:schemeClr val="bg1"/>
+              </a:solidFill>
+              <a:latin typeface="Verdana" panose="020B0604030504040204" pitchFamily="34" charset="0"/>
+            </a:endParaRPr>
+          </a:p>
+        </p:txBody>
+      </p:sp>
+      <p:sp>
+        <p:nvSpPr>
+          <p:cNvPr id="11" name="Rectangle 7"/>
+          <p:cNvSpPr>
+            <a:spLocks noChangeArrowheads="1"/>
+          </p:cNvSpPr>
+          <p:nvPr/>
+        </p:nvSpPr>
+        <p:spPr bwMode="auto">
+          <a:xfrm>
+            <a:off x="6946320" y="695718"/>
+            <a:ext cx="4940880" cy="1018404"/>
+          </a:xfrm>
+          <a:prstGeom prst="rect">
+            <a:avLst/>
+          </a:prstGeom>
+          <a:noFill/>
+          <a:ln w="9525">
+            <a:solidFill>
+              <a:srgbClr val="333333"/>
+            </a:solidFill>
+            <a:miter lim="800000"/>
+            <a:headEnd/>
+            <a:tailEnd/>
+          </a:ln>
+          <a:effectLst/>
+          <a:extLst>
+            <a:ext uri="{909E8E84-426E-40DD-AFC4-6F175D3DCCD1}">
+              <a14:hiddenFill xmlns:a14="http://schemas.microsoft.com/office/drawing/2010/main">
+                <a:solidFill>
+                  <a:schemeClr val="accent1"/>
+                </a:solidFill>
+              </a14:hiddenFill>
+            </a:ext>
+            <a:ext uri="{AF507438-7753-43E0-B8FC-AC1667EBCBE1}">
+              <a14:hiddenEffects xmlns:a14="http://schemas.microsoft.com/office/drawing/2010/main">
+                <a:effectLst>
+                  <a:outerShdw dist="35921" dir="2700000" algn="ctr" rotWithShape="0">
+                    <a:schemeClr val="bg2"/>
+                  </a:outerShdw>
+                </a:effectLst>
+              </a14:hiddenEffects>
+            </a:ext>
+          </a:extLst>
+        </p:spPr>
+        <p:txBody>
+          <a:bodyPr wrap="none" anchor="ctr"/>
+          <a:lstStyle/>
+          <a:p>
+            <a:endParaRPr lang="nl-BE"/>
+          </a:p>
+        </p:txBody>
+      </p:sp>
+      <p:sp>
+        <p:nvSpPr>
+          <p:cNvPr id="12" name="Rectangle 8"/>
+          <p:cNvSpPr>
+            <a:spLocks noChangeArrowheads="1"/>
+          </p:cNvSpPr>
+          <p:nvPr/>
+        </p:nvSpPr>
+        <p:spPr bwMode="auto">
+          <a:xfrm>
+            <a:off x="6946320" y="695718"/>
+            <a:ext cx="4940880" cy="304800"/>
+          </a:xfrm>
+          <a:prstGeom prst="rect">
+            <a:avLst/>
+          </a:prstGeom>
+          <a:solidFill>
+            <a:schemeClr val="tx2">
+              <a:lumMod val="75000"/>
+            </a:schemeClr>
+          </a:solidFill>
+          <a:ln w="9525">
+            <a:solidFill>
+              <a:srgbClr val="333333"/>
+            </a:solidFill>
+            <a:miter lim="800000"/>
+            <a:headEnd/>
+            <a:tailEnd/>
+          </a:ln>
+          <a:effectLst/>
+        </p:spPr>
+        <p:txBody>
+          <a:bodyPr wrap="none" anchor="ctr"/>
+          <a:lstStyle/>
+          <a:p>
+            <a:r>
+              <a:rPr lang="en-US" altLang="nl-BE" sz="1400" b="1" dirty="0" err="1">
+                <a:solidFill>
+                  <a:schemeClr val="bg1"/>
+                </a:solidFill>
+                <a:latin typeface="Verdana" panose="020B0604030504040204" pitchFamily="34" charset="0"/>
+              </a:rPr>
+              <a:t>Voltooide</a:t>
+            </a:r>
+            <a:r>
+              <a:rPr lang="en-US" altLang="nl-BE" sz="1400" b="1" dirty="0">
+                <a:solidFill>
+                  <a:schemeClr val="bg1"/>
+                </a:solidFill>
+                <a:latin typeface="Verdana" panose="020B0604030504040204" pitchFamily="34" charset="0"/>
+              </a:rPr>
+              <a:t> </a:t>
+            </a:r>
+            <a:r>
+              <a:rPr lang="en-US" altLang="nl-BE" sz="1400" b="1" dirty="0" err="1">
+                <a:solidFill>
+                  <a:schemeClr val="bg1"/>
+                </a:solidFill>
+                <a:latin typeface="Verdana" panose="020B0604030504040204" pitchFamily="34" charset="0"/>
+              </a:rPr>
+              <a:t>acties</a:t>
+            </a:r>
+            <a:r>
+              <a:rPr lang="en-US" altLang="nl-BE" sz="1400" b="1" dirty="0">
+                <a:solidFill>
+                  <a:schemeClr val="bg1"/>
+                </a:solidFill>
+                <a:latin typeface="Verdana" panose="020B0604030504040204" pitchFamily="34" charset="0"/>
+              </a:rPr>
+              <a:t> – </a:t>
+            </a:r>
+            <a:r>
+              <a:rPr lang="en-US" altLang="nl-BE" sz="1400" b="1" dirty="0" err="1">
+                <a:solidFill>
+                  <a:schemeClr val="bg1"/>
+                </a:solidFill>
+                <a:latin typeface="Verdana" panose="020B0604030504040204" pitchFamily="34" charset="0"/>
+              </a:rPr>
+              <a:t>mijlpalen</a:t>
+            </a:r>
+            <a:endParaRPr lang="en-US" altLang="nl-BE" sz="1400" b="1" dirty="0">
+              <a:solidFill>
+                <a:schemeClr val="bg1"/>
+              </a:solidFill>
+              <a:latin typeface="Verdana" panose="020B0604030504040204" pitchFamily="34" charset="0"/>
+            </a:endParaRPr>
+          </a:p>
+        </p:txBody>
+      </p:sp>
+      <p:sp>
+        <p:nvSpPr>
+          <p:cNvPr id="13" name="Rectangle 20"/>
+          <p:cNvSpPr>
+            <a:spLocks noChangeArrowheads="1"/>
+          </p:cNvSpPr>
+          <p:nvPr/>
+        </p:nvSpPr>
+        <p:spPr bwMode="auto">
+          <a:xfrm>
+            <a:off x="6946320" y="1000518"/>
+            <a:ext cx="4940880" cy="713604"/>
+          </a:xfrm>
+          <a:prstGeom prst="rect">
+            <a:avLst/>
+          </a:prstGeom>
+          <a:noFill/>
+          <a:ln>
+            <a:noFill/>
+          </a:ln>
+          <a:effectLst/>
+          <a:extLst>
+            <a:ext uri="{909E8E84-426E-40DD-AFC4-6F175D3DCCD1}">
+              <a14:hiddenFill xmlns:a14="http://schemas.microsoft.com/office/drawing/2010/main">
+                <a:solidFill>
+                  <a:srgbClr val="333333"/>
+                </a:solidFill>
+              </a14:hiddenFill>
+            </a:ext>
+            <a:ext uri="{91240B29-F687-4F45-9708-019B960494DF}">
+              <a14:hiddenLine xmlns:a14="http://schemas.microsoft.com/office/drawing/2010/main" w="9525">
+                <a:solidFill>
+                  <a:srgbClr val="333333"/>
+                </a:solidFill>
+                <a:miter lim="800000"/>
+                <a:headEnd/>
+                <a:tailEnd/>
+              </a14:hiddenLine>
+            </a:ext>
+            <a:ext uri="{AF507438-7753-43E0-B8FC-AC1667EBCBE1}">
+              <a14:hiddenEffects xmlns:a14="http://schemas.microsoft.com/office/drawing/2010/main">
+                <a:effectLst>
+                  <a:outerShdw dist="35921" dir="2700000" algn="ctr" rotWithShape="0">
+                    <a:schemeClr val="bg2"/>
+                  </a:outerShdw>
+                </a:effectLst>
+              </a14:hiddenEffects>
+            </a:ext>
+          </a:extLst>
+        </p:spPr>
+        <p:txBody>
+          <a:bodyPr wrap="none"/>
+          <a:lstStyle/>
+          <a:p>
+            <a:endParaRPr lang="en-US" altLang="nl-BE" sz="1200" dirty="0">
+              <a:solidFill>
+                <a:srgbClr val="333333"/>
+              </a:solidFill>
+              <a:latin typeface="Verdana" panose="020B0604030504040204" pitchFamily="34" charset="0"/>
+            </a:endParaRPr>
+          </a:p>
+        </p:txBody>
+      </p:sp>
+      <p:sp>
+        <p:nvSpPr>
+          <p:cNvPr id="14" name="Rectangle 7"/>
+          <p:cNvSpPr>
+            <a:spLocks noChangeArrowheads="1"/>
+          </p:cNvSpPr>
+          <p:nvPr/>
+        </p:nvSpPr>
+        <p:spPr bwMode="auto">
+          <a:xfrm>
+            <a:off x="6946320" y="1901580"/>
+            <a:ext cx="4940880" cy="1018404"/>
+          </a:xfrm>
+          <a:prstGeom prst="rect">
+            <a:avLst/>
+          </a:prstGeom>
+          <a:noFill/>
+          <a:ln w="9525">
+            <a:solidFill>
+              <a:srgbClr val="333333"/>
+            </a:solidFill>
+            <a:miter lim="800000"/>
+            <a:headEnd/>
+            <a:tailEnd/>
+          </a:ln>
+          <a:effectLst/>
+          <a:extLst>
+            <a:ext uri="{909E8E84-426E-40DD-AFC4-6F175D3DCCD1}">
+              <a14:hiddenFill xmlns:a14="http://schemas.microsoft.com/office/drawing/2010/main">
+                <a:solidFill>
+                  <a:schemeClr val="accent1"/>
+                </a:solidFill>
+              </a14:hiddenFill>
+            </a:ext>
+            <a:ext uri="{AF507438-7753-43E0-B8FC-AC1667EBCBE1}">
+              <a14:hiddenEffects xmlns:a14="http://schemas.microsoft.com/office/drawing/2010/main">
+                <a:effectLst>
+                  <a:outerShdw dist="35921" dir="2700000" algn="ctr" rotWithShape="0">
+                    <a:schemeClr val="bg2"/>
+                  </a:outerShdw>
+                </a:effectLst>
+              </a14:hiddenEffects>
+            </a:ext>
+          </a:extLst>
+        </p:spPr>
+        <p:txBody>
+          <a:bodyPr wrap="none" anchor="ctr"/>
+          <a:lstStyle/>
+          <a:p>
+            <a:endParaRPr lang="nl-BE"/>
+          </a:p>
+        </p:txBody>
+      </p:sp>
+      <p:sp>
+        <p:nvSpPr>
+          <p:cNvPr id="15" name="Rectangle 8"/>
+          <p:cNvSpPr>
+            <a:spLocks noChangeArrowheads="1"/>
+          </p:cNvSpPr>
+          <p:nvPr/>
+        </p:nvSpPr>
+        <p:spPr bwMode="auto">
+          <a:xfrm>
+            <a:off x="6946320" y="1901580"/>
+            <a:ext cx="4940880" cy="304800"/>
+          </a:xfrm>
+          <a:prstGeom prst="rect">
+            <a:avLst/>
+          </a:prstGeom>
+          <a:solidFill>
+            <a:schemeClr val="tx2">
+              <a:lumMod val="75000"/>
+            </a:schemeClr>
+          </a:solidFill>
+          <a:ln w="9525">
+            <a:solidFill>
+              <a:srgbClr val="333333"/>
+            </a:solidFill>
+            <a:miter lim="800000"/>
+            <a:headEnd/>
+            <a:tailEnd/>
+          </a:ln>
+          <a:effectLst/>
+        </p:spPr>
+        <p:txBody>
+          <a:bodyPr wrap="none" anchor="ctr"/>
+          <a:lstStyle/>
+          <a:p>
+            <a:r>
+              <a:rPr lang="en-US" altLang="nl-BE" sz="1400" b="1" dirty="0" err="1">
+                <a:solidFill>
+                  <a:schemeClr val="bg1"/>
+                </a:solidFill>
+                <a:latin typeface="Verdana" panose="020B0604030504040204" pitchFamily="34" charset="0"/>
+              </a:rPr>
+              <a:t>Lopende</a:t>
+            </a:r>
+            <a:r>
+              <a:rPr lang="en-US" altLang="nl-BE" sz="1400" b="1" dirty="0">
+                <a:solidFill>
+                  <a:schemeClr val="bg1"/>
+                </a:solidFill>
+                <a:latin typeface="Verdana" panose="020B0604030504040204" pitchFamily="34" charset="0"/>
+              </a:rPr>
+              <a:t> </a:t>
+            </a:r>
+            <a:r>
+              <a:rPr lang="en-US" altLang="nl-BE" sz="1400" b="1" dirty="0" err="1">
+                <a:solidFill>
+                  <a:schemeClr val="bg1"/>
+                </a:solidFill>
+                <a:latin typeface="Verdana" panose="020B0604030504040204" pitchFamily="34" charset="0"/>
+              </a:rPr>
+              <a:t>acties</a:t>
+            </a:r>
+            <a:r>
+              <a:rPr lang="en-US" altLang="nl-BE" sz="1400" b="1" dirty="0">
+                <a:solidFill>
+                  <a:schemeClr val="bg1"/>
+                </a:solidFill>
+                <a:latin typeface="Verdana" panose="020B0604030504040204" pitchFamily="34" charset="0"/>
+              </a:rPr>
+              <a:t> – </a:t>
+            </a:r>
+            <a:r>
+              <a:rPr lang="en-US" altLang="nl-BE" sz="1400" b="1" dirty="0" err="1">
+                <a:solidFill>
+                  <a:schemeClr val="bg1"/>
+                </a:solidFill>
+                <a:latin typeface="Verdana" panose="020B0604030504040204" pitchFamily="34" charset="0"/>
+              </a:rPr>
+              <a:t>volgende</a:t>
+            </a:r>
+            <a:r>
+              <a:rPr lang="en-US" altLang="nl-BE" sz="1400" b="1" dirty="0">
+                <a:solidFill>
+                  <a:schemeClr val="bg1"/>
+                </a:solidFill>
+                <a:latin typeface="Verdana" panose="020B0604030504040204" pitchFamily="34" charset="0"/>
+              </a:rPr>
+              <a:t> </a:t>
+            </a:r>
+            <a:r>
+              <a:rPr lang="en-US" altLang="nl-BE" sz="1400" b="1" dirty="0" err="1">
+                <a:solidFill>
+                  <a:schemeClr val="bg1"/>
+                </a:solidFill>
+                <a:latin typeface="Verdana" panose="020B0604030504040204" pitchFamily="34" charset="0"/>
+              </a:rPr>
+              <a:t>stappen</a:t>
+            </a:r>
+            <a:endParaRPr lang="en-US" altLang="nl-BE" sz="1400" b="1" dirty="0">
+              <a:solidFill>
+                <a:schemeClr val="bg1"/>
+              </a:solidFill>
+              <a:latin typeface="Verdana" panose="020B0604030504040204" pitchFamily="34" charset="0"/>
+            </a:endParaRPr>
+          </a:p>
+        </p:txBody>
+      </p:sp>
+      <p:sp>
+        <p:nvSpPr>
+          <p:cNvPr id="16" name="Rectangle 20"/>
+          <p:cNvSpPr>
+            <a:spLocks noChangeArrowheads="1"/>
+          </p:cNvSpPr>
+          <p:nvPr/>
+        </p:nvSpPr>
+        <p:spPr bwMode="auto">
+          <a:xfrm>
+            <a:off x="6946320" y="2206380"/>
+            <a:ext cx="4940880" cy="713604"/>
+          </a:xfrm>
+          <a:prstGeom prst="rect">
+            <a:avLst/>
+          </a:prstGeom>
+          <a:noFill/>
+          <a:ln>
+            <a:noFill/>
+          </a:ln>
+          <a:effectLst/>
+          <a:extLst>
+            <a:ext uri="{909E8E84-426E-40DD-AFC4-6F175D3DCCD1}">
+              <a14:hiddenFill xmlns:a14="http://schemas.microsoft.com/office/drawing/2010/main">
+                <a:solidFill>
+                  <a:srgbClr val="333333"/>
+                </a:solidFill>
+              </a14:hiddenFill>
+            </a:ext>
+            <a:ext uri="{91240B29-F687-4F45-9708-019B960494DF}">
+              <a14:hiddenLine xmlns:a14="http://schemas.microsoft.com/office/drawing/2010/main" w="9525">
+                <a:solidFill>
+                  <a:srgbClr val="333333"/>
+                </a:solidFill>
+                <a:miter lim="800000"/>
+                <a:headEnd/>
+                <a:tailEnd/>
+              </a14:hiddenLine>
+            </a:ext>
+            <a:ext uri="{AF507438-7753-43E0-B8FC-AC1667EBCBE1}">
+              <a14:hiddenEffects xmlns:a14="http://schemas.microsoft.com/office/drawing/2010/main">
+                <a:effectLst>
+                  <a:outerShdw dist="35921" dir="2700000" algn="ctr" rotWithShape="0">
+                    <a:schemeClr val="bg2"/>
+                  </a:outerShdw>
+                </a:effectLst>
+              </a14:hiddenEffects>
+            </a:ext>
+          </a:extLst>
+        </p:spPr>
+        <p:txBody>
+          <a:bodyPr wrap="none"/>
+          <a:lstStyle/>
+          <a:p>
+            <a:pPr>
+              <a:buFontTx/>
+              <a:buChar char="•"/>
+            </a:pPr>
+            <a:r>
+              <a:rPr lang="en-US" altLang="nl-BE" sz="1200" dirty="0">
+                <a:solidFill>
+                  <a:srgbClr val="333333"/>
+                </a:solidFill>
+                <a:latin typeface="Verdana" panose="020B0604030504040204" pitchFamily="34" charset="0"/>
+              </a:rPr>
+              <a:t> Interim report</a:t>
+            </a:r>
+          </a:p>
+          <a:p>
+            <a:pPr>
+              <a:buFontTx/>
+              <a:buChar char="•"/>
+            </a:pPr>
+            <a:r>
+              <a:rPr lang="en-US" altLang="nl-BE" sz="1200" dirty="0">
+                <a:solidFill>
+                  <a:srgbClr val="333333"/>
+                </a:solidFill>
+                <a:latin typeface="Verdana" panose="020B0604030504040204" pitchFamily="34" charset="0"/>
+              </a:rPr>
+              <a:t> Face Tracking</a:t>
+            </a:r>
+          </a:p>
+          <a:p>
+            <a:endParaRPr lang="en-US" altLang="nl-BE" sz="1200" dirty="0">
+              <a:solidFill>
+                <a:srgbClr val="333333"/>
+              </a:solidFill>
+              <a:latin typeface="Verdana" panose="020B0604030504040204" pitchFamily="34" charset="0"/>
+            </a:endParaRPr>
+          </a:p>
+          <a:p>
+            <a:pPr>
+              <a:buFontTx/>
+              <a:buChar char="•"/>
+            </a:pPr>
+            <a:endParaRPr lang="en-US" altLang="nl-BE" sz="1200" dirty="0">
+              <a:solidFill>
+                <a:srgbClr val="333333"/>
+              </a:solidFill>
+              <a:latin typeface="Verdana" panose="020B0604030504040204" pitchFamily="34" charset="0"/>
+            </a:endParaRPr>
+          </a:p>
+        </p:txBody>
+      </p:sp>
+    </p:spTree>
+    <p:extLst>
+      <p:ext uri="{BB962C8B-B14F-4D97-AF65-F5344CB8AC3E}">
+        <p14:creationId xmlns:p14="http://schemas.microsoft.com/office/powerpoint/2010/main" val="3383000148"/>
       </p:ext>
     </p:extLst>
   </p:cSld>

--- a/logboek_ESAT9A1.pptx
+++ b/logboek_ESAT9A1.pptx
@@ -15034,7 +15034,7 @@
           <p:nvPr>
             <p:extLst>
               <p:ext uri="{D42A27DB-BD31-4B8C-83A1-F6EECF244321}">
-                <p14:modId xmlns:p14="http://schemas.microsoft.com/office/powerpoint/2010/main" val="876649925"/>
+                <p14:modId xmlns:p14="http://schemas.microsoft.com/office/powerpoint/2010/main" val="3988860992"/>
               </p:ext>
             </p:extLst>
           </p:nvPr>
@@ -15645,7 +15645,7 @@
                     <a:p>
                       <a:r>
                         <a:rPr lang="nl-BE" dirty="0"/>
-                        <a:t>HS</a:t>
+                        <a:t>FT</a:t>
                       </a:r>
                     </a:p>
                   </a:txBody>
@@ -15658,7 +15658,7 @@
                     <a:p>
                       <a:r>
                         <a:rPr lang="nl-BE" dirty="0"/>
-                        <a:t>HS</a:t>
+                        <a:t>FT</a:t>
                       </a:r>
                     </a:p>
                   </a:txBody>
@@ -15671,7 +15671,7 @@
                     <a:p>
                       <a:r>
                         <a:rPr lang="nl-BE" dirty="0"/>
-                        <a:t>HS</a:t>
+                        <a:t>FT</a:t>
                       </a:r>
                     </a:p>
                   </a:txBody>
@@ -15683,9 +15683,10 @@
                     <a:lstStyle/>
                     <a:p>
                       <a:r>
-                        <a:rPr lang="nl-BE" dirty="0"/>
-                        <a:t>HS</a:t>
-                      </a:r>
+                        <a:rPr lang="nl-BE"/>
+                        <a:t>FT</a:t>
+                      </a:r>
+                      <a:endParaRPr lang="nl-BE" dirty="0"/>
                     </a:p>
                   </a:txBody>
                   <a:tcPr>

--- a/logboek_ESAT9A1.pptx
+++ b/logboek_ESAT9A1.pptx
@@ -6,10 +6,10 @@
     <p:sldMasterId id="2147483694" r:id="rId2"/>
   </p:sldMasterIdLst>
   <p:notesMasterIdLst>
-    <p:notesMasterId r:id="rId10"/>
+    <p:notesMasterId r:id="rId11"/>
   </p:notesMasterIdLst>
   <p:handoutMasterIdLst>
-    <p:handoutMasterId r:id="rId11"/>
+    <p:handoutMasterId r:id="rId12"/>
   </p:handoutMasterIdLst>
   <p:sldIdLst>
     <p:sldId id="261" r:id="rId3"/>
@@ -19,6 +19,7 @@
     <p:sldId id="265" r:id="rId7"/>
     <p:sldId id="266" r:id="rId8"/>
     <p:sldId id="267" r:id="rId9"/>
+    <p:sldId id="268" r:id="rId10"/>
   </p:sldIdLst>
   <p:sldSz cx="12192000" cy="6858000"/>
   <p:notesSz cx="6858000" cy="9144000"/>
@@ -210,7 +211,7 @@
           <a:p>
             <a:fld id="{8F591CCF-F6FD-734B-854A-5BC033593B1E}" type="datetimeFigureOut">
               <a:rPr lang="nl-NL" smtClean="0"/>
-              <a:t>20-10-2022</a:t>
+              <a:t>27-10-2022</a:t>
             </a:fld>
             <a:endParaRPr lang="nl-NL"/>
           </a:p>
@@ -375,7 +376,7 @@
           <a:p>
             <a:fld id="{23C66214-DB21-4647-B5DA-0D17CA592867}" type="datetimeFigureOut">
               <a:rPr lang="nl-NL" smtClean="0"/>
-              <a:t>20-10-2022</a:t>
+              <a:t>27-10-2022</a:t>
             </a:fld>
             <a:endParaRPr lang="nl-NL"/>
           </a:p>
@@ -1364,7 +1365,7 @@
           <a:p>
             <a:fld id="{32CB04F5-1DDB-433A-9F56-F69ABF3D82C1}" type="datetime1">
               <a:rPr lang="nl-BE" smtClean="0"/>
-              <a:t>20/10/2022</a:t>
+              <a:t>27/10/2022</a:t>
             </a:fld>
             <a:endParaRPr lang="nl-NL"/>
           </a:p>
@@ -1647,7 +1648,7 @@
           <a:p>
             <a:fld id="{105EA0AE-89F5-40F4-A8AC-2CFB7172A437}" type="datetime1">
               <a:rPr lang="nl-BE" smtClean="0"/>
-              <a:t>20/10/2022</a:t>
+              <a:t>27/10/2022</a:t>
             </a:fld>
             <a:endParaRPr lang="nl-NL"/>
           </a:p>
@@ -1977,7 +1978,7 @@
           <a:p>
             <a:fld id="{51F891C0-052E-4374-9F7B-8DF3098847EC}" type="datetime1">
               <a:rPr lang="nl-BE" smtClean="0"/>
-              <a:t>20/10/2022</a:t>
+              <a:t>27/10/2022</a:t>
             </a:fld>
             <a:endParaRPr lang="nl-NL"/>
           </a:p>
@@ -2297,7 +2298,7 @@
           <a:p>
             <a:fld id="{0BAB7CBA-08E0-4FB9-BBC7-B0F9EE30FC23}" type="datetime1">
               <a:rPr lang="nl-BE" smtClean="0"/>
-              <a:t>20/10/2022</a:t>
+              <a:t>27/10/2022</a:t>
             </a:fld>
             <a:endParaRPr lang="nl-NL" dirty="0"/>
           </a:p>
@@ -2618,7 +2619,7 @@
           <a:p>
             <a:fld id="{A9A41F9E-F395-4802-BA0E-A579FF58717F}" type="datetime1">
               <a:rPr lang="nl-BE" smtClean="0"/>
-              <a:t>20/10/2022</a:t>
+              <a:t>27/10/2022</a:t>
             </a:fld>
             <a:endParaRPr lang="nl-NL" dirty="0"/>
           </a:p>
@@ -2760,7 +2761,7 @@
           <a:p>
             <a:fld id="{2A8B9AD4-BDDB-4121-9EEE-D890BB11E687}" type="datetime1">
               <a:rPr lang="nl-BE" smtClean="0"/>
-              <a:t>20/10/2022</a:t>
+              <a:t>27/10/2022</a:t>
             </a:fld>
             <a:endParaRPr lang="nl-NL"/>
           </a:p>
@@ -3244,7 +3245,7 @@
           <a:p>
             <a:fld id="{8DC808CC-4EBF-4C64-BA9E-B07B99C9DB99}" type="datetime1">
               <a:rPr lang="nl-BE" smtClean="0"/>
-              <a:t>20/10/2022</a:t>
+              <a:t>27/10/2022</a:t>
             </a:fld>
             <a:endParaRPr lang="nl-NL" dirty="0"/>
           </a:p>
@@ -3365,7 +3366,7 @@
           <a:p>
             <a:fld id="{26609C90-ED50-42CD-B56C-68BF842A2B6A}" type="datetime1">
               <a:rPr lang="nl-BE" smtClean="0"/>
-              <a:t>20/10/2022</a:t>
+              <a:t>27/10/2022</a:t>
             </a:fld>
             <a:endParaRPr lang="nl-NL"/>
           </a:p>
@@ -3486,7 +3487,7 @@
           <a:p>
             <a:fld id="{F15E82AE-B9EE-446E-B46E-329ABC891749}" type="datetime1">
               <a:rPr lang="nl-BE" smtClean="0"/>
-              <a:t>20/10/2022</a:t>
+              <a:t>27/10/2022</a:t>
             </a:fld>
             <a:endParaRPr lang="nl-NL"/>
           </a:p>
@@ -3668,7 +3669,7 @@
           <a:p>
             <a:fld id="{4A7FDF18-BDCB-4338-9FA2-782F60A2E51C}" type="datetime1">
               <a:rPr lang="nl-BE" smtClean="0"/>
-              <a:t>20/10/2022</a:t>
+              <a:t>27/10/2022</a:t>
             </a:fld>
             <a:endParaRPr lang="nl-NL" dirty="0"/>
           </a:p>
@@ -3952,7 +3953,7 @@
           <a:p>
             <a:fld id="{E389F4DD-E9F0-454C-8CE7-299000EBA983}" type="datetime1">
               <a:rPr lang="nl-BE" smtClean="0"/>
-              <a:t>20/10/2022</a:t>
+              <a:t>27/10/2022</a:t>
             </a:fld>
             <a:endParaRPr lang="nl-NL" dirty="0"/>
           </a:p>
@@ -4593,7 +4594,7 @@
           <a:p>
             <a:fld id="{7F18BCE0-9917-41C7-AA76-58ADB721FDEC}" type="datetime1">
               <a:rPr lang="nl-BE" smtClean="0"/>
-              <a:t>20/10/2022</a:t>
+              <a:t>27/10/2022</a:t>
             </a:fld>
             <a:endParaRPr lang="nl-NL" dirty="0"/>
           </a:p>
@@ -16554,6 +16555,2080 @@
     <p:extLst>
       <p:ext uri="{BB962C8B-B14F-4D97-AF65-F5344CB8AC3E}">
         <p14:creationId xmlns:p14="http://schemas.microsoft.com/office/powerpoint/2010/main" val="3383000148"/>
+      </p:ext>
+    </p:extLst>
+  </p:cSld>
+  <p:clrMapOvr>
+    <a:masterClrMapping/>
+  </p:clrMapOvr>
+</p:sld>
+</file>
+
+<file path=ppt/slides/slide8.xml><?xml version="1.0" encoding="utf-8"?>
+<p:sld xmlns:a="http://schemas.openxmlformats.org/drawingml/2006/main" xmlns:r="http://schemas.openxmlformats.org/officeDocument/2006/relationships" xmlns:p="http://schemas.openxmlformats.org/presentationml/2006/main">
+  <p:cSld>
+    <p:spTree>
+      <p:nvGrpSpPr>
+        <p:cNvPr id="1" name=""/>
+        <p:cNvGrpSpPr/>
+        <p:nvPr/>
+      </p:nvGrpSpPr>
+      <p:grpSpPr>
+        <a:xfrm>
+          <a:off x="0" y="0"/>
+          <a:ext cx="0" cy="0"/>
+          <a:chOff x="0" y="0"/>
+          <a:chExt cx="0" cy="0"/>
+        </a:xfrm>
+      </p:grpSpPr>
+      <p:sp>
+        <p:nvSpPr>
+          <p:cNvPr id="3" name="Tijdelijke aanduiding voor voettekst 2">
+            <a:extLst>
+              <a:ext uri="{FF2B5EF4-FFF2-40B4-BE49-F238E27FC236}">
+                <a16:creationId xmlns:a16="http://schemas.microsoft.com/office/drawing/2014/main" id="{8A4675E4-17D3-F776-F4A4-379D7D7DF71F}"/>
+              </a:ext>
+            </a:extLst>
+          </p:cNvPr>
+          <p:cNvSpPr>
+            <a:spLocks noGrp="1"/>
+          </p:cNvSpPr>
+          <p:nvPr>
+            <p:ph type="ftr" sz="quarter" idx="11"/>
+          </p:nvPr>
+        </p:nvSpPr>
+        <p:spPr/>
+        <p:txBody>
+          <a:bodyPr/>
+          <a:lstStyle/>
+          <a:p>
+            <a:r>
+              <a:rPr lang="nl-NL"/>
+              <a:t>Faculty, department, unit ...</a:t>
+            </a:r>
+          </a:p>
+        </p:txBody>
+      </p:sp>
+      <p:sp>
+        <p:nvSpPr>
+          <p:cNvPr id="4" name="Tijdelijke aanduiding voor dianummer 3">
+            <a:extLst>
+              <a:ext uri="{FF2B5EF4-FFF2-40B4-BE49-F238E27FC236}">
+                <a16:creationId xmlns:a16="http://schemas.microsoft.com/office/drawing/2014/main" id="{033BF3EA-AA33-261E-8D31-8101DCD638CC}"/>
+              </a:ext>
+            </a:extLst>
+          </p:cNvPr>
+          <p:cNvSpPr>
+            <a:spLocks noGrp="1"/>
+          </p:cNvSpPr>
+          <p:nvPr>
+            <p:ph type="sldNum" sz="quarter" idx="12"/>
+          </p:nvPr>
+        </p:nvSpPr>
+        <p:spPr/>
+        <p:txBody>
+          <a:bodyPr/>
+          <a:lstStyle/>
+          <a:p>
+            <a:fld id="{0A297500-7527-634B-90F4-69D0994C32B4}" type="slidenum">
+              <a:rPr lang="nl-NL" smtClean="0"/>
+              <a:t>8</a:t>
+            </a:fld>
+            <a:endParaRPr lang="nl-NL"/>
+          </a:p>
+        </p:txBody>
+      </p:sp>
+      <p:sp>
+        <p:nvSpPr>
+          <p:cNvPr id="5" name="Titel 4">
+            <a:extLst>
+              <a:ext uri="{FF2B5EF4-FFF2-40B4-BE49-F238E27FC236}">
+                <a16:creationId xmlns:a16="http://schemas.microsoft.com/office/drawing/2014/main" id="{0AB90542-B085-F406-9290-1072716337BA}"/>
+              </a:ext>
+            </a:extLst>
+          </p:cNvPr>
+          <p:cNvSpPr>
+            <a:spLocks noGrp="1"/>
+          </p:cNvSpPr>
+          <p:nvPr>
+            <p:ph type="title"/>
+          </p:nvPr>
+        </p:nvSpPr>
+        <p:spPr>
+          <a:xfrm>
+            <a:off x="576000" y="172531"/>
+            <a:ext cx="11041200" cy="1152000"/>
+          </a:xfrm>
+        </p:spPr>
+        <p:txBody>
+          <a:bodyPr/>
+          <a:lstStyle/>
+          <a:p>
+            <a:r>
+              <a:rPr lang="nl-BE" dirty="0"/>
+              <a:t>Week 4 (27/10/2022)</a:t>
+            </a:r>
+          </a:p>
+        </p:txBody>
+      </p:sp>
+      <p:sp>
+        <p:nvSpPr>
+          <p:cNvPr id="28" name="Rectangle 7">
+            <a:extLst>
+              <a:ext uri="{FF2B5EF4-FFF2-40B4-BE49-F238E27FC236}">
+                <a16:creationId xmlns:a16="http://schemas.microsoft.com/office/drawing/2014/main" id="{1ED11395-C284-9D31-0A1F-8CE593280307}"/>
+              </a:ext>
+            </a:extLst>
+          </p:cNvPr>
+          <p:cNvSpPr>
+            <a:spLocks noChangeArrowheads="1"/>
+          </p:cNvSpPr>
+          <p:nvPr/>
+        </p:nvSpPr>
+        <p:spPr bwMode="auto">
+          <a:xfrm>
+            <a:off x="580800" y="1348510"/>
+            <a:ext cx="4940880" cy="1767742"/>
+          </a:xfrm>
+          <a:prstGeom prst="rect">
+            <a:avLst/>
+          </a:prstGeom>
+          <a:noFill/>
+          <a:ln w="9525">
+            <a:solidFill>
+              <a:srgbClr val="333333"/>
+            </a:solidFill>
+            <a:miter lim="800000"/>
+            <a:headEnd/>
+            <a:tailEnd/>
+          </a:ln>
+          <a:effectLst/>
+          <a:extLst>
+            <a:ext uri="{909E8E84-426E-40DD-AFC4-6F175D3DCCD1}">
+              <a14:hiddenFill xmlns:a14="http://schemas.microsoft.com/office/drawing/2010/main">
+                <a:solidFill>
+                  <a:schemeClr val="accent1"/>
+                </a:solidFill>
+              </a14:hiddenFill>
+            </a:ext>
+            <a:ext uri="{AF507438-7753-43E0-B8FC-AC1667EBCBE1}">
+              <a14:hiddenEffects xmlns:a14="http://schemas.microsoft.com/office/drawing/2010/main">
+                <a:effectLst>
+                  <a:outerShdw dist="35921" dir="2700000" algn="ctr" rotWithShape="0">
+                    <a:schemeClr val="bg2"/>
+                  </a:outerShdw>
+                </a:effectLst>
+              </a14:hiddenEffects>
+            </a:ext>
+          </a:extLst>
+        </p:spPr>
+        <p:txBody>
+          <a:bodyPr wrap="none" anchor="ctr"/>
+          <a:lstStyle/>
+          <a:p>
+            <a:endParaRPr lang="nl-BE"/>
+          </a:p>
+        </p:txBody>
+      </p:sp>
+      <p:sp>
+        <p:nvSpPr>
+          <p:cNvPr id="29" name="Rectangle 8">
+            <a:extLst>
+              <a:ext uri="{FF2B5EF4-FFF2-40B4-BE49-F238E27FC236}">
+                <a16:creationId xmlns:a16="http://schemas.microsoft.com/office/drawing/2014/main" id="{6FC4B744-16AC-500A-BBB9-19F5AFB1A6F4}"/>
+              </a:ext>
+            </a:extLst>
+          </p:cNvPr>
+          <p:cNvSpPr>
+            <a:spLocks noChangeArrowheads="1"/>
+          </p:cNvSpPr>
+          <p:nvPr/>
+        </p:nvSpPr>
+        <p:spPr bwMode="auto">
+          <a:xfrm>
+            <a:off x="580800" y="1365141"/>
+            <a:ext cx="4940880" cy="304800"/>
+          </a:xfrm>
+          <a:prstGeom prst="rect">
+            <a:avLst/>
+          </a:prstGeom>
+          <a:solidFill>
+            <a:schemeClr val="tx2">
+              <a:lumMod val="75000"/>
+            </a:schemeClr>
+          </a:solidFill>
+          <a:ln w="9525">
+            <a:solidFill>
+              <a:srgbClr val="333333"/>
+            </a:solidFill>
+            <a:miter lim="800000"/>
+            <a:headEnd/>
+            <a:tailEnd/>
+          </a:ln>
+          <a:effectLst/>
+        </p:spPr>
+        <p:txBody>
+          <a:bodyPr wrap="none" anchor="ctr"/>
+          <a:lstStyle/>
+          <a:p>
+            <a:r>
+              <a:rPr lang="en-US" altLang="nl-BE" sz="1400" b="1">
+                <a:solidFill>
+                  <a:schemeClr val="bg1"/>
+                </a:solidFill>
+                <a:latin typeface="Verdana" panose="020B0604030504040204" pitchFamily="34" charset="0"/>
+              </a:rPr>
+              <a:t>Planning</a:t>
+            </a:r>
+          </a:p>
+        </p:txBody>
+      </p:sp>
+      <p:sp>
+        <p:nvSpPr>
+          <p:cNvPr id="30" name="Rectangle 20">
+            <a:extLst>
+              <a:ext uri="{FF2B5EF4-FFF2-40B4-BE49-F238E27FC236}">
+                <a16:creationId xmlns:a16="http://schemas.microsoft.com/office/drawing/2014/main" id="{F8F8537C-8B21-E85D-8ED6-BCD891428026}"/>
+              </a:ext>
+            </a:extLst>
+          </p:cNvPr>
+          <p:cNvSpPr>
+            <a:spLocks noChangeArrowheads="1"/>
+          </p:cNvSpPr>
+          <p:nvPr/>
+        </p:nvSpPr>
+        <p:spPr bwMode="auto">
+          <a:xfrm>
+            <a:off x="576000" y="1669941"/>
+            <a:ext cx="4940880" cy="713604"/>
+          </a:xfrm>
+          <a:prstGeom prst="rect">
+            <a:avLst/>
+          </a:prstGeom>
+          <a:noFill/>
+          <a:ln>
+            <a:noFill/>
+          </a:ln>
+          <a:effectLst/>
+          <a:extLst>
+            <a:ext uri="{909E8E84-426E-40DD-AFC4-6F175D3DCCD1}">
+              <a14:hiddenFill xmlns:a14="http://schemas.microsoft.com/office/drawing/2010/main">
+                <a:solidFill>
+                  <a:srgbClr val="333333"/>
+                </a:solidFill>
+              </a14:hiddenFill>
+            </a:ext>
+            <a:ext uri="{91240B29-F687-4F45-9708-019B960494DF}">
+              <a14:hiddenLine xmlns:a14="http://schemas.microsoft.com/office/drawing/2010/main" w="9525">
+                <a:solidFill>
+                  <a:srgbClr val="333333"/>
+                </a:solidFill>
+                <a:miter lim="800000"/>
+                <a:headEnd/>
+                <a:tailEnd/>
+              </a14:hiddenLine>
+            </a:ext>
+            <a:ext uri="{AF507438-7753-43E0-B8FC-AC1667EBCBE1}">
+              <a14:hiddenEffects xmlns:a14="http://schemas.microsoft.com/office/drawing/2010/main">
+                <a:effectLst>
+                  <a:outerShdw dist="35921" dir="2700000" algn="ctr" rotWithShape="0">
+                    <a:schemeClr val="bg2"/>
+                  </a:outerShdw>
+                </a:effectLst>
+              </a14:hiddenEffects>
+            </a:ext>
+          </a:extLst>
+        </p:spPr>
+        <p:txBody>
+          <a:bodyPr wrap="none"/>
+          <a:lstStyle/>
+          <a:p>
+            <a:pPr>
+              <a:buFontTx/>
+              <a:buChar char="•"/>
+            </a:pPr>
+            <a:r>
+              <a:rPr lang="en-US" altLang="nl-BE" sz="1200" dirty="0">
+                <a:solidFill>
+                  <a:srgbClr val="333333"/>
+                </a:solidFill>
+                <a:latin typeface="Verdana" panose="020B0604030504040204" pitchFamily="34" charset="0"/>
+              </a:rPr>
+              <a:t> Looking for hardware</a:t>
+            </a:r>
+          </a:p>
+          <a:p>
+            <a:pPr>
+              <a:buFontTx/>
+              <a:buChar char="•"/>
+            </a:pPr>
+            <a:r>
+              <a:rPr lang="en-US" altLang="nl-BE" sz="1200" dirty="0">
+                <a:solidFill>
+                  <a:srgbClr val="333333"/>
+                </a:solidFill>
+                <a:latin typeface="Verdana" panose="020B0604030504040204" pitchFamily="34" charset="0"/>
+              </a:rPr>
+              <a:t> Report</a:t>
+            </a:r>
+          </a:p>
+          <a:p>
+            <a:pPr>
+              <a:buFontTx/>
+              <a:buChar char="•"/>
+            </a:pPr>
+            <a:endParaRPr lang="en-US" altLang="nl-BE" sz="1200" dirty="0">
+              <a:solidFill>
+                <a:srgbClr val="333333"/>
+              </a:solidFill>
+              <a:latin typeface="Verdana" panose="020B0604030504040204" pitchFamily="34" charset="0"/>
+            </a:endParaRPr>
+          </a:p>
+        </p:txBody>
+      </p:sp>
+      <p:graphicFrame>
+        <p:nvGraphicFramePr>
+          <p:cNvPr id="31" name="Table 8">
+            <a:extLst>
+              <a:ext uri="{FF2B5EF4-FFF2-40B4-BE49-F238E27FC236}">
+                <a16:creationId xmlns:a16="http://schemas.microsoft.com/office/drawing/2014/main" id="{39209D40-A90A-28AF-7EE5-2185F6AED7D9}"/>
+              </a:ext>
+            </a:extLst>
+          </p:cNvPr>
+          <p:cNvGraphicFramePr>
+            <a:graphicFrameLocks noGrp="1"/>
+          </p:cNvGraphicFramePr>
+          <p:nvPr>
+            <p:extLst>
+              <p:ext uri="{D42A27DB-BD31-4B8C-83A1-F6EECF244321}">
+                <p14:modId xmlns:p14="http://schemas.microsoft.com/office/powerpoint/2010/main" val="1860896010"/>
+              </p:ext>
+            </p:extLst>
+          </p:nvPr>
+        </p:nvGraphicFramePr>
+        <p:xfrm>
+          <a:off x="580800" y="3517586"/>
+          <a:ext cx="11306400" cy="2595880"/>
+        </p:xfrm>
+        <a:graphic>
+          <a:graphicData uri="http://schemas.openxmlformats.org/drawingml/2006/table">
+            <a:tbl>
+              <a:tblPr firstRow="1" bandRow="1">
+                <a:tableStyleId>{5C22544A-7EE6-4342-B048-85BDC9FD1C3A}</a:tableStyleId>
+              </a:tblPr>
+              <a:tblGrid>
+                <a:gridCol w="2261280">
+                  <a:extLst>
+                    <a:ext uri="{9D8B030D-6E8A-4147-A177-3AD203B41FA5}">
+                      <a16:colId xmlns:a16="http://schemas.microsoft.com/office/drawing/2014/main" val="3222044758"/>
+                    </a:ext>
+                  </a:extLst>
+                </a:gridCol>
+                <a:gridCol w="2261280">
+                  <a:extLst>
+                    <a:ext uri="{9D8B030D-6E8A-4147-A177-3AD203B41FA5}">
+                      <a16:colId xmlns:a16="http://schemas.microsoft.com/office/drawing/2014/main" val="23332546"/>
+                    </a:ext>
+                  </a:extLst>
+                </a:gridCol>
+                <a:gridCol w="2261280">
+                  <a:extLst>
+                    <a:ext uri="{9D8B030D-6E8A-4147-A177-3AD203B41FA5}">
+                      <a16:colId xmlns:a16="http://schemas.microsoft.com/office/drawing/2014/main" val="62682046"/>
+                    </a:ext>
+                  </a:extLst>
+                </a:gridCol>
+                <a:gridCol w="2261280">
+                  <a:extLst>
+                    <a:ext uri="{9D8B030D-6E8A-4147-A177-3AD203B41FA5}">
+                      <a16:colId xmlns:a16="http://schemas.microsoft.com/office/drawing/2014/main" val="1440099295"/>
+                    </a:ext>
+                  </a:extLst>
+                </a:gridCol>
+                <a:gridCol w="2261280">
+                  <a:extLst>
+                    <a:ext uri="{9D8B030D-6E8A-4147-A177-3AD203B41FA5}">
+                      <a16:colId xmlns:a16="http://schemas.microsoft.com/office/drawing/2014/main" val="2799077174"/>
+                    </a:ext>
+                  </a:extLst>
+                </a:gridCol>
+              </a:tblGrid>
+              <a:tr h="370840">
+                <a:tc>
+                  <a:txBody>
+                    <a:bodyPr/>
+                    <a:lstStyle/>
+                    <a:p>
+                      <a:r>
+                        <a:rPr lang="nl-BE" dirty="0"/>
+                        <a:t>Naam student</a:t>
+                      </a:r>
+                    </a:p>
+                  </a:txBody>
+                  <a:tcPr>
+                    <a:lnL w="12700" cap="flat" cmpd="sng" algn="ctr">
+                      <a:solidFill>
+                        <a:schemeClr val="tx1"/>
+                      </a:solidFill>
+                      <a:prstDash val="solid"/>
+                      <a:round/>
+                      <a:headEnd type="none" w="med" len="med"/>
+                      <a:tailEnd type="none" w="med" len="med"/>
+                    </a:lnL>
+                    <a:lnT w="12700" cap="flat" cmpd="sng" algn="ctr">
+                      <a:solidFill>
+                        <a:schemeClr val="tx1"/>
+                      </a:solidFill>
+                      <a:prstDash val="solid"/>
+                      <a:round/>
+                      <a:headEnd type="none" w="med" len="med"/>
+                      <a:tailEnd type="none" w="med" len="med"/>
+                    </a:lnT>
+                  </a:tcPr>
+                </a:tc>
+                <a:tc>
+                  <a:txBody>
+                    <a:bodyPr/>
+                    <a:lstStyle/>
+                    <a:p>
+                      <a:r>
+                        <a:rPr lang="nl-BE" dirty="0"/>
+                        <a:t>14u00-15u00</a:t>
+                      </a:r>
+                    </a:p>
+                  </a:txBody>
+                  <a:tcPr>
+                    <a:lnT w="12700" cap="flat" cmpd="sng" algn="ctr">
+                      <a:solidFill>
+                        <a:schemeClr val="tx1"/>
+                      </a:solidFill>
+                      <a:prstDash val="solid"/>
+                      <a:round/>
+                      <a:headEnd type="none" w="med" len="med"/>
+                      <a:tailEnd type="none" w="med" len="med"/>
+                    </a:lnT>
+                  </a:tcPr>
+                </a:tc>
+                <a:tc>
+                  <a:txBody>
+                    <a:bodyPr/>
+                    <a:lstStyle/>
+                    <a:p>
+                      <a:r>
+                        <a:rPr lang="nl-BE" dirty="0"/>
+                        <a:t>15u00-16u00</a:t>
+                      </a:r>
+                    </a:p>
+                  </a:txBody>
+                  <a:tcPr>
+                    <a:lnT w="12700" cap="flat" cmpd="sng" algn="ctr">
+                      <a:solidFill>
+                        <a:schemeClr val="tx1"/>
+                      </a:solidFill>
+                      <a:prstDash val="solid"/>
+                      <a:round/>
+                      <a:headEnd type="none" w="med" len="med"/>
+                      <a:tailEnd type="none" w="med" len="med"/>
+                    </a:lnT>
+                  </a:tcPr>
+                </a:tc>
+                <a:tc>
+                  <a:txBody>
+                    <a:bodyPr/>
+                    <a:lstStyle/>
+                    <a:p>
+                      <a:r>
+                        <a:rPr lang="nl-BE" dirty="0"/>
+                        <a:t>16u00-17u00</a:t>
+                      </a:r>
+                    </a:p>
+                  </a:txBody>
+                  <a:tcPr>
+                    <a:lnT w="12700" cap="flat" cmpd="sng" algn="ctr">
+                      <a:solidFill>
+                        <a:schemeClr val="tx1"/>
+                      </a:solidFill>
+                      <a:prstDash val="solid"/>
+                      <a:round/>
+                      <a:headEnd type="none" w="med" len="med"/>
+                      <a:tailEnd type="none" w="med" len="med"/>
+                    </a:lnT>
+                  </a:tcPr>
+                </a:tc>
+                <a:tc>
+                  <a:txBody>
+                    <a:bodyPr/>
+                    <a:lstStyle/>
+                    <a:p>
+                      <a:r>
+                        <a:rPr lang="nl-BE" dirty="0"/>
+                        <a:t>17u00-18u00</a:t>
+                      </a:r>
+                    </a:p>
+                  </a:txBody>
+                  <a:tcPr>
+                    <a:lnR w="12700" cap="flat" cmpd="sng" algn="ctr">
+                      <a:solidFill>
+                        <a:schemeClr val="tx1"/>
+                      </a:solidFill>
+                      <a:prstDash val="solid"/>
+                      <a:round/>
+                      <a:headEnd type="none" w="med" len="med"/>
+                      <a:tailEnd type="none" w="med" len="med"/>
+                    </a:lnR>
+                    <a:lnT w="12700" cap="flat" cmpd="sng" algn="ctr">
+                      <a:solidFill>
+                        <a:schemeClr val="tx1"/>
+                      </a:solidFill>
+                      <a:prstDash val="solid"/>
+                      <a:round/>
+                      <a:headEnd type="none" w="med" len="med"/>
+                      <a:tailEnd type="none" w="med" len="med"/>
+                    </a:lnT>
+                  </a:tcPr>
+                </a:tc>
+                <a:extLst>
+                  <a:ext uri="{0D108BD9-81ED-4DB2-BD59-A6C34878D82A}">
+                    <a16:rowId xmlns:a16="http://schemas.microsoft.com/office/drawing/2014/main" val="1545514501"/>
+                  </a:ext>
+                </a:extLst>
+              </a:tr>
+              <a:tr h="370840">
+                <a:tc>
+                  <a:txBody>
+                    <a:bodyPr/>
+                    <a:lstStyle/>
+                    <a:p>
+                      <a:r>
+                        <a:rPr lang="nl-BE" dirty="0"/>
+                        <a:t>Arne </a:t>
+                      </a:r>
+                      <a:r>
+                        <a:rPr lang="nl-BE" dirty="0" err="1"/>
+                        <a:t>Lemahieu</a:t>
+                      </a:r>
+                      <a:endParaRPr lang="nl-BE" dirty="0"/>
+                    </a:p>
+                  </a:txBody>
+                  <a:tcPr>
+                    <a:lnL w="12700" cap="flat" cmpd="sng" algn="ctr">
+                      <a:solidFill>
+                        <a:schemeClr val="tx1"/>
+                      </a:solidFill>
+                      <a:prstDash val="solid"/>
+                      <a:round/>
+                      <a:headEnd type="none" w="med" len="med"/>
+                      <a:tailEnd type="none" w="med" len="med"/>
+                    </a:lnL>
+                  </a:tcPr>
+                </a:tc>
+                <a:tc>
+                  <a:txBody>
+                    <a:bodyPr/>
+                    <a:lstStyle/>
+                    <a:p>
+                      <a:r>
+                        <a:rPr lang="nl-BE" dirty="0"/>
+                        <a:t>Analyse oefenzitting</a:t>
+                      </a:r>
+                    </a:p>
+                  </a:txBody>
+                  <a:tcPr/>
+                </a:tc>
+                <a:tc>
+                  <a:txBody>
+                    <a:bodyPr/>
+                    <a:lstStyle/>
+                    <a:p>
+                      <a:pPr marL="0" marR="0" lvl="0" indent="0" algn="l" defTabSz="914400" rtl="0" eaLnBrk="1" fontAlgn="auto" latinLnBrk="0" hangingPunct="1">
+                        <a:lnSpc>
+                          <a:spcPct val="100000"/>
+                        </a:lnSpc>
+                        <a:spcBef>
+                          <a:spcPts val="0"/>
+                        </a:spcBef>
+                        <a:spcAft>
+                          <a:spcPts val="0"/>
+                        </a:spcAft>
+                        <a:buClrTx/>
+                        <a:buSzTx/>
+                        <a:buFontTx/>
+                        <a:buNone/>
+                        <a:tabLst/>
+                        <a:defRPr/>
+                      </a:pPr>
+                      <a:r>
+                        <a:rPr lang="nl-BE" dirty="0"/>
+                        <a:t>Analyse oefenzitting</a:t>
+                      </a:r>
+                    </a:p>
+                  </a:txBody>
+                  <a:tcPr/>
+                </a:tc>
+                <a:tc>
+                  <a:txBody>
+                    <a:bodyPr/>
+                    <a:lstStyle/>
+                    <a:p>
+                      <a:pPr marL="0" marR="0" lvl="0" indent="0" algn="l" defTabSz="914400" rtl="0" eaLnBrk="1" fontAlgn="auto" latinLnBrk="0" hangingPunct="1">
+                        <a:lnSpc>
+                          <a:spcPct val="100000"/>
+                        </a:lnSpc>
+                        <a:spcBef>
+                          <a:spcPts val="0"/>
+                        </a:spcBef>
+                        <a:spcAft>
+                          <a:spcPts val="0"/>
+                        </a:spcAft>
+                        <a:buClrTx/>
+                        <a:buSzTx/>
+                        <a:buFontTx/>
+                        <a:buNone/>
+                        <a:tabLst/>
+                        <a:defRPr/>
+                      </a:pPr>
+                      <a:r>
+                        <a:rPr lang="nl-BE" dirty="0"/>
+                        <a:t>Report + Hardware</a:t>
+                      </a:r>
+                    </a:p>
+                  </a:txBody>
+                  <a:tcPr/>
+                </a:tc>
+                <a:tc>
+                  <a:txBody>
+                    <a:bodyPr/>
+                    <a:lstStyle/>
+                    <a:p>
+                      <a:pPr marL="0" marR="0" lvl="0" indent="0" algn="l" defTabSz="914400" rtl="0" eaLnBrk="1" fontAlgn="auto" latinLnBrk="0" hangingPunct="1">
+                        <a:lnSpc>
+                          <a:spcPct val="100000"/>
+                        </a:lnSpc>
+                        <a:spcBef>
+                          <a:spcPts val="0"/>
+                        </a:spcBef>
+                        <a:spcAft>
+                          <a:spcPts val="0"/>
+                        </a:spcAft>
+                        <a:buClrTx/>
+                        <a:buSzTx/>
+                        <a:buFontTx/>
+                        <a:buNone/>
+                        <a:tabLst/>
+                        <a:defRPr/>
+                      </a:pPr>
+                      <a:r>
+                        <a:rPr lang="nl-BE" dirty="0"/>
+                        <a:t>Report</a:t>
+                      </a:r>
+                    </a:p>
+                  </a:txBody>
+                  <a:tcPr>
+                    <a:lnR w="12700" cap="flat" cmpd="sng" algn="ctr">
+                      <a:solidFill>
+                        <a:schemeClr val="tx1"/>
+                      </a:solidFill>
+                      <a:prstDash val="solid"/>
+                      <a:round/>
+                      <a:headEnd type="none" w="med" len="med"/>
+                      <a:tailEnd type="none" w="med" len="med"/>
+                    </a:lnR>
+                  </a:tcPr>
+                </a:tc>
+                <a:extLst>
+                  <a:ext uri="{0D108BD9-81ED-4DB2-BD59-A6C34878D82A}">
+                    <a16:rowId xmlns:a16="http://schemas.microsoft.com/office/drawing/2014/main" val="4272612081"/>
+                  </a:ext>
+                </a:extLst>
+              </a:tr>
+              <a:tr h="370840">
+                <a:tc>
+                  <a:txBody>
+                    <a:bodyPr/>
+                    <a:lstStyle/>
+                    <a:p>
+                      <a:pPr marL="0" marR="0" lvl="0" indent="0" algn="l" defTabSz="914400" rtl="0" eaLnBrk="1" fontAlgn="auto" latinLnBrk="0" hangingPunct="1">
+                        <a:lnSpc>
+                          <a:spcPct val="100000"/>
+                        </a:lnSpc>
+                        <a:spcBef>
+                          <a:spcPts val="0"/>
+                        </a:spcBef>
+                        <a:spcAft>
+                          <a:spcPts val="0"/>
+                        </a:spcAft>
+                        <a:buClrTx/>
+                        <a:buSzTx/>
+                        <a:buFontTx/>
+                        <a:buNone/>
+                        <a:tabLst/>
+                        <a:defRPr/>
+                      </a:pPr>
+                      <a:r>
+                        <a:rPr lang="nl-BE" dirty="0"/>
+                        <a:t>Kasper </a:t>
+                      </a:r>
+                      <a:r>
+                        <a:rPr lang="nl-BE" dirty="0" err="1"/>
+                        <a:t>Dumoulin</a:t>
+                      </a:r>
+                      <a:endParaRPr lang="nl-BE" dirty="0"/>
+                    </a:p>
+                  </a:txBody>
+                  <a:tcPr>
+                    <a:lnL w="12700" cap="flat" cmpd="sng" algn="ctr">
+                      <a:solidFill>
+                        <a:schemeClr val="tx1"/>
+                      </a:solidFill>
+                      <a:prstDash val="solid"/>
+                      <a:round/>
+                      <a:headEnd type="none" w="med" len="med"/>
+                      <a:tailEnd type="none" w="med" len="med"/>
+                    </a:lnL>
+                  </a:tcPr>
+                </a:tc>
+                <a:tc>
+                  <a:txBody>
+                    <a:bodyPr/>
+                    <a:lstStyle/>
+                    <a:p>
+                      <a:pPr marL="0" marR="0" lvl="0" indent="0" algn="l" defTabSz="914400" rtl="0" eaLnBrk="1" fontAlgn="auto" latinLnBrk="0" hangingPunct="1">
+                        <a:lnSpc>
+                          <a:spcPct val="100000"/>
+                        </a:lnSpc>
+                        <a:spcBef>
+                          <a:spcPts val="0"/>
+                        </a:spcBef>
+                        <a:spcAft>
+                          <a:spcPts val="0"/>
+                        </a:spcAft>
+                        <a:buClrTx/>
+                        <a:buSzTx/>
+                        <a:buFontTx/>
+                        <a:buNone/>
+                        <a:tabLst/>
+                        <a:defRPr/>
+                      </a:pPr>
+                      <a:r>
+                        <a:rPr lang="nl-BE" dirty="0"/>
+                        <a:t>Analyse oefenzitting</a:t>
+                      </a:r>
+                    </a:p>
+                  </a:txBody>
+                  <a:tcPr/>
+                </a:tc>
+                <a:tc>
+                  <a:txBody>
+                    <a:bodyPr/>
+                    <a:lstStyle/>
+                    <a:p>
+                      <a:pPr marL="0" marR="0" lvl="0" indent="0" algn="l" defTabSz="914400" rtl="0" eaLnBrk="1" fontAlgn="auto" latinLnBrk="0" hangingPunct="1">
+                        <a:lnSpc>
+                          <a:spcPct val="100000"/>
+                        </a:lnSpc>
+                        <a:spcBef>
+                          <a:spcPts val="0"/>
+                        </a:spcBef>
+                        <a:spcAft>
+                          <a:spcPts val="0"/>
+                        </a:spcAft>
+                        <a:buClrTx/>
+                        <a:buSzTx/>
+                        <a:buFontTx/>
+                        <a:buNone/>
+                        <a:tabLst/>
+                        <a:defRPr/>
+                      </a:pPr>
+                      <a:r>
+                        <a:rPr lang="nl-BE" dirty="0"/>
+                        <a:t>Analyse oefenzitting</a:t>
+                      </a:r>
+                    </a:p>
+                  </a:txBody>
+                  <a:tcPr/>
+                </a:tc>
+                <a:tc>
+                  <a:txBody>
+                    <a:bodyPr/>
+                    <a:lstStyle/>
+                    <a:p>
+                      <a:r>
+                        <a:rPr lang="nl-BE" dirty="0"/>
+                        <a:t>Report</a:t>
+                      </a:r>
+                    </a:p>
+                  </a:txBody>
+                  <a:tcPr/>
+                </a:tc>
+                <a:tc>
+                  <a:txBody>
+                    <a:bodyPr/>
+                    <a:lstStyle/>
+                    <a:p>
+                      <a:r>
+                        <a:rPr lang="nl-BE" dirty="0"/>
+                        <a:t>Report</a:t>
+                      </a:r>
+                    </a:p>
+                  </a:txBody>
+                  <a:tcPr>
+                    <a:lnR w="12700" cap="flat" cmpd="sng" algn="ctr">
+                      <a:solidFill>
+                        <a:schemeClr val="tx1"/>
+                      </a:solidFill>
+                      <a:prstDash val="solid"/>
+                      <a:round/>
+                      <a:headEnd type="none" w="med" len="med"/>
+                      <a:tailEnd type="none" w="med" len="med"/>
+                    </a:lnR>
+                  </a:tcPr>
+                </a:tc>
+                <a:extLst>
+                  <a:ext uri="{0D108BD9-81ED-4DB2-BD59-A6C34878D82A}">
+                    <a16:rowId xmlns:a16="http://schemas.microsoft.com/office/drawing/2014/main" val="2535650466"/>
+                  </a:ext>
+                </a:extLst>
+              </a:tr>
+              <a:tr h="370840">
+                <a:tc>
+                  <a:txBody>
+                    <a:bodyPr/>
+                    <a:lstStyle/>
+                    <a:p>
+                      <a:pPr marL="0" marR="0" lvl="0" indent="0" algn="l" defTabSz="914400" rtl="0" eaLnBrk="1" fontAlgn="auto" latinLnBrk="0" hangingPunct="1">
+                        <a:lnSpc>
+                          <a:spcPct val="100000"/>
+                        </a:lnSpc>
+                        <a:spcBef>
+                          <a:spcPts val="0"/>
+                        </a:spcBef>
+                        <a:spcAft>
+                          <a:spcPts val="0"/>
+                        </a:spcAft>
+                        <a:buClrTx/>
+                        <a:buSzTx/>
+                        <a:buFontTx/>
+                        <a:buNone/>
+                        <a:tabLst/>
+                        <a:defRPr/>
+                      </a:pPr>
+                      <a:r>
+                        <a:rPr lang="nl-BE" dirty="0"/>
+                        <a:t>Mauro Janssens</a:t>
+                      </a:r>
+                    </a:p>
+                  </a:txBody>
+                  <a:tcPr>
+                    <a:lnL w="12700" cap="flat" cmpd="sng" algn="ctr">
+                      <a:solidFill>
+                        <a:schemeClr val="tx1"/>
+                      </a:solidFill>
+                      <a:prstDash val="solid"/>
+                      <a:round/>
+                      <a:headEnd type="none" w="med" len="med"/>
+                      <a:tailEnd type="none" w="med" len="med"/>
+                    </a:lnL>
+                  </a:tcPr>
+                </a:tc>
+                <a:tc>
+                  <a:txBody>
+                    <a:bodyPr/>
+                    <a:lstStyle/>
+                    <a:p>
+                      <a:pPr marL="0" marR="0" lvl="0" indent="0" algn="l" defTabSz="914400" rtl="0" eaLnBrk="1" fontAlgn="auto" latinLnBrk="0" hangingPunct="1">
+                        <a:lnSpc>
+                          <a:spcPct val="100000"/>
+                        </a:lnSpc>
+                        <a:spcBef>
+                          <a:spcPts val="0"/>
+                        </a:spcBef>
+                        <a:spcAft>
+                          <a:spcPts val="0"/>
+                        </a:spcAft>
+                        <a:buClrTx/>
+                        <a:buSzTx/>
+                        <a:buFontTx/>
+                        <a:buNone/>
+                        <a:tabLst/>
+                        <a:defRPr/>
+                      </a:pPr>
+                      <a:r>
+                        <a:rPr lang="nl-BE" dirty="0"/>
+                        <a:t>Analyse oefenzitting</a:t>
+                      </a:r>
+                    </a:p>
+                  </a:txBody>
+                  <a:tcPr/>
+                </a:tc>
+                <a:tc>
+                  <a:txBody>
+                    <a:bodyPr/>
+                    <a:lstStyle/>
+                    <a:p>
+                      <a:pPr marL="0" marR="0" lvl="0" indent="0" algn="l" defTabSz="914400" rtl="0" eaLnBrk="1" fontAlgn="auto" latinLnBrk="0" hangingPunct="1">
+                        <a:lnSpc>
+                          <a:spcPct val="100000"/>
+                        </a:lnSpc>
+                        <a:spcBef>
+                          <a:spcPts val="0"/>
+                        </a:spcBef>
+                        <a:spcAft>
+                          <a:spcPts val="0"/>
+                        </a:spcAft>
+                        <a:buClrTx/>
+                        <a:buSzTx/>
+                        <a:buFontTx/>
+                        <a:buNone/>
+                        <a:tabLst/>
+                        <a:defRPr/>
+                      </a:pPr>
+                      <a:r>
+                        <a:rPr lang="nl-BE" dirty="0"/>
+                        <a:t>Analyse oefenzitting</a:t>
+                      </a:r>
+                    </a:p>
+                  </a:txBody>
+                  <a:tcPr/>
+                </a:tc>
+                <a:tc>
+                  <a:txBody>
+                    <a:bodyPr/>
+                    <a:lstStyle/>
+                    <a:p>
+                      <a:r>
+                        <a:rPr lang="nl-BE" dirty="0"/>
+                        <a:t>Report</a:t>
+                      </a:r>
+                    </a:p>
+                  </a:txBody>
+                  <a:tcPr/>
+                </a:tc>
+                <a:tc>
+                  <a:txBody>
+                    <a:bodyPr/>
+                    <a:lstStyle/>
+                    <a:p>
+                      <a:r>
+                        <a:rPr lang="nl-BE" dirty="0"/>
+                        <a:t>Report</a:t>
+                      </a:r>
+                    </a:p>
+                  </a:txBody>
+                  <a:tcPr>
+                    <a:lnR w="12700" cap="flat" cmpd="sng" algn="ctr">
+                      <a:solidFill>
+                        <a:schemeClr val="tx1"/>
+                      </a:solidFill>
+                      <a:prstDash val="solid"/>
+                      <a:round/>
+                      <a:headEnd type="none" w="med" len="med"/>
+                      <a:tailEnd type="none" w="med" len="med"/>
+                    </a:lnR>
+                  </a:tcPr>
+                </a:tc>
+                <a:extLst>
+                  <a:ext uri="{0D108BD9-81ED-4DB2-BD59-A6C34878D82A}">
+                    <a16:rowId xmlns:a16="http://schemas.microsoft.com/office/drawing/2014/main" val="1056747163"/>
+                  </a:ext>
+                </a:extLst>
+              </a:tr>
+              <a:tr h="370840">
+                <a:tc>
+                  <a:txBody>
+                    <a:bodyPr/>
+                    <a:lstStyle/>
+                    <a:p>
+                      <a:pPr marL="0" marR="0" lvl="0" indent="0" algn="l" defTabSz="914400" rtl="0" eaLnBrk="1" fontAlgn="auto" latinLnBrk="0" hangingPunct="1">
+                        <a:lnSpc>
+                          <a:spcPct val="100000"/>
+                        </a:lnSpc>
+                        <a:spcBef>
+                          <a:spcPts val="0"/>
+                        </a:spcBef>
+                        <a:spcAft>
+                          <a:spcPts val="0"/>
+                        </a:spcAft>
+                        <a:buClrTx/>
+                        <a:buSzTx/>
+                        <a:buFontTx/>
+                        <a:buNone/>
+                        <a:tabLst/>
+                        <a:defRPr/>
+                      </a:pPr>
+                      <a:r>
+                        <a:rPr lang="nl-BE" dirty="0"/>
+                        <a:t>Pepijn Haenen</a:t>
+                      </a:r>
+                    </a:p>
+                  </a:txBody>
+                  <a:tcPr>
+                    <a:lnL w="12700" cap="flat" cmpd="sng" algn="ctr">
+                      <a:solidFill>
+                        <a:schemeClr val="tx1"/>
+                      </a:solidFill>
+                      <a:prstDash val="solid"/>
+                      <a:round/>
+                      <a:headEnd type="none" w="med" len="med"/>
+                      <a:tailEnd type="none" w="med" len="med"/>
+                    </a:lnL>
+                  </a:tcPr>
+                </a:tc>
+                <a:tc>
+                  <a:txBody>
+                    <a:bodyPr/>
+                    <a:lstStyle/>
+                    <a:p>
+                      <a:pPr marL="0" marR="0" lvl="0" indent="0" algn="l" defTabSz="914400" rtl="0" eaLnBrk="1" fontAlgn="auto" latinLnBrk="0" hangingPunct="1">
+                        <a:lnSpc>
+                          <a:spcPct val="100000"/>
+                        </a:lnSpc>
+                        <a:spcBef>
+                          <a:spcPts val="0"/>
+                        </a:spcBef>
+                        <a:spcAft>
+                          <a:spcPts val="0"/>
+                        </a:spcAft>
+                        <a:buClrTx/>
+                        <a:buSzTx/>
+                        <a:buFontTx/>
+                        <a:buNone/>
+                        <a:tabLst/>
+                        <a:defRPr/>
+                      </a:pPr>
+                      <a:r>
+                        <a:rPr lang="nl-BE" dirty="0"/>
+                        <a:t>Analyse oefenzitting</a:t>
+                      </a:r>
+                    </a:p>
+                  </a:txBody>
+                  <a:tcPr/>
+                </a:tc>
+                <a:tc>
+                  <a:txBody>
+                    <a:bodyPr/>
+                    <a:lstStyle/>
+                    <a:p>
+                      <a:pPr marL="0" marR="0" lvl="0" indent="0" algn="l" defTabSz="914400" rtl="0" eaLnBrk="1" fontAlgn="auto" latinLnBrk="0" hangingPunct="1">
+                        <a:lnSpc>
+                          <a:spcPct val="100000"/>
+                        </a:lnSpc>
+                        <a:spcBef>
+                          <a:spcPts val="0"/>
+                        </a:spcBef>
+                        <a:spcAft>
+                          <a:spcPts val="0"/>
+                        </a:spcAft>
+                        <a:buClrTx/>
+                        <a:buSzTx/>
+                        <a:buFontTx/>
+                        <a:buNone/>
+                        <a:tabLst/>
+                        <a:defRPr/>
+                      </a:pPr>
+                      <a:r>
+                        <a:rPr lang="nl-BE" dirty="0"/>
+                        <a:t>Analyse oefenzitting</a:t>
+                      </a:r>
+                    </a:p>
+                  </a:txBody>
+                  <a:tcPr/>
+                </a:tc>
+                <a:tc>
+                  <a:txBody>
+                    <a:bodyPr/>
+                    <a:lstStyle/>
+                    <a:p>
+                      <a:r>
+                        <a:rPr lang="nl-BE" dirty="0"/>
+                        <a:t>Report + Hardware</a:t>
+                      </a:r>
+                    </a:p>
+                  </a:txBody>
+                  <a:tcPr/>
+                </a:tc>
+                <a:tc>
+                  <a:txBody>
+                    <a:bodyPr/>
+                    <a:lstStyle/>
+                    <a:p>
+                      <a:r>
+                        <a:rPr lang="nl-BE" dirty="0"/>
+                        <a:t>Report</a:t>
+                      </a:r>
+                    </a:p>
+                  </a:txBody>
+                  <a:tcPr>
+                    <a:lnR w="12700" cap="flat" cmpd="sng" algn="ctr">
+                      <a:solidFill>
+                        <a:schemeClr val="tx1"/>
+                      </a:solidFill>
+                      <a:prstDash val="solid"/>
+                      <a:round/>
+                      <a:headEnd type="none" w="med" len="med"/>
+                      <a:tailEnd type="none" w="med" len="med"/>
+                    </a:lnR>
+                  </a:tcPr>
+                </a:tc>
+                <a:extLst>
+                  <a:ext uri="{0D108BD9-81ED-4DB2-BD59-A6C34878D82A}">
+                    <a16:rowId xmlns:a16="http://schemas.microsoft.com/office/drawing/2014/main" val="4081416973"/>
+                  </a:ext>
+                </a:extLst>
+              </a:tr>
+              <a:tr h="370840">
+                <a:tc>
+                  <a:txBody>
+                    <a:bodyPr/>
+                    <a:lstStyle/>
+                    <a:p>
+                      <a:pPr marL="0" marR="0" lvl="0" indent="0" algn="l" defTabSz="914400" rtl="0" eaLnBrk="1" fontAlgn="auto" latinLnBrk="0" hangingPunct="1">
+                        <a:lnSpc>
+                          <a:spcPct val="100000"/>
+                        </a:lnSpc>
+                        <a:spcBef>
+                          <a:spcPts val="0"/>
+                        </a:spcBef>
+                        <a:spcAft>
+                          <a:spcPts val="0"/>
+                        </a:spcAft>
+                        <a:buClrTx/>
+                        <a:buSzTx/>
+                        <a:buFontTx/>
+                        <a:buNone/>
+                        <a:tabLst/>
+                        <a:defRPr/>
+                      </a:pPr>
+                      <a:r>
+                        <a:rPr lang="nl-BE" dirty="0"/>
+                        <a:t>Philippe </a:t>
+                      </a:r>
+                      <a:r>
+                        <a:rPr lang="nl-BE" dirty="0" err="1"/>
+                        <a:t>Laffineur</a:t>
+                      </a:r>
+                      <a:endParaRPr lang="nl-BE" dirty="0"/>
+                    </a:p>
+                  </a:txBody>
+                  <a:tcPr>
+                    <a:lnL w="12700" cap="flat" cmpd="sng" algn="ctr">
+                      <a:solidFill>
+                        <a:schemeClr val="tx1"/>
+                      </a:solidFill>
+                      <a:prstDash val="solid"/>
+                      <a:round/>
+                      <a:headEnd type="none" w="med" len="med"/>
+                      <a:tailEnd type="none" w="med" len="med"/>
+                    </a:lnL>
+                  </a:tcPr>
+                </a:tc>
+                <a:tc>
+                  <a:txBody>
+                    <a:bodyPr/>
+                    <a:lstStyle/>
+                    <a:p>
+                      <a:pPr marL="0" marR="0" lvl="0" indent="0" algn="l" defTabSz="914400" rtl="0" eaLnBrk="1" fontAlgn="auto" latinLnBrk="0" hangingPunct="1">
+                        <a:lnSpc>
+                          <a:spcPct val="100000"/>
+                        </a:lnSpc>
+                        <a:spcBef>
+                          <a:spcPts val="0"/>
+                        </a:spcBef>
+                        <a:spcAft>
+                          <a:spcPts val="0"/>
+                        </a:spcAft>
+                        <a:buClrTx/>
+                        <a:buSzTx/>
+                        <a:buFontTx/>
+                        <a:buNone/>
+                        <a:tabLst/>
+                        <a:defRPr/>
+                      </a:pPr>
+                      <a:r>
+                        <a:rPr lang="nl-BE" dirty="0"/>
+                        <a:t>Analyse oefenzitting</a:t>
+                      </a:r>
+                    </a:p>
+                  </a:txBody>
+                  <a:tcPr/>
+                </a:tc>
+                <a:tc>
+                  <a:txBody>
+                    <a:bodyPr/>
+                    <a:lstStyle/>
+                    <a:p>
+                      <a:pPr marL="0" marR="0" lvl="0" indent="0" algn="l" defTabSz="914400" rtl="0" eaLnBrk="1" fontAlgn="auto" latinLnBrk="0" hangingPunct="1">
+                        <a:lnSpc>
+                          <a:spcPct val="100000"/>
+                        </a:lnSpc>
+                        <a:spcBef>
+                          <a:spcPts val="0"/>
+                        </a:spcBef>
+                        <a:spcAft>
+                          <a:spcPts val="0"/>
+                        </a:spcAft>
+                        <a:buClrTx/>
+                        <a:buSzTx/>
+                        <a:buFontTx/>
+                        <a:buNone/>
+                        <a:tabLst/>
+                        <a:defRPr/>
+                      </a:pPr>
+                      <a:r>
+                        <a:rPr lang="nl-BE" dirty="0"/>
+                        <a:t>Analyse oefenzitting</a:t>
+                      </a:r>
+                    </a:p>
+                  </a:txBody>
+                  <a:tcPr/>
+                </a:tc>
+                <a:tc>
+                  <a:txBody>
+                    <a:bodyPr/>
+                    <a:lstStyle/>
+                    <a:p>
+                      <a:r>
+                        <a:rPr lang="nl-BE" dirty="0"/>
+                        <a:t>Report</a:t>
+                      </a:r>
+                    </a:p>
+                  </a:txBody>
+                  <a:tcPr/>
+                </a:tc>
+                <a:tc>
+                  <a:txBody>
+                    <a:bodyPr/>
+                    <a:lstStyle/>
+                    <a:p>
+                      <a:r>
+                        <a:rPr lang="nl-BE" dirty="0"/>
+                        <a:t>Report</a:t>
+                      </a:r>
+                    </a:p>
+                  </a:txBody>
+                  <a:tcPr>
+                    <a:lnR w="12700" cap="flat" cmpd="sng" algn="ctr">
+                      <a:solidFill>
+                        <a:schemeClr val="tx1"/>
+                      </a:solidFill>
+                      <a:prstDash val="solid"/>
+                      <a:round/>
+                      <a:headEnd type="none" w="med" len="med"/>
+                      <a:tailEnd type="none" w="med" len="med"/>
+                    </a:lnR>
+                  </a:tcPr>
+                </a:tc>
+                <a:extLst>
+                  <a:ext uri="{0D108BD9-81ED-4DB2-BD59-A6C34878D82A}">
+                    <a16:rowId xmlns:a16="http://schemas.microsoft.com/office/drawing/2014/main" val="4226429342"/>
+                  </a:ext>
+                </a:extLst>
+              </a:tr>
+              <a:tr h="370840">
+                <a:tc>
+                  <a:txBody>
+                    <a:bodyPr/>
+                    <a:lstStyle/>
+                    <a:p>
+                      <a:pPr marL="0" marR="0" lvl="0" indent="0" algn="l" defTabSz="914400" rtl="0" eaLnBrk="1" fontAlgn="auto" latinLnBrk="0" hangingPunct="1">
+                        <a:lnSpc>
+                          <a:spcPct val="100000"/>
+                        </a:lnSpc>
+                        <a:spcBef>
+                          <a:spcPts val="0"/>
+                        </a:spcBef>
+                        <a:spcAft>
+                          <a:spcPts val="0"/>
+                        </a:spcAft>
+                        <a:buClrTx/>
+                        <a:buSzTx/>
+                        <a:buFontTx/>
+                        <a:buNone/>
+                        <a:tabLst/>
+                        <a:defRPr/>
+                      </a:pPr>
+                      <a:r>
+                        <a:rPr lang="nl-BE" dirty="0" err="1"/>
+                        <a:t>Tjorben</a:t>
+                      </a:r>
+                      <a:r>
+                        <a:rPr lang="nl-BE" dirty="0"/>
+                        <a:t> </a:t>
+                      </a:r>
+                      <a:r>
+                        <a:rPr lang="nl-BE" dirty="0" err="1"/>
+                        <a:t>Godeau</a:t>
+                      </a:r>
+                      <a:endParaRPr lang="nl-BE" dirty="0"/>
+                    </a:p>
+                  </a:txBody>
+                  <a:tcPr>
+                    <a:lnL w="12700" cap="flat" cmpd="sng" algn="ctr">
+                      <a:solidFill>
+                        <a:schemeClr val="tx1"/>
+                      </a:solidFill>
+                      <a:prstDash val="solid"/>
+                      <a:round/>
+                      <a:headEnd type="none" w="med" len="med"/>
+                      <a:tailEnd type="none" w="med" len="med"/>
+                    </a:lnL>
+                    <a:lnB w="12700" cap="flat" cmpd="sng" algn="ctr">
+                      <a:solidFill>
+                        <a:schemeClr val="tx1"/>
+                      </a:solidFill>
+                      <a:prstDash val="solid"/>
+                      <a:round/>
+                      <a:headEnd type="none" w="med" len="med"/>
+                      <a:tailEnd type="none" w="med" len="med"/>
+                    </a:lnB>
+                  </a:tcPr>
+                </a:tc>
+                <a:tc>
+                  <a:txBody>
+                    <a:bodyPr/>
+                    <a:lstStyle/>
+                    <a:p>
+                      <a:pPr marL="0" marR="0" lvl="0" indent="0" algn="l" defTabSz="914400" rtl="0" eaLnBrk="1" fontAlgn="auto" latinLnBrk="0" hangingPunct="1">
+                        <a:lnSpc>
+                          <a:spcPct val="100000"/>
+                        </a:lnSpc>
+                        <a:spcBef>
+                          <a:spcPts val="0"/>
+                        </a:spcBef>
+                        <a:spcAft>
+                          <a:spcPts val="0"/>
+                        </a:spcAft>
+                        <a:buClrTx/>
+                        <a:buSzTx/>
+                        <a:buFontTx/>
+                        <a:buNone/>
+                        <a:tabLst/>
+                        <a:defRPr/>
+                      </a:pPr>
+                      <a:r>
+                        <a:rPr lang="nl-BE" dirty="0"/>
+                        <a:t>Analyse oefenzitting</a:t>
+                      </a:r>
+                    </a:p>
+                  </a:txBody>
+                  <a:tcPr>
+                    <a:lnB w="12700" cap="flat" cmpd="sng" algn="ctr">
+                      <a:solidFill>
+                        <a:schemeClr val="tx1"/>
+                      </a:solidFill>
+                      <a:prstDash val="solid"/>
+                      <a:round/>
+                      <a:headEnd type="none" w="med" len="med"/>
+                      <a:tailEnd type="none" w="med" len="med"/>
+                    </a:lnB>
+                  </a:tcPr>
+                </a:tc>
+                <a:tc>
+                  <a:txBody>
+                    <a:bodyPr/>
+                    <a:lstStyle/>
+                    <a:p>
+                      <a:pPr marL="0" marR="0" lvl="0" indent="0" algn="l" defTabSz="914400" rtl="0" eaLnBrk="1" fontAlgn="auto" latinLnBrk="0" hangingPunct="1">
+                        <a:lnSpc>
+                          <a:spcPct val="100000"/>
+                        </a:lnSpc>
+                        <a:spcBef>
+                          <a:spcPts val="0"/>
+                        </a:spcBef>
+                        <a:spcAft>
+                          <a:spcPts val="0"/>
+                        </a:spcAft>
+                        <a:buClrTx/>
+                        <a:buSzTx/>
+                        <a:buFontTx/>
+                        <a:buNone/>
+                        <a:tabLst/>
+                        <a:defRPr/>
+                      </a:pPr>
+                      <a:r>
+                        <a:rPr lang="nl-BE" dirty="0"/>
+                        <a:t>Analyse oefenzitting</a:t>
+                      </a:r>
+                    </a:p>
+                  </a:txBody>
+                  <a:tcPr>
+                    <a:lnB w="12700" cap="flat" cmpd="sng" algn="ctr">
+                      <a:solidFill>
+                        <a:schemeClr val="tx1"/>
+                      </a:solidFill>
+                      <a:prstDash val="solid"/>
+                      <a:round/>
+                      <a:headEnd type="none" w="med" len="med"/>
+                      <a:tailEnd type="none" w="med" len="med"/>
+                    </a:lnB>
+                  </a:tcPr>
+                </a:tc>
+                <a:tc>
+                  <a:txBody>
+                    <a:bodyPr/>
+                    <a:lstStyle/>
+                    <a:p>
+                      <a:r>
+                        <a:rPr lang="nl-BE" dirty="0"/>
+                        <a:t>Report</a:t>
+                      </a:r>
+                    </a:p>
+                  </a:txBody>
+                  <a:tcPr>
+                    <a:lnB w="12700" cap="flat" cmpd="sng" algn="ctr">
+                      <a:solidFill>
+                        <a:schemeClr val="tx1"/>
+                      </a:solidFill>
+                      <a:prstDash val="solid"/>
+                      <a:round/>
+                      <a:headEnd type="none" w="med" len="med"/>
+                      <a:tailEnd type="none" w="med" len="med"/>
+                    </a:lnB>
+                  </a:tcPr>
+                </a:tc>
+                <a:tc>
+                  <a:txBody>
+                    <a:bodyPr/>
+                    <a:lstStyle/>
+                    <a:p>
+                      <a:r>
+                        <a:rPr lang="nl-BE" dirty="0"/>
+                        <a:t>Report</a:t>
+                      </a:r>
+                    </a:p>
+                  </a:txBody>
+                  <a:tcPr>
+                    <a:lnR w="12700" cap="flat" cmpd="sng" algn="ctr">
+                      <a:solidFill>
+                        <a:schemeClr val="tx1"/>
+                      </a:solidFill>
+                      <a:prstDash val="solid"/>
+                      <a:round/>
+                      <a:headEnd type="none" w="med" len="med"/>
+                      <a:tailEnd type="none" w="med" len="med"/>
+                    </a:lnR>
+                    <a:lnB w="12700" cap="flat" cmpd="sng" algn="ctr">
+                      <a:solidFill>
+                        <a:schemeClr val="tx1"/>
+                      </a:solidFill>
+                      <a:prstDash val="solid"/>
+                      <a:round/>
+                      <a:headEnd type="none" w="med" len="med"/>
+                      <a:tailEnd type="none" w="med" len="med"/>
+                    </a:lnB>
+                  </a:tcPr>
+                </a:tc>
+                <a:extLst>
+                  <a:ext uri="{0D108BD9-81ED-4DB2-BD59-A6C34878D82A}">
+                    <a16:rowId xmlns:a16="http://schemas.microsoft.com/office/drawing/2014/main" val="3156394708"/>
+                  </a:ext>
+                </a:extLst>
+              </a:tr>
+            </a:tbl>
+          </a:graphicData>
+        </a:graphic>
+      </p:graphicFrame>
+      <p:sp>
+        <p:nvSpPr>
+          <p:cNvPr id="32" name="Rectangle 8">
+            <a:extLst>
+              <a:ext uri="{FF2B5EF4-FFF2-40B4-BE49-F238E27FC236}">
+                <a16:creationId xmlns:a16="http://schemas.microsoft.com/office/drawing/2014/main" id="{8532E473-3AD0-1ACA-DBD6-4C38F717FFAD}"/>
+              </a:ext>
+            </a:extLst>
+          </p:cNvPr>
+          <p:cNvSpPr>
+            <a:spLocks noChangeArrowheads="1"/>
+          </p:cNvSpPr>
+          <p:nvPr/>
+        </p:nvSpPr>
+        <p:spPr bwMode="auto">
+          <a:xfrm>
+            <a:off x="576000" y="3212786"/>
+            <a:ext cx="11311200" cy="304800"/>
+          </a:xfrm>
+          <a:prstGeom prst="rect">
+            <a:avLst/>
+          </a:prstGeom>
+          <a:solidFill>
+            <a:schemeClr val="tx2">
+              <a:lumMod val="75000"/>
+            </a:schemeClr>
+          </a:solidFill>
+          <a:ln w="9525">
+            <a:solidFill>
+              <a:srgbClr val="333333"/>
+            </a:solidFill>
+            <a:miter lim="800000"/>
+            <a:headEnd/>
+            <a:tailEnd/>
+          </a:ln>
+          <a:effectLst/>
+        </p:spPr>
+        <p:txBody>
+          <a:bodyPr wrap="none" anchor="ctr"/>
+          <a:lstStyle/>
+          <a:p>
+            <a:r>
+              <a:rPr lang="en-US" altLang="nl-BE" sz="1400" b="1" dirty="0" err="1">
+                <a:solidFill>
+                  <a:schemeClr val="bg1"/>
+                </a:solidFill>
+                <a:latin typeface="Verdana" panose="020B0604030504040204" pitchFamily="34" charset="0"/>
+              </a:rPr>
+              <a:t>Uitgevoerde</a:t>
+            </a:r>
+            <a:r>
+              <a:rPr lang="en-US" altLang="nl-BE" sz="1400" b="1" dirty="0">
+                <a:solidFill>
+                  <a:schemeClr val="bg1"/>
+                </a:solidFill>
+                <a:latin typeface="Verdana" panose="020B0604030504040204" pitchFamily="34" charset="0"/>
+              </a:rPr>
+              <a:t> taken </a:t>
+            </a:r>
+            <a:r>
+              <a:rPr lang="en-US" altLang="nl-BE" sz="1400" b="1" dirty="0" err="1">
+                <a:solidFill>
+                  <a:schemeClr val="bg1"/>
+                </a:solidFill>
+                <a:latin typeface="Verdana" panose="020B0604030504040204" pitchFamily="34" charset="0"/>
+              </a:rPr>
+              <a:t>tijdens</a:t>
+            </a:r>
+            <a:r>
+              <a:rPr lang="en-US" altLang="nl-BE" sz="1400" b="1" dirty="0">
+                <a:solidFill>
+                  <a:schemeClr val="bg1"/>
+                </a:solidFill>
+                <a:latin typeface="Verdana" panose="020B0604030504040204" pitchFamily="34" charset="0"/>
+              </a:rPr>
+              <a:t> </a:t>
+            </a:r>
+            <a:r>
+              <a:rPr lang="en-US" altLang="nl-BE" sz="1400" b="1" dirty="0" err="1">
+                <a:solidFill>
+                  <a:schemeClr val="bg1"/>
+                </a:solidFill>
+                <a:latin typeface="Verdana" panose="020B0604030504040204" pitchFamily="34" charset="0"/>
+              </a:rPr>
+              <a:t>teamzitting</a:t>
+            </a:r>
+            <a:endParaRPr lang="en-US" altLang="nl-BE" sz="1400" b="1" dirty="0">
+              <a:solidFill>
+                <a:schemeClr val="bg1"/>
+              </a:solidFill>
+              <a:latin typeface="Verdana" panose="020B0604030504040204" pitchFamily="34" charset="0"/>
+            </a:endParaRPr>
+          </a:p>
+        </p:txBody>
+      </p:sp>
+      <p:sp>
+        <p:nvSpPr>
+          <p:cNvPr id="33" name="Rectangle 7">
+            <a:extLst>
+              <a:ext uri="{FF2B5EF4-FFF2-40B4-BE49-F238E27FC236}">
+                <a16:creationId xmlns:a16="http://schemas.microsoft.com/office/drawing/2014/main" id="{8C784DF3-91D0-06EA-41CD-A662AB28C0FF}"/>
+              </a:ext>
+            </a:extLst>
+          </p:cNvPr>
+          <p:cNvSpPr>
+            <a:spLocks noChangeArrowheads="1"/>
+          </p:cNvSpPr>
+          <p:nvPr/>
+        </p:nvSpPr>
+        <p:spPr bwMode="auto">
+          <a:xfrm>
+            <a:off x="6946320" y="695718"/>
+            <a:ext cx="4940880" cy="1018404"/>
+          </a:xfrm>
+          <a:prstGeom prst="rect">
+            <a:avLst/>
+          </a:prstGeom>
+          <a:noFill/>
+          <a:ln w="9525">
+            <a:solidFill>
+              <a:srgbClr val="333333"/>
+            </a:solidFill>
+            <a:miter lim="800000"/>
+            <a:headEnd/>
+            <a:tailEnd/>
+          </a:ln>
+          <a:effectLst/>
+          <a:extLst>
+            <a:ext uri="{909E8E84-426E-40DD-AFC4-6F175D3DCCD1}">
+              <a14:hiddenFill xmlns:a14="http://schemas.microsoft.com/office/drawing/2010/main">
+                <a:solidFill>
+                  <a:schemeClr val="accent1"/>
+                </a:solidFill>
+              </a14:hiddenFill>
+            </a:ext>
+            <a:ext uri="{AF507438-7753-43E0-B8FC-AC1667EBCBE1}">
+              <a14:hiddenEffects xmlns:a14="http://schemas.microsoft.com/office/drawing/2010/main">
+                <a:effectLst>
+                  <a:outerShdw dist="35921" dir="2700000" algn="ctr" rotWithShape="0">
+                    <a:schemeClr val="bg2"/>
+                  </a:outerShdw>
+                </a:effectLst>
+              </a14:hiddenEffects>
+            </a:ext>
+          </a:extLst>
+        </p:spPr>
+        <p:txBody>
+          <a:bodyPr wrap="none" anchor="ctr"/>
+          <a:lstStyle/>
+          <a:p>
+            <a:endParaRPr lang="nl-BE"/>
+          </a:p>
+        </p:txBody>
+      </p:sp>
+      <p:sp>
+        <p:nvSpPr>
+          <p:cNvPr id="34" name="Rectangle 8">
+            <a:extLst>
+              <a:ext uri="{FF2B5EF4-FFF2-40B4-BE49-F238E27FC236}">
+                <a16:creationId xmlns:a16="http://schemas.microsoft.com/office/drawing/2014/main" id="{DAE5054B-71F1-C2E9-80C9-BD8557A87D5A}"/>
+              </a:ext>
+            </a:extLst>
+          </p:cNvPr>
+          <p:cNvSpPr>
+            <a:spLocks noChangeArrowheads="1"/>
+          </p:cNvSpPr>
+          <p:nvPr/>
+        </p:nvSpPr>
+        <p:spPr bwMode="auto">
+          <a:xfrm>
+            <a:off x="6946320" y="695718"/>
+            <a:ext cx="4940880" cy="304800"/>
+          </a:xfrm>
+          <a:prstGeom prst="rect">
+            <a:avLst/>
+          </a:prstGeom>
+          <a:solidFill>
+            <a:schemeClr val="tx2">
+              <a:lumMod val="75000"/>
+            </a:schemeClr>
+          </a:solidFill>
+          <a:ln w="9525">
+            <a:solidFill>
+              <a:srgbClr val="333333"/>
+            </a:solidFill>
+            <a:miter lim="800000"/>
+            <a:headEnd/>
+            <a:tailEnd/>
+          </a:ln>
+          <a:effectLst/>
+        </p:spPr>
+        <p:txBody>
+          <a:bodyPr wrap="none" anchor="ctr"/>
+          <a:lstStyle/>
+          <a:p>
+            <a:r>
+              <a:rPr lang="en-US" altLang="nl-BE" sz="1400" b="1" dirty="0" err="1">
+                <a:solidFill>
+                  <a:schemeClr val="bg1"/>
+                </a:solidFill>
+                <a:latin typeface="Verdana" panose="020B0604030504040204" pitchFamily="34" charset="0"/>
+              </a:rPr>
+              <a:t>Voltooide</a:t>
+            </a:r>
+            <a:r>
+              <a:rPr lang="en-US" altLang="nl-BE" sz="1400" b="1" dirty="0">
+                <a:solidFill>
+                  <a:schemeClr val="bg1"/>
+                </a:solidFill>
+                <a:latin typeface="Verdana" panose="020B0604030504040204" pitchFamily="34" charset="0"/>
+              </a:rPr>
+              <a:t> </a:t>
+            </a:r>
+            <a:r>
+              <a:rPr lang="en-US" altLang="nl-BE" sz="1400" b="1" dirty="0" err="1">
+                <a:solidFill>
+                  <a:schemeClr val="bg1"/>
+                </a:solidFill>
+                <a:latin typeface="Verdana" panose="020B0604030504040204" pitchFamily="34" charset="0"/>
+              </a:rPr>
+              <a:t>acties</a:t>
+            </a:r>
+            <a:r>
+              <a:rPr lang="en-US" altLang="nl-BE" sz="1400" b="1" dirty="0">
+                <a:solidFill>
+                  <a:schemeClr val="bg1"/>
+                </a:solidFill>
+                <a:latin typeface="Verdana" panose="020B0604030504040204" pitchFamily="34" charset="0"/>
+              </a:rPr>
+              <a:t> – </a:t>
+            </a:r>
+            <a:r>
+              <a:rPr lang="en-US" altLang="nl-BE" sz="1400" b="1" dirty="0" err="1">
+                <a:solidFill>
+                  <a:schemeClr val="bg1"/>
+                </a:solidFill>
+                <a:latin typeface="Verdana" panose="020B0604030504040204" pitchFamily="34" charset="0"/>
+              </a:rPr>
+              <a:t>mijlpalen</a:t>
+            </a:r>
+            <a:endParaRPr lang="en-US" altLang="nl-BE" sz="1400" b="1" dirty="0">
+              <a:solidFill>
+                <a:schemeClr val="bg1"/>
+              </a:solidFill>
+              <a:latin typeface="Verdana" panose="020B0604030504040204" pitchFamily="34" charset="0"/>
+            </a:endParaRPr>
+          </a:p>
+        </p:txBody>
+      </p:sp>
+      <p:sp>
+        <p:nvSpPr>
+          <p:cNvPr id="35" name="Rectangle 20">
+            <a:extLst>
+              <a:ext uri="{FF2B5EF4-FFF2-40B4-BE49-F238E27FC236}">
+                <a16:creationId xmlns:a16="http://schemas.microsoft.com/office/drawing/2014/main" id="{CA220699-8C1A-C150-E2CF-34C808F65288}"/>
+              </a:ext>
+            </a:extLst>
+          </p:cNvPr>
+          <p:cNvSpPr>
+            <a:spLocks noChangeArrowheads="1"/>
+          </p:cNvSpPr>
+          <p:nvPr/>
+        </p:nvSpPr>
+        <p:spPr bwMode="auto">
+          <a:xfrm>
+            <a:off x="6946320" y="1000518"/>
+            <a:ext cx="4940880" cy="713604"/>
+          </a:xfrm>
+          <a:prstGeom prst="rect">
+            <a:avLst/>
+          </a:prstGeom>
+          <a:noFill/>
+          <a:ln>
+            <a:noFill/>
+          </a:ln>
+          <a:effectLst/>
+          <a:extLst>
+            <a:ext uri="{909E8E84-426E-40DD-AFC4-6F175D3DCCD1}">
+              <a14:hiddenFill xmlns:a14="http://schemas.microsoft.com/office/drawing/2010/main">
+                <a:solidFill>
+                  <a:srgbClr val="333333"/>
+                </a:solidFill>
+              </a14:hiddenFill>
+            </a:ext>
+            <a:ext uri="{91240B29-F687-4F45-9708-019B960494DF}">
+              <a14:hiddenLine xmlns:a14="http://schemas.microsoft.com/office/drawing/2010/main" w="9525">
+                <a:solidFill>
+                  <a:srgbClr val="333333"/>
+                </a:solidFill>
+                <a:miter lim="800000"/>
+                <a:headEnd/>
+                <a:tailEnd/>
+              </a14:hiddenLine>
+            </a:ext>
+            <a:ext uri="{AF507438-7753-43E0-B8FC-AC1667EBCBE1}">
+              <a14:hiddenEffects xmlns:a14="http://schemas.microsoft.com/office/drawing/2010/main">
+                <a:effectLst>
+                  <a:outerShdw dist="35921" dir="2700000" algn="ctr" rotWithShape="0">
+                    <a:schemeClr val="bg2"/>
+                  </a:outerShdw>
+                </a:effectLst>
+              </a14:hiddenEffects>
+            </a:ext>
+          </a:extLst>
+        </p:spPr>
+        <p:txBody>
+          <a:bodyPr wrap="none"/>
+          <a:lstStyle/>
+          <a:p>
+            <a:endParaRPr lang="en-US" altLang="nl-BE" sz="1200" dirty="0">
+              <a:solidFill>
+                <a:srgbClr val="333333"/>
+              </a:solidFill>
+              <a:latin typeface="Verdana" panose="020B0604030504040204" pitchFamily="34" charset="0"/>
+            </a:endParaRPr>
+          </a:p>
+        </p:txBody>
+      </p:sp>
+      <p:sp>
+        <p:nvSpPr>
+          <p:cNvPr id="36" name="Rectangle 7">
+            <a:extLst>
+              <a:ext uri="{FF2B5EF4-FFF2-40B4-BE49-F238E27FC236}">
+                <a16:creationId xmlns:a16="http://schemas.microsoft.com/office/drawing/2014/main" id="{E522FAAD-4C4E-A54F-A8AD-49240F449D94}"/>
+              </a:ext>
+            </a:extLst>
+          </p:cNvPr>
+          <p:cNvSpPr>
+            <a:spLocks noChangeArrowheads="1"/>
+          </p:cNvSpPr>
+          <p:nvPr/>
+        </p:nvSpPr>
+        <p:spPr bwMode="auto">
+          <a:xfrm>
+            <a:off x="6946320" y="1901580"/>
+            <a:ext cx="4940880" cy="1018404"/>
+          </a:xfrm>
+          <a:prstGeom prst="rect">
+            <a:avLst/>
+          </a:prstGeom>
+          <a:noFill/>
+          <a:ln w="9525">
+            <a:solidFill>
+              <a:srgbClr val="333333"/>
+            </a:solidFill>
+            <a:miter lim="800000"/>
+            <a:headEnd/>
+            <a:tailEnd/>
+          </a:ln>
+          <a:effectLst/>
+          <a:extLst>
+            <a:ext uri="{909E8E84-426E-40DD-AFC4-6F175D3DCCD1}">
+              <a14:hiddenFill xmlns:a14="http://schemas.microsoft.com/office/drawing/2010/main">
+                <a:solidFill>
+                  <a:schemeClr val="accent1"/>
+                </a:solidFill>
+              </a14:hiddenFill>
+            </a:ext>
+            <a:ext uri="{AF507438-7753-43E0-B8FC-AC1667EBCBE1}">
+              <a14:hiddenEffects xmlns:a14="http://schemas.microsoft.com/office/drawing/2010/main">
+                <a:effectLst>
+                  <a:outerShdw dist="35921" dir="2700000" algn="ctr" rotWithShape="0">
+                    <a:schemeClr val="bg2"/>
+                  </a:outerShdw>
+                </a:effectLst>
+              </a14:hiddenEffects>
+            </a:ext>
+          </a:extLst>
+        </p:spPr>
+        <p:txBody>
+          <a:bodyPr wrap="none" anchor="ctr"/>
+          <a:lstStyle/>
+          <a:p>
+            <a:endParaRPr lang="nl-BE"/>
+          </a:p>
+        </p:txBody>
+      </p:sp>
+      <p:sp>
+        <p:nvSpPr>
+          <p:cNvPr id="37" name="Rectangle 8">
+            <a:extLst>
+              <a:ext uri="{FF2B5EF4-FFF2-40B4-BE49-F238E27FC236}">
+                <a16:creationId xmlns:a16="http://schemas.microsoft.com/office/drawing/2014/main" id="{27D7948D-3EDF-A9AD-5576-B7B4C9037342}"/>
+              </a:ext>
+            </a:extLst>
+          </p:cNvPr>
+          <p:cNvSpPr>
+            <a:spLocks noChangeArrowheads="1"/>
+          </p:cNvSpPr>
+          <p:nvPr/>
+        </p:nvSpPr>
+        <p:spPr bwMode="auto">
+          <a:xfrm>
+            <a:off x="6946320" y="1901580"/>
+            <a:ext cx="4940880" cy="304800"/>
+          </a:xfrm>
+          <a:prstGeom prst="rect">
+            <a:avLst/>
+          </a:prstGeom>
+          <a:solidFill>
+            <a:schemeClr val="tx2">
+              <a:lumMod val="75000"/>
+            </a:schemeClr>
+          </a:solidFill>
+          <a:ln w="9525">
+            <a:solidFill>
+              <a:srgbClr val="333333"/>
+            </a:solidFill>
+            <a:miter lim="800000"/>
+            <a:headEnd/>
+            <a:tailEnd/>
+          </a:ln>
+          <a:effectLst/>
+        </p:spPr>
+        <p:txBody>
+          <a:bodyPr wrap="none" anchor="ctr"/>
+          <a:lstStyle/>
+          <a:p>
+            <a:r>
+              <a:rPr lang="en-US" altLang="nl-BE" sz="1400" b="1" dirty="0" err="1">
+                <a:solidFill>
+                  <a:schemeClr val="bg1"/>
+                </a:solidFill>
+                <a:latin typeface="Verdana" panose="020B0604030504040204" pitchFamily="34" charset="0"/>
+              </a:rPr>
+              <a:t>Lopende</a:t>
+            </a:r>
+            <a:r>
+              <a:rPr lang="en-US" altLang="nl-BE" sz="1400" b="1" dirty="0">
+                <a:solidFill>
+                  <a:schemeClr val="bg1"/>
+                </a:solidFill>
+                <a:latin typeface="Verdana" panose="020B0604030504040204" pitchFamily="34" charset="0"/>
+              </a:rPr>
+              <a:t> </a:t>
+            </a:r>
+            <a:r>
+              <a:rPr lang="en-US" altLang="nl-BE" sz="1400" b="1" dirty="0" err="1">
+                <a:solidFill>
+                  <a:schemeClr val="bg1"/>
+                </a:solidFill>
+                <a:latin typeface="Verdana" panose="020B0604030504040204" pitchFamily="34" charset="0"/>
+              </a:rPr>
+              <a:t>acties</a:t>
+            </a:r>
+            <a:r>
+              <a:rPr lang="en-US" altLang="nl-BE" sz="1400" b="1" dirty="0">
+                <a:solidFill>
+                  <a:schemeClr val="bg1"/>
+                </a:solidFill>
+                <a:latin typeface="Verdana" panose="020B0604030504040204" pitchFamily="34" charset="0"/>
+              </a:rPr>
+              <a:t> – </a:t>
+            </a:r>
+            <a:r>
+              <a:rPr lang="en-US" altLang="nl-BE" sz="1400" b="1" dirty="0" err="1">
+                <a:solidFill>
+                  <a:schemeClr val="bg1"/>
+                </a:solidFill>
+                <a:latin typeface="Verdana" panose="020B0604030504040204" pitchFamily="34" charset="0"/>
+              </a:rPr>
+              <a:t>volgende</a:t>
+            </a:r>
+            <a:r>
+              <a:rPr lang="en-US" altLang="nl-BE" sz="1400" b="1" dirty="0">
+                <a:solidFill>
+                  <a:schemeClr val="bg1"/>
+                </a:solidFill>
+                <a:latin typeface="Verdana" panose="020B0604030504040204" pitchFamily="34" charset="0"/>
+              </a:rPr>
+              <a:t> </a:t>
+            </a:r>
+            <a:r>
+              <a:rPr lang="en-US" altLang="nl-BE" sz="1400" b="1" dirty="0" err="1">
+                <a:solidFill>
+                  <a:schemeClr val="bg1"/>
+                </a:solidFill>
+                <a:latin typeface="Verdana" panose="020B0604030504040204" pitchFamily="34" charset="0"/>
+              </a:rPr>
+              <a:t>stappen</a:t>
+            </a:r>
+            <a:endParaRPr lang="en-US" altLang="nl-BE" sz="1400" b="1" dirty="0">
+              <a:solidFill>
+                <a:schemeClr val="bg1"/>
+              </a:solidFill>
+              <a:latin typeface="Verdana" panose="020B0604030504040204" pitchFamily="34" charset="0"/>
+            </a:endParaRPr>
+          </a:p>
+        </p:txBody>
+      </p:sp>
+      <p:sp>
+        <p:nvSpPr>
+          <p:cNvPr id="38" name="Rectangle 20">
+            <a:extLst>
+              <a:ext uri="{FF2B5EF4-FFF2-40B4-BE49-F238E27FC236}">
+                <a16:creationId xmlns:a16="http://schemas.microsoft.com/office/drawing/2014/main" id="{2728EF24-94C7-6A18-7240-28E5437CB6DC}"/>
+              </a:ext>
+            </a:extLst>
+          </p:cNvPr>
+          <p:cNvSpPr>
+            <a:spLocks noChangeArrowheads="1"/>
+          </p:cNvSpPr>
+          <p:nvPr/>
+        </p:nvSpPr>
+        <p:spPr bwMode="auto">
+          <a:xfrm>
+            <a:off x="6946320" y="2206380"/>
+            <a:ext cx="4940880" cy="713604"/>
+          </a:xfrm>
+          <a:prstGeom prst="rect">
+            <a:avLst/>
+          </a:prstGeom>
+          <a:noFill/>
+          <a:ln>
+            <a:noFill/>
+          </a:ln>
+          <a:effectLst/>
+          <a:extLst>
+            <a:ext uri="{909E8E84-426E-40DD-AFC4-6F175D3DCCD1}">
+              <a14:hiddenFill xmlns:a14="http://schemas.microsoft.com/office/drawing/2010/main">
+                <a:solidFill>
+                  <a:srgbClr val="333333"/>
+                </a:solidFill>
+              </a14:hiddenFill>
+            </a:ext>
+            <a:ext uri="{91240B29-F687-4F45-9708-019B960494DF}">
+              <a14:hiddenLine xmlns:a14="http://schemas.microsoft.com/office/drawing/2010/main" w="9525">
+                <a:solidFill>
+                  <a:srgbClr val="333333"/>
+                </a:solidFill>
+                <a:miter lim="800000"/>
+                <a:headEnd/>
+                <a:tailEnd/>
+              </a14:hiddenLine>
+            </a:ext>
+            <a:ext uri="{AF507438-7753-43E0-B8FC-AC1667EBCBE1}">
+              <a14:hiddenEffects xmlns:a14="http://schemas.microsoft.com/office/drawing/2010/main">
+                <a:effectLst>
+                  <a:outerShdw dist="35921" dir="2700000" algn="ctr" rotWithShape="0">
+                    <a:schemeClr val="bg2"/>
+                  </a:outerShdw>
+                </a:effectLst>
+              </a14:hiddenEffects>
+            </a:ext>
+          </a:extLst>
+        </p:spPr>
+        <p:txBody>
+          <a:bodyPr wrap="none"/>
+          <a:lstStyle/>
+          <a:p>
+            <a:pPr>
+              <a:buFontTx/>
+              <a:buChar char="•"/>
+            </a:pPr>
+            <a:r>
+              <a:rPr lang="en-US" altLang="nl-BE" sz="1200" dirty="0">
+                <a:solidFill>
+                  <a:srgbClr val="333333"/>
+                </a:solidFill>
+                <a:latin typeface="Verdana" panose="020B0604030504040204" pitchFamily="34" charset="0"/>
+              </a:rPr>
+              <a:t> Interim report</a:t>
+            </a:r>
+          </a:p>
+          <a:p>
+            <a:pPr>
+              <a:buFontTx/>
+              <a:buChar char="•"/>
+            </a:pPr>
+            <a:endParaRPr lang="en-US" altLang="nl-BE" sz="1200" dirty="0">
+              <a:solidFill>
+                <a:srgbClr val="333333"/>
+              </a:solidFill>
+              <a:latin typeface="Verdana" panose="020B0604030504040204" pitchFamily="34" charset="0"/>
+            </a:endParaRPr>
+          </a:p>
+          <a:p>
+            <a:endParaRPr lang="en-US" altLang="nl-BE" sz="1200" dirty="0">
+              <a:solidFill>
+                <a:srgbClr val="333333"/>
+              </a:solidFill>
+              <a:latin typeface="Verdana" panose="020B0604030504040204" pitchFamily="34" charset="0"/>
+            </a:endParaRPr>
+          </a:p>
+          <a:p>
+            <a:pPr>
+              <a:buFontTx/>
+              <a:buChar char="•"/>
+            </a:pPr>
+            <a:endParaRPr lang="en-US" altLang="nl-BE" sz="1200" dirty="0">
+              <a:solidFill>
+                <a:srgbClr val="333333"/>
+              </a:solidFill>
+              <a:latin typeface="Verdana" panose="020B0604030504040204" pitchFamily="34" charset="0"/>
+            </a:endParaRPr>
+          </a:p>
+        </p:txBody>
+      </p:sp>
+    </p:spTree>
+    <p:extLst>
+      <p:ext uri="{BB962C8B-B14F-4D97-AF65-F5344CB8AC3E}">
+        <p14:creationId xmlns:p14="http://schemas.microsoft.com/office/powerpoint/2010/main" val="1411721921"/>
       </p:ext>
     </p:extLst>
   </p:cSld>

--- a/logboek_ESAT9A1.pptx
+++ b/logboek_ESAT9A1.pptx
@@ -6,10 +6,10 @@
     <p:sldMasterId id="2147483694" r:id="rId2"/>
   </p:sldMasterIdLst>
   <p:notesMasterIdLst>
-    <p:notesMasterId r:id="rId11"/>
+    <p:notesMasterId r:id="rId12"/>
   </p:notesMasterIdLst>
   <p:handoutMasterIdLst>
-    <p:handoutMasterId r:id="rId12"/>
+    <p:handoutMasterId r:id="rId13"/>
   </p:handoutMasterIdLst>
   <p:sldIdLst>
     <p:sldId id="261" r:id="rId3"/>
@@ -20,6 +20,7 @@
     <p:sldId id="266" r:id="rId8"/>
     <p:sldId id="267" r:id="rId9"/>
     <p:sldId id="268" r:id="rId10"/>
+    <p:sldId id="269" r:id="rId11"/>
   </p:sldIdLst>
   <p:sldSz cx="12192000" cy="6858000"/>
   <p:notesSz cx="6858000" cy="9144000"/>
@@ -277,7 +278,7 @@
           <a:p>
             <a:fld id="{E152A6D4-CD3D-5148-8B70-A84796F20135}" type="slidenum">
               <a:rPr lang="nl-NL" smtClean="0"/>
-              <a:t>‹nr.›</a:t>
+              <a:t>‹#›</a:t>
             </a:fld>
             <a:endParaRPr lang="nl-NL"/>
           </a:p>
@@ -534,7 +535,7 @@
           <a:p>
             <a:fld id="{8954E32A-327F-AF4B-8E1F-209FBF93D26D}" type="slidenum">
               <a:rPr lang="nl-NL" smtClean="0"/>
-              <a:t>‹nr.›</a:t>
+              <a:t>‹#›</a:t>
             </a:fld>
             <a:endParaRPr lang="nl-NL"/>
           </a:p>
@@ -1410,7 +1411,7 @@
           <a:p>
             <a:fld id="{CF179DAE-D0A6-40C3-B8BC-6A97C268D03A}" type="slidenum">
               <a:rPr lang="nl-NL" smtClean="0"/>
-              <a:t>‹nr.›</a:t>
+              <a:t>‹#›</a:t>
             </a:fld>
             <a:endParaRPr lang="nl-NL"/>
           </a:p>
@@ -1693,7 +1694,7 @@
           <a:p>
             <a:fld id="{CF179DAE-D0A6-40C3-B8BC-6A97C268D03A}" type="slidenum">
               <a:rPr lang="nl-NL" smtClean="0"/>
-              <a:t>‹nr.›</a:t>
+              <a:t>‹#›</a:t>
             </a:fld>
             <a:endParaRPr lang="nl-NL"/>
           </a:p>
@@ -2023,7 +2024,7 @@
           <a:p>
             <a:fld id="{0A297500-7527-634B-90F4-69D0994C32B4}" type="slidenum">
               <a:rPr lang="nl-NL" smtClean="0"/>
-              <a:t>‹nr.›</a:t>
+              <a:t>‹#›</a:t>
             </a:fld>
             <a:endParaRPr lang="nl-NL"/>
           </a:p>
@@ -2343,7 +2344,7 @@
           <a:p>
             <a:fld id="{0A297500-7527-634B-90F4-69D0994C32B4}" type="slidenum">
               <a:rPr lang="nl-NL" smtClean="0"/>
-              <a:t>‹nr.›</a:t>
+              <a:t>‹#›</a:t>
             </a:fld>
             <a:endParaRPr lang="nl-NL"/>
           </a:p>
@@ -2664,7 +2665,7 @@
           <a:p>
             <a:fld id="{0A297500-7527-634B-90F4-69D0994C32B4}" type="slidenum">
               <a:rPr lang="nl-NL" smtClean="0"/>
-              <a:t>‹nr.›</a:t>
+              <a:t>‹#›</a:t>
             </a:fld>
             <a:endParaRPr lang="nl-NL"/>
           </a:p>
@@ -2806,7 +2807,7 @@
           <a:p>
             <a:fld id="{0A297500-7527-634B-90F4-69D0994C32B4}" type="slidenum">
               <a:rPr lang="nl-NL" smtClean="0"/>
-              <a:t>‹nr.›</a:t>
+              <a:t>‹#›</a:t>
             </a:fld>
             <a:endParaRPr lang="nl-NL"/>
           </a:p>
@@ -3290,7 +3291,7 @@
           <a:p>
             <a:fld id="{0A297500-7527-634B-90F4-69D0994C32B4}" type="slidenum">
               <a:rPr lang="nl-NL" smtClean="0"/>
-              <a:t>‹nr.›</a:t>
+              <a:t>‹#›</a:t>
             </a:fld>
             <a:endParaRPr lang="nl-NL"/>
           </a:p>
@@ -3411,7 +3412,7 @@
           <a:p>
             <a:fld id="{0A297500-7527-634B-90F4-69D0994C32B4}" type="slidenum">
               <a:rPr lang="nl-NL" smtClean="0"/>
-              <a:t>‹nr.›</a:t>
+              <a:t>‹#›</a:t>
             </a:fld>
             <a:endParaRPr lang="nl-NL"/>
           </a:p>
@@ -3532,7 +3533,7 @@
           <a:p>
             <a:fld id="{0A297500-7527-634B-90F4-69D0994C32B4}" type="slidenum">
               <a:rPr lang="nl-NL" smtClean="0"/>
-              <a:t>‹nr.›</a:t>
+              <a:t>‹#›</a:t>
             </a:fld>
             <a:endParaRPr lang="nl-NL"/>
           </a:p>
@@ -3714,7 +3715,7 @@
           <a:p>
             <a:fld id="{0A297500-7527-634B-90F4-69D0994C32B4}" type="slidenum">
               <a:rPr lang="nl-NL" smtClean="0"/>
-              <a:t>‹nr.›</a:t>
+              <a:t>‹#›</a:t>
             </a:fld>
             <a:endParaRPr lang="nl-NL"/>
           </a:p>
@@ -4034,7 +4035,7 @@
             <a:fld id="{0A297500-7527-634B-90F4-69D0994C32B4}" type="slidenum">
               <a:rPr lang="nl-NL" smtClean="0"/>
               <a:pPr/>
-              <a:t>‹nr.›</a:t>
+              <a:t>‹#›</a:t>
             </a:fld>
             <a:endParaRPr lang="nl-NL" dirty="0"/>
           </a:p>
@@ -4675,7 +4676,7 @@
             <a:fld id="{0A297500-7527-634B-90F4-69D0994C32B4}" type="slidenum">
               <a:rPr lang="nl-NL" smtClean="0"/>
               <a:pPr/>
-              <a:t>‹nr.›</a:t>
+              <a:t>‹#›</a:t>
             </a:fld>
             <a:endParaRPr lang="nl-NL" dirty="0"/>
           </a:p>
@@ -16666,7 +16667,7 @@
           <a:p>
             <a:r>
               <a:rPr lang="nl-BE" dirty="0"/>
-              <a:t>Week 4 (27/10/2022)</a:t>
+              <a:t>Week 4 (24/10/2022)</a:t>
             </a:r>
           </a:p>
         </p:txBody>
@@ -18629,6 +18630,2123 @@
     <p:extLst>
       <p:ext uri="{BB962C8B-B14F-4D97-AF65-F5344CB8AC3E}">
         <p14:creationId xmlns:p14="http://schemas.microsoft.com/office/powerpoint/2010/main" val="1411721921"/>
+      </p:ext>
+    </p:extLst>
+  </p:cSld>
+  <p:clrMapOvr>
+    <a:masterClrMapping/>
+  </p:clrMapOvr>
+</p:sld>
+</file>
+
+<file path=ppt/slides/slide9.xml><?xml version="1.0" encoding="utf-8"?>
+<p:sld xmlns:a="http://schemas.openxmlformats.org/drawingml/2006/main" xmlns:r="http://schemas.openxmlformats.org/officeDocument/2006/relationships" xmlns:p="http://schemas.openxmlformats.org/presentationml/2006/main">
+  <p:cSld>
+    <p:spTree>
+      <p:nvGrpSpPr>
+        <p:cNvPr id="1" name=""/>
+        <p:cNvGrpSpPr/>
+        <p:nvPr/>
+      </p:nvGrpSpPr>
+      <p:grpSpPr>
+        <a:xfrm>
+          <a:off x="0" y="0"/>
+          <a:ext cx="0" cy="0"/>
+          <a:chOff x="0" y="0"/>
+          <a:chExt cx="0" cy="0"/>
+        </a:xfrm>
+      </p:grpSpPr>
+      <p:sp>
+        <p:nvSpPr>
+          <p:cNvPr id="3" name="Tijdelijke aanduiding voor voettekst 2">
+            <a:extLst>
+              <a:ext uri="{FF2B5EF4-FFF2-40B4-BE49-F238E27FC236}">
+                <a16:creationId xmlns:a16="http://schemas.microsoft.com/office/drawing/2014/main" id="{8A4675E4-17D3-F776-F4A4-379D7D7DF71F}"/>
+              </a:ext>
+            </a:extLst>
+          </p:cNvPr>
+          <p:cNvSpPr>
+            <a:spLocks noGrp="1"/>
+          </p:cNvSpPr>
+          <p:nvPr>
+            <p:ph type="ftr" sz="quarter" idx="11"/>
+          </p:nvPr>
+        </p:nvSpPr>
+        <p:spPr/>
+        <p:txBody>
+          <a:bodyPr/>
+          <a:lstStyle/>
+          <a:p>
+            <a:r>
+              <a:rPr lang="nl-NL"/>
+              <a:t>Faculty, department, unit ...</a:t>
+            </a:r>
+          </a:p>
+        </p:txBody>
+      </p:sp>
+      <p:sp>
+        <p:nvSpPr>
+          <p:cNvPr id="4" name="Tijdelijke aanduiding voor dianummer 3">
+            <a:extLst>
+              <a:ext uri="{FF2B5EF4-FFF2-40B4-BE49-F238E27FC236}">
+                <a16:creationId xmlns:a16="http://schemas.microsoft.com/office/drawing/2014/main" id="{033BF3EA-AA33-261E-8D31-8101DCD638CC}"/>
+              </a:ext>
+            </a:extLst>
+          </p:cNvPr>
+          <p:cNvSpPr>
+            <a:spLocks noGrp="1"/>
+          </p:cNvSpPr>
+          <p:nvPr>
+            <p:ph type="sldNum" sz="quarter" idx="12"/>
+          </p:nvPr>
+        </p:nvSpPr>
+        <p:spPr/>
+        <p:txBody>
+          <a:bodyPr/>
+          <a:lstStyle/>
+          <a:p>
+            <a:fld id="{0A297500-7527-634B-90F4-69D0994C32B4}" type="slidenum">
+              <a:rPr lang="nl-NL" smtClean="0"/>
+              <a:t>9</a:t>
+            </a:fld>
+            <a:endParaRPr lang="nl-NL"/>
+          </a:p>
+        </p:txBody>
+      </p:sp>
+      <p:sp>
+        <p:nvSpPr>
+          <p:cNvPr id="5" name="Titel 4">
+            <a:extLst>
+              <a:ext uri="{FF2B5EF4-FFF2-40B4-BE49-F238E27FC236}">
+                <a16:creationId xmlns:a16="http://schemas.microsoft.com/office/drawing/2014/main" id="{0AB90542-B085-F406-9290-1072716337BA}"/>
+              </a:ext>
+            </a:extLst>
+          </p:cNvPr>
+          <p:cNvSpPr>
+            <a:spLocks noGrp="1"/>
+          </p:cNvSpPr>
+          <p:nvPr>
+            <p:ph type="title"/>
+          </p:nvPr>
+        </p:nvSpPr>
+        <p:spPr>
+          <a:xfrm>
+            <a:off x="576000" y="134978"/>
+            <a:ext cx="11041200" cy="1152000"/>
+          </a:xfrm>
+        </p:spPr>
+        <p:txBody>
+          <a:bodyPr/>
+          <a:lstStyle/>
+          <a:p>
+            <a:r>
+              <a:rPr lang="nl-BE" dirty="0"/>
+              <a:t>Week 4 (27/10/2022)</a:t>
+            </a:r>
+          </a:p>
+        </p:txBody>
+      </p:sp>
+      <p:sp>
+        <p:nvSpPr>
+          <p:cNvPr id="28" name="Rectangle 7">
+            <a:extLst>
+              <a:ext uri="{FF2B5EF4-FFF2-40B4-BE49-F238E27FC236}">
+                <a16:creationId xmlns:a16="http://schemas.microsoft.com/office/drawing/2014/main" id="{1ED11395-C284-9D31-0A1F-8CE593280307}"/>
+              </a:ext>
+            </a:extLst>
+          </p:cNvPr>
+          <p:cNvSpPr>
+            <a:spLocks noChangeArrowheads="1"/>
+          </p:cNvSpPr>
+          <p:nvPr/>
+        </p:nvSpPr>
+        <p:spPr bwMode="auto">
+          <a:xfrm>
+            <a:off x="580800" y="1348510"/>
+            <a:ext cx="4940880" cy="1767742"/>
+          </a:xfrm>
+          <a:prstGeom prst="rect">
+            <a:avLst/>
+          </a:prstGeom>
+          <a:noFill/>
+          <a:ln w="9525">
+            <a:solidFill>
+              <a:srgbClr val="333333"/>
+            </a:solidFill>
+            <a:miter lim="800000"/>
+            <a:headEnd/>
+            <a:tailEnd/>
+          </a:ln>
+          <a:effectLst/>
+          <a:extLst>
+            <a:ext uri="{909E8E84-426E-40DD-AFC4-6F175D3DCCD1}">
+              <a14:hiddenFill xmlns:a14="http://schemas.microsoft.com/office/drawing/2010/main">
+                <a:solidFill>
+                  <a:schemeClr val="accent1"/>
+                </a:solidFill>
+              </a14:hiddenFill>
+            </a:ext>
+            <a:ext uri="{AF507438-7753-43E0-B8FC-AC1667EBCBE1}">
+              <a14:hiddenEffects xmlns:a14="http://schemas.microsoft.com/office/drawing/2010/main">
+                <a:effectLst>
+                  <a:outerShdw dist="35921" dir="2700000" algn="ctr" rotWithShape="0">
+                    <a:schemeClr val="bg2"/>
+                  </a:outerShdw>
+                </a:effectLst>
+              </a14:hiddenEffects>
+            </a:ext>
+          </a:extLst>
+        </p:spPr>
+        <p:txBody>
+          <a:bodyPr wrap="none" anchor="ctr"/>
+          <a:lstStyle/>
+          <a:p>
+            <a:endParaRPr lang="nl-BE"/>
+          </a:p>
+        </p:txBody>
+      </p:sp>
+      <p:sp>
+        <p:nvSpPr>
+          <p:cNvPr id="29" name="Rectangle 8">
+            <a:extLst>
+              <a:ext uri="{FF2B5EF4-FFF2-40B4-BE49-F238E27FC236}">
+                <a16:creationId xmlns:a16="http://schemas.microsoft.com/office/drawing/2014/main" id="{6FC4B744-16AC-500A-BBB9-19F5AFB1A6F4}"/>
+              </a:ext>
+            </a:extLst>
+          </p:cNvPr>
+          <p:cNvSpPr>
+            <a:spLocks noChangeArrowheads="1"/>
+          </p:cNvSpPr>
+          <p:nvPr/>
+        </p:nvSpPr>
+        <p:spPr bwMode="auto">
+          <a:xfrm>
+            <a:off x="580800" y="1365141"/>
+            <a:ext cx="4940880" cy="304800"/>
+          </a:xfrm>
+          <a:prstGeom prst="rect">
+            <a:avLst/>
+          </a:prstGeom>
+          <a:solidFill>
+            <a:schemeClr val="tx2">
+              <a:lumMod val="75000"/>
+            </a:schemeClr>
+          </a:solidFill>
+          <a:ln w="9525">
+            <a:solidFill>
+              <a:srgbClr val="333333"/>
+            </a:solidFill>
+            <a:miter lim="800000"/>
+            <a:headEnd/>
+            <a:tailEnd/>
+          </a:ln>
+          <a:effectLst/>
+        </p:spPr>
+        <p:txBody>
+          <a:bodyPr wrap="none" anchor="ctr"/>
+          <a:lstStyle/>
+          <a:p>
+            <a:r>
+              <a:rPr lang="en-US" altLang="nl-BE" sz="1400" b="1">
+                <a:solidFill>
+                  <a:schemeClr val="bg1"/>
+                </a:solidFill>
+                <a:latin typeface="Verdana" panose="020B0604030504040204" pitchFamily="34" charset="0"/>
+              </a:rPr>
+              <a:t>Planning</a:t>
+            </a:r>
+          </a:p>
+        </p:txBody>
+      </p:sp>
+      <p:sp>
+        <p:nvSpPr>
+          <p:cNvPr id="30" name="Rectangle 20">
+            <a:extLst>
+              <a:ext uri="{FF2B5EF4-FFF2-40B4-BE49-F238E27FC236}">
+                <a16:creationId xmlns:a16="http://schemas.microsoft.com/office/drawing/2014/main" id="{F8F8537C-8B21-E85D-8ED6-BCD891428026}"/>
+              </a:ext>
+            </a:extLst>
+          </p:cNvPr>
+          <p:cNvSpPr>
+            <a:spLocks noChangeArrowheads="1"/>
+          </p:cNvSpPr>
+          <p:nvPr/>
+        </p:nvSpPr>
+        <p:spPr bwMode="auto">
+          <a:xfrm>
+            <a:off x="576000" y="1669941"/>
+            <a:ext cx="4940880" cy="713604"/>
+          </a:xfrm>
+          <a:prstGeom prst="rect">
+            <a:avLst/>
+          </a:prstGeom>
+          <a:noFill/>
+          <a:ln>
+            <a:noFill/>
+          </a:ln>
+          <a:effectLst/>
+          <a:extLst>
+            <a:ext uri="{909E8E84-426E-40DD-AFC4-6F175D3DCCD1}">
+              <a14:hiddenFill xmlns:a14="http://schemas.microsoft.com/office/drawing/2010/main">
+                <a:solidFill>
+                  <a:srgbClr val="333333"/>
+                </a:solidFill>
+              </a14:hiddenFill>
+            </a:ext>
+            <a:ext uri="{91240B29-F687-4F45-9708-019B960494DF}">
+              <a14:hiddenLine xmlns:a14="http://schemas.microsoft.com/office/drawing/2010/main" w="9525">
+                <a:solidFill>
+                  <a:srgbClr val="333333"/>
+                </a:solidFill>
+                <a:miter lim="800000"/>
+                <a:headEnd/>
+                <a:tailEnd/>
+              </a14:hiddenLine>
+            </a:ext>
+            <a:ext uri="{AF507438-7753-43E0-B8FC-AC1667EBCBE1}">
+              <a14:hiddenEffects xmlns:a14="http://schemas.microsoft.com/office/drawing/2010/main">
+                <a:effectLst>
+                  <a:outerShdw dist="35921" dir="2700000" algn="ctr" rotWithShape="0">
+                    <a:schemeClr val="bg2"/>
+                  </a:outerShdw>
+                </a:effectLst>
+              </a14:hiddenEffects>
+            </a:ext>
+          </a:extLst>
+        </p:spPr>
+        <p:txBody>
+          <a:bodyPr wrap="none"/>
+          <a:lstStyle/>
+          <a:p>
+            <a:pPr>
+              <a:buFontTx/>
+              <a:buChar char="•"/>
+            </a:pPr>
+            <a:r>
+              <a:rPr lang="en-US" altLang="nl-BE" sz="1200" dirty="0">
+                <a:solidFill>
+                  <a:srgbClr val="333333"/>
+                </a:solidFill>
+                <a:latin typeface="Verdana" panose="020B0604030504040204" pitchFamily="34" charset="0"/>
+              </a:rPr>
+              <a:t> Looking for hardware</a:t>
+            </a:r>
+          </a:p>
+          <a:p>
+            <a:pPr>
+              <a:buFontTx/>
+              <a:buChar char="•"/>
+            </a:pPr>
+            <a:r>
+              <a:rPr lang="en-US" altLang="nl-BE" sz="1200" dirty="0">
+                <a:solidFill>
+                  <a:srgbClr val="333333"/>
+                </a:solidFill>
+                <a:latin typeface="Verdana" panose="020B0604030504040204" pitchFamily="34" charset="0"/>
+              </a:rPr>
+              <a:t> Report</a:t>
+            </a:r>
+          </a:p>
+          <a:p>
+            <a:pPr>
+              <a:buFontTx/>
+              <a:buChar char="•"/>
+            </a:pPr>
+            <a:endParaRPr lang="en-US" altLang="nl-BE" sz="1200" dirty="0">
+              <a:solidFill>
+                <a:srgbClr val="333333"/>
+              </a:solidFill>
+              <a:latin typeface="Verdana" panose="020B0604030504040204" pitchFamily="34" charset="0"/>
+            </a:endParaRPr>
+          </a:p>
+        </p:txBody>
+      </p:sp>
+      <p:graphicFrame>
+        <p:nvGraphicFramePr>
+          <p:cNvPr id="31" name="Table 8">
+            <a:extLst>
+              <a:ext uri="{FF2B5EF4-FFF2-40B4-BE49-F238E27FC236}">
+                <a16:creationId xmlns:a16="http://schemas.microsoft.com/office/drawing/2014/main" id="{39209D40-A90A-28AF-7EE5-2185F6AED7D9}"/>
+              </a:ext>
+            </a:extLst>
+          </p:cNvPr>
+          <p:cNvGraphicFramePr>
+            <a:graphicFrameLocks noGrp="1"/>
+          </p:cNvGraphicFramePr>
+          <p:nvPr>
+            <p:extLst>
+              <p:ext uri="{D42A27DB-BD31-4B8C-83A1-F6EECF244321}">
+                <p14:modId xmlns:p14="http://schemas.microsoft.com/office/powerpoint/2010/main" val="897788488"/>
+              </p:ext>
+            </p:extLst>
+          </p:nvPr>
+        </p:nvGraphicFramePr>
+        <p:xfrm>
+          <a:off x="580800" y="3517586"/>
+          <a:ext cx="11306400" cy="2595880"/>
+        </p:xfrm>
+        <a:graphic>
+          <a:graphicData uri="http://schemas.openxmlformats.org/drawingml/2006/table">
+            <a:tbl>
+              <a:tblPr firstRow="1" bandRow="1">
+                <a:tableStyleId>{5C22544A-7EE6-4342-B048-85BDC9FD1C3A}</a:tableStyleId>
+              </a:tblPr>
+              <a:tblGrid>
+                <a:gridCol w="2261280">
+                  <a:extLst>
+                    <a:ext uri="{9D8B030D-6E8A-4147-A177-3AD203B41FA5}">
+                      <a16:colId xmlns:a16="http://schemas.microsoft.com/office/drawing/2014/main" val="3222044758"/>
+                    </a:ext>
+                  </a:extLst>
+                </a:gridCol>
+                <a:gridCol w="2261280">
+                  <a:extLst>
+                    <a:ext uri="{9D8B030D-6E8A-4147-A177-3AD203B41FA5}">
+                      <a16:colId xmlns:a16="http://schemas.microsoft.com/office/drawing/2014/main" val="23332546"/>
+                    </a:ext>
+                  </a:extLst>
+                </a:gridCol>
+                <a:gridCol w="2261280">
+                  <a:extLst>
+                    <a:ext uri="{9D8B030D-6E8A-4147-A177-3AD203B41FA5}">
+                      <a16:colId xmlns:a16="http://schemas.microsoft.com/office/drawing/2014/main" val="62682046"/>
+                    </a:ext>
+                  </a:extLst>
+                </a:gridCol>
+                <a:gridCol w="2261280">
+                  <a:extLst>
+                    <a:ext uri="{9D8B030D-6E8A-4147-A177-3AD203B41FA5}">
+                      <a16:colId xmlns:a16="http://schemas.microsoft.com/office/drawing/2014/main" val="1440099295"/>
+                    </a:ext>
+                  </a:extLst>
+                </a:gridCol>
+                <a:gridCol w="2261280">
+                  <a:extLst>
+                    <a:ext uri="{9D8B030D-6E8A-4147-A177-3AD203B41FA5}">
+                      <a16:colId xmlns:a16="http://schemas.microsoft.com/office/drawing/2014/main" val="2799077174"/>
+                    </a:ext>
+                  </a:extLst>
+                </a:gridCol>
+              </a:tblGrid>
+              <a:tr h="370840">
+                <a:tc>
+                  <a:txBody>
+                    <a:bodyPr/>
+                    <a:lstStyle/>
+                    <a:p>
+                      <a:r>
+                        <a:rPr lang="nl-BE" dirty="0"/>
+                        <a:t>Naam student</a:t>
+                      </a:r>
+                    </a:p>
+                  </a:txBody>
+                  <a:tcPr>
+                    <a:lnL w="12700" cap="flat" cmpd="sng" algn="ctr">
+                      <a:solidFill>
+                        <a:schemeClr val="tx1"/>
+                      </a:solidFill>
+                      <a:prstDash val="solid"/>
+                      <a:round/>
+                      <a:headEnd type="none" w="med" len="med"/>
+                      <a:tailEnd type="none" w="med" len="med"/>
+                    </a:lnL>
+                    <a:lnT w="12700" cap="flat" cmpd="sng" algn="ctr">
+                      <a:solidFill>
+                        <a:schemeClr val="tx1"/>
+                      </a:solidFill>
+                      <a:prstDash val="solid"/>
+                      <a:round/>
+                      <a:headEnd type="none" w="med" len="med"/>
+                      <a:tailEnd type="none" w="med" len="med"/>
+                    </a:lnT>
+                  </a:tcPr>
+                </a:tc>
+                <a:tc>
+                  <a:txBody>
+                    <a:bodyPr/>
+                    <a:lstStyle/>
+                    <a:p>
+                      <a:r>
+                        <a:rPr lang="nl-BE" dirty="0"/>
+                        <a:t>14u00-15u00</a:t>
+                      </a:r>
+                    </a:p>
+                  </a:txBody>
+                  <a:tcPr>
+                    <a:lnT w="12700" cap="flat" cmpd="sng" algn="ctr">
+                      <a:solidFill>
+                        <a:schemeClr val="tx1"/>
+                      </a:solidFill>
+                      <a:prstDash val="solid"/>
+                      <a:round/>
+                      <a:headEnd type="none" w="med" len="med"/>
+                      <a:tailEnd type="none" w="med" len="med"/>
+                    </a:lnT>
+                  </a:tcPr>
+                </a:tc>
+                <a:tc>
+                  <a:txBody>
+                    <a:bodyPr/>
+                    <a:lstStyle/>
+                    <a:p>
+                      <a:r>
+                        <a:rPr lang="nl-BE" dirty="0"/>
+                        <a:t>15u00-16u00</a:t>
+                      </a:r>
+                    </a:p>
+                  </a:txBody>
+                  <a:tcPr>
+                    <a:lnT w="12700" cap="flat" cmpd="sng" algn="ctr">
+                      <a:solidFill>
+                        <a:schemeClr val="tx1"/>
+                      </a:solidFill>
+                      <a:prstDash val="solid"/>
+                      <a:round/>
+                      <a:headEnd type="none" w="med" len="med"/>
+                      <a:tailEnd type="none" w="med" len="med"/>
+                    </a:lnT>
+                  </a:tcPr>
+                </a:tc>
+                <a:tc>
+                  <a:txBody>
+                    <a:bodyPr/>
+                    <a:lstStyle/>
+                    <a:p>
+                      <a:r>
+                        <a:rPr lang="nl-BE" dirty="0"/>
+                        <a:t>16u00-17u00</a:t>
+                      </a:r>
+                    </a:p>
+                  </a:txBody>
+                  <a:tcPr>
+                    <a:lnT w="12700" cap="flat" cmpd="sng" algn="ctr">
+                      <a:solidFill>
+                        <a:schemeClr val="tx1"/>
+                      </a:solidFill>
+                      <a:prstDash val="solid"/>
+                      <a:round/>
+                      <a:headEnd type="none" w="med" len="med"/>
+                      <a:tailEnd type="none" w="med" len="med"/>
+                    </a:lnT>
+                  </a:tcPr>
+                </a:tc>
+                <a:tc>
+                  <a:txBody>
+                    <a:bodyPr/>
+                    <a:lstStyle/>
+                    <a:p>
+                      <a:r>
+                        <a:rPr lang="nl-BE" dirty="0"/>
+                        <a:t>17u00-18u00</a:t>
+                      </a:r>
+                    </a:p>
+                  </a:txBody>
+                  <a:tcPr>
+                    <a:lnR w="12700" cap="flat" cmpd="sng" algn="ctr">
+                      <a:solidFill>
+                        <a:schemeClr val="tx1"/>
+                      </a:solidFill>
+                      <a:prstDash val="solid"/>
+                      <a:round/>
+                      <a:headEnd type="none" w="med" len="med"/>
+                      <a:tailEnd type="none" w="med" len="med"/>
+                    </a:lnR>
+                    <a:lnT w="12700" cap="flat" cmpd="sng" algn="ctr">
+                      <a:solidFill>
+                        <a:schemeClr val="tx1"/>
+                      </a:solidFill>
+                      <a:prstDash val="solid"/>
+                      <a:round/>
+                      <a:headEnd type="none" w="med" len="med"/>
+                      <a:tailEnd type="none" w="med" len="med"/>
+                    </a:lnT>
+                  </a:tcPr>
+                </a:tc>
+                <a:extLst>
+                  <a:ext uri="{0D108BD9-81ED-4DB2-BD59-A6C34878D82A}">
+                    <a16:rowId xmlns:a16="http://schemas.microsoft.com/office/drawing/2014/main" val="1545514501"/>
+                  </a:ext>
+                </a:extLst>
+              </a:tr>
+              <a:tr h="370840">
+                <a:tc>
+                  <a:txBody>
+                    <a:bodyPr/>
+                    <a:lstStyle/>
+                    <a:p>
+                      <a:r>
+                        <a:rPr lang="nl-BE" dirty="0"/>
+                        <a:t>Arne </a:t>
+                      </a:r>
+                      <a:r>
+                        <a:rPr lang="nl-BE" dirty="0" err="1"/>
+                        <a:t>Lemahieu</a:t>
+                      </a:r>
+                      <a:endParaRPr lang="nl-BE" dirty="0"/>
+                    </a:p>
+                  </a:txBody>
+                  <a:tcPr>
+                    <a:lnL w="12700" cap="flat" cmpd="sng" algn="ctr">
+                      <a:solidFill>
+                        <a:schemeClr val="tx1"/>
+                      </a:solidFill>
+                      <a:prstDash val="solid"/>
+                      <a:round/>
+                      <a:headEnd type="none" w="med" len="med"/>
+                      <a:tailEnd type="none" w="med" len="med"/>
+                    </a:lnL>
+                  </a:tcPr>
+                </a:tc>
+                <a:tc>
+                  <a:txBody>
+                    <a:bodyPr/>
+                    <a:lstStyle/>
+                    <a:p>
+                      <a:r>
+                        <a:rPr lang="nl-BE" dirty="0"/>
+                        <a:t>Report</a:t>
+                      </a:r>
+                    </a:p>
+                  </a:txBody>
+                  <a:tcPr/>
+                </a:tc>
+                <a:tc>
+                  <a:txBody>
+                    <a:bodyPr/>
+                    <a:lstStyle/>
+                    <a:p>
+                      <a:pPr marL="0" marR="0" lvl="0" indent="0" algn="l" defTabSz="914400" rtl="0" eaLnBrk="1" fontAlgn="auto" latinLnBrk="0" hangingPunct="1">
+                        <a:lnSpc>
+                          <a:spcPct val="100000"/>
+                        </a:lnSpc>
+                        <a:spcBef>
+                          <a:spcPts val="0"/>
+                        </a:spcBef>
+                        <a:spcAft>
+                          <a:spcPts val="0"/>
+                        </a:spcAft>
+                        <a:buClrTx/>
+                        <a:buSzTx/>
+                        <a:buFontTx/>
+                        <a:buNone/>
+                        <a:tabLst/>
+                        <a:defRPr/>
+                      </a:pPr>
+                      <a:r>
+                        <a:rPr lang="nl-BE" dirty="0"/>
+                        <a:t>Report</a:t>
+                      </a:r>
+                    </a:p>
+                  </a:txBody>
+                  <a:tcPr/>
+                </a:tc>
+                <a:tc>
+                  <a:txBody>
+                    <a:bodyPr/>
+                    <a:lstStyle/>
+                    <a:p>
+                      <a:pPr marL="0" marR="0" lvl="0" indent="0" algn="l" defTabSz="914400" rtl="0" eaLnBrk="1" fontAlgn="auto" latinLnBrk="0" hangingPunct="1">
+                        <a:lnSpc>
+                          <a:spcPct val="100000"/>
+                        </a:lnSpc>
+                        <a:spcBef>
+                          <a:spcPts val="0"/>
+                        </a:spcBef>
+                        <a:spcAft>
+                          <a:spcPts val="0"/>
+                        </a:spcAft>
+                        <a:buClrTx/>
+                        <a:buSzTx/>
+                        <a:buFontTx/>
+                        <a:buNone/>
+                        <a:tabLst/>
+                        <a:defRPr/>
+                      </a:pPr>
+                      <a:r>
+                        <a:rPr lang="nl-BE" dirty="0"/>
+                        <a:t>Report</a:t>
+                      </a:r>
+                    </a:p>
+                  </a:txBody>
+                  <a:tcPr/>
+                </a:tc>
+                <a:tc>
+                  <a:txBody>
+                    <a:bodyPr/>
+                    <a:lstStyle/>
+                    <a:p>
+                      <a:pPr marL="0" marR="0" lvl="0" indent="0" algn="l" defTabSz="914400" rtl="0" eaLnBrk="1" fontAlgn="auto" latinLnBrk="0" hangingPunct="1">
+                        <a:lnSpc>
+                          <a:spcPct val="100000"/>
+                        </a:lnSpc>
+                        <a:spcBef>
+                          <a:spcPts val="0"/>
+                        </a:spcBef>
+                        <a:spcAft>
+                          <a:spcPts val="0"/>
+                        </a:spcAft>
+                        <a:buClrTx/>
+                        <a:buSzTx/>
+                        <a:buFontTx/>
+                        <a:buNone/>
+                        <a:tabLst/>
+                        <a:defRPr/>
+                      </a:pPr>
+                      <a:r>
+                        <a:rPr lang="nl-BE"/>
+                        <a:t>Report</a:t>
+                      </a:r>
+                      <a:endParaRPr lang="nl-BE" dirty="0"/>
+                    </a:p>
+                  </a:txBody>
+                  <a:tcPr>
+                    <a:lnR w="12700" cap="flat" cmpd="sng" algn="ctr">
+                      <a:solidFill>
+                        <a:schemeClr val="tx1"/>
+                      </a:solidFill>
+                      <a:prstDash val="solid"/>
+                      <a:round/>
+                      <a:headEnd type="none" w="med" len="med"/>
+                      <a:tailEnd type="none" w="med" len="med"/>
+                    </a:lnR>
+                  </a:tcPr>
+                </a:tc>
+                <a:extLst>
+                  <a:ext uri="{0D108BD9-81ED-4DB2-BD59-A6C34878D82A}">
+                    <a16:rowId xmlns:a16="http://schemas.microsoft.com/office/drawing/2014/main" val="4272612081"/>
+                  </a:ext>
+                </a:extLst>
+              </a:tr>
+              <a:tr h="370840">
+                <a:tc>
+                  <a:txBody>
+                    <a:bodyPr/>
+                    <a:lstStyle/>
+                    <a:p>
+                      <a:pPr marL="0" marR="0" lvl="0" indent="0" algn="l" defTabSz="914400" rtl="0" eaLnBrk="1" fontAlgn="auto" latinLnBrk="0" hangingPunct="1">
+                        <a:lnSpc>
+                          <a:spcPct val="100000"/>
+                        </a:lnSpc>
+                        <a:spcBef>
+                          <a:spcPts val="0"/>
+                        </a:spcBef>
+                        <a:spcAft>
+                          <a:spcPts val="0"/>
+                        </a:spcAft>
+                        <a:buClrTx/>
+                        <a:buSzTx/>
+                        <a:buFontTx/>
+                        <a:buNone/>
+                        <a:tabLst/>
+                        <a:defRPr/>
+                      </a:pPr>
+                      <a:r>
+                        <a:rPr lang="nl-BE" dirty="0"/>
+                        <a:t>Kasper </a:t>
+                      </a:r>
+                      <a:r>
+                        <a:rPr lang="nl-BE" dirty="0" err="1"/>
+                        <a:t>Dumoulin</a:t>
+                      </a:r>
+                      <a:endParaRPr lang="nl-BE" dirty="0"/>
+                    </a:p>
+                  </a:txBody>
+                  <a:tcPr>
+                    <a:lnL w="12700" cap="flat" cmpd="sng" algn="ctr">
+                      <a:solidFill>
+                        <a:schemeClr val="tx1"/>
+                      </a:solidFill>
+                      <a:prstDash val="solid"/>
+                      <a:round/>
+                      <a:headEnd type="none" w="med" len="med"/>
+                      <a:tailEnd type="none" w="med" len="med"/>
+                    </a:lnL>
+                  </a:tcPr>
+                </a:tc>
+                <a:tc>
+                  <a:txBody>
+                    <a:bodyPr/>
+                    <a:lstStyle/>
+                    <a:p>
+                      <a:pPr marL="0" marR="0" lvl="0" indent="0" algn="l" defTabSz="914400" rtl="0" eaLnBrk="1" fontAlgn="auto" latinLnBrk="0" hangingPunct="1">
+                        <a:lnSpc>
+                          <a:spcPct val="100000"/>
+                        </a:lnSpc>
+                        <a:spcBef>
+                          <a:spcPts val="0"/>
+                        </a:spcBef>
+                        <a:spcAft>
+                          <a:spcPts val="0"/>
+                        </a:spcAft>
+                        <a:buClrTx/>
+                        <a:buSzTx/>
+                        <a:buFontTx/>
+                        <a:buNone/>
+                        <a:tabLst/>
+                        <a:defRPr/>
+                      </a:pPr>
+                      <a:r>
+                        <a:rPr lang="nl-BE" dirty="0"/>
+                        <a:t>Report</a:t>
+                      </a:r>
+                    </a:p>
+                  </a:txBody>
+                  <a:tcPr/>
+                </a:tc>
+                <a:tc>
+                  <a:txBody>
+                    <a:bodyPr/>
+                    <a:lstStyle/>
+                    <a:p>
+                      <a:pPr marL="0" marR="0" lvl="0" indent="0" algn="l" defTabSz="914400" rtl="0" eaLnBrk="1" fontAlgn="auto" latinLnBrk="0" hangingPunct="1">
+                        <a:lnSpc>
+                          <a:spcPct val="100000"/>
+                        </a:lnSpc>
+                        <a:spcBef>
+                          <a:spcPts val="0"/>
+                        </a:spcBef>
+                        <a:spcAft>
+                          <a:spcPts val="0"/>
+                        </a:spcAft>
+                        <a:buClrTx/>
+                        <a:buSzTx/>
+                        <a:buFontTx/>
+                        <a:buNone/>
+                        <a:tabLst/>
+                        <a:defRPr/>
+                      </a:pPr>
+                      <a:r>
+                        <a:rPr lang="nl-BE" dirty="0"/>
+                        <a:t>Report</a:t>
+                      </a:r>
+                    </a:p>
+                  </a:txBody>
+                  <a:tcPr/>
+                </a:tc>
+                <a:tc>
+                  <a:txBody>
+                    <a:bodyPr/>
+                    <a:lstStyle/>
+                    <a:p>
+                      <a:r>
+                        <a:rPr lang="nl-BE" dirty="0"/>
+                        <a:t>Report</a:t>
+                      </a:r>
+                    </a:p>
+                  </a:txBody>
+                  <a:tcPr/>
+                </a:tc>
+                <a:tc>
+                  <a:txBody>
+                    <a:bodyPr/>
+                    <a:lstStyle/>
+                    <a:p>
+                      <a:r>
+                        <a:rPr lang="nl-BE"/>
+                        <a:t>Report</a:t>
+                      </a:r>
+                      <a:endParaRPr lang="nl-BE" dirty="0"/>
+                    </a:p>
+                  </a:txBody>
+                  <a:tcPr>
+                    <a:lnR w="12700" cap="flat" cmpd="sng" algn="ctr">
+                      <a:solidFill>
+                        <a:schemeClr val="tx1"/>
+                      </a:solidFill>
+                      <a:prstDash val="solid"/>
+                      <a:round/>
+                      <a:headEnd type="none" w="med" len="med"/>
+                      <a:tailEnd type="none" w="med" len="med"/>
+                    </a:lnR>
+                  </a:tcPr>
+                </a:tc>
+                <a:extLst>
+                  <a:ext uri="{0D108BD9-81ED-4DB2-BD59-A6C34878D82A}">
+                    <a16:rowId xmlns:a16="http://schemas.microsoft.com/office/drawing/2014/main" val="2535650466"/>
+                  </a:ext>
+                </a:extLst>
+              </a:tr>
+              <a:tr h="370840">
+                <a:tc>
+                  <a:txBody>
+                    <a:bodyPr/>
+                    <a:lstStyle/>
+                    <a:p>
+                      <a:pPr marL="0" marR="0" lvl="0" indent="0" algn="l" defTabSz="914400" rtl="0" eaLnBrk="1" fontAlgn="auto" latinLnBrk="0" hangingPunct="1">
+                        <a:lnSpc>
+                          <a:spcPct val="100000"/>
+                        </a:lnSpc>
+                        <a:spcBef>
+                          <a:spcPts val="0"/>
+                        </a:spcBef>
+                        <a:spcAft>
+                          <a:spcPts val="0"/>
+                        </a:spcAft>
+                        <a:buClrTx/>
+                        <a:buSzTx/>
+                        <a:buFontTx/>
+                        <a:buNone/>
+                        <a:tabLst/>
+                        <a:defRPr/>
+                      </a:pPr>
+                      <a:r>
+                        <a:rPr lang="nl-BE" dirty="0"/>
+                        <a:t>Mauro Janssens</a:t>
+                      </a:r>
+                    </a:p>
+                  </a:txBody>
+                  <a:tcPr>
+                    <a:lnL w="12700" cap="flat" cmpd="sng" algn="ctr">
+                      <a:solidFill>
+                        <a:schemeClr val="tx1"/>
+                      </a:solidFill>
+                      <a:prstDash val="solid"/>
+                      <a:round/>
+                      <a:headEnd type="none" w="med" len="med"/>
+                      <a:tailEnd type="none" w="med" len="med"/>
+                    </a:lnL>
+                  </a:tcPr>
+                </a:tc>
+                <a:tc>
+                  <a:txBody>
+                    <a:bodyPr/>
+                    <a:lstStyle/>
+                    <a:p>
+                      <a:pPr marL="0" marR="0" lvl="0" indent="0" algn="l" defTabSz="914400" rtl="0" eaLnBrk="1" fontAlgn="auto" latinLnBrk="0" hangingPunct="1">
+                        <a:lnSpc>
+                          <a:spcPct val="100000"/>
+                        </a:lnSpc>
+                        <a:spcBef>
+                          <a:spcPts val="0"/>
+                        </a:spcBef>
+                        <a:spcAft>
+                          <a:spcPts val="0"/>
+                        </a:spcAft>
+                        <a:buClrTx/>
+                        <a:buSzTx/>
+                        <a:buFontTx/>
+                        <a:buNone/>
+                        <a:tabLst/>
+                        <a:defRPr/>
+                      </a:pPr>
+                      <a:r>
+                        <a:rPr lang="nl-BE" dirty="0"/>
+                        <a:t>Report</a:t>
+                      </a:r>
+                    </a:p>
+                  </a:txBody>
+                  <a:tcPr/>
+                </a:tc>
+                <a:tc>
+                  <a:txBody>
+                    <a:bodyPr/>
+                    <a:lstStyle/>
+                    <a:p>
+                      <a:pPr marL="0" marR="0" lvl="0" indent="0" algn="l" defTabSz="914400" rtl="0" eaLnBrk="1" fontAlgn="auto" latinLnBrk="0" hangingPunct="1">
+                        <a:lnSpc>
+                          <a:spcPct val="100000"/>
+                        </a:lnSpc>
+                        <a:spcBef>
+                          <a:spcPts val="0"/>
+                        </a:spcBef>
+                        <a:spcAft>
+                          <a:spcPts val="0"/>
+                        </a:spcAft>
+                        <a:buClrTx/>
+                        <a:buSzTx/>
+                        <a:buFontTx/>
+                        <a:buNone/>
+                        <a:tabLst/>
+                        <a:defRPr/>
+                      </a:pPr>
+                      <a:r>
+                        <a:rPr lang="nl-BE" dirty="0"/>
+                        <a:t>Report</a:t>
+                      </a:r>
+                    </a:p>
+                  </a:txBody>
+                  <a:tcPr/>
+                </a:tc>
+                <a:tc>
+                  <a:txBody>
+                    <a:bodyPr/>
+                    <a:lstStyle/>
+                    <a:p>
+                      <a:r>
+                        <a:rPr lang="nl-BE" dirty="0"/>
+                        <a:t>Report</a:t>
+                      </a:r>
+                    </a:p>
+                  </a:txBody>
+                  <a:tcPr/>
+                </a:tc>
+                <a:tc>
+                  <a:txBody>
+                    <a:bodyPr/>
+                    <a:lstStyle/>
+                    <a:p>
+                      <a:r>
+                        <a:rPr lang="nl-BE"/>
+                        <a:t>Report</a:t>
+                      </a:r>
+                      <a:endParaRPr lang="nl-BE" dirty="0"/>
+                    </a:p>
+                  </a:txBody>
+                  <a:tcPr>
+                    <a:lnR w="12700" cap="flat" cmpd="sng" algn="ctr">
+                      <a:solidFill>
+                        <a:schemeClr val="tx1"/>
+                      </a:solidFill>
+                      <a:prstDash val="solid"/>
+                      <a:round/>
+                      <a:headEnd type="none" w="med" len="med"/>
+                      <a:tailEnd type="none" w="med" len="med"/>
+                    </a:lnR>
+                  </a:tcPr>
+                </a:tc>
+                <a:extLst>
+                  <a:ext uri="{0D108BD9-81ED-4DB2-BD59-A6C34878D82A}">
+                    <a16:rowId xmlns:a16="http://schemas.microsoft.com/office/drawing/2014/main" val="1056747163"/>
+                  </a:ext>
+                </a:extLst>
+              </a:tr>
+              <a:tr h="370840">
+                <a:tc>
+                  <a:txBody>
+                    <a:bodyPr/>
+                    <a:lstStyle/>
+                    <a:p>
+                      <a:pPr marL="0" marR="0" lvl="0" indent="0" algn="l" defTabSz="914400" rtl="0" eaLnBrk="1" fontAlgn="auto" latinLnBrk="0" hangingPunct="1">
+                        <a:lnSpc>
+                          <a:spcPct val="100000"/>
+                        </a:lnSpc>
+                        <a:spcBef>
+                          <a:spcPts val="0"/>
+                        </a:spcBef>
+                        <a:spcAft>
+                          <a:spcPts val="0"/>
+                        </a:spcAft>
+                        <a:buClrTx/>
+                        <a:buSzTx/>
+                        <a:buFontTx/>
+                        <a:buNone/>
+                        <a:tabLst/>
+                        <a:defRPr/>
+                      </a:pPr>
+                      <a:r>
+                        <a:rPr lang="nl-BE" dirty="0"/>
+                        <a:t>Pepijn Haenen</a:t>
+                      </a:r>
+                    </a:p>
+                  </a:txBody>
+                  <a:tcPr>
+                    <a:lnL w="12700" cap="flat" cmpd="sng" algn="ctr">
+                      <a:solidFill>
+                        <a:schemeClr val="tx1"/>
+                      </a:solidFill>
+                      <a:prstDash val="solid"/>
+                      <a:round/>
+                      <a:headEnd type="none" w="med" len="med"/>
+                      <a:tailEnd type="none" w="med" len="med"/>
+                    </a:lnL>
+                  </a:tcPr>
+                </a:tc>
+                <a:tc>
+                  <a:txBody>
+                    <a:bodyPr/>
+                    <a:lstStyle/>
+                    <a:p>
+                      <a:pPr marL="0" marR="0" lvl="0" indent="0" algn="l" defTabSz="914400" rtl="0" eaLnBrk="1" fontAlgn="auto" latinLnBrk="0" hangingPunct="1">
+                        <a:lnSpc>
+                          <a:spcPct val="100000"/>
+                        </a:lnSpc>
+                        <a:spcBef>
+                          <a:spcPts val="0"/>
+                        </a:spcBef>
+                        <a:spcAft>
+                          <a:spcPts val="0"/>
+                        </a:spcAft>
+                        <a:buClrTx/>
+                        <a:buSzTx/>
+                        <a:buFontTx/>
+                        <a:buNone/>
+                        <a:tabLst/>
+                        <a:defRPr/>
+                      </a:pPr>
+                      <a:r>
+                        <a:rPr lang="nl-BE" dirty="0"/>
+                        <a:t>Report</a:t>
+                      </a:r>
+                    </a:p>
+                  </a:txBody>
+                  <a:tcPr/>
+                </a:tc>
+                <a:tc>
+                  <a:txBody>
+                    <a:bodyPr/>
+                    <a:lstStyle/>
+                    <a:p>
+                      <a:pPr marL="0" marR="0" lvl="0" indent="0" algn="l" defTabSz="914400" rtl="0" eaLnBrk="1" fontAlgn="auto" latinLnBrk="0" hangingPunct="1">
+                        <a:lnSpc>
+                          <a:spcPct val="100000"/>
+                        </a:lnSpc>
+                        <a:spcBef>
+                          <a:spcPts val="0"/>
+                        </a:spcBef>
+                        <a:spcAft>
+                          <a:spcPts val="0"/>
+                        </a:spcAft>
+                        <a:buClrTx/>
+                        <a:buSzTx/>
+                        <a:buFontTx/>
+                        <a:buNone/>
+                        <a:tabLst/>
+                        <a:defRPr/>
+                      </a:pPr>
+                      <a:r>
+                        <a:rPr lang="nl-BE" dirty="0"/>
+                        <a:t>Report</a:t>
+                      </a:r>
+                    </a:p>
+                  </a:txBody>
+                  <a:tcPr/>
+                </a:tc>
+                <a:tc>
+                  <a:txBody>
+                    <a:bodyPr/>
+                    <a:lstStyle/>
+                    <a:p>
+                      <a:r>
+                        <a:rPr lang="nl-BE" dirty="0"/>
+                        <a:t>Report</a:t>
+                      </a:r>
+                    </a:p>
+                  </a:txBody>
+                  <a:tcPr/>
+                </a:tc>
+                <a:tc>
+                  <a:txBody>
+                    <a:bodyPr/>
+                    <a:lstStyle/>
+                    <a:p>
+                      <a:r>
+                        <a:rPr lang="nl-BE"/>
+                        <a:t>Report</a:t>
+                      </a:r>
+                      <a:endParaRPr lang="nl-BE" dirty="0"/>
+                    </a:p>
+                  </a:txBody>
+                  <a:tcPr>
+                    <a:lnR w="12700" cap="flat" cmpd="sng" algn="ctr">
+                      <a:solidFill>
+                        <a:schemeClr val="tx1"/>
+                      </a:solidFill>
+                      <a:prstDash val="solid"/>
+                      <a:round/>
+                      <a:headEnd type="none" w="med" len="med"/>
+                      <a:tailEnd type="none" w="med" len="med"/>
+                    </a:lnR>
+                  </a:tcPr>
+                </a:tc>
+                <a:extLst>
+                  <a:ext uri="{0D108BD9-81ED-4DB2-BD59-A6C34878D82A}">
+                    <a16:rowId xmlns:a16="http://schemas.microsoft.com/office/drawing/2014/main" val="4081416973"/>
+                  </a:ext>
+                </a:extLst>
+              </a:tr>
+              <a:tr h="370840">
+                <a:tc>
+                  <a:txBody>
+                    <a:bodyPr/>
+                    <a:lstStyle/>
+                    <a:p>
+                      <a:pPr marL="0" marR="0" lvl="0" indent="0" algn="l" defTabSz="914400" rtl="0" eaLnBrk="1" fontAlgn="auto" latinLnBrk="0" hangingPunct="1">
+                        <a:lnSpc>
+                          <a:spcPct val="100000"/>
+                        </a:lnSpc>
+                        <a:spcBef>
+                          <a:spcPts val="0"/>
+                        </a:spcBef>
+                        <a:spcAft>
+                          <a:spcPts val="0"/>
+                        </a:spcAft>
+                        <a:buClrTx/>
+                        <a:buSzTx/>
+                        <a:buFontTx/>
+                        <a:buNone/>
+                        <a:tabLst/>
+                        <a:defRPr/>
+                      </a:pPr>
+                      <a:r>
+                        <a:rPr lang="nl-BE" dirty="0"/>
+                        <a:t>Philippe </a:t>
+                      </a:r>
+                      <a:r>
+                        <a:rPr lang="nl-BE" dirty="0" err="1"/>
+                        <a:t>Laffineur</a:t>
+                      </a:r>
+                      <a:endParaRPr lang="nl-BE" dirty="0"/>
+                    </a:p>
+                  </a:txBody>
+                  <a:tcPr>
+                    <a:lnL w="12700" cap="flat" cmpd="sng" algn="ctr">
+                      <a:solidFill>
+                        <a:schemeClr val="tx1"/>
+                      </a:solidFill>
+                      <a:prstDash val="solid"/>
+                      <a:round/>
+                      <a:headEnd type="none" w="med" len="med"/>
+                      <a:tailEnd type="none" w="med" len="med"/>
+                    </a:lnL>
+                  </a:tcPr>
+                </a:tc>
+                <a:tc>
+                  <a:txBody>
+                    <a:bodyPr/>
+                    <a:lstStyle/>
+                    <a:p>
+                      <a:pPr marL="0" marR="0" lvl="0" indent="0" algn="l" defTabSz="914400" rtl="0" eaLnBrk="1" fontAlgn="auto" latinLnBrk="0" hangingPunct="1">
+                        <a:lnSpc>
+                          <a:spcPct val="100000"/>
+                        </a:lnSpc>
+                        <a:spcBef>
+                          <a:spcPts val="0"/>
+                        </a:spcBef>
+                        <a:spcAft>
+                          <a:spcPts val="0"/>
+                        </a:spcAft>
+                        <a:buClrTx/>
+                        <a:buSzTx/>
+                        <a:buFontTx/>
+                        <a:buNone/>
+                        <a:tabLst/>
+                        <a:defRPr/>
+                      </a:pPr>
+                      <a:r>
+                        <a:rPr lang="nl-BE" dirty="0"/>
+                        <a:t>Report</a:t>
+                      </a:r>
+                    </a:p>
+                  </a:txBody>
+                  <a:tcPr/>
+                </a:tc>
+                <a:tc>
+                  <a:txBody>
+                    <a:bodyPr/>
+                    <a:lstStyle/>
+                    <a:p>
+                      <a:pPr marL="0" marR="0" lvl="0" indent="0" algn="l" defTabSz="914400" rtl="0" eaLnBrk="1" fontAlgn="auto" latinLnBrk="0" hangingPunct="1">
+                        <a:lnSpc>
+                          <a:spcPct val="100000"/>
+                        </a:lnSpc>
+                        <a:spcBef>
+                          <a:spcPts val="0"/>
+                        </a:spcBef>
+                        <a:spcAft>
+                          <a:spcPts val="0"/>
+                        </a:spcAft>
+                        <a:buClrTx/>
+                        <a:buSzTx/>
+                        <a:buFontTx/>
+                        <a:buNone/>
+                        <a:tabLst/>
+                        <a:defRPr/>
+                      </a:pPr>
+                      <a:r>
+                        <a:rPr lang="nl-BE" dirty="0"/>
+                        <a:t>Report</a:t>
+                      </a:r>
+                    </a:p>
+                  </a:txBody>
+                  <a:tcPr/>
+                </a:tc>
+                <a:tc>
+                  <a:txBody>
+                    <a:bodyPr/>
+                    <a:lstStyle/>
+                    <a:p>
+                      <a:r>
+                        <a:rPr lang="nl-BE" dirty="0"/>
+                        <a:t>Report</a:t>
+                      </a:r>
+                    </a:p>
+                  </a:txBody>
+                  <a:tcPr/>
+                </a:tc>
+                <a:tc>
+                  <a:txBody>
+                    <a:bodyPr/>
+                    <a:lstStyle/>
+                    <a:p>
+                      <a:r>
+                        <a:rPr lang="nl-BE"/>
+                        <a:t>Report</a:t>
+                      </a:r>
+                      <a:endParaRPr lang="nl-BE" dirty="0"/>
+                    </a:p>
+                  </a:txBody>
+                  <a:tcPr>
+                    <a:lnR w="12700" cap="flat" cmpd="sng" algn="ctr">
+                      <a:solidFill>
+                        <a:schemeClr val="tx1"/>
+                      </a:solidFill>
+                      <a:prstDash val="solid"/>
+                      <a:round/>
+                      <a:headEnd type="none" w="med" len="med"/>
+                      <a:tailEnd type="none" w="med" len="med"/>
+                    </a:lnR>
+                  </a:tcPr>
+                </a:tc>
+                <a:extLst>
+                  <a:ext uri="{0D108BD9-81ED-4DB2-BD59-A6C34878D82A}">
+                    <a16:rowId xmlns:a16="http://schemas.microsoft.com/office/drawing/2014/main" val="4226429342"/>
+                  </a:ext>
+                </a:extLst>
+              </a:tr>
+              <a:tr h="370840">
+                <a:tc>
+                  <a:txBody>
+                    <a:bodyPr/>
+                    <a:lstStyle/>
+                    <a:p>
+                      <a:pPr marL="0" marR="0" lvl="0" indent="0" algn="l" defTabSz="914400" rtl="0" eaLnBrk="1" fontAlgn="auto" latinLnBrk="0" hangingPunct="1">
+                        <a:lnSpc>
+                          <a:spcPct val="100000"/>
+                        </a:lnSpc>
+                        <a:spcBef>
+                          <a:spcPts val="0"/>
+                        </a:spcBef>
+                        <a:spcAft>
+                          <a:spcPts val="0"/>
+                        </a:spcAft>
+                        <a:buClrTx/>
+                        <a:buSzTx/>
+                        <a:buFontTx/>
+                        <a:buNone/>
+                        <a:tabLst/>
+                        <a:defRPr/>
+                      </a:pPr>
+                      <a:r>
+                        <a:rPr lang="nl-BE" dirty="0" err="1"/>
+                        <a:t>Tjorben</a:t>
+                      </a:r>
+                      <a:r>
+                        <a:rPr lang="nl-BE" dirty="0"/>
+                        <a:t> </a:t>
+                      </a:r>
+                      <a:r>
+                        <a:rPr lang="nl-BE" dirty="0" err="1"/>
+                        <a:t>Godeau</a:t>
+                      </a:r>
+                      <a:endParaRPr lang="nl-BE" dirty="0"/>
+                    </a:p>
+                  </a:txBody>
+                  <a:tcPr>
+                    <a:lnL w="12700" cap="flat" cmpd="sng" algn="ctr">
+                      <a:solidFill>
+                        <a:schemeClr val="tx1"/>
+                      </a:solidFill>
+                      <a:prstDash val="solid"/>
+                      <a:round/>
+                      <a:headEnd type="none" w="med" len="med"/>
+                      <a:tailEnd type="none" w="med" len="med"/>
+                    </a:lnL>
+                    <a:lnB w="12700" cap="flat" cmpd="sng" algn="ctr">
+                      <a:solidFill>
+                        <a:schemeClr val="tx1"/>
+                      </a:solidFill>
+                      <a:prstDash val="solid"/>
+                      <a:round/>
+                      <a:headEnd type="none" w="med" len="med"/>
+                      <a:tailEnd type="none" w="med" len="med"/>
+                    </a:lnB>
+                  </a:tcPr>
+                </a:tc>
+                <a:tc>
+                  <a:txBody>
+                    <a:bodyPr/>
+                    <a:lstStyle/>
+                    <a:p>
+                      <a:pPr marL="0" marR="0" lvl="0" indent="0" algn="l" defTabSz="914400" rtl="0" eaLnBrk="1" fontAlgn="auto" latinLnBrk="0" hangingPunct="1">
+                        <a:lnSpc>
+                          <a:spcPct val="100000"/>
+                        </a:lnSpc>
+                        <a:spcBef>
+                          <a:spcPts val="0"/>
+                        </a:spcBef>
+                        <a:spcAft>
+                          <a:spcPts val="0"/>
+                        </a:spcAft>
+                        <a:buClrTx/>
+                        <a:buSzTx/>
+                        <a:buFontTx/>
+                        <a:buNone/>
+                        <a:tabLst/>
+                        <a:defRPr/>
+                      </a:pPr>
+                      <a:r>
+                        <a:rPr lang="nl-BE" dirty="0"/>
+                        <a:t>Report</a:t>
+                      </a:r>
+                    </a:p>
+                  </a:txBody>
+                  <a:tcPr>
+                    <a:lnB w="12700" cap="flat" cmpd="sng" algn="ctr">
+                      <a:solidFill>
+                        <a:schemeClr val="tx1"/>
+                      </a:solidFill>
+                      <a:prstDash val="solid"/>
+                      <a:round/>
+                      <a:headEnd type="none" w="med" len="med"/>
+                      <a:tailEnd type="none" w="med" len="med"/>
+                    </a:lnB>
+                  </a:tcPr>
+                </a:tc>
+                <a:tc>
+                  <a:txBody>
+                    <a:bodyPr/>
+                    <a:lstStyle/>
+                    <a:p>
+                      <a:pPr marL="0" marR="0" lvl="0" indent="0" algn="l" defTabSz="914400" rtl="0" eaLnBrk="1" fontAlgn="auto" latinLnBrk="0" hangingPunct="1">
+                        <a:lnSpc>
+                          <a:spcPct val="100000"/>
+                        </a:lnSpc>
+                        <a:spcBef>
+                          <a:spcPts val="0"/>
+                        </a:spcBef>
+                        <a:spcAft>
+                          <a:spcPts val="0"/>
+                        </a:spcAft>
+                        <a:buClrTx/>
+                        <a:buSzTx/>
+                        <a:buFontTx/>
+                        <a:buNone/>
+                        <a:tabLst/>
+                        <a:defRPr/>
+                      </a:pPr>
+                      <a:r>
+                        <a:rPr lang="nl-BE" dirty="0"/>
+                        <a:t>Report</a:t>
+                      </a:r>
+                    </a:p>
+                  </a:txBody>
+                  <a:tcPr>
+                    <a:lnB w="12700" cap="flat" cmpd="sng" algn="ctr">
+                      <a:solidFill>
+                        <a:schemeClr val="tx1"/>
+                      </a:solidFill>
+                      <a:prstDash val="solid"/>
+                      <a:round/>
+                      <a:headEnd type="none" w="med" len="med"/>
+                      <a:tailEnd type="none" w="med" len="med"/>
+                    </a:lnB>
+                  </a:tcPr>
+                </a:tc>
+                <a:tc>
+                  <a:txBody>
+                    <a:bodyPr/>
+                    <a:lstStyle/>
+                    <a:p>
+                      <a:r>
+                        <a:rPr lang="nl-BE"/>
+                        <a:t>Report</a:t>
+                      </a:r>
+                      <a:endParaRPr lang="nl-BE" dirty="0"/>
+                    </a:p>
+                  </a:txBody>
+                  <a:tcPr>
+                    <a:lnB w="12700" cap="flat" cmpd="sng" algn="ctr">
+                      <a:solidFill>
+                        <a:schemeClr val="tx1"/>
+                      </a:solidFill>
+                      <a:prstDash val="solid"/>
+                      <a:round/>
+                      <a:headEnd type="none" w="med" len="med"/>
+                      <a:tailEnd type="none" w="med" len="med"/>
+                    </a:lnB>
+                  </a:tcPr>
+                </a:tc>
+                <a:tc>
+                  <a:txBody>
+                    <a:bodyPr/>
+                    <a:lstStyle/>
+                    <a:p>
+                      <a:r>
+                        <a:rPr lang="nl-BE" dirty="0"/>
+                        <a:t>Report</a:t>
+                      </a:r>
+                    </a:p>
+                  </a:txBody>
+                  <a:tcPr>
+                    <a:lnR w="12700" cap="flat" cmpd="sng" algn="ctr">
+                      <a:solidFill>
+                        <a:schemeClr val="tx1"/>
+                      </a:solidFill>
+                      <a:prstDash val="solid"/>
+                      <a:round/>
+                      <a:headEnd type="none" w="med" len="med"/>
+                      <a:tailEnd type="none" w="med" len="med"/>
+                    </a:lnR>
+                    <a:lnB w="12700" cap="flat" cmpd="sng" algn="ctr">
+                      <a:solidFill>
+                        <a:schemeClr val="tx1"/>
+                      </a:solidFill>
+                      <a:prstDash val="solid"/>
+                      <a:round/>
+                      <a:headEnd type="none" w="med" len="med"/>
+                      <a:tailEnd type="none" w="med" len="med"/>
+                    </a:lnB>
+                  </a:tcPr>
+                </a:tc>
+                <a:extLst>
+                  <a:ext uri="{0D108BD9-81ED-4DB2-BD59-A6C34878D82A}">
+                    <a16:rowId xmlns:a16="http://schemas.microsoft.com/office/drawing/2014/main" val="3156394708"/>
+                  </a:ext>
+                </a:extLst>
+              </a:tr>
+            </a:tbl>
+          </a:graphicData>
+        </a:graphic>
+      </p:graphicFrame>
+      <p:sp>
+        <p:nvSpPr>
+          <p:cNvPr id="32" name="Rectangle 8">
+            <a:extLst>
+              <a:ext uri="{FF2B5EF4-FFF2-40B4-BE49-F238E27FC236}">
+                <a16:creationId xmlns:a16="http://schemas.microsoft.com/office/drawing/2014/main" id="{8532E473-3AD0-1ACA-DBD6-4C38F717FFAD}"/>
+              </a:ext>
+            </a:extLst>
+          </p:cNvPr>
+          <p:cNvSpPr>
+            <a:spLocks noChangeArrowheads="1"/>
+          </p:cNvSpPr>
+          <p:nvPr/>
+        </p:nvSpPr>
+        <p:spPr bwMode="auto">
+          <a:xfrm>
+            <a:off x="576000" y="3212786"/>
+            <a:ext cx="11311200" cy="304800"/>
+          </a:xfrm>
+          <a:prstGeom prst="rect">
+            <a:avLst/>
+          </a:prstGeom>
+          <a:solidFill>
+            <a:schemeClr val="tx2">
+              <a:lumMod val="75000"/>
+            </a:schemeClr>
+          </a:solidFill>
+          <a:ln w="9525">
+            <a:solidFill>
+              <a:srgbClr val="333333"/>
+            </a:solidFill>
+            <a:miter lim="800000"/>
+            <a:headEnd/>
+            <a:tailEnd/>
+          </a:ln>
+          <a:effectLst/>
+        </p:spPr>
+        <p:txBody>
+          <a:bodyPr wrap="none" anchor="ctr"/>
+          <a:lstStyle/>
+          <a:p>
+            <a:r>
+              <a:rPr lang="en-US" altLang="nl-BE" sz="1400" b="1" dirty="0" err="1">
+                <a:solidFill>
+                  <a:schemeClr val="bg1"/>
+                </a:solidFill>
+                <a:latin typeface="Verdana" panose="020B0604030504040204" pitchFamily="34" charset="0"/>
+              </a:rPr>
+              <a:t>Uitgevoerde</a:t>
+            </a:r>
+            <a:r>
+              <a:rPr lang="en-US" altLang="nl-BE" sz="1400" b="1" dirty="0">
+                <a:solidFill>
+                  <a:schemeClr val="bg1"/>
+                </a:solidFill>
+                <a:latin typeface="Verdana" panose="020B0604030504040204" pitchFamily="34" charset="0"/>
+              </a:rPr>
+              <a:t> taken </a:t>
+            </a:r>
+            <a:r>
+              <a:rPr lang="en-US" altLang="nl-BE" sz="1400" b="1" dirty="0" err="1">
+                <a:solidFill>
+                  <a:schemeClr val="bg1"/>
+                </a:solidFill>
+                <a:latin typeface="Verdana" panose="020B0604030504040204" pitchFamily="34" charset="0"/>
+              </a:rPr>
+              <a:t>tijdens</a:t>
+            </a:r>
+            <a:r>
+              <a:rPr lang="en-US" altLang="nl-BE" sz="1400" b="1" dirty="0">
+                <a:solidFill>
+                  <a:schemeClr val="bg1"/>
+                </a:solidFill>
+                <a:latin typeface="Verdana" panose="020B0604030504040204" pitchFamily="34" charset="0"/>
+              </a:rPr>
+              <a:t> </a:t>
+            </a:r>
+            <a:r>
+              <a:rPr lang="en-US" altLang="nl-BE" sz="1400" b="1" dirty="0" err="1">
+                <a:solidFill>
+                  <a:schemeClr val="bg1"/>
+                </a:solidFill>
+                <a:latin typeface="Verdana" panose="020B0604030504040204" pitchFamily="34" charset="0"/>
+              </a:rPr>
+              <a:t>teamzitting</a:t>
+            </a:r>
+            <a:endParaRPr lang="en-US" altLang="nl-BE" sz="1400" b="1" dirty="0">
+              <a:solidFill>
+                <a:schemeClr val="bg1"/>
+              </a:solidFill>
+              <a:latin typeface="Verdana" panose="020B0604030504040204" pitchFamily="34" charset="0"/>
+            </a:endParaRPr>
+          </a:p>
+        </p:txBody>
+      </p:sp>
+      <p:sp>
+        <p:nvSpPr>
+          <p:cNvPr id="33" name="Rectangle 7">
+            <a:extLst>
+              <a:ext uri="{FF2B5EF4-FFF2-40B4-BE49-F238E27FC236}">
+                <a16:creationId xmlns:a16="http://schemas.microsoft.com/office/drawing/2014/main" id="{8C784DF3-91D0-06EA-41CD-A662AB28C0FF}"/>
+              </a:ext>
+            </a:extLst>
+          </p:cNvPr>
+          <p:cNvSpPr>
+            <a:spLocks noChangeArrowheads="1"/>
+          </p:cNvSpPr>
+          <p:nvPr/>
+        </p:nvSpPr>
+        <p:spPr bwMode="auto">
+          <a:xfrm>
+            <a:off x="6946320" y="695718"/>
+            <a:ext cx="4940880" cy="1018404"/>
+          </a:xfrm>
+          <a:prstGeom prst="rect">
+            <a:avLst/>
+          </a:prstGeom>
+          <a:noFill/>
+          <a:ln w="9525">
+            <a:solidFill>
+              <a:srgbClr val="333333"/>
+            </a:solidFill>
+            <a:miter lim="800000"/>
+            <a:headEnd/>
+            <a:tailEnd/>
+          </a:ln>
+          <a:effectLst/>
+          <a:extLst>
+            <a:ext uri="{909E8E84-426E-40DD-AFC4-6F175D3DCCD1}">
+              <a14:hiddenFill xmlns:a14="http://schemas.microsoft.com/office/drawing/2010/main">
+                <a:solidFill>
+                  <a:schemeClr val="accent1"/>
+                </a:solidFill>
+              </a14:hiddenFill>
+            </a:ext>
+            <a:ext uri="{AF507438-7753-43E0-B8FC-AC1667EBCBE1}">
+              <a14:hiddenEffects xmlns:a14="http://schemas.microsoft.com/office/drawing/2010/main">
+                <a:effectLst>
+                  <a:outerShdw dist="35921" dir="2700000" algn="ctr" rotWithShape="0">
+                    <a:schemeClr val="bg2"/>
+                  </a:outerShdw>
+                </a:effectLst>
+              </a14:hiddenEffects>
+            </a:ext>
+          </a:extLst>
+        </p:spPr>
+        <p:txBody>
+          <a:bodyPr wrap="none" anchor="ctr"/>
+          <a:lstStyle/>
+          <a:p>
+            <a:endParaRPr lang="nl-BE"/>
+          </a:p>
+        </p:txBody>
+      </p:sp>
+      <p:sp>
+        <p:nvSpPr>
+          <p:cNvPr id="34" name="Rectangle 8">
+            <a:extLst>
+              <a:ext uri="{FF2B5EF4-FFF2-40B4-BE49-F238E27FC236}">
+                <a16:creationId xmlns:a16="http://schemas.microsoft.com/office/drawing/2014/main" id="{DAE5054B-71F1-C2E9-80C9-BD8557A87D5A}"/>
+              </a:ext>
+            </a:extLst>
+          </p:cNvPr>
+          <p:cNvSpPr>
+            <a:spLocks noChangeArrowheads="1"/>
+          </p:cNvSpPr>
+          <p:nvPr/>
+        </p:nvSpPr>
+        <p:spPr bwMode="auto">
+          <a:xfrm>
+            <a:off x="6946320" y="695718"/>
+            <a:ext cx="4940880" cy="304800"/>
+          </a:xfrm>
+          <a:prstGeom prst="rect">
+            <a:avLst/>
+          </a:prstGeom>
+          <a:solidFill>
+            <a:schemeClr val="tx2">
+              <a:lumMod val="75000"/>
+            </a:schemeClr>
+          </a:solidFill>
+          <a:ln w="9525">
+            <a:solidFill>
+              <a:srgbClr val="333333"/>
+            </a:solidFill>
+            <a:miter lim="800000"/>
+            <a:headEnd/>
+            <a:tailEnd/>
+          </a:ln>
+          <a:effectLst/>
+        </p:spPr>
+        <p:txBody>
+          <a:bodyPr wrap="none" anchor="ctr"/>
+          <a:lstStyle/>
+          <a:p>
+            <a:r>
+              <a:rPr lang="en-US" altLang="nl-BE" sz="1400" b="1" dirty="0" err="1">
+                <a:solidFill>
+                  <a:schemeClr val="bg1"/>
+                </a:solidFill>
+                <a:latin typeface="Verdana" panose="020B0604030504040204" pitchFamily="34" charset="0"/>
+              </a:rPr>
+              <a:t>Voltooide</a:t>
+            </a:r>
+            <a:r>
+              <a:rPr lang="en-US" altLang="nl-BE" sz="1400" b="1" dirty="0">
+                <a:solidFill>
+                  <a:schemeClr val="bg1"/>
+                </a:solidFill>
+                <a:latin typeface="Verdana" panose="020B0604030504040204" pitchFamily="34" charset="0"/>
+              </a:rPr>
+              <a:t> </a:t>
+            </a:r>
+            <a:r>
+              <a:rPr lang="en-US" altLang="nl-BE" sz="1400" b="1" dirty="0" err="1">
+                <a:solidFill>
+                  <a:schemeClr val="bg1"/>
+                </a:solidFill>
+                <a:latin typeface="Verdana" panose="020B0604030504040204" pitchFamily="34" charset="0"/>
+              </a:rPr>
+              <a:t>acties</a:t>
+            </a:r>
+            <a:r>
+              <a:rPr lang="en-US" altLang="nl-BE" sz="1400" b="1" dirty="0">
+                <a:solidFill>
+                  <a:schemeClr val="bg1"/>
+                </a:solidFill>
+                <a:latin typeface="Verdana" panose="020B0604030504040204" pitchFamily="34" charset="0"/>
+              </a:rPr>
+              <a:t> – </a:t>
+            </a:r>
+            <a:r>
+              <a:rPr lang="en-US" altLang="nl-BE" sz="1400" b="1" dirty="0" err="1">
+                <a:solidFill>
+                  <a:schemeClr val="bg1"/>
+                </a:solidFill>
+                <a:latin typeface="Verdana" panose="020B0604030504040204" pitchFamily="34" charset="0"/>
+              </a:rPr>
+              <a:t>mijlpalen</a:t>
+            </a:r>
+            <a:endParaRPr lang="en-US" altLang="nl-BE" sz="1400" b="1" dirty="0">
+              <a:solidFill>
+                <a:schemeClr val="bg1"/>
+              </a:solidFill>
+              <a:latin typeface="Verdana" panose="020B0604030504040204" pitchFamily="34" charset="0"/>
+            </a:endParaRPr>
+          </a:p>
+        </p:txBody>
+      </p:sp>
+      <p:sp>
+        <p:nvSpPr>
+          <p:cNvPr id="35" name="Rectangle 20">
+            <a:extLst>
+              <a:ext uri="{FF2B5EF4-FFF2-40B4-BE49-F238E27FC236}">
+                <a16:creationId xmlns:a16="http://schemas.microsoft.com/office/drawing/2014/main" id="{CA220699-8C1A-C150-E2CF-34C808F65288}"/>
+              </a:ext>
+            </a:extLst>
+          </p:cNvPr>
+          <p:cNvSpPr>
+            <a:spLocks noChangeArrowheads="1"/>
+          </p:cNvSpPr>
+          <p:nvPr/>
+        </p:nvSpPr>
+        <p:spPr bwMode="auto">
+          <a:xfrm>
+            <a:off x="6946320" y="1017296"/>
+            <a:ext cx="4940880" cy="713604"/>
+          </a:xfrm>
+          <a:prstGeom prst="rect">
+            <a:avLst/>
+          </a:prstGeom>
+          <a:noFill/>
+          <a:ln>
+            <a:noFill/>
+          </a:ln>
+          <a:effectLst/>
+          <a:extLst>
+            <a:ext uri="{909E8E84-426E-40DD-AFC4-6F175D3DCCD1}">
+              <a14:hiddenFill xmlns:a14="http://schemas.microsoft.com/office/drawing/2010/main">
+                <a:solidFill>
+                  <a:srgbClr val="333333"/>
+                </a:solidFill>
+              </a14:hiddenFill>
+            </a:ext>
+            <a:ext uri="{91240B29-F687-4F45-9708-019B960494DF}">
+              <a14:hiddenLine xmlns:a14="http://schemas.microsoft.com/office/drawing/2010/main" w="9525">
+                <a:solidFill>
+                  <a:srgbClr val="333333"/>
+                </a:solidFill>
+                <a:miter lim="800000"/>
+                <a:headEnd/>
+                <a:tailEnd/>
+              </a14:hiddenLine>
+            </a:ext>
+            <a:ext uri="{AF507438-7753-43E0-B8FC-AC1667EBCBE1}">
+              <a14:hiddenEffects xmlns:a14="http://schemas.microsoft.com/office/drawing/2010/main">
+                <a:effectLst>
+                  <a:outerShdw dist="35921" dir="2700000" algn="ctr" rotWithShape="0">
+                    <a:schemeClr val="bg2"/>
+                  </a:outerShdw>
+                </a:effectLst>
+              </a14:hiddenEffects>
+            </a:ext>
+          </a:extLst>
+        </p:spPr>
+        <p:txBody>
+          <a:bodyPr wrap="none"/>
+          <a:lstStyle/>
+          <a:p>
+            <a:endParaRPr lang="en-US" altLang="nl-BE" sz="1200" dirty="0">
+              <a:solidFill>
+                <a:srgbClr val="333333"/>
+              </a:solidFill>
+              <a:latin typeface="Verdana" panose="020B0604030504040204" pitchFamily="34" charset="0"/>
+            </a:endParaRPr>
+          </a:p>
+        </p:txBody>
+      </p:sp>
+      <p:sp>
+        <p:nvSpPr>
+          <p:cNvPr id="36" name="Rectangle 7">
+            <a:extLst>
+              <a:ext uri="{FF2B5EF4-FFF2-40B4-BE49-F238E27FC236}">
+                <a16:creationId xmlns:a16="http://schemas.microsoft.com/office/drawing/2014/main" id="{E522FAAD-4C4E-A54F-A8AD-49240F449D94}"/>
+              </a:ext>
+            </a:extLst>
+          </p:cNvPr>
+          <p:cNvSpPr>
+            <a:spLocks noChangeArrowheads="1"/>
+          </p:cNvSpPr>
+          <p:nvPr/>
+        </p:nvSpPr>
+        <p:spPr bwMode="auto">
+          <a:xfrm>
+            <a:off x="6946320" y="1901580"/>
+            <a:ext cx="4940880" cy="1018404"/>
+          </a:xfrm>
+          <a:prstGeom prst="rect">
+            <a:avLst/>
+          </a:prstGeom>
+          <a:noFill/>
+          <a:ln w="9525">
+            <a:solidFill>
+              <a:srgbClr val="333333"/>
+            </a:solidFill>
+            <a:miter lim="800000"/>
+            <a:headEnd/>
+            <a:tailEnd/>
+          </a:ln>
+          <a:effectLst/>
+          <a:extLst>
+            <a:ext uri="{909E8E84-426E-40DD-AFC4-6F175D3DCCD1}">
+              <a14:hiddenFill xmlns:a14="http://schemas.microsoft.com/office/drawing/2010/main">
+                <a:solidFill>
+                  <a:schemeClr val="accent1"/>
+                </a:solidFill>
+              </a14:hiddenFill>
+            </a:ext>
+            <a:ext uri="{AF507438-7753-43E0-B8FC-AC1667EBCBE1}">
+              <a14:hiddenEffects xmlns:a14="http://schemas.microsoft.com/office/drawing/2010/main">
+                <a:effectLst>
+                  <a:outerShdw dist="35921" dir="2700000" algn="ctr" rotWithShape="0">
+                    <a:schemeClr val="bg2"/>
+                  </a:outerShdw>
+                </a:effectLst>
+              </a14:hiddenEffects>
+            </a:ext>
+          </a:extLst>
+        </p:spPr>
+        <p:txBody>
+          <a:bodyPr wrap="none" anchor="ctr"/>
+          <a:lstStyle/>
+          <a:p>
+            <a:endParaRPr lang="nl-BE"/>
+          </a:p>
+        </p:txBody>
+      </p:sp>
+      <p:sp>
+        <p:nvSpPr>
+          <p:cNvPr id="37" name="Rectangle 8">
+            <a:extLst>
+              <a:ext uri="{FF2B5EF4-FFF2-40B4-BE49-F238E27FC236}">
+                <a16:creationId xmlns:a16="http://schemas.microsoft.com/office/drawing/2014/main" id="{27D7948D-3EDF-A9AD-5576-B7B4C9037342}"/>
+              </a:ext>
+            </a:extLst>
+          </p:cNvPr>
+          <p:cNvSpPr>
+            <a:spLocks noChangeArrowheads="1"/>
+          </p:cNvSpPr>
+          <p:nvPr/>
+        </p:nvSpPr>
+        <p:spPr bwMode="auto">
+          <a:xfrm>
+            <a:off x="6946320" y="1901580"/>
+            <a:ext cx="4940880" cy="304800"/>
+          </a:xfrm>
+          <a:prstGeom prst="rect">
+            <a:avLst/>
+          </a:prstGeom>
+          <a:solidFill>
+            <a:schemeClr val="tx2">
+              <a:lumMod val="75000"/>
+            </a:schemeClr>
+          </a:solidFill>
+          <a:ln w="9525">
+            <a:solidFill>
+              <a:srgbClr val="333333"/>
+            </a:solidFill>
+            <a:miter lim="800000"/>
+            <a:headEnd/>
+            <a:tailEnd/>
+          </a:ln>
+          <a:effectLst/>
+        </p:spPr>
+        <p:txBody>
+          <a:bodyPr wrap="none" anchor="ctr"/>
+          <a:lstStyle/>
+          <a:p>
+            <a:r>
+              <a:rPr lang="en-US" altLang="nl-BE" sz="1400" b="1" dirty="0" err="1">
+                <a:solidFill>
+                  <a:schemeClr val="bg1"/>
+                </a:solidFill>
+                <a:latin typeface="Verdana" panose="020B0604030504040204" pitchFamily="34" charset="0"/>
+              </a:rPr>
+              <a:t>Lopende</a:t>
+            </a:r>
+            <a:r>
+              <a:rPr lang="en-US" altLang="nl-BE" sz="1400" b="1" dirty="0">
+                <a:solidFill>
+                  <a:schemeClr val="bg1"/>
+                </a:solidFill>
+                <a:latin typeface="Verdana" panose="020B0604030504040204" pitchFamily="34" charset="0"/>
+              </a:rPr>
+              <a:t> </a:t>
+            </a:r>
+            <a:r>
+              <a:rPr lang="en-US" altLang="nl-BE" sz="1400" b="1" dirty="0" err="1">
+                <a:solidFill>
+                  <a:schemeClr val="bg1"/>
+                </a:solidFill>
+                <a:latin typeface="Verdana" panose="020B0604030504040204" pitchFamily="34" charset="0"/>
+              </a:rPr>
+              <a:t>acties</a:t>
+            </a:r>
+            <a:r>
+              <a:rPr lang="en-US" altLang="nl-BE" sz="1400" b="1" dirty="0">
+                <a:solidFill>
+                  <a:schemeClr val="bg1"/>
+                </a:solidFill>
+                <a:latin typeface="Verdana" panose="020B0604030504040204" pitchFamily="34" charset="0"/>
+              </a:rPr>
+              <a:t> – </a:t>
+            </a:r>
+            <a:r>
+              <a:rPr lang="en-US" altLang="nl-BE" sz="1400" b="1" dirty="0" err="1">
+                <a:solidFill>
+                  <a:schemeClr val="bg1"/>
+                </a:solidFill>
+                <a:latin typeface="Verdana" panose="020B0604030504040204" pitchFamily="34" charset="0"/>
+              </a:rPr>
+              <a:t>volgende</a:t>
+            </a:r>
+            <a:r>
+              <a:rPr lang="en-US" altLang="nl-BE" sz="1400" b="1" dirty="0">
+                <a:solidFill>
+                  <a:schemeClr val="bg1"/>
+                </a:solidFill>
+                <a:latin typeface="Verdana" panose="020B0604030504040204" pitchFamily="34" charset="0"/>
+              </a:rPr>
+              <a:t> </a:t>
+            </a:r>
+            <a:r>
+              <a:rPr lang="en-US" altLang="nl-BE" sz="1400" b="1" dirty="0" err="1">
+                <a:solidFill>
+                  <a:schemeClr val="bg1"/>
+                </a:solidFill>
+                <a:latin typeface="Verdana" panose="020B0604030504040204" pitchFamily="34" charset="0"/>
+              </a:rPr>
+              <a:t>stappen</a:t>
+            </a:r>
+            <a:endParaRPr lang="en-US" altLang="nl-BE" sz="1400" b="1" dirty="0">
+              <a:solidFill>
+                <a:schemeClr val="bg1"/>
+              </a:solidFill>
+              <a:latin typeface="Verdana" panose="020B0604030504040204" pitchFamily="34" charset="0"/>
+            </a:endParaRPr>
+          </a:p>
+        </p:txBody>
+      </p:sp>
+      <p:sp>
+        <p:nvSpPr>
+          <p:cNvPr id="38" name="Rectangle 20">
+            <a:extLst>
+              <a:ext uri="{FF2B5EF4-FFF2-40B4-BE49-F238E27FC236}">
+                <a16:creationId xmlns:a16="http://schemas.microsoft.com/office/drawing/2014/main" id="{2728EF24-94C7-6A18-7240-28E5437CB6DC}"/>
+              </a:ext>
+            </a:extLst>
+          </p:cNvPr>
+          <p:cNvSpPr>
+            <a:spLocks noChangeArrowheads="1"/>
+          </p:cNvSpPr>
+          <p:nvPr/>
+        </p:nvSpPr>
+        <p:spPr bwMode="auto">
+          <a:xfrm>
+            <a:off x="6946320" y="2206380"/>
+            <a:ext cx="4940880" cy="713604"/>
+          </a:xfrm>
+          <a:prstGeom prst="rect">
+            <a:avLst/>
+          </a:prstGeom>
+          <a:noFill/>
+          <a:ln>
+            <a:noFill/>
+          </a:ln>
+          <a:effectLst/>
+          <a:extLst>
+            <a:ext uri="{909E8E84-426E-40DD-AFC4-6F175D3DCCD1}">
+              <a14:hiddenFill xmlns:a14="http://schemas.microsoft.com/office/drawing/2010/main">
+                <a:solidFill>
+                  <a:srgbClr val="333333"/>
+                </a:solidFill>
+              </a14:hiddenFill>
+            </a:ext>
+            <a:ext uri="{91240B29-F687-4F45-9708-019B960494DF}">
+              <a14:hiddenLine xmlns:a14="http://schemas.microsoft.com/office/drawing/2010/main" w="9525">
+                <a:solidFill>
+                  <a:srgbClr val="333333"/>
+                </a:solidFill>
+                <a:miter lim="800000"/>
+                <a:headEnd/>
+                <a:tailEnd/>
+              </a14:hiddenLine>
+            </a:ext>
+            <a:ext uri="{AF507438-7753-43E0-B8FC-AC1667EBCBE1}">
+              <a14:hiddenEffects xmlns:a14="http://schemas.microsoft.com/office/drawing/2010/main">
+                <a:effectLst>
+                  <a:outerShdw dist="35921" dir="2700000" algn="ctr" rotWithShape="0">
+                    <a:schemeClr val="bg2"/>
+                  </a:outerShdw>
+                </a:effectLst>
+              </a14:hiddenEffects>
+            </a:ext>
+          </a:extLst>
+        </p:spPr>
+        <p:txBody>
+          <a:bodyPr wrap="none"/>
+          <a:lstStyle/>
+          <a:p>
+            <a:endParaRPr lang="en-US" altLang="nl-BE" sz="1200" dirty="0">
+              <a:solidFill>
+                <a:srgbClr val="333333"/>
+              </a:solidFill>
+              <a:latin typeface="Verdana" panose="020B0604030504040204" pitchFamily="34" charset="0"/>
+            </a:endParaRPr>
+          </a:p>
+        </p:txBody>
+      </p:sp>
+      <p:sp>
+        <p:nvSpPr>
+          <p:cNvPr id="6" name="Rectangle 20">
+            <a:extLst>
+              <a:ext uri="{FF2B5EF4-FFF2-40B4-BE49-F238E27FC236}">
+                <a16:creationId xmlns:a16="http://schemas.microsoft.com/office/drawing/2014/main" id="{36B2768F-C43F-065E-FE5D-C9B16EAEA476}"/>
+              </a:ext>
+            </a:extLst>
+          </p:cNvPr>
+          <p:cNvSpPr>
+            <a:spLocks noChangeArrowheads="1"/>
+          </p:cNvSpPr>
+          <p:nvPr/>
+        </p:nvSpPr>
+        <p:spPr bwMode="auto">
+          <a:xfrm>
+            <a:off x="6940800" y="1000518"/>
+            <a:ext cx="4946400" cy="713604"/>
+          </a:xfrm>
+          <a:prstGeom prst="rect">
+            <a:avLst/>
+          </a:prstGeom>
+          <a:noFill/>
+          <a:ln>
+            <a:noFill/>
+          </a:ln>
+          <a:effectLst/>
+          <a:extLst>
+            <a:ext uri="{909E8E84-426E-40DD-AFC4-6F175D3DCCD1}">
+              <a14:hiddenFill xmlns:a14="http://schemas.microsoft.com/office/drawing/2010/main">
+                <a:solidFill>
+                  <a:srgbClr val="333333"/>
+                </a:solidFill>
+              </a14:hiddenFill>
+            </a:ext>
+            <a:ext uri="{91240B29-F687-4F45-9708-019B960494DF}">
+              <a14:hiddenLine xmlns:a14="http://schemas.microsoft.com/office/drawing/2010/main" w="9525">
+                <a:solidFill>
+                  <a:srgbClr val="333333"/>
+                </a:solidFill>
+                <a:miter lim="800000"/>
+                <a:headEnd/>
+                <a:tailEnd/>
+              </a14:hiddenLine>
+            </a:ext>
+            <a:ext uri="{AF507438-7753-43E0-B8FC-AC1667EBCBE1}">
+              <a14:hiddenEffects xmlns:a14="http://schemas.microsoft.com/office/drawing/2010/main">
+                <a:effectLst>
+                  <a:outerShdw dist="35921" dir="2700000" algn="ctr" rotWithShape="0">
+                    <a:schemeClr val="bg2"/>
+                  </a:outerShdw>
+                </a:effectLst>
+              </a14:hiddenEffects>
+            </a:ext>
+          </a:extLst>
+        </p:spPr>
+        <p:txBody>
+          <a:bodyPr wrap="none"/>
+          <a:lstStyle/>
+          <a:p>
+            <a:pPr>
+              <a:buFontTx/>
+              <a:buChar char="•"/>
+            </a:pPr>
+            <a:r>
+              <a:rPr lang="en-US" altLang="nl-BE" sz="1200" dirty="0">
+                <a:solidFill>
+                  <a:srgbClr val="333333"/>
+                </a:solidFill>
+                <a:latin typeface="Verdana" panose="020B0604030504040204" pitchFamily="34" charset="0"/>
+              </a:rPr>
+              <a:t> Interim report</a:t>
+            </a:r>
+          </a:p>
+        </p:txBody>
+      </p:sp>
+    </p:spTree>
+    <p:extLst>
+      <p:ext uri="{BB962C8B-B14F-4D97-AF65-F5344CB8AC3E}">
+        <p14:creationId xmlns:p14="http://schemas.microsoft.com/office/powerpoint/2010/main" val="936079113"/>
       </p:ext>
     </p:extLst>
   </p:cSld>

--- a/logboek_ESAT9A1.pptx
+++ b/logboek_ESAT9A1.pptx
@@ -6,10 +6,10 @@
     <p:sldMasterId id="2147483694" r:id="rId2"/>
   </p:sldMasterIdLst>
   <p:notesMasterIdLst>
-    <p:notesMasterId r:id="rId12"/>
+    <p:notesMasterId r:id="rId15"/>
   </p:notesMasterIdLst>
   <p:handoutMasterIdLst>
-    <p:handoutMasterId r:id="rId13"/>
+    <p:handoutMasterId r:id="rId16"/>
   </p:handoutMasterIdLst>
   <p:sldIdLst>
     <p:sldId id="261" r:id="rId3"/>
@@ -21,6 +21,9 @@
     <p:sldId id="267" r:id="rId9"/>
     <p:sldId id="268" r:id="rId10"/>
     <p:sldId id="269" r:id="rId11"/>
+    <p:sldId id="270" r:id="rId12"/>
+    <p:sldId id="271" r:id="rId13"/>
+    <p:sldId id="272" r:id="rId14"/>
   </p:sldIdLst>
   <p:sldSz cx="12192000" cy="6858000"/>
   <p:notesSz cx="6858000" cy="9144000"/>
@@ -212,7 +215,7 @@
           <a:p>
             <a:fld id="{8F591CCF-F6FD-734B-854A-5BC033593B1E}" type="datetimeFigureOut">
               <a:rPr lang="nl-NL" smtClean="0"/>
-              <a:t>27-10-2022</a:t>
+              <a:t>14-11-2022</a:t>
             </a:fld>
             <a:endParaRPr lang="nl-NL"/>
           </a:p>
@@ -377,7 +380,7 @@
           <a:p>
             <a:fld id="{23C66214-DB21-4647-B5DA-0D17CA592867}" type="datetimeFigureOut">
               <a:rPr lang="nl-NL" smtClean="0"/>
-              <a:t>27-10-2022</a:t>
+              <a:t>14-11-2022</a:t>
             </a:fld>
             <a:endParaRPr lang="nl-NL"/>
           </a:p>
@@ -1366,7 +1369,7 @@
           <a:p>
             <a:fld id="{32CB04F5-1DDB-433A-9F56-F69ABF3D82C1}" type="datetime1">
               <a:rPr lang="nl-BE" smtClean="0"/>
-              <a:t>27/10/2022</a:t>
+              <a:t>14/11/2022</a:t>
             </a:fld>
             <a:endParaRPr lang="nl-NL"/>
           </a:p>
@@ -1649,7 +1652,7 @@
           <a:p>
             <a:fld id="{105EA0AE-89F5-40F4-A8AC-2CFB7172A437}" type="datetime1">
               <a:rPr lang="nl-BE" smtClean="0"/>
-              <a:t>27/10/2022</a:t>
+              <a:t>14/11/2022</a:t>
             </a:fld>
             <a:endParaRPr lang="nl-NL"/>
           </a:p>
@@ -1979,7 +1982,7 @@
           <a:p>
             <a:fld id="{51F891C0-052E-4374-9F7B-8DF3098847EC}" type="datetime1">
               <a:rPr lang="nl-BE" smtClean="0"/>
-              <a:t>27/10/2022</a:t>
+              <a:t>14/11/2022</a:t>
             </a:fld>
             <a:endParaRPr lang="nl-NL"/>
           </a:p>
@@ -2299,7 +2302,7 @@
           <a:p>
             <a:fld id="{0BAB7CBA-08E0-4FB9-BBC7-B0F9EE30FC23}" type="datetime1">
               <a:rPr lang="nl-BE" smtClean="0"/>
-              <a:t>27/10/2022</a:t>
+              <a:t>14/11/2022</a:t>
             </a:fld>
             <a:endParaRPr lang="nl-NL" dirty="0"/>
           </a:p>
@@ -2620,7 +2623,7 @@
           <a:p>
             <a:fld id="{A9A41F9E-F395-4802-BA0E-A579FF58717F}" type="datetime1">
               <a:rPr lang="nl-BE" smtClean="0"/>
-              <a:t>27/10/2022</a:t>
+              <a:t>14/11/2022</a:t>
             </a:fld>
             <a:endParaRPr lang="nl-NL" dirty="0"/>
           </a:p>
@@ -2762,7 +2765,7 @@
           <a:p>
             <a:fld id="{2A8B9AD4-BDDB-4121-9EEE-D890BB11E687}" type="datetime1">
               <a:rPr lang="nl-BE" smtClean="0"/>
-              <a:t>27/10/2022</a:t>
+              <a:t>14/11/2022</a:t>
             </a:fld>
             <a:endParaRPr lang="nl-NL"/>
           </a:p>
@@ -3246,7 +3249,7 @@
           <a:p>
             <a:fld id="{8DC808CC-4EBF-4C64-BA9E-B07B99C9DB99}" type="datetime1">
               <a:rPr lang="nl-BE" smtClean="0"/>
-              <a:t>27/10/2022</a:t>
+              <a:t>14/11/2022</a:t>
             </a:fld>
             <a:endParaRPr lang="nl-NL" dirty="0"/>
           </a:p>
@@ -3367,7 +3370,7 @@
           <a:p>
             <a:fld id="{26609C90-ED50-42CD-B56C-68BF842A2B6A}" type="datetime1">
               <a:rPr lang="nl-BE" smtClean="0"/>
-              <a:t>27/10/2022</a:t>
+              <a:t>14/11/2022</a:t>
             </a:fld>
             <a:endParaRPr lang="nl-NL"/>
           </a:p>
@@ -3488,7 +3491,7 @@
           <a:p>
             <a:fld id="{F15E82AE-B9EE-446E-B46E-329ABC891749}" type="datetime1">
               <a:rPr lang="nl-BE" smtClean="0"/>
-              <a:t>27/10/2022</a:t>
+              <a:t>14/11/2022</a:t>
             </a:fld>
             <a:endParaRPr lang="nl-NL"/>
           </a:p>
@@ -3670,7 +3673,7 @@
           <a:p>
             <a:fld id="{4A7FDF18-BDCB-4338-9FA2-782F60A2E51C}" type="datetime1">
               <a:rPr lang="nl-BE" smtClean="0"/>
-              <a:t>27/10/2022</a:t>
+              <a:t>14/11/2022</a:t>
             </a:fld>
             <a:endParaRPr lang="nl-NL" dirty="0"/>
           </a:p>
@@ -3954,7 +3957,7 @@
           <a:p>
             <a:fld id="{E389F4DD-E9F0-454C-8CE7-299000EBA983}" type="datetime1">
               <a:rPr lang="nl-BE" smtClean="0"/>
-              <a:t>27/10/2022</a:t>
+              <a:t>14/11/2022</a:t>
             </a:fld>
             <a:endParaRPr lang="nl-NL" dirty="0"/>
           </a:p>
@@ -4595,7 +4598,7 @@
           <a:p>
             <a:fld id="{7F18BCE0-9917-41C7-AA76-58ADB721FDEC}" type="datetime1">
               <a:rPr lang="nl-BE" smtClean="0"/>
-              <a:t>27/10/2022</a:t>
+              <a:t>14/11/2022</a:t>
             </a:fld>
             <a:endParaRPr lang="nl-NL" dirty="0"/>
           </a:p>
@@ -5056,6 +5059,6237 @@
     <p:extLst>
       <p:ext uri="{BB962C8B-B14F-4D97-AF65-F5344CB8AC3E}">
         <p14:creationId xmlns:p14="http://schemas.microsoft.com/office/powerpoint/2010/main" val="362829990"/>
+      </p:ext>
+    </p:extLst>
+  </p:cSld>
+  <p:clrMapOvr>
+    <a:masterClrMapping/>
+  </p:clrMapOvr>
+</p:sld>
+</file>
+
+<file path=ppt/slides/slide10.xml><?xml version="1.0" encoding="utf-8"?>
+<p:sld xmlns:a="http://schemas.openxmlformats.org/drawingml/2006/main" xmlns:r="http://schemas.openxmlformats.org/officeDocument/2006/relationships" xmlns:p="http://schemas.openxmlformats.org/presentationml/2006/main">
+  <p:cSld>
+    <p:spTree>
+      <p:nvGrpSpPr>
+        <p:cNvPr id="1" name=""/>
+        <p:cNvGrpSpPr/>
+        <p:nvPr/>
+      </p:nvGrpSpPr>
+      <p:grpSpPr>
+        <a:xfrm>
+          <a:off x="0" y="0"/>
+          <a:ext cx="0" cy="0"/>
+          <a:chOff x="0" y="0"/>
+          <a:chExt cx="0" cy="0"/>
+        </a:xfrm>
+      </p:grpSpPr>
+      <p:sp>
+        <p:nvSpPr>
+          <p:cNvPr id="3" name="Tijdelijke aanduiding voor voettekst 2">
+            <a:extLst>
+              <a:ext uri="{FF2B5EF4-FFF2-40B4-BE49-F238E27FC236}">
+                <a16:creationId xmlns:a16="http://schemas.microsoft.com/office/drawing/2014/main" id="{8A4675E4-17D3-F776-F4A4-379D7D7DF71F}"/>
+              </a:ext>
+            </a:extLst>
+          </p:cNvPr>
+          <p:cNvSpPr>
+            <a:spLocks noGrp="1"/>
+          </p:cNvSpPr>
+          <p:nvPr>
+            <p:ph type="ftr" sz="quarter" idx="11"/>
+          </p:nvPr>
+        </p:nvSpPr>
+        <p:spPr/>
+        <p:txBody>
+          <a:bodyPr/>
+          <a:lstStyle/>
+          <a:p>
+            <a:r>
+              <a:rPr lang="nl-NL"/>
+              <a:t>Faculty, department, unit ...</a:t>
+            </a:r>
+          </a:p>
+        </p:txBody>
+      </p:sp>
+      <p:sp>
+        <p:nvSpPr>
+          <p:cNvPr id="4" name="Tijdelijke aanduiding voor dianummer 3">
+            <a:extLst>
+              <a:ext uri="{FF2B5EF4-FFF2-40B4-BE49-F238E27FC236}">
+                <a16:creationId xmlns:a16="http://schemas.microsoft.com/office/drawing/2014/main" id="{033BF3EA-AA33-261E-8D31-8101DCD638CC}"/>
+              </a:ext>
+            </a:extLst>
+          </p:cNvPr>
+          <p:cNvSpPr>
+            <a:spLocks noGrp="1"/>
+          </p:cNvSpPr>
+          <p:nvPr>
+            <p:ph type="sldNum" sz="quarter" idx="12"/>
+          </p:nvPr>
+        </p:nvSpPr>
+        <p:spPr/>
+        <p:txBody>
+          <a:bodyPr/>
+          <a:lstStyle/>
+          <a:p>
+            <a:fld id="{0A297500-7527-634B-90F4-69D0994C32B4}" type="slidenum">
+              <a:rPr lang="nl-NL" smtClean="0"/>
+              <a:t>10</a:t>
+            </a:fld>
+            <a:endParaRPr lang="nl-NL"/>
+          </a:p>
+        </p:txBody>
+      </p:sp>
+      <p:sp>
+        <p:nvSpPr>
+          <p:cNvPr id="5" name="Titel 4">
+            <a:extLst>
+              <a:ext uri="{FF2B5EF4-FFF2-40B4-BE49-F238E27FC236}">
+                <a16:creationId xmlns:a16="http://schemas.microsoft.com/office/drawing/2014/main" id="{0AB90542-B085-F406-9290-1072716337BA}"/>
+              </a:ext>
+            </a:extLst>
+          </p:cNvPr>
+          <p:cNvSpPr>
+            <a:spLocks noGrp="1"/>
+          </p:cNvSpPr>
+          <p:nvPr>
+            <p:ph type="title"/>
+          </p:nvPr>
+        </p:nvSpPr>
+        <p:spPr>
+          <a:xfrm>
+            <a:off x="576000" y="134978"/>
+            <a:ext cx="11041200" cy="1152000"/>
+          </a:xfrm>
+        </p:spPr>
+        <p:txBody>
+          <a:bodyPr/>
+          <a:lstStyle/>
+          <a:p>
+            <a:r>
+              <a:rPr lang="nl-BE" dirty="0"/>
+              <a:t>Week 6 (7/11/2022)</a:t>
+            </a:r>
+          </a:p>
+        </p:txBody>
+      </p:sp>
+      <p:sp>
+        <p:nvSpPr>
+          <p:cNvPr id="28" name="Rectangle 7">
+            <a:extLst>
+              <a:ext uri="{FF2B5EF4-FFF2-40B4-BE49-F238E27FC236}">
+                <a16:creationId xmlns:a16="http://schemas.microsoft.com/office/drawing/2014/main" id="{1ED11395-C284-9D31-0A1F-8CE593280307}"/>
+              </a:ext>
+            </a:extLst>
+          </p:cNvPr>
+          <p:cNvSpPr>
+            <a:spLocks noChangeArrowheads="1"/>
+          </p:cNvSpPr>
+          <p:nvPr/>
+        </p:nvSpPr>
+        <p:spPr bwMode="auto">
+          <a:xfrm>
+            <a:off x="580800" y="1348510"/>
+            <a:ext cx="4940880" cy="1767742"/>
+          </a:xfrm>
+          <a:prstGeom prst="rect">
+            <a:avLst/>
+          </a:prstGeom>
+          <a:noFill/>
+          <a:ln w="9525">
+            <a:solidFill>
+              <a:srgbClr val="333333"/>
+            </a:solidFill>
+            <a:miter lim="800000"/>
+            <a:headEnd/>
+            <a:tailEnd/>
+          </a:ln>
+          <a:effectLst/>
+          <a:extLst>
+            <a:ext uri="{909E8E84-426E-40DD-AFC4-6F175D3DCCD1}">
+              <a14:hiddenFill xmlns:a14="http://schemas.microsoft.com/office/drawing/2010/main">
+                <a:solidFill>
+                  <a:schemeClr val="accent1"/>
+                </a:solidFill>
+              </a14:hiddenFill>
+            </a:ext>
+            <a:ext uri="{AF507438-7753-43E0-B8FC-AC1667EBCBE1}">
+              <a14:hiddenEffects xmlns:a14="http://schemas.microsoft.com/office/drawing/2010/main">
+                <a:effectLst>
+                  <a:outerShdw dist="35921" dir="2700000" algn="ctr" rotWithShape="0">
+                    <a:schemeClr val="bg2"/>
+                  </a:outerShdw>
+                </a:effectLst>
+              </a14:hiddenEffects>
+            </a:ext>
+          </a:extLst>
+        </p:spPr>
+        <p:txBody>
+          <a:bodyPr wrap="none" anchor="ctr"/>
+          <a:lstStyle/>
+          <a:p>
+            <a:endParaRPr lang="nl-BE"/>
+          </a:p>
+        </p:txBody>
+      </p:sp>
+      <p:sp>
+        <p:nvSpPr>
+          <p:cNvPr id="29" name="Rectangle 8">
+            <a:extLst>
+              <a:ext uri="{FF2B5EF4-FFF2-40B4-BE49-F238E27FC236}">
+                <a16:creationId xmlns:a16="http://schemas.microsoft.com/office/drawing/2014/main" id="{6FC4B744-16AC-500A-BBB9-19F5AFB1A6F4}"/>
+              </a:ext>
+            </a:extLst>
+          </p:cNvPr>
+          <p:cNvSpPr>
+            <a:spLocks noChangeArrowheads="1"/>
+          </p:cNvSpPr>
+          <p:nvPr/>
+        </p:nvSpPr>
+        <p:spPr bwMode="auto">
+          <a:xfrm>
+            <a:off x="580800" y="1365141"/>
+            <a:ext cx="4940880" cy="304800"/>
+          </a:xfrm>
+          <a:prstGeom prst="rect">
+            <a:avLst/>
+          </a:prstGeom>
+          <a:solidFill>
+            <a:schemeClr val="tx2">
+              <a:lumMod val="75000"/>
+            </a:schemeClr>
+          </a:solidFill>
+          <a:ln w="9525">
+            <a:solidFill>
+              <a:srgbClr val="333333"/>
+            </a:solidFill>
+            <a:miter lim="800000"/>
+            <a:headEnd/>
+            <a:tailEnd/>
+          </a:ln>
+          <a:effectLst/>
+        </p:spPr>
+        <p:txBody>
+          <a:bodyPr wrap="none" anchor="ctr"/>
+          <a:lstStyle/>
+          <a:p>
+            <a:r>
+              <a:rPr lang="en-US" altLang="nl-BE" sz="1400" b="1">
+                <a:solidFill>
+                  <a:schemeClr val="bg1"/>
+                </a:solidFill>
+                <a:latin typeface="Verdana" panose="020B0604030504040204" pitchFamily="34" charset="0"/>
+              </a:rPr>
+              <a:t>Planning</a:t>
+            </a:r>
+          </a:p>
+        </p:txBody>
+      </p:sp>
+      <p:sp>
+        <p:nvSpPr>
+          <p:cNvPr id="30" name="Rectangle 20">
+            <a:extLst>
+              <a:ext uri="{FF2B5EF4-FFF2-40B4-BE49-F238E27FC236}">
+                <a16:creationId xmlns:a16="http://schemas.microsoft.com/office/drawing/2014/main" id="{F8F8537C-8B21-E85D-8ED6-BCD891428026}"/>
+              </a:ext>
+            </a:extLst>
+          </p:cNvPr>
+          <p:cNvSpPr>
+            <a:spLocks noChangeArrowheads="1"/>
+          </p:cNvSpPr>
+          <p:nvPr/>
+        </p:nvSpPr>
+        <p:spPr bwMode="auto">
+          <a:xfrm>
+            <a:off x="576000" y="1669941"/>
+            <a:ext cx="4940880" cy="713604"/>
+          </a:xfrm>
+          <a:prstGeom prst="rect">
+            <a:avLst/>
+          </a:prstGeom>
+          <a:noFill/>
+          <a:ln>
+            <a:noFill/>
+          </a:ln>
+          <a:effectLst/>
+          <a:extLst>
+            <a:ext uri="{909E8E84-426E-40DD-AFC4-6F175D3DCCD1}">
+              <a14:hiddenFill xmlns:a14="http://schemas.microsoft.com/office/drawing/2010/main">
+                <a:solidFill>
+                  <a:srgbClr val="333333"/>
+                </a:solidFill>
+              </a14:hiddenFill>
+            </a:ext>
+            <a:ext uri="{91240B29-F687-4F45-9708-019B960494DF}">
+              <a14:hiddenLine xmlns:a14="http://schemas.microsoft.com/office/drawing/2010/main" w="9525">
+                <a:solidFill>
+                  <a:srgbClr val="333333"/>
+                </a:solidFill>
+                <a:miter lim="800000"/>
+                <a:headEnd/>
+                <a:tailEnd/>
+              </a14:hiddenLine>
+            </a:ext>
+            <a:ext uri="{AF507438-7753-43E0-B8FC-AC1667EBCBE1}">
+              <a14:hiddenEffects xmlns:a14="http://schemas.microsoft.com/office/drawing/2010/main">
+                <a:effectLst>
+                  <a:outerShdw dist="35921" dir="2700000" algn="ctr" rotWithShape="0">
+                    <a:schemeClr val="bg2"/>
+                  </a:outerShdw>
+                </a:effectLst>
+              </a14:hiddenEffects>
+            </a:ext>
+          </a:extLst>
+        </p:spPr>
+        <p:txBody>
+          <a:bodyPr wrap="none"/>
+          <a:lstStyle/>
+          <a:p>
+            <a:pPr>
+              <a:buFontTx/>
+              <a:buChar char="•"/>
+            </a:pPr>
+            <a:r>
+              <a:rPr lang="en-US" altLang="nl-BE" sz="1200" dirty="0">
+                <a:solidFill>
+                  <a:srgbClr val="333333"/>
+                </a:solidFill>
+                <a:latin typeface="Verdana" panose="020B0604030504040204" pitchFamily="34" charset="0"/>
+              </a:rPr>
+              <a:t> Report</a:t>
+            </a:r>
+          </a:p>
+          <a:p>
+            <a:pPr>
+              <a:buFontTx/>
+              <a:buChar char="•"/>
+            </a:pPr>
+            <a:endParaRPr lang="en-US" altLang="nl-BE" sz="1200" dirty="0">
+              <a:solidFill>
+                <a:srgbClr val="333333"/>
+              </a:solidFill>
+              <a:latin typeface="Verdana" panose="020B0604030504040204" pitchFamily="34" charset="0"/>
+            </a:endParaRPr>
+          </a:p>
+        </p:txBody>
+      </p:sp>
+      <p:graphicFrame>
+        <p:nvGraphicFramePr>
+          <p:cNvPr id="31" name="Table 8">
+            <a:extLst>
+              <a:ext uri="{FF2B5EF4-FFF2-40B4-BE49-F238E27FC236}">
+                <a16:creationId xmlns:a16="http://schemas.microsoft.com/office/drawing/2014/main" id="{39209D40-A90A-28AF-7EE5-2185F6AED7D9}"/>
+              </a:ext>
+            </a:extLst>
+          </p:cNvPr>
+          <p:cNvGraphicFramePr>
+            <a:graphicFrameLocks noGrp="1"/>
+          </p:cNvGraphicFramePr>
+          <p:nvPr/>
+        </p:nvGraphicFramePr>
+        <p:xfrm>
+          <a:off x="580800" y="3517586"/>
+          <a:ext cx="11306400" cy="2595880"/>
+        </p:xfrm>
+        <a:graphic>
+          <a:graphicData uri="http://schemas.openxmlformats.org/drawingml/2006/table">
+            <a:tbl>
+              <a:tblPr firstRow="1" bandRow="1">
+                <a:tableStyleId>{5C22544A-7EE6-4342-B048-85BDC9FD1C3A}</a:tableStyleId>
+              </a:tblPr>
+              <a:tblGrid>
+                <a:gridCol w="2261280">
+                  <a:extLst>
+                    <a:ext uri="{9D8B030D-6E8A-4147-A177-3AD203B41FA5}">
+                      <a16:colId xmlns:a16="http://schemas.microsoft.com/office/drawing/2014/main" val="3222044758"/>
+                    </a:ext>
+                  </a:extLst>
+                </a:gridCol>
+                <a:gridCol w="2261280">
+                  <a:extLst>
+                    <a:ext uri="{9D8B030D-6E8A-4147-A177-3AD203B41FA5}">
+                      <a16:colId xmlns:a16="http://schemas.microsoft.com/office/drawing/2014/main" val="23332546"/>
+                    </a:ext>
+                  </a:extLst>
+                </a:gridCol>
+                <a:gridCol w="2261280">
+                  <a:extLst>
+                    <a:ext uri="{9D8B030D-6E8A-4147-A177-3AD203B41FA5}">
+                      <a16:colId xmlns:a16="http://schemas.microsoft.com/office/drawing/2014/main" val="62682046"/>
+                    </a:ext>
+                  </a:extLst>
+                </a:gridCol>
+                <a:gridCol w="2261280">
+                  <a:extLst>
+                    <a:ext uri="{9D8B030D-6E8A-4147-A177-3AD203B41FA5}">
+                      <a16:colId xmlns:a16="http://schemas.microsoft.com/office/drawing/2014/main" val="1440099295"/>
+                    </a:ext>
+                  </a:extLst>
+                </a:gridCol>
+                <a:gridCol w="2261280">
+                  <a:extLst>
+                    <a:ext uri="{9D8B030D-6E8A-4147-A177-3AD203B41FA5}">
+                      <a16:colId xmlns:a16="http://schemas.microsoft.com/office/drawing/2014/main" val="2799077174"/>
+                    </a:ext>
+                  </a:extLst>
+                </a:gridCol>
+              </a:tblGrid>
+              <a:tr h="370840">
+                <a:tc>
+                  <a:txBody>
+                    <a:bodyPr/>
+                    <a:lstStyle/>
+                    <a:p>
+                      <a:r>
+                        <a:rPr lang="nl-BE" dirty="0"/>
+                        <a:t>Naam student</a:t>
+                      </a:r>
+                    </a:p>
+                  </a:txBody>
+                  <a:tcPr>
+                    <a:lnL w="12700" cap="flat" cmpd="sng" algn="ctr">
+                      <a:solidFill>
+                        <a:schemeClr val="tx1"/>
+                      </a:solidFill>
+                      <a:prstDash val="solid"/>
+                      <a:round/>
+                      <a:headEnd type="none" w="med" len="med"/>
+                      <a:tailEnd type="none" w="med" len="med"/>
+                    </a:lnL>
+                    <a:lnT w="12700" cap="flat" cmpd="sng" algn="ctr">
+                      <a:solidFill>
+                        <a:schemeClr val="tx1"/>
+                      </a:solidFill>
+                      <a:prstDash val="solid"/>
+                      <a:round/>
+                      <a:headEnd type="none" w="med" len="med"/>
+                      <a:tailEnd type="none" w="med" len="med"/>
+                    </a:lnT>
+                  </a:tcPr>
+                </a:tc>
+                <a:tc>
+                  <a:txBody>
+                    <a:bodyPr/>
+                    <a:lstStyle/>
+                    <a:p>
+                      <a:r>
+                        <a:rPr lang="nl-BE" dirty="0"/>
+                        <a:t>14u00-15u00</a:t>
+                      </a:r>
+                    </a:p>
+                  </a:txBody>
+                  <a:tcPr>
+                    <a:lnT w="12700" cap="flat" cmpd="sng" algn="ctr">
+                      <a:solidFill>
+                        <a:schemeClr val="tx1"/>
+                      </a:solidFill>
+                      <a:prstDash val="solid"/>
+                      <a:round/>
+                      <a:headEnd type="none" w="med" len="med"/>
+                      <a:tailEnd type="none" w="med" len="med"/>
+                    </a:lnT>
+                  </a:tcPr>
+                </a:tc>
+                <a:tc>
+                  <a:txBody>
+                    <a:bodyPr/>
+                    <a:lstStyle/>
+                    <a:p>
+                      <a:r>
+                        <a:rPr lang="nl-BE" dirty="0"/>
+                        <a:t>15u00-16u00</a:t>
+                      </a:r>
+                    </a:p>
+                  </a:txBody>
+                  <a:tcPr>
+                    <a:lnT w="12700" cap="flat" cmpd="sng" algn="ctr">
+                      <a:solidFill>
+                        <a:schemeClr val="tx1"/>
+                      </a:solidFill>
+                      <a:prstDash val="solid"/>
+                      <a:round/>
+                      <a:headEnd type="none" w="med" len="med"/>
+                      <a:tailEnd type="none" w="med" len="med"/>
+                    </a:lnT>
+                  </a:tcPr>
+                </a:tc>
+                <a:tc>
+                  <a:txBody>
+                    <a:bodyPr/>
+                    <a:lstStyle/>
+                    <a:p>
+                      <a:r>
+                        <a:rPr lang="nl-BE" dirty="0"/>
+                        <a:t>16u00-17u00</a:t>
+                      </a:r>
+                    </a:p>
+                  </a:txBody>
+                  <a:tcPr>
+                    <a:lnT w="12700" cap="flat" cmpd="sng" algn="ctr">
+                      <a:solidFill>
+                        <a:schemeClr val="tx1"/>
+                      </a:solidFill>
+                      <a:prstDash val="solid"/>
+                      <a:round/>
+                      <a:headEnd type="none" w="med" len="med"/>
+                      <a:tailEnd type="none" w="med" len="med"/>
+                    </a:lnT>
+                  </a:tcPr>
+                </a:tc>
+                <a:tc>
+                  <a:txBody>
+                    <a:bodyPr/>
+                    <a:lstStyle/>
+                    <a:p>
+                      <a:r>
+                        <a:rPr lang="nl-BE" dirty="0"/>
+                        <a:t>17u00-18u00</a:t>
+                      </a:r>
+                    </a:p>
+                  </a:txBody>
+                  <a:tcPr>
+                    <a:lnR w="12700" cap="flat" cmpd="sng" algn="ctr">
+                      <a:solidFill>
+                        <a:schemeClr val="tx1"/>
+                      </a:solidFill>
+                      <a:prstDash val="solid"/>
+                      <a:round/>
+                      <a:headEnd type="none" w="med" len="med"/>
+                      <a:tailEnd type="none" w="med" len="med"/>
+                    </a:lnR>
+                    <a:lnT w="12700" cap="flat" cmpd="sng" algn="ctr">
+                      <a:solidFill>
+                        <a:schemeClr val="tx1"/>
+                      </a:solidFill>
+                      <a:prstDash val="solid"/>
+                      <a:round/>
+                      <a:headEnd type="none" w="med" len="med"/>
+                      <a:tailEnd type="none" w="med" len="med"/>
+                    </a:lnT>
+                  </a:tcPr>
+                </a:tc>
+                <a:extLst>
+                  <a:ext uri="{0D108BD9-81ED-4DB2-BD59-A6C34878D82A}">
+                    <a16:rowId xmlns:a16="http://schemas.microsoft.com/office/drawing/2014/main" val="1545514501"/>
+                  </a:ext>
+                </a:extLst>
+              </a:tr>
+              <a:tr h="370840">
+                <a:tc>
+                  <a:txBody>
+                    <a:bodyPr/>
+                    <a:lstStyle/>
+                    <a:p>
+                      <a:r>
+                        <a:rPr lang="nl-BE" dirty="0"/>
+                        <a:t>Arne </a:t>
+                      </a:r>
+                      <a:r>
+                        <a:rPr lang="nl-BE" dirty="0" err="1"/>
+                        <a:t>Lemahieu</a:t>
+                      </a:r>
+                      <a:endParaRPr lang="nl-BE" dirty="0"/>
+                    </a:p>
+                  </a:txBody>
+                  <a:tcPr>
+                    <a:lnL w="12700" cap="flat" cmpd="sng" algn="ctr">
+                      <a:solidFill>
+                        <a:schemeClr val="tx1"/>
+                      </a:solidFill>
+                      <a:prstDash val="solid"/>
+                      <a:round/>
+                      <a:headEnd type="none" w="med" len="med"/>
+                      <a:tailEnd type="none" w="med" len="med"/>
+                    </a:lnL>
+                  </a:tcPr>
+                </a:tc>
+                <a:tc>
+                  <a:txBody>
+                    <a:bodyPr/>
+                    <a:lstStyle/>
+                    <a:p>
+                      <a:r>
+                        <a:rPr lang="nl-BE" dirty="0"/>
+                        <a:t>Report</a:t>
+                      </a:r>
+                    </a:p>
+                  </a:txBody>
+                  <a:tcPr/>
+                </a:tc>
+                <a:tc>
+                  <a:txBody>
+                    <a:bodyPr/>
+                    <a:lstStyle/>
+                    <a:p>
+                      <a:pPr marL="0" marR="0" lvl="0" indent="0" algn="l" defTabSz="914400" rtl="0" eaLnBrk="1" fontAlgn="auto" latinLnBrk="0" hangingPunct="1">
+                        <a:lnSpc>
+                          <a:spcPct val="100000"/>
+                        </a:lnSpc>
+                        <a:spcBef>
+                          <a:spcPts val="0"/>
+                        </a:spcBef>
+                        <a:spcAft>
+                          <a:spcPts val="0"/>
+                        </a:spcAft>
+                        <a:buClrTx/>
+                        <a:buSzTx/>
+                        <a:buFontTx/>
+                        <a:buNone/>
+                        <a:tabLst/>
+                        <a:defRPr/>
+                      </a:pPr>
+                      <a:r>
+                        <a:rPr lang="nl-BE" dirty="0"/>
+                        <a:t>Report</a:t>
+                      </a:r>
+                    </a:p>
+                  </a:txBody>
+                  <a:tcPr/>
+                </a:tc>
+                <a:tc>
+                  <a:txBody>
+                    <a:bodyPr/>
+                    <a:lstStyle/>
+                    <a:p>
+                      <a:pPr marL="0" marR="0" lvl="0" indent="0" algn="l" defTabSz="914400" rtl="0" eaLnBrk="1" fontAlgn="auto" latinLnBrk="0" hangingPunct="1">
+                        <a:lnSpc>
+                          <a:spcPct val="100000"/>
+                        </a:lnSpc>
+                        <a:spcBef>
+                          <a:spcPts val="0"/>
+                        </a:spcBef>
+                        <a:spcAft>
+                          <a:spcPts val="0"/>
+                        </a:spcAft>
+                        <a:buClrTx/>
+                        <a:buSzTx/>
+                        <a:buFontTx/>
+                        <a:buNone/>
+                        <a:tabLst/>
+                        <a:defRPr/>
+                      </a:pPr>
+                      <a:r>
+                        <a:rPr lang="nl-BE" dirty="0"/>
+                        <a:t>Report</a:t>
+                      </a:r>
+                    </a:p>
+                  </a:txBody>
+                  <a:tcPr/>
+                </a:tc>
+                <a:tc>
+                  <a:txBody>
+                    <a:bodyPr/>
+                    <a:lstStyle/>
+                    <a:p>
+                      <a:pPr marL="0" marR="0" lvl="0" indent="0" algn="l" defTabSz="914400" rtl="0" eaLnBrk="1" fontAlgn="auto" latinLnBrk="0" hangingPunct="1">
+                        <a:lnSpc>
+                          <a:spcPct val="100000"/>
+                        </a:lnSpc>
+                        <a:spcBef>
+                          <a:spcPts val="0"/>
+                        </a:spcBef>
+                        <a:spcAft>
+                          <a:spcPts val="0"/>
+                        </a:spcAft>
+                        <a:buClrTx/>
+                        <a:buSzTx/>
+                        <a:buFontTx/>
+                        <a:buNone/>
+                        <a:tabLst/>
+                        <a:defRPr/>
+                      </a:pPr>
+                      <a:r>
+                        <a:rPr lang="nl-BE"/>
+                        <a:t>Report</a:t>
+                      </a:r>
+                      <a:endParaRPr lang="nl-BE" dirty="0"/>
+                    </a:p>
+                  </a:txBody>
+                  <a:tcPr>
+                    <a:lnR w="12700" cap="flat" cmpd="sng" algn="ctr">
+                      <a:solidFill>
+                        <a:schemeClr val="tx1"/>
+                      </a:solidFill>
+                      <a:prstDash val="solid"/>
+                      <a:round/>
+                      <a:headEnd type="none" w="med" len="med"/>
+                      <a:tailEnd type="none" w="med" len="med"/>
+                    </a:lnR>
+                  </a:tcPr>
+                </a:tc>
+                <a:extLst>
+                  <a:ext uri="{0D108BD9-81ED-4DB2-BD59-A6C34878D82A}">
+                    <a16:rowId xmlns:a16="http://schemas.microsoft.com/office/drawing/2014/main" val="4272612081"/>
+                  </a:ext>
+                </a:extLst>
+              </a:tr>
+              <a:tr h="370840">
+                <a:tc>
+                  <a:txBody>
+                    <a:bodyPr/>
+                    <a:lstStyle/>
+                    <a:p>
+                      <a:pPr marL="0" marR="0" lvl="0" indent="0" algn="l" defTabSz="914400" rtl="0" eaLnBrk="1" fontAlgn="auto" latinLnBrk="0" hangingPunct="1">
+                        <a:lnSpc>
+                          <a:spcPct val="100000"/>
+                        </a:lnSpc>
+                        <a:spcBef>
+                          <a:spcPts val="0"/>
+                        </a:spcBef>
+                        <a:spcAft>
+                          <a:spcPts val="0"/>
+                        </a:spcAft>
+                        <a:buClrTx/>
+                        <a:buSzTx/>
+                        <a:buFontTx/>
+                        <a:buNone/>
+                        <a:tabLst/>
+                        <a:defRPr/>
+                      </a:pPr>
+                      <a:r>
+                        <a:rPr lang="nl-BE" dirty="0"/>
+                        <a:t>Kasper </a:t>
+                      </a:r>
+                      <a:r>
+                        <a:rPr lang="nl-BE" dirty="0" err="1"/>
+                        <a:t>Dumoulin</a:t>
+                      </a:r>
+                      <a:endParaRPr lang="nl-BE" dirty="0"/>
+                    </a:p>
+                  </a:txBody>
+                  <a:tcPr>
+                    <a:lnL w="12700" cap="flat" cmpd="sng" algn="ctr">
+                      <a:solidFill>
+                        <a:schemeClr val="tx1"/>
+                      </a:solidFill>
+                      <a:prstDash val="solid"/>
+                      <a:round/>
+                      <a:headEnd type="none" w="med" len="med"/>
+                      <a:tailEnd type="none" w="med" len="med"/>
+                    </a:lnL>
+                  </a:tcPr>
+                </a:tc>
+                <a:tc>
+                  <a:txBody>
+                    <a:bodyPr/>
+                    <a:lstStyle/>
+                    <a:p>
+                      <a:pPr marL="0" marR="0" lvl="0" indent="0" algn="l" defTabSz="914400" rtl="0" eaLnBrk="1" fontAlgn="auto" latinLnBrk="0" hangingPunct="1">
+                        <a:lnSpc>
+                          <a:spcPct val="100000"/>
+                        </a:lnSpc>
+                        <a:spcBef>
+                          <a:spcPts val="0"/>
+                        </a:spcBef>
+                        <a:spcAft>
+                          <a:spcPts val="0"/>
+                        </a:spcAft>
+                        <a:buClrTx/>
+                        <a:buSzTx/>
+                        <a:buFontTx/>
+                        <a:buNone/>
+                        <a:tabLst/>
+                        <a:defRPr/>
+                      </a:pPr>
+                      <a:r>
+                        <a:rPr lang="nl-BE" dirty="0"/>
+                        <a:t>Report</a:t>
+                      </a:r>
+                    </a:p>
+                  </a:txBody>
+                  <a:tcPr/>
+                </a:tc>
+                <a:tc>
+                  <a:txBody>
+                    <a:bodyPr/>
+                    <a:lstStyle/>
+                    <a:p>
+                      <a:pPr marL="0" marR="0" lvl="0" indent="0" algn="l" defTabSz="914400" rtl="0" eaLnBrk="1" fontAlgn="auto" latinLnBrk="0" hangingPunct="1">
+                        <a:lnSpc>
+                          <a:spcPct val="100000"/>
+                        </a:lnSpc>
+                        <a:spcBef>
+                          <a:spcPts val="0"/>
+                        </a:spcBef>
+                        <a:spcAft>
+                          <a:spcPts val="0"/>
+                        </a:spcAft>
+                        <a:buClrTx/>
+                        <a:buSzTx/>
+                        <a:buFontTx/>
+                        <a:buNone/>
+                        <a:tabLst/>
+                        <a:defRPr/>
+                      </a:pPr>
+                      <a:r>
+                        <a:rPr lang="nl-BE" dirty="0"/>
+                        <a:t>Report</a:t>
+                      </a:r>
+                    </a:p>
+                  </a:txBody>
+                  <a:tcPr/>
+                </a:tc>
+                <a:tc>
+                  <a:txBody>
+                    <a:bodyPr/>
+                    <a:lstStyle/>
+                    <a:p>
+                      <a:r>
+                        <a:rPr lang="nl-BE" dirty="0"/>
+                        <a:t>Report</a:t>
+                      </a:r>
+                    </a:p>
+                  </a:txBody>
+                  <a:tcPr/>
+                </a:tc>
+                <a:tc>
+                  <a:txBody>
+                    <a:bodyPr/>
+                    <a:lstStyle/>
+                    <a:p>
+                      <a:r>
+                        <a:rPr lang="nl-BE"/>
+                        <a:t>Report</a:t>
+                      </a:r>
+                      <a:endParaRPr lang="nl-BE" dirty="0"/>
+                    </a:p>
+                  </a:txBody>
+                  <a:tcPr>
+                    <a:lnR w="12700" cap="flat" cmpd="sng" algn="ctr">
+                      <a:solidFill>
+                        <a:schemeClr val="tx1"/>
+                      </a:solidFill>
+                      <a:prstDash val="solid"/>
+                      <a:round/>
+                      <a:headEnd type="none" w="med" len="med"/>
+                      <a:tailEnd type="none" w="med" len="med"/>
+                    </a:lnR>
+                  </a:tcPr>
+                </a:tc>
+                <a:extLst>
+                  <a:ext uri="{0D108BD9-81ED-4DB2-BD59-A6C34878D82A}">
+                    <a16:rowId xmlns:a16="http://schemas.microsoft.com/office/drawing/2014/main" val="2535650466"/>
+                  </a:ext>
+                </a:extLst>
+              </a:tr>
+              <a:tr h="370840">
+                <a:tc>
+                  <a:txBody>
+                    <a:bodyPr/>
+                    <a:lstStyle/>
+                    <a:p>
+                      <a:pPr marL="0" marR="0" lvl="0" indent="0" algn="l" defTabSz="914400" rtl="0" eaLnBrk="1" fontAlgn="auto" latinLnBrk="0" hangingPunct="1">
+                        <a:lnSpc>
+                          <a:spcPct val="100000"/>
+                        </a:lnSpc>
+                        <a:spcBef>
+                          <a:spcPts val="0"/>
+                        </a:spcBef>
+                        <a:spcAft>
+                          <a:spcPts val="0"/>
+                        </a:spcAft>
+                        <a:buClrTx/>
+                        <a:buSzTx/>
+                        <a:buFontTx/>
+                        <a:buNone/>
+                        <a:tabLst/>
+                        <a:defRPr/>
+                      </a:pPr>
+                      <a:r>
+                        <a:rPr lang="nl-BE" dirty="0"/>
+                        <a:t>Mauro Janssens</a:t>
+                      </a:r>
+                    </a:p>
+                  </a:txBody>
+                  <a:tcPr>
+                    <a:lnL w="12700" cap="flat" cmpd="sng" algn="ctr">
+                      <a:solidFill>
+                        <a:schemeClr val="tx1"/>
+                      </a:solidFill>
+                      <a:prstDash val="solid"/>
+                      <a:round/>
+                      <a:headEnd type="none" w="med" len="med"/>
+                      <a:tailEnd type="none" w="med" len="med"/>
+                    </a:lnL>
+                  </a:tcPr>
+                </a:tc>
+                <a:tc>
+                  <a:txBody>
+                    <a:bodyPr/>
+                    <a:lstStyle/>
+                    <a:p>
+                      <a:pPr marL="0" marR="0" lvl="0" indent="0" algn="l" defTabSz="914400" rtl="0" eaLnBrk="1" fontAlgn="auto" latinLnBrk="0" hangingPunct="1">
+                        <a:lnSpc>
+                          <a:spcPct val="100000"/>
+                        </a:lnSpc>
+                        <a:spcBef>
+                          <a:spcPts val="0"/>
+                        </a:spcBef>
+                        <a:spcAft>
+                          <a:spcPts val="0"/>
+                        </a:spcAft>
+                        <a:buClrTx/>
+                        <a:buSzTx/>
+                        <a:buFontTx/>
+                        <a:buNone/>
+                        <a:tabLst/>
+                        <a:defRPr/>
+                      </a:pPr>
+                      <a:r>
+                        <a:rPr lang="nl-BE" dirty="0"/>
+                        <a:t>Report</a:t>
+                      </a:r>
+                    </a:p>
+                  </a:txBody>
+                  <a:tcPr/>
+                </a:tc>
+                <a:tc>
+                  <a:txBody>
+                    <a:bodyPr/>
+                    <a:lstStyle/>
+                    <a:p>
+                      <a:pPr marL="0" marR="0" lvl="0" indent="0" algn="l" defTabSz="914400" rtl="0" eaLnBrk="1" fontAlgn="auto" latinLnBrk="0" hangingPunct="1">
+                        <a:lnSpc>
+                          <a:spcPct val="100000"/>
+                        </a:lnSpc>
+                        <a:spcBef>
+                          <a:spcPts val="0"/>
+                        </a:spcBef>
+                        <a:spcAft>
+                          <a:spcPts val="0"/>
+                        </a:spcAft>
+                        <a:buClrTx/>
+                        <a:buSzTx/>
+                        <a:buFontTx/>
+                        <a:buNone/>
+                        <a:tabLst/>
+                        <a:defRPr/>
+                      </a:pPr>
+                      <a:r>
+                        <a:rPr lang="nl-BE" dirty="0"/>
+                        <a:t>Report</a:t>
+                      </a:r>
+                    </a:p>
+                  </a:txBody>
+                  <a:tcPr/>
+                </a:tc>
+                <a:tc>
+                  <a:txBody>
+                    <a:bodyPr/>
+                    <a:lstStyle/>
+                    <a:p>
+                      <a:r>
+                        <a:rPr lang="nl-BE" dirty="0"/>
+                        <a:t>Report</a:t>
+                      </a:r>
+                    </a:p>
+                  </a:txBody>
+                  <a:tcPr/>
+                </a:tc>
+                <a:tc>
+                  <a:txBody>
+                    <a:bodyPr/>
+                    <a:lstStyle/>
+                    <a:p>
+                      <a:r>
+                        <a:rPr lang="nl-BE"/>
+                        <a:t>Report</a:t>
+                      </a:r>
+                      <a:endParaRPr lang="nl-BE" dirty="0"/>
+                    </a:p>
+                  </a:txBody>
+                  <a:tcPr>
+                    <a:lnR w="12700" cap="flat" cmpd="sng" algn="ctr">
+                      <a:solidFill>
+                        <a:schemeClr val="tx1"/>
+                      </a:solidFill>
+                      <a:prstDash val="solid"/>
+                      <a:round/>
+                      <a:headEnd type="none" w="med" len="med"/>
+                      <a:tailEnd type="none" w="med" len="med"/>
+                    </a:lnR>
+                  </a:tcPr>
+                </a:tc>
+                <a:extLst>
+                  <a:ext uri="{0D108BD9-81ED-4DB2-BD59-A6C34878D82A}">
+                    <a16:rowId xmlns:a16="http://schemas.microsoft.com/office/drawing/2014/main" val="1056747163"/>
+                  </a:ext>
+                </a:extLst>
+              </a:tr>
+              <a:tr h="370840">
+                <a:tc>
+                  <a:txBody>
+                    <a:bodyPr/>
+                    <a:lstStyle/>
+                    <a:p>
+                      <a:pPr marL="0" marR="0" lvl="0" indent="0" algn="l" defTabSz="914400" rtl="0" eaLnBrk="1" fontAlgn="auto" latinLnBrk="0" hangingPunct="1">
+                        <a:lnSpc>
+                          <a:spcPct val="100000"/>
+                        </a:lnSpc>
+                        <a:spcBef>
+                          <a:spcPts val="0"/>
+                        </a:spcBef>
+                        <a:spcAft>
+                          <a:spcPts val="0"/>
+                        </a:spcAft>
+                        <a:buClrTx/>
+                        <a:buSzTx/>
+                        <a:buFontTx/>
+                        <a:buNone/>
+                        <a:tabLst/>
+                        <a:defRPr/>
+                      </a:pPr>
+                      <a:r>
+                        <a:rPr lang="nl-BE" dirty="0"/>
+                        <a:t>Pepijn Haenen</a:t>
+                      </a:r>
+                    </a:p>
+                  </a:txBody>
+                  <a:tcPr>
+                    <a:lnL w="12700" cap="flat" cmpd="sng" algn="ctr">
+                      <a:solidFill>
+                        <a:schemeClr val="tx1"/>
+                      </a:solidFill>
+                      <a:prstDash val="solid"/>
+                      <a:round/>
+                      <a:headEnd type="none" w="med" len="med"/>
+                      <a:tailEnd type="none" w="med" len="med"/>
+                    </a:lnL>
+                  </a:tcPr>
+                </a:tc>
+                <a:tc>
+                  <a:txBody>
+                    <a:bodyPr/>
+                    <a:lstStyle/>
+                    <a:p>
+                      <a:pPr marL="0" marR="0" lvl="0" indent="0" algn="l" defTabSz="914400" rtl="0" eaLnBrk="1" fontAlgn="auto" latinLnBrk="0" hangingPunct="1">
+                        <a:lnSpc>
+                          <a:spcPct val="100000"/>
+                        </a:lnSpc>
+                        <a:spcBef>
+                          <a:spcPts val="0"/>
+                        </a:spcBef>
+                        <a:spcAft>
+                          <a:spcPts val="0"/>
+                        </a:spcAft>
+                        <a:buClrTx/>
+                        <a:buSzTx/>
+                        <a:buFontTx/>
+                        <a:buNone/>
+                        <a:tabLst/>
+                        <a:defRPr/>
+                      </a:pPr>
+                      <a:r>
+                        <a:rPr lang="nl-BE" dirty="0"/>
+                        <a:t>Report</a:t>
+                      </a:r>
+                    </a:p>
+                  </a:txBody>
+                  <a:tcPr/>
+                </a:tc>
+                <a:tc>
+                  <a:txBody>
+                    <a:bodyPr/>
+                    <a:lstStyle/>
+                    <a:p>
+                      <a:pPr marL="0" marR="0" lvl="0" indent="0" algn="l" defTabSz="914400" rtl="0" eaLnBrk="1" fontAlgn="auto" latinLnBrk="0" hangingPunct="1">
+                        <a:lnSpc>
+                          <a:spcPct val="100000"/>
+                        </a:lnSpc>
+                        <a:spcBef>
+                          <a:spcPts val="0"/>
+                        </a:spcBef>
+                        <a:spcAft>
+                          <a:spcPts val="0"/>
+                        </a:spcAft>
+                        <a:buClrTx/>
+                        <a:buSzTx/>
+                        <a:buFontTx/>
+                        <a:buNone/>
+                        <a:tabLst/>
+                        <a:defRPr/>
+                      </a:pPr>
+                      <a:r>
+                        <a:rPr lang="nl-BE" dirty="0"/>
+                        <a:t>Report</a:t>
+                      </a:r>
+                    </a:p>
+                  </a:txBody>
+                  <a:tcPr/>
+                </a:tc>
+                <a:tc>
+                  <a:txBody>
+                    <a:bodyPr/>
+                    <a:lstStyle/>
+                    <a:p>
+                      <a:r>
+                        <a:rPr lang="nl-BE" dirty="0"/>
+                        <a:t>Report</a:t>
+                      </a:r>
+                    </a:p>
+                  </a:txBody>
+                  <a:tcPr/>
+                </a:tc>
+                <a:tc>
+                  <a:txBody>
+                    <a:bodyPr/>
+                    <a:lstStyle/>
+                    <a:p>
+                      <a:r>
+                        <a:rPr lang="nl-BE"/>
+                        <a:t>Report</a:t>
+                      </a:r>
+                      <a:endParaRPr lang="nl-BE" dirty="0"/>
+                    </a:p>
+                  </a:txBody>
+                  <a:tcPr>
+                    <a:lnR w="12700" cap="flat" cmpd="sng" algn="ctr">
+                      <a:solidFill>
+                        <a:schemeClr val="tx1"/>
+                      </a:solidFill>
+                      <a:prstDash val="solid"/>
+                      <a:round/>
+                      <a:headEnd type="none" w="med" len="med"/>
+                      <a:tailEnd type="none" w="med" len="med"/>
+                    </a:lnR>
+                  </a:tcPr>
+                </a:tc>
+                <a:extLst>
+                  <a:ext uri="{0D108BD9-81ED-4DB2-BD59-A6C34878D82A}">
+                    <a16:rowId xmlns:a16="http://schemas.microsoft.com/office/drawing/2014/main" val="4081416973"/>
+                  </a:ext>
+                </a:extLst>
+              </a:tr>
+              <a:tr h="370840">
+                <a:tc>
+                  <a:txBody>
+                    <a:bodyPr/>
+                    <a:lstStyle/>
+                    <a:p>
+                      <a:pPr marL="0" marR="0" lvl="0" indent="0" algn="l" defTabSz="914400" rtl="0" eaLnBrk="1" fontAlgn="auto" latinLnBrk="0" hangingPunct="1">
+                        <a:lnSpc>
+                          <a:spcPct val="100000"/>
+                        </a:lnSpc>
+                        <a:spcBef>
+                          <a:spcPts val="0"/>
+                        </a:spcBef>
+                        <a:spcAft>
+                          <a:spcPts val="0"/>
+                        </a:spcAft>
+                        <a:buClrTx/>
+                        <a:buSzTx/>
+                        <a:buFontTx/>
+                        <a:buNone/>
+                        <a:tabLst/>
+                        <a:defRPr/>
+                      </a:pPr>
+                      <a:r>
+                        <a:rPr lang="nl-BE" dirty="0"/>
+                        <a:t>Philippe </a:t>
+                      </a:r>
+                      <a:r>
+                        <a:rPr lang="nl-BE" dirty="0" err="1"/>
+                        <a:t>Laffineur</a:t>
+                      </a:r>
+                      <a:endParaRPr lang="nl-BE" dirty="0"/>
+                    </a:p>
+                  </a:txBody>
+                  <a:tcPr>
+                    <a:lnL w="12700" cap="flat" cmpd="sng" algn="ctr">
+                      <a:solidFill>
+                        <a:schemeClr val="tx1"/>
+                      </a:solidFill>
+                      <a:prstDash val="solid"/>
+                      <a:round/>
+                      <a:headEnd type="none" w="med" len="med"/>
+                      <a:tailEnd type="none" w="med" len="med"/>
+                    </a:lnL>
+                  </a:tcPr>
+                </a:tc>
+                <a:tc>
+                  <a:txBody>
+                    <a:bodyPr/>
+                    <a:lstStyle/>
+                    <a:p>
+                      <a:pPr marL="0" marR="0" lvl="0" indent="0" algn="l" defTabSz="914400" rtl="0" eaLnBrk="1" fontAlgn="auto" latinLnBrk="0" hangingPunct="1">
+                        <a:lnSpc>
+                          <a:spcPct val="100000"/>
+                        </a:lnSpc>
+                        <a:spcBef>
+                          <a:spcPts val="0"/>
+                        </a:spcBef>
+                        <a:spcAft>
+                          <a:spcPts val="0"/>
+                        </a:spcAft>
+                        <a:buClrTx/>
+                        <a:buSzTx/>
+                        <a:buFontTx/>
+                        <a:buNone/>
+                        <a:tabLst/>
+                        <a:defRPr/>
+                      </a:pPr>
+                      <a:r>
+                        <a:rPr lang="nl-BE" dirty="0"/>
+                        <a:t>Report</a:t>
+                      </a:r>
+                    </a:p>
+                  </a:txBody>
+                  <a:tcPr/>
+                </a:tc>
+                <a:tc>
+                  <a:txBody>
+                    <a:bodyPr/>
+                    <a:lstStyle/>
+                    <a:p>
+                      <a:pPr marL="0" marR="0" lvl="0" indent="0" algn="l" defTabSz="914400" rtl="0" eaLnBrk="1" fontAlgn="auto" latinLnBrk="0" hangingPunct="1">
+                        <a:lnSpc>
+                          <a:spcPct val="100000"/>
+                        </a:lnSpc>
+                        <a:spcBef>
+                          <a:spcPts val="0"/>
+                        </a:spcBef>
+                        <a:spcAft>
+                          <a:spcPts val="0"/>
+                        </a:spcAft>
+                        <a:buClrTx/>
+                        <a:buSzTx/>
+                        <a:buFontTx/>
+                        <a:buNone/>
+                        <a:tabLst/>
+                        <a:defRPr/>
+                      </a:pPr>
+                      <a:r>
+                        <a:rPr lang="nl-BE" dirty="0"/>
+                        <a:t>Report</a:t>
+                      </a:r>
+                    </a:p>
+                  </a:txBody>
+                  <a:tcPr/>
+                </a:tc>
+                <a:tc>
+                  <a:txBody>
+                    <a:bodyPr/>
+                    <a:lstStyle/>
+                    <a:p>
+                      <a:r>
+                        <a:rPr lang="nl-BE" dirty="0"/>
+                        <a:t>Report</a:t>
+                      </a:r>
+                    </a:p>
+                  </a:txBody>
+                  <a:tcPr/>
+                </a:tc>
+                <a:tc>
+                  <a:txBody>
+                    <a:bodyPr/>
+                    <a:lstStyle/>
+                    <a:p>
+                      <a:r>
+                        <a:rPr lang="nl-BE"/>
+                        <a:t>Report</a:t>
+                      </a:r>
+                      <a:endParaRPr lang="nl-BE" dirty="0"/>
+                    </a:p>
+                  </a:txBody>
+                  <a:tcPr>
+                    <a:lnR w="12700" cap="flat" cmpd="sng" algn="ctr">
+                      <a:solidFill>
+                        <a:schemeClr val="tx1"/>
+                      </a:solidFill>
+                      <a:prstDash val="solid"/>
+                      <a:round/>
+                      <a:headEnd type="none" w="med" len="med"/>
+                      <a:tailEnd type="none" w="med" len="med"/>
+                    </a:lnR>
+                  </a:tcPr>
+                </a:tc>
+                <a:extLst>
+                  <a:ext uri="{0D108BD9-81ED-4DB2-BD59-A6C34878D82A}">
+                    <a16:rowId xmlns:a16="http://schemas.microsoft.com/office/drawing/2014/main" val="4226429342"/>
+                  </a:ext>
+                </a:extLst>
+              </a:tr>
+              <a:tr h="370840">
+                <a:tc>
+                  <a:txBody>
+                    <a:bodyPr/>
+                    <a:lstStyle/>
+                    <a:p>
+                      <a:pPr marL="0" marR="0" lvl="0" indent="0" algn="l" defTabSz="914400" rtl="0" eaLnBrk="1" fontAlgn="auto" latinLnBrk="0" hangingPunct="1">
+                        <a:lnSpc>
+                          <a:spcPct val="100000"/>
+                        </a:lnSpc>
+                        <a:spcBef>
+                          <a:spcPts val="0"/>
+                        </a:spcBef>
+                        <a:spcAft>
+                          <a:spcPts val="0"/>
+                        </a:spcAft>
+                        <a:buClrTx/>
+                        <a:buSzTx/>
+                        <a:buFontTx/>
+                        <a:buNone/>
+                        <a:tabLst/>
+                        <a:defRPr/>
+                      </a:pPr>
+                      <a:r>
+                        <a:rPr lang="nl-BE" dirty="0" err="1"/>
+                        <a:t>Tjorben</a:t>
+                      </a:r>
+                      <a:r>
+                        <a:rPr lang="nl-BE" dirty="0"/>
+                        <a:t> </a:t>
+                      </a:r>
+                      <a:r>
+                        <a:rPr lang="nl-BE" dirty="0" err="1"/>
+                        <a:t>Godeau</a:t>
+                      </a:r>
+                      <a:endParaRPr lang="nl-BE" dirty="0"/>
+                    </a:p>
+                  </a:txBody>
+                  <a:tcPr>
+                    <a:lnL w="12700" cap="flat" cmpd="sng" algn="ctr">
+                      <a:solidFill>
+                        <a:schemeClr val="tx1"/>
+                      </a:solidFill>
+                      <a:prstDash val="solid"/>
+                      <a:round/>
+                      <a:headEnd type="none" w="med" len="med"/>
+                      <a:tailEnd type="none" w="med" len="med"/>
+                    </a:lnL>
+                    <a:lnB w="12700" cap="flat" cmpd="sng" algn="ctr">
+                      <a:solidFill>
+                        <a:schemeClr val="tx1"/>
+                      </a:solidFill>
+                      <a:prstDash val="solid"/>
+                      <a:round/>
+                      <a:headEnd type="none" w="med" len="med"/>
+                      <a:tailEnd type="none" w="med" len="med"/>
+                    </a:lnB>
+                  </a:tcPr>
+                </a:tc>
+                <a:tc>
+                  <a:txBody>
+                    <a:bodyPr/>
+                    <a:lstStyle/>
+                    <a:p>
+                      <a:pPr marL="0" marR="0" lvl="0" indent="0" algn="l" defTabSz="914400" rtl="0" eaLnBrk="1" fontAlgn="auto" latinLnBrk="0" hangingPunct="1">
+                        <a:lnSpc>
+                          <a:spcPct val="100000"/>
+                        </a:lnSpc>
+                        <a:spcBef>
+                          <a:spcPts val="0"/>
+                        </a:spcBef>
+                        <a:spcAft>
+                          <a:spcPts val="0"/>
+                        </a:spcAft>
+                        <a:buClrTx/>
+                        <a:buSzTx/>
+                        <a:buFontTx/>
+                        <a:buNone/>
+                        <a:tabLst/>
+                        <a:defRPr/>
+                      </a:pPr>
+                      <a:r>
+                        <a:rPr lang="nl-BE" dirty="0"/>
+                        <a:t>Report</a:t>
+                      </a:r>
+                    </a:p>
+                  </a:txBody>
+                  <a:tcPr>
+                    <a:lnB w="12700" cap="flat" cmpd="sng" algn="ctr">
+                      <a:solidFill>
+                        <a:schemeClr val="tx1"/>
+                      </a:solidFill>
+                      <a:prstDash val="solid"/>
+                      <a:round/>
+                      <a:headEnd type="none" w="med" len="med"/>
+                      <a:tailEnd type="none" w="med" len="med"/>
+                    </a:lnB>
+                  </a:tcPr>
+                </a:tc>
+                <a:tc>
+                  <a:txBody>
+                    <a:bodyPr/>
+                    <a:lstStyle/>
+                    <a:p>
+                      <a:pPr marL="0" marR="0" lvl="0" indent="0" algn="l" defTabSz="914400" rtl="0" eaLnBrk="1" fontAlgn="auto" latinLnBrk="0" hangingPunct="1">
+                        <a:lnSpc>
+                          <a:spcPct val="100000"/>
+                        </a:lnSpc>
+                        <a:spcBef>
+                          <a:spcPts val="0"/>
+                        </a:spcBef>
+                        <a:spcAft>
+                          <a:spcPts val="0"/>
+                        </a:spcAft>
+                        <a:buClrTx/>
+                        <a:buSzTx/>
+                        <a:buFontTx/>
+                        <a:buNone/>
+                        <a:tabLst/>
+                        <a:defRPr/>
+                      </a:pPr>
+                      <a:r>
+                        <a:rPr lang="nl-BE" dirty="0"/>
+                        <a:t>Report</a:t>
+                      </a:r>
+                    </a:p>
+                  </a:txBody>
+                  <a:tcPr>
+                    <a:lnB w="12700" cap="flat" cmpd="sng" algn="ctr">
+                      <a:solidFill>
+                        <a:schemeClr val="tx1"/>
+                      </a:solidFill>
+                      <a:prstDash val="solid"/>
+                      <a:round/>
+                      <a:headEnd type="none" w="med" len="med"/>
+                      <a:tailEnd type="none" w="med" len="med"/>
+                    </a:lnB>
+                  </a:tcPr>
+                </a:tc>
+                <a:tc>
+                  <a:txBody>
+                    <a:bodyPr/>
+                    <a:lstStyle/>
+                    <a:p>
+                      <a:r>
+                        <a:rPr lang="nl-BE"/>
+                        <a:t>Report</a:t>
+                      </a:r>
+                      <a:endParaRPr lang="nl-BE" dirty="0"/>
+                    </a:p>
+                  </a:txBody>
+                  <a:tcPr>
+                    <a:lnB w="12700" cap="flat" cmpd="sng" algn="ctr">
+                      <a:solidFill>
+                        <a:schemeClr val="tx1"/>
+                      </a:solidFill>
+                      <a:prstDash val="solid"/>
+                      <a:round/>
+                      <a:headEnd type="none" w="med" len="med"/>
+                      <a:tailEnd type="none" w="med" len="med"/>
+                    </a:lnB>
+                  </a:tcPr>
+                </a:tc>
+                <a:tc>
+                  <a:txBody>
+                    <a:bodyPr/>
+                    <a:lstStyle/>
+                    <a:p>
+                      <a:r>
+                        <a:rPr lang="nl-BE" dirty="0"/>
+                        <a:t>Report</a:t>
+                      </a:r>
+                    </a:p>
+                  </a:txBody>
+                  <a:tcPr>
+                    <a:lnR w="12700" cap="flat" cmpd="sng" algn="ctr">
+                      <a:solidFill>
+                        <a:schemeClr val="tx1"/>
+                      </a:solidFill>
+                      <a:prstDash val="solid"/>
+                      <a:round/>
+                      <a:headEnd type="none" w="med" len="med"/>
+                      <a:tailEnd type="none" w="med" len="med"/>
+                    </a:lnR>
+                    <a:lnB w="12700" cap="flat" cmpd="sng" algn="ctr">
+                      <a:solidFill>
+                        <a:schemeClr val="tx1"/>
+                      </a:solidFill>
+                      <a:prstDash val="solid"/>
+                      <a:round/>
+                      <a:headEnd type="none" w="med" len="med"/>
+                      <a:tailEnd type="none" w="med" len="med"/>
+                    </a:lnB>
+                  </a:tcPr>
+                </a:tc>
+                <a:extLst>
+                  <a:ext uri="{0D108BD9-81ED-4DB2-BD59-A6C34878D82A}">
+                    <a16:rowId xmlns:a16="http://schemas.microsoft.com/office/drawing/2014/main" val="3156394708"/>
+                  </a:ext>
+                </a:extLst>
+              </a:tr>
+            </a:tbl>
+          </a:graphicData>
+        </a:graphic>
+      </p:graphicFrame>
+      <p:sp>
+        <p:nvSpPr>
+          <p:cNvPr id="32" name="Rectangle 8">
+            <a:extLst>
+              <a:ext uri="{FF2B5EF4-FFF2-40B4-BE49-F238E27FC236}">
+                <a16:creationId xmlns:a16="http://schemas.microsoft.com/office/drawing/2014/main" id="{8532E473-3AD0-1ACA-DBD6-4C38F717FFAD}"/>
+              </a:ext>
+            </a:extLst>
+          </p:cNvPr>
+          <p:cNvSpPr>
+            <a:spLocks noChangeArrowheads="1"/>
+          </p:cNvSpPr>
+          <p:nvPr/>
+        </p:nvSpPr>
+        <p:spPr bwMode="auto">
+          <a:xfrm>
+            <a:off x="576000" y="3212786"/>
+            <a:ext cx="11311200" cy="304800"/>
+          </a:xfrm>
+          <a:prstGeom prst="rect">
+            <a:avLst/>
+          </a:prstGeom>
+          <a:solidFill>
+            <a:schemeClr val="tx2">
+              <a:lumMod val="75000"/>
+            </a:schemeClr>
+          </a:solidFill>
+          <a:ln w="9525">
+            <a:solidFill>
+              <a:srgbClr val="333333"/>
+            </a:solidFill>
+            <a:miter lim="800000"/>
+            <a:headEnd/>
+            <a:tailEnd/>
+          </a:ln>
+          <a:effectLst/>
+        </p:spPr>
+        <p:txBody>
+          <a:bodyPr wrap="none" anchor="ctr"/>
+          <a:lstStyle/>
+          <a:p>
+            <a:r>
+              <a:rPr lang="en-US" altLang="nl-BE" sz="1400" b="1" dirty="0" err="1">
+                <a:solidFill>
+                  <a:schemeClr val="bg1"/>
+                </a:solidFill>
+                <a:latin typeface="Verdana" panose="020B0604030504040204" pitchFamily="34" charset="0"/>
+              </a:rPr>
+              <a:t>Uitgevoerde</a:t>
+            </a:r>
+            <a:r>
+              <a:rPr lang="en-US" altLang="nl-BE" sz="1400" b="1" dirty="0">
+                <a:solidFill>
+                  <a:schemeClr val="bg1"/>
+                </a:solidFill>
+                <a:latin typeface="Verdana" panose="020B0604030504040204" pitchFamily="34" charset="0"/>
+              </a:rPr>
+              <a:t> taken </a:t>
+            </a:r>
+            <a:r>
+              <a:rPr lang="en-US" altLang="nl-BE" sz="1400" b="1" dirty="0" err="1">
+                <a:solidFill>
+                  <a:schemeClr val="bg1"/>
+                </a:solidFill>
+                <a:latin typeface="Verdana" panose="020B0604030504040204" pitchFamily="34" charset="0"/>
+              </a:rPr>
+              <a:t>tijdens</a:t>
+            </a:r>
+            <a:r>
+              <a:rPr lang="en-US" altLang="nl-BE" sz="1400" b="1" dirty="0">
+                <a:solidFill>
+                  <a:schemeClr val="bg1"/>
+                </a:solidFill>
+                <a:latin typeface="Verdana" panose="020B0604030504040204" pitchFamily="34" charset="0"/>
+              </a:rPr>
+              <a:t> </a:t>
+            </a:r>
+            <a:r>
+              <a:rPr lang="en-US" altLang="nl-BE" sz="1400" b="1" dirty="0" err="1">
+                <a:solidFill>
+                  <a:schemeClr val="bg1"/>
+                </a:solidFill>
+                <a:latin typeface="Verdana" panose="020B0604030504040204" pitchFamily="34" charset="0"/>
+              </a:rPr>
+              <a:t>teamzitting</a:t>
+            </a:r>
+            <a:endParaRPr lang="en-US" altLang="nl-BE" sz="1400" b="1" dirty="0">
+              <a:solidFill>
+                <a:schemeClr val="bg1"/>
+              </a:solidFill>
+              <a:latin typeface="Verdana" panose="020B0604030504040204" pitchFamily="34" charset="0"/>
+            </a:endParaRPr>
+          </a:p>
+        </p:txBody>
+      </p:sp>
+      <p:sp>
+        <p:nvSpPr>
+          <p:cNvPr id="33" name="Rectangle 7">
+            <a:extLst>
+              <a:ext uri="{FF2B5EF4-FFF2-40B4-BE49-F238E27FC236}">
+                <a16:creationId xmlns:a16="http://schemas.microsoft.com/office/drawing/2014/main" id="{8C784DF3-91D0-06EA-41CD-A662AB28C0FF}"/>
+              </a:ext>
+            </a:extLst>
+          </p:cNvPr>
+          <p:cNvSpPr>
+            <a:spLocks noChangeArrowheads="1"/>
+          </p:cNvSpPr>
+          <p:nvPr/>
+        </p:nvSpPr>
+        <p:spPr bwMode="auto">
+          <a:xfrm>
+            <a:off x="6946320" y="695718"/>
+            <a:ext cx="4940880" cy="1018404"/>
+          </a:xfrm>
+          <a:prstGeom prst="rect">
+            <a:avLst/>
+          </a:prstGeom>
+          <a:noFill/>
+          <a:ln w="9525">
+            <a:solidFill>
+              <a:srgbClr val="333333"/>
+            </a:solidFill>
+            <a:miter lim="800000"/>
+            <a:headEnd/>
+            <a:tailEnd/>
+          </a:ln>
+          <a:effectLst/>
+          <a:extLst>
+            <a:ext uri="{909E8E84-426E-40DD-AFC4-6F175D3DCCD1}">
+              <a14:hiddenFill xmlns:a14="http://schemas.microsoft.com/office/drawing/2010/main">
+                <a:solidFill>
+                  <a:schemeClr val="accent1"/>
+                </a:solidFill>
+              </a14:hiddenFill>
+            </a:ext>
+            <a:ext uri="{AF507438-7753-43E0-B8FC-AC1667EBCBE1}">
+              <a14:hiddenEffects xmlns:a14="http://schemas.microsoft.com/office/drawing/2010/main">
+                <a:effectLst>
+                  <a:outerShdw dist="35921" dir="2700000" algn="ctr" rotWithShape="0">
+                    <a:schemeClr val="bg2"/>
+                  </a:outerShdw>
+                </a:effectLst>
+              </a14:hiddenEffects>
+            </a:ext>
+          </a:extLst>
+        </p:spPr>
+        <p:txBody>
+          <a:bodyPr wrap="none" anchor="ctr"/>
+          <a:lstStyle/>
+          <a:p>
+            <a:endParaRPr lang="nl-BE"/>
+          </a:p>
+        </p:txBody>
+      </p:sp>
+      <p:sp>
+        <p:nvSpPr>
+          <p:cNvPr id="34" name="Rectangle 8">
+            <a:extLst>
+              <a:ext uri="{FF2B5EF4-FFF2-40B4-BE49-F238E27FC236}">
+                <a16:creationId xmlns:a16="http://schemas.microsoft.com/office/drawing/2014/main" id="{DAE5054B-71F1-C2E9-80C9-BD8557A87D5A}"/>
+              </a:ext>
+            </a:extLst>
+          </p:cNvPr>
+          <p:cNvSpPr>
+            <a:spLocks noChangeArrowheads="1"/>
+          </p:cNvSpPr>
+          <p:nvPr/>
+        </p:nvSpPr>
+        <p:spPr bwMode="auto">
+          <a:xfrm>
+            <a:off x="6946320" y="695718"/>
+            <a:ext cx="4940880" cy="304800"/>
+          </a:xfrm>
+          <a:prstGeom prst="rect">
+            <a:avLst/>
+          </a:prstGeom>
+          <a:solidFill>
+            <a:schemeClr val="tx2">
+              <a:lumMod val="75000"/>
+            </a:schemeClr>
+          </a:solidFill>
+          <a:ln w="9525">
+            <a:solidFill>
+              <a:srgbClr val="333333"/>
+            </a:solidFill>
+            <a:miter lim="800000"/>
+            <a:headEnd/>
+            <a:tailEnd/>
+          </a:ln>
+          <a:effectLst/>
+        </p:spPr>
+        <p:txBody>
+          <a:bodyPr wrap="none" anchor="ctr"/>
+          <a:lstStyle/>
+          <a:p>
+            <a:r>
+              <a:rPr lang="en-US" altLang="nl-BE" sz="1400" b="1" dirty="0" err="1">
+                <a:solidFill>
+                  <a:schemeClr val="bg1"/>
+                </a:solidFill>
+                <a:latin typeface="Verdana" panose="020B0604030504040204" pitchFamily="34" charset="0"/>
+              </a:rPr>
+              <a:t>Voltooide</a:t>
+            </a:r>
+            <a:r>
+              <a:rPr lang="en-US" altLang="nl-BE" sz="1400" b="1" dirty="0">
+                <a:solidFill>
+                  <a:schemeClr val="bg1"/>
+                </a:solidFill>
+                <a:latin typeface="Verdana" panose="020B0604030504040204" pitchFamily="34" charset="0"/>
+              </a:rPr>
+              <a:t> </a:t>
+            </a:r>
+            <a:r>
+              <a:rPr lang="en-US" altLang="nl-BE" sz="1400" b="1" dirty="0" err="1">
+                <a:solidFill>
+                  <a:schemeClr val="bg1"/>
+                </a:solidFill>
+                <a:latin typeface="Verdana" panose="020B0604030504040204" pitchFamily="34" charset="0"/>
+              </a:rPr>
+              <a:t>acties</a:t>
+            </a:r>
+            <a:r>
+              <a:rPr lang="en-US" altLang="nl-BE" sz="1400" b="1" dirty="0">
+                <a:solidFill>
+                  <a:schemeClr val="bg1"/>
+                </a:solidFill>
+                <a:latin typeface="Verdana" panose="020B0604030504040204" pitchFamily="34" charset="0"/>
+              </a:rPr>
+              <a:t> – </a:t>
+            </a:r>
+            <a:r>
+              <a:rPr lang="en-US" altLang="nl-BE" sz="1400" b="1" dirty="0" err="1">
+                <a:solidFill>
+                  <a:schemeClr val="bg1"/>
+                </a:solidFill>
+                <a:latin typeface="Verdana" panose="020B0604030504040204" pitchFamily="34" charset="0"/>
+              </a:rPr>
+              <a:t>mijlpalen</a:t>
+            </a:r>
+            <a:endParaRPr lang="en-US" altLang="nl-BE" sz="1400" b="1" dirty="0">
+              <a:solidFill>
+                <a:schemeClr val="bg1"/>
+              </a:solidFill>
+              <a:latin typeface="Verdana" panose="020B0604030504040204" pitchFamily="34" charset="0"/>
+            </a:endParaRPr>
+          </a:p>
+        </p:txBody>
+      </p:sp>
+      <p:sp>
+        <p:nvSpPr>
+          <p:cNvPr id="35" name="Rectangle 20">
+            <a:extLst>
+              <a:ext uri="{FF2B5EF4-FFF2-40B4-BE49-F238E27FC236}">
+                <a16:creationId xmlns:a16="http://schemas.microsoft.com/office/drawing/2014/main" id="{CA220699-8C1A-C150-E2CF-34C808F65288}"/>
+              </a:ext>
+            </a:extLst>
+          </p:cNvPr>
+          <p:cNvSpPr>
+            <a:spLocks noChangeArrowheads="1"/>
+          </p:cNvSpPr>
+          <p:nvPr/>
+        </p:nvSpPr>
+        <p:spPr bwMode="auto">
+          <a:xfrm>
+            <a:off x="6946320" y="1017296"/>
+            <a:ext cx="4940880" cy="713604"/>
+          </a:xfrm>
+          <a:prstGeom prst="rect">
+            <a:avLst/>
+          </a:prstGeom>
+          <a:noFill/>
+          <a:ln>
+            <a:noFill/>
+          </a:ln>
+          <a:effectLst/>
+          <a:extLst>
+            <a:ext uri="{909E8E84-426E-40DD-AFC4-6F175D3DCCD1}">
+              <a14:hiddenFill xmlns:a14="http://schemas.microsoft.com/office/drawing/2010/main">
+                <a:solidFill>
+                  <a:srgbClr val="333333"/>
+                </a:solidFill>
+              </a14:hiddenFill>
+            </a:ext>
+            <a:ext uri="{91240B29-F687-4F45-9708-019B960494DF}">
+              <a14:hiddenLine xmlns:a14="http://schemas.microsoft.com/office/drawing/2010/main" w="9525">
+                <a:solidFill>
+                  <a:srgbClr val="333333"/>
+                </a:solidFill>
+                <a:miter lim="800000"/>
+                <a:headEnd/>
+                <a:tailEnd/>
+              </a14:hiddenLine>
+            </a:ext>
+            <a:ext uri="{AF507438-7753-43E0-B8FC-AC1667EBCBE1}">
+              <a14:hiddenEffects xmlns:a14="http://schemas.microsoft.com/office/drawing/2010/main">
+                <a:effectLst>
+                  <a:outerShdw dist="35921" dir="2700000" algn="ctr" rotWithShape="0">
+                    <a:schemeClr val="bg2"/>
+                  </a:outerShdw>
+                </a:effectLst>
+              </a14:hiddenEffects>
+            </a:ext>
+          </a:extLst>
+        </p:spPr>
+        <p:txBody>
+          <a:bodyPr wrap="none"/>
+          <a:lstStyle/>
+          <a:p>
+            <a:endParaRPr lang="en-US" altLang="nl-BE" sz="1200" dirty="0">
+              <a:solidFill>
+                <a:srgbClr val="333333"/>
+              </a:solidFill>
+              <a:latin typeface="Verdana" panose="020B0604030504040204" pitchFamily="34" charset="0"/>
+            </a:endParaRPr>
+          </a:p>
+        </p:txBody>
+      </p:sp>
+      <p:sp>
+        <p:nvSpPr>
+          <p:cNvPr id="36" name="Rectangle 7">
+            <a:extLst>
+              <a:ext uri="{FF2B5EF4-FFF2-40B4-BE49-F238E27FC236}">
+                <a16:creationId xmlns:a16="http://schemas.microsoft.com/office/drawing/2014/main" id="{E522FAAD-4C4E-A54F-A8AD-49240F449D94}"/>
+              </a:ext>
+            </a:extLst>
+          </p:cNvPr>
+          <p:cNvSpPr>
+            <a:spLocks noChangeArrowheads="1"/>
+          </p:cNvSpPr>
+          <p:nvPr/>
+        </p:nvSpPr>
+        <p:spPr bwMode="auto">
+          <a:xfrm>
+            <a:off x="6946320" y="1901580"/>
+            <a:ext cx="4940880" cy="1018404"/>
+          </a:xfrm>
+          <a:prstGeom prst="rect">
+            <a:avLst/>
+          </a:prstGeom>
+          <a:noFill/>
+          <a:ln w="9525">
+            <a:solidFill>
+              <a:srgbClr val="333333"/>
+            </a:solidFill>
+            <a:miter lim="800000"/>
+            <a:headEnd/>
+            <a:tailEnd/>
+          </a:ln>
+          <a:effectLst/>
+          <a:extLst>
+            <a:ext uri="{909E8E84-426E-40DD-AFC4-6F175D3DCCD1}">
+              <a14:hiddenFill xmlns:a14="http://schemas.microsoft.com/office/drawing/2010/main">
+                <a:solidFill>
+                  <a:schemeClr val="accent1"/>
+                </a:solidFill>
+              </a14:hiddenFill>
+            </a:ext>
+            <a:ext uri="{AF507438-7753-43E0-B8FC-AC1667EBCBE1}">
+              <a14:hiddenEffects xmlns:a14="http://schemas.microsoft.com/office/drawing/2010/main">
+                <a:effectLst>
+                  <a:outerShdw dist="35921" dir="2700000" algn="ctr" rotWithShape="0">
+                    <a:schemeClr val="bg2"/>
+                  </a:outerShdw>
+                </a:effectLst>
+              </a14:hiddenEffects>
+            </a:ext>
+          </a:extLst>
+        </p:spPr>
+        <p:txBody>
+          <a:bodyPr wrap="none" anchor="ctr"/>
+          <a:lstStyle/>
+          <a:p>
+            <a:endParaRPr lang="nl-BE"/>
+          </a:p>
+        </p:txBody>
+      </p:sp>
+      <p:sp>
+        <p:nvSpPr>
+          <p:cNvPr id="37" name="Rectangle 8">
+            <a:extLst>
+              <a:ext uri="{FF2B5EF4-FFF2-40B4-BE49-F238E27FC236}">
+                <a16:creationId xmlns:a16="http://schemas.microsoft.com/office/drawing/2014/main" id="{27D7948D-3EDF-A9AD-5576-B7B4C9037342}"/>
+              </a:ext>
+            </a:extLst>
+          </p:cNvPr>
+          <p:cNvSpPr>
+            <a:spLocks noChangeArrowheads="1"/>
+          </p:cNvSpPr>
+          <p:nvPr/>
+        </p:nvSpPr>
+        <p:spPr bwMode="auto">
+          <a:xfrm>
+            <a:off x="6946320" y="1901580"/>
+            <a:ext cx="4940880" cy="304800"/>
+          </a:xfrm>
+          <a:prstGeom prst="rect">
+            <a:avLst/>
+          </a:prstGeom>
+          <a:solidFill>
+            <a:schemeClr val="tx2">
+              <a:lumMod val="75000"/>
+            </a:schemeClr>
+          </a:solidFill>
+          <a:ln w="9525">
+            <a:solidFill>
+              <a:srgbClr val="333333"/>
+            </a:solidFill>
+            <a:miter lim="800000"/>
+            <a:headEnd/>
+            <a:tailEnd/>
+          </a:ln>
+          <a:effectLst/>
+        </p:spPr>
+        <p:txBody>
+          <a:bodyPr wrap="none" anchor="ctr"/>
+          <a:lstStyle/>
+          <a:p>
+            <a:r>
+              <a:rPr lang="en-US" altLang="nl-BE" sz="1400" b="1" dirty="0" err="1">
+                <a:solidFill>
+                  <a:schemeClr val="bg1"/>
+                </a:solidFill>
+                <a:latin typeface="Verdana" panose="020B0604030504040204" pitchFamily="34" charset="0"/>
+              </a:rPr>
+              <a:t>Lopende</a:t>
+            </a:r>
+            <a:r>
+              <a:rPr lang="en-US" altLang="nl-BE" sz="1400" b="1" dirty="0">
+                <a:solidFill>
+                  <a:schemeClr val="bg1"/>
+                </a:solidFill>
+                <a:latin typeface="Verdana" panose="020B0604030504040204" pitchFamily="34" charset="0"/>
+              </a:rPr>
+              <a:t> </a:t>
+            </a:r>
+            <a:r>
+              <a:rPr lang="en-US" altLang="nl-BE" sz="1400" b="1" dirty="0" err="1">
+                <a:solidFill>
+                  <a:schemeClr val="bg1"/>
+                </a:solidFill>
+                <a:latin typeface="Verdana" panose="020B0604030504040204" pitchFamily="34" charset="0"/>
+              </a:rPr>
+              <a:t>acties</a:t>
+            </a:r>
+            <a:r>
+              <a:rPr lang="en-US" altLang="nl-BE" sz="1400" b="1" dirty="0">
+                <a:solidFill>
+                  <a:schemeClr val="bg1"/>
+                </a:solidFill>
+                <a:latin typeface="Verdana" panose="020B0604030504040204" pitchFamily="34" charset="0"/>
+              </a:rPr>
+              <a:t> – </a:t>
+            </a:r>
+            <a:r>
+              <a:rPr lang="en-US" altLang="nl-BE" sz="1400" b="1" dirty="0" err="1">
+                <a:solidFill>
+                  <a:schemeClr val="bg1"/>
+                </a:solidFill>
+                <a:latin typeface="Verdana" panose="020B0604030504040204" pitchFamily="34" charset="0"/>
+              </a:rPr>
+              <a:t>volgende</a:t>
+            </a:r>
+            <a:r>
+              <a:rPr lang="en-US" altLang="nl-BE" sz="1400" b="1" dirty="0">
+                <a:solidFill>
+                  <a:schemeClr val="bg1"/>
+                </a:solidFill>
+                <a:latin typeface="Verdana" panose="020B0604030504040204" pitchFamily="34" charset="0"/>
+              </a:rPr>
+              <a:t> </a:t>
+            </a:r>
+            <a:r>
+              <a:rPr lang="en-US" altLang="nl-BE" sz="1400" b="1" dirty="0" err="1">
+                <a:solidFill>
+                  <a:schemeClr val="bg1"/>
+                </a:solidFill>
+                <a:latin typeface="Verdana" panose="020B0604030504040204" pitchFamily="34" charset="0"/>
+              </a:rPr>
+              <a:t>stappen</a:t>
+            </a:r>
+            <a:endParaRPr lang="en-US" altLang="nl-BE" sz="1400" b="1" dirty="0">
+              <a:solidFill>
+                <a:schemeClr val="bg1"/>
+              </a:solidFill>
+              <a:latin typeface="Verdana" panose="020B0604030504040204" pitchFamily="34" charset="0"/>
+            </a:endParaRPr>
+          </a:p>
+        </p:txBody>
+      </p:sp>
+      <p:sp>
+        <p:nvSpPr>
+          <p:cNvPr id="38" name="Rectangle 20">
+            <a:extLst>
+              <a:ext uri="{FF2B5EF4-FFF2-40B4-BE49-F238E27FC236}">
+                <a16:creationId xmlns:a16="http://schemas.microsoft.com/office/drawing/2014/main" id="{2728EF24-94C7-6A18-7240-28E5437CB6DC}"/>
+              </a:ext>
+            </a:extLst>
+          </p:cNvPr>
+          <p:cNvSpPr>
+            <a:spLocks noChangeArrowheads="1"/>
+          </p:cNvSpPr>
+          <p:nvPr/>
+        </p:nvSpPr>
+        <p:spPr bwMode="auto">
+          <a:xfrm>
+            <a:off x="6946320" y="2206380"/>
+            <a:ext cx="4940880" cy="713604"/>
+          </a:xfrm>
+          <a:prstGeom prst="rect">
+            <a:avLst/>
+          </a:prstGeom>
+          <a:noFill/>
+          <a:ln>
+            <a:noFill/>
+          </a:ln>
+          <a:effectLst/>
+          <a:extLst>
+            <a:ext uri="{909E8E84-426E-40DD-AFC4-6F175D3DCCD1}">
+              <a14:hiddenFill xmlns:a14="http://schemas.microsoft.com/office/drawing/2010/main">
+                <a:solidFill>
+                  <a:srgbClr val="333333"/>
+                </a:solidFill>
+              </a14:hiddenFill>
+            </a:ext>
+            <a:ext uri="{91240B29-F687-4F45-9708-019B960494DF}">
+              <a14:hiddenLine xmlns:a14="http://schemas.microsoft.com/office/drawing/2010/main" w="9525">
+                <a:solidFill>
+                  <a:srgbClr val="333333"/>
+                </a:solidFill>
+                <a:miter lim="800000"/>
+                <a:headEnd/>
+                <a:tailEnd/>
+              </a14:hiddenLine>
+            </a:ext>
+            <a:ext uri="{AF507438-7753-43E0-B8FC-AC1667EBCBE1}">
+              <a14:hiddenEffects xmlns:a14="http://schemas.microsoft.com/office/drawing/2010/main">
+                <a:effectLst>
+                  <a:outerShdw dist="35921" dir="2700000" algn="ctr" rotWithShape="0">
+                    <a:schemeClr val="bg2"/>
+                  </a:outerShdw>
+                </a:effectLst>
+              </a14:hiddenEffects>
+            </a:ext>
+          </a:extLst>
+        </p:spPr>
+        <p:txBody>
+          <a:bodyPr wrap="none"/>
+          <a:lstStyle/>
+          <a:p>
+            <a:endParaRPr lang="en-US" altLang="nl-BE" sz="1200" dirty="0">
+              <a:solidFill>
+                <a:srgbClr val="333333"/>
+              </a:solidFill>
+              <a:latin typeface="Verdana" panose="020B0604030504040204" pitchFamily="34" charset="0"/>
+            </a:endParaRPr>
+          </a:p>
+        </p:txBody>
+      </p:sp>
+      <p:sp>
+        <p:nvSpPr>
+          <p:cNvPr id="6" name="Rectangle 20">
+            <a:extLst>
+              <a:ext uri="{FF2B5EF4-FFF2-40B4-BE49-F238E27FC236}">
+                <a16:creationId xmlns:a16="http://schemas.microsoft.com/office/drawing/2014/main" id="{36B2768F-C43F-065E-FE5D-C9B16EAEA476}"/>
+              </a:ext>
+            </a:extLst>
+          </p:cNvPr>
+          <p:cNvSpPr>
+            <a:spLocks noChangeArrowheads="1"/>
+          </p:cNvSpPr>
+          <p:nvPr/>
+        </p:nvSpPr>
+        <p:spPr bwMode="auto">
+          <a:xfrm>
+            <a:off x="6940800" y="1000518"/>
+            <a:ext cx="4946400" cy="713604"/>
+          </a:xfrm>
+          <a:prstGeom prst="rect">
+            <a:avLst/>
+          </a:prstGeom>
+          <a:noFill/>
+          <a:ln>
+            <a:noFill/>
+          </a:ln>
+          <a:effectLst/>
+          <a:extLst>
+            <a:ext uri="{909E8E84-426E-40DD-AFC4-6F175D3DCCD1}">
+              <a14:hiddenFill xmlns:a14="http://schemas.microsoft.com/office/drawing/2010/main">
+                <a:solidFill>
+                  <a:srgbClr val="333333"/>
+                </a:solidFill>
+              </a14:hiddenFill>
+            </a:ext>
+            <a:ext uri="{91240B29-F687-4F45-9708-019B960494DF}">
+              <a14:hiddenLine xmlns:a14="http://schemas.microsoft.com/office/drawing/2010/main" w="9525">
+                <a:solidFill>
+                  <a:srgbClr val="333333"/>
+                </a:solidFill>
+                <a:miter lim="800000"/>
+                <a:headEnd/>
+                <a:tailEnd/>
+              </a14:hiddenLine>
+            </a:ext>
+            <a:ext uri="{AF507438-7753-43E0-B8FC-AC1667EBCBE1}">
+              <a14:hiddenEffects xmlns:a14="http://schemas.microsoft.com/office/drawing/2010/main">
+                <a:effectLst>
+                  <a:outerShdw dist="35921" dir="2700000" algn="ctr" rotWithShape="0">
+                    <a:schemeClr val="bg2"/>
+                  </a:outerShdw>
+                </a:effectLst>
+              </a14:hiddenEffects>
+            </a:ext>
+          </a:extLst>
+        </p:spPr>
+        <p:txBody>
+          <a:bodyPr wrap="none"/>
+          <a:lstStyle/>
+          <a:p>
+            <a:pPr>
+              <a:buFontTx/>
+              <a:buChar char="•"/>
+            </a:pPr>
+            <a:r>
+              <a:rPr lang="en-US" altLang="nl-BE" sz="1200" dirty="0">
+                <a:solidFill>
+                  <a:srgbClr val="333333"/>
+                </a:solidFill>
+                <a:latin typeface="Verdana" panose="020B0604030504040204" pitchFamily="34" charset="0"/>
+              </a:rPr>
+              <a:t> Interim report</a:t>
+            </a:r>
+          </a:p>
+        </p:txBody>
+      </p:sp>
+    </p:spTree>
+    <p:extLst>
+      <p:ext uri="{BB962C8B-B14F-4D97-AF65-F5344CB8AC3E}">
+        <p14:creationId xmlns:p14="http://schemas.microsoft.com/office/powerpoint/2010/main" val="1786993097"/>
+      </p:ext>
+    </p:extLst>
+  </p:cSld>
+  <p:clrMapOvr>
+    <a:masterClrMapping/>
+  </p:clrMapOvr>
+</p:sld>
+</file>
+
+<file path=ppt/slides/slide11.xml><?xml version="1.0" encoding="utf-8"?>
+<p:sld xmlns:a="http://schemas.openxmlformats.org/drawingml/2006/main" xmlns:r="http://schemas.openxmlformats.org/officeDocument/2006/relationships" xmlns:p="http://schemas.openxmlformats.org/presentationml/2006/main">
+  <p:cSld>
+    <p:spTree>
+      <p:nvGrpSpPr>
+        <p:cNvPr id="1" name=""/>
+        <p:cNvGrpSpPr/>
+        <p:nvPr/>
+      </p:nvGrpSpPr>
+      <p:grpSpPr>
+        <a:xfrm>
+          <a:off x="0" y="0"/>
+          <a:ext cx="0" cy="0"/>
+          <a:chOff x="0" y="0"/>
+          <a:chExt cx="0" cy="0"/>
+        </a:xfrm>
+      </p:grpSpPr>
+      <p:sp>
+        <p:nvSpPr>
+          <p:cNvPr id="3" name="Tijdelijke aanduiding voor voettekst 2">
+            <a:extLst>
+              <a:ext uri="{FF2B5EF4-FFF2-40B4-BE49-F238E27FC236}">
+                <a16:creationId xmlns:a16="http://schemas.microsoft.com/office/drawing/2014/main" id="{8A4675E4-17D3-F776-F4A4-379D7D7DF71F}"/>
+              </a:ext>
+            </a:extLst>
+          </p:cNvPr>
+          <p:cNvSpPr>
+            <a:spLocks noGrp="1"/>
+          </p:cNvSpPr>
+          <p:nvPr>
+            <p:ph type="ftr" sz="quarter" idx="11"/>
+          </p:nvPr>
+        </p:nvSpPr>
+        <p:spPr/>
+        <p:txBody>
+          <a:bodyPr/>
+          <a:lstStyle/>
+          <a:p>
+            <a:r>
+              <a:rPr lang="nl-NL"/>
+              <a:t>Faculty, department, unit ...</a:t>
+            </a:r>
+          </a:p>
+        </p:txBody>
+      </p:sp>
+      <p:sp>
+        <p:nvSpPr>
+          <p:cNvPr id="4" name="Tijdelijke aanduiding voor dianummer 3">
+            <a:extLst>
+              <a:ext uri="{FF2B5EF4-FFF2-40B4-BE49-F238E27FC236}">
+                <a16:creationId xmlns:a16="http://schemas.microsoft.com/office/drawing/2014/main" id="{033BF3EA-AA33-261E-8D31-8101DCD638CC}"/>
+              </a:ext>
+            </a:extLst>
+          </p:cNvPr>
+          <p:cNvSpPr>
+            <a:spLocks noGrp="1"/>
+          </p:cNvSpPr>
+          <p:nvPr>
+            <p:ph type="sldNum" sz="quarter" idx="12"/>
+          </p:nvPr>
+        </p:nvSpPr>
+        <p:spPr/>
+        <p:txBody>
+          <a:bodyPr/>
+          <a:lstStyle/>
+          <a:p>
+            <a:fld id="{0A297500-7527-634B-90F4-69D0994C32B4}" type="slidenum">
+              <a:rPr lang="nl-NL" smtClean="0"/>
+              <a:t>11</a:t>
+            </a:fld>
+            <a:endParaRPr lang="nl-NL"/>
+          </a:p>
+        </p:txBody>
+      </p:sp>
+      <p:sp>
+        <p:nvSpPr>
+          <p:cNvPr id="5" name="Titel 4">
+            <a:extLst>
+              <a:ext uri="{FF2B5EF4-FFF2-40B4-BE49-F238E27FC236}">
+                <a16:creationId xmlns:a16="http://schemas.microsoft.com/office/drawing/2014/main" id="{0AB90542-B085-F406-9290-1072716337BA}"/>
+              </a:ext>
+            </a:extLst>
+          </p:cNvPr>
+          <p:cNvSpPr>
+            <a:spLocks noGrp="1"/>
+          </p:cNvSpPr>
+          <p:nvPr>
+            <p:ph type="title"/>
+          </p:nvPr>
+        </p:nvSpPr>
+        <p:spPr>
+          <a:xfrm>
+            <a:off x="576000" y="134978"/>
+            <a:ext cx="11041200" cy="1152000"/>
+          </a:xfrm>
+        </p:spPr>
+        <p:txBody>
+          <a:bodyPr/>
+          <a:lstStyle/>
+          <a:p>
+            <a:r>
+              <a:rPr lang="nl-BE" dirty="0"/>
+              <a:t>Week 6 (10/11/2022)</a:t>
+            </a:r>
+          </a:p>
+        </p:txBody>
+      </p:sp>
+      <p:sp>
+        <p:nvSpPr>
+          <p:cNvPr id="28" name="Rectangle 7">
+            <a:extLst>
+              <a:ext uri="{FF2B5EF4-FFF2-40B4-BE49-F238E27FC236}">
+                <a16:creationId xmlns:a16="http://schemas.microsoft.com/office/drawing/2014/main" id="{1ED11395-C284-9D31-0A1F-8CE593280307}"/>
+              </a:ext>
+            </a:extLst>
+          </p:cNvPr>
+          <p:cNvSpPr>
+            <a:spLocks noChangeArrowheads="1"/>
+          </p:cNvSpPr>
+          <p:nvPr/>
+        </p:nvSpPr>
+        <p:spPr bwMode="auto">
+          <a:xfrm>
+            <a:off x="580800" y="1348510"/>
+            <a:ext cx="4940880" cy="1767742"/>
+          </a:xfrm>
+          <a:prstGeom prst="rect">
+            <a:avLst/>
+          </a:prstGeom>
+          <a:noFill/>
+          <a:ln w="9525">
+            <a:solidFill>
+              <a:srgbClr val="333333"/>
+            </a:solidFill>
+            <a:miter lim="800000"/>
+            <a:headEnd/>
+            <a:tailEnd/>
+          </a:ln>
+          <a:effectLst/>
+          <a:extLst>
+            <a:ext uri="{909E8E84-426E-40DD-AFC4-6F175D3DCCD1}">
+              <a14:hiddenFill xmlns:a14="http://schemas.microsoft.com/office/drawing/2010/main">
+                <a:solidFill>
+                  <a:schemeClr val="accent1"/>
+                </a:solidFill>
+              </a14:hiddenFill>
+            </a:ext>
+            <a:ext uri="{AF507438-7753-43E0-B8FC-AC1667EBCBE1}">
+              <a14:hiddenEffects xmlns:a14="http://schemas.microsoft.com/office/drawing/2010/main">
+                <a:effectLst>
+                  <a:outerShdw dist="35921" dir="2700000" algn="ctr" rotWithShape="0">
+                    <a:schemeClr val="bg2"/>
+                  </a:outerShdw>
+                </a:effectLst>
+              </a14:hiddenEffects>
+            </a:ext>
+          </a:extLst>
+        </p:spPr>
+        <p:txBody>
+          <a:bodyPr wrap="none" anchor="ctr"/>
+          <a:lstStyle/>
+          <a:p>
+            <a:endParaRPr lang="nl-BE"/>
+          </a:p>
+        </p:txBody>
+      </p:sp>
+      <p:sp>
+        <p:nvSpPr>
+          <p:cNvPr id="29" name="Rectangle 8">
+            <a:extLst>
+              <a:ext uri="{FF2B5EF4-FFF2-40B4-BE49-F238E27FC236}">
+                <a16:creationId xmlns:a16="http://schemas.microsoft.com/office/drawing/2014/main" id="{6FC4B744-16AC-500A-BBB9-19F5AFB1A6F4}"/>
+              </a:ext>
+            </a:extLst>
+          </p:cNvPr>
+          <p:cNvSpPr>
+            <a:spLocks noChangeArrowheads="1"/>
+          </p:cNvSpPr>
+          <p:nvPr/>
+        </p:nvSpPr>
+        <p:spPr bwMode="auto">
+          <a:xfrm>
+            <a:off x="580800" y="1365141"/>
+            <a:ext cx="4940880" cy="304800"/>
+          </a:xfrm>
+          <a:prstGeom prst="rect">
+            <a:avLst/>
+          </a:prstGeom>
+          <a:solidFill>
+            <a:schemeClr val="tx2">
+              <a:lumMod val="75000"/>
+            </a:schemeClr>
+          </a:solidFill>
+          <a:ln w="9525">
+            <a:solidFill>
+              <a:srgbClr val="333333"/>
+            </a:solidFill>
+            <a:miter lim="800000"/>
+            <a:headEnd/>
+            <a:tailEnd/>
+          </a:ln>
+          <a:effectLst/>
+        </p:spPr>
+        <p:txBody>
+          <a:bodyPr wrap="none" anchor="ctr"/>
+          <a:lstStyle/>
+          <a:p>
+            <a:r>
+              <a:rPr lang="en-US" altLang="nl-BE" sz="1400" b="1">
+                <a:solidFill>
+                  <a:schemeClr val="bg1"/>
+                </a:solidFill>
+                <a:latin typeface="Verdana" panose="020B0604030504040204" pitchFamily="34" charset="0"/>
+              </a:rPr>
+              <a:t>Planning</a:t>
+            </a:r>
+          </a:p>
+        </p:txBody>
+      </p:sp>
+      <p:sp>
+        <p:nvSpPr>
+          <p:cNvPr id="30" name="Rectangle 20">
+            <a:extLst>
+              <a:ext uri="{FF2B5EF4-FFF2-40B4-BE49-F238E27FC236}">
+                <a16:creationId xmlns:a16="http://schemas.microsoft.com/office/drawing/2014/main" id="{F8F8537C-8B21-E85D-8ED6-BCD891428026}"/>
+              </a:ext>
+            </a:extLst>
+          </p:cNvPr>
+          <p:cNvSpPr>
+            <a:spLocks noChangeArrowheads="1"/>
+          </p:cNvSpPr>
+          <p:nvPr/>
+        </p:nvSpPr>
+        <p:spPr bwMode="auto">
+          <a:xfrm>
+            <a:off x="576000" y="1669941"/>
+            <a:ext cx="4940880" cy="713604"/>
+          </a:xfrm>
+          <a:prstGeom prst="rect">
+            <a:avLst/>
+          </a:prstGeom>
+          <a:noFill/>
+          <a:ln>
+            <a:noFill/>
+          </a:ln>
+          <a:effectLst/>
+          <a:extLst>
+            <a:ext uri="{909E8E84-426E-40DD-AFC4-6F175D3DCCD1}">
+              <a14:hiddenFill xmlns:a14="http://schemas.microsoft.com/office/drawing/2010/main">
+                <a:solidFill>
+                  <a:srgbClr val="333333"/>
+                </a:solidFill>
+              </a14:hiddenFill>
+            </a:ext>
+            <a:ext uri="{91240B29-F687-4F45-9708-019B960494DF}">
+              <a14:hiddenLine xmlns:a14="http://schemas.microsoft.com/office/drawing/2010/main" w="9525">
+                <a:solidFill>
+                  <a:srgbClr val="333333"/>
+                </a:solidFill>
+                <a:miter lim="800000"/>
+                <a:headEnd/>
+                <a:tailEnd/>
+              </a14:hiddenLine>
+            </a:ext>
+            <a:ext uri="{AF507438-7753-43E0-B8FC-AC1667EBCBE1}">
+              <a14:hiddenEffects xmlns:a14="http://schemas.microsoft.com/office/drawing/2010/main">
+                <a:effectLst>
+                  <a:outerShdw dist="35921" dir="2700000" algn="ctr" rotWithShape="0">
+                    <a:schemeClr val="bg2"/>
+                  </a:outerShdw>
+                </a:effectLst>
+              </a14:hiddenEffects>
+            </a:ext>
+          </a:extLst>
+        </p:spPr>
+        <p:txBody>
+          <a:bodyPr wrap="none"/>
+          <a:lstStyle/>
+          <a:p>
+            <a:pPr>
+              <a:buFontTx/>
+              <a:buChar char="•"/>
+            </a:pPr>
+            <a:r>
+              <a:rPr lang="en-US" altLang="nl-BE" sz="1200" dirty="0">
+                <a:solidFill>
+                  <a:srgbClr val="333333"/>
+                </a:solidFill>
+                <a:latin typeface="Verdana" panose="020B0604030504040204" pitchFamily="34" charset="0"/>
+              </a:rPr>
+              <a:t> Report</a:t>
+            </a:r>
+          </a:p>
+          <a:p>
+            <a:pPr>
+              <a:buFontTx/>
+              <a:buChar char="•"/>
+            </a:pPr>
+            <a:endParaRPr lang="en-US" altLang="nl-BE" sz="1200" dirty="0">
+              <a:solidFill>
+                <a:srgbClr val="333333"/>
+              </a:solidFill>
+              <a:latin typeface="Verdana" panose="020B0604030504040204" pitchFamily="34" charset="0"/>
+            </a:endParaRPr>
+          </a:p>
+        </p:txBody>
+      </p:sp>
+      <p:graphicFrame>
+        <p:nvGraphicFramePr>
+          <p:cNvPr id="31" name="Table 8">
+            <a:extLst>
+              <a:ext uri="{FF2B5EF4-FFF2-40B4-BE49-F238E27FC236}">
+                <a16:creationId xmlns:a16="http://schemas.microsoft.com/office/drawing/2014/main" id="{39209D40-A90A-28AF-7EE5-2185F6AED7D9}"/>
+              </a:ext>
+            </a:extLst>
+          </p:cNvPr>
+          <p:cNvGraphicFramePr>
+            <a:graphicFrameLocks noGrp="1"/>
+          </p:cNvGraphicFramePr>
+          <p:nvPr/>
+        </p:nvGraphicFramePr>
+        <p:xfrm>
+          <a:off x="580800" y="3517586"/>
+          <a:ext cx="11306400" cy="2595880"/>
+        </p:xfrm>
+        <a:graphic>
+          <a:graphicData uri="http://schemas.openxmlformats.org/drawingml/2006/table">
+            <a:tbl>
+              <a:tblPr firstRow="1" bandRow="1">
+                <a:tableStyleId>{5C22544A-7EE6-4342-B048-85BDC9FD1C3A}</a:tableStyleId>
+              </a:tblPr>
+              <a:tblGrid>
+                <a:gridCol w="2261280">
+                  <a:extLst>
+                    <a:ext uri="{9D8B030D-6E8A-4147-A177-3AD203B41FA5}">
+                      <a16:colId xmlns:a16="http://schemas.microsoft.com/office/drawing/2014/main" val="3222044758"/>
+                    </a:ext>
+                  </a:extLst>
+                </a:gridCol>
+                <a:gridCol w="2261280">
+                  <a:extLst>
+                    <a:ext uri="{9D8B030D-6E8A-4147-A177-3AD203B41FA5}">
+                      <a16:colId xmlns:a16="http://schemas.microsoft.com/office/drawing/2014/main" val="23332546"/>
+                    </a:ext>
+                  </a:extLst>
+                </a:gridCol>
+                <a:gridCol w="2261280">
+                  <a:extLst>
+                    <a:ext uri="{9D8B030D-6E8A-4147-A177-3AD203B41FA5}">
+                      <a16:colId xmlns:a16="http://schemas.microsoft.com/office/drawing/2014/main" val="62682046"/>
+                    </a:ext>
+                  </a:extLst>
+                </a:gridCol>
+                <a:gridCol w="2261280">
+                  <a:extLst>
+                    <a:ext uri="{9D8B030D-6E8A-4147-A177-3AD203B41FA5}">
+                      <a16:colId xmlns:a16="http://schemas.microsoft.com/office/drawing/2014/main" val="1440099295"/>
+                    </a:ext>
+                  </a:extLst>
+                </a:gridCol>
+                <a:gridCol w="2261280">
+                  <a:extLst>
+                    <a:ext uri="{9D8B030D-6E8A-4147-A177-3AD203B41FA5}">
+                      <a16:colId xmlns:a16="http://schemas.microsoft.com/office/drawing/2014/main" val="2799077174"/>
+                    </a:ext>
+                  </a:extLst>
+                </a:gridCol>
+              </a:tblGrid>
+              <a:tr h="370840">
+                <a:tc>
+                  <a:txBody>
+                    <a:bodyPr/>
+                    <a:lstStyle/>
+                    <a:p>
+                      <a:r>
+                        <a:rPr lang="nl-BE" dirty="0"/>
+                        <a:t>Naam student</a:t>
+                      </a:r>
+                    </a:p>
+                  </a:txBody>
+                  <a:tcPr>
+                    <a:lnL w="12700" cap="flat" cmpd="sng" algn="ctr">
+                      <a:solidFill>
+                        <a:schemeClr val="tx1"/>
+                      </a:solidFill>
+                      <a:prstDash val="solid"/>
+                      <a:round/>
+                      <a:headEnd type="none" w="med" len="med"/>
+                      <a:tailEnd type="none" w="med" len="med"/>
+                    </a:lnL>
+                    <a:lnT w="12700" cap="flat" cmpd="sng" algn="ctr">
+                      <a:solidFill>
+                        <a:schemeClr val="tx1"/>
+                      </a:solidFill>
+                      <a:prstDash val="solid"/>
+                      <a:round/>
+                      <a:headEnd type="none" w="med" len="med"/>
+                      <a:tailEnd type="none" w="med" len="med"/>
+                    </a:lnT>
+                  </a:tcPr>
+                </a:tc>
+                <a:tc>
+                  <a:txBody>
+                    <a:bodyPr/>
+                    <a:lstStyle/>
+                    <a:p>
+                      <a:r>
+                        <a:rPr lang="nl-BE" dirty="0"/>
+                        <a:t>14u00-15u00</a:t>
+                      </a:r>
+                    </a:p>
+                  </a:txBody>
+                  <a:tcPr>
+                    <a:lnT w="12700" cap="flat" cmpd="sng" algn="ctr">
+                      <a:solidFill>
+                        <a:schemeClr val="tx1"/>
+                      </a:solidFill>
+                      <a:prstDash val="solid"/>
+                      <a:round/>
+                      <a:headEnd type="none" w="med" len="med"/>
+                      <a:tailEnd type="none" w="med" len="med"/>
+                    </a:lnT>
+                  </a:tcPr>
+                </a:tc>
+                <a:tc>
+                  <a:txBody>
+                    <a:bodyPr/>
+                    <a:lstStyle/>
+                    <a:p>
+                      <a:r>
+                        <a:rPr lang="nl-BE" dirty="0"/>
+                        <a:t>15u00-16u00</a:t>
+                      </a:r>
+                    </a:p>
+                  </a:txBody>
+                  <a:tcPr>
+                    <a:lnT w="12700" cap="flat" cmpd="sng" algn="ctr">
+                      <a:solidFill>
+                        <a:schemeClr val="tx1"/>
+                      </a:solidFill>
+                      <a:prstDash val="solid"/>
+                      <a:round/>
+                      <a:headEnd type="none" w="med" len="med"/>
+                      <a:tailEnd type="none" w="med" len="med"/>
+                    </a:lnT>
+                  </a:tcPr>
+                </a:tc>
+                <a:tc>
+                  <a:txBody>
+                    <a:bodyPr/>
+                    <a:lstStyle/>
+                    <a:p>
+                      <a:r>
+                        <a:rPr lang="nl-BE" dirty="0"/>
+                        <a:t>16u00-17u00</a:t>
+                      </a:r>
+                    </a:p>
+                  </a:txBody>
+                  <a:tcPr>
+                    <a:lnT w="12700" cap="flat" cmpd="sng" algn="ctr">
+                      <a:solidFill>
+                        <a:schemeClr val="tx1"/>
+                      </a:solidFill>
+                      <a:prstDash val="solid"/>
+                      <a:round/>
+                      <a:headEnd type="none" w="med" len="med"/>
+                      <a:tailEnd type="none" w="med" len="med"/>
+                    </a:lnT>
+                  </a:tcPr>
+                </a:tc>
+                <a:tc>
+                  <a:txBody>
+                    <a:bodyPr/>
+                    <a:lstStyle/>
+                    <a:p>
+                      <a:r>
+                        <a:rPr lang="nl-BE" dirty="0"/>
+                        <a:t>17u00-18u00</a:t>
+                      </a:r>
+                    </a:p>
+                  </a:txBody>
+                  <a:tcPr>
+                    <a:lnR w="12700" cap="flat" cmpd="sng" algn="ctr">
+                      <a:solidFill>
+                        <a:schemeClr val="tx1"/>
+                      </a:solidFill>
+                      <a:prstDash val="solid"/>
+                      <a:round/>
+                      <a:headEnd type="none" w="med" len="med"/>
+                      <a:tailEnd type="none" w="med" len="med"/>
+                    </a:lnR>
+                    <a:lnT w="12700" cap="flat" cmpd="sng" algn="ctr">
+                      <a:solidFill>
+                        <a:schemeClr val="tx1"/>
+                      </a:solidFill>
+                      <a:prstDash val="solid"/>
+                      <a:round/>
+                      <a:headEnd type="none" w="med" len="med"/>
+                      <a:tailEnd type="none" w="med" len="med"/>
+                    </a:lnT>
+                  </a:tcPr>
+                </a:tc>
+                <a:extLst>
+                  <a:ext uri="{0D108BD9-81ED-4DB2-BD59-A6C34878D82A}">
+                    <a16:rowId xmlns:a16="http://schemas.microsoft.com/office/drawing/2014/main" val="1545514501"/>
+                  </a:ext>
+                </a:extLst>
+              </a:tr>
+              <a:tr h="370840">
+                <a:tc>
+                  <a:txBody>
+                    <a:bodyPr/>
+                    <a:lstStyle/>
+                    <a:p>
+                      <a:r>
+                        <a:rPr lang="nl-BE" dirty="0"/>
+                        <a:t>Arne </a:t>
+                      </a:r>
+                      <a:r>
+                        <a:rPr lang="nl-BE" dirty="0" err="1"/>
+                        <a:t>Lemahieu</a:t>
+                      </a:r>
+                      <a:endParaRPr lang="nl-BE" dirty="0"/>
+                    </a:p>
+                  </a:txBody>
+                  <a:tcPr>
+                    <a:lnL w="12700" cap="flat" cmpd="sng" algn="ctr">
+                      <a:solidFill>
+                        <a:schemeClr val="tx1"/>
+                      </a:solidFill>
+                      <a:prstDash val="solid"/>
+                      <a:round/>
+                      <a:headEnd type="none" w="med" len="med"/>
+                      <a:tailEnd type="none" w="med" len="med"/>
+                    </a:lnL>
+                  </a:tcPr>
+                </a:tc>
+                <a:tc>
+                  <a:txBody>
+                    <a:bodyPr/>
+                    <a:lstStyle/>
+                    <a:p>
+                      <a:r>
+                        <a:rPr lang="nl-BE" dirty="0"/>
+                        <a:t>Report</a:t>
+                      </a:r>
+                    </a:p>
+                  </a:txBody>
+                  <a:tcPr/>
+                </a:tc>
+                <a:tc>
+                  <a:txBody>
+                    <a:bodyPr/>
+                    <a:lstStyle/>
+                    <a:p>
+                      <a:pPr marL="0" marR="0" lvl="0" indent="0" algn="l" defTabSz="914400" rtl="0" eaLnBrk="1" fontAlgn="auto" latinLnBrk="0" hangingPunct="1">
+                        <a:lnSpc>
+                          <a:spcPct val="100000"/>
+                        </a:lnSpc>
+                        <a:spcBef>
+                          <a:spcPts val="0"/>
+                        </a:spcBef>
+                        <a:spcAft>
+                          <a:spcPts val="0"/>
+                        </a:spcAft>
+                        <a:buClrTx/>
+                        <a:buSzTx/>
+                        <a:buFontTx/>
+                        <a:buNone/>
+                        <a:tabLst/>
+                        <a:defRPr/>
+                      </a:pPr>
+                      <a:r>
+                        <a:rPr lang="nl-BE" dirty="0"/>
+                        <a:t>Report</a:t>
+                      </a:r>
+                    </a:p>
+                  </a:txBody>
+                  <a:tcPr/>
+                </a:tc>
+                <a:tc>
+                  <a:txBody>
+                    <a:bodyPr/>
+                    <a:lstStyle/>
+                    <a:p>
+                      <a:pPr marL="0" marR="0" lvl="0" indent="0" algn="l" defTabSz="914400" rtl="0" eaLnBrk="1" fontAlgn="auto" latinLnBrk="0" hangingPunct="1">
+                        <a:lnSpc>
+                          <a:spcPct val="100000"/>
+                        </a:lnSpc>
+                        <a:spcBef>
+                          <a:spcPts val="0"/>
+                        </a:spcBef>
+                        <a:spcAft>
+                          <a:spcPts val="0"/>
+                        </a:spcAft>
+                        <a:buClrTx/>
+                        <a:buSzTx/>
+                        <a:buFontTx/>
+                        <a:buNone/>
+                        <a:tabLst/>
+                        <a:defRPr/>
+                      </a:pPr>
+                      <a:r>
+                        <a:rPr lang="nl-BE" dirty="0"/>
+                        <a:t>Report</a:t>
+                      </a:r>
+                    </a:p>
+                  </a:txBody>
+                  <a:tcPr/>
+                </a:tc>
+                <a:tc>
+                  <a:txBody>
+                    <a:bodyPr/>
+                    <a:lstStyle/>
+                    <a:p>
+                      <a:pPr marL="0" marR="0" lvl="0" indent="0" algn="l" defTabSz="914400" rtl="0" eaLnBrk="1" fontAlgn="auto" latinLnBrk="0" hangingPunct="1">
+                        <a:lnSpc>
+                          <a:spcPct val="100000"/>
+                        </a:lnSpc>
+                        <a:spcBef>
+                          <a:spcPts val="0"/>
+                        </a:spcBef>
+                        <a:spcAft>
+                          <a:spcPts val="0"/>
+                        </a:spcAft>
+                        <a:buClrTx/>
+                        <a:buSzTx/>
+                        <a:buFontTx/>
+                        <a:buNone/>
+                        <a:tabLst/>
+                        <a:defRPr/>
+                      </a:pPr>
+                      <a:r>
+                        <a:rPr lang="nl-BE"/>
+                        <a:t>Report</a:t>
+                      </a:r>
+                      <a:endParaRPr lang="nl-BE" dirty="0"/>
+                    </a:p>
+                  </a:txBody>
+                  <a:tcPr>
+                    <a:lnR w="12700" cap="flat" cmpd="sng" algn="ctr">
+                      <a:solidFill>
+                        <a:schemeClr val="tx1"/>
+                      </a:solidFill>
+                      <a:prstDash val="solid"/>
+                      <a:round/>
+                      <a:headEnd type="none" w="med" len="med"/>
+                      <a:tailEnd type="none" w="med" len="med"/>
+                    </a:lnR>
+                  </a:tcPr>
+                </a:tc>
+                <a:extLst>
+                  <a:ext uri="{0D108BD9-81ED-4DB2-BD59-A6C34878D82A}">
+                    <a16:rowId xmlns:a16="http://schemas.microsoft.com/office/drawing/2014/main" val="4272612081"/>
+                  </a:ext>
+                </a:extLst>
+              </a:tr>
+              <a:tr h="370840">
+                <a:tc>
+                  <a:txBody>
+                    <a:bodyPr/>
+                    <a:lstStyle/>
+                    <a:p>
+                      <a:pPr marL="0" marR="0" lvl="0" indent="0" algn="l" defTabSz="914400" rtl="0" eaLnBrk="1" fontAlgn="auto" latinLnBrk="0" hangingPunct="1">
+                        <a:lnSpc>
+                          <a:spcPct val="100000"/>
+                        </a:lnSpc>
+                        <a:spcBef>
+                          <a:spcPts val="0"/>
+                        </a:spcBef>
+                        <a:spcAft>
+                          <a:spcPts val="0"/>
+                        </a:spcAft>
+                        <a:buClrTx/>
+                        <a:buSzTx/>
+                        <a:buFontTx/>
+                        <a:buNone/>
+                        <a:tabLst/>
+                        <a:defRPr/>
+                      </a:pPr>
+                      <a:r>
+                        <a:rPr lang="nl-BE" dirty="0"/>
+                        <a:t>Kasper </a:t>
+                      </a:r>
+                      <a:r>
+                        <a:rPr lang="nl-BE" dirty="0" err="1"/>
+                        <a:t>Dumoulin</a:t>
+                      </a:r>
+                      <a:endParaRPr lang="nl-BE" dirty="0"/>
+                    </a:p>
+                  </a:txBody>
+                  <a:tcPr>
+                    <a:lnL w="12700" cap="flat" cmpd="sng" algn="ctr">
+                      <a:solidFill>
+                        <a:schemeClr val="tx1"/>
+                      </a:solidFill>
+                      <a:prstDash val="solid"/>
+                      <a:round/>
+                      <a:headEnd type="none" w="med" len="med"/>
+                      <a:tailEnd type="none" w="med" len="med"/>
+                    </a:lnL>
+                  </a:tcPr>
+                </a:tc>
+                <a:tc>
+                  <a:txBody>
+                    <a:bodyPr/>
+                    <a:lstStyle/>
+                    <a:p>
+                      <a:pPr marL="0" marR="0" lvl="0" indent="0" algn="l" defTabSz="914400" rtl="0" eaLnBrk="1" fontAlgn="auto" latinLnBrk="0" hangingPunct="1">
+                        <a:lnSpc>
+                          <a:spcPct val="100000"/>
+                        </a:lnSpc>
+                        <a:spcBef>
+                          <a:spcPts val="0"/>
+                        </a:spcBef>
+                        <a:spcAft>
+                          <a:spcPts val="0"/>
+                        </a:spcAft>
+                        <a:buClrTx/>
+                        <a:buSzTx/>
+                        <a:buFontTx/>
+                        <a:buNone/>
+                        <a:tabLst/>
+                        <a:defRPr/>
+                      </a:pPr>
+                      <a:r>
+                        <a:rPr lang="nl-BE" dirty="0"/>
+                        <a:t>Report</a:t>
+                      </a:r>
+                    </a:p>
+                  </a:txBody>
+                  <a:tcPr/>
+                </a:tc>
+                <a:tc>
+                  <a:txBody>
+                    <a:bodyPr/>
+                    <a:lstStyle/>
+                    <a:p>
+                      <a:pPr marL="0" marR="0" lvl="0" indent="0" algn="l" defTabSz="914400" rtl="0" eaLnBrk="1" fontAlgn="auto" latinLnBrk="0" hangingPunct="1">
+                        <a:lnSpc>
+                          <a:spcPct val="100000"/>
+                        </a:lnSpc>
+                        <a:spcBef>
+                          <a:spcPts val="0"/>
+                        </a:spcBef>
+                        <a:spcAft>
+                          <a:spcPts val="0"/>
+                        </a:spcAft>
+                        <a:buClrTx/>
+                        <a:buSzTx/>
+                        <a:buFontTx/>
+                        <a:buNone/>
+                        <a:tabLst/>
+                        <a:defRPr/>
+                      </a:pPr>
+                      <a:r>
+                        <a:rPr lang="nl-BE" dirty="0"/>
+                        <a:t>Report</a:t>
+                      </a:r>
+                    </a:p>
+                  </a:txBody>
+                  <a:tcPr/>
+                </a:tc>
+                <a:tc>
+                  <a:txBody>
+                    <a:bodyPr/>
+                    <a:lstStyle/>
+                    <a:p>
+                      <a:r>
+                        <a:rPr lang="nl-BE" dirty="0"/>
+                        <a:t>Report</a:t>
+                      </a:r>
+                    </a:p>
+                  </a:txBody>
+                  <a:tcPr/>
+                </a:tc>
+                <a:tc>
+                  <a:txBody>
+                    <a:bodyPr/>
+                    <a:lstStyle/>
+                    <a:p>
+                      <a:r>
+                        <a:rPr lang="nl-BE"/>
+                        <a:t>Report</a:t>
+                      </a:r>
+                      <a:endParaRPr lang="nl-BE" dirty="0"/>
+                    </a:p>
+                  </a:txBody>
+                  <a:tcPr>
+                    <a:lnR w="12700" cap="flat" cmpd="sng" algn="ctr">
+                      <a:solidFill>
+                        <a:schemeClr val="tx1"/>
+                      </a:solidFill>
+                      <a:prstDash val="solid"/>
+                      <a:round/>
+                      <a:headEnd type="none" w="med" len="med"/>
+                      <a:tailEnd type="none" w="med" len="med"/>
+                    </a:lnR>
+                  </a:tcPr>
+                </a:tc>
+                <a:extLst>
+                  <a:ext uri="{0D108BD9-81ED-4DB2-BD59-A6C34878D82A}">
+                    <a16:rowId xmlns:a16="http://schemas.microsoft.com/office/drawing/2014/main" val="2535650466"/>
+                  </a:ext>
+                </a:extLst>
+              </a:tr>
+              <a:tr h="370840">
+                <a:tc>
+                  <a:txBody>
+                    <a:bodyPr/>
+                    <a:lstStyle/>
+                    <a:p>
+                      <a:pPr marL="0" marR="0" lvl="0" indent="0" algn="l" defTabSz="914400" rtl="0" eaLnBrk="1" fontAlgn="auto" latinLnBrk="0" hangingPunct="1">
+                        <a:lnSpc>
+                          <a:spcPct val="100000"/>
+                        </a:lnSpc>
+                        <a:spcBef>
+                          <a:spcPts val="0"/>
+                        </a:spcBef>
+                        <a:spcAft>
+                          <a:spcPts val="0"/>
+                        </a:spcAft>
+                        <a:buClrTx/>
+                        <a:buSzTx/>
+                        <a:buFontTx/>
+                        <a:buNone/>
+                        <a:tabLst/>
+                        <a:defRPr/>
+                      </a:pPr>
+                      <a:r>
+                        <a:rPr lang="nl-BE" dirty="0"/>
+                        <a:t>Mauro Janssens</a:t>
+                      </a:r>
+                    </a:p>
+                  </a:txBody>
+                  <a:tcPr>
+                    <a:lnL w="12700" cap="flat" cmpd="sng" algn="ctr">
+                      <a:solidFill>
+                        <a:schemeClr val="tx1"/>
+                      </a:solidFill>
+                      <a:prstDash val="solid"/>
+                      <a:round/>
+                      <a:headEnd type="none" w="med" len="med"/>
+                      <a:tailEnd type="none" w="med" len="med"/>
+                    </a:lnL>
+                  </a:tcPr>
+                </a:tc>
+                <a:tc>
+                  <a:txBody>
+                    <a:bodyPr/>
+                    <a:lstStyle/>
+                    <a:p>
+                      <a:pPr marL="0" marR="0" lvl="0" indent="0" algn="l" defTabSz="914400" rtl="0" eaLnBrk="1" fontAlgn="auto" latinLnBrk="0" hangingPunct="1">
+                        <a:lnSpc>
+                          <a:spcPct val="100000"/>
+                        </a:lnSpc>
+                        <a:spcBef>
+                          <a:spcPts val="0"/>
+                        </a:spcBef>
+                        <a:spcAft>
+                          <a:spcPts val="0"/>
+                        </a:spcAft>
+                        <a:buClrTx/>
+                        <a:buSzTx/>
+                        <a:buFontTx/>
+                        <a:buNone/>
+                        <a:tabLst/>
+                        <a:defRPr/>
+                      </a:pPr>
+                      <a:r>
+                        <a:rPr lang="nl-BE" dirty="0"/>
+                        <a:t>Report</a:t>
+                      </a:r>
+                    </a:p>
+                  </a:txBody>
+                  <a:tcPr/>
+                </a:tc>
+                <a:tc>
+                  <a:txBody>
+                    <a:bodyPr/>
+                    <a:lstStyle/>
+                    <a:p>
+                      <a:pPr marL="0" marR="0" lvl="0" indent="0" algn="l" defTabSz="914400" rtl="0" eaLnBrk="1" fontAlgn="auto" latinLnBrk="0" hangingPunct="1">
+                        <a:lnSpc>
+                          <a:spcPct val="100000"/>
+                        </a:lnSpc>
+                        <a:spcBef>
+                          <a:spcPts val="0"/>
+                        </a:spcBef>
+                        <a:spcAft>
+                          <a:spcPts val="0"/>
+                        </a:spcAft>
+                        <a:buClrTx/>
+                        <a:buSzTx/>
+                        <a:buFontTx/>
+                        <a:buNone/>
+                        <a:tabLst/>
+                        <a:defRPr/>
+                      </a:pPr>
+                      <a:r>
+                        <a:rPr lang="nl-BE" dirty="0"/>
+                        <a:t>Report</a:t>
+                      </a:r>
+                    </a:p>
+                  </a:txBody>
+                  <a:tcPr/>
+                </a:tc>
+                <a:tc>
+                  <a:txBody>
+                    <a:bodyPr/>
+                    <a:lstStyle/>
+                    <a:p>
+                      <a:r>
+                        <a:rPr lang="nl-BE" dirty="0"/>
+                        <a:t>Report</a:t>
+                      </a:r>
+                    </a:p>
+                  </a:txBody>
+                  <a:tcPr/>
+                </a:tc>
+                <a:tc>
+                  <a:txBody>
+                    <a:bodyPr/>
+                    <a:lstStyle/>
+                    <a:p>
+                      <a:r>
+                        <a:rPr lang="nl-BE"/>
+                        <a:t>Report</a:t>
+                      </a:r>
+                      <a:endParaRPr lang="nl-BE" dirty="0"/>
+                    </a:p>
+                  </a:txBody>
+                  <a:tcPr>
+                    <a:lnR w="12700" cap="flat" cmpd="sng" algn="ctr">
+                      <a:solidFill>
+                        <a:schemeClr val="tx1"/>
+                      </a:solidFill>
+                      <a:prstDash val="solid"/>
+                      <a:round/>
+                      <a:headEnd type="none" w="med" len="med"/>
+                      <a:tailEnd type="none" w="med" len="med"/>
+                    </a:lnR>
+                  </a:tcPr>
+                </a:tc>
+                <a:extLst>
+                  <a:ext uri="{0D108BD9-81ED-4DB2-BD59-A6C34878D82A}">
+                    <a16:rowId xmlns:a16="http://schemas.microsoft.com/office/drawing/2014/main" val="1056747163"/>
+                  </a:ext>
+                </a:extLst>
+              </a:tr>
+              <a:tr h="370840">
+                <a:tc>
+                  <a:txBody>
+                    <a:bodyPr/>
+                    <a:lstStyle/>
+                    <a:p>
+                      <a:pPr marL="0" marR="0" lvl="0" indent="0" algn="l" defTabSz="914400" rtl="0" eaLnBrk="1" fontAlgn="auto" latinLnBrk="0" hangingPunct="1">
+                        <a:lnSpc>
+                          <a:spcPct val="100000"/>
+                        </a:lnSpc>
+                        <a:spcBef>
+                          <a:spcPts val="0"/>
+                        </a:spcBef>
+                        <a:spcAft>
+                          <a:spcPts val="0"/>
+                        </a:spcAft>
+                        <a:buClrTx/>
+                        <a:buSzTx/>
+                        <a:buFontTx/>
+                        <a:buNone/>
+                        <a:tabLst/>
+                        <a:defRPr/>
+                      </a:pPr>
+                      <a:r>
+                        <a:rPr lang="nl-BE" dirty="0"/>
+                        <a:t>Pepijn Haenen</a:t>
+                      </a:r>
+                    </a:p>
+                  </a:txBody>
+                  <a:tcPr>
+                    <a:lnL w="12700" cap="flat" cmpd="sng" algn="ctr">
+                      <a:solidFill>
+                        <a:schemeClr val="tx1"/>
+                      </a:solidFill>
+                      <a:prstDash val="solid"/>
+                      <a:round/>
+                      <a:headEnd type="none" w="med" len="med"/>
+                      <a:tailEnd type="none" w="med" len="med"/>
+                    </a:lnL>
+                  </a:tcPr>
+                </a:tc>
+                <a:tc>
+                  <a:txBody>
+                    <a:bodyPr/>
+                    <a:lstStyle/>
+                    <a:p>
+                      <a:pPr marL="0" marR="0" lvl="0" indent="0" algn="l" defTabSz="914400" rtl="0" eaLnBrk="1" fontAlgn="auto" latinLnBrk="0" hangingPunct="1">
+                        <a:lnSpc>
+                          <a:spcPct val="100000"/>
+                        </a:lnSpc>
+                        <a:spcBef>
+                          <a:spcPts val="0"/>
+                        </a:spcBef>
+                        <a:spcAft>
+                          <a:spcPts val="0"/>
+                        </a:spcAft>
+                        <a:buClrTx/>
+                        <a:buSzTx/>
+                        <a:buFontTx/>
+                        <a:buNone/>
+                        <a:tabLst/>
+                        <a:defRPr/>
+                      </a:pPr>
+                      <a:r>
+                        <a:rPr lang="nl-BE" dirty="0"/>
+                        <a:t>Report</a:t>
+                      </a:r>
+                    </a:p>
+                  </a:txBody>
+                  <a:tcPr/>
+                </a:tc>
+                <a:tc>
+                  <a:txBody>
+                    <a:bodyPr/>
+                    <a:lstStyle/>
+                    <a:p>
+                      <a:pPr marL="0" marR="0" lvl="0" indent="0" algn="l" defTabSz="914400" rtl="0" eaLnBrk="1" fontAlgn="auto" latinLnBrk="0" hangingPunct="1">
+                        <a:lnSpc>
+                          <a:spcPct val="100000"/>
+                        </a:lnSpc>
+                        <a:spcBef>
+                          <a:spcPts val="0"/>
+                        </a:spcBef>
+                        <a:spcAft>
+                          <a:spcPts val="0"/>
+                        </a:spcAft>
+                        <a:buClrTx/>
+                        <a:buSzTx/>
+                        <a:buFontTx/>
+                        <a:buNone/>
+                        <a:tabLst/>
+                        <a:defRPr/>
+                      </a:pPr>
+                      <a:r>
+                        <a:rPr lang="nl-BE" dirty="0"/>
+                        <a:t>Report</a:t>
+                      </a:r>
+                    </a:p>
+                  </a:txBody>
+                  <a:tcPr/>
+                </a:tc>
+                <a:tc>
+                  <a:txBody>
+                    <a:bodyPr/>
+                    <a:lstStyle/>
+                    <a:p>
+                      <a:r>
+                        <a:rPr lang="nl-BE" dirty="0"/>
+                        <a:t>Report</a:t>
+                      </a:r>
+                    </a:p>
+                  </a:txBody>
+                  <a:tcPr/>
+                </a:tc>
+                <a:tc>
+                  <a:txBody>
+                    <a:bodyPr/>
+                    <a:lstStyle/>
+                    <a:p>
+                      <a:r>
+                        <a:rPr lang="nl-BE"/>
+                        <a:t>Report</a:t>
+                      </a:r>
+                      <a:endParaRPr lang="nl-BE" dirty="0"/>
+                    </a:p>
+                  </a:txBody>
+                  <a:tcPr>
+                    <a:lnR w="12700" cap="flat" cmpd="sng" algn="ctr">
+                      <a:solidFill>
+                        <a:schemeClr val="tx1"/>
+                      </a:solidFill>
+                      <a:prstDash val="solid"/>
+                      <a:round/>
+                      <a:headEnd type="none" w="med" len="med"/>
+                      <a:tailEnd type="none" w="med" len="med"/>
+                    </a:lnR>
+                  </a:tcPr>
+                </a:tc>
+                <a:extLst>
+                  <a:ext uri="{0D108BD9-81ED-4DB2-BD59-A6C34878D82A}">
+                    <a16:rowId xmlns:a16="http://schemas.microsoft.com/office/drawing/2014/main" val="4081416973"/>
+                  </a:ext>
+                </a:extLst>
+              </a:tr>
+              <a:tr h="370840">
+                <a:tc>
+                  <a:txBody>
+                    <a:bodyPr/>
+                    <a:lstStyle/>
+                    <a:p>
+                      <a:pPr marL="0" marR="0" lvl="0" indent="0" algn="l" defTabSz="914400" rtl="0" eaLnBrk="1" fontAlgn="auto" latinLnBrk="0" hangingPunct="1">
+                        <a:lnSpc>
+                          <a:spcPct val="100000"/>
+                        </a:lnSpc>
+                        <a:spcBef>
+                          <a:spcPts val="0"/>
+                        </a:spcBef>
+                        <a:spcAft>
+                          <a:spcPts val="0"/>
+                        </a:spcAft>
+                        <a:buClrTx/>
+                        <a:buSzTx/>
+                        <a:buFontTx/>
+                        <a:buNone/>
+                        <a:tabLst/>
+                        <a:defRPr/>
+                      </a:pPr>
+                      <a:r>
+                        <a:rPr lang="nl-BE" dirty="0"/>
+                        <a:t>Philippe </a:t>
+                      </a:r>
+                      <a:r>
+                        <a:rPr lang="nl-BE" dirty="0" err="1"/>
+                        <a:t>Laffineur</a:t>
+                      </a:r>
+                      <a:endParaRPr lang="nl-BE" dirty="0"/>
+                    </a:p>
+                  </a:txBody>
+                  <a:tcPr>
+                    <a:lnL w="12700" cap="flat" cmpd="sng" algn="ctr">
+                      <a:solidFill>
+                        <a:schemeClr val="tx1"/>
+                      </a:solidFill>
+                      <a:prstDash val="solid"/>
+                      <a:round/>
+                      <a:headEnd type="none" w="med" len="med"/>
+                      <a:tailEnd type="none" w="med" len="med"/>
+                    </a:lnL>
+                  </a:tcPr>
+                </a:tc>
+                <a:tc>
+                  <a:txBody>
+                    <a:bodyPr/>
+                    <a:lstStyle/>
+                    <a:p>
+                      <a:pPr marL="0" marR="0" lvl="0" indent="0" algn="l" defTabSz="914400" rtl="0" eaLnBrk="1" fontAlgn="auto" latinLnBrk="0" hangingPunct="1">
+                        <a:lnSpc>
+                          <a:spcPct val="100000"/>
+                        </a:lnSpc>
+                        <a:spcBef>
+                          <a:spcPts val="0"/>
+                        </a:spcBef>
+                        <a:spcAft>
+                          <a:spcPts val="0"/>
+                        </a:spcAft>
+                        <a:buClrTx/>
+                        <a:buSzTx/>
+                        <a:buFontTx/>
+                        <a:buNone/>
+                        <a:tabLst/>
+                        <a:defRPr/>
+                      </a:pPr>
+                      <a:r>
+                        <a:rPr lang="nl-BE" dirty="0"/>
+                        <a:t>Report</a:t>
+                      </a:r>
+                    </a:p>
+                  </a:txBody>
+                  <a:tcPr/>
+                </a:tc>
+                <a:tc>
+                  <a:txBody>
+                    <a:bodyPr/>
+                    <a:lstStyle/>
+                    <a:p>
+                      <a:pPr marL="0" marR="0" lvl="0" indent="0" algn="l" defTabSz="914400" rtl="0" eaLnBrk="1" fontAlgn="auto" latinLnBrk="0" hangingPunct="1">
+                        <a:lnSpc>
+                          <a:spcPct val="100000"/>
+                        </a:lnSpc>
+                        <a:spcBef>
+                          <a:spcPts val="0"/>
+                        </a:spcBef>
+                        <a:spcAft>
+                          <a:spcPts val="0"/>
+                        </a:spcAft>
+                        <a:buClrTx/>
+                        <a:buSzTx/>
+                        <a:buFontTx/>
+                        <a:buNone/>
+                        <a:tabLst/>
+                        <a:defRPr/>
+                      </a:pPr>
+                      <a:r>
+                        <a:rPr lang="nl-BE" dirty="0"/>
+                        <a:t>Report</a:t>
+                      </a:r>
+                    </a:p>
+                  </a:txBody>
+                  <a:tcPr/>
+                </a:tc>
+                <a:tc>
+                  <a:txBody>
+                    <a:bodyPr/>
+                    <a:lstStyle/>
+                    <a:p>
+                      <a:r>
+                        <a:rPr lang="nl-BE" dirty="0"/>
+                        <a:t>Report</a:t>
+                      </a:r>
+                    </a:p>
+                  </a:txBody>
+                  <a:tcPr/>
+                </a:tc>
+                <a:tc>
+                  <a:txBody>
+                    <a:bodyPr/>
+                    <a:lstStyle/>
+                    <a:p>
+                      <a:r>
+                        <a:rPr lang="nl-BE"/>
+                        <a:t>Report</a:t>
+                      </a:r>
+                      <a:endParaRPr lang="nl-BE" dirty="0"/>
+                    </a:p>
+                  </a:txBody>
+                  <a:tcPr>
+                    <a:lnR w="12700" cap="flat" cmpd="sng" algn="ctr">
+                      <a:solidFill>
+                        <a:schemeClr val="tx1"/>
+                      </a:solidFill>
+                      <a:prstDash val="solid"/>
+                      <a:round/>
+                      <a:headEnd type="none" w="med" len="med"/>
+                      <a:tailEnd type="none" w="med" len="med"/>
+                    </a:lnR>
+                  </a:tcPr>
+                </a:tc>
+                <a:extLst>
+                  <a:ext uri="{0D108BD9-81ED-4DB2-BD59-A6C34878D82A}">
+                    <a16:rowId xmlns:a16="http://schemas.microsoft.com/office/drawing/2014/main" val="4226429342"/>
+                  </a:ext>
+                </a:extLst>
+              </a:tr>
+              <a:tr h="370840">
+                <a:tc>
+                  <a:txBody>
+                    <a:bodyPr/>
+                    <a:lstStyle/>
+                    <a:p>
+                      <a:pPr marL="0" marR="0" lvl="0" indent="0" algn="l" defTabSz="914400" rtl="0" eaLnBrk="1" fontAlgn="auto" latinLnBrk="0" hangingPunct="1">
+                        <a:lnSpc>
+                          <a:spcPct val="100000"/>
+                        </a:lnSpc>
+                        <a:spcBef>
+                          <a:spcPts val="0"/>
+                        </a:spcBef>
+                        <a:spcAft>
+                          <a:spcPts val="0"/>
+                        </a:spcAft>
+                        <a:buClrTx/>
+                        <a:buSzTx/>
+                        <a:buFontTx/>
+                        <a:buNone/>
+                        <a:tabLst/>
+                        <a:defRPr/>
+                      </a:pPr>
+                      <a:r>
+                        <a:rPr lang="nl-BE" dirty="0" err="1"/>
+                        <a:t>Tjorben</a:t>
+                      </a:r>
+                      <a:r>
+                        <a:rPr lang="nl-BE" dirty="0"/>
+                        <a:t> </a:t>
+                      </a:r>
+                      <a:r>
+                        <a:rPr lang="nl-BE" dirty="0" err="1"/>
+                        <a:t>Godeau</a:t>
+                      </a:r>
+                      <a:endParaRPr lang="nl-BE" dirty="0"/>
+                    </a:p>
+                  </a:txBody>
+                  <a:tcPr>
+                    <a:lnL w="12700" cap="flat" cmpd="sng" algn="ctr">
+                      <a:solidFill>
+                        <a:schemeClr val="tx1"/>
+                      </a:solidFill>
+                      <a:prstDash val="solid"/>
+                      <a:round/>
+                      <a:headEnd type="none" w="med" len="med"/>
+                      <a:tailEnd type="none" w="med" len="med"/>
+                    </a:lnL>
+                    <a:lnB w="12700" cap="flat" cmpd="sng" algn="ctr">
+                      <a:solidFill>
+                        <a:schemeClr val="tx1"/>
+                      </a:solidFill>
+                      <a:prstDash val="solid"/>
+                      <a:round/>
+                      <a:headEnd type="none" w="med" len="med"/>
+                      <a:tailEnd type="none" w="med" len="med"/>
+                    </a:lnB>
+                  </a:tcPr>
+                </a:tc>
+                <a:tc>
+                  <a:txBody>
+                    <a:bodyPr/>
+                    <a:lstStyle/>
+                    <a:p>
+                      <a:pPr marL="0" marR="0" lvl="0" indent="0" algn="l" defTabSz="914400" rtl="0" eaLnBrk="1" fontAlgn="auto" latinLnBrk="0" hangingPunct="1">
+                        <a:lnSpc>
+                          <a:spcPct val="100000"/>
+                        </a:lnSpc>
+                        <a:spcBef>
+                          <a:spcPts val="0"/>
+                        </a:spcBef>
+                        <a:spcAft>
+                          <a:spcPts val="0"/>
+                        </a:spcAft>
+                        <a:buClrTx/>
+                        <a:buSzTx/>
+                        <a:buFontTx/>
+                        <a:buNone/>
+                        <a:tabLst/>
+                        <a:defRPr/>
+                      </a:pPr>
+                      <a:r>
+                        <a:rPr lang="nl-BE" dirty="0"/>
+                        <a:t>Report</a:t>
+                      </a:r>
+                    </a:p>
+                  </a:txBody>
+                  <a:tcPr>
+                    <a:lnB w="12700" cap="flat" cmpd="sng" algn="ctr">
+                      <a:solidFill>
+                        <a:schemeClr val="tx1"/>
+                      </a:solidFill>
+                      <a:prstDash val="solid"/>
+                      <a:round/>
+                      <a:headEnd type="none" w="med" len="med"/>
+                      <a:tailEnd type="none" w="med" len="med"/>
+                    </a:lnB>
+                  </a:tcPr>
+                </a:tc>
+                <a:tc>
+                  <a:txBody>
+                    <a:bodyPr/>
+                    <a:lstStyle/>
+                    <a:p>
+                      <a:pPr marL="0" marR="0" lvl="0" indent="0" algn="l" defTabSz="914400" rtl="0" eaLnBrk="1" fontAlgn="auto" latinLnBrk="0" hangingPunct="1">
+                        <a:lnSpc>
+                          <a:spcPct val="100000"/>
+                        </a:lnSpc>
+                        <a:spcBef>
+                          <a:spcPts val="0"/>
+                        </a:spcBef>
+                        <a:spcAft>
+                          <a:spcPts val="0"/>
+                        </a:spcAft>
+                        <a:buClrTx/>
+                        <a:buSzTx/>
+                        <a:buFontTx/>
+                        <a:buNone/>
+                        <a:tabLst/>
+                        <a:defRPr/>
+                      </a:pPr>
+                      <a:r>
+                        <a:rPr lang="nl-BE" dirty="0"/>
+                        <a:t>Report</a:t>
+                      </a:r>
+                    </a:p>
+                  </a:txBody>
+                  <a:tcPr>
+                    <a:lnB w="12700" cap="flat" cmpd="sng" algn="ctr">
+                      <a:solidFill>
+                        <a:schemeClr val="tx1"/>
+                      </a:solidFill>
+                      <a:prstDash val="solid"/>
+                      <a:round/>
+                      <a:headEnd type="none" w="med" len="med"/>
+                      <a:tailEnd type="none" w="med" len="med"/>
+                    </a:lnB>
+                  </a:tcPr>
+                </a:tc>
+                <a:tc>
+                  <a:txBody>
+                    <a:bodyPr/>
+                    <a:lstStyle/>
+                    <a:p>
+                      <a:r>
+                        <a:rPr lang="nl-BE"/>
+                        <a:t>Report</a:t>
+                      </a:r>
+                      <a:endParaRPr lang="nl-BE" dirty="0"/>
+                    </a:p>
+                  </a:txBody>
+                  <a:tcPr>
+                    <a:lnB w="12700" cap="flat" cmpd="sng" algn="ctr">
+                      <a:solidFill>
+                        <a:schemeClr val="tx1"/>
+                      </a:solidFill>
+                      <a:prstDash val="solid"/>
+                      <a:round/>
+                      <a:headEnd type="none" w="med" len="med"/>
+                      <a:tailEnd type="none" w="med" len="med"/>
+                    </a:lnB>
+                  </a:tcPr>
+                </a:tc>
+                <a:tc>
+                  <a:txBody>
+                    <a:bodyPr/>
+                    <a:lstStyle/>
+                    <a:p>
+                      <a:r>
+                        <a:rPr lang="nl-BE" dirty="0"/>
+                        <a:t>Report</a:t>
+                      </a:r>
+                    </a:p>
+                  </a:txBody>
+                  <a:tcPr>
+                    <a:lnR w="12700" cap="flat" cmpd="sng" algn="ctr">
+                      <a:solidFill>
+                        <a:schemeClr val="tx1"/>
+                      </a:solidFill>
+                      <a:prstDash val="solid"/>
+                      <a:round/>
+                      <a:headEnd type="none" w="med" len="med"/>
+                      <a:tailEnd type="none" w="med" len="med"/>
+                    </a:lnR>
+                    <a:lnB w="12700" cap="flat" cmpd="sng" algn="ctr">
+                      <a:solidFill>
+                        <a:schemeClr val="tx1"/>
+                      </a:solidFill>
+                      <a:prstDash val="solid"/>
+                      <a:round/>
+                      <a:headEnd type="none" w="med" len="med"/>
+                      <a:tailEnd type="none" w="med" len="med"/>
+                    </a:lnB>
+                  </a:tcPr>
+                </a:tc>
+                <a:extLst>
+                  <a:ext uri="{0D108BD9-81ED-4DB2-BD59-A6C34878D82A}">
+                    <a16:rowId xmlns:a16="http://schemas.microsoft.com/office/drawing/2014/main" val="3156394708"/>
+                  </a:ext>
+                </a:extLst>
+              </a:tr>
+            </a:tbl>
+          </a:graphicData>
+        </a:graphic>
+      </p:graphicFrame>
+      <p:sp>
+        <p:nvSpPr>
+          <p:cNvPr id="32" name="Rectangle 8">
+            <a:extLst>
+              <a:ext uri="{FF2B5EF4-FFF2-40B4-BE49-F238E27FC236}">
+                <a16:creationId xmlns:a16="http://schemas.microsoft.com/office/drawing/2014/main" id="{8532E473-3AD0-1ACA-DBD6-4C38F717FFAD}"/>
+              </a:ext>
+            </a:extLst>
+          </p:cNvPr>
+          <p:cNvSpPr>
+            <a:spLocks noChangeArrowheads="1"/>
+          </p:cNvSpPr>
+          <p:nvPr/>
+        </p:nvSpPr>
+        <p:spPr bwMode="auto">
+          <a:xfrm>
+            <a:off x="576000" y="3212786"/>
+            <a:ext cx="11311200" cy="304800"/>
+          </a:xfrm>
+          <a:prstGeom prst="rect">
+            <a:avLst/>
+          </a:prstGeom>
+          <a:solidFill>
+            <a:schemeClr val="tx2">
+              <a:lumMod val="75000"/>
+            </a:schemeClr>
+          </a:solidFill>
+          <a:ln w="9525">
+            <a:solidFill>
+              <a:srgbClr val="333333"/>
+            </a:solidFill>
+            <a:miter lim="800000"/>
+            <a:headEnd/>
+            <a:tailEnd/>
+          </a:ln>
+          <a:effectLst/>
+        </p:spPr>
+        <p:txBody>
+          <a:bodyPr wrap="none" anchor="ctr"/>
+          <a:lstStyle/>
+          <a:p>
+            <a:r>
+              <a:rPr lang="en-US" altLang="nl-BE" sz="1400" b="1" dirty="0" err="1">
+                <a:solidFill>
+                  <a:schemeClr val="bg1"/>
+                </a:solidFill>
+                <a:latin typeface="Verdana" panose="020B0604030504040204" pitchFamily="34" charset="0"/>
+              </a:rPr>
+              <a:t>Uitgevoerde</a:t>
+            </a:r>
+            <a:r>
+              <a:rPr lang="en-US" altLang="nl-BE" sz="1400" b="1" dirty="0">
+                <a:solidFill>
+                  <a:schemeClr val="bg1"/>
+                </a:solidFill>
+                <a:latin typeface="Verdana" panose="020B0604030504040204" pitchFamily="34" charset="0"/>
+              </a:rPr>
+              <a:t> taken </a:t>
+            </a:r>
+            <a:r>
+              <a:rPr lang="en-US" altLang="nl-BE" sz="1400" b="1" dirty="0" err="1">
+                <a:solidFill>
+                  <a:schemeClr val="bg1"/>
+                </a:solidFill>
+                <a:latin typeface="Verdana" panose="020B0604030504040204" pitchFamily="34" charset="0"/>
+              </a:rPr>
+              <a:t>tijdens</a:t>
+            </a:r>
+            <a:r>
+              <a:rPr lang="en-US" altLang="nl-BE" sz="1400" b="1" dirty="0">
+                <a:solidFill>
+                  <a:schemeClr val="bg1"/>
+                </a:solidFill>
+                <a:latin typeface="Verdana" panose="020B0604030504040204" pitchFamily="34" charset="0"/>
+              </a:rPr>
+              <a:t> </a:t>
+            </a:r>
+            <a:r>
+              <a:rPr lang="en-US" altLang="nl-BE" sz="1400" b="1" dirty="0" err="1">
+                <a:solidFill>
+                  <a:schemeClr val="bg1"/>
+                </a:solidFill>
+                <a:latin typeface="Verdana" panose="020B0604030504040204" pitchFamily="34" charset="0"/>
+              </a:rPr>
+              <a:t>teamzitting</a:t>
+            </a:r>
+            <a:endParaRPr lang="en-US" altLang="nl-BE" sz="1400" b="1" dirty="0">
+              <a:solidFill>
+                <a:schemeClr val="bg1"/>
+              </a:solidFill>
+              <a:latin typeface="Verdana" panose="020B0604030504040204" pitchFamily="34" charset="0"/>
+            </a:endParaRPr>
+          </a:p>
+        </p:txBody>
+      </p:sp>
+      <p:sp>
+        <p:nvSpPr>
+          <p:cNvPr id="33" name="Rectangle 7">
+            <a:extLst>
+              <a:ext uri="{FF2B5EF4-FFF2-40B4-BE49-F238E27FC236}">
+                <a16:creationId xmlns:a16="http://schemas.microsoft.com/office/drawing/2014/main" id="{8C784DF3-91D0-06EA-41CD-A662AB28C0FF}"/>
+              </a:ext>
+            </a:extLst>
+          </p:cNvPr>
+          <p:cNvSpPr>
+            <a:spLocks noChangeArrowheads="1"/>
+          </p:cNvSpPr>
+          <p:nvPr/>
+        </p:nvSpPr>
+        <p:spPr bwMode="auto">
+          <a:xfrm>
+            <a:off x="6946320" y="695718"/>
+            <a:ext cx="4940880" cy="1018404"/>
+          </a:xfrm>
+          <a:prstGeom prst="rect">
+            <a:avLst/>
+          </a:prstGeom>
+          <a:noFill/>
+          <a:ln w="9525">
+            <a:solidFill>
+              <a:srgbClr val="333333"/>
+            </a:solidFill>
+            <a:miter lim="800000"/>
+            <a:headEnd/>
+            <a:tailEnd/>
+          </a:ln>
+          <a:effectLst/>
+          <a:extLst>
+            <a:ext uri="{909E8E84-426E-40DD-AFC4-6F175D3DCCD1}">
+              <a14:hiddenFill xmlns:a14="http://schemas.microsoft.com/office/drawing/2010/main">
+                <a:solidFill>
+                  <a:schemeClr val="accent1"/>
+                </a:solidFill>
+              </a14:hiddenFill>
+            </a:ext>
+            <a:ext uri="{AF507438-7753-43E0-B8FC-AC1667EBCBE1}">
+              <a14:hiddenEffects xmlns:a14="http://schemas.microsoft.com/office/drawing/2010/main">
+                <a:effectLst>
+                  <a:outerShdw dist="35921" dir="2700000" algn="ctr" rotWithShape="0">
+                    <a:schemeClr val="bg2"/>
+                  </a:outerShdw>
+                </a:effectLst>
+              </a14:hiddenEffects>
+            </a:ext>
+          </a:extLst>
+        </p:spPr>
+        <p:txBody>
+          <a:bodyPr wrap="none" anchor="ctr"/>
+          <a:lstStyle/>
+          <a:p>
+            <a:endParaRPr lang="nl-BE"/>
+          </a:p>
+        </p:txBody>
+      </p:sp>
+      <p:sp>
+        <p:nvSpPr>
+          <p:cNvPr id="34" name="Rectangle 8">
+            <a:extLst>
+              <a:ext uri="{FF2B5EF4-FFF2-40B4-BE49-F238E27FC236}">
+                <a16:creationId xmlns:a16="http://schemas.microsoft.com/office/drawing/2014/main" id="{DAE5054B-71F1-C2E9-80C9-BD8557A87D5A}"/>
+              </a:ext>
+            </a:extLst>
+          </p:cNvPr>
+          <p:cNvSpPr>
+            <a:spLocks noChangeArrowheads="1"/>
+          </p:cNvSpPr>
+          <p:nvPr/>
+        </p:nvSpPr>
+        <p:spPr bwMode="auto">
+          <a:xfrm>
+            <a:off x="6946320" y="695718"/>
+            <a:ext cx="4940880" cy="304800"/>
+          </a:xfrm>
+          <a:prstGeom prst="rect">
+            <a:avLst/>
+          </a:prstGeom>
+          <a:solidFill>
+            <a:schemeClr val="tx2">
+              <a:lumMod val="75000"/>
+            </a:schemeClr>
+          </a:solidFill>
+          <a:ln w="9525">
+            <a:solidFill>
+              <a:srgbClr val="333333"/>
+            </a:solidFill>
+            <a:miter lim="800000"/>
+            <a:headEnd/>
+            <a:tailEnd/>
+          </a:ln>
+          <a:effectLst/>
+        </p:spPr>
+        <p:txBody>
+          <a:bodyPr wrap="none" anchor="ctr"/>
+          <a:lstStyle/>
+          <a:p>
+            <a:r>
+              <a:rPr lang="en-US" altLang="nl-BE" sz="1400" b="1" dirty="0" err="1">
+                <a:solidFill>
+                  <a:schemeClr val="bg1"/>
+                </a:solidFill>
+                <a:latin typeface="Verdana" panose="020B0604030504040204" pitchFamily="34" charset="0"/>
+              </a:rPr>
+              <a:t>Voltooide</a:t>
+            </a:r>
+            <a:r>
+              <a:rPr lang="en-US" altLang="nl-BE" sz="1400" b="1" dirty="0">
+                <a:solidFill>
+                  <a:schemeClr val="bg1"/>
+                </a:solidFill>
+                <a:latin typeface="Verdana" panose="020B0604030504040204" pitchFamily="34" charset="0"/>
+              </a:rPr>
+              <a:t> </a:t>
+            </a:r>
+            <a:r>
+              <a:rPr lang="en-US" altLang="nl-BE" sz="1400" b="1" dirty="0" err="1">
+                <a:solidFill>
+                  <a:schemeClr val="bg1"/>
+                </a:solidFill>
+                <a:latin typeface="Verdana" panose="020B0604030504040204" pitchFamily="34" charset="0"/>
+              </a:rPr>
+              <a:t>acties</a:t>
+            </a:r>
+            <a:r>
+              <a:rPr lang="en-US" altLang="nl-BE" sz="1400" b="1" dirty="0">
+                <a:solidFill>
+                  <a:schemeClr val="bg1"/>
+                </a:solidFill>
+                <a:latin typeface="Verdana" panose="020B0604030504040204" pitchFamily="34" charset="0"/>
+              </a:rPr>
+              <a:t> – </a:t>
+            </a:r>
+            <a:r>
+              <a:rPr lang="en-US" altLang="nl-BE" sz="1400" b="1" dirty="0" err="1">
+                <a:solidFill>
+                  <a:schemeClr val="bg1"/>
+                </a:solidFill>
+                <a:latin typeface="Verdana" panose="020B0604030504040204" pitchFamily="34" charset="0"/>
+              </a:rPr>
+              <a:t>mijlpalen</a:t>
+            </a:r>
+            <a:endParaRPr lang="en-US" altLang="nl-BE" sz="1400" b="1" dirty="0">
+              <a:solidFill>
+                <a:schemeClr val="bg1"/>
+              </a:solidFill>
+              <a:latin typeface="Verdana" panose="020B0604030504040204" pitchFamily="34" charset="0"/>
+            </a:endParaRPr>
+          </a:p>
+        </p:txBody>
+      </p:sp>
+      <p:sp>
+        <p:nvSpPr>
+          <p:cNvPr id="35" name="Rectangle 20">
+            <a:extLst>
+              <a:ext uri="{FF2B5EF4-FFF2-40B4-BE49-F238E27FC236}">
+                <a16:creationId xmlns:a16="http://schemas.microsoft.com/office/drawing/2014/main" id="{CA220699-8C1A-C150-E2CF-34C808F65288}"/>
+              </a:ext>
+            </a:extLst>
+          </p:cNvPr>
+          <p:cNvSpPr>
+            <a:spLocks noChangeArrowheads="1"/>
+          </p:cNvSpPr>
+          <p:nvPr/>
+        </p:nvSpPr>
+        <p:spPr bwMode="auto">
+          <a:xfrm>
+            <a:off x="6946320" y="1017296"/>
+            <a:ext cx="4940880" cy="713604"/>
+          </a:xfrm>
+          <a:prstGeom prst="rect">
+            <a:avLst/>
+          </a:prstGeom>
+          <a:noFill/>
+          <a:ln>
+            <a:noFill/>
+          </a:ln>
+          <a:effectLst/>
+          <a:extLst>
+            <a:ext uri="{909E8E84-426E-40DD-AFC4-6F175D3DCCD1}">
+              <a14:hiddenFill xmlns:a14="http://schemas.microsoft.com/office/drawing/2010/main">
+                <a:solidFill>
+                  <a:srgbClr val="333333"/>
+                </a:solidFill>
+              </a14:hiddenFill>
+            </a:ext>
+            <a:ext uri="{91240B29-F687-4F45-9708-019B960494DF}">
+              <a14:hiddenLine xmlns:a14="http://schemas.microsoft.com/office/drawing/2010/main" w="9525">
+                <a:solidFill>
+                  <a:srgbClr val="333333"/>
+                </a:solidFill>
+                <a:miter lim="800000"/>
+                <a:headEnd/>
+                <a:tailEnd/>
+              </a14:hiddenLine>
+            </a:ext>
+            <a:ext uri="{AF507438-7753-43E0-B8FC-AC1667EBCBE1}">
+              <a14:hiddenEffects xmlns:a14="http://schemas.microsoft.com/office/drawing/2010/main">
+                <a:effectLst>
+                  <a:outerShdw dist="35921" dir="2700000" algn="ctr" rotWithShape="0">
+                    <a:schemeClr val="bg2"/>
+                  </a:outerShdw>
+                </a:effectLst>
+              </a14:hiddenEffects>
+            </a:ext>
+          </a:extLst>
+        </p:spPr>
+        <p:txBody>
+          <a:bodyPr wrap="none"/>
+          <a:lstStyle/>
+          <a:p>
+            <a:endParaRPr lang="en-US" altLang="nl-BE" sz="1200" dirty="0">
+              <a:solidFill>
+                <a:srgbClr val="333333"/>
+              </a:solidFill>
+              <a:latin typeface="Verdana" panose="020B0604030504040204" pitchFamily="34" charset="0"/>
+            </a:endParaRPr>
+          </a:p>
+        </p:txBody>
+      </p:sp>
+      <p:sp>
+        <p:nvSpPr>
+          <p:cNvPr id="36" name="Rectangle 7">
+            <a:extLst>
+              <a:ext uri="{FF2B5EF4-FFF2-40B4-BE49-F238E27FC236}">
+                <a16:creationId xmlns:a16="http://schemas.microsoft.com/office/drawing/2014/main" id="{E522FAAD-4C4E-A54F-A8AD-49240F449D94}"/>
+              </a:ext>
+            </a:extLst>
+          </p:cNvPr>
+          <p:cNvSpPr>
+            <a:spLocks noChangeArrowheads="1"/>
+          </p:cNvSpPr>
+          <p:nvPr/>
+        </p:nvSpPr>
+        <p:spPr bwMode="auto">
+          <a:xfrm>
+            <a:off x="6946320" y="1901580"/>
+            <a:ext cx="4940880" cy="1018404"/>
+          </a:xfrm>
+          <a:prstGeom prst="rect">
+            <a:avLst/>
+          </a:prstGeom>
+          <a:noFill/>
+          <a:ln w="9525">
+            <a:solidFill>
+              <a:srgbClr val="333333"/>
+            </a:solidFill>
+            <a:miter lim="800000"/>
+            <a:headEnd/>
+            <a:tailEnd/>
+          </a:ln>
+          <a:effectLst/>
+          <a:extLst>
+            <a:ext uri="{909E8E84-426E-40DD-AFC4-6F175D3DCCD1}">
+              <a14:hiddenFill xmlns:a14="http://schemas.microsoft.com/office/drawing/2010/main">
+                <a:solidFill>
+                  <a:schemeClr val="accent1"/>
+                </a:solidFill>
+              </a14:hiddenFill>
+            </a:ext>
+            <a:ext uri="{AF507438-7753-43E0-B8FC-AC1667EBCBE1}">
+              <a14:hiddenEffects xmlns:a14="http://schemas.microsoft.com/office/drawing/2010/main">
+                <a:effectLst>
+                  <a:outerShdw dist="35921" dir="2700000" algn="ctr" rotWithShape="0">
+                    <a:schemeClr val="bg2"/>
+                  </a:outerShdw>
+                </a:effectLst>
+              </a14:hiddenEffects>
+            </a:ext>
+          </a:extLst>
+        </p:spPr>
+        <p:txBody>
+          <a:bodyPr wrap="none" anchor="ctr"/>
+          <a:lstStyle/>
+          <a:p>
+            <a:endParaRPr lang="nl-BE"/>
+          </a:p>
+        </p:txBody>
+      </p:sp>
+      <p:sp>
+        <p:nvSpPr>
+          <p:cNvPr id="37" name="Rectangle 8">
+            <a:extLst>
+              <a:ext uri="{FF2B5EF4-FFF2-40B4-BE49-F238E27FC236}">
+                <a16:creationId xmlns:a16="http://schemas.microsoft.com/office/drawing/2014/main" id="{27D7948D-3EDF-A9AD-5576-B7B4C9037342}"/>
+              </a:ext>
+            </a:extLst>
+          </p:cNvPr>
+          <p:cNvSpPr>
+            <a:spLocks noChangeArrowheads="1"/>
+          </p:cNvSpPr>
+          <p:nvPr/>
+        </p:nvSpPr>
+        <p:spPr bwMode="auto">
+          <a:xfrm>
+            <a:off x="6946320" y="1901580"/>
+            <a:ext cx="4940880" cy="304800"/>
+          </a:xfrm>
+          <a:prstGeom prst="rect">
+            <a:avLst/>
+          </a:prstGeom>
+          <a:solidFill>
+            <a:schemeClr val="tx2">
+              <a:lumMod val="75000"/>
+            </a:schemeClr>
+          </a:solidFill>
+          <a:ln w="9525">
+            <a:solidFill>
+              <a:srgbClr val="333333"/>
+            </a:solidFill>
+            <a:miter lim="800000"/>
+            <a:headEnd/>
+            <a:tailEnd/>
+          </a:ln>
+          <a:effectLst/>
+        </p:spPr>
+        <p:txBody>
+          <a:bodyPr wrap="none" anchor="ctr"/>
+          <a:lstStyle/>
+          <a:p>
+            <a:r>
+              <a:rPr lang="en-US" altLang="nl-BE" sz="1400" b="1" dirty="0" err="1">
+                <a:solidFill>
+                  <a:schemeClr val="bg1"/>
+                </a:solidFill>
+                <a:latin typeface="Verdana" panose="020B0604030504040204" pitchFamily="34" charset="0"/>
+              </a:rPr>
+              <a:t>Lopende</a:t>
+            </a:r>
+            <a:r>
+              <a:rPr lang="en-US" altLang="nl-BE" sz="1400" b="1" dirty="0">
+                <a:solidFill>
+                  <a:schemeClr val="bg1"/>
+                </a:solidFill>
+                <a:latin typeface="Verdana" panose="020B0604030504040204" pitchFamily="34" charset="0"/>
+              </a:rPr>
+              <a:t> </a:t>
+            </a:r>
+            <a:r>
+              <a:rPr lang="en-US" altLang="nl-BE" sz="1400" b="1" dirty="0" err="1">
+                <a:solidFill>
+                  <a:schemeClr val="bg1"/>
+                </a:solidFill>
+                <a:latin typeface="Verdana" panose="020B0604030504040204" pitchFamily="34" charset="0"/>
+              </a:rPr>
+              <a:t>acties</a:t>
+            </a:r>
+            <a:r>
+              <a:rPr lang="en-US" altLang="nl-BE" sz="1400" b="1" dirty="0">
+                <a:solidFill>
+                  <a:schemeClr val="bg1"/>
+                </a:solidFill>
+                <a:latin typeface="Verdana" panose="020B0604030504040204" pitchFamily="34" charset="0"/>
+              </a:rPr>
+              <a:t> – </a:t>
+            </a:r>
+            <a:r>
+              <a:rPr lang="en-US" altLang="nl-BE" sz="1400" b="1" dirty="0" err="1">
+                <a:solidFill>
+                  <a:schemeClr val="bg1"/>
+                </a:solidFill>
+                <a:latin typeface="Verdana" panose="020B0604030504040204" pitchFamily="34" charset="0"/>
+              </a:rPr>
+              <a:t>volgende</a:t>
+            </a:r>
+            <a:r>
+              <a:rPr lang="en-US" altLang="nl-BE" sz="1400" b="1" dirty="0">
+                <a:solidFill>
+                  <a:schemeClr val="bg1"/>
+                </a:solidFill>
+                <a:latin typeface="Verdana" panose="020B0604030504040204" pitchFamily="34" charset="0"/>
+              </a:rPr>
+              <a:t> </a:t>
+            </a:r>
+            <a:r>
+              <a:rPr lang="en-US" altLang="nl-BE" sz="1400" b="1" dirty="0" err="1">
+                <a:solidFill>
+                  <a:schemeClr val="bg1"/>
+                </a:solidFill>
+                <a:latin typeface="Verdana" panose="020B0604030504040204" pitchFamily="34" charset="0"/>
+              </a:rPr>
+              <a:t>stappen</a:t>
+            </a:r>
+            <a:endParaRPr lang="en-US" altLang="nl-BE" sz="1400" b="1" dirty="0">
+              <a:solidFill>
+                <a:schemeClr val="bg1"/>
+              </a:solidFill>
+              <a:latin typeface="Verdana" panose="020B0604030504040204" pitchFamily="34" charset="0"/>
+            </a:endParaRPr>
+          </a:p>
+        </p:txBody>
+      </p:sp>
+      <p:sp>
+        <p:nvSpPr>
+          <p:cNvPr id="38" name="Rectangle 20">
+            <a:extLst>
+              <a:ext uri="{FF2B5EF4-FFF2-40B4-BE49-F238E27FC236}">
+                <a16:creationId xmlns:a16="http://schemas.microsoft.com/office/drawing/2014/main" id="{2728EF24-94C7-6A18-7240-28E5437CB6DC}"/>
+              </a:ext>
+            </a:extLst>
+          </p:cNvPr>
+          <p:cNvSpPr>
+            <a:spLocks noChangeArrowheads="1"/>
+          </p:cNvSpPr>
+          <p:nvPr/>
+        </p:nvSpPr>
+        <p:spPr bwMode="auto">
+          <a:xfrm>
+            <a:off x="6946320" y="2206380"/>
+            <a:ext cx="4940880" cy="713604"/>
+          </a:xfrm>
+          <a:prstGeom prst="rect">
+            <a:avLst/>
+          </a:prstGeom>
+          <a:noFill/>
+          <a:ln>
+            <a:noFill/>
+          </a:ln>
+          <a:effectLst/>
+          <a:extLst>
+            <a:ext uri="{909E8E84-426E-40DD-AFC4-6F175D3DCCD1}">
+              <a14:hiddenFill xmlns:a14="http://schemas.microsoft.com/office/drawing/2010/main">
+                <a:solidFill>
+                  <a:srgbClr val="333333"/>
+                </a:solidFill>
+              </a14:hiddenFill>
+            </a:ext>
+            <a:ext uri="{91240B29-F687-4F45-9708-019B960494DF}">
+              <a14:hiddenLine xmlns:a14="http://schemas.microsoft.com/office/drawing/2010/main" w="9525">
+                <a:solidFill>
+                  <a:srgbClr val="333333"/>
+                </a:solidFill>
+                <a:miter lim="800000"/>
+                <a:headEnd/>
+                <a:tailEnd/>
+              </a14:hiddenLine>
+            </a:ext>
+            <a:ext uri="{AF507438-7753-43E0-B8FC-AC1667EBCBE1}">
+              <a14:hiddenEffects xmlns:a14="http://schemas.microsoft.com/office/drawing/2010/main">
+                <a:effectLst>
+                  <a:outerShdw dist="35921" dir="2700000" algn="ctr" rotWithShape="0">
+                    <a:schemeClr val="bg2"/>
+                  </a:outerShdw>
+                </a:effectLst>
+              </a14:hiddenEffects>
+            </a:ext>
+          </a:extLst>
+        </p:spPr>
+        <p:txBody>
+          <a:bodyPr wrap="none"/>
+          <a:lstStyle/>
+          <a:p>
+            <a:endParaRPr lang="en-US" altLang="nl-BE" sz="1200" dirty="0">
+              <a:solidFill>
+                <a:srgbClr val="333333"/>
+              </a:solidFill>
+              <a:latin typeface="Verdana" panose="020B0604030504040204" pitchFamily="34" charset="0"/>
+            </a:endParaRPr>
+          </a:p>
+        </p:txBody>
+      </p:sp>
+      <p:sp>
+        <p:nvSpPr>
+          <p:cNvPr id="6" name="Rectangle 20">
+            <a:extLst>
+              <a:ext uri="{FF2B5EF4-FFF2-40B4-BE49-F238E27FC236}">
+                <a16:creationId xmlns:a16="http://schemas.microsoft.com/office/drawing/2014/main" id="{36B2768F-C43F-065E-FE5D-C9B16EAEA476}"/>
+              </a:ext>
+            </a:extLst>
+          </p:cNvPr>
+          <p:cNvSpPr>
+            <a:spLocks noChangeArrowheads="1"/>
+          </p:cNvSpPr>
+          <p:nvPr/>
+        </p:nvSpPr>
+        <p:spPr bwMode="auto">
+          <a:xfrm>
+            <a:off x="6940800" y="1000518"/>
+            <a:ext cx="4946400" cy="713604"/>
+          </a:xfrm>
+          <a:prstGeom prst="rect">
+            <a:avLst/>
+          </a:prstGeom>
+          <a:noFill/>
+          <a:ln>
+            <a:noFill/>
+          </a:ln>
+          <a:effectLst/>
+          <a:extLst>
+            <a:ext uri="{909E8E84-426E-40DD-AFC4-6F175D3DCCD1}">
+              <a14:hiddenFill xmlns:a14="http://schemas.microsoft.com/office/drawing/2010/main">
+                <a:solidFill>
+                  <a:srgbClr val="333333"/>
+                </a:solidFill>
+              </a14:hiddenFill>
+            </a:ext>
+            <a:ext uri="{91240B29-F687-4F45-9708-019B960494DF}">
+              <a14:hiddenLine xmlns:a14="http://schemas.microsoft.com/office/drawing/2010/main" w="9525">
+                <a:solidFill>
+                  <a:srgbClr val="333333"/>
+                </a:solidFill>
+                <a:miter lim="800000"/>
+                <a:headEnd/>
+                <a:tailEnd/>
+              </a14:hiddenLine>
+            </a:ext>
+            <a:ext uri="{AF507438-7753-43E0-B8FC-AC1667EBCBE1}">
+              <a14:hiddenEffects xmlns:a14="http://schemas.microsoft.com/office/drawing/2010/main">
+                <a:effectLst>
+                  <a:outerShdw dist="35921" dir="2700000" algn="ctr" rotWithShape="0">
+                    <a:schemeClr val="bg2"/>
+                  </a:outerShdw>
+                </a:effectLst>
+              </a14:hiddenEffects>
+            </a:ext>
+          </a:extLst>
+        </p:spPr>
+        <p:txBody>
+          <a:bodyPr wrap="none"/>
+          <a:lstStyle/>
+          <a:p>
+            <a:pPr>
+              <a:buFontTx/>
+              <a:buChar char="•"/>
+            </a:pPr>
+            <a:r>
+              <a:rPr lang="en-US" altLang="nl-BE" sz="1200" dirty="0">
+                <a:solidFill>
+                  <a:srgbClr val="333333"/>
+                </a:solidFill>
+                <a:latin typeface="Verdana" panose="020B0604030504040204" pitchFamily="34" charset="0"/>
+              </a:rPr>
+              <a:t> Interim report</a:t>
+            </a:r>
+          </a:p>
+        </p:txBody>
+      </p:sp>
+    </p:spTree>
+    <p:extLst>
+      <p:ext uri="{BB962C8B-B14F-4D97-AF65-F5344CB8AC3E}">
+        <p14:creationId xmlns:p14="http://schemas.microsoft.com/office/powerpoint/2010/main" val="3767958286"/>
+      </p:ext>
+    </p:extLst>
+  </p:cSld>
+  <p:clrMapOvr>
+    <a:masterClrMapping/>
+  </p:clrMapOvr>
+</p:sld>
+</file>
+
+<file path=ppt/slides/slide12.xml><?xml version="1.0" encoding="utf-8"?>
+<p:sld xmlns:a="http://schemas.openxmlformats.org/drawingml/2006/main" xmlns:r="http://schemas.openxmlformats.org/officeDocument/2006/relationships" xmlns:p="http://schemas.openxmlformats.org/presentationml/2006/main">
+  <p:cSld>
+    <p:spTree>
+      <p:nvGrpSpPr>
+        <p:cNvPr id="1" name=""/>
+        <p:cNvGrpSpPr/>
+        <p:nvPr/>
+      </p:nvGrpSpPr>
+      <p:grpSpPr>
+        <a:xfrm>
+          <a:off x="0" y="0"/>
+          <a:ext cx="0" cy="0"/>
+          <a:chOff x="0" y="0"/>
+          <a:chExt cx="0" cy="0"/>
+        </a:xfrm>
+      </p:grpSpPr>
+      <p:sp>
+        <p:nvSpPr>
+          <p:cNvPr id="3" name="Tijdelijke aanduiding voor voettekst 2">
+            <a:extLst>
+              <a:ext uri="{FF2B5EF4-FFF2-40B4-BE49-F238E27FC236}">
+                <a16:creationId xmlns:a16="http://schemas.microsoft.com/office/drawing/2014/main" id="{8A4675E4-17D3-F776-F4A4-379D7D7DF71F}"/>
+              </a:ext>
+            </a:extLst>
+          </p:cNvPr>
+          <p:cNvSpPr>
+            <a:spLocks noGrp="1"/>
+          </p:cNvSpPr>
+          <p:nvPr>
+            <p:ph type="ftr" sz="quarter" idx="11"/>
+          </p:nvPr>
+        </p:nvSpPr>
+        <p:spPr/>
+        <p:txBody>
+          <a:bodyPr/>
+          <a:lstStyle/>
+          <a:p>
+            <a:r>
+              <a:rPr lang="nl-NL"/>
+              <a:t>Faculty, department, unit ...</a:t>
+            </a:r>
+          </a:p>
+        </p:txBody>
+      </p:sp>
+      <p:sp>
+        <p:nvSpPr>
+          <p:cNvPr id="4" name="Tijdelijke aanduiding voor dianummer 3">
+            <a:extLst>
+              <a:ext uri="{FF2B5EF4-FFF2-40B4-BE49-F238E27FC236}">
+                <a16:creationId xmlns:a16="http://schemas.microsoft.com/office/drawing/2014/main" id="{033BF3EA-AA33-261E-8D31-8101DCD638CC}"/>
+              </a:ext>
+            </a:extLst>
+          </p:cNvPr>
+          <p:cNvSpPr>
+            <a:spLocks noGrp="1"/>
+          </p:cNvSpPr>
+          <p:nvPr>
+            <p:ph type="sldNum" sz="quarter" idx="12"/>
+          </p:nvPr>
+        </p:nvSpPr>
+        <p:spPr/>
+        <p:txBody>
+          <a:bodyPr/>
+          <a:lstStyle/>
+          <a:p>
+            <a:fld id="{0A297500-7527-634B-90F4-69D0994C32B4}" type="slidenum">
+              <a:rPr lang="nl-NL" smtClean="0"/>
+              <a:t>12</a:t>
+            </a:fld>
+            <a:endParaRPr lang="nl-NL"/>
+          </a:p>
+        </p:txBody>
+      </p:sp>
+      <p:sp>
+        <p:nvSpPr>
+          <p:cNvPr id="5" name="Titel 4">
+            <a:extLst>
+              <a:ext uri="{FF2B5EF4-FFF2-40B4-BE49-F238E27FC236}">
+                <a16:creationId xmlns:a16="http://schemas.microsoft.com/office/drawing/2014/main" id="{0AB90542-B085-F406-9290-1072716337BA}"/>
+              </a:ext>
+            </a:extLst>
+          </p:cNvPr>
+          <p:cNvSpPr>
+            <a:spLocks noGrp="1"/>
+          </p:cNvSpPr>
+          <p:nvPr>
+            <p:ph type="title"/>
+          </p:nvPr>
+        </p:nvSpPr>
+        <p:spPr>
+          <a:xfrm>
+            <a:off x="576000" y="134978"/>
+            <a:ext cx="11041200" cy="1152000"/>
+          </a:xfrm>
+        </p:spPr>
+        <p:txBody>
+          <a:bodyPr/>
+          <a:lstStyle/>
+          <a:p>
+            <a:r>
+              <a:rPr lang="nl-BE" dirty="0"/>
+              <a:t>Week 7 (14/11/2022)</a:t>
+            </a:r>
+          </a:p>
+        </p:txBody>
+      </p:sp>
+      <p:sp>
+        <p:nvSpPr>
+          <p:cNvPr id="28" name="Rectangle 7">
+            <a:extLst>
+              <a:ext uri="{FF2B5EF4-FFF2-40B4-BE49-F238E27FC236}">
+                <a16:creationId xmlns:a16="http://schemas.microsoft.com/office/drawing/2014/main" id="{1ED11395-C284-9D31-0A1F-8CE593280307}"/>
+              </a:ext>
+            </a:extLst>
+          </p:cNvPr>
+          <p:cNvSpPr>
+            <a:spLocks noChangeArrowheads="1"/>
+          </p:cNvSpPr>
+          <p:nvPr/>
+        </p:nvSpPr>
+        <p:spPr bwMode="auto">
+          <a:xfrm>
+            <a:off x="580800" y="1348510"/>
+            <a:ext cx="4940880" cy="1767742"/>
+          </a:xfrm>
+          <a:prstGeom prst="rect">
+            <a:avLst/>
+          </a:prstGeom>
+          <a:noFill/>
+          <a:ln w="9525">
+            <a:solidFill>
+              <a:srgbClr val="333333"/>
+            </a:solidFill>
+            <a:miter lim="800000"/>
+            <a:headEnd/>
+            <a:tailEnd/>
+          </a:ln>
+          <a:effectLst/>
+          <a:extLst>
+            <a:ext uri="{909E8E84-426E-40DD-AFC4-6F175D3DCCD1}">
+              <a14:hiddenFill xmlns:a14="http://schemas.microsoft.com/office/drawing/2010/main">
+                <a:solidFill>
+                  <a:schemeClr val="accent1"/>
+                </a:solidFill>
+              </a14:hiddenFill>
+            </a:ext>
+            <a:ext uri="{AF507438-7753-43E0-B8FC-AC1667EBCBE1}">
+              <a14:hiddenEffects xmlns:a14="http://schemas.microsoft.com/office/drawing/2010/main">
+                <a:effectLst>
+                  <a:outerShdw dist="35921" dir="2700000" algn="ctr" rotWithShape="0">
+                    <a:schemeClr val="bg2"/>
+                  </a:outerShdw>
+                </a:effectLst>
+              </a14:hiddenEffects>
+            </a:ext>
+          </a:extLst>
+        </p:spPr>
+        <p:txBody>
+          <a:bodyPr wrap="none" anchor="ctr"/>
+          <a:lstStyle/>
+          <a:p>
+            <a:endParaRPr lang="nl-BE"/>
+          </a:p>
+        </p:txBody>
+      </p:sp>
+      <p:sp>
+        <p:nvSpPr>
+          <p:cNvPr id="29" name="Rectangle 8">
+            <a:extLst>
+              <a:ext uri="{FF2B5EF4-FFF2-40B4-BE49-F238E27FC236}">
+                <a16:creationId xmlns:a16="http://schemas.microsoft.com/office/drawing/2014/main" id="{6FC4B744-16AC-500A-BBB9-19F5AFB1A6F4}"/>
+              </a:ext>
+            </a:extLst>
+          </p:cNvPr>
+          <p:cNvSpPr>
+            <a:spLocks noChangeArrowheads="1"/>
+          </p:cNvSpPr>
+          <p:nvPr/>
+        </p:nvSpPr>
+        <p:spPr bwMode="auto">
+          <a:xfrm>
+            <a:off x="580800" y="1365141"/>
+            <a:ext cx="4940880" cy="304800"/>
+          </a:xfrm>
+          <a:prstGeom prst="rect">
+            <a:avLst/>
+          </a:prstGeom>
+          <a:solidFill>
+            <a:schemeClr val="tx2">
+              <a:lumMod val="75000"/>
+            </a:schemeClr>
+          </a:solidFill>
+          <a:ln w="9525">
+            <a:solidFill>
+              <a:srgbClr val="333333"/>
+            </a:solidFill>
+            <a:miter lim="800000"/>
+            <a:headEnd/>
+            <a:tailEnd/>
+          </a:ln>
+          <a:effectLst/>
+        </p:spPr>
+        <p:txBody>
+          <a:bodyPr wrap="none" anchor="ctr"/>
+          <a:lstStyle/>
+          <a:p>
+            <a:r>
+              <a:rPr lang="en-US" altLang="nl-BE" sz="1400" b="1">
+                <a:solidFill>
+                  <a:schemeClr val="bg1"/>
+                </a:solidFill>
+                <a:latin typeface="Verdana" panose="020B0604030504040204" pitchFamily="34" charset="0"/>
+              </a:rPr>
+              <a:t>Planning</a:t>
+            </a:r>
+          </a:p>
+        </p:txBody>
+      </p:sp>
+      <p:sp>
+        <p:nvSpPr>
+          <p:cNvPr id="30" name="Rectangle 20">
+            <a:extLst>
+              <a:ext uri="{FF2B5EF4-FFF2-40B4-BE49-F238E27FC236}">
+                <a16:creationId xmlns:a16="http://schemas.microsoft.com/office/drawing/2014/main" id="{F8F8537C-8B21-E85D-8ED6-BCD891428026}"/>
+              </a:ext>
+            </a:extLst>
+          </p:cNvPr>
+          <p:cNvSpPr>
+            <a:spLocks noChangeArrowheads="1"/>
+          </p:cNvSpPr>
+          <p:nvPr/>
+        </p:nvSpPr>
+        <p:spPr bwMode="auto">
+          <a:xfrm>
+            <a:off x="576000" y="1669941"/>
+            <a:ext cx="4940880" cy="713604"/>
+          </a:xfrm>
+          <a:prstGeom prst="rect">
+            <a:avLst/>
+          </a:prstGeom>
+          <a:noFill/>
+          <a:ln>
+            <a:noFill/>
+          </a:ln>
+          <a:effectLst/>
+          <a:extLst>
+            <a:ext uri="{909E8E84-426E-40DD-AFC4-6F175D3DCCD1}">
+              <a14:hiddenFill xmlns:a14="http://schemas.microsoft.com/office/drawing/2010/main">
+                <a:solidFill>
+                  <a:srgbClr val="333333"/>
+                </a:solidFill>
+              </a14:hiddenFill>
+            </a:ext>
+            <a:ext uri="{91240B29-F687-4F45-9708-019B960494DF}">
+              <a14:hiddenLine xmlns:a14="http://schemas.microsoft.com/office/drawing/2010/main" w="9525">
+                <a:solidFill>
+                  <a:srgbClr val="333333"/>
+                </a:solidFill>
+                <a:miter lim="800000"/>
+                <a:headEnd/>
+                <a:tailEnd/>
+              </a14:hiddenLine>
+            </a:ext>
+            <a:ext uri="{AF507438-7753-43E0-B8FC-AC1667EBCBE1}">
+              <a14:hiddenEffects xmlns:a14="http://schemas.microsoft.com/office/drawing/2010/main">
+                <a:effectLst>
+                  <a:outerShdw dist="35921" dir="2700000" algn="ctr" rotWithShape="0">
+                    <a:schemeClr val="bg2"/>
+                  </a:outerShdw>
+                </a:effectLst>
+              </a14:hiddenEffects>
+            </a:ext>
+          </a:extLst>
+        </p:spPr>
+        <p:txBody>
+          <a:bodyPr wrap="none"/>
+          <a:lstStyle/>
+          <a:p>
+            <a:pPr>
+              <a:buFontTx/>
+              <a:buChar char="•"/>
+            </a:pPr>
+            <a:r>
+              <a:rPr lang="en-US" altLang="nl-BE" sz="1200" dirty="0">
+                <a:solidFill>
+                  <a:srgbClr val="333333"/>
+                </a:solidFill>
+                <a:latin typeface="Verdana" panose="020B0604030504040204" pitchFamily="34" charset="0"/>
+              </a:rPr>
+              <a:t> Looking for hardware</a:t>
+            </a:r>
+          </a:p>
+          <a:p>
+            <a:pPr>
+              <a:buFontTx/>
+              <a:buChar char="•"/>
+            </a:pPr>
+            <a:r>
+              <a:rPr lang="en-US" altLang="nl-BE" sz="1200" dirty="0">
+                <a:solidFill>
+                  <a:srgbClr val="333333"/>
+                </a:solidFill>
+                <a:latin typeface="Verdana" panose="020B0604030504040204" pitchFamily="34" charset="0"/>
+              </a:rPr>
+              <a:t> Report</a:t>
+            </a:r>
+          </a:p>
+          <a:p>
+            <a:pPr>
+              <a:buFontTx/>
+              <a:buChar char="•"/>
+            </a:pPr>
+            <a:endParaRPr lang="en-US" altLang="nl-BE" sz="1200" dirty="0">
+              <a:solidFill>
+                <a:srgbClr val="333333"/>
+              </a:solidFill>
+              <a:latin typeface="Verdana" panose="020B0604030504040204" pitchFamily="34" charset="0"/>
+            </a:endParaRPr>
+          </a:p>
+        </p:txBody>
+      </p:sp>
+      <p:graphicFrame>
+        <p:nvGraphicFramePr>
+          <p:cNvPr id="31" name="Table 8">
+            <a:extLst>
+              <a:ext uri="{FF2B5EF4-FFF2-40B4-BE49-F238E27FC236}">
+                <a16:creationId xmlns:a16="http://schemas.microsoft.com/office/drawing/2014/main" id="{39209D40-A90A-28AF-7EE5-2185F6AED7D9}"/>
+              </a:ext>
+            </a:extLst>
+          </p:cNvPr>
+          <p:cNvGraphicFramePr>
+            <a:graphicFrameLocks noGrp="1"/>
+          </p:cNvGraphicFramePr>
+          <p:nvPr>
+            <p:extLst>
+              <p:ext uri="{D42A27DB-BD31-4B8C-83A1-F6EECF244321}">
+                <p14:modId xmlns:p14="http://schemas.microsoft.com/office/powerpoint/2010/main" val="4073201200"/>
+              </p:ext>
+            </p:extLst>
+          </p:nvPr>
+        </p:nvGraphicFramePr>
+        <p:xfrm>
+          <a:off x="580800" y="3517586"/>
+          <a:ext cx="11306400" cy="2595880"/>
+        </p:xfrm>
+        <a:graphic>
+          <a:graphicData uri="http://schemas.openxmlformats.org/drawingml/2006/table">
+            <a:tbl>
+              <a:tblPr firstRow="1" bandRow="1">
+                <a:tableStyleId>{5C22544A-7EE6-4342-B048-85BDC9FD1C3A}</a:tableStyleId>
+              </a:tblPr>
+              <a:tblGrid>
+                <a:gridCol w="2261280">
+                  <a:extLst>
+                    <a:ext uri="{9D8B030D-6E8A-4147-A177-3AD203B41FA5}">
+                      <a16:colId xmlns:a16="http://schemas.microsoft.com/office/drawing/2014/main" val="3222044758"/>
+                    </a:ext>
+                  </a:extLst>
+                </a:gridCol>
+                <a:gridCol w="2261280">
+                  <a:extLst>
+                    <a:ext uri="{9D8B030D-6E8A-4147-A177-3AD203B41FA5}">
+                      <a16:colId xmlns:a16="http://schemas.microsoft.com/office/drawing/2014/main" val="23332546"/>
+                    </a:ext>
+                  </a:extLst>
+                </a:gridCol>
+                <a:gridCol w="2261280">
+                  <a:extLst>
+                    <a:ext uri="{9D8B030D-6E8A-4147-A177-3AD203B41FA5}">
+                      <a16:colId xmlns:a16="http://schemas.microsoft.com/office/drawing/2014/main" val="62682046"/>
+                    </a:ext>
+                  </a:extLst>
+                </a:gridCol>
+                <a:gridCol w="2261280">
+                  <a:extLst>
+                    <a:ext uri="{9D8B030D-6E8A-4147-A177-3AD203B41FA5}">
+                      <a16:colId xmlns:a16="http://schemas.microsoft.com/office/drawing/2014/main" val="1440099295"/>
+                    </a:ext>
+                  </a:extLst>
+                </a:gridCol>
+                <a:gridCol w="2261280">
+                  <a:extLst>
+                    <a:ext uri="{9D8B030D-6E8A-4147-A177-3AD203B41FA5}">
+                      <a16:colId xmlns:a16="http://schemas.microsoft.com/office/drawing/2014/main" val="2799077174"/>
+                    </a:ext>
+                  </a:extLst>
+                </a:gridCol>
+              </a:tblGrid>
+              <a:tr h="370840">
+                <a:tc>
+                  <a:txBody>
+                    <a:bodyPr/>
+                    <a:lstStyle/>
+                    <a:p>
+                      <a:r>
+                        <a:rPr lang="nl-BE" dirty="0"/>
+                        <a:t>Naam student</a:t>
+                      </a:r>
+                    </a:p>
+                  </a:txBody>
+                  <a:tcPr>
+                    <a:lnL w="12700" cap="flat" cmpd="sng" algn="ctr">
+                      <a:solidFill>
+                        <a:schemeClr val="tx1"/>
+                      </a:solidFill>
+                      <a:prstDash val="solid"/>
+                      <a:round/>
+                      <a:headEnd type="none" w="med" len="med"/>
+                      <a:tailEnd type="none" w="med" len="med"/>
+                    </a:lnL>
+                    <a:lnT w="12700" cap="flat" cmpd="sng" algn="ctr">
+                      <a:solidFill>
+                        <a:schemeClr val="tx1"/>
+                      </a:solidFill>
+                      <a:prstDash val="solid"/>
+                      <a:round/>
+                      <a:headEnd type="none" w="med" len="med"/>
+                      <a:tailEnd type="none" w="med" len="med"/>
+                    </a:lnT>
+                  </a:tcPr>
+                </a:tc>
+                <a:tc>
+                  <a:txBody>
+                    <a:bodyPr/>
+                    <a:lstStyle/>
+                    <a:p>
+                      <a:r>
+                        <a:rPr lang="nl-BE" dirty="0"/>
+                        <a:t>14u00-15u00</a:t>
+                      </a:r>
+                    </a:p>
+                  </a:txBody>
+                  <a:tcPr>
+                    <a:lnT w="12700" cap="flat" cmpd="sng" algn="ctr">
+                      <a:solidFill>
+                        <a:schemeClr val="tx1"/>
+                      </a:solidFill>
+                      <a:prstDash val="solid"/>
+                      <a:round/>
+                      <a:headEnd type="none" w="med" len="med"/>
+                      <a:tailEnd type="none" w="med" len="med"/>
+                    </a:lnT>
+                  </a:tcPr>
+                </a:tc>
+                <a:tc>
+                  <a:txBody>
+                    <a:bodyPr/>
+                    <a:lstStyle/>
+                    <a:p>
+                      <a:r>
+                        <a:rPr lang="nl-BE" dirty="0"/>
+                        <a:t>15u00-16u00</a:t>
+                      </a:r>
+                    </a:p>
+                  </a:txBody>
+                  <a:tcPr>
+                    <a:lnT w="12700" cap="flat" cmpd="sng" algn="ctr">
+                      <a:solidFill>
+                        <a:schemeClr val="tx1"/>
+                      </a:solidFill>
+                      <a:prstDash val="solid"/>
+                      <a:round/>
+                      <a:headEnd type="none" w="med" len="med"/>
+                      <a:tailEnd type="none" w="med" len="med"/>
+                    </a:lnT>
+                  </a:tcPr>
+                </a:tc>
+                <a:tc>
+                  <a:txBody>
+                    <a:bodyPr/>
+                    <a:lstStyle/>
+                    <a:p>
+                      <a:r>
+                        <a:rPr lang="nl-BE" dirty="0"/>
+                        <a:t>16u00-17u00</a:t>
+                      </a:r>
+                    </a:p>
+                  </a:txBody>
+                  <a:tcPr>
+                    <a:lnT w="12700" cap="flat" cmpd="sng" algn="ctr">
+                      <a:solidFill>
+                        <a:schemeClr val="tx1"/>
+                      </a:solidFill>
+                      <a:prstDash val="solid"/>
+                      <a:round/>
+                      <a:headEnd type="none" w="med" len="med"/>
+                      <a:tailEnd type="none" w="med" len="med"/>
+                    </a:lnT>
+                  </a:tcPr>
+                </a:tc>
+                <a:tc>
+                  <a:txBody>
+                    <a:bodyPr/>
+                    <a:lstStyle/>
+                    <a:p>
+                      <a:r>
+                        <a:rPr lang="nl-BE" dirty="0"/>
+                        <a:t>17u00-18u00</a:t>
+                      </a:r>
+                    </a:p>
+                  </a:txBody>
+                  <a:tcPr>
+                    <a:lnR w="12700" cap="flat" cmpd="sng" algn="ctr">
+                      <a:solidFill>
+                        <a:schemeClr val="tx1"/>
+                      </a:solidFill>
+                      <a:prstDash val="solid"/>
+                      <a:round/>
+                      <a:headEnd type="none" w="med" len="med"/>
+                      <a:tailEnd type="none" w="med" len="med"/>
+                    </a:lnR>
+                    <a:lnT w="12700" cap="flat" cmpd="sng" algn="ctr">
+                      <a:solidFill>
+                        <a:schemeClr val="tx1"/>
+                      </a:solidFill>
+                      <a:prstDash val="solid"/>
+                      <a:round/>
+                      <a:headEnd type="none" w="med" len="med"/>
+                      <a:tailEnd type="none" w="med" len="med"/>
+                    </a:lnT>
+                  </a:tcPr>
+                </a:tc>
+                <a:extLst>
+                  <a:ext uri="{0D108BD9-81ED-4DB2-BD59-A6C34878D82A}">
+                    <a16:rowId xmlns:a16="http://schemas.microsoft.com/office/drawing/2014/main" val="1545514501"/>
+                  </a:ext>
+                </a:extLst>
+              </a:tr>
+              <a:tr h="370840">
+                <a:tc>
+                  <a:txBody>
+                    <a:bodyPr/>
+                    <a:lstStyle/>
+                    <a:p>
+                      <a:r>
+                        <a:rPr lang="nl-BE" dirty="0"/>
+                        <a:t>Arne </a:t>
+                      </a:r>
+                      <a:r>
+                        <a:rPr lang="nl-BE" dirty="0" err="1"/>
+                        <a:t>Lemahieu</a:t>
+                      </a:r>
+                      <a:endParaRPr lang="nl-BE" dirty="0"/>
+                    </a:p>
+                  </a:txBody>
+                  <a:tcPr>
+                    <a:lnL w="12700" cap="flat" cmpd="sng" algn="ctr">
+                      <a:solidFill>
+                        <a:schemeClr val="tx1"/>
+                      </a:solidFill>
+                      <a:prstDash val="solid"/>
+                      <a:round/>
+                      <a:headEnd type="none" w="med" len="med"/>
+                      <a:tailEnd type="none" w="med" len="med"/>
+                    </a:lnL>
+                  </a:tcPr>
+                </a:tc>
+                <a:tc>
+                  <a:txBody>
+                    <a:bodyPr/>
+                    <a:lstStyle/>
+                    <a:p>
+                      <a:endParaRPr lang="nl-BE" dirty="0"/>
+                    </a:p>
+                  </a:txBody>
+                  <a:tcPr/>
+                </a:tc>
+                <a:tc>
+                  <a:txBody>
+                    <a:bodyPr/>
+                    <a:lstStyle/>
+                    <a:p>
+                      <a:pPr marL="0" marR="0" lvl="0" indent="0" algn="l" defTabSz="914400" rtl="0" eaLnBrk="1" fontAlgn="auto" latinLnBrk="0" hangingPunct="1">
+                        <a:lnSpc>
+                          <a:spcPct val="100000"/>
+                        </a:lnSpc>
+                        <a:spcBef>
+                          <a:spcPts val="0"/>
+                        </a:spcBef>
+                        <a:spcAft>
+                          <a:spcPts val="0"/>
+                        </a:spcAft>
+                        <a:buClrTx/>
+                        <a:buSzTx/>
+                        <a:buFontTx/>
+                        <a:buNone/>
+                        <a:tabLst/>
+                        <a:defRPr/>
+                      </a:pPr>
+                      <a:endParaRPr lang="nl-BE" dirty="0"/>
+                    </a:p>
+                  </a:txBody>
+                  <a:tcPr/>
+                </a:tc>
+                <a:tc>
+                  <a:txBody>
+                    <a:bodyPr/>
+                    <a:lstStyle/>
+                    <a:p>
+                      <a:pPr marL="0" marR="0" lvl="0" indent="0" algn="l" defTabSz="914400" rtl="0" eaLnBrk="1" fontAlgn="auto" latinLnBrk="0" hangingPunct="1">
+                        <a:lnSpc>
+                          <a:spcPct val="100000"/>
+                        </a:lnSpc>
+                        <a:spcBef>
+                          <a:spcPts val="0"/>
+                        </a:spcBef>
+                        <a:spcAft>
+                          <a:spcPts val="0"/>
+                        </a:spcAft>
+                        <a:buClrTx/>
+                        <a:buSzTx/>
+                        <a:buFontTx/>
+                        <a:buNone/>
+                        <a:tabLst/>
+                        <a:defRPr/>
+                      </a:pPr>
+                      <a:endParaRPr lang="nl-BE" dirty="0"/>
+                    </a:p>
+                  </a:txBody>
+                  <a:tcPr/>
+                </a:tc>
+                <a:tc>
+                  <a:txBody>
+                    <a:bodyPr/>
+                    <a:lstStyle/>
+                    <a:p>
+                      <a:pPr marL="0" marR="0" lvl="0" indent="0" algn="l" defTabSz="914400" rtl="0" eaLnBrk="1" fontAlgn="auto" latinLnBrk="0" hangingPunct="1">
+                        <a:lnSpc>
+                          <a:spcPct val="100000"/>
+                        </a:lnSpc>
+                        <a:spcBef>
+                          <a:spcPts val="0"/>
+                        </a:spcBef>
+                        <a:spcAft>
+                          <a:spcPts val="0"/>
+                        </a:spcAft>
+                        <a:buClrTx/>
+                        <a:buSzTx/>
+                        <a:buFontTx/>
+                        <a:buNone/>
+                        <a:tabLst/>
+                        <a:defRPr/>
+                      </a:pPr>
+                      <a:endParaRPr lang="nl-BE" dirty="0"/>
+                    </a:p>
+                  </a:txBody>
+                  <a:tcPr>
+                    <a:lnR w="12700" cap="flat" cmpd="sng" algn="ctr">
+                      <a:solidFill>
+                        <a:schemeClr val="tx1"/>
+                      </a:solidFill>
+                      <a:prstDash val="solid"/>
+                      <a:round/>
+                      <a:headEnd type="none" w="med" len="med"/>
+                      <a:tailEnd type="none" w="med" len="med"/>
+                    </a:lnR>
+                  </a:tcPr>
+                </a:tc>
+                <a:extLst>
+                  <a:ext uri="{0D108BD9-81ED-4DB2-BD59-A6C34878D82A}">
+                    <a16:rowId xmlns:a16="http://schemas.microsoft.com/office/drawing/2014/main" val="4272612081"/>
+                  </a:ext>
+                </a:extLst>
+              </a:tr>
+              <a:tr h="370840">
+                <a:tc>
+                  <a:txBody>
+                    <a:bodyPr/>
+                    <a:lstStyle/>
+                    <a:p>
+                      <a:pPr marL="0" marR="0" lvl="0" indent="0" algn="l" defTabSz="914400" rtl="0" eaLnBrk="1" fontAlgn="auto" latinLnBrk="0" hangingPunct="1">
+                        <a:lnSpc>
+                          <a:spcPct val="100000"/>
+                        </a:lnSpc>
+                        <a:spcBef>
+                          <a:spcPts val="0"/>
+                        </a:spcBef>
+                        <a:spcAft>
+                          <a:spcPts val="0"/>
+                        </a:spcAft>
+                        <a:buClrTx/>
+                        <a:buSzTx/>
+                        <a:buFontTx/>
+                        <a:buNone/>
+                        <a:tabLst/>
+                        <a:defRPr/>
+                      </a:pPr>
+                      <a:r>
+                        <a:rPr lang="nl-BE" dirty="0"/>
+                        <a:t>Kasper </a:t>
+                      </a:r>
+                      <a:r>
+                        <a:rPr lang="nl-BE" dirty="0" err="1"/>
+                        <a:t>Dumoulin</a:t>
+                      </a:r>
+                      <a:endParaRPr lang="nl-BE" dirty="0"/>
+                    </a:p>
+                  </a:txBody>
+                  <a:tcPr>
+                    <a:lnL w="12700" cap="flat" cmpd="sng" algn="ctr">
+                      <a:solidFill>
+                        <a:schemeClr val="tx1"/>
+                      </a:solidFill>
+                      <a:prstDash val="solid"/>
+                      <a:round/>
+                      <a:headEnd type="none" w="med" len="med"/>
+                      <a:tailEnd type="none" w="med" len="med"/>
+                    </a:lnL>
+                  </a:tcPr>
+                </a:tc>
+                <a:tc>
+                  <a:txBody>
+                    <a:bodyPr/>
+                    <a:lstStyle/>
+                    <a:p>
+                      <a:pPr marL="0" marR="0" lvl="0" indent="0" algn="l" defTabSz="914400" rtl="0" eaLnBrk="1" fontAlgn="auto" latinLnBrk="0" hangingPunct="1">
+                        <a:lnSpc>
+                          <a:spcPct val="100000"/>
+                        </a:lnSpc>
+                        <a:spcBef>
+                          <a:spcPts val="0"/>
+                        </a:spcBef>
+                        <a:spcAft>
+                          <a:spcPts val="0"/>
+                        </a:spcAft>
+                        <a:buClrTx/>
+                        <a:buSzTx/>
+                        <a:buFontTx/>
+                        <a:buNone/>
+                        <a:tabLst/>
+                        <a:defRPr/>
+                      </a:pPr>
+                      <a:endParaRPr lang="nl-BE" dirty="0"/>
+                    </a:p>
+                  </a:txBody>
+                  <a:tcPr/>
+                </a:tc>
+                <a:tc>
+                  <a:txBody>
+                    <a:bodyPr/>
+                    <a:lstStyle/>
+                    <a:p>
+                      <a:pPr marL="0" marR="0" lvl="0" indent="0" algn="l" defTabSz="914400" rtl="0" eaLnBrk="1" fontAlgn="auto" latinLnBrk="0" hangingPunct="1">
+                        <a:lnSpc>
+                          <a:spcPct val="100000"/>
+                        </a:lnSpc>
+                        <a:spcBef>
+                          <a:spcPts val="0"/>
+                        </a:spcBef>
+                        <a:spcAft>
+                          <a:spcPts val="0"/>
+                        </a:spcAft>
+                        <a:buClrTx/>
+                        <a:buSzTx/>
+                        <a:buFontTx/>
+                        <a:buNone/>
+                        <a:tabLst/>
+                        <a:defRPr/>
+                      </a:pPr>
+                      <a:endParaRPr lang="nl-BE" dirty="0"/>
+                    </a:p>
+                  </a:txBody>
+                  <a:tcPr/>
+                </a:tc>
+                <a:tc>
+                  <a:txBody>
+                    <a:bodyPr/>
+                    <a:lstStyle/>
+                    <a:p>
+                      <a:endParaRPr lang="nl-BE" dirty="0"/>
+                    </a:p>
+                  </a:txBody>
+                  <a:tcPr/>
+                </a:tc>
+                <a:tc>
+                  <a:txBody>
+                    <a:bodyPr/>
+                    <a:lstStyle/>
+                    <a:p>
+                      <a:endParaRPr lang="nl-BE" dirty="0"/>
+                    </a:p>
+                  </a:txBody>
+                  <a:tcPr>
+                    <a:lnR w="12700" cap="flat" cmpd="sng" algn="ctr">
+                      <a:solidFill>
+                        <a:schemeClr val="tx1"/>
+                      </a:solidFill>
+                      <a:prstDash val="solid"/>
+                      <a:round/>
+                      <a:headEnd type="none" w="med" len="med"/>
+                      <a:tailEnd type="none" w="med" len="med"/>
+                    </a:lnR>
+                  </a:tcPr>
+                </a:tc>
+                <a:extLst>
+                  <a:ext uri="{0D108BD9-81ED-4DB2-BD59-A6C34878D82A}">
+                    <a16:rowId xmlns:a16="http://schemas.microsoft.com/office/drawing/2014/main" val="2535650466"/>
+                  </a:ext>
+                </a:extLst>
+              </a:tr>
+              <a:tr h="370840">
+                <a:tc>
+                  <a:txBody>
+                    <a:bodyPr/>
+                    <a:lstStyle/>
+                    <a:p>
+                      <a:pPr marL="0" marR="0" lvl="0" indent="0" algn="l" defTabSz="914400" rtl="0" eaLnBrk="1" fontAlgn="auto" latinLnBrk="0" hangingPunct="1">
+                        <a:lnSpc>
+                          <a:spcPct val="100000"/>
+                        </a:lnSpc>
+                        <a:spcBef>
+                          <a:spcPts val="0"/>
+                        </a:spcBef>
+                        <a:spcAft>
+                          <a:spcPts val="0"/>
+                        </a:spcAft>
+                        <a:buClrTx/>
+                        <a:buSzTx/>
+                        <a:buFontTx/>
+                        <a:buNone/>
+                        <a:tabLst/>
+                        <a:defRPr/>
+                      </a:pPr>
+                      <a:r>
+                        <a:rPr lang="nl-BE" dirty="0"/>
+                        <a:t>Mauro Janssens</a:t>
+                      </a:r>
+                    </a:p>
+                  </a:txBody>
+                  <a:tcPr>
+                    <a:lnL w="12700" cap="flat" cmpd="sng" algn="ctr">
+                      <a:solidFill>
+                        <a:schemeClr val="tx1"/>
+                      </a:solidFill>
+                      <a:prstDash val="solid"/>
+                      <a:round/>
+                      <a:headEnd type="none" w="med" len="med"/>
+                      <a:tailEnd type="none" w="med" len="med"/>
+                    </a:lnL>
+                  </a:tcPr>
+                </a:tc>
+                <a:tc>
+                  <a:txBody>
+                    <a:bodyPr/>
+                    <a:lstStyle/>
+                    <a:p>
+                      <a:pPr marL="0" marR="0" lvl="0" indent="0" algn="l" defTabSz="914400" rtl="0" eaLnBrk="1" fontAlgn="auto" latinLnBrk="0" hangingPunct="1">
+                        <a:lnSpc>
+                          <a:spcPct val="100000"/>
+                        </a:lnSpc>
+                        <a:spcBef>
+                          <a:spcPts val="0"/>
+                        </a:spcBef>
+                        <a:spcAft>
+                          <a:spcPts val="0"/>
+                        </a:spcAft>
+                        <a:buClrTx/>
+                        <a:buSzTx/>
+                        <a:buFontTx/>
+                        <a:buNone/>
+                        <a:tabLst/>
+                        <a:defRPr/>
+                      </a:pPr>
+                      <a:endParaRPr lang="nl-BE" dirty="0"/>
+                    </a:p>
+                  </a:txBody>
+                  <a:tcPr/>
+                </a:tc>
+                <a:tc>
+                  <a:txBody>
+                    <a:bodyPr/>
+                    <a:lstStyle/>
+                    <a:p>
+                      <a:pPr marL="0" marR="0" lvl="0" indent="0" algn="l" defTabSz="914400" rtl="0" eaLnBrk="1" fontAlgn="auto" latinLnBrk="0" hangingPunct="1">
+                        <a:lnSpc>
+                          <a:spcPct val="100000"/>
+                        </a:lnSpc>
+                        <a:spcBef>
+                          <a:spcPts val="0"/>
+                        </a:spcBef>
+                        <a:spcAft>
+                          <a:spcPts val="0"/>
+                        </a:spcAft>
+                        <a:buClrTx/>
+                        <a:buSzTx/>
+                        <a:buFontTx/>
+                        <a:buNone/>
+                        <a:tabLst/>
+                        <a:defRPr/>
+                      </a:pPr>
+                      <a:endParaRPr lang="nl-BE" dirty="0"/>
+                    </a:p>
+                  </a:txBody>
+                  <a:tcPr/>
+                </a:tc>
+                <a:tc>
+                  <a:txBody>
+                    <a:bodyPr/>
+                    <a:lstStyle/>
+                    <a:p>
+                      <a:endParaRPr lang="nl-BE" dirty="0"/>
+                    </a:p>
+                  </a:txBody>
+                  <a:tcPr/>
+                </a:tc>
+                <a:tc>
+                  <a:txBody>
+                    <a:bodyPr/>
+                    <a:lstStyle/>
+                    <a:p>
+                      <a:endParaRPr lang="nl-BE" dirty="0"/>
+                    </a:p>
+                  </a:txBody>
+                  <a:tcPr>
+                    <a:lnR w="12700" cap="flat" cmpd="sng" algn="ctr">
+                      <a:solidFill>
+                        <a:schemeClr val="tx1"/>
+                      </a:solidFill>
+                      <a:prstDash val="solid"/>
+                      <a:round/>
+                      <a:headEnd type="none" w="med" len="med"/>
+                      <a:tailEnd type="none" w="med" len="med"/>
+                    </a:lnR>
+                  </a:tcPr>
+                </a:tc>
+                <a:extLst>
+                  <a:ext uri="{0D108BD9-81ED-4DB2-BD59-A6C34878D82A}">
+                    <a16:rowId xmlns:a16="http://schemas.microsoft.com/office/drawing/2014/main" val="1056747163"/>
+                  </a:ext>
+                </a:extLst>
+              </a:tr>
+              <a:tr h="370840">
+                <a:tc>
+                  <a:txBody>
+                    <a:bodyPr/>
+                    <a:lstStyle/>
+                    <a:p>
+                      <a:pPr marL="0" marR="0" lvl="0" indent="0" algn="l" defTabSz="914400" rtl="0" eaLnBrk="1" fontAlgn="auto" latinLnBrk="0" hangingPunct="1">
+                        <a:lnSpc>
+                          <a:spcPct val="100000"/>
+                        </a:lnSpc>
+                        <a:spcBef>
+                          <a:spcPts val="0"/>
+                        </a:spcBef>
+                        <a:spcAft>
+                          <a:spcPts val="0"/>
+                        </a:spcAft>
+                        <a:buClrTx/>
+                        <a:buSzTx/>
+                        <a:buFontTx/>
+                        <a:buNone/>
+                        <a:tabLst/>
+                        <a:defRPr/>
+                      </a:pPr>
+                      <a:r>
+                        <a:rPr lang="nl-BE" dirty="0"/>
+                        <a:t>Pepijn Haenen</a:t>
+                      </a:r>
+                    </a:p>
+                  </a:txBody>
+                  <a:tcPr>
+                    <a:lnL w="12700" cap="flat" cmpd="sng" algn="ctr">
+                      <a:solidFill>
+                        <a:schemeClr val="tx1"/>
+                      </a:solidFill>
+                      <a:prstDash val="solid"/>
+                      <a:round/>
+                      <a:headEnd type="none" w="med" len="med"/>
+                      <a:tailEnd type="none" w="med" len="med"/>
+                    </a:lnL>
+                  </a:tcPr>
+                </a:tc>
+                <a:tc>
+                  <a:txBody>
+                    <a:bodyPr/>
+                    <a:lstStyle/>
+                    <a:p>
+                      <a:pPr marL="0" marR="0" lvl="0" indent="0" algn="l" defTabSz="914400" rtl="0" eaLnBrk="1" fontAlgn="auto" latinLnBrk="0" hangingPunct="1">
+                        <a:lnSpc>
+                          <a:spcPct val="100000"/>
+                        </a:lnSpc>
+                        <a:spcBef>
+                          <a:spcPts val="0"/>
+                        </a:spcBef>
+                        <a:spcAft>
+                          <a:spcPts val="0"/>
+                        </a:spcAft>
+                        <a:buClrTx/>
+                        <a:buSzTx/>
+                        <a:buFontTx/>
+                        <a:buNone/>
+                        <a:tabLst/>
+                        <a:defRPr/>
+                      </a:pPr>
+                      <a:endParaRPr lang="nl-BE" dirty="0"/>
+                    </a:p>
+                  </a:txBody>
+                  <a:tcPr/>
+                </a:tc>
+                <a:tc>
+                  <a:txBody>
+                    <a:bodyPr/>
+                    <a:lstStyle/>
+                    <a:p>
+                      <a:pPr marL="0" marR="0" lvl="0" indent="0" algn="l" defTabSz="914400" rtl="0" eaLnBrk="1" fontAlgn="auto" latinLnBrk="0" hangingPunct="1">
+                        <a:lnSpc>
+                          <a:spcPct val="100000"/>
+                        </a:lnSpc>
+                        <a:spcBef>
+                          <a:spcPts val="0"/>
+                        </a:spcBef>
+                        <a:spcAft>
+                          <a:spcPts val="0"/>
+                        </a:spcAft>
+                        <a:buClrTx/>
+                        <a:buSzTx/>
+                        <a:buFontTx/>
+                        <a:buNone/>
+                        <a:tabLst/>
+                        <a:defRPr/>
+                      </a:pPr>
+                      <a:endParaRPr lang="nl-BE" dirty="0"/>
+                    </a:p>
+                  </a:txBody>
+                  <a:tcPr/>
+                </a:tc>
+                <a:tc>
+                  <a:txBody>
+                    <a:bodyPr/>
+                    <a:lstStyle/>
+                    <a:p>
+                      <a:endParaRPr lang="nl-BE" dirty="0"/>
+                    </a:p>
+                  </a:txBody>
+                  <a:tcPr/>
+                </a:tc>
+                <a:tc>
+                  <a:txBody>
+                    <a:bodyPr/>
+                    <a:lstStyle/>
+                    <a:p>
+                      <a:endParaRPr lang="nl-BE" dirty="0"/>
+                    </a:p>
+                  </a:txBody>
+                  <a:tcPr>
+                    <a:lnR w="12700" cap="flat" cmpd="sng" algn="ctr">
+                      <a:solidFill>
+                        <a:schemeClr val="tx1"/>
+                      </a:solidFill>
+                      <a:prstDash val="solid"/>
+                      <a:round/>
+                      <a:headEnd type="none" w="med" len="med"/>
+                      <a:tailEnd type="none" w="med" len="med"/>
+                    </a:lnR>
+                  </a:tcPr>
+                </a:tc>
+                <a:extLst>
+                  <a:ext uri="{0D108BD9-81ED-4DB2-BD59-A6C34878D82A}">
+                    <a16:rowId xmlns:a16="http://schemas.microsoft.com/office/drawing/2014/main" val="4081416973"/>
+                  </a:ext>
+                </a:extLst>
+              </a:tr>
+              <a:tr h="370840">
+                <a:tc>
+                  <a:txBody>
+                    <a:bodyPr/>
+                    <a:lstStyle/>
+                    <a:p>
+                      <a:pPr marL="0" marR="0" lvl="0" indent="0" algn="l" defTabSz="914400" rtl="0" eaLnBrk="1" fontAlgn="auto" latinLnBrk="0" hangingPunct="1">
+                        <a:lnSpc>
+                          <a:spcPct val="100000"/>
+                        </a:lnSpc>
+                        <a:spcBef>
+                          <a:spcPts val="0"/>
+                        </a:spcBef>
+                        <a:spcAft>
+                          <a:spcPts val="0"/>
+                        </a:spcAft>
+                        <a:buClrTx/>
+                        <a:buSzTx/>
+                        <a:buFontTx/>
+                        <a:buNone/>
+                        <a:tabLst/>
+                        <a:defRPr/>
+                      </a:pPr>
+                      <a:r>
+                        <a:rPr lang="nl-BE" dirty="0"/>
+                        <a:t>Philippe </a:t>
+                      </a:r>
+                      <a:r>
+                        <a:rPr lang="nl-BE" dirty="0" err="1"/>
+                        <a:t>Laffineur</a:t>
+                      </a:r>
+                      <a:endParaRPr lang="nl-BE" dirty="0"/>
+                    </a:p>
+                  </a:txBody>
+                  <a:tcPr>
+                    <a:lnL w="12700" cap="flat" cmpd="sng" algn="ctr">
+                      <a:solidFill>
+                        <a:schemeClr val="tx1"/>
+                      </a:solidFill>
+                      <a:prstDash val="solid"/>
+                      <a:round/>
+                      <a:headEnd type="none" w="med" len="med"/>
+                      <a:tailEnd type="none" w="med" len="med"/>
+                    </a:lnL>
+                  </a:tcPr>
+                </a:tc>
+                <a:tc>
+                  <a:txBody>
+                    <a:bodyPr/>
+                    <a:lstStyle/>
+                    <a:p>
+                      <a:pPr marL="0" marR="0" lvl="0" indent="0" algn="l" defTabSz="914400" rtl="0" eaLnBrk="1" fontAlgn="auto" latinLnBrk="0" hangingPunct="1">
+                        <a:lnSpc>
+                          <a:spcPct val="100000"/>
+                        </a:lnSpc>
+                        <a:spcBef>
+                          <a:spcPts val="0"/>
+                        </a:spcBef>
+                        <a:spcAft>
+                          <a:spcPts val="0"/>
+                        </a:spcAft>
+                        <a:buClrTx/>
+                        <a:buSzTx/>
+                        <a:buFontTx/>
+                        <a:buNone/>
+                        <a:tabLst/>
+                        <a:defRPr/>
+                      </a:pPr>
+                      <a:endParaRPr lang="nl-BE" dirty="0"/>
+                    </a:p>
+                  </a:txBody>
+                  <a:tcPr/>
+                </a:tc>
+                <a:tc>
+                  <a:txBody>
+                    <a:bodyPr/>
+                    <a:lstStyle/>
+                    <a:p>
+                      <a:pPr marL="0" marR="0" lvl="0" indent="0" algn="l" defTabSz="914400" rtl="0" eaLnBrk="1" fontAlgn="auto" latinLnBrk="0" hangingPunct="1">
+                        <a:lnSpc>
+                          <a:spcPct val="100000"/>
+                        </a:lnSpc>
+                        <a:spcBef>
+                          <a:spcPts val="0"/>
+                        </a:spcBef>
+                        <a:spcAft>
+                          <a:spcPts val="0"/>
+                        </a:spcAft>
+                        <a:buClrTx/>
+                        <a:buSzTx/>
+                        <a:buFontTx/>
+                        <a:buNone/>
+                        <a:tabLst/>
+                        <a:defRPr/>
+                      </a:pPr>
+                      <a:endParaRPr lang="nl-BE" dirty="0"/>
+                    </a:p>
+                  </a:txBody>
+                  <a:tcPr/>
+                </a:tc>
+                <a:tc>
+                  <a:txBody>
+                    <a:bodyPr/>
+                    <a:lstStyle/>
+                    <a:p>
+                      <a:endParaRPr lang="nl-BE" dirty="0"/>
+                    </a:p>
+                  </a:txBody>
+                  <a:tcPr/>
+                </a:tc>
+                <a:tc>
+                  <a:txBody>
+                    <a:bodyPr/>
+                    <a:lstStyle/>
+                    <a:p>
+                      <a:endParaRPr lang="nl-BE" dirty="0"/>
+                    </a:p>
+                  </a:txBody>
+                  <a:tcPr>
+                    <a:lnR w="12700" cap="flat" cmpd="sng" algn="ctr">
+                      <a:solidFill>
+                        <a:schemeClr val="tx1"/>
+                      </a:solidFill>
+                      <a:prstDash val="solid"/>
+                      <a:round/>
+                      <a:headEnd type="none" w="med" len="med"/>
+                      <a:tailEnd type="none" w="med" len="med"/>
+                    </a:lnR>
+                  </a:tcPr>
+                </a:tc>
+                <a:extLst>
+                  <a:ext uri="{0D108BD9-81ED-4DB2-BD59-A6C34878D82A}">
+                    <a16:rowId xmlns:a16="http://schemas.microsoft.com/office/drawing/2014/main" val="4226429342"/>
+                  </a:ext>
+                </a:extLst>
+              </a:tr>
+              <a:tr h="370840">
+                <a:tc>
+                  <a:txBody>
+                    <a:bodyPr/>
+                    <a:lstStyle/>
+                    <a:p>
+                      <a:pPr marL="0" marR="0" lvl="0" indent="0" algn="l" defTabSz="914400" rtl="0" eaLnBrk="1" fontAlgn="auto" latinLnBrk="0" hangingPunct="1">
+                        <a:lnSpc>
+                          <a:spcPct val="100000"/>
+                        </a:lnSpc>
+                        <a:spcBef>
+                          <a:spcPts val="0"/>
+                        </a:spcBef>
+                        <a:spcAft>
+                          <a:spcPts val="0"/>
+                        </a:spcAft>
+                        <a:buClrTx/>
+                        <a:buSzTx/>
+                        <a:buFontTx/>
+                        <a:buNone/>
+                        <a:tabLst/>
+                        <a:defRPr/>
+                      </a:pPr>
+                      <a:r>
+                        <a:rPr lang="nl-BE" dirty="0" err="1"/>
+                        <a:t>Tjorben</a:t>
+                      </a:r>
+                      <a:r>
+                        <a:rPr lang="nl-BE" dirty="0"/>
+                        <a:t> </a:t>
+                      </a:r>
+                      <a:r>
+                        <a:rPr lang="nl-BE" dirty="0" err="1"/>
+                        <a:t>Godeau</a:t>
+                      </a:r>
+                      <a:endParaRPr lang="nl-BE" dirty="0"/>
+                    </a:p>
+                  </a:txBody>
+                  <a:tcPr>
+                    <a:lnL w="12700" cap="flat" cmpd="sng" algn="ctr">
+                      <a:solidFill>
+                        <a:schemeClr val="tx1"/>
+                      </a:solidFill>
+                      <a:prstDash val="solid"/>
+                      <a:round/>
+                      <a:headEnd type="none" w="med" len="med"/>
+                      <a:tailEnd type="none" w="med" len="med"/>
+                    </a:lnL>
+                    <a:lnB w="12700" cap="flat" cmpd="sng" algn="ctr">
+                      <a:solidFill>
+                        <a:schemeClr val="tx1"/>
+                      </a:solidFill>
+                      <a:prstDash val="solid"/>
+                      <a:round/>
+                      <a:headEnd type="none" w="med" len="med"/>
+                      <a:tailEnd type="none" w="med" len="med"/>
+                    </a:lnB>
+                  </a:tcPr>
+                </a:tc>
+                <a:tc>
+                  <a:txBody>
+                    <a:bodyPr/>
+                    <a:lstStyle/>
+                    <a:p>
+                      <a:pPr marL="0" marR="0" lvl="0" indent="0" algn="l" defTabSz="914400" rtl="0" eaLnBrk="1" fontAlgn="auto" latinLnBrk="0" hangingPunct="1">
+                        <a:lnSpc>
+                          <a:spcPct val="100000"/>
+                        </a:lnSpc>
+                        <a:spcBef>
+                          <a:spcPts val="0"/>
+                        </a:spcBef>
+                        <a:spcAft>
+                          <a:spcPts val="0"/>
+                        </a:spcAft>
+                        <a:buClrTx/>
+                        <a:buSzTx/>
+                        <a:buFontTx/>
+                        <a:buNone/>
+                        <a:tabLst/>
+                        <a:defRPr/>
+                      </a:pPr>
+                      <a:endParaRPr lang="nl-BE" dirty="0"/>
+                    </a:p>
+                  </a:txBody>
+                  <a:tcPr>
+                    <a:lnB w="12700" cap="flat" cmpd="sng" algn="ctr">
+                      <a:solidFill>
+                        <a:schemeClr val="tx1"/>
+                      </a:solidFill>
+                      <a:prstDash val="solid"/>
+                      <a:round/>
+                      <a:headEnd type="none" w="med" len="med"/>
+                      <a:tailEnd type="none" w="med" len="med"/>
+                    </a:lnB>
+                  </a:tcPr>
+                </a:tc>
+                <a:tc>
+                  <a:txBody>
+                    <a:bodyPr/>
+                    <a:lstStyle/>
+                    <a:p>
+                      <a:pPr marL="0" marR="0" lvl="0" indent="0" algn="l" defTabSz="914400" rtl="0" eaLnBrk="1" fontAlgn="auto" latinLnBrk="0" hangingPunct="1">
+                        <a:lnSpc>
+                          <a:spcPct val="100000"/>
+                        </a:lnSpc>
+                        <a:spcBef>
+                          <a:spcPts val="0"/>
+                        </a:spcBef>
+                        <a:spcAft>
+                          <a:spcPts val="0"/>
+                        </a:spcAft>
+                        <a:buClrTx/>
+                        <a:buSzTx/>
+                        <a:buFontTx/>
+                        <a:buNone/>
+                        <a:tabLst/>
+                        <a:defRPr/>
+                      </a:pPr>
+                      <a:endParaRPr lang="nl-BE" dirty="0"/>
+                    </a:p>
+                  </a:txBody>
+                  <a:tcPr>
+                    <a:lnB w="12700" cap="flat" cmpd="sng" algn="ctr">
+                      <a:solidFill>
+                        <a:schemeClr val="tx1"/>
+                      </a:solidFill>
+                      <a:prstDash val="solid"/>
+                      <a:round/>
+                      <a:headEnd type="none" w="med" len="med"/>
+                      <a:tailEnd type="none" w="med" len="med"/>
+                    </a:lnB>
+                  </a:tcPr>
+                </a:tc>
+                <a:tc>
+                  <a:txBody>
+                    <a:bodyPr/>
+                    <a:lstStyle/>
+                    <a:p>
+                      <a:endParaRPr lang="nl-BE" dirty="0"/>
+                    </a:p>
+                  </a:txBody>
+                  <a:tcPr>
+                    <a:lnB w="12700" cap="flat" cmpd="sng" algn="ctr">
+                      <a:solidFill>
+                        <a:schemeClr val="tx1"/>
+                      </a:solidFill>
+                      <a:prstDash val="solid"/>
+                      <a:round/>
+                      <a:headEnd type="none" w="med" len="med"/>
+                      <a:tailEnd type="none" w="med" len="med"/>
+                    </a:lnB>
+                  </a:tcPr>
+                </a:tc>
+                <a:tc>
+                  <a:txBody>
+                    <a:bodyPr/>
+                    <a:lstStyle/>
+                    <a:p>
+                      <a:endParaRPr lang="nl-BE" dirty="0"/>
+                    </a:p>
+                  </a:txBody>
+                  <a:tcPr>
+                    <a:lnR w="12700" cap="flat" cmpd="sng" algn="ctr">
+                      <a:solidFill>
+                        <a:schemeClr val="tx1"/>
+                      </a:solidFill>
+                      <a:prstDash val="solid"/>
+                      <a:round/>
+                      <a:headEnd type="none" w="med" len="med"/>
+                      <a:tailEnd type="none" w="med" len="med"/>
+                    </a:lnR>
+                    <a:lnB w="12700" cap="flat" cmpd="sng" algn="ctr">
+                      <a:solidFill>
+                        <a:schemeClr val="tx1"/>
+                      </a:solidFill>
+                      <a:prstDash val="solid"/>
+                      <a:round/>
+                      <a:headEnd type="none" w="med" len="med"/>
+                      <a:tailEnd type="none" w="med" len="med"/>
+                    </a:lnB>
+                  </a:tcPr>
+                </a:tc>
+                <a:extLst>
+                  <a:ext uri="{0D108BD9-81ED-4DB2-BD59-A6C34878D82A}">
+                    <a16:rowId xmlns:a16="http://schemas.microsoft.com/office/drawing/2014/main" val="3156394708"/>
+                  </a:ext>
+                </a:extLst>
+              </a:tr>
+            </a:tbl>
+          </a:graphicData>
+        </a:graphic>
+      </p:graphicFrame>
+      <p:sp>
+        <p:nvSpPr>
+          <p:cNvPr id="32" name="Rectangle 8">
+            <a:extLst>
+              <a:ext uri="{FF2B5EF4-FFF2-40B4-BE49-F238E27FC236}">
+                <a16:creationId xmlns:a16="http://schemas.microsoft.com/office/drawing/2014/main" id="{8532E473-3AD0-1ACA-DBD6-4C38F717FFAD}"/>
+              </a:ext>
+            </a:extLst>
+          </p:cNvPr>
+          <p:cNvSpPr>
+            <a:spLocks noChangeArrowheads="1"/>
+          </p:cNvSpPr>
+          <p:nvPr/>
+        </p:nvSpPr>
+        <p:spPr bwMode="auto">
+          <a:xfrm>
+            <a:off x="576000" y="3212786"/>
+            <a:ext cx="11311200" cy="304800"/>
+          </a:xfrm>
+          <a:prstGeom prst="rect">
+            <a:avLst/>
+          </a:prstGeom>
+          <a:solidFill>
+            <a:schemeClr val="tx2">
+              <a:lumMod val="75000"/>
+            </a:schemeClr>
+          </a:solidFill>
+          <a:ln w="9525">
+            <a:solidFill>
+              <a:srgbClr val="333333"/>
+            </a:solidFill>
+            <a:miter lim="800000"/>
+            <a:headEnd/>
+            <a:tailEnd/>
+          </a:ln>
+          <a:effectLst/>
+        </p:spPr>
+        <p:txBody>
+          <a:bodyPr wrap="none" anchor="ctr"/>
+          <a:lstStyle/>
+          <a:p>
+            <a:r>
+              <a:rPr lang="en-US" altLang="nl-BE" sz="1400" b="1" dirty="0" err="1">
+                <a:solidFill>
+                  <a:schemeClr val="bg1"/>
+                </a:solidFill>
+                <a:latin typeface="Verdana" panose="020B0604030504040204" pitchFamily="34" charset="0"/>
+              </a:rPr>
+              <a:t>Uitgevoerde</a:t>
+            </a:r>
+            <a:r>
+              <a:rPr lang="en-US" altLang="nl-BE" sz="1400" b="1" dirty="0">
+                <a:solidFill>
+                  <a:schemeClr val="bg1"/>
+                </a:solidFill>
+                <a:latin typeface="Verdana" panose="020B0604030504040204" pitchFamily="34" charset="0"/>
+              </a:rPr>
+              <a:t> taken </a:t>
+            </a:r>
+            <a:r>
+              <a:rPr lang="en-US" altLang="nl-BE" sz="1400" b="1" dirty="0" err="1">
+                <a:solidFill>
+                  <a:schemeClr val="bg1"/>
+                </a:solidFill>
+                <a:latin typeface="Verdana" panose="020B0604030504040204" pitchFamily="34" charset="0"/>
+              </a:rPr>
+              <a:t>tijdens</a:t>
+            </a:r>
+            <a:r>
+              <a:rPr lang="en-US" altLang="nl-BE" sz="1400" b="1" dirty="0">
+                <a:solidFill>
+                  <a:schemeClr val="bg1"/>
+                </a:solidFill>
+                <a:latin typeface="Verdana" panose="020B0604030504040204" pitchFamily="34" charset="0"/>
+              </a:rPr>
+              <a:t> </a:t>
+            </a:r>
+            <a:r>
+              <a:rPr lang="en-US" altLang="nl-BE" sz="1400" b="1" dirty="0" err="1">
+                <a:solidFill>
+                  <a:schemeClr val="bg1"/>
+                </a:solidFill>
+                <a:latin typeface="Verdana" panose="020B0604030504040204" pitchFamily="34" charset="0"/>
+              </a:rPr>
+              <a:t>teamzitting</a:t>
+            </a:r>
+            <a:endParaRPr lang="en-US" altLang="nl-BE" sz="1400" b="1" dirty="0">
+              <a:solidFill>
+                <a:schemeClr val="bg1"/>
+              </a:solidFill>
+              <a:latin typeface="Verdana" panose="020B0604030504040204" pitchFamily="34" charset="0"/>
+            </a:endParaRPr>
+          </a:p>
+        </p:txBody>
+      </p:sp>
+      <p:sp>
+        <p:nvSpPr>
+          <p:cNvPr id="33" name="Rectangle 7">
+            <a:extLst>
+              <a:ext uri="{FF2B5EF4-FFF2-40B4-BE49-F238E27FC236}">
+                <a16:creationId xmlns:a16="http://schemas.microsoft.com/office/drawing/2014/main" id="{8C784DF3-91D0-06EA-41CD-A662AB28C0FF}"/>
+              </a:ext>
+            </a:extLst>
+          </p:cNvPr>
+          <p:cNvSpPr>
+            <a:spLocks noChangeArrowheads="1"/>
+          </p:cNvSpPr>
+          <p:nvPr/>
+        </p:nvSpPr>
+        <p:spPr bwMode="auto">
+          <a:xfrm>
+            <a:off x="6946320" y="695718"/>
+            <a:ext cx="4940880" cy="1018404"/>
+          </a:xfrm>
+          <a:prstGeom prst="rect">
+            <a:avLst/>
+          </a:prstGeom>
+          <a:noFill/>
+          <a:ln w="9525">
+            <a:solidFill>
+              <a:srgbClr val="333333"/>
+            </a:solidFill>
+            <a:miter lim="800000"/>
+            <a:headEnd/>
+            <a:tailEnd/>
+          </a:ln>
+          <a:effectLst/>
+          <a:extLst>
+            <a:ext uri="{909E8E84-426E-40DD-AFC4-6F175D3DCCD1}">
+              <a14:hiddenFill xmlns:a14="http://schemas.microsoft.com/office/drawing/2010/main">
+                <a:solidFill>
+                  <a:schemeClr val="accent1"/>
+                </a:solidFill>
+              </a14:hiddenFill>
+            </a:ext>
+            <a:ext uri="{AF507438-7753-43E0-B8FC-AC1667EBCBE1}">
+              <a14:hiddenEffects xmlns:a14="http://schemas.microsoft.com/office/drawing/2010/main">
+                <a:effectLst>
+                  <a:outerShdw dist="35921" dir="2700000" algn="ctr" rotWithShape="0">
+                    <a:schemeClr val="bg2"/>
+                  </a:outerShdw>
+                </a:effectLst>
+              </a14:hiddenEffects>
+            </a:ext>
+          </a:extLst>
+        </p:spPr>
+        <p:txBody>
+          <a:bodyPr wrap="none" anchor="ctr"/>
+          <a:lstStyle/>
+          <a:p>
+            <a:endParaRPr lang="nl-BE"/>
+          </a:p>
+        </p:txBody>
+      </p:sp>
+      <p:sp>
+        <p:nvSpPr>
+          <p:cNvPr id="34" name="Rectangle 8">
+            <a:extLst>
+              <a:ext uri="{FF2B5EF4-FFF2-40B4-BE49-F238E27FC236}">
+                <a16:creationId xmlns:a16="http://schemas.microsoft.com/office/drawing/2014/main" id="{DAE5054B-71F1-C2E9-80C9-BD8557A87D5A}"/>
+              </a:ext>
+            </a:extLst>
+          </p:cNvPr>
+          <p:cNvSpPr>
+            <a:spLocks noChangeArrowheads="1"/>
+          </p:cNvSpPr>
+          <p:nvPr/>
+        </p:nvSpPr>
+        <p:spPr bwMode="auto">
+          <a:xfrm>
+            <a:off x="6946320" y="695718"/>
+            <a:ext cx="4940880" cy="304800"/>
+          </a:xfrm>
+          <a:prstGeom prst="rect">
+            <a:avLst/>
+          </a:prstGeom>
+          <a:solidFill>
+            <a:schemeClr val="tx2">
+              <a:lumMod val="75000"/>
+            </a:schemeClr>
+          </a:solidFill>
+          <a:ln w="9525">
+            <a:solidFill>
+              <a:srgbClr val="333333"/>
+            </a:solidFill>
+            <a:miter lim="800000"/>
+            <a:headEnd/>
+            <a:tailEnd/>
+          </a:ln>
+          <a:effectLst/>
+        </p:spPr>
+        <p:txBody>
+          <a:bodyPr wrap="none" anchor="ctr"/>
+          <a:lstStyle/>
+          <a:p>
+            <a:r>
+              <a:rPr lang="en-US" altLang="nl-BE" sz="1400" b="1" dirty="0" err="1">
+                <a:solidFill>
+                  <a:schemeClr val="bg1"/>
+                </a:solidFill>
+                <a:latin typeface="Verdana" panose="020B0604030504040204" pitchFamily="34" charset="0"/>
+              </a:rPr>
+              <a:t>Voltooide</a:t>
+            </a:r>
+            <a:r>
+              <a:rPr lang="en-US" altLang="nl-BE" sz="1400" b="1" dirty="0">
+                <a:solidFill>
+                  <a:schemeClr val="bg1"/>
+                </a:solidFill>
+                <a:latin typeface="Verdana" panose="020B0604030504040204" pitchFamily="34" charset="0"/>
+              </a:rPr>
+              <a:t> </a:t>
+            </a:r>
+            <a:r>
+              <a:rPr lang="en-US" altLang="nl-BE" sz="1400" b="1" dirty="0" err="1">
+                <a:solidFill>
+                  <a:schemeClr val="bg1"/>
+                </a:solidFill>
+                <a:latin typeface="Verdana" panose="020B0604030504040204" pitchFamily="34" charset="0"/>
+              </a:rPr>
+              <a:t>acties</a:t>
+            </a:r>
+            <a:r>
+              <a:rPr lang="en-US" altLang="nl-BE" sz="1400" b="1" dirty="0">
+                <a:solidFill>
+                  <a:schemeClr val="bg1"/>
+                </a:solidFill>
+                <a:latin typeface="Verdana" panose="020B0604030504040204" pitchFamily="34" charset="0"/>
+              </a:rPr>
+              <a:t> – </a:t>
+            </a:r>
+            <a:r>
+              <a:rPr lang="en-US" altLang="nl-BE" sz="1400" b="1" dirty="0" err="1">
+                <a:solidFill>
+                  <a:schemeClr val="bg1"/>
+                </a:solidFill>
+                <a:latin typeface="Verdana" panose="020B0604030504040204" pitchFamily="34" charset="0"/>
+              </a:rPr>
+              <a:t>mijlpalen</a:t>
+            </a:r>
+            <a:endParaRPr lang="en-US" altLang="nl-BE" sz="1400" b="1" dirty="0">
+              <a:solidFill>
+                <a:schemeClr val="bg1"/>
+              </a:solidFill>
+              <a:latin typeface="Verdana" panose="020B0604030504040204" pitchFamily="34" charset="0"/>
+            </a:endParaRPr>
+          </a:p>
+        </p:txBody>
+      </p:sp>
+      <p:sp>
+        <p:nvSpPr>
+          <p:cNvPr id="35" name="Rectangle 20">
+            <a:extLst>
+              <a:ext uri="{FF2B5EF4-FFF2-40B4-BE49-F238E27FC236}">
+                <a16:creationId xmlns:a16="http://schemas.microsoft.com/office/drawing/2014/main" id="{CA220699-8C1A-C150-E2CF-34C808F65288}"/>
+              </a:ext>
+            </a:extLst>
+          </p:cNvPr>
+          <p:cNvSpPr>
+            <a:spLocks noChangeArrowheads="1"/>
+          </p:cNvSpPr>
+          <p:nvPr/>
+        </p:nvSpPr>
+        <p:spPr bwMode="auto">
+          <a:xfrm>
+            <a:off x="6946320" y="1017296"/>
+            <a:ext cx="4940880" cy="713604"/>
+          </a:xfrm>
+          <a:prstGeom prst="rect">
+            <a:avLst/>
+          </a:prstGeom>
+          <a:noFill/>
+          <a:ln>
+            <a:noFill/>
+          </a:ln>
+          <a:effectLst/>
+          <a:extLst>
+            <a:ext uri="{909E8E84-426E-40DD-AFC4-6F175D3DCCD1}">
+              <a14:hiddenFill xmlns:a14="http://schemas.microsoft.com/office/drawing/2010/main">
+                <a:solidFill>
+                  <a:srgbClr val="333333"/>
+                </a:solidFill>
+              </a14:hiddenFill>
+            </a:ext>
+            <a:ext uri="{91240B29-F687-4F45-9708-019B960494DF}">
+              <a14:hiddenLine xmlns:a14="http://schemas.microsoft.com/office/drawing/2010/main" w="9525">
+                <a:solidFill>
+                  <a:srgbClr val="333333"/>
+                </a:solidFill>
+                <a:miter lim="800000"/>
+                <a:headEnd/>
+                <a:tailEnd/>
+              </a14:hiddenLine>
+            </a:ext>
+            <a:ext uri="{AF507438-7753-43E0-B8FC-AC1667EBCBE1}">
+              <a14:hiddenEffects xmlns:a14="http://schemas.microsoft.com/office/drawing/2010/main">
+                <a:effectLst>
+                  <a:outerShdw dist="35921" dir="2700000" algn="ctr" rotWithShape="0">
+                    <a:schemeClr val="bg2"/>
+                  </a:outerShdw>
+                </a:effectLst>
+              </a14:hiddenEffects>
+            </a:ext>
+          </a:extLst>
+        </p:spPr>
+        <p:txBody>
+          <a:bodyPr wrap="none"/>
+          <a:lstStyle/>
+          <a:p>
+            <a:endParaRPr lang="en-US" altLang="nl-BE" sz="1200" dirty="0">
+              <a:solidFill>
+                <a:srgbClr val="333333"/>
+              </a:solidFill>
+              <a:latin typeface="Verdana" panose="020B0604030504040204" pitchFamily="34" charset="0"/>
+            </a:endParaRPr>
+          </a:p>
+        </p:txBody>
+      </p:sp>
+      <p:sp>
+        <p:nvSpPr>
+          <p:cNvPr id="36" name="Rectangle 7">
+            <a:extLst>
+              <a:ext uri="{FF2B5EF4-FFF2-40B4-BE49-F238E27FC236}">
+                <a16:creationId xmlns:a16="http://schemas.microsoft.com/office/drawing/2014/main" id="{E522FAAD-4C4E-A54F-A8AD-49240F449D94}"/>
+              </a:ext>
+            </a:extLst>
+          </p:cNvPr>
+          <p:cNvSpPr>
+            <a:spLocks noChangeArrowheads="1"/>
+          </p:cNvSpPr>
+          <p:nvPr/>
+        </p:nvSpPr>
+        <p:spPr bwMode="auto">
+          <a:xfrm>
+            <a:off x="6946320" y="1901580"/>
+            <a:ext cx="4940880" cy="1018404"/>
+          </a:xfrm>
+          <a:prstGeom prst="rect">
+            <a:avLst/>
+          </a:prstGeom>
+          <a:noFill/>
+          <a:ln w="9525">
+            <a:solidFill>
+              <a:srgbClr val="333333"/>
+            </a:solidFill>
+            <a:miter lim="800000"/>
+            <a:headEnd/>
+            <a:tailEnd/>
+          </a:ln>
+          <a:effectLst/>
+          <a:extLst>
+            <a:ext uri="{909E8E84-426E-40DD-AFC4-6F175D3DCCD1}">
+              <a14:hiddenFill xmlns:a14="http://schemas.microsoft.com/office/drawing/2010/main">
+                <a:solidFill>
+                  <a:schemeClr val="accent1"/>
+                </a:solidFill>
+              </a14:hiddenFill>
+            </a:ext>
+            <a:ext uri="{AF507438-7753-43E0-B8FC-AC1667EBCBE1}">
+              <a14:hiddenEffects xmlns:a14="http://schemas.microsoft.com/office/drawing/2010/main">
+                <a:effectLst>
+                  <a:outerShdw dist="35921" dir="2700000" algn="ctr" rotWithShape="0">
+                    <a:schemeClr val="bg2"/>
+                  </a:outerShdw>
+                </a:effectLst>
+              </a14:hiddenEffects>
+            </a:ext>
+          </a:extLst>
+        </p:spPr>
+        <p:txBody>
+          <a:bodyPr wrap="none" anchor="ctr"/>
+          <a:lstStyle/>
+          <a:p>
+            <a:endParaRPr lang="nl-BE"/>
+          </a:p>
+        </p:txBody>
+      </p:sp>
+      <p:sp>
+        <p:nvSpPr>
+          <p:cNvPr id="37" name="Rectangle 8">
+            <a:extLst>
+              <a:ext uri="{FF2B5EF4-FFF2-40B4-BE49-F238E27FC236}">
+                <a16:creationId xmlns:a16="http://schemas.microsoft.com/office/drawing/2014/main" id="{27D7948D-3EDF-A9AD-5576-B7B4C9037342}"/>
+              </a:ext>
+            </a:extLst>
+          </p:cNvPr>
+          <p:cNvSpPr>
+            <a:spLocks noChangeArrowheads="1"/>
+          </p:cNvSpPr>
+          <p:nvPr/>
+        </p:nvSpPr>
+        <p:spPr bwMode="auto">
+          <a:xfrm>
+            <a:off x="6946320" y="1901580"/>
+            <a:ext cx="4940880" cy="304800"/>
+          </a:xfrm>
+          <a:prstGeom prst="rect">
+            <a:avLst/>
+          </a:prstGeom>
+          <a:solidFill>
+            <a:schemeClr val="tx2">
+              <a:lumMod val="75000"/>
+            </a:schemeClr>
+          </a:solidFill>
+          <a:ln w="9525">
+            <a:solidFill>
+              <a:srgbClr val="333333"/>
+            </a:solidFill>
+            <a:miter lim="800000"/>
+            <a:headEnd/>
+            <a:tailEnd/>
+          </a:ln>
+          <a:effectLst/>
+        </p:spPr>
+        <p:txBody>
+          <a:bodyPr wrap="none" anchor="ctr"/>
+          <a:lstStyle/>
+          <a:p>
+            <a:r>
+              <a:rPr lang="en-US" altLang="nl-BE" sz="1400" b="1" dirty="0" err="1">
+                <a:solidFill>
+                  <a:schemeClr val="bg1"/>
+                </a:solidFill>
+                <a:latin typeface="Verdana" panose="020B0604030504040204" pitchFamily="34" charset="0"/>
+              </a:rPr>
+              <a:t>Lopende</a:t>
+            </a:r>
+            <a:r>
+              <a:rPr lang="en-US" altLang="nl-BE" sz="1400" b="1" dirty="0">
+                <a:solidFill>
+                  <a:schemeClr val="bg1"/>
+                </a:solidFill>
+                <a:latin typeface="Verdana" panose="020B0604030504040204" pitchFamily="34" charset="0"/>
+              </a:rPr>
+              <a:t> </a:t>
+            </a:r>
+            <a:r>
+              <a:rPr lang="en-US" altLang="nl-BE" sz="1400" b="1" dirty="0" err="1">
+                <a:solidFill>
+                  <a:schemeClr val="bg1"/>
+                </a:solidFill>
+                <a:latin typeface="Verdana" panose="020B0604030504040204" pitchFamily="34" charset="0"/>
+              </a:rPr>
+              <a:t>acties</a:t>
+            </a:r>
+            <a:r>
+              <a:rPr lang="en-US" altLang="nl-BE" sz="1400" b="1" dirty="0">
+                <a:solidFill>
+                  <a:schemeClr val="bg1"/>
+                </a:solidFill>
+                <a:latin typeface="Verdana" panose="020B0604030504040204" pitchFamily="34" charset="0"/>
+              </a:rPr>
+              <a:t> – </a:t>
+            </a:r>
+            <a:r>
+              <a:rPr lang="en-US" altLang="nl-BE" sz="1400" b="1" dirty="0" err="1">
+                <a:solidFill>
+                  <a:schemeClr val="bg1"/>
+                </a:solidFill>
+                <a:latin typeface="Verdana" panose="020B0604030504040204" pitchFamily="34" charset="0"/>
+              </a:rPr>
+              <a:t>volgende</a:t>
+            </a:r>
+            <a:r>
+              <a:rPr lang="en-US" altLang="nl-BE" sz="1400" b="1" dirty="0">
+                <a:solidFill>
+                  <a:schemeClr val="bg1"/>
+                </a:solidFill>
+                <a:latin typeface="Verdana" panose="020B0604030504040204" pitchFamily="34" charset="0"/>
+              </a:rPr>
+              <a:t> </a:t>
+            </a:r>
+            <a:r>
+              <a:rPr lang="en-US" altLang="nl-BE" sz="1400" b="1" dirty="0" err="1">
+                <a:solidFill>
+                  <a:schemeClr val="bg1"/>
+                </a:solidFill>
+                <a:latin typeface="Verdana" panose="020B0604030504040204" pitchFamily="34" charset="0"/>
+              </a:rPr>
+              <a:t>stappen</a:t>
+            </a:r>
+            <a:endParaRPr lang="en-US" altLang="nl-BE" sz="1400" b="1" dirty="0">
+              <a:solidFill>
+                <a:schemeClr val="bg1"/>
+              </a:solidFill>
+              <a:latin typeface="Verdana" panose="020B0604030504040204" pitchFamily="34" charset="0"/>
+            </a:endParaRPr>
+          </a:p>
+        </p:txBody>
+      </p:sp>
+      <p:sp>
+        <p:nvSpPr>
+          <p:cNvPr id="38" name="Rectangle 20">
+            <a:extLst>
+              <a:ext uri="{FF2B5EF4-FFF2-40B4-BE49-F238E27FC236}">
+                <a16:creationId xmlns:a16="http://schemas.microsoft.com/office/drawing/2014/main" id="{2728EF24-94C7-6A18-7240-28E5437CB6DC}"/>
+              </a:ext>
+            </a:extLst>
+          </p:cNvPr>
+          <p:cNvSpPr>
+            <a:spLocks noChangeArrowheads="1"/>
+          </p:cNvSpPr>
+          <p:nvPr/>
+        </p:nvSpPr>
+        <p:spPr bwMode="auto">
+          <a:xfrm>
+            <a:off x="6946320" y="2206380"/>
+            <a:ext cx="4940880" cy="713604"/>
+          </a:xfrm>
+          <a:prstGeom prst="rect">
+            <a:avLst/>
+          </a:prstGeom>
+          <a:noFill/>
+          <a:ln>
+            <a:noFill/>
+          </a:ln>
+          <a:effectLst/>
+          <a:extLst>
+            <a:ext uri="{909E8E84-426E-40DD-AFC4-6F175D3DCCD1}">
+              <a14:hiddenFill xmlns:a14="http://schemas.microsoft.com/office/drawing/2010/main">
+                <a:solidFill>
+                  <a:srgbClr val="333333"/>
+                </a:solidFill>
+              </a14:hiddenFill>
+            </a:ext>
+            <a:ext uri="{91240B29-F687-4F45-9708-019B960494DF}">
+              <a14:hiddenLine xmlns:a14="http://schemas.microsoft.com/office/drawing/2010/main" w="9525">
+                <a:solidFill>
+                  <a:srgbClr val="333333"/>
+                </a:solidFill>
+                <a:miter lim="800000"/>
+                <a:headEnd/>
+                <a:tailEnd/>
+              </a14:hiddenLine>
+            </a:ext>
+            <a:ext uri="{AF507438-7753-43E0-B8FC-AC1667EBCBE1}">
+              <a14:hiddenEffects xmlns:a14="http://schemas.microsoft.com/office/drawing/2010/main">
+                <a:effectLst>
+                  <a:outerShdw dist="35921" dir="2700000" algn="ctr" rotWithShape="0">
+                    <a:schemeClr val="bg2"/>
+                  </a:outerShdw>
+                </a:effectLst>
+              </a14:hiddenEffects>
+            </a:ext>
+          </a:extLst>
+        </p:spPr>
+        <p:txBody>
+          <a:bodyPr wrap="none"/>
+          <a:lstStyle/>
+          <a:p>
+            <a:endParaRPr lang="en-US" altLang="nl-BE" sz="1200" dirty="0">
+              <a:solidFill>
+                <a:srgbClr val="333333"/>
+              </a:solidFill>
+              <a:latin typeface="Verdana" panose="020B0604030504040204" pitchFamily="34" charset="0"/>
+            </a:endParaRPr>
+          </a:p>
+        </p:txBody>
+      </p:sp>
+      <p:sp>
+        <p:nvSpPr>
+          <p:cNvPr id="6" name="Rectangle 20">
+            <a:extLst>
+              <a:ext uri="{FF2B5EF4-FFF2-40B4-BE49-F238E27FC236}">
+                <a16:creationId xmlns:a16="http://schemas.microsoft.com/office/drawing/2014/main" id="{36B2768F-C43F-065E-FE5D-C9B16EAEA476}"/>
+              </a:ext>
+            </a:extLst>
+          </p:cNvPr>
+          <p:cNvSpPr>
+            <a:spLocks noChangeArrowheads="1"/>
+          </p:cNvSpPr>
+          <p:nvPr/>
+        </p:nvSpPr>
+        <p:spPr bwMode="auto">
+          <a:xfrm>
+            <a:off x="6940800" y="1000518"/>
+            <a:ext cx="4946400" cy="713604"/>
+          </a:xfrm>
+          <a:prstGeom prst="rect">
+            <a:avLst/>
+          </a:prstGeom>
+          <a:noFill/>
+          <a:ln>
+            <a:noFill/>
+          </a:ln>
+          <a:effectLst/>
+          <a:extLst>
+            <a:ext uri="{909E8E84-426E-40DD-AFC4-6F175D3DCCD1}">
+              <a14:hiddenFill xmlns:a14="http://schemas.microsoft.com/office/drawing/2010/main">
+                <a:solidFill>
+                  <a:srgbClr val="333333"/>
+                </a:solidFill>
+              </a14:hiddenFill>
+            </a:ext>
+            <a:ext uri="{91240B29-F687-4F45-9708-019B960494DF}">
+              <a14:hiddenLine xmlns:a14="http://schemas.microsoft.com/office/drawing/2010/main" w="9525">
+                <a:solidFill>
+                  <a:srgbClr val="333333"/>
+                </a:solidFill>
+                <a:miter lim="800000"/>
+                <a:headEnd/>
+                <a:tailEnd/>
+              </a14:hiddenLine>
+            </a:ext>
+            <a:ext uri="{AF507438-7753-43E0-B8FC-AC1667EBCBE1}">
+              <a14:hiddenEffects xmlns:a14="http://schemas.microsoft.com/office/drawing/2010/main">
+                <a:effectLst>
+                  <a:outerShdw dist="35921" dir="2700000" algn="ctr" rotWithShape="0">
+                    <a:schemeClr val="bg2"/>
+                  </a:outerShdw>
+                </a:effectLst>
+              </a14:hiddenEffects>
+            </a:ext>
+          </a:extLst>
+        </p:spPr>
+        <p:txBody>
+          <a:bodyPr wrap="none"/>
+          <a:lstStyle/>
+          <a:p>
+            <a:pPr>
+              <a:buFontTx/>
+              <a:buChar char="•"/>
+            </a:pPr>
+            <a:r>
+              <a:rPr lang="en-US" altLang="nl-BE" sz="1200" dirty="0">
+                <a:solidFill>
+                  <a:srgbClr val="333333"/>
+                </a:solidFill>
+                <a:latin typeface="Verdana" panose="020B0604030504040204" pitchFamily="34" charset="0"/>
+              </a:rPr>
+              <a:t> Interim report</a:t>
+            </a:r>
+          </a:p>
+        </p:txBody>
+      </p:sp>
+    </p:spTree>
+    <p:extLst>
+      <p:ext uri="{BB962C8B-B14F-4D97-AF65-F5344CB8AC3E}">
+        <p14:creationId xmlns:p14="http://schemas.microsoft.com/office/powerpoint/2010/main" val="541358132"/>
       </p:ext>
     </p:extLst>
   </p:cSld>

--- a/logboek_ESAT9A1.pptx
+++ b/logboek_ESAT9A1.pptx
@@ -281,7 +281,7 @@
           <a:p>
             <a:fld id="{E152A6D4-CD3D-5148-8B70-A84796F20135}" type="slidenum">
               <a:rPr lang="nl-NL" smtClean="0"/>
-              <a:t>‹#›</a:t>
+              <a:t>‹nr.›</a:t>
             </a:fld>
             <a:endParaRPr lang="nl-NL"/>
           </a:p>
@@ -538,7 +538,7 @@
           <a:p>
             <a:fld id="{8954E32A-327F-AF4B-8E1F-209FBF93D26D}" type="slidenum">
               <a:rPr lang="nl-NL" smtClean="0"/>
-              <a:t>‹#›</a:t>
+              <a:t>‹nr.›</a:t>
             </a:fld>
             <a:endParaRPr lang="nl-NL"/>
           </a:p>
@@ -1414,7 +1414,7 @@
           <a:p>
             <a:fld id="{CF179DAE-D0A6-40C3-B8BC-6A97C268D03A}" type="slidenum">
               <a:rPr lang="nl-NL" smtClean="0"/>
-              <a:t>‹#›</a:t>
+              <a:t>‹nr.›</a:t>
             </a:fld>
             <a:endParaRPr lang="nl-NL"/>
           </a:p>
@@ -1697,7 +1697,7 @@
           <a:p>
             <a:fld id="{CF179DAE-D0A6-40C3-B8BC-6A97C268D03A}" type="slidenum">
               <a:rPr lang="nl-NL" smtClean="0"/>
-              <a:t>‹#›</a:t>
+              <a:t>‹nr.›</a:t>
             </a:fld>
             <a:endParaRPr lang="nl-NL"/>
           </a:p>
@@ -2027,7 +2027,7 @@
           <a:p>
             <a:fld id="{0A297500-7527-634B-90F4-69D0994C32B4}" type="slidenum">
               <a:rPr lang="nl-NL" smtClean="0"/>
-              <a:t>‹#›</a:t>
+              <a:t>‹nr.›</a:t>
             </a:fld>
             <a:endParaRPr lang="nl-NL"/>
           </a:p>
@@ -2347,7 +2347,7 @@
           <a:p>
             <a:fld id="{0A297500-7527-634B-90F4-69D0994C32B4}" type="slidenum">
               <a:rPr lang="nl-NL" smtClean="0"/>
-              <a:t>‹#›</a:t>
+              <a:t>‹nr.›</a:t>
             </a:fld>
             <a:endParaRPr lang="nl-NL"/>
           </a:p>
@@ -2668,7 +2668,7 @@
           <a:p>
             <a:fld id="{0A297500-7527-634B-90F4-69D0994C32B4}" type="slidenum">
               <a:rPr lang="nl-NL" smtClean="0"/>
-              <a:t>‹#›</a:t>
+              <a:t>‹nr.›</a:t>
             </a:fld>
             <a:endParaRPr lang="nl-NL"/>
           </a:p>
@@ -2810,7 +2810,7 @@
           <a:p>
             <a:fld id="{0A297500-7527-634B-90F4-69D0994C32B4}" type="slidenum">
               <a:rPr lang="nl-NL" smtClean="0"/>
-              <a:t>‹#›</a:t>
+              <a:t>‹nr.›</a:t>
             </a:fld>
             <a:endParaRPr lang="nl-NL"/>
           </a:p>
@@ -3294,7 +3294,7 @@
           <a:p>
             <a:fld id="{0A297500-7527-634B-90F4-69D0994C32B4}" type="slidenum">
               <a:rPr lang="nl-NL" smtClean="0"/>
-              <a:t>‹#›</a:t>
+              <a:t>‹nr.›</a:t>
             </a:fld>
             <a:endParaRPr lang="nl-NL"/>
           </a:p>
@@ -3415,7 +3415,7 @@
           <a:p>
             <a:fld id="{0A297500-7527-634B-90F4-69D0994C32B4}" type="slidenum">
               <a:rPr lang="nl-NL" smtClean="0"/>
-              <a:t>‹#›</a:t>
+              <a:t>‹nr.›</a:t>
             </a:fld>
             <a:endParaRPr lang="nl-NL"/>
           </a:p>
@@ -3536,7 +3536,7 @@
           <a:p>
             <a:fld id="{0A297500-7527-634B-90F4-69D0994C32B4}" type="slidenum">
               <a:rPr lang="nl-NL" smtClean="0"/>
-              <a:t>‹#›</a:t>
+              <a:t>‹nr.›</a:t>
             </a:fld>
             <a:endParaRPr lang="nl-NL"/>
           </a:p>
@@ -3718,7 +3718,7 @@
           <a:p>
             <a:fld id="{0A297500-7527-634B-90F4-69D0994C32B4}" type="slidenum">
               <a:rPr lang="nl-NL" smtClean="0"/>
-              <a:t>‹#›</a:t>
+              <a:t>‹nr.›</a:t>
             </a:fld>
             <a:endParaRPr lang="nl-NL"/>
           </a:p>
@@ -4038,7 +4038,7 @@
             <a:fld id="{0A297500-7527-634B-90F4-69D0994C32B4}" type="slidenum">
               <a:rPr lang="nl-NL" smtClean="0"/>
               <a:pPr/>
-              <a:t>‹#›</a:t>
+              <a:t>‹nr.›</a:t>
             </a:fld>
             <a:endParaRPr lang="nl-NL" dirty="0"/>
           </a:p>
@@ -4679,7 +4679,7 @@
             <a:fld id="{0A297500-7527-634B-90F4-69D0994C32B4}" type="slidenum">
               <a:rPr lang="nl-NL" smtClean="0"/>
               <a:pPr/>
-              <a:t>‹#›</a:t>
+              <a:t>‹nr.›</a:t>
             </a:fld>
             <a:endParaRPr lang="nl-NL" dirty="0"/>
           </a:p>
@@ -9352,7 +9352,7 @@
         </p:nvSpPr>
         <p:spPr>
           <a:xfrm>
-            <a:off x="576000" y="134978"/>
+            <a:off x="576000" y="41672"/>
             <a:ext cx="11041200" cy="1152000"/>
           </a:xfrm>
         </p:spPr>
@@ -9496,7 +9496,7 @@
         <p:spPr bwMode="auto">
           <a:xfrm>
             <a:off x="576000" y="1669941"/>
-            <a:ext cx="4940880" cy="713604"/>
+            <a:ext cx="4940880" cy="1498664"/>
           </a:xfrm>
           <a:prstGeom prst="rect">
             <a:avLst/>
@@ -9565,8 +9565,101 @@
                 </a:solidFill>
                 <a:latin typeface="Verdana" panose="020B0604030504040204" pitchFamily="34" charset="0"/>
               </a:rPr>
-              <a:t> Report</a:t>
-            </a:r>
+              <a:t> Speech detection refining (SDR)</a:t>
+            </a:r>
+          </a:p>
+          <a:p>
+            <a:pPr>
+              <a:buFontTx/>
+              <a:buChar char="•"/>
+            </a:pPr>
+            <a:r>
+              <a:rPr lang="en-US" altLang="nl-BE" sz="1200" dirty="0">
+                <a:solidFill>
+                  <a:srgbClr val="333333"/>
+                </a:solidFill>
+                <a:latin typeface="Verdana" panose="020B0604030504040204" pitchFamily="34" charset="0"/>
+              </a:rPr>
+              <a:t> Combining the codes</a:t>
+            </a:r>
+          </a:p>
+          <a:p>
+            <a:pPr>
+              <a:buFontTx/>
+              <a:buChar char="•"/>
+            </a:pPr>
+            <a:r>
+              <a:rPr lang="en-US" altLang="nl-BE" sz="1200" dirty="0">
+                <a:solidFill>
+                  <a:srgbClr val="333333"/>
+                </a:solidFill>
+                <a:latin typeface="Verdana" panose="020B0604030504040204" pitchFamily="34" charset="0"/>
+              </a:rPr>
+              <a:t> </a:t>
+            </a:r>
+            <a:r>
+              <a:rPr lang="en-US" altLang="nl-BE" sz="1200" dirty="0" err="1">
+                <a:solidFill>
+                  <a:srgbClr val="333333"/>
+                </a:solidFill>
+                <a:latin typeface="Verdana" panose="020B0604030504040204" pitchFamily="34" charset="0"/>
+              </a:rPr>
+              <a:t>Dlib</a:t>
+            </a:r>
+            <a:r>
+              <a:rPr lang="en-US" altLang="nl-BE" sz="1200" dirty="0">
+                <a:solidFill>
+                  <a:srgbClr val="333333"/>
+                </a:solidFill>
+                <a:latin typeface="Verdana" panose="020B0604030504040204" pitchFamily="34" charset="0"/>
+              </a:rPr>
+              <a:t> – </a:t>
+            </a:r>
+            <a:r>
+              <a:rPr lang="en-US" altLang="nl-BE" sz="1200" dirty="0" err="1">
+                <a:solidFill>
+                  <a:srgbClr val="333333"/>
+                </a:solidFill>
+                <a:latin typeface="Verdana" panose="020B0604030504040204" pitchFamily="34" charset="0"/>
+              </a:rPr>
+              <a:t>Haar</a:t>
+            </a:r>
+            <a:r>
+              <a:rPr lang="en-US" altLang="nl-BE" sz="1200" dirty="0">
+                <a:solidFill>
+                  <a:srgbClr val="333333"/>
+                </a:solidFill>
+                <a:latin typeface="Verdana" panose="020B0604030504040204" pitchFamily="34" charset="0"/>
+              </a:rPr>
+              <a:t> Cascades comparison</a:t>
+            </a:r>
+          </a:p>
+          <a:p>
+            <a:pPr>
+              <a:buFontTx/>
+              <a:buChar char="•"/>
+            </a:pPr>
+            <a:r>
+              <a:rPr lang="en-US" altLang="nl-BE" sz="1200" dirty="0">
+                <a:solidFill>
+                  <a:srgbClr val="333333"/>
+                </a:solidFill>
+                <a:latin typeface="Verdana" panose="020B0604030504040204" pitchFamily="34" charset="0"/>
+              </a:rPr>
+              <a:t> Face tracking </a:t>
+            </a:r>
+          </a:p>
+          <a:p>
+            <a:pPr>
+              <a:buFontTx/>
+              <a:buChar char="•"/>
+            </a:pPr>
+            <a:endParaRPr lang="en-US" altLang="nl-BE" sz="1200" dirty="0">
+              <a:solidFill>
+                <a:srgbClr val="333333"/>
+              </a:solidFill>
+              <a:latin typeface="Verdana" panose="020B0604030504040204" pitchFamily="34" charset="0"/>
+            </a:endParaRPr>
           </a:p>
           <a:p>
             <a:pPr>
@@ -9597,7 +9690,7 @@
           <p:nvPr>
             <p:extLst>
               <p:ext uri="{D42A27DB-BD31-4B8C-83A1-F6EECF244321}">
-                <p14:modId xmlns:p14="http://schemas.microsoft.com/office/powerpoint/2010/main" val="4073201200"/>
+                <p14:modId xmlns:p14="http://schemas.microsoft.com/office/powerpoint/2010/main" val="2363176621"/>
               </p:ext>
             </p:extLst>
           </p:nvPr>
@@ -9613,14 +9706,14 @@
                 <a:tableStyleId>{5C22544A-7EE6-4342-B048-85BDC9FD1C3A}</a:tableStyleId>
               </a:tblPr>
               <a:tblGrid>
-                <a:gridCol w="2261280">
+                <a:gridCol w="2115747">
                   <a:extLst>
                     <a:ext uri="{9D8B030D-6E8A-4147-A177-3AD203B41FA5}">
                       <a16:colId xmlns:a16="http://schemas.microsoft.com/office/drawing/2014/main" val="3222044758"/>
                     </a:ext>
                   </a:extLst>
                 </a:gridCol>
-                <a:gridCol w="2261280">
+                <a:gridCol w="2406813">
                   <a:extLst>
                     <a:ext uri="{9D8B030D-6E8A-4147-A177-3AD203B41FA5}">
                       <a16:colId xmlns:a16="http://schemas.microsoft.com/office/drawing/2014/main" val="23332546"/>
@@ -9823,11 +9916,70 @@
                     <a:bodyPr/>
                     <a:lstStyle/>
                     <a:p>
-                      <a:endParaRPr lang="nl-BE" dirty="0"/>
+                      <a:r>
+                        <a:rPr lang="nl-BE" dirty="0"/>
+                        <a:t>SDR</a:t>
+                      </a:r>
                     </a:p>
                   </a:txBody>
                   <a:tcPr/>
                 </a:tc>
+                <a:tc>
+                  <a:txBody>
+                    <a:bodyPr/>
+                    <a:lstStyle/>
+                    <a:p>
+                      <a:r>
+                        <a:rPr lang="nl-BE" dirty="0"/>
+                        <a:t>SDR</a:t>
+                      </a:r>
+                    </a:p>
+                  </a:txBody>
+                  <a:tcPr/>
+                </a:tc>
+                <a:tc>
+                  <a:txBody>
+                    <a:bodyPr/>
+                    <a:lstStyle/>
+                    <a:p>
+                      <a:r>
+                        <a:rPr lang="nl-BE" dirty="0"/>
+                        <a:t>SDR</a:t>
+                      </a:r>
+                    </a:p>
+                  </a:txBody>
+                  <a:tcPr/>
+                </a:tc>
+                <a:tc>
+                  <a:txBody>
+                    <a:bodyPr/>
+                    <a:lstStyle/>
+                    <a:p>
+                      <a:r>
+                        <a:rPr lang="nl-BE" dirty="0"/>
+                        <a:t>SDR</a:t>
+                      </a:r>
+                    </a:p>
+                  </a:txBody>
+                  <a:tcPr>
+                    <a:lnR w="12700" cap="flat" cmpd="sng" algn="ctr">
+                      <a:solidFill>
+                        <a:schemeClr val="tx1"/>
+                      </a:solidFill>
+                      <a:prstDash val="solid"/>
+                      <a:round/>
+                      <a:headEnd type="none" w="med" len="med"/>
+                      <a:tailEnd type="none" w="med" len="med"/>
+                    </a:lnR>
+                  </a:tcPr>
+                </a:tc>
+                <a:extLst>
+                  <a:ext uri="{0D108BD9-81ED-4DB2-BD59-A6C34878D82A}">
+                    <a16:rowId xmlns:a16="http://schemas.microsoft.com/office/drawing/2014/main" val="4272612081"/>
+                  </a:ext>
+                </a:extLst>
+              </a:tr>
+              <a:tr h="370840">
                 <a:tc>
                   <a:txBody>
                     <a:bodyPr/>
@@ -9850,10 +10002,28 @@
                         <a:tabLst/>
                         <a:defRPr/>
                       </a:pPr>
+                      <a:r>
+                        <a:rPr lang="nl-BE" dirty="0"/>
+                        <a:t>Kasper </a:t>
+                      </a:r>
+                      <a:r>
+                        <a:rPr lang="nl-BE" dirty="0" err="1"/>
+                        <a:t>Dumoulin</a:t>
+                      </a:r>
                       <a:endParaRPr lang="nl-BE" dirty="0"/>
                     </a:p>
                   </a:txBody>
-                  <a:tcPr/>
+                  <a:tcPr>
+                    <a:lnL w="12700" cap="flat" cmpd="sng" algn="ctr">
+                      <a:solidFill>
+                        <a:schemeClr val="tx1"/>
+                      </a:solidFill>
+                      <a:prstDash val="solid"/>
+                      <a:round/>
+                      <a:headEnd type="none" w="med" len="med"/>
+                      <a:tailEnd type="none" w="med" len="med"/>
+                    </a:lnL>
+                  </a:tcPr>
                 </a:tc>
                 <a:tc>
                   <a:txBody>
@@ -9877,7 +10047,22 @@
                         <a:tabLst/>
                         <a:defRPr/>
                       </a:pPr>
-                      <a:endParaRPr lang="nl-BE" dirty="0"/>
+                      <a:r>
+                        <a:rPr lang="nl-BE" dirty="0" err="1"/>
+                        <a:t>Looking</a:t>
+                      </a:r>
+                      <a:r>
+                        <a:rPr lang="nl-BE" dirty="0"/>
+                        <a:t> </a:t>
+                      </a:r>
+                      <a:r>
+                        <a:rPr lang="nl-BE" dirty="0" err="1"/>
+                        <a:t>for</a:t>
+                      </a:r>
+                      <a:r>
+                        <a:rPr lang="nl-BE" dirty="0"/>
+                        <a:t> hardware</a:t>
+                      </a:r>
                     </a:p>
                   </a:txBody>
                   <a:tcPr/>
@@ -9904,28 +10089,26 @@
                         <a:tabLst/>
                         <a:defRPr/>
                       </a:pPr>
-                      <a:endParaRPr lang="nl-BE" dirty="0"/>
-                    </a:p>
-                  </a:txBody>
-                  <a:tcPr>
-                    <a:lnR w="12700" cap="flat" cmpd="sng" algn="ctr">
-                      <a:solidFill>
-                        <a:schemeClr val="tx1"/>
-                      </a:solidFill>
-                      <a:prstDash val="solid"/>
-                      <a:round/>
-                      <a:headEnd type="none" w="med" len="med"/>
-                      <a:tailEnd type="none" w="med" len="med"/>
-                    </a:lnR>
-                  </a:tcPr>
-                </a:tc>
-                <a:extLst>
-                  <a:ext uri="{0D108BD9-81ED-4DB2-BD59-A6C34878D82A}">
-                    <a16:rowId xmlns:a16="http://schemas.microsoft.com/office/drawing/2014/main" val="4272612081"/>
-                  </a:ext>
-                </a:extLst>
-              </a:tr>
-              <a:tr h="370840">
+                      <a:r>
+                        <a:rPr lang="nl-BE" dirty="0" err="1"/>
+                        <a:t>Dlib</a:t>
+                      </a:r>
+                      <a:r>
+                        <a:rPr lang="nl-BE" dirty="0"/>
+                        <a:t> </a:t>
+                      </a:r>
+                      <a:r>
+                        <a:rPr lang="nl-BE" dirty="0" err="1"/>
+                        <a:t>vs</a:t>
+                      </a:r>
+                      <a:r>
+                        <a:rPr lang="nl-BE" dirty="0"/>
+                        <a:t> Haar C.</a:t>
+                      </a:r>
+                    </a:p>
+                  </a:txBody>
+                  <a:tcPr/>
+                </a:tc>
                 <a:tc>
                   <a:txBody>
                     <a:bodyPr/>
@@ -9949,18 +10132,39 @@
                         <a:defRPr/>
                       </a:pPr>
                       <a:r>
-                        <a:rPr lang="nl-BE" dirty="0"/>
-                        <a:t>Kasper </a:t>
-                      </a:r>
-                      <a:r>
                         <a:rPr lang="nl-BE" dirty="0" err="1"/>
-                        <a:t>Dumoulin</a:t>
+                        <a:t>Dlib</a:t>
+                      </a:r>
+                      <a:r>
+                        <a:rPr lang="nl-BE" dirty="0"/>
+                        <a:t> </a:t>
+                      </a:r>
+                      <a:r>
+                        <a:rPr lang="nl-BE" dirty="0" err="1"/>
+                        <a:t>vs</a:t>
+                      </a:r>
+                      <a:r>
+                        <a:rPr lang="nl-BE" dirty="0"/>
+                        <a:t> Haar C.</a:t>
+                      </a:r>
+                    </a:p>
+                  </a:txBody>
+                  <a:tcPr/>
+                </a:tc>
+                <a:tc>
+                  <a:txBody>
+                    <a:bodyPr/>
+                    <a:lstStyle/>
+                    <a:p>
+                      <a:r>
+                        <a:rPr lang="nl-BE" dirty="0" err="1"/>
+                        <a:t>Testing</a:t>
                       </a:r>
                       <a:endParaRPr lang="nl-BE" dirty="0"/>
                     </a:p>
                   </a:txBody>
                   <a:tcPr>
-                    <a:lnL w="12700" cap="flat" cmpd="sng" algn="ctr">
+                    <a:lnR w="12700" cap="flat" cmpd="sng" algn="ctr">
                       <a:solidFill>
                         <a:schemeClr val="tx1"/>
                       </a:solidFill>
@@ -9968,9 +10172,16 @@
                       <a:round/>
                       <a:headEnd type="none" w="med" len="med"/>
                       <a:tailEnd type="none" w="med" len="med"/>
-                    </a:lnL>
+                    </a:lnR>
                   </a:tcPr>
                 </a:tc>
+                <a:extLst>
+                  <a:ext uri="{0D108BD9-81ED-4DB2-BD59-A6C34878D82A}">
+                    <a16:rowId xmlns:a16="http://schemas.microsoft.com/office/drawing/2014/main" val="2535650466"/>
+                  </a:ext>
+                </a:extLst>
+              </a:tr>
+              <a:tr h="370840">
                 <a:tc>
                   <a:txBody>
                     <a:bodyPr/>
@@ -9993,10 +10204,23 @@
                         <a:tabLst/>
                         <a:defRPr/>
                       </a:pPr>
-                      <a:endParaRPr lang="nl-BE" dirty="0"/>
-                    </a:p>
-                  </a:txBody>
-                  <a:tcPr/>
+                      <a:r>
+                        <a:rPr lang="nl-BE" dirty="0"/>
+                        <a:t>Mauro Janssens</a:t>
+                      </a:r>
+                    </a:p>
+                  </a:txBody>
+                  <a:tcPr>
+                    <a:lnL w="12700" cap="flat" cmpd="sng" algn="ctr">
+                      <a:solidFill>
+                        <a:schemeClr val="tx1"/>
+                      </a:solidFill>
+                      <a:prstDash val="solid"/>
+                      <a:round/>
+                      <a:headEnd type="none" w="med" len="med"/>
+                      <a:tailEnd type="none" w="med" len="med"/>
+                    </a:lnL>
+                  </a:tcPr>
                 </a:tc>
                 <a:tc>
                   <a:txBody>
@@ -10020,48 +10244,15 @@
                         <a:tabLst/>
                         <a:defRPr/>
                       </a:pPr>
+                      <a:r>
+                        <a:rPr lang="nl-BE" dirty="0" err="1"/>
+                        <a:t>Combining</a:t>
+                      </a:r>
                       <a:endParaRPr lang="nl-BE" dirty="0"/>
                     </a:p>
                   </a:txBody>
                   <a:tcPr/>
                 </a:tc>
-                <a:tc>
-                  <a:txBody>
-                    <a:bodyPr/>
-                    <a:lstStyle/>
-                    <a:p>
-                      <a:endParaRPr lang="nl-BE" dirty="0"/>
-                    </a:p>
-                  </a:txBody>
-                  <a:tcPr/>
-                </a:tc>
-                <a:tc>
-                  <a:txBody>
-                    <a:bodyPr/>
-                    <a:lstStyle/>
-                    <a:p>
-                      <a:endParaRPr lang="nl-BE" dirty="0"/>
-                    </a:p>
-                  </a:txBody>
-                  <a:tcPr>
-                    <a:lnR w="12700" cap="flat" cmpd="sng" algn="ctr">
-                      <a:solidFill>
-                        <a:schemeClr val="tx1"/>
-                      </a:solidFill>
-                      <a:prstDash val="solid"/>
-                      <a:round/>
-                      <a:headEnd type="none" w="med" len="med"/>
-                      <a:tailEnd type="none" w="med" len="med"/>
-                    </a:lnR>
-                  </a:tcPr>
-                </a:tc>
-                <a:extLst>
-                  <a:ext uri="{0D108BD9-81ED-4DB2-BD59-A6C34878D82A}">
-                    <a16:rowId xmlns:a16="http://schemas.microsoft.com/office/drawing/2014/main" val="2535650466"/>
-                  </a:ext>
-                </a:extLst>
-              </a:tr>
-              <a:tr h="370840">
                 <a:tc>
                   <a:txBody>
                     <a:bodyPr/>
@@ -10085,13 +10276,42 @@
                         <a:defRPr/>
                       </a:pPr>
                       <a:r>
-                        <a:rPr lang="nl-BE" dirty="0"/>
-                        <a:t>Mauro Janssens</a:t>
-                      </a:r>
+                        <a:rPr lang="nl-BE" dirty="0" err="1"/>
+                        <a:t>Combining</a:t>
+                      </a:r>
+                      <a:endParaRPr lang="nl-BE" dirty="0"/>
+                    </a:p>
+                  </a:txBody>
+                  <a:tcPr/>
+                </a:tc>
+                <a:tc>
+                  <a:txBody>
+                    <a:bodyPr/>
+                    <a:lstStyle/>
+                    <a:p>
+                      <a:r>
+                        <a:rPr lang="nl-BE" dirty="0" err="1"/>
+                        <a:t>Combining</a:t>
+                      </a:r>
+                      <a:endParaRPr lang="nl-BE" dirty="0"/>
+                    </a:p>
+                  </a:txBody>
+                  <a:tcPr/>
+                </a:tc>
+                <a:tc>
+                  <a:txBody>
+                    <a:bodyPr/>
+                    <a:lstStyle/>
+                    <a:p>
+                      <a:r>
+                        <a:rPr lang="nl-BE" dirty="0" err="1"/>
+                        <a:t>Combining</a:t>
+                      </a:r>
+                      <a:endParaRPr lang="nl-BE" dirty="0"/>
                     </a:p>
                   </a:txBody>
                   <a:tcPr>
-                    <a:lnL w="12700" cap="flat" cmpd="sng" algn="ctr">
+                    <a:lnR w="12700" cap="flat" cmpd="sng" algn="ctr">
                       <a:solidFill>
                         <a:schemeClr val="tx1"/>
                       </a:solidFill>
@@ -10099,9 +10319,16 @@
                       <a:round/>
                       <a:headEnd type="none" w="med" len="med"/>
                       <a:tailEnd type="none" w="med" len="med"/>
-                    </a:lnL>
+                    </a:lnR>
                   </a:tcPr>
                 </a:tc>
+                <a:extLst>
+                  <a:ext uri="{0D108BD9-81ED-4DB2-BD59-A6C34878D82A}">
+                    <a16:rowId xmlns:a16="http://schemas.microsoft.com/office/drawing/2014/main" val="1056747163"/>
+                  </a:ext>
+                </a:extLst>
+              </a:tr>
+              <a:tr h="370840">
                 <a:tc>
                   <a:txBody>
                     <a:bodyPr/>
@@ -10124,10 +10351,23 @@
                         <a:tabLst/>
                         <a:defRPr/>
                       </a:pPr>
-                      <a:endParaRPr lang="nl-BE" dirty="0"/>
-                    </a:p>
-                  </a:txBody>
-                  <a:tcPr/>
+                      <a:r>
+                        <a:rPr lang="nl-BE" dirty="0"/>
+                        <a:t>Pepijn Haenen</a:t>
+                      </a:r>
+                    </a:p>
+                  </a:txBody>
+                  <a:tcPr>
+                    <a:lnL w="12700" cap="flat" cmpd="sng" algn="ctr">
+                      <a:solidFill>
+                        <a:schemeClr val="tx1"/>
+                      </a:solidFill>
+                      <a:prstDash val="solid"/>
+                      <a:round/>
+                      <a:headEnd type="none" w="med" len="med"/>
+                      <a:tailEnd type="none" w="med" len="med"/>
+                    </a:lnL>
+                  </a:tcPr>
                 </a:tc>
                 <a:tc>
                   <a:txBody>
@@ -10151,48 +10391,14 @@
                         <a:tabLst/>
                         <a:defRPr/>
                       </a:pPr>
-                      <a:endParaRPr lang="nl-BE" dirty="0"/>
+                      <a:r>
+                        <a:rPr lang="nl-BE" dirty="0"/>
+                        <a:t>Face tracking</a:t>
+                      </a:r>
                     </a:p>
                   </a:txBody>
                   <a:tcPr/>
                 </a:tc>
-                <a:tc>
-                  <a:txBody>
-                    <a:bodyPr/>
-                    <a:lstStyle/>
-                    <a:p>
-                      <a:endParaRPr lang="nl-BE" dirty="0"/>
-                    </a:p>
-                  </a:txBody>
-                  <a:tcPr/>
-                </a:tc>
-                <a:tc>
-                  <a:txBody>
-                    <a:bodyPr/>
-                    <a:lstStyle/>
-                    <a:p>
-                      <a:endParaRPr lang="nl-BE" dirty="0"/>
-                    </a:p>
-                  </a:txBody>
-                  <a:tcPr>
-                    <a:lnR w="12700" cap="flat" cmpd="sng" algn="ctr">
-                      <a:solidFill>
-                        <a:schemeClr val="tx1"/>
-                      </a:solidFill>
-                      <a:prstDash val="solid"/>
-                      <a:round/>
-                      <a:headEnd type="none" w="med" len="med"/>
-                      <a:tailEnd type="none" w="med" len="med"/>
-                    </a:lnR>
-                  </a:tcPr>
-                </a:tc>
-                <a:extLst>
-                  <a:ext uri="{0D108BD9-81ED-4DB2-BD59-A6C34878D82A}">
-                    <a16:rowId xmlns:a16="http://schemas.microsoft.com/office/drawing/2014/main" val="1056747163"/>
-                  </a:ext>
-                </a:extLst>
-              </a:tr>
-              <a:tr h="370840">
                 <a:tc>
                   <a:txBody>
                     <a:bodyPr/>
@@ -10217,12 +10423,38 @@
                       </a:pPr>
                       <a:r>
                         <a:rPr lang="nl-BE" dirty="0"/>
-                        <a:t>Pepijn Haenen</a:t>
+                        <a:t>Face tracking</a:t>
+                      </a:r>
+                    </a:p>
+                  </a:txBody>
+                  <a:tcPr/>
+                </a:tc>
+                <a:tc>
+                  <a:txBody>
+                    <a:bodyPr/>
+                    <a:lstStyle/>
+                    <a:p>
+                      <a:r>
+                        <a:rPr lang="nl-BE" dirty="0"/>
+                        <a:t>Face tracking</a:t>
+                      </a:r>
+                    </a:p>
+                  </a:txBody>
+                  <a:tcPr/>
+                </a:tc>
+                <a:tc>
+                  <a:txBody>
+                    <a:bodyPr/>
+                    <a:lstStyle/>
+                    <a:p>
+                      <a:r>
+                        <a:rPr lang="nl-BE" dirty="0"/>
+                        <a:t>Face tracking</a:t>
                       </a:r>
                     </a:p>
                   </a:txBody>
                   <a:tcPr>
-                    <a:lnL w="12700" cap="flat" cmpd="sng" algn="ctr">
+                    <a:lnR w="12700" cap="flat" cmpd="sng" algn="ctr">
                       <a:solidFill>
                         <a:schemeClr val="tx1"/>
                       </a:solidFill>
@@ -10230,9 +10462,16 @@
                       <a:round/>
                       <a:headEnd type="none" w="med" len="med"/>
                       <a:tailEnd type="none" w="med" len="med"/>
-                    </a:lnL>
+                    </a:lnR>
                   </a:tcPr>
                 </a:tc>
+                <a:extLst>
+                  <a:ext uri="{0D108BD9-81ED-4DB2-BD59-A6C34878D82A}">
+                    <a16:rowId xmlns:a16="http://schemas.microsoft.com/office/drawing/2014/main" val="4081416973"/>
+                  </a:ext>
+                </a:extLst>
+              </a:tr>
+              <a:tr h="370840">
                 <a:tc>
                   <a:txBody>
                     <a:bodyPr/>
@@ -10255,97 +10494,6 @@
                         <a:tabLst/>
                         <a:defRPr/>
                       </a:pPr>
-                      <a:endParaRPr lang="nl-BE" dirty="0"/>
-                    </a:p>
-                  </a:txBody>
-                  <a:tcPr/>
-                </a:tc>
-                <a:tc>
-                  <a:txBody>
-                    <a:bodyPr/>
-                    <a:lstStyle/>
-                    <a:p>
-                      <a:pPr marL="0" marR="0" lvl="0" indent="0" algn="l" defTabSz="914400" rtl="0" eaLnBrk="1" fontAlgn="auto" latinLnBrk="0" hangingPunct="1">
-                        <a:lnSpc>
-                          <a:spcPct val="100000"/>
-                        </a:lnSpc>
-                        <a:spcBef>
-                          <a:spcPts val="0"/>
-                        </a:spcBef>
-                        <a:spcAft>
-                          <a:spcPts val="0"/>
-                        </a:spcAft>
-                        <a:buClrTx/>
-                        <a:buSzTx/>
-                        <a:buFontTx/>
-                        <a:buNone/>
-                        <a:tabLst/>
-                        <a:defRPr/>
-                      </a:pPr>
-                      <a:endParaRPr lang="nl-BE" dirty="0"/>
-                    </a:p>
-                  </a:txBody>
-                  <a:tcPr/>
-                </a:tc>
-                <a:tc>
-                  <a:txBody>
-                    <a:bodyPr/>
-                    <a:lstStyle/>
-                    <a:p>
-                      <a:endParaRPr lang="nl-BE" dirty="0"/>
-                    </a:p>
-                  </a:txBody>
-                  <a:tcPr/>
-                </a:tc>
-                <a:tc>
-                  <a:txBody>
-                    <a:bodyPr/>
-                    <a:lstStyle/>
-                    <a:p>
-                      <a:endParaRPr lang="nl-BE" dirty="0"/>
-                    </a:p>
-                  </a:txBody>
-                  <a:tcPr>
-                    <a:lnR w="12700" cap="flat" cmpd="sng" algn="ctr">
-                      <a:solidFill>
-                        <a:schemeClr val="tx1"/>
-                      </a:solidFill>
-                      <a:prstDash val="solid"/>
-                      <a:round/>
-                      <a:headEnd type="none" w="med" len="med"/>
-                      <a:tailEnd type="none" w="med" len="med"/>
-                    </a:lnR>
-                  </a:tcPr>
-                </a:tc>
-                <a:extLst>
-                  <a:ext uri="{0D108BD9-81ED-4DB2-BD59-A6C34878D82A}">
-                    <a16:rowId xmlns:a16="http://schemas.microsoft.com/office/drawing/2014/main" val="4081416973"/>
-                  </a:ext>
-                </a:extLst>
-              </a:tr>
-              <a:tr h="370840">
-                <a:tc>
-                  <a:txBody>
-                    <a:bodyPr/>
-                    <a:lstStyle/>
-                    <a:p>
-                      <a:pPr marL="0" marR="0" lvl="0" indent="0" algn="l" defTabSz="914400" rtl="0" eaLnBrk="1" fontAlgn="auto" latinLnBrk="0" hangingPunct="1">
-                        <a:lnSpc>
-                          <a:spcPct val="100000"/>
-                        </a:lnSpc>
-                        <a:spcBef>
-                          <a:spcPts val="0"/>
-                        </a:spcBef>
-                        <a:spcAft>
-                          <a:spcPts val="0"/>
-                        </a:spcAft>
-                        <a:buClrTx/>
-                        <a:buSzTx/>
-                        <a:buFontTx/>
-                        <a:buNone/>
-                        <a:tabLst/>
-                        <a:defRPr/>
-                      </a:pPr>
                       <a:r>
                         <a:rPr lang="nl-BE" dirty="0"/>
                         <a:t>Philippe </a:t>
@@ -10374,24 +10522,10 @@
                     <a:bodyPr/>
                     <a:lstStyle/>
                     <a:p>
-                      <a:pPr marL="0" marR="0" lvl="0" indent="0" algn="l" defTabSz="914400" rtl="0" eaLnBrk="1" fontAlgn="auto" latinLnBrk="0" hangingPunct="1">
-                        <a:lnSpc>
-                          <a:spcPct val="100000"/>
-                        </a:lnSpc>
-                        <a:spcBef>
-                          <a:spcPts val="0"/>
-                        </a:spcBef>
-                        <a:spcAft>
-                          <a:spcPts val="0"/>
-                        </a:spcAft>
-                        <a:buClrTx/>
-                        <a:buSzTx/>
-                        <a:buFontTx/>
-                        <a:buNone/>
-                        <a:tabLst/>
-                        <a:defRPr/>
-                      </a:pPr>
-                      <a:endParaRPr lang="nl-BE" dirty="0"/>
+                      <a:r>
+                        <a:rPr lang="nl-BE" dirty="0"/>
+                        <a:t>SDR</a:t>
+                      </a:r>
                     </a:p>
                   </a:txBody>
                   <a:tcPr/>
@@ -10401,24 +10535,10 @@
                     <a:bodyPr/>
                     <a:lstStyle/>
                     <a:p>
-                      <a:pPr marL="0" marR="0" lvl="0" indent="0" algn="l" defTabSz="914400" rtl="0" eaLnBrk="1" fontAlgn="auto" latinLnBrk="0" hangingPunct="1">
-                        <a:lnSpc>
-                          <a:spcPct val="100000"/>
-                        </a:lnSpc>
-                        <a:spcBef>
-                          <a:spcPts val="0"/>
-                        </a:spcBef>
-                        <a:spcAft>
-                          <a:spcPts val="0"/>
-                        </a:spcAft>
-                        <a:buClrTx/>
-                        <a:buSzTx/>
-                        <a:buFontTx/>
-                        <a:buNone/>
-                        <a:tabLst/>
-                        <a:defRPr/>
-                      </a:pPr>
-                      <a:endParaRPr lang="nl-BE" dirty="0"/>
+                      <a:r>
+                        <a:rPr lang="nl-BE" dirty="0"/>
+                        <a:t>SDR</a:t>
+                      </a:r>
                     </a:p>
                   </a:txBody>
                   <a:tcPr/>
@@ -10428,7 +10548,10 @@
                     <a:bodyPr/>
                     <a:lstStyle/>
                     <a:p>
-                      <a:endParaRPr lang="nl-BE" dirty="0"/>
+                      <a:r>
+                        <a:rPr lang="nl-BE" dirty="0"/>
+                        <a:t>SDR</a:t>
+                      </a:r>
                     </a:p>
                   </a:txBody>
                   <a:tcPr/>
@@ -10438,7 +10561,10 @@
                     <a:bodyPr/>
                     <a:lstStyle/>
                     <a:p>
-                      <a:endParaRPr lang="nl-BE" dirty="0"/>
+                      <a:r>
+                        <a:rPr lang="nl-BE" dirty="0"/>
+                        <a:t>SDR</a:t>
+                      </a:r>
                     </a:p>
                   </a:txBody>
                   <a:tcPr>
@@ -10540,6 +10666,14 @@
                         <a:tabLst/>
                         <a:defRPr/>
                       </a:pPr>
+                      <a:r>
+                        <a:rPr lang="nl-BE" dirty="0"/>
+                        <a:t>PC-</a:t>
+                      </a:r>
+                      <a:r>
+                        <a:rPr lang="nl-BE" dirty="0" err="1"/>
+                        <a:t>problems</a:t>
+                      </a:r>
                       <a:endParaRPr lang="nl-BE" dirty="0"/>
                     </a:p>
                   </a:txBody>
@@ -10577,7 +10711,22 @@
                         <a:tabLst/>
                         <a:defRPr/>
                       </a:pPr>
-                      <a:endParaRPr lang="nl-BE" dirty="0"/>
+                      <a:r>
+                        <a:rPr lang="nl-BE" dirty="0" err="1"/>
+                        <a:t>Dlib</a:t>
+                      </a:r>
+                      <a:r>
+                        <a:rPr lang="nl-BE" dirty="0"/>
+                        <a:t> </a:t>
+                      </a:r>
+                      <a:r>
+                        <a:rPr lang="nl-BE" dirty="0" err="1"/>
+                        <a:t>vs</a:t>
+                      </a:r>
+                      <a:r>
+                        <a:rPr lang="nl-BE" dirty="0"/>
+                        <a:t> Haar C.</a:t>
+                      </a:r>
                     </a:p>
                   </a:txBody>
                   <a:tcPr>
@@ -10597,7 +10746,39 @@
                     <a:bodyPr/>
                     <a:lstStyle/>
                     <a:p>
-                      <a:endParaRPr lang="nl-BE" dirty="0"/>
+                      <a:pPr marL="0" marR="0" lvl="0" indent="0" algn="l" defTabSz="914400" rtl="0" eaLnBrk="1" fontAlgn="auto" latinLnBrk="0" hangingPunct="1">
+                        <a:lnSpc>
+                          <a:spcPct val="100000"/>
+                        </a:lnSpc>
+                        <a:spcBef>
+                          <a:spcPts val="0"/>
+                        </a:spcBef>
+                        <a:spcAft>
+                          <a:spcPts val="0"/>
+                        </a:spcAft>
+                        <a:buClrTx/>
+                        <a:buSzTx/>
+                        <a:buFontTx/>
+                        <a:buNone/>
+                        <a:tabLst/>
+                        <a:defRPr/>
+                      </a:pPr>
+                      <a:r>
+                        <a:rPr lang="nl-BE" dirty="0" err="1"/>
+                        <a:t>Dlib</a:t>
+                      </a:r>
+                      <a:r>
+                        <a:rPr lang="nl-BE" dirty="0"/>
+                        <a:t> </a:t>
+                      </a:r>
+                      <a:r>
+                        <a:rPr lang="nl-BE" dirty="0" err="1"/>
+                        <a:t>vs</a:t>
+                      </a:r>
+                      <a:r>
+                        <a:rPr lang="nl-BE" dirty="0"/>
+                        <a:t> Haar C.</a:t>
+                      </a:r>
                     </a:p>
                   </a:txBody>
                   <a:tcPr>
@@ -10617,7 +10798,10 @@
                     <a:bodyPr/>
                     <a:lstStyle/>
                     <a:p>
-                      <a:endParaRPr lang="nl-BE" dirty="0"/>
+                      <a:r>
+                        <a:rPr lang="nl-BE" dirty="0"/>
+                        <a:t>Clash of Clans</a:t>
+                      </a:r>
                     </a:p>
                   </a:txBody>
                   <a:tcPr>
@@ -11281,7 +11465,113 @@
                 </a:solidFill>
                 <a:latin typeface="Verdana" panose="020B0604030504040204" pitchFamily="34" charset="0"/>
               </a:rPr>
-              <a:t> Interim report</a:t>
+              <a:t> Speech detection</a:t>
+            </a:r>
+          </a:p>
+        </p:txBody>
+      </p:sp>
+      <p:sp>
+        <p:nvSpPr>
+          <p:cNvPr id="2" name="Rectangle 20">
+            <a:extLst>
+              <a:ext uri="{FF2B5EF4-FFF2-40B4-BE49-F238E27FC236}">
+                <a16:creationId xmlns:a16="http://schemas.microsoft.com/office/drawing/2014/main" id="{92C87990-DCE2-9586-EF8E-6726A456D115}"/>
+              </a:ext>
+            </a:extLst>
+          </p:cNvPr>
+          <p:cNvSpPr>
+            <a:spLocks noChangeArrowheads="1"/>
+          </p:cNvSpPr>
+          <p:nvPr/>
+        </p:nvSpPr>
+        <p:spPr bwMode="auto">
+          <a:xfrm>
+            <a:off x="6946320" y="2206380"/>
+            <a:ext cx="4946400" cy="713604"/>
+          </a:xfrm>
+          <a:prstGeom prst="rect">
+            <a:avLst/>
+          </a:prstGeom>
+          <a:noFill/>
+          <a:ln>
+            <a:noFill/>
+          </a:ln>
+          <a:effectLst/>
+          <a:extLst>
+            <a:ext uri="{909E8E84-426E-40DD-AFC4-6F175D3DCCD1}">
+              <a14:hiddenFill xmlns:a14="http://schemas.microsoft.com/office/drawing/2010/main">
+                <a:solidFill>
+                  <a:srgbClr val="333333"/>
+                </a:solidFill>
+              </a14:hiddenFill>
+            </a:ext>
+            <a:ext uri="{91240B29-F687-4F45-9708-019B960494DF}">
+              <a14:hiddenLine xmlns:a14="http://schemas.microsoft.com/office/drawing/2010/main" w="9525">
+                <a:solidFill>
+                  <a:srgbClr val="333333"/>
+                </a:solidFill>
+                <a:miter lim="800000"/>
+                <a:headEnd/>
+                <a:tailEnd/>
+              </a14:hiddenLine>
+            </a:ext>
+            <a:ext uri="{AF507438-7753-43E0-B8FC-AC1667EBCBE1}">
+              <a14:hiddenEffects xmlns:a14="http://schemas.microsoft.com/office/drawing/2010/main">
+                <a:effectLst>
+                  <a:outerShdw dist="35921" dir="2700000" algn="ctr" rotWithShape="0">
+                    <a:schemeClr val="bg2"/>
+                  </a:outerShdw>
+                </a:effectLst>
+              </a14:hiddenEffects>
+            </a:ext>
+          </a:extLst>
+        </p:spPr>
+        <p:txBody>
+          <a:bodyPr wrap="none"/>
+          <a:lstStyle/>
+          <a:p>
+            <a:pPr>
+              <a:buFontTx/>
+              <a:buChar char="•"/>
+            </a:pPr>
+            <a:r>
+              <a:rPr lang="en-US" altLang="nl-BE" sz="1200" dirty="0">
+                <a:solidFill>
+                  <a:srgbClr val="333333"/>
+                </a:solidFill>
+                <a:latin typeface="Verdana" panose="020B0604030504040204" pitchFamily="34" charset="0"/>
+              </a:rPr>
+              <a:t> Combining</a:t>
+            </a:r>
+          </a:p>
+          <a:p>
+            <a:pPr>
+              <a:buFontTx/>
+              <a:buChar char="•"/>
+            </a:pPr>
+            <a:r>
+              <a:rPr lang="en-US" altLang="nl-BE" sz="1200" dirty="0">
+                <a:solidFill>
+                  <a:srgbClr val="333333"/>
+                </a:solidFill>
+                <a:latin typeface="Verdana" panose="020B0604030504040204" pitchFamily="34" charset="0"/>
+              </a:rPr>
+              <a:t> Testing</a:t>
+            </a:r>
+          </a:p>
+          <a:p>
+            <a:pPr>
+              <a:buFontTx/>
+              <a:buChar char="•"/>
+            </a:pPr>
+            <a:r>
+              <a:rPr lang="en-US" altLang="nl-BE" sz="1200" dirty="0">
+                <a:solidFill>
+                  <a:srgbClr val="333333"/>
+                </a:solidFill>
+                <a:latin typeface="Verdana" panose="020B0604030504040204" pitchFamily="34" charset="0"/>
+              </a:rPr>
+              <a:t> Face tracking</a:t>
             </a:r>
           </a:p>
         </p:txBody>

--- a/logboek_ESAT9A1.pptx
+++ b/logboek_ESAT9A1.pptx
@@ -9690,7 +9690,7 @@
           <p:nvPr>
             <p:extLst>
               <p:ext uri="{D42A27DB-BD31-4B8C-83A1-F6EECF244321}">
-                <p14:modId xmlns:p14="http://schemas.microsoft.com/office/powerpoint/2010/main" val="2363176621"/>
+                <p14:modId xmlns:p14="http://schemas.microsoft.com/office/powerpoint/2010/main" val="223897138"/>
               </p:ext>
             </p:extLst>
           </p:nvPr>
@@ -10799,9 +10799,10 @@
                     <a:lstStyle/>
                     <a:p>
                       <a:r>
-                        <a:rPr lang="nl-BE" dirty="0"/>
-                        <a:t>Clash of Clans</a:t>
-                      </a:r>
+                        <a:rPr lang="nl-BE"/>
+                        <a:t>Testing</a:t>
+                      </a:r>
+                      <a:endParaRPr lang="nl-BE" dirty="0"/>
                     </a:p>
                   </a:txBody>
                   <a:tcPr>

--- a/logboek_ESAT9A1.pptx
+++ b/logboek_ESAT9A1.pptx
@@ -6,10 +6,10 @@
     <p:sldMasterId id="2147483694" r:id="rId2"/>
   </p:sldMasterIdLst>
   <p:notesMasterIdLst>
-    <p:notesMasterId r:id="rId15"/>
+    <p:notesMasterId r:id="rId16"/>
   </p:notesMasterIdLst>
   <p:handoutMasterIdLst>
-    <p:handoutMasterId r:id="rId16"/>
+    <p:handoutMasterId r:id="rId17"/>
   </p:handoutMasterIdLst>
   <p:sldIdLst>
     <p:sldId id="261" r:id="rId3"/>
@@ -24,6 +24,7 @@
     <p:sldId id="270" r:id="rId12"/>
     <p:sldId id="271" r:id="rId13"/>
     <p:sldId id="272" r:id="rId14"/>
+    <p:sldId id="273" r:id="rId15"/>
   </p:sldIdLst>
   <p:sldSz cx="12192000" cy="6858000"/>
   <p:notesSz cx="6858000" cy="9144000"/>
@@ -215,7 +216,7 @@
           <a:p>
             <a:fld id="{8F591CCF-F6FD-734B-854A-5BC033593B1E}" type="datetimeFigureOut">
               <a:rPr lang="nl-NL" smtClean="0"/>
-              <a:t>14-11-2022</a:t>
+              <a:t>17-11-2022</a:t>
             </a:fld>
             <a:endParaRPr lang="nl-NL"/>
           </a:p>
@@ -281,7 +282,7 @@
           <a:p>
             <a:fld id="{E152A6D4-CD3D-5148-8B70-A84796F20135}" type="slidenum">
               <a:rPr lang="nl-NL" smtClean="0"/>
-              <a:t>‹nr.›</a:t>
+              <a:t>‹#›</a:t>
             </a:fld>
             <a:endParaRPr lang="nl-NL"/>
           </a:p>
@@ -380,7 +381,7 @@
           <a:p>
             <a:fld id="{23C66214-DB21-4647-B5DA-0D17CA592867}" type="datetimeFigureOut">
               <a:rPr lang="nl-NL" smtClean="0"/>
-              <a:t>14-11-2022</a:t>
+              <a:t>17-11-2022</a:t>
             </a:fld>
             <a:endParaRPr lang="nl-NL"/>
           </a:p>
@@ -538,7 +539,7 @@
           <a:p>
             <a:fld id="{8954E32A-327F-AF4B-8E1F-209FBF93D26D}" type="slidenum">
               <a:rPr lang="nl-NL" smtClean="0"/>
-              <a:t>‹nr.›</a:t>
+              <a:t>‹#›</a:t>
             </a:fld>
             <a:endParaRPr lang="nl-NL"/>
           </a:p>
@@ -1369,7 +1370,7 @@
           <a:p>
             <a:fld id="{32CB04F5-1DDB-433A-9F56-F69ABF3D82C1}" type="datetime1">
               <a:rPr lang="nl-BE" smtClean="0"/>
-              <a:t>14/11/2022</a:t>
+              <a:t>17/11/2022</a:t>
             </a:fld>
             <a:endParaRPr lang="nl-NL"/>
           </a:p>
@@ -1414,7 +1415,7 @@
           <a:p>
             <a:fld id="{CF179DAE-D0A6-40C3-B8BC-6A97C268D03A}" type="slidenum">
               <a:rPr lang="nl-NL" smtClean="0"/>
-              <a:t>‹nr.›</a:t>
+              <a:t>‹#›</a:t>
             </a:fld>
             <a:endParaRPr lang="nl-NL"/>
           </a:p>
@@ -1652,7 +1653,7 @@
           <a:p>
             <a:fld id="{105EA0AE-89F5-40F4-A8AC-2CFB7172A437}" type="datetime1">
               <a:rPr lang="nl-BE" smtClean="0"/>
-              <a:t>14/11/2022</a:t>
+              <a:t>17/11/2022</a:t>
             </a:fld>
             <a:endParaRPr lang="nl-NL"/>
           </a:p>
@@ -1697,7 +1698,7 @@
           <a:p>
             <a:fld id="{CF179DAE-D0A6-40C3-B8BC-6A97C268D03A}" type="slidenum">
               <a:rPr lang="nl-NL" smtClean="0"/>
-              <a:t>‹nr.›</a:t>
+              <a:t>‹#›</a:t>
             </a:fld>
             <a:endParaRPr lang="nl-NL"/>
           </a:p>
@@ -1982,7 +1983,7 @@
           <a:p>
             <a:fld id="{51F891C0-052E-4374-9F7B-8DF3098847EC}" type="datetime1">
               <a:rPr lang="nl-BE" smtClean="0"/>
-              <a:t>14/11/2022</a:t>
+              <a:t>17/11/2022</a:t>
             </a:fld>
             <a:endParaRPr lang="nl-NL"/>
           </a:p>
@@ -2027,7 +2028,7 @@
           <a:p>
             <a:fld id="{0A297500-7527-634B-90F4-69D0994C32B4}" type="slidenum">
               <a:rPr lang="nl-NL" smtClean="0"/>
-              <a:t>‹nr.›</a:t>
+              <a:t>‹#›</a:t>
             </a:fld>
             <a:endParaRPr lang="nl-NL"/>
           </a:p>
@@ -2302,7 +2303,7 @@
           <a:p>
             <a:fld id="{0BAB7CBA-08E0-4FB9-BBC7-B0F9EE30FC23}" type="datetime1">
               <a:rPr lang="nl-BE" smtClean="0"/>
-              <a:t>14/11/2022</a:t>
+              <a:t>17/11/2022</a:t>
             </a:fld>
             <a:endParaRPr lang="nl-NL" dirty="0"/>
           </a:p>
@@ -2347,7 +2348,7 @@
           <a:p>
             <a:fld id="{0A297500-7527-634B-90F4-69D0994C32B4}" type="slidenum">
               <a:rPr lang="nl-NL" smtClean="0"/>
-              <a:t>‹nr.›</a:t>
+              <a:t>‹#›</a:t>
             </a:fld>
             <a:endParaRPr lang="nl-NL"/>
           </a:p>
@@ -2623,7 +2624,7 @@
           <a:p>
             <a:fld id="{A9A41F9E-F395-4802-BA0E-A579FF58717F}" type="datetime1">
               <a:rPr lang="nl-BE" smtClean="0"/>
-              <a:t>14/11/2022</a:t>
+              <a:t>17/11/2022</a:t>
             </a:fld>
             <a:endParaRPr lang="nl-NL" dirty="0"/>
           </a:p>
@@ -2668,7 +2669,7 @@
           <a:p>
             <a:fld id="{0A297500-7527-634B-90F4-69D0994C32B4}" type="slidenum">
               <a:rPr lang="nl-NL" smtClean="0"/>
-              <a:t>‹nr.›</a:t>
+              <a:t>‹#›</a:t>
             </a:fld>
             <a:endParaRPr lang="nl-NL"/>
           </a:p>
@@ -2765,7 +2766,7 @@
           <a:p>
             <a:fld id="{2A8B9AD4-BDDB-4121-9EEE-D890BB11E687}" type="datetime1">
               <a:rPr lang="nl-BE" smtClean="0"/>
-              <a:t>14/11/2022</a:t>
+              <a:t>17/11/2022</a:t>
             </a:fld>
             <a:endParaRPr lang="nl-NL"/>
           </a:p>
@@ -2810,7 +2811,7 @@
           <a:p>
             <a:fld id="{0A297500-7527-634B-90F4-69D0994C32B4}" type="slidenum">
               <a:rPr lang="nl-NL" smtClean="0"/>
-              <a:t>‹nr.›</a:t>
+              <a:t>‹#›</a:t>
             </a:fld>
             <a:endParaRPr lang="nl-NL"/>
           </a:p>
@@ -3249,7 +3250,7 @@
           <a:p>
             <a:fld id="{8DC808CC-4EBF-4C64-BA9E-B07B99C9DB99}" type="datetime1">
               <a:rPr lang="nl-BE" smtClean="0"/>
-              <a:t>14/11/2022</a:t>
+              <a:t>17/11/2022</a:t>
             </a:fld>
             <a:endParaRPr lang="nl-NL" dirty="0"/>
           </a:p>
@@ -3294,7 +3295,7 @@
           <a:p>
             <a:fld id="{0A297500-7527-634B-90F4-69D0994C32B4}" type="slidenum">
               <a:rPr lang="nl-NL" smtClean="0"/>
-              <a:t>‹nr.›</a:t>
+              <a:t>‹#›</a:t>
             </a:fld>
             <a:endParaRPr lang="nl-NL"/>
           </a:p>
@@ -3370,7 +3371,7 @@
           <a:p>
             <a:fld id="{26609C90-ED50-42CD-B56C-68BF842A2B6A}" type="datetime1">
               <a:rPr lang="nl-BE" smtClean="0"/>
-              <a:t>14/11/2022</a:t>
+              <a:t>17/11/2022</a:t>
             </a:fld>
             <a:endParaRPr lang="nl-NL"/>
           </a:p>
@@ -3415,7 +3416,7 @@
           <a:p>
             <a:fld id="{0A297500-7527-634B-90F4-69D0994C32B4}" type="slidenum">
               <a:rPr lang="nl-NL" smtClean="0"/>
-              <a:t>‹nr.›</a:t>
+              <a:t>‹#›</a:t>
             </a:fld>
             <a:endParaRPr lang="nl-NL"/>
           </a:p>
@@ -3491,7 +3492,7 @@
           <a:p>
             <a:fld id="{F15E82AE-B9EE-446E-B46E-329ABC891749}" type="datetime1">
               <a:rPr lang="nl-BE" smtClean="0"/>
-              <a:t>14/11/2022</a:t>
+              <a:t>17/11/2022</a:t>
             </a:fld>
             <a:endParaRPr lang="nl-NL"/>
           </a:p>
@@ -3536,7 +3537,7 @@
           <a:p>
             <a:fld id="{0A297500-7527-634B-90F4-69D0994C32B4}" type="slidenum">
               <a:rPr lang="nl-NL" smtClean="0"/>
-              <a:t>‹nr.›</a:t>
+              <a:t>‹#›</a:t>
             </a:fld>
             <a:endParaRPr lang="nl-NL"/>
           </a:p>
@@ -3673,7 +3674,7 @@
           <a:p>
             <a:fld id="{4A7FDF18-BDCB-4338-9FA2-782F60A2E51C}" type="datetime1">
               <a:rPr lang="nl-BE" smtClean="0"/>
-              <a:t>14/11/2022</a:t>
+              <a:t>17/11/2022</a:t>
             </a:fld>
             <a:endParaRPr lang="nl-NL" dirty="0"/>
           </a:p>
@@ -3718,7 +3719,7 @@
           <a:p>
             <a:fld id="{0A297500-7527-634B-90F4-69D0994C32B4}" type="slidenum">
               <a:rPr lang="nl-NL" smtClean="0"/>
-              <a:t>‹nr.›</a:t>
+              <a:t>‹#›</a:t>
             </a:fld>
             <a:endParaRPr lang="nl-NL"/>
           </a:p>
@@ -3957,7 +3958,7 @@
           <a:p>
             <a:fld id="{E389F4DD-E9F0-454C-8CE7-299000EBA983}" type="datetime1">
               <a:rPr lang="nl-BE" smtClean="0"/>
-              <a:t>14/11/2022</a:t>
+              <a:t>17/11/2022</a:t>
             </a:fld>
             <a:endParaRPr lang="nl-NL" dirty="0"/>
           </a:p>
@@ -4038,7 +4039,7 @@
             <a:fld id="{0A297500-7527-634B-90F4-69D0994C32B4}" type="slidenum">
               <a:rPr lang="nl-NL" smtClean="0"/>
               <a:pPr/>
-              <a:t>‹nr.›</a:t>
+              <a:t>‹#›</a:t>
             </a:fld>
             <a:endParaRPr lang="nl-NL" dirty="0"/>
           </a:p>
@@ -4598,7 +4599,7 @@
           <a:p>
             <a:fld id="{7F18BCE0-9917-41C7-AA76-58ADB721FDEC}" type="datetime1">
               <a:rPr lang="nl-BE" smtClean="0"/>
-              <a:t>14/11/2022</a:t>
+              <a:t>17/11/2022</a:t>
             </a:fld>
             <a:endParaRPr lang="nl-NL" dirty="0"/>
           </a:p>
@@ -4679,7 +4680,7 @@
             <a:fld id="{0A297500-7527-634B-90F4-69D0994C32B4}" type="slidenum">
               <a:rPr lang="nl-NL" smtClean="0"/>
               <a:pPr/>
-              <a:t>‹nr.›</a:t>
+              <a:t>‹#›</a:t>
             </a:fld>
             <a:endParaRPr lang="nl-NL" dirty="0"/>
           </a:p>
@@ -11581,6 +11582,2372 @@
     <p:extLst>
       <p:ext uri="{BB962C8B-B14F-4D97-AF65-F5344CB8AC3E}">
         <p14:creationId xmlns:p14="http://schemas.microsoft.com/office/powerpoint/2010/main" val="541358132"/>
+      </p:ext>
+    </p:extLst>
+  </p:cSld>
+  <p:clrMapOvr>
+    <a:masterClrMapping/>
+  </p:clrMapOvr>
+</p:sld>
+</file>
+
+<file path=ppt/slides/slide13.xml><?xml version="1.0" encoding="utf-8"?>
+<p:sld xmlns:a="http://schemas.openxmlformats.org/drawingml/2006/main" xmlns:r="http://schemas.openxmlformats.org/officeDocument/2006/relationships" xmlns:p="http://schemas.openxmlformats.org/presentationml/2006/main">
+  <p:cSld>
+    <p:spTree>
+      <p:nvGrpSpPr>
+        <p:cNvPr id="1" name=""/>
+        <p:cNvGrpSpPr/>
+        <p:nvPr/>
+      </p:nvGrpSpPr>
+      <p:grpSpPr>
+        <a:xfrm>
+          <a:off x="0" y="0"/>
+          <a:ext cx="0" cy="0"/>
+          <a:chOff x="0" y="0"/>
+          <a:chExt cx="0" cy="0"/>
+        </a:xfrm>
+      </p:grpSpPr>
+      <p:sp>
+        <p:nvSpPr>
+          <p:cNvPr id="3" name="Tijdelijke aanduiding voor voettekst 2">
+            <a:extLst>
+              <a:ext uri="{FF2B5EF4-FFF2-40B4-BE49-F238E27FC236}">
+                <a16:creationId xmlns:a16="http://schemas.microsoft.com/office/drawing/2014/main" id="{8A4675E4-17D3-F776-F4A4-379D7D7DF71F}"/>
+              </a:ext>
+            </a:extLst>
+          </p:cNvPr>
+          <p:cNvSpPr>
+            <a:spLocks noGrp="1"/>
+          </p:cNvSpPr>
+          <p:nvPr>
+            <p:ph type="ftr" sz="quarter" idx="11"/>
+          </p:nvPr>
+        </p:nvSpPr>
+        <p:spPr/>
+        <p:txBody>
+          <a:bodyPr/>
+          <a:lstStyle/>
+          <a:p>
+            <a:r>
+              <a:rPr lang="nl-NL"/>
+              <a:t>Faculty, department, unit ...</a:t>
+            </a:r>
+          </a:p>
+        </p:txBody>
+      </p:sp>
+      <p:sp>
+        <p:nvSpPr>
+          <p:cNvPr id="4" name="Tijdelijke aanduiding voor dianummer 3">
+            <a:extLst>
+              <a:ext uri="{FF2B5EF4-FFF2-40B4-BE49-F238E27FC236}">
+                <a16:creationId xmlns:a16="http://schemas.microsoft.com/office/drawing/2014/main" id="{033BF3EA-AA33-261E-8D31-8101DCD638CC}"/>
+              </a:ext>
+            </a:extLst>
+          </p:cNvPr>
+          <p:cNvSpPr>
+            <a:spLocks noGrp="1"/>
+          </p:cNvSpPr>
+          <p:nvPr>
+            <p:ph type="sldNum" sz="quarter" idx="12"/>
+          </p:nvPr>
+        </p:nvSpPr>
+        <p:spPr/>
+        <p:txBody>
+          <a:bodyPr/>
+          <a:lstStyle/>
+          <a:p>
+            <a:fld id="{0A297500-7527-634B-90F4-69D0994C32B4}" type="slidenum">
+              <a:rPr lang="nl-NL" smtClean="0"/>
+              <a:t>13</a:t>
+            </a:fld>
+            <a:endParaRPr lang="nl-NL"/>
+          </a:p>
+        </p:txBody>
+      </p:sp>
+      <p:sp>
+        <p:nvSpPr>
+          <p:cNvPr id="5" name="Titel 4">
+            <a:extLst>
+              <a:ext uri="{FF2B5EF4-FFF2-40B4-BE49-F238E27FC236}">
+                <a16:creationId xmlns:a16="http://schemas.microsoft.com/office/drawing/2014/main" id="{0AB90542-B085-F406-9290-1072716337BA}"/>
+              </a:ext>
+            </a:extLst>
+          </p:cNvPr>
+          <p:cNvSpPr>
+            <a:spLocks noGrp="1"/>
+          </p:cNvSpPr>
+          <p:nvPr>
+            <p:ph type="title"/>
+          </p:nvPr>
+        </p:nvSpPr>
+        <p:spPr>
+          <a:xfrm>
+            <a:off x="576000" y="7600"/>
+            <a:ext cx="11041200" cy="1152000"/>
+          </a:xfrm>
+        </p:spPr>
+        <p:txBody>
+          <a:bodyPr/>
+          <a:lstStyle/>
+          <a:p>
+            <a:r>
+              <a:rPr lang="nl-BE" dirty="0"/>
+              <a:t>Week 7 (17/11/2022)</a:t>
+            </a:r>
+          </a:p>
+        </p:txBody>
+      </p:sp>
+      <p:sp>
+        <p:nvSpPr>
+          <p:cNvPr id="28" name="Rectangle 7">
+            <a:extLst>
+              <a:ext uri="{FF2B5EF4-FFF2-40B4-BE49-F238E27FC236}">
+                <a16:creationId xmlns:a16="http://schemas.microsoft.com/office/drawing/2014/main" id="{1ED11395-C284-9D31-0A1F-8CE593280307}"/>
+              </a:ext>
+            </a:extLst>
+          </p:cNvPr>
+          <p:cNvSpPr>
+            <a:spLocks noChangeArrowheads="1"/>
+          </p:cNvSpPr>
+          <p:nvPr/>
+        </p:nvSpPr>
+        <p:spPr bwMode="auto">
+          <a:xfrm>
+            <a:off x="580800" y="1348510"/>
+            <a:ext cx="4940880" cy="1767742"/>
+          </a:xfrm>
+          <a:prstGeom prst="rect">
+            <a:avLst/>
+          </a:prstGeom>
+          <a:noFill/>
+          <a:ln w="9525">
+            <a:solidFill>
+              <a:srgbClr val="333333"/>
+            </a:solidFill>
+            <a:miter lim="800000"/>
+            <a:headEnd/>
+            <a:tailEnd/>
+          </a:ln>
+          <a:effectLst/>
+          <a:extLst>
+            <a:ext uri="{909E8E84-426E-40DD-AFC4-6F175D3DCCD1}">
+              <a14:hiddenFill xmlns:a14="http://schemas.microsoft.com/office/drawing/2010/main">
+                <a:solidFill>
+                  <a:schemeClr val="accent1"/>
+                </a:solidFill>
+              </a14:hiddenFill>
+            </a:ext>
+            <a:ext uri="{AF507438-7753-43E0-B8FC-AC1667EBCBE1}">
+              <a14:hiddenEffects xmlns:a14="http://schemas.microsoft.com/office/drawing/2010/main">
+                <a:effectLst>
+                  <a:outerShdw dist="35921" dir="2700000" algn="ctr" rotWithShape="0">
+                    <a:schemeClr val="bg2"/>
+                  </a:outerShdw>
+                </a:effectLst>
+              </a14:hiddenEffects>
+            </a:ext>
+          </a:extLst>
+        </p:spPr>
+        <p:txBody>
+          <a:bodyPr wrap="none" anchor="ctr"/>
+          <a:lstStyle/>
+          <a:p>
+            <a:endParaRPr lang="nl-BE"/>
+          </a:p>
+        </p:txBody>
+      </p:sp>
+      <p:sp>
+        <p:nvSpPr>
+          <p:cNvPr id="29" name="Rectangle 8">
+            <a:extLst>
+              <a:ext uri="{FF2B5EF4-FFF2-40B4-BE49-F238E27FC236}">
+                <a16:creationId xmlns:a16="http://schemas.microsoft.com/office/drawing/2014/main" id="{6FC4B744-16AC-500A-BBB9-19F5AFB1A6F4}"/>
+              </a:ext>
+            </a:extLst>
+          </p:cNvPr>
+          <p:cNvSpPr>
+            <a:spLocks noChangeArrowheads="1"/>
+          </p:cNvSpPr>
+          <p:nvPr/>
+        </p:nvSpPr>
+        <p:spPr bwMode="auto">
+          <a:xfrm>
+            <a:off x="580800" y="1365141"/>
+            <a:ext cx="4940880" cy="304800"/>
+          </a:xfrm>
+          <a:prstGeom prst="rect">
+            <a:avLst/>
+          </a:prstGeom>
+          <a:solidFill>
+            <a:schemeClr val="tx2">
+              <a:lumMod val="75000"/>
+            </a:schemeClr>
+          </a:solidFill>
+          <a:ln w="9525">
+            <a:solidFill>
+              <a:srgbClr val="333333"/>
+            </a:solidFill>
+            <a:miter lim="800000"/>
+            <a:headEnd/>
+            <a:tailEnd/>
+          </a:ln>
+          <a:effectLst/>
+        </p:spPr>
+        <p:txBody>
+          <a:bodyPr wrap="none" anchor="ctr"/>
+          <a:lstStyle/>
+          <a:p>
+            <a:r>
+              <a:rPr lang="en-US" altLang="nl-BE" sz="1400" b="1">
+                <a:solidFill>
+                  <a:schemeClr val="bg1"/>
+                </a:solidFill>
+                <a:latin typeface="Verdana" panose="020B0604030504040204" pitchFamily="34" charset="0"/>
+              </a:rPr>
+              <a:t>Planning</a:t>
+            </a:r>
+          </a:p>
+        </p:txBody>
+      </p:sp>
+      <p:sp>
+        <p:nvSpPr>
+          <p:cNvPr id="30" name="Rectangle 20">
+            <a:extLst>
+              <a:ext uri="{FF2B5EF4-FFF2-40B4-BE49-F238E27FC236}">
+                <a16:creationId xmlns:a16="http://schemas.microsoft.com/office/drawing/2014/main" id="{F8F8537C-8B21-E85D-8ED6-BCD891428026}"/>
+              </a:ext>
+            </a:extLst>
+          </p:cNvPr>
+          <p:cNvSpPr>
+            <a:spLocks noChangeArrowheads="1"/>
+          </p:cNvSpPr>
+          <p:nvPr/>
+        </p:nvSpPr>
+        <p:spPr bwMode="auto">
+          <a:xfrm>
+            <a:off x="576000" y="1669941"/>
+            <a:ext cx="4940880" cy="1498664"/>
+          </a:xfrm>
+          <a:prstGeom prst="rect">
+            <a:avLst/>
+          </a:prstGeom>
+          <a:noFill/>
+          <a:ln>
+            <a:noFill/>
+          </a:ln>
+          <a:effectLst/>
+          <a:extLst>
+            <a:ext uri="{909E8E84-426E-40DD-AFC4-6F175D3DCCD1}">
+              <a14:hiddenFill xmlns:a14="http://schemas.microsoft.com/office/drawing/2010/main">
+                <a:solidFill>
+                  <a:srgbClr val="333333"/>
+                </a:solidFill>
+              </a14:hiddenFill>
+            </a:ext>
+            <a:ext uri="{91240B29-F687-4F45-9708-019B960494DF}">
+              <a14:hiddenLine xmlns:a14="http://schemas.microsoft.com/office/drawing/2010/main" w="9525">
+                <a:solidFill>
+                  <a:srgbClr val="333333"/>
+                </a:solidFill>
+                <a:miter lim="800000"/>
+                <a:headEnd/>
+                <a:tailEnd/>
+              </a14:hiddenLine>
+            </a:ext>
+            <a:ext uri="{AF507438-7753-43E0-B8FC-AC1667EBCBE1}">
+              <a14:hiddenEffects xmlns:a14="http://schemas.microsoft.com/office/drawing/2010/main">
+                <a:effectLst>
+                  <a:outerShdw dist="35921" dir="2700000" algn="ctr" rotWithShape="0">
+                    <a:schemeClr val="bg2"/>
+                  </a:outerShdw>
+                </a:effectLst>
+              </a14:hiddenEffects>
+            </a:ext>
+          </a:extLst>
+        </p:spPr>
+        <p:txBody>
+          <a:bodyPr wrap="none"/>
+          <a:lstStyle/>
+          <a:p>
+            <a:pPr>
+              <a:buFontTx/>
+              <a:buChar char="•"/>
+            </a:pPr>
+            <a:r>
+              <a:rPr lang="en-US" altLang="nl-BE" sz="1200" dirty="0">
+                <a:solidFill>
+                  <a:srgbClr val="333333"/>
+                </a:solidFill>
+                <a:latin typeface="Verdana" panose="020B0604030504040204" pitchFamily="34" charset="0"/>
+              </a:rPr>
+              <a:t> Looking for hardware</a:t>
+            </a:r>
+          </a:p>
+          <a:p>
+            <a:pPr>
+              <a:buFontTx/>
+              <a:buChar char="•"/>
+            </a:pPr>
+            <a:r>
+              <a:rPr lang="en-US" altLang="nl-BE" sz="1200" dirty="0">
+                <a:solidFill>
+                  <a:srgbClr val="333333"/>
+                </a:solidFill>
+                <a:latin typeface="Verdana" panose="020B0604030504040204" pitchFamily="34" charset="0"/>
+              </a:rPr>
+              <a:t> Speech detection refining (SDR)</a:t>
+            </a:r>
+          </a:p>
+          <a:p>
+            <a:pPr>
+              <a:buFontTx/>
+              <a:buChar char="•"/>
+            </a:pPr>
+            <a:r>
+              <a:rPr lang="en-US" altLang="nl-BE" sz="1200" dirty="0">
+                <a:solidFill>
+                  <a:srgbClr val="333333"/>
+                </a:solidFill>
+                <a:latin typeface="Verdana" panose="020B0604030504040204" pitchFamily="34" charset="0"/>
+              </a:rPr>
+              <a:t> Combining the codes</a:t>
+            </a:r>
+          </a:p>
+          <a:p>
+            <a:pPr>
+              <a:buFontTx/>
+              <a:buChar char="•"/>
+            </a:pPr>
+            <a:r>
+              <a:rPr lang="en-US" altLang="nl-BE" sz="1200" dirty="0">
+                <a:solidFill>
+                  <a:srgbClr val="333333"/>
+                </a:solidFill>
+                <a:latin typeface="Verdana" panose="020B0604030504040204" pitchFamily="34" charset="0"/>
+              </a:rPr>
+              <a:t> </a:t>
+            </a:r>
+            <a:r>
+              <a:rPr lang="en-US" altLang="nl-BE" sz="1200" dirty="0" err="1">
+                <a:solidFill>
+                  <a:srgbClr val="333333"/>
+                </a:solidFill>
+                <a:latin typeface="Verdana" panose="020B0604030504040204" pitchFamily="34" charset="0"/>
+              </a:rPr>
+              <a:t>Dlib</a:t>
+            </a:r>
+            <a:r>
+              <a:rPr lang="en-US" altLang="nl-BE" sz="1200" dirty="0">
+                <a:solidFill>
+                  <a:srgbClr val="333333"/>
+                </a:solidFill>
+                <a:latin typeface="Verdana" panose="020B0604030504040204" pitchFamily="34" charset="0"/>
+              </a:rPr>
+              <a:t> – </a:t>
+            </a:r>
+            <a:r>
+              <a:rPr lang="en-US" altLang="nl-BE" sz="1200" dirty="0" err="1">
+                <a:solidFill>
+                  <a:srgbClr val="333333"/>
+                </a:solidFill>
+                <a:latin typeface="Verdana" panose="020B0604030504040204" pitchFamily="34" charset="0"/>
+              </a:rPr>
+              <a:t>Haar</a:t>
+            </a:r>
+            <a:r>
+              <a:rPr lang="en-US" altLang="nl-BE" sz="1200" dirty="0">
+                <a:solidFill>
+                  <a:srgbClr val="333333"/>
+                </a:solidFill>
+                <a:latin typeface="Verdana" panose="020B0604030504040204" pitchFamily="34" charset="0"/>
+              </a:rPr>
+              <a:t> Cascades comparison</a:t>
+            </a:r>
+          </a:p>
+          <a:p>
+            <a:pPr>
+              <a:buFontTx/>
+              <a:buChar char="•"/>
+            </a:pPr>
+            <a:r>
+              <a:rPr lang="en-US" altLang="nl-BE" sz="1200" dirty="0">
+                <a:solidFill>
+                  <a:srgbClr val="333333"/>
+                </a:solidFill>
+                <a:latin typeface="Verdana" panose="020B0604030504040204" pitchFamily="34" charset="0"/>
+              </a:rPr>
+              <a:t> Face tracking</a:t>
+            </a:r>
+          </a:p>
+          <a:p>
+            <a:pPr>
+              <a:buFontTx/>
+              <a:buChar char="•"/>
+            </a:pPr>
+            <a:r>
+              <a:rPr lang="en-US" altLang="nl-BE" sz="1200" dirty="0">
+                <a:solidFill>
+                  <a:srgbClr val="333333"/>
+                </a:solidFill>
+                <a:latin typeface="Verdana" panose="020B0604030504040204" pitchFamily="34" charset="0"/>
+              </a:rPr>
+              <a:t> Face Recognition</a:t>
+            </a:r>
+          </a:p>
+          <a:p>
+            <a:pPr>
+              <a:buFontTx/>
+              <a:buChar char="•"/>
+            </a:pPr>
+            <a:r>
+              <a:rPr lang="en-US" altLang="nl-BE" sz="1200" dirty="0">
+                <a:solidFill>
+                  <a:srgbClr val="333333"/>
+                </a:solidFill>
+                <a:latin typeface="Verdana" panose="020B0604030504040204" pitchFamily="34" charset="0"/>
+              </a:rPr>
+              <a:t> Brochure</a:t>
+            </a:r>
+          </a:p>
+          <a:p>
+            <a:pPr>
+              <a:buFontTx/>
+              <a:buChar char="•"/>
+            </a:pPr>
+            <a:endParaRPr lang="en-US" altLang="nl-BE" sz="1200" dirty="0">
+              <a:solidFill>
+                <a:srgbClr val="333333"/>
+              </a:solidFill>
+              <a:latin typeface="Verdana" panose="020B0604030504040204" pitchFamily="34" charset="0"/>
+            </a:endParaRPr>
+          </a:p>
+          <a:p>
+            <a:pPr>
+              <a:buFontTx/>
+              <a:buChar char="•"/>
+            </a:pPr>
+            <a:endParaRPr lang="en-US" altLang="nl-BE" sz="1200" dirty="0">
+              <a:solidFill>
+                <a:srgbClr val="333333"/>
+              </a:solidFill>
+              <a:latin typeface="Verdana" panose="020B0604030504040204" pitchFamily="34" charset="0"/>
+            </a:endParaRPr>
+          </a:p>
+        </p:txBody>
+      </p:sp>
+      <p:graphicFrame>
+        <p:nvGraphicFramePr>
+          <p:cNvPr id="31" name="Table 8">
+            <a:extLst>
+              <a:ext uri="{FF2B5EF4-FFF2-40B4-BE49-F238E27FC236}">
+                <a16:creationId xmlns:a16="http://schemas.microsoft.com/office/drawing/2014/main" id="{39209D40-A90A-28AF-7EE5-2185F6AED7D9}"/>
+              </a:ext>
+            </a:extLst>
+          </p:cNvPr>
+          <p:cNvGraphicFramePr>
+            <a:graphicFrameLocks noGrp="1"/>
+          </p:cNvGraphicFramePr>
+          <p:nvPr>
+            <p:extLst>
+              <p:ext uri="{D42A27DB-BD31-4B8C-83A1-F6EECF244321}">
+                <p14:modId xmlns:p14="http://schemas.microsoft.com/office/powerpoint/2010/main" val="2976734300"/>
+              </p:ext>
+            </p:extLst>
+          </p:nvPr>
+        </p:nvGraphicFramePr>
+        <p:xfrm>
+          <a:off x="580800" y="3517586"/>
+          <a:ext cx="11306400" cy="2595880"/>
+        </p:xfrm>
+        <a:graphic>
+          <a:graphicData uri="http://schemas.openxmlformats.org/drawingml/2006/table">
+            <a:tbl>
+              <a:tblPr firstRow="1" bandRow="1">
+                <a:tableStyleId>{5C22544A-7EE6-4342-B048-85BDC9FD1C3A}</a:tableStyleId>
+              </a:tblPr>
+              <a:tblGrid>
+                <a:gridCol w="2115747">
+                  <a:extLst>
+                    <a:ext uri="{9D8B030D-6E8A-4147-A177-3AD203B41FA5}">
+                      <a16:colId xmlns:a16="http://schemas.microsoft.com/office/drawing/2014/main" val="3222044758"/>
+                    </a:ext>
+                  </a:extLst>
+                </a:gridCol>
+                <a:gridCol w="2406813">
+                  <a:extLst>
+                    <a:ext uri="{9D8B030D-6E8A-4147-A177-3AD203B41FA5}">
+                      <a16:colId xmlns:a16="http://schemas.microsoft.com/office/drawing/2014/main" val="23332546"/>
+                    </a:ext>
+                  </a:extLst>
+                </a:gridCol>
+                <a:gridCol w="2261280">
+                  <a:extLst>
+                    <a:ext uri="{9D8B030D-6E8A-4147-A177-3AD203B41FA5}">
+                      <a16:colId xmlns:a16="http://schemas.microsoft.com/office/drawing/2014/main" val="62682046"/>
+                    </a:ext>
+                  </a:extLst>
+                </a:gridCol>
+                <a:gridCol w="2261280">
+                  <a:extLst>
+                    <a:ext uri="{9D8B030D-6E8A-4147-A177-3AD203B41FA5}">
+                      <a16:colId xmlns:a16="http://schemas.microsoft.com/office/drawing/2014/main" val="1440099295"/>
+                    </a:ext>
+                  </a:extLst>
+                </a:gridCol>
+                <a:gridCol w="2261280">
+                  <a:extLst>
+                    <a:ext uri="{9D8B030D-6E8A-4147-A177-3AD203B41FA5}">
+                      <a16:colId xmlns:a16="http://schemas.microsoft.com/office/drawing/2014/main" val="2799077174"/>
+                    </a:ext>
+                  </a:extLst>
+                </a:gridCol>
+              </a:tblGrid>
+              <a:tr h="370840">
+                <a:tc>
+                  <a:txBody>
+                    <a:bodyPr/>
+                    <a:lstStyle/>
+                    <a:p>
+                      <a:r>
+                        <a:rPr lang="nl-BE" dirty="0"/>
+                        <a:t>Naam student</a:t>
+                      </a:r>
+                    </a:p>
+                  </a:txBody>
+                  <a:tcPr>
+                    <a:lnL w="12700" cap="flat" cmpd="sng" algn="ctr">
+                      <a:solidFill>
+                        <a:schemeClr val="tx1"/>
+                      </a:solidFill>
+                      <a:prstDash val="solid"/>
+                      <a:round/>
+                      <a:headEnd type="none" w="med" len="med"/>
+                      <a:tailEnd type="none" w="med" len="med"/>
+                    </a:lnL>
+                    <a:lnT w="12700" cap="flat" cmpd="sng" algn="ctr">
+                      <a:solidFill>
+                        <a:schemeClr val="tx1"/>
+                      </a:solidFill>
+                      <a:prstDash val="solid"/>
+                      <a:round/>
+                      <a:headEnd type="none" w="med" len="med"/>
+                      <a:tailEnd type="none" w="med" len="med"/>
+                    </a:lnT>
+                  </a:tcPr>
+                </a:tc>
+                <a:tc>
+                  <a:txBody>
+                    <a:bodyPr/>
+                    <a:lstStyle/>
+                    <a:p>
+                      <a:r>
+                        <a:rPr lang="nl-BE" dirty="0"/>
+                        <a:t>14u00-15u00</a:t>
+                      </a:r>
+                    </a:p>
+                  </a:txBody>
+                  <a:tcPr>
+                    <a:lnT w="12700" cap="flat" cmpd="sng" algn="ctr">
+                      <a:solidFill>
+                        <a:schemeClr val="tx1"/>
+                      </a:solidFill>
+                      <a:prstDash val="solid"/>
+                      <a:round/>
+                      <a:headEnd type="none" w="med" len="med"/>
+                      <a:tailEnd type="none" w="med" len="med"/>
+                    </a:lnT>
+                  </a:tcPr>
+                </a:tc>
+                <a:tc>
+                  <a:txBody>
+                    <a:bodyPr/>
+                    <a:lstStyle/>
+                    <a:p>
+                      <a:r>
+                        <a:rPr lang="nl-BE" dirty="0"/>
+                        <a:t>15u00-16u00</a:t>
+                      </a:r>
+                    </a:p>
+                  </a:txBody>
+                  <a:tcPr>
+                    <a:lnT w="12700" cap="flat" cmpd="sng" algn="ctr">
+                      <a:solidFill>
+                        <a:schemeClr val="tx1"/>
+                      </a:solidFill>
+                      <a:prstDash val="solid"/>
+                      <a:round/>
+                      <a:headEnd type="none" w="med" len="med"/>
+                      <a:tailEnd type="none" w="med" len="med"/>
+                    </a:lnT>
+                  </a:tcPr>
+                </a:tc>
+                <a:tc>
+                  <a:txBody>
+                    <a:bodyPr/>
+                    <a:lstStyle/>
+                    <a:p>
+                      <a:r>
+                        <a:rPr lang="nl-BE" dirty="0"/>
+                        <a:t>16u00-17u00</a:t>
+                      </a:r>
+                    </a:p>
+                  </a:txBody>
+                  <a:tcPr>
+                    <a:lnT w="12700" cap="flat" cmpd="sng" algn="ctr">
+                      <a:solidFill>
+                        <a:schemeClr val="tx1"/>
+                      </a:solidFill>
+                      <a:prstDash val="solid"/>
+                      <a:round/>
+                      <a:headEnd type="none" w="med" len="med"/>
+                      <a:tailEnd type="none" w="med" len="med"/>
+                    </a:lnT>
+                  </a:tcPr>
+                </a:tc>
+                <a:tc>
+                  <a:txBody>
+                    <a:bodyPr/>
+                    <a:lstStyle/>
+                    <a:p>
+                      <a:r>
+                        <a:rPr lang="nl-BE" dirty="0"/>
+                        <a:t>17u00-18u00</a:t>
+                      </a:r>
+                    </a:p>
+                  </a:txBody>
+                  <a:tcPr>
+                    <a:lnR w="12700" cap="flat" cmpd="sng" algn="ctr">
+                      <a:solidFill>
+                        <a:schemeClr val="tx1"/>
+                      </a:solidFill>
+                      <a:prstDash val="solid"/>
+                      <a:round/>
+                      <a:headEnd type="none" w="med" len="med"/>
+                      <a:tailEnd type="none" w="med" len="med"/>
+                    </a:lnR>
+                    <a:lnT w="12700" cap="flat" cmpd="sng" algn="ctr">
+                      <a:solidFill>
+                        <a:schemeClr val="tx1"/>
+                      </a:solidFill>
+                      <a:prstDash val="solid"/>
+                      <a:round/>
+                      <a:headEnd type="none" w="med" len="med"/>
+                      <a:tailEnd type="none" w="med" len="med"/>
+                    </a:lnT>
+                  </a:tcPr>
+                </a:tc>
+                <a:extLst>
+                  <a:ext uri="{0D108BD9-81ED-4DB2-BD59-A6C34878D82A}">
+                    <a16:rowId xmlns:a16="http://schemas.microsoft.com/office/drawing/2014/main" val="1545514501"/>
+                  </a:ext>
+                </a:extLst>
+              </a:tr>
+              <a:tr h="370840">
+                <a:tc>
+                  <a:txBody>
+                    <a:bodyPr/>
+                    <a:lstStyle/>
+                    <a:p>
+                      <a:r>
+                        <a:rPr lang="nl-BE" dirty="0"/>
+                        <a:t>Arne </a:t>
+                      </a:r>
+                      <a:r>
+                        <a:rPr lang="nl-BE" dirty="0" err="1"/>
+                        <a:t>Lemahieu</a:t>
+                      </a:r>
+                      <a:endParaRPr lang="nl-BE" dirty="0"/>
+                    </a:p>
+                  </a:txBody>
+                  <a:tcPr>
+                    <a:lnL w="12700" cap="flat" cmpd="sng" algn="ctr">
+                      <a:solidFill>
+                        <a:schemeClr val="tx1"/>
+                      </a:solidFill>
+                      <a:prstDash val="solid"/>
+                      <a:round/>
+                      <a:headEnd type="none" w="med" len="med"/>
+                      <a:tailEnd type="none" w="med" len="med"/>
+                    </a:lnL>
+                  </a:tcPr>
+                </a:tc>
+                <a:tc>
+                  <a:txBody>
+                    <a:bodyPr/>
+                    <a:lstStyle/>
+                    <a:p>
+                      <a:r>
+                        <a:rPr lang="nl-BE" dirty="0" err="1"/>
+                        <a:t>Testing</a:t>
+                      </a:r>
+                      <a:r>
+                        <a:rPr lang="nl-BE" dirty="0"/>
+                        <a:t>/</a:t>
+                      </a:r>
+                      <a:r>
+                        <a:rPr lang="nl-BE" dirty="0" err="1"/>
+                        <a:t>comparison</a:t>
+                      </a:r>
+                      <a:endParaRPr lang="nl-BE" dirty="0"/>
+                    </a:p>
+                  </a:txBody>
+                  <a:tcPr/>
+                </a:tc>
+                <a:tc>
+                  <a:txBody>
+                    <a:bodyPr/>
+                    <a:lstStyle/>
+                    <a:p>
+                      <a:r>
+                        <a:rPr lang="nl-BE" dirty="0" err="1"/>
+                        <a:t>Testing</a:t>
+                      </a:r>
+                      <a:r>
+                        <a:rPr lang="nl-BE" dirty="0"/>
+                        <a:t>/</a:t>
+                      </a:r>
+                      <a:r>
+                        <a:rPr lang="nl-BE" dirty="0" err="1"/>
+                        <a:t>comparison</a:t>
+                      </a:r>
+                      <a:endParaRPr lang="nl-BE" dirty="0"/>
+                    </a:p>
+                  </a:txBody>
+                  <a:tcPr/>
+                </a:tc>
+                <a:tc>
+                  <a:txBody>
+                    <a:bodyPr/>
+                    <a:lstStyle/>
+                    <a:p>
+                      <a:r>
+                        <a:rPr lang="nl-BE" dirty="0"/>
+                        <a:t>SDR</a:t>
+                      </a:r>
+                    </a:p>
+                  </a:txBody>
+                  <a:tcPr/>
+                </a:tc>
+                <a:tc>
+                  <a:txBody>
+                    <a:bodyPr/>
+                    <a:lstStyle/>
+                    <a:p>
+                      <a:r>
+                        <a:rPr lang="nl-BE" dirty="0"/>
+                        <a:t>SDR</a:t>
+                      </a:r>
+                    </a:p>
+                  </a:txBody>
+                  <a:tcPr>
+                    <a:lnR w="12700" cap="flat" cmpd="sng" algn="ctr">
+                      <a:solidFill>
+                        <a:schemeClr val="tx1"/>
+                      </a:solidFill>
+                      <a:prstDash val="solid"/>
+                      <a:round/>
+                      <a:headEnd type="none" w="med" len="med"/>
+                      <a:tailEnd type="none" w="med" len="med"/>
+                    </a:lnR>
+                  </a:tcPr>
+                </a:tc>
+                <a:extLst>
+                  <a:ext uri="{0D108BD9-81ED-4DB2-BD59-A6C34878D82A}">
+                    <a16:rowId xmlns:a16="http://schemas.microsoft.com/office/drawing/2014/main" val="4272612081"/>
+                  </a:ext>
+                </a:extLst>
+              </a:tr>
+              <a:tr h="370840">
+                <a:tc>
+                  <a:txBody>
+                    <a:bodyPr/>
+                    <a:lstStyle/>
+                    <a:p>
+                      <a:pPr marL="0" marR="0" lvl="0" indent="0" algn="l" defTabSz="914400" rtl="0" eaLnBrk="1" fontAlgn="auto" latinLnBrk="0" hangingPunct="1">
+                        <a:lnSpc>
+                          <a:spcPct val="100000"/>
+                        </a:lnSpc>
+                        <a:spcBef>
+                          <a:spcPts val="0"/>
+                        </a:spcBef>
+                        <a:spcAft>
+                          <a:spcPts val="0"/>
+                        </a:spcAft>
+                        <a:buClrTx/>
+                        <a:buSzTx/>
+                        <a:buFontTx/>
+                        <a:buNone/>
+                        <a:tabLst/>
+                        <a:defRPr/>
+                      </a:pPr>
+                      <a:r>
+                        <a:rPr lang="nl-BE" dirty="0"/>
+                        <a:t>Kasper </a:t>
+                      </a:r>
+                      <a:r>
+                        <a:rPr lang="nl-BE" dirty="0" err="1"/>
+                        <a:t>Dumoulin</a:t>
+                      </a:r>
+                      <a:endParaRPr lang="nl-BE" dirty="0"/>
+                    </a:p>
+                  </a:txBody>
+                  <a:tcPr>
+                    <a:lnL w="12700" cap="flat" cmpd="sng" algn="ctr">
+                      <a:solidFill>
+                        <a:schemeClr val="tx1"/>
+                      </a:solidFill>
+                      <a:prstDash val="solid"/>
+                      <a:round/>
+                      <a:headEnd type="none" w="med" len="med"/>
+                      <a:tailEnd type="none" w="med" len="med"/>
+                    </a:lnL>
+                  </a:tcPr>
+                </a:tc>
+                <a:tc>
+                  <a:txBody>
+                    <a:bodyPr/>
+                    <a:lstStyle/>
+                    <a:p>
+                      <a:pPr marL="0" marR="0" lvl="0" indent="0" algn="l" defTabSz="914400" rtl="0" eaLnBrk="1" fontAlgn="auto" latinLnBrk="0" hangingPunct="1">
+                        <a:lnSpc>
+                          <a:spcPct val="100000"/>
+                        </a:lnSpc>
+                        <a:spcBef>
+                          <a:spcPts val="0"/>
+                        </a:spcBef>
+                        <a:spcAft>
+                          <a:spcPts val="0"/>
+                        </a:spcAft>
+                        <a:buClrTx/>
+                        <a:buSzTx/>
+                        <a:buFontTx/>
+                        <a:buNone/>
+                        <a:tabLst/>
+                        <a:defRPr/>
+                      </a:pPr>
+                      <a:r>
+                        <a:rPr lang="nl-BE" dirty="0" err="1"/>
+                        <a:t>Testing</a:t>
+                      </a:r>
+                      <a:r>
+                        <a:rPr lang="nl-BE" dirty="0"/>
+                        <a:t>/</a:t>
+                      </a:r>
+                      <a:r>
+                        <a:rPr lang="nl-BE" dirty="0" err="1"/>
+                        <a:t>comparison</a:t>
+                      </a:r>
+                      <a:endParaRPr lang="nl-BE" dirty="0"/>
+                    </a:p>
+                  </a:txBody>
+                  <a:tcPr/>
+                </a:tc>
+                <a:tc>
+                  <a:txBody>
+                    <a:bodyPr/>
+                    <a:lstStyle/>
+                    <a:p>
+                      <a:pPr marL="0" marR="0" lvl="0" indent="0" algn="l" defTabSz="914400" rtl="0" eaLnBrk="1" fontAlgn="auto" latinLnBrk="0" hangingPunct="1">
+                        <a:lnSpc>
+                          <a:spcPct val="100000"/>
+                        </a:lnSpc>
+                        <a:spcBef>
+                          <a:spcPts val="0"/>
+                        </a:spcBef>
+                        <a:spcAft>
+                          <a:spcPts val="0"/>
+                        </a:spcAft>
+                        <a:buClrTx/>
+                        <a:buSzTx/>
+                        <a:buFontTx/>
+                        <a:buNone/>
+                        <a:tabLst/>
+                        <a:defRPr/>
+                      </a:pPr>
+                      <a:r>
+                        <a:rPr lang="nl-BE" dirty="0" err="1"/>
+                        <a:t>Testing</a:t>
+                      </a:r>
+                      <a:r>
+                        <a:rPr lang="nl-BE" dirty="0"/>
+                        <a:t>/</a:t>
+                      </a:r>
+                      <a:r>
+                        <a:rPr lang="nl-BE" dirty="0" err="1"/>
+                        <a:t>comparison</a:t>
+                      </a:r>
+                      <a:endParaRPr lang="nl-BE" dirty="0"/>
+                    </a:p>
+                  </a:txBody>
+                  <a:tcPr/>
+                </a:tc>
+                <a:tc>
+                  <a:txBody>
+                    <a:bodyPr/>
+                    <a:lstStyle/>
+                    <a:p>
+                      <a:pPr marL="0" marR="0" lvl="0" indent="0" algn="l" defTabSz="914400" rtl="0" eaLnBrk="1" fontAlgn="auto" latinLnBrk="0" hangingPunct="1">
+                        <a:lnSpc>
+                          <a:spcPct val="100000"/>
+                        </a:lnSpc>
+                        <a:spcBef>
+                          <a:spcPts val="0"/>
+                        </a:spcBef>
+                        <a:spcAft>
+                          <a:spcPts val="0"/>
+                        </a:spcAft>
+                        <a:buClrTx/>
+                        <a:buSzTx/>
+                        <a:buFontTx/>
+                        <a:buNone/>
+                        <a:tabLst/>
+                        <a:defRPr/>
+                      </a:pPr>
+                      <a:r>
+                        <a:rPr lang="nl-BE" dirty="0" err="1"/>
+                        <a:t>Refining</a:t>
+                      </a:r>
+                      <a:r>
+                        <a:rPr lang="nl-BE" dirty="0"/>
+                        <a:t> code</a:t>
+                      </a:r>
+                    </a:p>
+                  </a:txBody>
+                  <a:tcPr/>
+                </a:tc>
+                <a:tc>
+                  <a:txBody>
+                    <a:bodyPr/>
+                    <a:lstStyle/>
+                    <a:p>
+                      <a:r>
+                        <a:rPr lang="nl-BE" dirty="0" err="1"/>
+                        <a:t>Refining</a:t>
+                      </a:r>
+                      <a:r>
+                        <a:rPr lang="nl-BE" dirty="0"/>
+                        <a:t> code</a:t>
+                      </a:r>
+                    </a:p>
+                  </a:txBody>
+                  <a:tcPr>
+                    <a:lnR w="12700" cap="flat" cmpd="sng" algn="ctr">
+                      <a:solidFill>
+                        <a:schemeClr val="tx1"/>
+                      </a:solidFill>
+                      <a:prstDash val="solid"/>
+                      <a:round/>
+                      <a:headEnd type="none" w="med" len="med"/>
+                      <a:tailEnd type="none" w="med" len="med"/>
+                    </a:lnR>
+                  </a:tcPr>
+                </a:tc>
+                <a:extLst>
+                  <a:ext uri="{0D108BD9-81ED-4DB2-BD59-A6C34878D82A}">
+                    <a16:rowId xmlns:a16="http://schemas.microsoft.com/office/drawing/2014/main" val="2535650466"/>
+                  </a:ext>
+                </a:extLst>
+              </a:tr>
+              <a:tr h="370840">
+                <a:tc>
+                  <a:txBody>
+                    <a:bodyPr/>
+                    <a:lstStyle/>
+                    <a:p>
+                      <a:pPr marL="0" marR="0" lvl="0" indent="0" algn="l" defTabSz="914400" rtl="0" eaLnBrk="1" fontAlgn="auto" latinLnBrk="0" hangingPunct="1">
+                        <a:lnSpc>
+                          <a:spcPct val="100000"/>
+                        </a:lnSpc>
+                        <a:spcBef>
+                          <a:spcPts val="0"/>
+                        </a:spcBef>
+                        <a:spcAft>
+                          <a:spcPts val="0"/>
+                        </a:spcAft>
+                        <a:buClrTx/>
+                        <a:buSzTx/>
+                        <a:buFontTx/>
+                        <a:buNone/>
+                        <a:tabLst/>
+                        <a:defRPr/>
+                      </a:pPr>
+                      <a:r>
+                        <a:rPr lang="nl-BE" dirty="0"/>
+                        <a:t>Mauro Janssens</a:t>
+                      </a:r>
+                    </a:p>
+                  </a:txBody>
+                  <a:tcPr>
+                    <a:lnL w="12700" cap="flat" cmpd="sng" algn="ctr">
+                      <a:solidFill>
+                        <a:schemeClr val="tx1"/>
+                      </a:solidFill>
+                      <a:prstDash val="solid"/>
+                      <a:round/>
+                      <a:headEnd type="none" w="med" len="med"/>
+                      <a:tailEnd type="none" w="med" len="med"/>
+                    </a:lnL>
+                  </a:tcPr>
+                </a:tc>
+                <a:tc>
+                  <a:txBody>
+                    <a:bodyPr/>
+                    <a:lstStyle/>
+                    <a:p>
+                      <a:pPr marL="0" marR="0" lvl="0" indent="0" algn="l" defTabSz="914400" rtl="0" eaLnBrk="1" fontAlgn="auto" latinLnBrk="0" hangingPunct="1">
+                        <a:lnSpc>
+                          <a:spcPct val="100000"/>
+                        </a:lnSpc>
+                        <a:spcBef>
+                          <a:spcPts val="0"/>
+                        </a:spcBef>
+                        <a:spcAft>
+                          <a:spcPts val="0"/>
+                        </a:spcAft>
+                        <a:buClrTx/>
+                        <a:buSzTx/>
+                        <a:buFontTx/>
+                        <a:buNone/>
+                        <a:tabLst/>
+                        <a:defRPr/>
+                      </a:pPr>
+                      <a:r>
+                        <a:rPr lang="nl-BE" dirty="0" err="1"/>
+                        <a:t>Combining</a:t>
+                      </a:r>
+                      <a:r>
+                        <a:rPr lang="nl-BE" dirty="0"/>
+                        <a:t> code</a:t>
+                      </a:r>
+                    </a:p>
+                  </a:txBody>
+                  <a:tcPr/>
+                </a:tc>
+                <a:tc>
+                  <a:txBody>
+                    <a:bodyPr/>
+                    <a:lstStyle/>
+                    <a:p>
+                      <a:pPr marL="0" marR="0" lvl="0" indent="0" algn="l" defTabSz="914400" rtl="0" eaLnBrk="1" fontAlgn="auto" latinLnBrk="0" hangingPunct="1">
+                        <a:lnSpc>
+                          <a:spcPct val="100000"/>
+                        </a:lnSpc>
+                        <a:spcBef>
+                          <a:spcPts val="0"/>
+                        </a:spcBef>
+                        <a:spcAft>
+                          <a:spcPts val="0"/>
+                        </a:spcAft>
+                        <a:buClrTx/>
+                        <a:buSzTx/>
+                        <a:buFontTx/>
+                        <a:buNone/>
+                        <a:tabLst/>
+                        <a:defRPr/>
+                      </a:pPr>
+                      <a:r>
+                        <a:rPr lang="nl-BE" dirty="0" err="1"/>
+                        <a:t>Combining</a:t>
+                      </a:r>
+                      <a:r>
+                        <a:rPr lang="nl-BE" dirty="0"/>
+                        <a:t> code</a:t>
+                      </a:r>
+                    </a:p>
+                  </a:txBody>
+                  <a:tcPr/>
+                </a:tc>
+                <a:tc>
+                  <a:txBody>
+                    <a:bodyPr/>
+                    <a:lstStyle/>
+                    <a:p>
+                      <a:r>
+                        <a:rPr lang="nl-BE" dirty="0"/>
+                        <a:t>Face </a:t>
+                      </a:r>
+                      <a:r>
+                        <a:rPr lang="nl-BE" dirty="0" err="1"/>
+                        <a:t>Recognition</a:t>
+                      </a:r>
+                      <a:endParaRPr lang="nl-BE" dirty="0"/>
+                    </a:p>
+                  </a:txBody>
+                  <a:tcPr/>
+                </a:tc>
+                <a:tc>
+                  <a:txBody>
+                    <a:bodyPr/>
+                    <a:lstStyle/>
+                    <a:p>
+                      <a:r>
+                        <a:rPr lang="nl-BE" dirty="0"/>
+                        <a:t>Face </a:t>
+                      </a:r>
+                      <a:r>
+                        <a:rPr lang="nl-BE" dirty="0" err="1"/>
+                        <a:t>recognition</a:t>
+                      </a:r>
+                      <a:endParaRPr lang="nl-BE" dirty="0"/>
+                    </a:p>
+                  </a:txBody>
+                  <a:tcPr>
+                    <a:lnR w="12700" cap="flat" cmpd="sng" algn="ctr">
+                      <a:solidFill>
+                        <a:schemeClr val="tx1"/>
+                      </a:solidFill>
+                      <a:prstDash val="solid"/>
+                      <a:round/>
+                      <a:headEnd type="none" w="med" len="med"/>
+                      <a:tailEnd type="none" w="med" len="med"/>
+                    </a:lnR>
+                  </a:tcPr>
+                </a:tc>
+                <a:extLst>
+                  <a:ext uri="{0D108BD9-81ED-4DB2-BD59-A6C34878D82A}">
+                    <a16:rowId xmlns:a16="http://schemas.microsoft.com/office/drawing/2014/main" val="1056747163"/>
+                  </a:ext>
+                </a:extLst>
+              </a:tr>
+              <a:tr h="370840">
+                <a:tc>
+                  <a:txBody>
+                    <a:bodyPr/>
+                    <a:lstStyle/>
+                    <a:p>
+                      <a:pPr marL="0" marR="0" lvl="0" indent="0" algn="l" defTabSz="914400" rtl="0" eaLnBrk="1" fontAlgn="auto" latinLnBrk="0" hangingPunct="1">
+                        <a:lnSpc>
+                          <a:spcPct val="100000"/>
+                        </a:lnSpc>
+                        <a:spcBef>
+                          <a:spcPts val="0"/>
+                        </a:spcBef>
+                        <a:spcAft>
+                          <a:spcPts val="0"/>
+                        </a:spcAft>
+                        <a:buClrTx/>
+                        <a:buSzTx/>
+                        <a:buFontTx/>
+                        <a:buNone/>
+                        <a:tabLst/>
+                        <a:defRPr/>
+                      </a:pPr>
+                      <a:r>
+                        <a:rPr lang="nl-BE" dirty="0"/>
+                        <a:t>Pepijn Haenen</a:t>
+                      </a:r>
+                    </a:p>
+                  </a:txBody>
+                  <a:tcPr>
+                    <a:lnL w="12700" cap="flat" cmpd="sng" algn="ctr">
+                      <a:solidFill>
+                        <a:schemeClr val="tx1"/>
+                      </a:solidFill>
+                      <a:prstDash val="solid"/>
+                      <a:round/>
+                      <a:headEnd type="none" w="med" len="med"/>
+                      <a:tailEnd type="none" w="med" len="med"/>
+                    </a:lnL>
+                  </a:tcPr>
+                </a:tc>
+                <a:tc>
+                  <a:txBody>
+                    <a:bodyPr/>
+                    <a:lstStyle/>
+                    <a:p>
+                      <a:pPr marL="0" marR="0" lvl="0" indent="0" algn="l" defTabSz="914400" rtl="0" eaLnBrk="1" fontAlgn="auto" latinLnBrk="0" hangingPunct="1">
+                        <a:lnSpc>
+                          <a:spcPct val="100000"/>
+                        </a:lnSpc>
+                        <a:spcBef>
+                          <a:spcPts val="0"/>
+                        </a:spcBef>
+                        <a:spcAft>
+                          <a:spcPts val="0"/>
+                        </a:spcAft>
+                        <a:buClrTx/>
+                        <a:buSzTx/>
+                        <a:buFontTx/>
+                        <a:buNone/>
+                        <a:tabLst/>
+                        <a:defRPr/>
+                      </a:pPr>
+                      <a:r>
+                        <a:rPr lang="nl-BE" dirty="0"/>
+                        <a:t>Face tracking</a:t>
+                      </a:r>
+                    </a:p>
+                  </a:txBody>
+                  <a:tcPr/>
+                </a:tc>
+                <a:tc>
+                  <a:txBody>
+                    <a:bodyPr/>
+                    <a:lstStyle/>
+                    <a:p>
+                      <a:pPr marL="0" marR="0" lvl="0" indent="0" algn="l" defTabSz="914400" rtl="0" eaLnBrk="1" fontAlgn="auto" latinLnBrk="0" hangingPunct="1">
+                        <a:lnSpc>
+                          <a:spcPct val="100000"/>
+                        </a:lnSpc>
+                        <a:spcBef>
+                          <a:spcPts val="0"/>
+                        </a:spcBef>
+                        <a:spcAft>
+                          <a:spcPts val="0"/>
+                        </a:spcAft>
+                        <a:buClrTx/>
+                        <a:buSzTx/>
+                        <a:buFontTx/>
+                        <a:buNone/>
+                        <a:tabLst/>
+                        <a:defRPr/>
+                      </a:pPr>
+                      <a:r>
+                        <a:rPr lang="nl-BE" dirty="0"/>
+                        <a:t>Face tracking</a:t>
+                      </a:r>
+                    </a:p>
+                  </a:txBody>
+                  <a:tcPr/>
+                </a:tc>
+                <a:tc>
+                  <a:txBody>
+                    <a:bodyPr/>
+                    <a:lstStyle/>
+                    <a:p>
+                      <a:r>
+                        <a:rPr lang="nl-BE" dirty="0"/>
+                        <a:t>Face tracking</a:t>
+                      </a:r>
+                    </a:p>
+                  </a:txBody>
+                  <a:tcPr/>
+                </a:tc>
+                <a:tc>
+                  <a:txBody>
+                    <a:bodyPr/>
+                    <a:lstStyle/>
+                    <a:p>
+                      <a:r>
+                        <a:rPr lang="nl-BE" dirty="0"/>
+                        <a:t>Face tracking</a:t>
+                      </a:r>
+                    </a:p>
+                  </a:txBody>
+                  <a:tcPr>
+                    <a:lnR w="12700" cap="flat" cmpd="sng" algn="ctr">
+                      <a:solidFill>
+                        <a:schemeClr val="tx1"/>
+                      </a:solidFill>
+                      <a:prstDash val="solid"/>
+                      <a:round/>
+                      <a:headEnd type="none" w="med" len="med"/>
+                      <a:tailEnd type="none" w="med" len="med"/>
+                    </a:lnR>
+                  </a:tcPr>
+                </a:tc>
+                <a:extLst>
+                  <a:ext uri="{0D108BD9-81ED-4DB2-BD59-A6C34878D82A}">
+                    <a16:rowId xmlns:a16="http://schemas.microsoft.com/office/drawing/2014/main" val="4081416973"/>
+                  </a:ext>
+                </a:extLst>
+              </a:tr>
+              <a:tr h="370840">
+                <a:tc>
+                  <a:txBody>
+                    <a:bodyPr/>
+                    <a:lstStyle/>
+                    <a:p>
+                      <a:pPr marL="0" marR="0" lvl="0" indent="0" algn="l" defTabSz="914400" rtl="0" eaLnBrk="1" fontAlgn="auto" latinLnBrk="0" hangingPunct="1">
+                        <a:lnSpc>
+                          <a:spcPct val="100000"/>
+                        </a:lnSpc>
+                        <a:spcBef>
+                          <a:spcPts val="0"/>
+                        </a:spcBef>
+                        <a:spcAft>
+                          <a:spcPts val="0"/>
+                        </a:spcAft>
+                        <a:buClrTx/>
+                        <a:buSzTx/>
+                        <a:buFontTx/>
+                        <a:buNone/>
+                        <a:tabLst/>
+                        <a:defRPr/>
+                      </a:pPr>
+                      <a:r>
+                        <a:rPr lang="nl-BE" dirty="0"/>
+                        <a:t>Philippe </a:t>
+                      </a:r>
+                      <a:r>
+                        <a:rPr lang="nl-BE" dirty="0" err="1"/>
+                        <a:t>Laffineur</a:t>
+                      </a:r>
+                      <a:endParaRPr lang="nl-BE" dirty="0"/>
+                    </a:p>
+                  </a:txBody>
+                  <a:tcPr>
+                    <a:lnL w="12700" cap="flat" cmpd="sng" algn="ctr">
+                      <a:solidFill>
+                        <a:schemeClr val="tx1"/>
+                      </a:solidFill>
+                      <a:prstDash val="solid"/>
+                      <a:round/>
+                      <a:headEnd type="none" w="med" len="med"/>
+                      <a:tailEnd type="none" w="med" len="med"/>
+                    </a:lnL>
+                  </a:tcPr>
+                </a:tc>
+                <a:tc>
+                  <a:txBody>
+                    <a:bodyPr/>
+                    <a:lstStyle/>
+                    <a:p>
+                      <a:r>
+                        <a:rPr lang="nl-BE" dirty="0"/>
+                        <a:t>Brochure</a:t>
+                      </a:r>
+                    </a:p>
+                  </a:txBody>
+                  <a:tcPr/>
+                </a:tc>
+                <a:tc>
+                  <a:txBody>
+                    <a:bodyPr/>
+                    <a:lstStyle/>
+                    <a:p>
+                      <a:r>
+                        <a:rPr lang="nl-BE" dirty="0"/>
+                        <a:t>Brochure</a:t>
+                      </a:r>
+                    </a:p>
+                  </a:txBody>
+                  <a:tcPr/>
+                </a:tc>
+                <a:tc>
+                  <a:txBody>
+                    <a:bodyPr/>
+                    <a:lstStyle/>
+                    <a:p>
+                      <a:r>
+                        <a:rPr lang="nl-BE" dirty="0"/>
+                        <a:t>Brochure</a:t>
+                      </a:r>
+                    </a:p>
+                  </a:txBody>
+                  <a:tcPr/>
+                </a:tc>
+                <a:tc>
+                  <a:txBody>
+                    <a:bodyPr/>
+                    <a:lstStyle/>
+                    <a:p>
+                      <a:r>
+                        <a:rPr lang="nl-BE" dirty="0"/>
+                        <a:t>Brochure</a:t>
+                      </a:r>
+                    </a:p>
+                  </a:txBody>
+                  <a:tcPr>
+                    <a:lnR w="12700" cap="flat" cmpd="sng" algn="ctr">
+                      <a:solidFill>
+                        <a:schemeClr val="tx1"/>
+                      </a:solidFill>
+                      <a:prstDash val="solid"/>
+                      <a:round/>
+                      <a:headEnd type="none" w="med" len="med"/>
+                      <a:tailEnd type="none" w="med" len="med"/>
+                    </a:lnR>
+                  </a:tcPr>
+                </a:tc>
+                <a:extLst>
+                  <a:ext uri="{0D108BD9-81ED-4DB2-BD59-A6C34878D82A}">
+                    <a16:rowId xmlns:a16="http://schemas.microsoft.com/office/drawing/2014/main" val="4226429342"/>
+                  </a:ext>
+                </a:extLst>
+              </a:tr>
+              <a:tr h="370840">
+                <a:tc>
+                  <a:txBody>
+                    <a:bodyPr/>
+                    <a:lstStyle/>
+                    <a:p>
+                      <a:pPr marL="0" marR="0" lvl="0" indent="0" algn="l" defTabSz="914400" rtl="0" eaLnBrk="1" fontAlgn="auto" latinLnBrk="0" hangingPunct="1">
+                        <a:lnSpc>
+                          <a:spcPct val="100000"/>
+                        </a:lnSpc>
+                        <a:spcBef>
+                          <a:spcPts val="0"/>
+                        </a:spcBef>
+                        <a:spcAft>
+                          <a:spcPts val="0"/>
+                        </a:spcAft>
+                        <a:buClrTx/>
+                        <a:buSzTx/>
+                        <a:buFontTx/>
+                        <a:buNone/>
+                        <a:tabLst/>
+                        <a:defRPr/>
+                      </a:pPr>
+                      <a:r>
+                        <a:rPr lang="nl-BE" dirty="0" err="1"/>
+                        <a:t>Tjorben</a:t>
+                      </a:r>
+                      <a:r>
+                        <a:rPr lang="nl-BE" dirty="0"/>
+                        <a:t> </a:t>
+                      </a:r>
+                      <a:r>
+                        <a:rPr lang="nl-BE" dirty="0" err="1"/>
+                        <a:t>Godeau</a:t>
+                      </a:r>
+                      <a:endParaRPr lang="nl-BE" dirty="0"/>
+                    </a:p>
+                  </a:txBody>
+                  <a:tcPr>
+                    <a:lnL w="12700" cap="flat" cmpd="sng" algn="ctr">
+                      <a:solidFill>
+                        <a:schemeClr val="tx1"/>
+                      </a:solidFill>
+                      <a:prstDash val="solid"/>
+                      <a:round/>
+                      <a:headEnd type="none" w="med" len="med"/>
+                      <a:tailEnd type="none" w="med" len="med"/>
+                    </a:lnL>
+                    <a:lnB w="12700" cap="flat" cmpd="sng" algn="ctr">
+                      <a:solidFill>
+                        <a:schemeClr val="tx1"/>
+                      </a:solidFill>
+                      <a:prstDash val="solid"/>
+                      <a:round/>
+                      <a:headEnd type="none" w="med" len="med"/>
+                      <a:tailEnd type="none" w="med" len="med"/>
+                    </a:lnB>
+                  </a:tcPr>
+                </a:tc>
+                <a:tc>
+                  <a:txBody>
+                    <a:bodyPr/>
+                    <a:lstStyle/>
+                    <a:p>
+                      <a:pPr marL="0" marR="0" lvl="0" indent="0" algn="l" defTabSz="914400" rtl="0" eaLnBrk="1" fontAlgn="auto" latinLnBrk="0" hangingPunct="1">
+                        <a:lnSpc>
+                          <a:spcPct val="100000"/>
+                        </a:lnSpc>
+                        <a:spcBef>
+                          <a:spcPts val="0"/>
+                        </a:spcBef>
+                        <a:spcAft>
+                          <a:spcPts val="0"/>
+                        </a:spcAft>
+                        <a:buClrTx/>
+                        <a:buSzTx/>
+                        <a:buFontTx/>
+                        <a:buNone/>
+                        <a:tabLst/>
+                        <a:defRPr/>
+                      </a:pPr>
+                      <a:r>
+                        <a:rPr lang="nl-BE" dirty="0"/>
+                        <a:t>Brochure</a:t>
+                      </a:r>
+                    </a:p>
+                  </a:txBody>
+                  <a:tcPr>
+                    <a:lnB w="12700" cap="flat" cmpd="sng" algn="ctr">
+                      <a:solidFill>
+                        <a:schemeClr val="tx1"/>
+                      </a:solidFill>
+                      <a:prstDash val="solid"/>
+                      <a:round/>
+                      <a:headEnd type="none" w="med" len="med"/>
+                      <a:tailEnd type="none" w="med" len="med"/>
+                    </a:lnB>
+                  </a:tcPr>
+                </a:tc>
+                <a:tc>
+                  <a:txBody>
+                    <a:bodyPr/>
+                    <a:lstStyle/>
+                    <a:p>
+                      <a:pPr marL="0" marR="0" lvl="0" indent="0" algn="l" defTabSz="914400" rtl="0" eaLnBrk="1" fontAlgn="auto" latinLnBrk="0" hangingPunct="1">
+                        <a:lnSpc>
+                          <a:spcPct val="100000"/>
+                        </a:lnSpc>
+                        <a:spcBef>
+                          <a:spcPts val="0"/>
+                        </a:spcBef>
+                        <a:spcAft>
+                          <a:spcPts val="0"/>
+                        </a:spcAft>
+                        <a:buClrTx/>
+                        <a:buSzTx/>
+                        <a:buFontTx/>
+                        <a:buNone/>
+                        <a:tabLst/>
+                        <a:defRPr/>
+                      </a:pPr>
+                      <a:r>
+                        <a:rPr lang="nl-BE" dirty="0"/>
+                        <a:t>Brochure</a:t>
+                      </a:r>
+                    </a:p>
+                  </a:txBody>
+                  <a:tcPr>
+                    <a:lnB w="12700" cap="flat" cmpd="sng" algn="ctr">
+                      <a:solidFill>
+                        <a:schemeClr val="tx1"/>
+                      </a:solidFill>
+                      <a:prstDash val="solid"/>
+                      <a:round/>
+                      <a:headEnd type="none" w="med" len="med"/>
+                      <a:tailEnd type="none" w="med" len="med"/>
+                    </a:lnB>
+                  </a:tcPr>
+                </a:tc>
+                <a:tc>
+                  <a:txBody>
+                    <a:bodyPr/>
+                    <a:lstStyle/>
+                    <a:p>
+                      <a:pPr marL="0" marR="0" lvl="0" indent="0" algn="l" defTabSz="914400" rtl="0" eaLnBrk="1" fontAlgn="auto" latinLnBrk="0" hangingPunct="1">
+                        <a:lnSpc>
+                          <a:spcPct val="100000"/>
+                        </a:lnSpc>
+                        <a:spcBef>
+                          <a:spcPts val="0"/>
+                        </a:spcBef>
+                        <a:spcAft>
+                          <a:spcPts val="0"/>
+                        </a:spcAft>
+                        <a:buClrTx/>
+                        <a:buSzTx/>
+                        <a:buFontTx/>
+                        <a:buNone/>
+                        <a:tabLst/>
+                        <a:defRPr/>
+                      </a:pPr>
+                      <a:r>
+                        <a:rPr lang="nl-BE" dirty="0"/>
+                        <a:t>Brochure</a:t>
+                      </a:r>
+                    </a:p>
+                  </a:txBody>
+                  <a:tcPr>
+                    <a:lnB w="12700" cap="flat" cmpd="sng" algn="ctr">
+                      <a:solidFill>
+                        <a:schemeClr val="tx1"/>
+                      </a:solidFill>
+                      <a:prstDash val="solid"/>
+                      <a:round/>
+                      <a:headEnd type="none" w="med" len="med"/>
+                      <a:tailEnd type="none" w="med" len="med"/>
+                    </a:lnB>
+                  </a:tcPr>
+                </a:tc>
+                <a:tc>
+                  <a:txBody>
+                    <a:bodyPr/>
+                    <a:lstStyle/>
+                    <a:p>
+                      <a:r>
+                        <a:rPr lang="nl-BE" dirty="0"/>
+                        <a:t>Tracking</a:t>
+                      </a:r>
+                    </a:p>
+                  </a:txBody>
+                  <a:tcPr>
+                    <a:lnR w="12700" cap="flat" cmpd="sng" algn="ctr">
+                      <a:solidFill>
+                        <a:schemeClr val="tx1"/>
+                      </a:solidFill>
+                      <a:prstDash val="solid"/>
+                      <a:round/>
+                      <a:headEnd type="none" w="med" len="med"/>
+                      <a:tailEnd type="none" w="med" len="med"/>
+                    </a:lnR>
+                    <a:lnB w="12700" cap="flat" cmpd="sng" algn="ctr">
+                      <a:solidFill>
+                        <a:schemeClr val="tx1"/>
+                      </a:solidFill>
+                      <a:prstDash val="solid"/>
+                      <a:round/>
+                      <a:headEnd type="none" w="med" len="med"/>
+                      <a:tailEnd type="none" w="med" len="med"/>
+                    </a:lnB>
+                  </a:tcPr>
+                </a:tc>
+                <a:extLst>
+                  <a:ext uri="{0D108BD9-81ED-4DB2-BD59-A6C34878D82A}">
+                    <a16:rowId xmlns:a16="http://schemas.microsoft.com/office/drawing/2014/main" val="3156394708"/>
+                  </a:ext>
+                </a:extLst>
+              </a:tr>
+            </a:tbl>
+          </a:graphicData>
+        </a:graphic>
+      </p:graphicFrame>
+      <p:sp>
+        <p:nvSpPr>
+          <p:cNvPr id="32" name="Rectangle 8">
+            <a:extLst>
+              <a:ext uri="{FF2B5EF4-FFF2-40B4-BE49-F238E27FC236}">
+                <a16:creationId xmlns:a16="http://schemas.microsoft.com/office/drawing/2014/main" id="{8532E473-3AD0-1ACA-DBD6-4C38F717FFAD}"/>
+              </a:ext>
+            </a:extLst>
+          </p:cNvPr>
+          <p:cNvSpPr>
+            <a:spLocks noChangeArrowheads="1"/>
+          </p:cNvSpPr>
+          <p:nvPr/>
+        </p:nvSpPr>
+        <p:spPr bwMode="auto">
+          <a:xfrm>
+            <a:off x="576000" y="3212786"/>
+            <a:ext cx="11311200" cy="304800"/>
+          </a:xfrm>
+          <a:prstGeom prst="rect">
+            <a:avLst/>
+          </a:prstGeom>
+          <a:solidFill>
+            <a:schemeClr val="tx2">
+              <a:lumMod val="75000"/>
+            </a:schemeClr>
+          </a:solidFill>
+          <a:ln w="9525">
+            <a:solidFill>
+              <a:srgbClr val="333333"/>
+            </a:solidFill>
+            <a:miter lim="800000"/>
+            <a:headEnd/>
+            <a:tailEnd/>
+          </a:ln>
+          <a:effectLst/>
+        </p:spPr>
+        <p:txBody>
+          <a:bodyPr wrap="none" anchor="ctr"/>
+          <a:lstStyle/>
+          <a:p>
+            <a:r>
+              <a:rPr lang="en-US" altLang="nl-BE" sz="1400" b="1" dirty="0" err="1">
+                <a:solidFill>
+                  <a:schemeClr val="bg1"/>
+                </a:solidFill>
+                <a:latin typeface="Verdana" panose="020B0604030504040204" pitchFamily="34" charset="0"/>
+              </a:rPr>
+              <a:t>Uitgevoerde</a:t>
+            </a:r>
+            <a:r>
+              <a:rPr lang="en-US" altLang="nl-BE" sz="1400" b="1" dirty="0">
+                <a:solidFill>
+                  <a:schemeClr val="bg1"/>
+                </a:solidFill>
+                <a:latin typeface="Verdana" panose="020B0604030504040204" pitchFamily="34" charset="0"/>
+              </a:rPr>
+              <a:t> taken </a:t>
+            </a:r>
+            <a:r>
+              <a:rPr lang="en-US" altLang="nl-BE" sz="1400" b="1" dirty="0" err="1">
+                <a:solidFill>
+                  <a:schemeClr val="bg1"/>
+                </a:solidFill>
+                <a:latin typeface="Verdana" panose="020B0604030504040204" pitchFamily="34" charset="0"/>
+              </a:rPr>
+              <a:t>tijdens</a:t>
+            </a:r>
+            <a:r>
+              <a:rPr lang="en-US" altLang="nl-BE" sz="1400" b="1" dirty="0">
+                <a:solidFill>
+                  <a:schemeClr val="bg1"/>
+                </a:solidFill>
+                <a:latin typeface="Verdana" panose="020B0604030504040204" pitchFamily="34" charset="0"/>
+              </a:rPr>
+              <a:t> </a:t>
+            </a:r>
+            <a:r>
+              <a:rPr lang="en-US" altLang="nl-BE" sz="1400" b="1" dirty="0" err="1">
+                <a:solidFill>
+                  <a:schemeClr val="bg1"/>
+                </a:solidFill>
+                <a:latin typeface="Verdana" panose="020B0604030504040204" pitchFamily="34" charset="0"/>
+              </a:rPr>
+              <a:t>teamzitting</a:t>
+            </a:r>
+            <a:endParaRPr lang="en-US" altLang="nl-BE" sz="1400" b="1" dirty="0">
+              <a:solidFill>
+                <a:schemeClr val="bg1"/>
+              </a:solidFill>
+              <a:latin typeface="Verdana" panose="020B0604030504040204" pitchFamily="34" charset="0"/>
+            </a:endParaRPr>
+          </a:p>
+        </p:txBody>
+      </p:sp>
+      <p:sp>
+        <p:nvSpPr>
+          <p:cNvPr id="33" name="Rectangle 7">
+            <a:extLst>
+              <a:ext uri="{FF2B5EF4-FFF2-40B4-BE49-F238E27FC236}">
+                <a16:creationId xmlns:a16="http://schemas.microsoft.com/office/drawing/2014/main" id="{8C784DF3-91D0-06EA-41CD-A662AB28C0FF}"/>
+              </a:ext>
+            </a:extLst>
+          </p:cNvPr>
+          <p:cNvSpPr>
+            <a:spLocks noChangeArrowheads="1"/>
+          </p:cNvSpPr>
+          <p:nvPr/>
+        </p:nvSpPr>
+        <p:spPr bwMode="auto">
+          <a:xfrm>
+            <a:off x="6946320" y="695718"/>
+            <a:ext cx="4940880" cy="1018404"/>
+          </a:xfrm>
+          <a:prstGeom prst="rect">
+            <a:avLst/>
+          </a:prstGeom>
+          <a:noFill/>
+          <a:ln w="9525">
+            <a:solidFill>
+              <a:srgbClr val="333333"/>
+            </a:solidFill>
+            <a:miter lim="800000"/>
+            <a:headEnd/>
+            <a:tailEnd/>
+          </a:ln>
+          <a:effectLst/>
+          <a:extLst>
+            <a:ext uri="{909E8E84-426E-40DD-AFC4-6F175D3DCCD1}">
+              <a14:hiddenFill xmlns:a14="http://schemas.microsoft.com/office/drawing/2010/main">
+                <a:solidFill>
+                  <a:schemeClr val="accent1"/>
+                </a:solidFill>
+              </a14:hiddenFill>
+            </a:ext>
+            <a:ext uri="{AF507438-7753-43E0-B8FC-AC1667EBCBE1}">
+              <a14:hiddenEffects xmlns:a14="http://schemas.microsoft.com/office/drawing/2010/main">
+                <a:effectLst>
+                  <a:outerShdw dist="35921" dir="2700000" algn="ctr" rotWithShape="0">
+                    <a:schemeClr val="bg2"/>
+                  </a:outerShdw>
+                </a:effectLst>
+              </a14:hiddenEffects>
+            </a:ext>
+          </a:extLst>
+        </p:spPr>
+        <p:txBody>
+          <a:bodyPr wrap="none" anchor="ctr"/>
+          <a:lstStyle/>
+          <a:p>
+            <a:endParaRPr lang="nl-BE"/>
+          </a:p>
+        </p:txBody>
+      </p:sp>
+      <p:sp>
+        <p:nvSpPr>
+          <p:cNvPr id="34" name="Rectangle 8">
+            <a:extLst>
+              <a:ext uri="{FF2B5EF4-FFF2-40B4-BE49-F238E27FC236}">
+                <a16:creationId xmlns:a16="http://schemas.microsoft.com/office/drawing/2014/main" id="{DAE5054B-71F1-C2E9-80C9-BD8557A87D5A}"/>
+              </a:ext>
+            </a:extLst>
+          </p:cNvPr>
+          <p:cNvSpPr>
+            <a:spLocks noChangeArrowheads="1"/>
+          </p:cNvSpPr>
+          <p:nvPr/>
+        </p:nvSpPr>
+        <p:spPr bwMode="auto">
+          <a:xfrm>
+            <a:off x="6946320" y="695718"/>
+            <a:ext cx="4940880" cy="304800"/>
+          </a:xfrm>
+          <a:prstGeom prst="rect">
+            <a:avLst/>
+          </a:prstGeom>
+          <a:solidFill>
+            <a:schemeClr val="tx2">
+              <a:lumMod val="75000"/>
+            </a:schemeClr>
+          </a:solidFill>
+          <a:ln w="9525">
+            <a:solidFill>
+              <a:srgbClr val="333333"/>
+            </a:solidFill>
+            <a:miter lim="800000"/>
+            <a:headEnd/>
+            <a:tailEnd/>
+          </a:ln>
+          <a:effectLst/>
+        </p:spPr>
+        <p:txBody>
+          <a:bodyPr wrap="none" anchor="ctr"/>
+          <a:lstStyle/>
+          <a:p>
+            <a:r>
+              <a:rPr lang="en-US" altLang="nl-BE" sz="1400" b="1" dirty="0" err="1">
+                <a:solidFill>
+                  <a:schemeClr val="bg1"/>
+                </a:solidFill>
+                <a:latin typeface="Verdana" panose="020B0604030504040204" pitchFamily="34" charset="0"/>
+              </a:rPr>
+              <a:t>Voltooide</a:t>
+            </a:r>
+            <a:r>
+              <a:rPr lang="en-US" altLang="nl-BE" sz="1400" b="1" dirty="0">
+                <a:solidFill>
+                  <a:schemeClr val="bg1"/>
+                </a:solidFill>
+                <a:latin typeface="Verdana" panose="020B0604030504040204" pitchFamily="34" charset="0"/>
+              </a:rPr>
+              <a:t> </a:t>
+            </a:r>
+            <a:r>
+              <a:rPr lang="en-US" altLang="nl-BE" sz="1400" b="1" dirty="0" err="1">
+                <a:solidFill>
+                  <a:schemeClr val="bg1"/>
+                </a:solidFill>
+                <a:latin typeface="Verdana" panose="020B0604030504040204" pitchFamily="34" charset="0"/>
+              </a:rPr>
+              <a:t>acties</a:t>
+            </a:r>
+            <a:r>
+              <a:rPr lang="en-US" altLang="nl-BE" sz="1400" b="1" dirty="0">
+                <a:solidFill>
+                  <a:schemeClr val="bg1"/>
+                </a:solidFill>
+                <a:latin typeface="Verdana" panose="020B0604030504040204" pitchFamily="34" charset="0"/>
+              </a:rPr>
+              <a:t> – </a:t>
+            </a:r>
+            <a:r>
+              <a:rPr lang="en-US" altLang="nl-BE" sz="1400" b="1" dirty="0" err="1">
+                <a:solidFill>
+                  <a:schemeClr val="bg1"/>
+                </a:solidFill>
+                <a:latin typeface="Verdana" panose="020B0604030504040204" pitchFamily="34" charset="0"/>
+              </a:rPr>
+              <a:t>mijlpalen</a:t>
+            </a:r>
+            <a:endParaRPr lang="en-US" altLang="nl-BE" sz="1400" b="1" dirty="0">
+              <a:solidFill>
+                <a:schemeClr val="bg1"/>
+              </a:solidFill>
+              <a:latin typeface="Verdana" panose="020B0604030504040204" pitchFamily="34" charset="0"/>
+            </a:endParaRPr>
+          </a:p>
+        </p:txBody>
+      </p:sp>
+      <p:sp>
+        <p:nvSpPr>
+          <p:cNvPr id="35" name="Rectangle 20">
+            <a:extLst>
+              <a:ext uri="{FF2B5EF4-FFF2-40B4-BE49-F238E27FC236}">
+                <a16:creationId xmlns:a16="http://schemas.microsoft.com/office/drawing/2014/main" id="{CA220699-8C1A-C150-E2CF-34C808F65288}"/>
+              </a:ext>
+            </a:extLst>
+          </p:cNvPr>
+          <p:cNvSpPr>
+            <a:spLocks noChangeArrowheads="1"/>
+          </p:cNvSpPr>
+          <p:nvPr/>
+        </p:nvSpPr>
+        <p:spPr bwMode="auto">
+          <a:xfrm>
+            <a:off x="6946320" y="1017296"/>
+            <a:ext cx="4940880" cy="713604"/>
+          </a:xfrm>
+          <a:prstGeom prst="rect">
+            <a:avLst/>
+          </a:prstGeom>
+          <a:noFill/>
+          <a:ln>
+            <a:noFill/>
+          </a:ln>
+          <a:effectLst/>
+          <a:extLst>
+            <a:ext uri="{909E8E84-426E-40DD-AFC4-6F175D3DCCD1}">
+              <a14:hiddenFill xmlns:a14="http://schemas.microsoft.com/office/drawing/2010/main">
+                <a:solidFill>
+                  <a:srgbClr val="333333"/>
+                </a:solidFill>
+              </a14:hiddenFill>
+            </a:ext>
+            <a:ext uri="{91240B29-F687-4F45-9708-019B960494DF}">
+              <a14:hiddenLine xmlns:a14="http://schemas.microsoft.com/office/drawing/2010/main" w="9525">
+                <a:solidFill>
+                  <a:srgbClr val="333333"/>
+                </a:solidFill>
+                <a:miter lim="800000"/>
+                <a:headEnd/>
+                <a:tailEnd/>
+              </a14:hiddenLine>
+            </a:ext>
+            <a:ext uri="{AF507438-7753-43E0-B8FC-AC1667EBCBE1}">
+              <a14:hiddenEffects xmlns:a14="http://schemas.microsoft.com/office/drawing/2010/main">
+                <a:effectLst>
+                  <a:outerShdw dist="35921" dir="2700000" algn="ctr" rotWithShape="0">
+                    <a:schemeClr val="bg2"/>
+                  </a:outerShdw>
+                </a:effectLst>
+              </a14:hiddenEffects>
+            </a:ext>
+          </a:extLst>
+        </p:spPr>
+        <p:txBody>
+          <a:bodyPr wrap="none"/>
+          <a:lstStyle/>
+          <a:p>
+            <a:endParaRPr lang="en-US" altLang="nl-BE" sz="1200" dirty="0">
+              <a:solidFill>
+                <a:srgbClr val="333333"/>
+              </a:solidFill>
+              <a:latin typeface="Verdana" panose="020B0604030504040204" pitchFamily="34" charset="0"/>
+            </a:endParaRPr>
+          </a:p>
+        </p:txBody>
+      </p:sp>
+      <p:sp>
+        <p:nvSpPr>
+          <p:cNvPr id="36" name="Rectangle 7">
+            <a:extLst>
+              <a:ext uri="{FF2B5EF4-FFF2-40B4-BE49-F238E27FC236}">
+                <a16:creationId xmlns:a16="http://schemas.microsoft.com/office/drawing/2014/main" id="{E522FAAD-4C4E-A54F-A8AD-49240F449D94}"/>
+              </a:ext>
+            </a:extLst>
+          </p:cNvPr>
+          <p:cNvSpPr>
+            <a:spLocks noChangeArrowheads="1"/>
+          </p:cNvSpPr>
+          <p:nvPr/>
+        </p:nvSpPr>
+        <p:spPr bwMode="auto">
+          <a:xfrm>
+            <a:off x="6946320" y="1901580"/>
+            <a:ext cx="4940880" cy="1018404"/>
+          </a:xfrm>
+          <a:prstGeom prst="rect">
+            <a:avLst/>
+          </a:prstGeom>
+          <a:noFill/>
+          <a:ln w="9525">
+            <a:solidFill>
+              <a:srgbClr val="333333"/>
+            </a:solidFill>
+            <a:miter lim="800000"/>
+            <a:headEnd/>
+            <a:tailEnd/>
+          </a:ln>
+          <a:effectLst/>
+          <a:extLst>
+            <a:ext uri="{909E8E84-426E-40DD-AFC4-6F175D3DCCD1}">
+              <a14:hiddenFill xmlns:a14="http://schemas.microsoft.com/office/drawing/2010/main">
+                <a:solidFill>
+                  <a:schemeClr val="accent1"/>
+                </a:solidFill>
+              </a14:hiddenFill>
+            </a:ext>
+            <a:ext uri="{AF507438-7753-43E0-B8FC-AC1667EBCBE1}">
+              <a14:hiddenEffects xmlns:a14="http://schemas.microsoft.com/office/drawing/2010/main">
+                <a:effectLst>
+                  <a:outerShdw dist="35921" dir="2700000" algn="ctr" rotWithShape="0">
+                    <a:schemeClr val="bg2"/>
+                  </a:outerShdw>
+                </a:effectLst>
+              </a14:hiddenEffects>
+            </a:ext>
+          </a:extLst>
+        </p:spPr>
+        <p:txBody>
+          <a:bodyPr wrap="none" anchor="ctr"/>
+          <a:lstStyle/>
+          <a:p>
+            <a:endParaRPr lang="nl-BE"/>
+          </a:p>
+        </p:txBody>
+      </p:sp>
+      <p:sp>
+        <p:nvSpPr>
+          <p:cNvPr id="37" name="Rectangle 8">
+            <a:extLst>
+              <a:ext uri="{FF2B5EF4-FFF2-40B4-BE49-F238E27FC236}">
+                <a16:creationId xmlns:a16="http://schemas.microsoft.com/office/drawing/2014/main" id="{27D7948D-3EDF-A9AD-5576-B7B4C9037342}"/>
+              </a:ext>
+            </a:extLst>
+          </p:cNvPr>
+          <p:cNvSpPr>
+            <a:spLocks noChangeArrowheads="1"/>
+          </p:cNvSpPr>
+          <p:nvPr/>
+        </p:nvSpPr>
+        <p:spPr bwMode="auto">
+          <a:xfrm>
+            <a:off x="6946320" y="1901580"/>
+            <a:ext cx="4940880" cy="304800"/>
+          </a:xfrm>
+          <a:prstGeom prst="rect">
+            <a:avLst/>
+          </a:prstGeom>
+          <a:solidFill>
+            <a:schemeClr val="tx2">
+              <a:lumMod val="75000"/>
+            </a:schemeClr>
+          </a:solidFill>
+          <a:ln w="9525">
+            <a:solidFill>
+              <a:srgbClr val="333333"/>
+            </a:solidFill>
+            <a:miter lim="800000"/>
+            <a:headEnd/>
+            <a:tailEnd/>
+          </a:ln>
+          <a:effectLst/>
+        </p:spPr>
+        <p:txBody>
+          <a:bodyPr wrap="none" anchor="ctr"/>
+          <a:lstStyle/>
+          <a:p>
+            <a:r>
+              <a:rPr lang="en-US" altLang="nl-BE" sz="1400" b="1" dirty="0" err="1">
+                <a:solidFill>
+                  <a:schemeClr val="bg1"/>
+                </a:solidFill>
+                <a:latin typeface="Verdana" panose="020B0604030504040204" pitchFamily="34" charset="0"/>
+              </a:rPr>
+              <a:t>Lopende</a:t>
+            </a:r>
+            <a:r>
+              <a:rPr lang="en-US" altLang="nl-BE" sz="1400" b="1" dirty="0">
+                <a:solidFill>
+                  <a:schemeClr val="bg1"/>
+                </a:solidFill>
+                <a:latin typeface="Verdana" panose="020B0604030504040204" pitchFamily="34" charset="0"/>
+              </a:rPr>
+              <a:t> </a:t>
+            </a:r>
+            <a:r>
+              <a:rPr lang="en-US" altLang="nl-BE" sz="1400" b="1" dirty="0" err="1">
+                <a:solidFill>
+                  <a:schemeClr val="bg1"/>
+                </a:solidFill>
+                <a:latin typeface="Verdana" panose="020B0604030504040204" pitchFamily="34" charset="0"/>
+              </a:rPr>
+              <a:t>acties</a:t>
+            </a:r>
+            <a:r>
+              <a:rPr lang="en-US" altLang="nl-BE" sz="1400" b="1" dirty="0">
+                <a:solidFill>
+                  <a:schemeClr val="bg1"/>
+                </a:solidFill>
+                <a:latin typeface="Verdana" panose="020B0604030504040204" pitchFamily="34" charset="0"/>
+              </a:rPr>
+              <a:t> – </a:t>
+            </a:r>
+            <a:r>
+              <a:rPr lang="en-US" altLang="nl-BE" sz="1400" b="1" dirty="0" err="1">
+                <a:solidFill>
+                  <a:schemeClr val="bg1"/>
+                </a:solidFill>
+                <a:latin typeface="Verdana" panose="020B0604030504040204" pitchFamily="34" charset="0"/>
+              </a:rPr>
+              <a:t>volgende</a:t>
+            </a:r>
+            <a:r>
+              <a:rPr lang="en-US" altLang="nl-BE" sz="1400" b="1" dirty="0">
+                <a:solidFill>
+                  <a:schemeClr val="bg1"/>
+                </a:solidFill>
+                <a:latin typeface="Verdana" panose="020B0604030504040204" pitchFamily="34" charset="0"/>
+              </a:rPr>
+              <a:t> </a:t>
+            </a:r>
+            <a:r>
+              <a:rPr lang="en-US" altLang="nl-BE" sz="1400" b="1" dirty="0" err="1">
+                <a:solidFill>
+                  <a:schemeClr val="bg1"/>
+                </a:solidFill>
+                <a:latin typeface="Verdana" panose="020B0604030504040204" pitchFamily="34" charset="0"/>
+              </a:rPr>
+              <a:t>stappen</a:t>
+            </a:r>
+            <a:endParaRPr lang="en-US" altLang="nl-BE" sz="1400" b="1" dirty="0">
+              <a:solidFill>
+                <a:schemeClr val="bg1"/>
+              </a:solidFill>
+              <a:latin typeface="Verdana" panose="020B0604030504040204" pitchFamily="34" charset="0"/>
+            </a:endParaRPr>
+          </a:p>
+        </p:txBody>
+      </p:sp>
+      <p:sp>
+        <p:nvSpPr>
+          <p:cNvPr id="38" name="Rectangle 20">
+            <a:extLst>
+              <a:ext uri="{FF2B5EF4-FFF2-40B4-BE49-F238E27FC236}">
+                <a16:creationId xmlns:a16="http://schemas.microsoft.com/office/drawing/2014/main" id="{2728EF24-94C7-6A18-7240-28E5437CB6DC}"/>
+              </a:ext>
+            </a:extLst>
+          </p:cNvPr>
+          <p:cNvSpPr>
+            <a:spLocks noChangeArrowheads="1"/>
+          </p:cNvSpPr>
+          <p:nvPr/>
+        </p:nvSpPr>
+        <p:spPr bwMode="auto">
+          <a:xfrm>
+            <a:off x="6946320" y="2206380"/>
+            <a:ext cx="4940880" cy="713604"/>
+          </a:xfrm>
+          <a:prstGeom prst="rect">
+            <a:avLst/>
+          </a:prstGeom>
+          <a:noFill/>
+          <a:ln>
+            <a:noFill/>
+          </a:ln>
+          <a:effectLst/>
+          <a:extLst>
+            <a:ext uri="{909E8E84-426E-40DD-AFC4-6F175D3DCCD1}">
+              <a14:hiddenFill xmlns:a14="http://schemas.microsoft.com/office/drawing/2010/main">
+                <a:solidFill>
+                  <a:srgbClr val="333333"/>
+                </a:solidFill>
+              </a14:hiddenFill>
+            </a:ext>
+            <a:ext uri="{91240B29-F687-4F45-9708-019B960494DF}">
+              <a14:hiddenLine xmlns:a14="http://schemas.microsoft.com/office/drawing/2010/main" w="9525">
+                <a:solidFill>
+                  <a:srgbClr val="333333"/>
+                </a:solidFill>
+                <a:miter lim="800000"/>
+                <a:headEnd/>
+                <a:tailEnd/>
+              </a14:hiddenLine>
+            </a:ext>
+            <a:ext uri="{AF507438-7753-43E0-B8FC-AC1667EBCBE1}">
+              <a14:hiddenEffects xmlns:a14="http://schemas.microsoft.com/office/drawing/2010/main">
+                <a:effectLst>
+                  <a:outerShdw dist="35921" dir="2700000" algn="ctr" rotWithShape="0">
+                    <a:schemeClr val="bg2"/>
+                  </a:outerShdw>
+                </a:effectLst>
+              </a14:hiddenEffects>
+            </a:ext>
+          </a:extLst>
+        </p:spPr>
+        <p:txBody>
+          <a:bodyPr wrap="none"/>
+          <a:lstStyle/>
+          <a:p>
+            <a:endParaRPr lang="en-US" altLang="nl-BE" sz="1200" dirty="0">
+              <a:solidFill>
+                <a:srgbClr val="333333"/>
+              </a:solidFill>
+              <a:latin typeface="Verdana" panose="020B0604030504040204" pitchFamily="34" charset="0"/>
+            </a:endParaRPr>
+          </a:p>
+        </p:txBody>
+      </p:sp>
+      <p:sp>
+        <p:nvSpPr>
+          <p:cNvPr id="6" name="Rectangle 20">
+            <a:extLst>
+              <a:ext uri="{FF2B5EF4-FFF2-40B4-BE49-F238E27FC236}">
+                <a16:creationId xmlns:a16="http://schemas.microsoft.com/office/drawing/2014/main" id="{36B2768F-C43F-065E-FE5D-C9B16EAEA476}"/>
+              </a:ext>
+            </a:extLst>
+          </p:cNvPr>
+          <p:cNvSpPr>
+            <a:spLocks noChangeArrowheads="1"/>
+          </p:cNvSpPr>
+          <p:nvPr/>
+        </p:nvSpPr>
+        <p:spPr bwMode="auto">
+          <a:xfrm>
+            <a:off x="6940800" y="1000518"/>
+            <a:ext cx="4946400" cy="713604"/>
+          </a:xfrm>
+          <a:prstGeom prst="rect">
+            <a:avLst/>
+          </a:prstGeom>
+          <a:noFill/>
+          <a:ln>
+            <a:noFill/>
+          </a:ln>
+          <a:effectLst/>
+          <a:extLst>
+            <a:ext uri="{909E8E84-426E-40DD-AFC4-6F175D3DCCD1}">
+              <a14:hiddenFill xmlns:a14="http://schemas.microsoft.com/office/drawing/2010/main">
+                <a:solidFill>
+                  <a:srgbClr val="333333"/>
+                </a:solidFill>
+              </a14:hiddenFill>
+            </a:ext>
+            <a:ext uri="{91240B29-F687-4F45-9708-019B960494DF}">
+              <a14:hiddenLine xmlns:a14="http://schemas.microsoft.com/office/drawing/2010/main" w="9525">
+                <a:solidFill>
+                  <a:srgbClr val="333333"/>
+                </a:solidFill>
+                <a:miter lim="800000"/>
+                <a:headEnd/>
+                <a:tailEnd/>
+              </a14:hiddenLine>
+            </a:ext>
+            <a:ext uri="{AF507438-7753-43E0-B8FC-AC1667EBCBE1}">
+              <a14:hiddenEffects xmlns:a14="http://schemas.microsoft.com/office/drawing/2010/main">
+                <a:effectLst>
+                  <a:outerShdw dist="35921" dir="2700000" algn="ctr" rotWithShape="0">
+                    <a:schemeClr val="bg2"/>
+                  </a:outerShdw>
+                </a:effectLst>
+              </a14:hiddenEffects>
+            </a:ext>
+          </a:extLst>
+        </p:spPr>
+        <p:txBody>
+          <a:bodyPr wrap="none"/>
+          <a:lstStyle/>
+          <a:p>
+            <a:pPr>
+              <a:buFontTx/>
+              <a:buChar char="•"/>
+            </a:pPr>
+            <a:r>
+              <a:rPr lang="en-US" altLang="nl-BE" sz="1200" dirty="0">
+                <a:solidFill>
+                  <a:srgbClr val="333333"/>
+                </a:solidFill>
+                <a:latin typeface="Verdana" panose="020B0604030504040204" pitchFamily="34" charset="0"/>
+              </a:rPr>
+              <a:t> The biggest part of combining the code</a:t>
+            </a:r>
+          </a:p>
+          <a:p>
+            <a:pPr>
+              <a:buFontTx/>
+              <a:buChar char="•"/>
+            </a:pPr>
+            <a:r>
+              <a:rPr lang="en-US" altLang="nl-BE" sz="1200" dirty="0">
+                <a:solidFill>
+                  <a:srgbClr val="333333"/>
+                </a:solidFill>
+                <a:latin typeface="Verdana" panose="020B0604030504040204" pitchFamily="34" charset="0"/>
+              </a:rPr>
+              <a:t> The largest part of tracking</a:t>
+            </a:r>
+          </a:p>
+        </p:txBody>
+      </p:sp>
+      <p:sp>
+        <p:nvSpPr>
+          <p:cNvPr id="2" name="Rectangle 20">
+            <a:extLst>
+              <a:ext uri="{FF2B5EF4-FFF2-40B4-BE49-F238E27FC236}">
+                <a16:creationId xmlns:a16="http://schemas.microsoft.com/office/drawing/2014/main" id="{92C87990-DCE2-9586-EF8E-6726A456D115}"/>
+              </a:ext>
+            </a:extLst>
+          </p:cNvPr>
+          <p:cNvSpPr>
+            <a:spLocks noChangeArrowheads="1"/>
+          </p:cNvSpPr>
+          <p:nvPr/>
+        </p:nvSpPr>
+        <p:spPr bwMode="auto">
+          <a:xfrm>
+            <a:off x="6946320" y="2206380"/>
+            <a:ext cx="4946400" cy="713604"/>
+          </a:xfrm>
+          <a:prstGeom prst="rect">
+            <a:avLst/>
+          </a:prstGeom>
+          <a:noFill/>
+          <a:ln>
+            <a:noFill/>
+          </a:ln>
+          <a:effectLst/>
+          <a:extLst>
+            <a:ext uri="{909E8E84-426E-40DD-AFC4-6F175D3DCCD1}">
+              <a14:hiddenFill xmlns:a14="http://schemas.microsoft.com/office/drawing/2010/main">
+                <a:solidFill>
+                  <a:srgbClr val="333333"/>
+                </a:solidFill>
+              </a14:hiddenFill>
+            </a:ext>
+            <a:ext uri="{91240B29-F687-4F45-9708-019B960494DF}">
+              <a14:hiddenLine xmlns:a14="http://schemas.microsoft.com/office/drawing/2010/main" w="9525">
+                <a:solidFill>
+                  <a:srgbClr val="333333"/>
+                </a:solidFill>
+                <a:miter lim="800000"/>
+                <a:headEnd/>
+                <a:tailEnd/>
+              </a14:hiddenLine>
+            </a:ext>
+            <a:ext uri="{AF507438-7753-43E0-B8FC-AC1667EBCBE1}">
+              <a14:hiddenEffects xmlns:a14="http://schemas.microsoft.com/office/drawing/2010/main">
+                <a:effectLst>
+                  <a:outerShdw dist="35921" dir="2700000" algn="ctr" rotWithShape="0">
+                    <a:schemeClr val="bg2"/>
+                  </a:outerShdw>
+                </a:effectLst>
+              </a14:hiddenEffects>
+            </a:ext>
+          </a:extLst>
+        </p:spPr>
+        <p:txBody>
+          <a:bodyPr wrap="none"/>
+          <a:lstStyle/>
+          <a:p>
+            <a:pPr>
+              <a:buFontTx/>
+              <a:buChar char="•"/>
+            </a:pPr>
+            <a:r>
+              <a:rPr lang="en-US" altLang="nl-BE" sz="1200" dirty="0">
+                <a:solidFill>
+                  <a:srgbClr val="333333"/>
+                </a:solidFill>
+                <a:latin typeface="Verdana" panose="020B0604030504040204" pitchFamily="34" charset="0"/>
+              </a:rPr>
+              <a:t> Combining</a:t>
+            </a:r>
+          </a:p>
+          <a:p>
+            <a:pPr>
+              <a:buFontTx/>
+              <a:buChar char="•"/>
+            </a:pPr>
+            <a:r>
+              <a:rPr lang="en-US" altLang="nl-BE" sz="1200" dirty="0">
+                <a:solidFill>
+                  <a:srgbClr val="333333"/>
+                </a:solidFill>
+                <a:latin typeface="Verdana" panose="020B0604030504040204" pitchFamily="34" charset="0"/>
+              </a:rPr>
+              <a:t> Testing</a:t>
+            </a:r>
+          </a:p>
+          <a:p>
+            <a:pPr>
+              <a:buFontTx/>
+              <a:buChar char="•"/>
+            </a:pPr>
+            <a:r>
+              <a:rPr lang="en-US" altLang="nl-BE" sz="1200" dirty="0">
+                <a:solidFill>
+                  <a:srgbClr val="333333"/>
+                </a:solidFill>
+                <a:latin typeface="Verdana" panose="020B0604030504040204" pitchFamily="34" charset="0"/>
+              </a:rPr>
+              <a:t> Face tracking</a:t>
+            </a:r>
+          </a:p>
+        </p:txBody>
+      </p:sp>
+    </p:spTree>
+    <p:extLst>
+      <p:ext uri="{BB962C8B-B14F-4D97-AF65-F5344CB8AC3E}">
+        <p14:creationId xmlns:p14="http://schemas.microsoft.com/office/powerpoint/2010/main" val="2924789050"/>
       </p:ext>
     </p:extLst>
   </p:cSld>

--- a/logboek_ESAT9A1.pptx
+++ b/logboek_ESAT9A1.pptx
@@ -6,10 +6,10 @@
     <p:sldMasterId id="2147483694" r:id="rId2"/>
   </p:sldMasterIdLst>
   <p:notesMasterIdLst>
-    <p:notesMasterId r:id="rId16"/>
+    <p:notesMasterId r:id="rId17"/>
   </p:notesMasterIdLst>
   <p:handoutMasterIdLst>
-    <p:handoutMasterId r:id="rId17"/>
+    <p:handoutMasterId r:id="rId18"/>
   </p:handoutMasterIdLst>
   <p:sldIdLst>
     <p:sldId id="261" r:id="rId3"/>
@@ -25,6 +25,7 @@
     <p:sldId id="271" r:id="rId13"/>
     <p:sldId id="272" r:id="rId14"/>
     <p:sldId id="273" r:id="rId15"/>
+    <p:sldId id="275" r:id="rId16"/>
   </p:sldIdLst>
   <p:sldSz cx="12192000" cy="6858000"/>
   <p:notesSz cx="6858000" cy="9144000"/>
@@ -216,7 +217,7 @@
           <a:p>
             <a:fld id="{8F591CCF-F6FD-734B-854A-5BC033593B1E}" type="datetimeFigureOut">
               <a:rPr lang="nl-NL" smtClean="0"/>
-              <a:t>17-11-2022</a:t>
+              <a:t>21-11-2022</a:t>
             </a:fld>
             <a:endParaRPr lang="nl-NL"/>
           </a:p>
@@ -381,7 +382,7 @@
           <a:p>
             <a:fld id="{23C66214-DB21-4647-B5DA-0D17CA592867}" type="datetimeFigureOut">
               <a:rPr lang="nl-NL" smtClean="0"/>
-              <a:t>17-11-2022</a:t>
+              <a:t>21-11-2022</a:t>
             </a:fld>
             <a:endParaRPr lang="nl-NL"/>
           </a:p>
@@ -1370,7 +1371,7 @@
           <a:p>
             <a:fld id="{32CB04F5-1DDB-433A-9F56-F69ABF3D82C1}" type="datetime1">
               <a:rPr lang="nl-BE" smtClean="0"/>
-              <a:t>17/11/2022</a:t>
+              <a:t>21/11/2022</a:t>
             </a:fld>
             <a:endParaRPr lang="nl-NL"/>
           </a:p>
@@ -1653,7 +1654,7 @@
           <a:p>
             <a:fld id="{105EA0AE-89F5-40F4-A8AC-2CFB7172A437}" type="datetime1">
               <a:rPr lang="nl-BE" smtClean="0"/>
-              <a:t>17/11/2022</a:t>
+              <a:t>21/11/2022</a:t>
             </a:fld>
             <a:endParaRPr lang="nl-NL"/>
           </a:p>
@@ -1983,7 +1984,7 @@
           <a:p>
             <a:fld id="{51F891C0-052E-4374-9F7B-8DF3098847EC}" type="datetime1">
               <a:rPr lang="nl-BE" smtClean="0"/>
-              <a:t>17/11/2022</a:t>
+              <a:t>21/11/2022</a:t>
             </a:fld>
             <a:endParaRPr lang="nl-NL"/>
           </a:p>
@@ -2303,7 +2304,7 @@
           <a:p>
             <a:fld id="{0BAB7CBA-08E0-4FB9-BBC7-B0F9EE30FC23}" type="datetime1">
               <a:rPr lang="nl-BE" smtClean="0"/>
-              <a:t>17/11/2022</a:t>
+              <a:t>21/11/2022</a:t>
             </a:fld>
             <a:endParaRPr lang="nl-NL" dirty="0"/>
           </a:p>
@@ -2624,7 +2625,7 @@
           <a:p>
             <a:fld id="{A9A41F9E-F395-4802-BA0E-A579FF58717F}" type="datetime1">
               <a:rPr lang="nl-BE" smtClean="0"/>
-              <a:t>17/11/2022</a:t>
+              <a:t>21/11/2022</a:t>
             </a:fld>
             <a:endParaRPr lang="nl-NL" dirty="0"/>
           </a:p>
@@ -2766,7 +2767,7 @@
           <a:p>
             <a:fld id="{2A8B9AD4-BDDB-4121-9EEE-D890BB11E687}" type="datetime1">
               <a:rPr lang="nl-BE" smtClean="0"/>
-              <a:t>17/11/2022</a:t>
+              <a:t>21/11/2022</a:t>
             </a:fld>
             <a:endParaRPr lang="nl-NL"/>
           </a:p>
@@ -3250,7 +3251,7 @@
           <a:p>
             <a:fld id="{8DC808CC-4EBF-4C64-BA9E-B07B99C9DB99}" type="datetime1">
               <a:rPr lang="nl-BE" smtClean="0"/>
-              <a:t>17/11/2022</a:t>
+              <a:t>21/11/2022</a:t>
             </a:fld>
             <a:endParaRPr lang="nl-NL" dirty="0"/>
           </a:p>
@@ -3371,7 +3372,7 @@
           <a:p>
             <a:fld id="{26609C90-ED50-42CD-B56C-68BF842A2B6A}" type="datetime1">
               <a:rPr lang="nl-BE" smtClean="0"/>
-              <a:t>17/11/2022</a:t>
+              <a:t>21/11/2022</a:t>
             </a:fld>
             <a:endParaRPr lang="nl-NL"/>
           </a:p>
@@ -3492,7 +3493,7 @@
           <a:p>
             <a:fld id="{F15E82AE-B9EE-446E-B46E-329ABC891749}" type="datetime1">
               <a:rPr lang="nl-BE" smtClean="0"/>
-              <a:t>17/11/2022</a:t>
+              <a:t>21/11/2022</a:t>
             </a:fld>
             <a:endParaRPr lang="nl-NL"/>
           </a:p>
@@ -3674,7 +3675,7 @@
           <a:p>
             <a:fld id="{4A7FDF18-BDCB-4338-9FA2-782F60A2E51C}" type="datetime1">
               <a:rPr lang="nl-BE" smtClean="0"/>
-              <a:t>17/11/2022</a:t>
+              <a:t>21/11/2022</a:t>
             </a:fld>
             <a:endParaRPr lang="nl-NL" dirty="0"/>
           </a:p>
@@ -3958,7 +3959,7 @@
           <a:p>
             <a:fld id="{E389F4DD-E9F0-454C-8CE7-299000EBA983}" type="datetime1">
               <a:rPr lang="nl-BE" smtClean="0"/>
-              <a:t>17/11/2022</a:t>
+              <a:t>21/11/2022</a:t>
             </a:fld>
             <a:endParaRPr lang="nl-NL" dirty="0"/>
           </a:p>
@@ -4599,7 +4600,7 @@
           <a:p>
             <a:fld id="{7F18BCE0-9917-41C7-AA76-58ADB721FDEC}" type="datetime1">
               <a:rPr lang="nl-BE" smtClean="0"/>
-              <a:t>17/11/2022</a:t>
+              <a:t>21/11/2022</a:t>
             </a:fld>
             <a:endParaRPr lang="nl-NL" dirty="0"/>
           </a:p>
@@ -12051,7 +12052,7 @@
           <p:nvPr>
             <p:extLst>
               <p:ext uri="{D42A27DB-BD31-4B8C-83A1-F6EECF244321}">
-                <p14:modId xmlns:p14="http://schemas.microsoft.com/office/powerpoint/2010/main" val="2976734300"/>
+                <p14:modId xmlns:p14="http://schemas.microsoft.com/office/powerpoint/2010/main" val="3102107492"/>
               </p:ext>
             </p:extLst>
           </p:nvPr>
@@ -12278,18 +12279,9 @@
                     <a:lstStyle/>
                     <a:p>
                       <a:r>
-                        <a:rPr lang="nl-BE" dirty="0" err="1"/>
-                        <a:t>Testing</a:t>
-                      </a:r>
-                      <a:r>
-                        <a:rPr lang="nl-BE" dirty="0"/>
-                        <a:t>/</a:t>
-                      </a:r>
-                      <a:r>
-                        <a:rPr lang="nl-BE" dirty="0" err="1"/>
-                        <a:t>comparison</a:t>
-                      </a:r>
-                      <a:endParaRPr lang="nl-BE" dirty="0"/>
+                        <a:rPr lang="nl-BE" dirty="0"/>
+                        <a:t>Analyse oefenzitting</a:t>
+                      </a:r>
                     </a:p>
                   </a:txBody>
                   <a:tcPr/>
@@ -12300,18 +12292,9 @@
                     <a:lstStyle/>
                     <a:p>
                       <a:r>
-                        <a:rPr lang="nl-BE" dirty="0" err="1"/>
-                        <a:t>Testing</a:t>
-                      </a:r>
-                      <a:r>
-                        <a:rPr lang="nl-BE" dirty="0"/>
-                        <a:t>/</a:t>
-                      </a:r>
-                      <a:r>
-                        <a:rPr lang="nl-BE" dirty="0" err="1"/>
-                        <a:t>comparison</a:t>
-                      </a:r>
-                      <a:endParaRPr lang="nl-BE" dirty="0"/>
+                        <a:rPr lang="nl-BE" dirty="0"/>
+                        <a:t>Analyse oefenzitting</a:t>
+                      </a:r>
                     </a:p>
                   </a:txBody>
                   <a:tcPr/>
@@ -12409,6 +12392,32 @@
                     <a:bodyPr/>
                     <a:lstStyle/>
                     <a:p>
+                      <a:r>
+                        <a:rPr lang="nl-BE" dirty="0"/>
+                        <a:t>Analyse oefenzitting</a:t>
+                      </a:r>
+                    </a:p>
+                  </a:txBody>
+                  <a:tcPr/>
+                </a:tc>
+                <a:tc>
+                  <a:txBody>
+                    <a:bodyPr/>
+                    <a:lstStyle/>
+                    <a:p>
+                      <a:r>
+                        <a:rPr lang="nl-BE" dirty="0"/>
+                        <a:t>Analyse oefenzitting</a:t>
+                      </a:r>
+                    </a:p>
+                  </a:txBody>
+                  <a:tcPr/>
+                </a:tc>
+                <a:tc>
+                  <a:txBody>
+                    <a:bodyPr/>
+                    <a:lstStyle/>
+                    <a:p>
                       <a:pPr marL="0" marR="0" lvl="0" indent="0" algn="l" defTabSz="914400" rtl="0" eaLnBrk="1" fontAlgn="auto" latinLnBrk="0" hangingPunct="1">
                         <a:lnSpc>
                           <a:spcPct val="100000"/>
@@ -12428,21 +12437,47 @@
                       </a:pPr>
                       <a:r>
                         <a:rPr lang="nl-BE" dirty="0" err="1"/>
-                        <a:t>Testing</a:t>
-                      </a:r>
-                      <a:r>
-                        <a:rPr lang="nl-BE" dirty="0"/>
-                        <a:t>/</a:t>
-                      </a:r>
+                        <a:t>Refining</a:t>
+                      </a:r>
+                      <a:r>
+                        <a:rPr lang="nl-BE" dirty="0"/>
+                        <a:t> code</a:t>
+                      </a:r>
+                    </a:p>
+                  </a:txBody>
+                  <a:tcPr/>
+                </a:tc>
+                <a:tc>
+                  <a:txBody>
+                    <a:bodyPr/>
+                    <a:lstStyle/>
+                    <a:p>
                       <a:r>
                         <a:rPr lang="nl-BE" dirty="0" err="1"/>
-                        <a:t>comparison</a:t>
+                        <a:t>Gestures</a:t>
                       </a:r>
                       <a:endParaRPr lang="nl-BE" dirty="0"/>
                     </a:p>
                   </a:txBody>
-                  <a:tcPr/>
-                </a:tc>
+                  <a:tcPr>
+                    <a:lnR w="12700" cap="flat" cmpd="sng" algn="ctr">
+                      <a:solidFill>
+                        <a:schemeClr val="tx1"/>
+                      </a:solidFill>
+                      <a:prstDash val="solid"/>
+                      <a:round/>
+                      <a:headEnd type="none" w="med" len="med"/>
+                      <a:tailEnd type="none" w="med" len="med"/>
+                    </a:lnR>
+                  </a:tcPr>
+                </a:tc>
+                <a:extLst>
+                  <a:ext uri="{0D108BD9-81ED-4DB2-BD59-A6C34878D82A}">
+                    <a16:rowId xmlns:a16="http://schemas.microsoft.com/office/drawing/2014/main" val="2535650466"/>
+                  </a:ext>
+                </a:extLst>
+              </a:tr>
+              <a:tr h="370840">
                 <a:tc>
                   <a:txBody>
                     <a:bodyPr/>
@@ -12466,22 +12501,102 @@
                         <a:defRPr/>
                       </a:pPr>
                       <a:r>
+                        <a:rPr lang="nl-BE" dirty="0"/>
+                        <a:t>Mauro Janssens</a:t>
+                      </a:r>
+                    </a:p>
+                  </a:txBody>
+                  <a:tcPr>
+                    <a:lnL w="12700" cap="flat" cmpd="sng" algn="ctr">
+                      <a:solidFill>
+                        <a:schemeClr val="tx1"/>
+                      </a:solidFill>
+                      <a:prstDash val="solid"/>
+                      <a:round/>
+                      <a:headEnd type="none" w="med" len="med"/>
+                      <a:tailEnd type="none" w="med" len="med"/>
+                    </a:lnL>
+                  </a:tcPr>
+                </a:tc>
+                <a:tc>
+                  <a:txBody>
+                    <a:bodyPr/>
+                    <a:lstStyle/>
+                    <a:p>
+                      <a:r>
+                        <a:rPr lang="nl-BE" dirty="0"/>
+                        <a:t>Analyse oefenzitting</a:t>
+                      </a:r>
+                    </a:p>
+                  </a:txBody>
+                  <a:tcPr/>
+                </a:tc>
+                <a:tc>
+                  <a:txBody>
+                    <a:bodyPr/>
+                    <a:lstStyle/>
+                    <a:p>
+                      <a:r>
+                        <a:rPr lang="nl-BE" dirty="0"/>
+                        <a:t>Analyse oefenzitting</a:t>
+                      </a:r>
+                    </a:p>
+                  </a:txBody>
+                  <a:tcPr/>
+                </a:tc>
+                <a:tc>
+                  <a:txBody>
+                    <a:bodyPr/>
+                    <a:lstStyle/>
+                    <a:p>
+                      <a:r>
+                        <a:rPr lang="nl-BE" dirty="0"/>
+                        <a:t>Face </a:t>
+                      </a:r>
+                      <a:r>
                         <a:rPr lang="nl-BE" dirty="0" err="1"/>
-                        <a:t>Testing</a:t>
-                      </a:r>
-                      <a:r>
-                        <a:rPr lang="nl-BE" dirty="0"/>
-                        <a:t>/</a:t>
+                        <a:t>Recognition</a:t>
+                      </a:r>
+                      <a:endParaRPr lang="nl-BE" dirty="0"/>
+                    </a:p>
+                  </a:txBody>
+                  <a:tcPr/>
+                </a:tc>
+                <a:tc>
+                  <a:txBody>
+                    <a:bodyPr/>
+                    <a:lstStyle/>
+                    <a:p>
+                      <a:r>
+                        <a:rPr lang="nl-BE" dirty="0"/>
+                        <a:t>Face </a:t>
                       </a:r>
                       <a:r>
                         <a:rPr lang="nl-BE" dirty="0" err="1"/>
-                        <a:t>comparison</a:t>
+                        <a:t>recognition</a:t>
                       </a:r>
                       <a:endParaRPr lang="nl-BE" dirty="0"/>
                     </a:p>
                   </a:txBody>
-                  <a:tcPr/>
-                </a:tc>
+                  <a:tcPr>
+                    <a:lnR w="12700" cap="flat" cmpd="sng" algn="ctr">
+                      <a:solidFill>
+                        <a:schemeClr val="tx1"/>
+                      </a:solidFill>
+                      <a:prstDash val="solid"/>
+                      <a:round/>
+                      <a:headEnd type="none" w="med" len="med"/>
+                      <a:tailEnd type="none" w="med" len="med"/>
+                    </a:lnR>
+                  </a:tcPr>
+                </a:tc>
+                <a:extLst>
+                  <a:ext uri="{0D108BD9-81ED-4DB2-BD59-A6C34878D82A}">
+                    <a16:rowId xmlns:a16="http://schemas.microsoft.com/office/drawing/2014/main" val="1056747163"/>
+                  </a:ext>
+                </a:extLst>
+              </a:tr>
+              <a:tr h="370840">
                 <a:tc>
                   <a:txBody>
                     <a:bodyPr/>
@@ -12505,12 +12620,31 @@
                         <a:defRPr/>
                       </a:pPr>
                       <a:r>
-                        <a:rPr lang="nl-BE" dirty="0" err="1"/>
-                        <a:t>Refining</a:t>
-                      </a:r>
-                      <a:r>
-                        <a:rPr lang="nl-BE" dirty="0"/>
-                        <a:t> code</a:t>
+                        <a:rPr lang="nl-BE" dirty="0"/>
+                        <a:t>Pepijn Haenen</a:t>
+                      </a:r>
+                    </a:p>
+                  </a:txBody>
+                  <a:tcPr>
+                    <a:lnL w="12700" cap="flat" cmpd="sng" algn="ctr">
+                      <a:solidFill>
+                        <a:schemeClr val="tx1"/>
+                      </a:solidFill>
+                      <a:prstDash val="solid"/>
+                      <a:round/>
+                      <a:headEnd type="none" w="med" len="med"/>
+                      <a:tailEnd type="none" w="med" len="med"/>
+                    </a:lnL>
+                  </a:tcPr>
+                </a:tc>
+                <a:tc>
+                  <a:txBody>
+                    <a:bodyPr/>
+                    <a:lstStyle/>
+                    <a:p>
+                      <a:r>
+                        <a:rPr lang="nl-BE" dirty="0"/>
+                        <a:t>Analyse oefenzitting</a:t>
                       </a:r>
                     </a:p>
                   </a:txBody>
@@ -12522,12 +12656,34 @@
                     <a:lstStyle/>
                     <a:p>
                       <a:r>
-                        <a:rPr lang="nl-BE" dirty="0" err="1"/>
-                        <a:t>Refining</a:t>
-                      </a:r>
-                      <a:r>
-                        <a:rPr lang="nl-BE" dirty="0"/>
-                        <a:t> code</a:t>
+                        <a:rPr lang="nl-BE" dirty="0"/>
+                        <a:t>Analyse oefenzitting</a:t>
+                      </a:r>
+                    </a:p>
+                  </a:txBody>
+                  <a:tcPr/>
+                </a:tc>
+                <a:tc>
+                  <a:txBody>
+                    <a:bodyPr/>
+                    <a:lstStyle/>
+                    <a:p>
+                      <a:r>
+                        <a:rPr lang="nl-BE" dirty="0"/>
+                        <a:t>Face tracking</a:t>
+                      </a:r>
+                    </a:p>
+                  </a:txBody>
+                  <a:tcPr/>
+                </a:tc>
+                <a:tc>
+                  <a:txBody>
+                    <a:bodyPr/>
+                    <a:lstStyle/>
+                    <a:p>
+                      <a:r>
+                        <a:rPr lang="nl-BE" dirty="0"/>
+                        <a:t>Face tracking</a:t>
                       </a:r>
                     </a:p>
                   </a:txBody>
@@ -12545,7 +12701,7 @@
                 </a:tc>
                 <a:extLst>
                   <a:ext uri="{0D108BD9-81ED-4DB2-BD59-A6C34878D82A}">
-                    <a16:rowId xmlns:a16="http://schemas.microsoft.com/office/drawing/2014/main" val="2535650466"/>
+                    <a16:rowId xmlns:a16="http://schemas.microsoft.com/office/drawing/2014/main" val="4081416973"/>
                   </a:ext>
                 </a:extLst>
               </a:tr>
@@ -12574,8 +12730,13 @@
                       </a:pPr>
                       <a:r>
                         <a:rPr lang="nl-BE" dirty="0"/>
-                        <a:t>Mauro Janssens</a:t>
-                      </a:r>
+                        <a:t>Philippe </a:t>
+                      </a:r>
+                      <a:r>
+                        <a:rPr lang="nl-BE" dirty="0" err="1"/>
+                        <a:t>Laffineur</a:t>
+                      </a:r>
+                      <a:endParaRPr lang="nl-BE" dirty="0"/>
                     </a:p>
                   </a:txBody>
                   <a:tcPr>
@@ -12595,30 +12756,9 @@
                     <a:bodyPr/>
                     <a:lstStyle/>
                     <a:p>
-                      <a:pPr marL="0" marR="0" lvl="0" indent="0" algn="l" defTabSz="914400" rtl="0" eaLnBrk="1" fontAlgn="auto" latinLnBrk="0" hangingPunct="1">
-                        <a:lnSpc>
-                          <a:spcPct val="100000"/>
-                        </a:lnSpc>
-                        <a:spcBef>
-                          <a:spcPts val="0"/>
-                        </a:spcBef>
-                        <a:spcAft>
-                          <a:spcPts val="0"/>
-                        </a:spcAft>
-                        <a:buClrTx/>
-                        <a:buSzTx/>
-                        <a:buFontTx/>
-                        <a:buNone/>
-                        <a:tabLst/>
-                        <a:defRPr/>
-                      </a:pPr>
-                      <a:r>
-                        <a:rPr lang="nl-BE" dirty="0" err="1"/>
-                        <a:t>Combining</a:t>
-                      </a:r>
-                      <a:r>
-                        <a:rPr lang="nl-BE" dirty="0"/>
-                        <a:t> code</a:t>
+                      <a:r>
+                        <a:rPr lang="nl-BE" dirty="0"/>
+                        <a:t>Analyse oefenzitting</a:t>
                       </a:r>
                     </a:p>
                   </a:txBody>
@@ -12629,297 +12769,9 @@
                     <a:bodyPr/>
                     <a:lstStyle/>
                     <a:p>
-                      <a:pPr marL="0" marR="0" lvl="0" indent="0" algn="l" defTabSz="914400" rtl="0" eaLnBrk="1" fontAlgn="auto" latinLnBrk="0" hangingPunct="1">
-                        <a:lnSpc>
-                          <a:spcPct val="100000"/>
-                        </a:lnSpc>
-                        <a:spcBef>
-                          <a:spcPts val="0"/>
-                        </a:spcBef>
-                        <a:spcAft>
-                          <a:spcPts val="0"/>
-                        </a:spcAft>
-                        <a:buClrTx/>
-                        <a:buSzTx/>
-                        <a:buFontTx/>
-                        <a:buNone/>
-                        <a:tabLst/>
-                        <a:defRPr/>
-                      </a:pPr>
-                      <a:r>
-                        <a:rPr lang="nl-BE" dirty="0" err="1"/>
-                        <a:t>Combining</a:t>
-                      </a:r>
-                      <a:r>
-                        <a:rPr lang="nl-BE" dirty="0"/>
-                        <a:t> code</a:t>
-                      </a:r>
-                    </a:p>
-                  </a:txBody>
-                  <a:tcPr/>
-                </a:tc>
-                <a:tc>
-                  <a:txBody>
-                    <a:bodyPr/>
-                    <a:lstStyle/>
-                    <a:p>
-                      <a:r>
-                        <a:rPr lang="nl-BE" dirty="0"/>
-                        <a:t>Face </a:t>
-                      </a:r>
-                      <a:r>
-                        <a:rPr lang="nl-BE" dirty="0" err="1"/>
-                        <a:t>Recognition</a:t>
-                      </a:r>
-                      <a:endParaRPr lang="nl-BE" dirty="0"/>
-                    </a:p>
-                  </a:txBody>
-                  <a:tcPr/>
-                </a:tc>
-                <a:tc>
-                  <a:txBody>
-                    <a:bodyPr/>
-                    <a:lstStyle/>
-                    <a:p>
-                      <a:r>
-                        <a:rPr lang="nl-BE" dirty="0"/>
-                        <a:t>Face </a:t>
-                      </a:r>
-                      <a:r>
-                        <a:rPr lang="nl-BE" dirty="0" err="1"/>
-                        <a:t>recognition</a:t>
-                      </a:r>
-                      <a:endParaRPr lang="nl-BE" dirty="0"/>
-                    </a:p>
-                  </a:txBody>
-                  <a:tcPr>
-                    <a:lnR w="12700" cap="flat" cmpd="sng" algn="ctr">
-                      <a:solidFill>
-                        <a:schemeClr val="tx1"/>
-                      </a:solidFill>
-                      <a:prstDash val="solid"/>
-                      <a:round/>
-                      <a:headEnd type="none" w="med" len="med"/>
-                      <a:tailEnd type="none" w="med" len="med"/>
-                    </a:lnR>
-                  </a:tcPr>
-                </a:tc>
-                <a:extLst>
-                  <a:ext uri="{0D108BD9-81ED-4DB2-BD59-A6C34878D82A}">
-                    <a16:rowId xmlns:a16="http://schemas.microsoft.com/office/drawing/2014/main" val="1056747163"/>
-                  </a:ext>
-                </a:extLst>
-              </a:tr>
-              <a:tr h="370840">
-                <a:tc>
-                  <a:txBody>
-                    <a:bodyPr/>
-                    <a:lstStyle/>
-                    <a:p>
-                      <a:pPr marL="0" marR="0" lvl="0" indent="0" algn="l" defTabSz="914400" rtl="0" eaLnBrk="1" fontAlgn="auto" latinLnBrk="0" hangingPunct="1">
-                        <a:lnSpc>
-                          <a:spcPct val="100000"/>
-                        </a:lnSpc>
-                        <a:spcBef>
-                          <a:spcPts val="0"/>
-                        </a:spcBef>
-                        <a:spcAft>
-                          <a:spcPts val="0"/>
-                        </a:spcAft>
-                        <a:buClrTx/>
-                        <a:buSzTx/>
-                        <a:buFontTx/>
-                        <a:buNone/>
-                        <a:tabLst/>
-                        <a:defRPr/>
-                      </a:pPr>
-                      <a:r>
-                        <a:rPr lang="nl-BE" dirty="0"/>
-                        <a:t>Pepijn Haenen</a:t>
-                      </a:r>
-                    </a:p>
-                  </a:txBody>
-                  <a:tcPr>
-                    <a:lnL w="12700" cap="flat" cmpd="sng" algn="ctr">
-                      <a:solidFill>
-                        <a:schemeClr val="tx1"/>
-                      </a:solidFill>
-                      <a:prstDash val="solid"/>
-                      <a:round/>
-                      <a:headEnd type="none" w="med" len="med"/>
-                      <a:tailEnd type="none" w="med" len="med"/>
-                    </a:lnL>
-                  </a:tcPr>
-                </a:tc>
-                <a:tc>
-                  <a:txBody>
-                    <a:bodyPr/>
-                    <a:lstStyle/>
-                    <a:p>
-                      <a:pPr marL="0" marR="0" lvl="0" indent="0" algn="l" defTabSz="914400" rtl="0" eaLnBrk="1" fontAlgn="auto" latinLnBrk="0" hangingPunct="1">
-                        <a:lnSpc>
-                          <a:spcPct val="100000"/>
-                        </a:lnSpc>
-                        <a:spcBef>
-                          <a:spcPts val="0"/>
-                        </a:spcBef>
-                        <a:spcAft>
-                          <a:spcPts val="0"/>
-                        </a:spcAft>
-                        <a:buClrTx/>
-                        <a:buSzTx/>
-                        <a:buFontTx/>
-                        <a:buNone/>
-                        <a:tabLst/>
-                        <a:defRPr/>
-                      </a:pPr>
-                      <a:r>
-                        <a:rPr lang="nl-BE" dirty="0"/>
-                        <a:t>Face tracking</a:t>
-                      </a:r>
-                    </a:p>
-                  </a:txBody>
-                  <a:tcPr/>
-                </a:tc>
-                <a:tc>
-                  <a:txBody>
-                    <a:bodyPr/>
-                    <a:lstStyle/>
-                    <a:p>
-                      <a:pPr marL="0" marR="0" lvl="0" indent="0" algn="l" defTabSz="914400" rtl="0" eaLnBrk="1" fontAlgn="auto" latinLnBrk="0" hangingPunct="1">
-                        <a:lnSpc>
-                          <a:spcPct val="100000"/>
-                        </a:lnSpc>
-                        <a:spcBef>
-                          <a:spcPts val="0"/>
-                        </a:spcBef>
-                        <a:spcAft>
-                          <a:spcPts val="0"/>
-                        </a:spcAft>
-                        <a:buClrTx/>
-                        <a:buSzTx/>
-                        <a:buFontTx/>
-                        <a:buNone/>
-                        <a:tabLst/>
-                        <a:defRPr/>
-                      </a:pPr>
-                      <a:r>
-                        <a:rPr lang="nl-BE" dirty="0"/>
-                        <a:t>Face tracking</a:t>
-                      </a:r>
-                    </a:p>
-                  </a:txBody>
-                  <a:tcPr/>
-                </a:tc>
-                <a:tc>
-                  <a:txBody>
-                    <a:bodyPr/>
-                    <a:lstStyle/>
-                    <a:p>
-                      <a:r>
-                        <a:rPr lang="nl-BE" dirty="0"/>
-                        <a:t>Face tracking</a:t>
-                      </a:r>
-                    </a:p>
-                  </a:txBody>
-                  <a:tcPr/>
-                </a:tc>
-                <a:tc>
-                  <a:txBody>
-                    <a:bodyPr/>
-                    <a:lstStyle/>
-                    <a:p>
-                      <a:r>
-                        <a:rPr lang="nl-BE" dirty="0"/>
-                        <a:t>Face tracking</a:t>
-                      </a:r>
-                    </a:p>
-                  </a:txBody>
-                  <a:tcPr>
-                    <a:lnR w="12700" cap="flat" cmpd="sng" algn="ctr">
-                      <a:solidFill>
-                        <a:schemeClr val="tx1"/>
-                      </a:solidFill>
-                      <a:prstDash val="solid"/>
-                      <a:round/>
-                      <a:headEnd type="none" w="med" len="med"/>
-                      <a:tailEnd type="none" w="med" len="med"/>
-                    </a:lnR>
-                  </a:tcPr>
-                </a:tc>
-                <a:extLst>
-                  <a:ext uri="{0D108BD9-81ED-4DB2-BD59-A6C34878D82A}">
-                    <a16:rowId xmlns:a16="http://schemas.microsoft.com/office/drawing/2014/main" val="4081416973"/>
-                  </a:ext>
-                </a:extLst>
-              </a:tr>
-              <a:tr h="370840">
-                <a:tc>
-                  <a:txBody>
-                    <a:bodyPr/>
-                    <a:lstStyle/>
-                    <a:p>
-                      <a:pPr marL="0" marR="0" lvl="0" indent="0" algn="l" defTabSz="914400" rtl="0" eaLnBrk="1" fontAlgn="auto" latinLnBrk="0" hangingPunct="1">
-                        <a:lnSpc>
-                          <a:spcPct val="100000"/>
-                        </a:lnSpc>
-                        <a:spcBef>
-                          <a:spcPts val="0"/>
-                        </a:spcBef>
-                        <a:spcAft>
-                          <a:spcPts val="0"/>
-                        </a:spcAft>
-                        <a:buClrTx/>
-                        <a:buSzTx/>
-                        <a:buFontTx/>
-                        <a:buNone/>
-                        <a:tabLst/>
-                        <a:defRPr/>
-                      </a:pPr>
-                      <a:r>
-                        <a:rPr lang="nl-BE" dirty="0"/>
-                        <a:t>Philippe </a:t>
-                      </a:r>
-                      <a:r>
-                        <a:rPr lang="nl-BE" dirty="0" err="1"/>
-                        <a:t>Laffineur</a:t>
-                      </a:r>
-                      <a:endParaRPr lang="nl-BE" dirty="0"/>
-                    </a:p>
-                  </a:txBody>
-                  <a:tcPr>
-                    <a:lnL w="12700" cap="flat" cmpd="sng" algn="ctr">
-                      <a:solidFill>
-                        <a:schemeClr val="tx1"/>
-                      </a:solidFill>
-                      <a:prstDash val="solid"/>
-                      <a:round/>
-                      <a:headEnd type="none" w="med" len="med"/>
-                      <a:tailEnd type="none" w="med" len="med"/>
-                    </a:lnL>
-                  </a:tcPr>
-                </a:tc>
-                <a:tc>
-                  <a:txBody>
-                    <a:bodyPr/>
-                    <a:lstStyle/>
-                    <a:p>
-                      <a:r>
-                        <a:rPr lang="nl-BE" dirty="0"/>
-                        <a:t>Brochure</a:t>
-                      </a:r>
-                    </a:p>
-                  </a:txBody>
-                  <a:tcPr/>
-                </a:tc>
-                <a:tc>
-                  <a:txBody>
-                    <a:bodyPr/>
-                    <a:lstStyle/>
-                    <a:p>
-                      <a:r>
-                        <a:rPr lang="nl-BE" dirty="0"/>
-                        <a:t>Brochure</a:t>
+                      <a:r>
+                        <a:rPr lang="nl-BE" dirty="0"/>
+                        <a:t>Analyse oefenzitting</a:t>
                       </a:r>
                     </a:p>
                   </a:txBody>
@@ -13031,6 +12883,29 @@
                     <a:bodyPr/>
                     <a:lstStyle/>
                     <a:p>
+                      <a:r>
+                        <a:rPr lang="nl-BE" dirty="0"/>
+                        <a:t>Analyse oefenzitting</a:t>
+                      </a:r>
+                    </a:p>
+                  </a:txBody>
+                  <a:tcPr>
+                    <a:lnB w="12700" cap="flat" cmpd="sng" algn="ctr">
+                      <a:solidFill>
+                        <a:schemeClr val="tx1"/>
+                      </a:solidFill>
+                      <a:prstDash val="solid"/>
+                      <a:round/>
+                      <a:headEnd type="none" w="med" len="med"/>
+                      <a:tailEnd type="none" w="med" len="med"/>
+                    </a:lnB>
+                  </a:tcPr>
+                </a:tc>
+                <a:tc>
+                  <a:txBody>
+                    <a:bodyPr/>
+                    <a:lstStyle/>
+                    <a:p>
                       <a:pPr marL="0" marR="0" lvl="0" indent="0" algn="l" defTabSz="914400" rtl="0" eaLnBrk="1" fontAlgn="auto" latinLnBrk="0" hangingPunct="1">
                         <a:lnSpc>
                           <a:spcPct val="100000"/>
@@ -13050,7 +12925,7 @@
                       </a:pPr>
                       <a:r>
                         <a:rPr lang="nl-BE" dirty="0"/>
-                        <a:t>Brochure</a:t>
+                        <a:t>Analyse oefenzitting</a:t>
                       </a:r>
                     </a:p>
                   </a:txBody>
@@ -13111,50 +12986,11 @@
                     <a:bodyPr/>
                     <a:lstStyle/>
                     <a:p>
-                      <a:pPr marL="0" marR="0" lvl="0" indent="0" algn="l" defTabSz="914400" rtl="0" eaLnBrk="1" fontAlgn="auto" latinLnBrk="0" hangingPunct="1">
-                        <a:lnSpc>
-                          <a:spcPct val="100000"/>
-                        </a:lnSpc>
-                        <a:spcBef>
-                          <a:spcPts val="0"/>
-                        </a:spcBef>
-                        <a:spcAft>
-                          <a:spcPts val="0"/>
-                        </a:spcAft>
-                        <a:buClrTx/>
-                        <a:buSzTx/>
-                        <a:buFontTx/>
-                        <a:buNone/>
-                        <a:tabLst/>
-                        <a:defRPr/>
-                      </a:pPr>
-                      <a:r>
-                        <a:rPr lang="nl-BE" dirty="0"/>
-                        <a:t>Brochure</a:t>
-                      </a:r>
-                    </a:p>
-                  </a:txBody>
-                  <a:tcPr>
-                    <a:lnB w="12700" cap="flat" cmpd="sng" algn="ctr">
-                      <a:solidFill>
-                        <a:schemeClr val="tx1"/>
-                      </a:solidFill>
-                      <a:prstDash val="solid"/>
-                      <a:round/>
-                      <a:headEnd type="none" w="med" len="med"/>
-                      <a:tailEnd type="none" w="med" len="med"/>
-                    </a:lnB>
-                  </a:tcPr>
-                </a:tc>
-                <a:tc>
-                  <a:txBody>
-                    <a:bodyPr/>
-                    <a:lstStyle/>
-                    <a:p>
-                      <a:r>
-                        <a:rPr lang="nl-BE" dirty="0"/>
-                        <a:t>Tracking</a:t>
-                      </a:r>
+                      <a:r>
+                        <a:rPr lang="nl-BE" dirty="0" err="1"/>
+                        <a:t>Gestures</a:t>
+                      </a:r>
+                      <a:endParaRPr lang="nl-BE" dirty="0"/>
                     </a:p>
                   </a:txBody>
                   <a:tcPr>
@@ -13523,7 +13359,7 @@
         <p:spPr bwMode="auto">
           <a:xfrm>
             <a:off x="6946320" y="1901580"/>
-            <a:ext cx="4940880" cy="1018404"/>
+            <a:ext cx="4940880" cy="1114938"/>
           </a:xfrm>
           <a:prstGeom prst="rect">
             <a:avLst/>
@@ -13695,7 +13531,7 @@
         <p:spPr bwMode="auto">
           <a:xfrm>
             <a:off x="6946320" y="2206380"/>
-            <a:ext cx="4940880" cy="713604"/>
+            <a:ext cx="4940880" cy="810138"/>
           </a:xfrm>
           <a:prstGeom prst="rect">
             <a:avLst/>
@@ -13833,6 +13669,2361 @@
                 </a:solidFill>
                 <a:latin typeface="Verdana" panose="020B0604030504040204" pitchFamily="34" charset="0"/>
               </a:rPr>
+              <a:t> The largest part of tracking (bug fixes and such)</a:t>
+            </a:r>
+          </a:p>
+        </p:txBody>
+      </p:sp>
+      <p:sp>
+        <p:nvSpPr>
+          <p:cNvPr id="2" name="Rectangle 20">
+            <a:extLst>
+              <a:ext uri="{FF2B5EF4-FFF2-40B4-BE49-F238E27FC236}">
+                <a16:creationId xmlns:a16="http://schemas.microsoft.com/office/drawing/2014/main" id="{92C87990-DCE2-9586-EF8E-6726A456D115}"/>
+              </a:ext>
+            </a:extLst>
+          </p:cNvPr>
+          <p:cNvSpPr>
+            <a:spLocks noChangeArrowheads="1"/>
+          </p:cNvSpPr>
+          <p:nvPr/>
+        </p:nvSpPr>
+        <p:spPr bwMode="auto">
+          <a:xfrm>
+            <a:off x="6946320" y="2206380"/>
+            <a:ext cx="4946400" cy="810138"/>
+          </a:xfrm>
+          <a:prstGeom prst="rect">
+            <a:avLst/>
+          </a:prstGeom>
+          <a:noFill/>
+          <a:ln>
+            <a:noFill/>
+          </a:ln>
+          <a:effectLst/>
+          <a:extLst>
+            <a:ext uri="{909E8E84-426E-40DD-AFC4-6F175D3DCCD1}">
+              <a14:hiddenFill xmlns:a14="http://schemas.microsoft.com/office/drawing/2010/main">
+                <a:solidFill>
+                  <a:srgbClr val="333333"/>
+                </a:solidFill>
+              </a14:hiddenFill>
+            </a:ext>
+            <a:ext uri="{91240B29-F687-4F45-9708-019B960494DF}">
+              <a14:hiddenLine xmlns:a14="http://schemas.microsoft.com/office/drawing/2010/main" w="9525">
+                <a:solidFill>
+                  <a:srgbClr val="333333"/>
+                </a:solidFill>
+                <a:miter lim="800000"/>
+                <a:headEnd/>
+                <a:tailEnd/>
+              </a14:hiddenLine>
+            </a:ext>
+            <a:ext uri="{AF507438-7753-43E0-B8FC-AC1667EBCBE1}">
+              <a14:hiddenEffects xmlns:a14="http://schemas.microsoft.com/office/drawing/2010/main">
+                <a:effectLst>
+                  <a:outerShdw dist="35921" dir="2700000" algn="ctr" rotWithShape="0">
+                    <a:schemeClr val="bg2"/>
+                  </a:outerShdw>
+                </a:effectLst>
+              </a14:hiddenEffects>
+            </a:ext>
+          </a:extLst>
+        </p:spPr>
+        <p:txBody>
+          <a:bodyPr wrap="none"/>
+          <a:lstStyle/>
+          <a:p>
+            <a:pPr>
+              <a:buFontTx/>
+              <a:buChar char="•"/>
+            </a:pPr>
+            <a:r>
+              <a:rPr lang="en-US" altLang="nl-BE" sz="1200" dirty="0">
+                <a:solidFill>
+                  <a:srgbClr val="333333"/>
+                </a:solidFill>
+                <a:latin typeface="Verdana" panose="020B0604030504040204" pitchFamily="34" charset="0"/>
+              </a:rPr>
+              <a:t> Face Recognition</a:t>
+            </a:r>
+          </a:p>
+          <a:p>
+            <a:pPr>
+              <a:buFontTx/>
+              <a:buChar char="•"/>
+            </a:pPr>
+            <a:r>
+              <a:rPr lang="en-US" altLang="nl-BE" sz="1200" dirty="0">
+                <a:solidFill>
+                  <a:srgbClr val="333333"/>
+                </a:solidFill>
+                <a:latin typeface="Verdana" panose="020B0604030504040204" pitchFamily="34" charset="0"/>
+              </a:rPr>
+              <a:t> Multithreading</a:t>
+            </a:r>
+          </a:p>
+          <a:p>
+            <a:pPr>
+              <a:buFontTx/>
+              <a:buChar char="•"/>
+            </a:pPr>
+            <a:r>
+              <a:rPr lang="en-US" altLang="nl-BE" sz="1200" dirty="0">
+                <a:solidFill>
+                  <a:srgbClr val="333333"/>
+                </a:solidFill>
+                <a:latin typeface="Verdana" panose="020B0604030504040204" pitchFamily="34" charset="0"/>
+              </a:rPr>
+              <a:t> Gestures</a:t>
+            </a:r>
+          </a:p>
+          <a:p>
+            <a:pPr>
+              <a:buFontTx/>
+              <a:buChar char="•"/>
+            </a:pPr>
+            <a:r>
+              <a:rPr lang="en-US" altLang="nl-BE" sz="1200" dirty="0">
+                <a:solidFill>
+                  <a:srgbClr val="333333"/>
+                </a:solidFill>
+                <a:latin typeface="Verdana" panose="020B0604030504040204" pitchFamily="34" charset="0"/>
+              </a:rPr>
+              <a:t> Face tracking</a:t>
+            </a:r>
+          </a:p>
+        </p:txBody>
+      </p:sp>
+    </p:spTree>
+    <p:extLst>
+      <p:ext uri="{BB962C8B-B14F-4D97-AF65-F5344CB8AC3E}">
+        <p14:creationId xmlns:p14="http://schemas.microsoft.com/office/powerpoint/2010/main" val="2924789050"/>
+      </p:ext>
+    </p:extLst>
+  </p:cSld>
+  <p:clrMapOvr>
+    <a:masterClrMapping/>
+  </p:clrMapOvr>
+</p:sld>
+</file>
+
+<file path=ppt/slides/slide14.xml><?xml version="1.0" encoding="utf-8"?>
+<p:sld xmlns:a="http://schemas.openxmlformats.org/drawingml/2006/main" xmlns:r="http://schemas.openxmlformats.org/officeDocument/2006/relationships" xmlns:p="http://schemas.openxmlformats.org/presentationml/2006/main">
+  <p:cSld>
+    <p:spTree>
+      <p:nvGrpSpPr>
+        <p:cNvPr id="1" name=""/>
+        <p:cNvGrpSpPr/>
+        <p:nvPr/>
+      </p:nvGrpSpPr>
+      <p:grpSpPr>
+        <a:xfrm>
+          <a:off x="0" y="0"/>
+          <a:ext cx="0" cy="0"/>
+          <a:chOff x="0" y="0"/>
+          <a:chExt cx="0" cy="0"/>
+        </a:xfrm>
+      </p:grpSpPr>
+      <p:sp>
+        <p:nvSpPr>
+          <p:cNvPr id="3" name="Tijdelijke aanduiding voor voettekst 2">
+            <a:extLst>
+              <a:ext uri="{FF2B5EF4-FFF2-40B4-BE49-F238E27FC236}">
+                <a16:creationId xmlns:a16="http://schemas.microsoft.com/office/drawing/2014/main" id="{8A4675E4-17D3-F776-F4A4-379D7D7DF71F}"/>
+              </a:ext>
+            </a:extLst>
+          </p:cNvPr>
+          <p:cNvSpPr>
+            <a:spLocks noGrp="1"/>
+          </p:cNvSpPr>
+          <p:nvPr>
+            <p:ph type="ftr" sz="quarter" idx="11"/>
+          </p:nvPr>
+        </p:nvSpPr>
+        <p:spPr/>
+        <p:txBody>
+          <a:bodyPr/>
+          <a:lstStyle/>
+          <a:p>
+            <a:r>
+              <a:rPr lang="nl-NL"/>
+              <a:t>Faculty, department, unit ...</a:t>
+            </a:r>
+          </a:p>
+        </p:txBody>
+      </p:sp>
+      <p:sp>
+        <p:nvSpPr>
+          <p:cNvPr id="4" name="Tijdelijke aanduiding voor dianummer 3">
+            <a:extLst>
+              <a:ext uri="{FF2B5EF4-FFF2-40B4-BE49-F238E27FC236}">
+                <a16:creationId xmlns:a16="http://schemas.microsoft.com/office/drawing/2014/main" id="{033BF3EA-AA33-261E-8D31-8101DCD638CC}"/>
+              </a:ext>
+            </a:extLst>
+          </p:cNvPr>
+          <p:cNvSpPr>
+            <a:spLocks noGrp="1"/>
+          </p:cNvSpPr>
+          <p:nvPr>
+            <p:ph type="sldNum" sz="quarter" idx="12"/>
+          </p:nvPr>
+        </p:nvSpPr>
+        <p:spPr/>
+        <p:txBody>
+          <a:bodyPr/>
+          <a:lstStyle/>
+          <a:p>
+            <a:fld id="{0A297500-7527-634B-90F4-69D0994C32B4}" type="slidenum">
+              <a:rPr lang="nl-NL" smtClean="0"/>
+              <a:t>14</a:t>
+            </a:fld>
+            <a:endParaRPr lang="nl-NL"/>
+          </a:p>
+        </p:txBody>
+      </p:sp>
+      <p:sp>
+        <p:nvSpPr>
+          <p:cNvPr id="5" name="Titel 4">
+            <a:extLst>
+              <a:ext uri="{FF2B5EF4-FFF2-40B4-BE49-F238E27FC236}">
+                <a16:creationId xmlns:a16="http://schemas.microsoft.com/office/drawing/2014/main" id="{0AB90542-B085-F406-9290-1072716337BA}"/>
+              </a:ext>
+            </a:extLst>
+          </p:cNvPr>
+          <p:cNvSpPr>
+            <a:spLocks noGrp="1"/>
+          </p:cNvSpPr>
+          <p:nvPr>
+            <p:ph type="title"/>
+          </p:nvPr>
+        </p:nvSpPr>
+        <p:spPr>
+          <a:xfrm>
+            <a:off x="576000" y="7600"/>
+            <a:ext cx="11041200" cy="1152000"/>
+          </a:xfrm>
+        </p:spPr>
+        <p:txBody>
+          <a:bodyPr/>
+          <a:lstStyle/>
+          <a:p>
+            <a:r>
+              <a:rPr lang="nl-BE" dirty="0"/>
+              <a:t>Week 8 (21/11/2022)</a:t>
+            </a:r>
+          </a:p>
+        </p:txBody>
+      </p:sp>
+      <p:sp>
+        <p:nvSpPr>
+          <p:cNvPr id="28" name="Rectangle 7">
+            <a:extLst>
+              <a:ext uri="{FF2B5EF4-FFF2-40B4-BE49-F238E27FC236}">
+                <a16:creationId xmlns:a16="http://schemas.microsoft.com/office/drawing/2014/main" id="{1ED11395-C284-9D31-0A1F-8CE593280307}"/>
+              </a:ext>
+            </a:extLst>
+          </p:cNvPr>
+          <p:cNvSpPr>
+            <a:spLocks noChangeArrowheads="1"/>
+          </p:cNvSpPr>
+          <p:nvPr/>
+        </p:nvSpPr>
+        <p:spPr bwMode="auto">
+          <a:xfrm>
+            <a:off x="580800" y="1348510"/>
+            <a:ext cx="4940880" cy="1767742"/>
+          </a:xfrm>
+          <a:prstGeom prst="rect">
+            <a:avLst/>
+          </a:prstGeom>
+          <a:noFill/>
+          <a:ln w="9525">
+            <a:solidFill>
+              <a:srgbClr val="333333"/>
+            </a:solidFill>
+            <a:miter lim="800000"/>
+            <a:headEnd/>
+            <a:tailEnd/>
+          </a:ln>
+          <a:effectLst/>
+          <a:extLst>
+            <a:ext uri="{909E8E84-426E-40DD-AFC4-6F175D3DCCD1}">
+              <a14:hiddenFill xmlns:a14="http://schemas.microsoft.com/office/drawing/2010/main">
+                <a:solidFill>
+                  <a:schemeClr val="accent1"/>
+                </a:solidFill>
+              </a14:hiddenFill>
+            </a:ext>
+            <a:ext uri="{AF507438-7753-43E0-B8FC-AC1667EBCBE1}">
+              <a14:hiddenEffects xmlns:a14="http://schemas.microsoft.com/office/drawing/2010/main">
+                <a:effectLst>
+                  <a:outerShdw dist="35921" dir="2700000" algn="ctr" rotWithShape="0">
+                    <a:schemeClr val="bg2"/>
+                  </a:outerShdw>
+                </a:effectLst>
+              </a14:hiddenEffects>
+            </a:ext>
+          </a:extLst>
+        </p:spPr>
+        <p:txBody>
+          <a:bodyPr wrap="none" anchor="ctr"/>
+          <a:lstStyle/>
+          <a:p>
+            <a:endParaRPr lang="nl-BE"/>
+          </a:p>
+        </p:txBody>
+      </p:sp>
+      <p:sp>
+        <p:nvSpPr>
+          <p:cNvPr id="29" name="Rectangle 8">
+            <a:extLst>
+              <a:ext uri="{FF2B5EF4-FFF2-40B4-BE49-F238E27FC236}">
+                <a16:creationId xmlns:a16="http://schemas.microsoft.com/office/drawing/2014/main" id="{6FC4B744-16AC-500A-BBB9-19F5AFB1A6F4}"/>
+              </a:ext>
+            </a:extLst>
+          </p:cNvPr>
+          <p:cNvSpPr>
+            <a:spLocks noChangeArrowheads="1"/>
+          </p:cNvSpPr>
+          <p:nvPr/>
+        </p:nvSpPr>
+        <p:spPr bwMode="auto">
+          <a:xfrm>
+            <a:off x="580800" y="1365141"/>
+            <a:ext cx="4940880" cy="304800"/>
+          </a:xfrm>
+          <a:prstGeom prst="rect">
+            <a:avLst/>
+          </a:prstGeom>
+          <a:solidFill>
+            <a:schemeClr val="tx2">
+              <a:lumMod val="75000"/>
+            </a:schemeClr>
+          </a:solidFill>
+          <a:ln w="9525">
+            <a:solidFill>
+              <a:srgbClr val="333333"/>
+            </a:solidFill>
+            <a:miter lim="800000"/>
+            <a:headEnd/>
+            <a:tailEnd/>
+          </a:ln>
+          <a:effectLst/>
+        </p:spPr>
+        <p:txBody>
+          <a:bodyPr wrap="none" anchor="ctr"/>
+          <a:lstStyle/>
+          <a:p>
+            <a:r>
+              <a:rPr lang="en-US" altLang="nl-BE" sz="1400" b="1">
+                <a:solidFill>
+                  <a:schemeClr val="bg1"/>
+                </a:solidFill>
+                <a:latin typeface="Verdana" panose="020B0604030504040204" pitchFamily="34" charset="0"/>
+              </a:rPr>
+              <a:t>Planning</a:t>
+            </a:r>
+          </a:p>
+        </p:txBody>
+      </p:sp>
+      <p:sp>
+        <p:nvSpPr>
+          <p:cNvPr id="30" name="Rectangle 20">
+            <a:extLst>
+              <a:ext uri="{FF2B5EF4-FFF2-40B4-BE49-F238E27FC236}">
+                <a16:creationId xmlns:a16="http://schemas.microsoft.com/office/drawing/2014/main" id="{F8F8537C-8B21-E85D-8ED6-BCD891428026}"/>
+              </a:ext>
+            </a:extLst>
+          </p:cNvPr>
+          <p:cNvSpPr>
+            <a:spLocks noChangeArrowheads="1"/>
+          </p:cNvSpPr>
+          <p:nvPr/>
+        </p:nvSpPr>
+        <p:spPr bwMode="auto">
+          <a:xfrm>
+            <a:off x="576000" y="1669941"/>
+            <a:ext cx="4940880" cy="1498664"/>
+          </a:xfrm>
+          <a:prstGeom prst="rect">
+            <a:avLst/>
+          </a:prstGeom>
+          <a:noFill/>
+          <a:ln>
+            <a:noFill/>
+          </a:ln>
+          <a:effectLst/>
+          <a:extLst>
+            <a:ext uri="{909E8E84-426E-40DD-AFC4-6F175D3DCCD1}">
+              <a14:hiddenFill xmlns:a14="http://schemas.microsoft.com/office/drawing/2010/main">
+                <a:solidFill>
+                  <a:srgbClr val="333333"/>
+                </a:solidFill>
+              </a14:hiddenFill>
+            </a:ext>
+            <a:ext uri="{91240B29-F687-4F45-9708-019B960494DF}">
+              <a14:hiddenLine xmlns:a14="http://schemas.microsoft.com/office/drawing/2010/main" w="9525">
+                <a:solidFill>
+                  <a:srgbClr val="333333"/>
+                </a:solidFill>
+                <a:miter lim="800000"/>
+                <a:headEnd/>
+                <a:tailEnd/>
+              </a14:hiddenLine>
+            </a:ext>
+            <a:ext uri="{AF507438-7753-43E0-B8FC-AC1667EBCBE1}">
+              <a14:hiddenEffects xmlns:a14="http://schemas.microsoft.com/office/drawing/2010/main">
+                <a:effectLst>
+                  <a:outerShdw dist="35921" dir="2700000" algn="ctr" rotWithShape="0">
+                    <a:schemeClr val="bg2"/>
+                  </a:outerShdw>
+                </a:effectLst>
+              </a14:hiddenEffects>
+            </a:ext>
+          </a:extLst>
+        </p:spPr>
+        <p:txBody>
+          <a:bodyPr wrap="none"/>
+          <a:lstStyle/>
+          <a:p>
+            <a:pPr>
+              <a:buFontTx/>
+              <a:buChar char="•"/>
+            </a:pPr>
+            <a:r>
+              <a:rPr lang="en-US" altLang="nl-BE" sz="1200" dirty="0">
+                <a:solidFill>
+                  <a:srgbClr val="333333"/>
+                </a:solidFill>
+                <a:latin typeface="Verdana" panose="020B0604030504040204" pitchFamily="34" charset="0"/>
+              </a:rPr>
+              <a:t> Better Head Detection (BHD)</a:t>
+            </a:r>
+          </a:p>
+          <a:p>
+            <a:pPr>
+              <a:buFontTx/>
+              <a:buChar char="•"/>
+            </a:pPr>
+            <a:r>
+              <a:rPr lang="en-US" altLang="nl-BE" sz="1200" dirty="0">
+                <a:solidFill>
+                  <a:srgbClr val="333333"/>
+                </a:solidFill>
+                <a:latin typeface="Verdana" panose="020B0604030504040204" pitchFamily="34" charset="0"/>
+              </a:rPr>
+              <a:t> Speech detection refining (SDR)</a:t>
+            </a:r>
+          </a:p>
+          <a:p>
+            <a:pPr>
+              <a:buFontTx/>
+              <a:buChar char="•"/>
+            </a:pPr>
+            <a:r>
+              <a:rPr lang="en-US" altLang="nl-BE" sz="1200" dirty="0">
+                <a:solidFill>
+                  <a:srgbClr val="333333"/>
+                </a:solidFill>
+                <a:latin typeface="Verdana" panose="020B0604030504040204" pitchFamily="34" charset="0"/>
+              </a:rPr>
+              <a:t> Multithreading</a:t>
+            </a:r>
+          </a:p>
+          <a:p>
+            <a:pPr>
+              <a:buFontTx/>
+              <a:buChar char="•"/>
+            </a:pPr>
+            <a:r>
+              <a:rPr lang="en-US" altLang="nl-BE" sz="1200" dirty="0">
+                <a:solidFill>
+                  <a:srgbClr val="333333"/>
+                </a:solidFill>
+                <a:latin typeface="Verdana" panose="020B0604030504040204" pitchFamily="34" charset="0"/>
+              </a:rPr>
+              <a:t> </a:t>
+            </a:r>
+            <a:r>
+              <a:rPr lang="en-US" altLang="nl-BE" sz="1200" dirty="0" err="1">
+                <a:solidFill>
+                  <a:srgbClr val="333333"/>
+                </a:solidFill>
+                <a:latin typeface="Verdana" panose="020B0604030504040204" pitchFamily="34" charset="0"/>
+              </a:rPr>
+              <a:t>Dlib</a:t>
+            </a:r>
+            <a:r>
+              <a:rPr lang="en-US" altLang="nl-BE" sz="1200" dirty="0">
+                <a:solidFill>
+                  <a:srgbClr val="333333"/>
+                </a:solidFill>
+                <a:latin typeface="Verdana" panose="020B0604030504040204" pitchFamily="34" charset="0"/>
+              </a:rPr>
+              <a:t> – </a:t>
+            </a:r>
+            <a:r>
+              <a:rPr lang="en-US" altLang="nl-BE" sz="1200" dirty="0" err="1">
+                <a:solidFill>
+                  <a:srgbClr val="333333"/>
+                </a:solidFill>
+                <a:latin typeface="Verdana" panose="020B0604030504040204" pitchFamily="34" charset="0"/>
+              </a:rPr>
+              <a:t>Haar</a:t>
+            </a:r>
+            <a:r>
+              <a:rPr lang="en-US" altLang="nl-BE" sz="1200" dirty="0">
+                <a:solidFill>
+                  <a:srgbClr val="333333"/>
+                </a:solidFill>
+                <a:latin typeface="Verdana" panose="020B0604030504040204" pitchFamily="34" charset="0"/>
+              </a:rPr>
+              <a:t> Cascades comparison</a:t>
+            </a:r>
+          </a:p>
+          <a:p>
+            <a:pPr>
+              <a:buFontTx/>
+              <a:buChar char="•"/>
+            </a:pPr>
+            <a:r>
+              <a:rPr lang="en-US" altLang="nl-BE" sz="1200" dirty="0">
+                <a:solidFill>
+                  <a:srgbClr val="333333"/>
+                </a:solidFill>
+                <a:latin typeface="Verdana" panose="020B0604030504040204" pitchFamily="34" charset="0"/>
+              </a:rPr>
+              <a:t> Face tracking</a:t>
+            </a:r>
+          </a:p>
+          <a:p>
+            <a:pPr>
+              <a:buFontTx/>
+              <a:buChar char="•"/>
+            </a:pPr>
+            <a:r>
+              <a:rPr lang="en-US" altLang="nl-BE" sz="1200" dirty="0">
+                <a:solidFill>
+                  <a:srgbClr val="333333"/>
+                </a:solidFill>
+                <a:latin typeface="Verdana" panose="020B0604030504040204" pitchFamily="34" charset="0"/>
+              </a:rPr>
+              <a:t> Face Recognition</a:t>
+            </a:r>
+          </a:p>
+          <a:p>
+            <a:pPr>
+              <a:buFontTx/>
+              <a:buChar char="•"/>
+            </a:pPr>
+            <a:r>
+              <a:rPr lang="en-US" altLang="nl-BE" sz="1200" dirty="0">
+                <a:solidFill>
+                  <a:srgbClr val="333333"/>
+                </a:solidFill>
+                <a:latin typeface="Verdana" panose="020B0604030504040204" pitchFamily="34" charset="0"/>
+              </a:rPr>
+              <a:t> Brochure</a:t>
+            </a:r>
+          </a:p>
+          <a:p>
+            <a:pPr>
+              <a:buFontTx/>
+              <a:buChar char="•"/>
+            </a:pPr>
+            <a:endParaRPr lang="en-US" altLang="nl-BE" sz="1200" dirty="0">
+              <a:solidFill>
+                <a:srgbClr val="333333"/>
+              </a:solidFill>
+              <a:latin typeface="Verdana" panose="020B0604030504040204" pitchFamily="34" charset="0"/>
+            </a:endParaRPr>
+          </a:p>
+          <a:p>
+            <a:pPr>
+              <a:buFontTx/>
+              <a:buChar char="•"/>
+            </a:pPr>
+            <a:endParaRPr lang="en-US" altLang="nl-BE" sz="1200" dirty="0">
+              <a:solidFill>
+                <a:srgbClr val="333333"/>
+              </a:solidFill>
+              <a:latin typeface="Verdana" panose="020B0604030504040204" pitchFamily="34" charset="0"/>
+            </a:endParaRPr>
+          </a:p>
+        </p:txBody>
+      </p:sp>
+      <p:graphicFrame>
+        <p:nvGraphicFramePr>
+          <p:cNvPr id="31" name="Table 8">
+            <a:extLst>
+              <a:ext uri="{FF2B5EF4-FFF2-40B4-BE49-F238E27FC236}">
+                <a16:creationId xmlns:a16="http://schemas.microsoft.com/office/drawing/2014/main" id="{39209D40-A90A-28AF-7EE5-2185F6AED7D9}"/>
+              </a:ext>
+            </a:extLst>
+          </p:cNvPr>
+          <p:cNvGraphicFramePr>
+            <a:graphicFrameLocks noGrp="1"/>
+          </p:cNvGraphicFramePr>
+          <p:nvPr>
+            <p:extLst>
+              <p:ext uri="{D42A27DB-BD31-4B8C-83A1-F6EECF244321}">
+                <p14:modId xmlns:p14="http://schemas.microsoft.com/office/powerpoint/2010/main" val="2459885176"/>
+              </p:ext>
+            </p:extLst>
+          </p:nvPr>
+        </p:nvGraphicFramePr>
+        <p:xfrm>
+          <a:off x="580800" y="3517586"/>
+          <a:ext cx="11306400" cy="2595880"/>
+        </p:xfrm>
+        <a:graphic>
+          <a:graphicData uri="http://schemas.openxmlformats.org/drawingml/2006/table">
+            <a:tbl>
+              <a:tblPr firstRow="1" bandRow="1">
+                <a:tableStyleId>{5C22544A-7EE6-4342-B048-85BDC9FD1C3A}</a:tableStyleId>
+              </a:tblPr>
+              <a:tblGrid>
+                <a:gridCol w="2115747">
+                  <a:extLst>
+                    <a:ext uri="{9D8B030D-6E8A-4147-A177-3AD203B41FA5}">
+                      <a16:colId xmlns:a16="http://schemas.microsoft.com/office/drawing/2014/main" val="3222044758"/>
+                    </a:ext>
+                  </a:extLst>
+                </a:gridCol>
+                <a:gridCol w="2406813">
+                  <a:extLst>
+                    <a:ext uri="{9D8B030D-6E8A-4147-A177-3AD203B41FA5}">
+                      <a16:colId xmlns:a16="http://schemas.microsoft.com/office/drawing/2014/main" val="23332546"/>
+                    </a:ext>
+                  </a:extLst>
+                </a:gridCol>
+                <a:gridCol w="2261280">
+                  <a:extLst>
+                    <a:ext uri="{9D8B030D-6E8A-4147-A177-3AD203B41FA5}">
+                      <a16:colId xmlns:a16="http://schemas.microsoft.com/office/drawing/2014/main" val="62682046"/>
+                    </a:ext>
+                  </a:extLst>
+                </a:gridCol>
+                <a:gridCol w="2261280">
+                  <a:extLst>
+                    <a:ext uri="{9D8B030D-6E8A-4147-A177-3AD203B41FA5}">
+                      <a16:colId xmlns:a16="http://schemas.microsoft.com/office/drawing/2014/main" val="1440099295"/>
+                    </a:ext>
+                  </a:extLst>
+                </a:gridCol>
+                <a:gridCol w="2261280">
+                  <a:extLst>
+                    <a:ext uri="{9D8B030D-6E8A-4147-A177-3AD203B41FA5}">
+                      <a16:colId xmlns:a16="http://schemas.microsoft.com/office/drawing/2014/main" val="2799077174"/>
+                    </a:ext>
+                  </a:extLst>
+                </a:gridCol>
+              </a:tblGrid>
+              <a:tr h="370840">
+                <a:tc>
+                  <a:txBody>
+                    <a:bodyPr/>
+                    <a:lstStyle/>
+                    <a:p>
+                      <a:r>
+                        <a:rPr lang="nl-BE" dirty="0"/>
+                        <a:t>Naam student</a:t>
+                      </a:r>
+                    </a:p>
+                  </a:txBody>
+                  <a:tcPr>
+                    <a:lnL w="12700" cap="flat" cmpd="sng" algn="ctr">
+                      <a:solidFill>
+                        <a:schemeClr val="tx1"/>
+                      </a:solidFill>
+                      <a:prstDash val="solid"/>
+                      <a:round/>
+                      <a:headEnd type="none" w="med" len="med"/>
+                      <a:tailEnd type="none" w="med" len="med"/>
+                    </a:lnL>
+                    <a:lnT w="12700" cap="flat" cmpd="sng" algn="ctr">
+                      <a:solidFill>
+                        <a:schemeClr val="tx1"/>
+                      </a:solidFill>
+                      <a:prstDash val="solid"/>
+                      <a:round/>
+                      <a:headEnd type="none" w="med" len="med"/>
+                      <a:tailEnd type="none" w="med" len="med"/>
+                    </a:lnT>
+                  </a:tcPr>
+                </a:tc>
+                <a:tc>
+                  <a:txBody>
+                    <a:bodyPr/>
+                    <a:lstStyle/>
+                    <a:p>
+                      <a:r>
+                        <a:rPr lang="nl-BE" dirty="0"/>
+                        <a:t>14u00-15u00</a:t>
+                      </a:r>
+                    </a:p>
+                  </a:txBody>
+                  <a:tcPr>
+                    <a:lnT w="12700" cap="flat" cmpd="sng" algn="ctr">
+                      <a:solidFill>
+                        <a:schemeClr val="tx1"/>
+                      </a:solidFill>
+                      <a:prstDash val="solid"/>
+                      <a:round/>
+                      <a:headEnd type="none" w="med" len="med"/>
+                      <a:tailEnd type="none" w="med" len="med"/>
+                    </a:lnT>
+                  </a:tcPr>
+                </a:tc>
+                <a:tc>
+                  <a:txBody>
+                    <a:bodyPr/>
+                    <a:lstStyle/>
+                    <a:p>
+                      <a:r>
+                        <a:rPr lang="nl-BE" dirty="0"/>
+                        <a:t>15u00-16u00</a:t>
+                      </a:r>
+                    </a:p>
+                  </a:txBody>
+                  <a:tcPr>
+                    <a:lnT w="12700" cap="flat" cmpd="sng" algn="ctr">
+                      <a:solidFill>
+                        <a:schemeClr val="tx1"/>
+                      </a:solidFill>
+                      <a:prstDash val="solid"/>
+                      <a:round/>
+                      <a:headEnd type="none" w="med" len="med"/>
+                      <a:tailEnd type="none" w="med" len="med"/>
+                    </a:lnT>
+                  </a:tcPr>
+                </a:tc>
+                <a:tc>
+                  <a:txBody>
+                    <a:bodyPr/>
+                    <a:lstStyle/>
+                    <a:p>
+                      <a:r>
+                        <a:rPr lang="nl-BE" dirty="0"/>
+                        <a:t>16u00-17u00</a:t>
+                      </a:r>
+                    </a:p>
+                  </a:txBody>
+                  <a:tcPr>
+                    <a:lnT w="12700" cap="flat" cmpd="sng" algn="ctr">
+                      <a:solidFill>
+                        <a:schemeClr val="tx1"/>
+                      </a:solidFill>
+                      <a:prstDash val="solid"/>
+                      <a:round/>
+                      <a:headEnd type="none" w="med" len="med"/>
+                      <a:tailEnd type="none" w="med" len="med"/>
+                    </a:lnT>
+                  </a:tcPr>
+                </a:tc>
+                <a:tc>
+                  <a:txBody>
+                    <a:bodyPr/>
+                    <a:lstStyle/>
+                    <a:p>
+                      <a:r>
+                        <a:rPr lang="nl-BE" dirty="0"/>
+                        <a:t>17u00-18u00</a:t>
+                      </a:r>
+                    </a:p>
+                  </a:txBody>
+                  <a:tcPr>
+                    <a:lnR w="12700" cap="flat" cmpd="sng" algn="ctr">
+                      <a:solidFill>
+                        <a:schemeClr val="tx1"/>
+                      </a:solidFill>
+                      <a:prstDash val="solid"/>
+                      <a:round/>
+                      <a:headEnd type="none" w="med" len="med"/>
+                      <a:tailEnd type="none" w="med" len="med"/>
+                    </a:lnR>
+                    <a:lnT w="12700" cap="flat" cmpd="sng" algn="ctr">
+                      <a:solidFill>
+                        <a:schemeClr val="tx1"/>
+                      </a:solidFill>
+                      <a:prstDash val="solid"/>
+                      <a:round/>
+                      <a:headEnd type="none" w="med" len="med"/>
+                      <a:tailEnd type="none" w="med" len="med"/>
+                    </a:lnT>
+                  </a:tcPr>
+                </a:tc>
+                <a:extLst>
+                  <a:ext uri="{0D108BD9-81ED-4DB2-BD59-A6C34878D82A}">
+                    <a16:rowId xmlns:a16="http://schemas.microsoft.com/office/drawing/2014/main" val="1545514501"/>
+                  </a:ext>
+                </a:extLst>
+              </a:tr>
+              <a:tr h="370840">
+                <a:tc>
+                  <a:txBody>
+                    <a:bodyPr/>
+                    <a:lstStyle/>
+                    <a:p>
+                      <a:r>
+                        <a:rPr lang="nl-BE" dirty="0"/>
+                        <a:t>Arne </a:t>
+                      </a:r>
+                      <a:r>
+                        <a:rPr lang="nl-BE" dirty="0" err="1"/>
+                        <a:t>Lemahieu</a:t>
+                      </a:r>
+                      <a:endParaRPr lang="nl-BE" dirty="0"/>
+                    </a:p>
+                  </a:txBody>
+                  <a:tcPr>
+                    <a:lnL w="12700" cap="flat" cmpd="sng" algn="ctr">
+                      <a:solidFill>
+                        <a:schemeClr val="tx1"/>
+                      </a:solidFill>
+                      <a:prstDash val="solid"/>
+                      <a:round/>
+                      <a:headEnd type="none" w="med" len="med"/>
+                      <a:tailEnd type="none" w="med" len="med"/>
+                    </a:lnL>
+                  </a:tcPr>
+                </a:tc>
+                <a:tc>
+                  <a:txBody>
+                    <a:bodyPr/>
+                    <a:lstStyle/>
+                    <a:p>
+                      <a:r>
+                        <a:rPr lang="nl-BE" dirty="0"/>
+                        <a:t>SDR</a:t>
+                      </a:r>
+                    </a:p>
+                  </a:txBody>
+                  <a:tcPr/>
+                </a:tc>
+                <a:tc>
+                  <a:txBody>
+                    <a:bodyPr/>
+                    <a:lstStyle/>
+                    <a:p>
+                      <a:r>
+                        <a:rPr lang="nl-BE" dirty="0"/>
+                        <a:t>SDR</a:t>
+                      </a:r>
+                    </a:p>
+                  </a:txBody>
+                  <a:tcPr/>
+                </a:tc>
+                <a:tc>
+                  <a:txBody>
+                    <a:bodyPr/>
+                    <a:lstStyle/>
+                    <a:p>
+                      <a:r>
+                        <a:rPr lang="nl-BE" dirty="0"/>
+                        <a:t>SDR</a:t>
+                      </a:r>
+                    </a:p>
+                  </a:txBody>
+                  <a:tcPr/>
+                </a:tc>
+                <a:tc>
+                  <a:txBody>
+                    <a:bodyPr/>
+                    <a:lstStyle/>
+                    <a:p>
+                      <a:r>
+                        <a:rPr lang="nl-BE" dirty="0"/>
+                        <a:t>BHD</a:t>
+                      </a:r>
+                    </a:p>
+                  </a:txBody>
+                  <a:tcPr>
+                    <a:lnR w="12700" cap="flat" cmpd="sng" algn="ctr">
+                      <a:solidFill>
+                        <a:schemeClr val="tx1"/>
+                      </a:solidFill>
+                      <a:prstDash val="solid"/>
+                      <a:round/>
+                      <a:headEnd type="none" w="med" len="med"/>
+                      <a:tailEnd type="none" w="med" len="med"/>
+                    </a:lnR>
+                  </a:tcPr>
+                </a:tc>
+                <a:extLst>
+                  <a:ext uri="{0D108BD9-81ED-4DB2-BD59-A6C34878D82A}">
+                    <a16:rowId xmlns:a16="http://schemas.microsoft.com/office/drawing/2014/main" val="4272612081"/>
+                  </a:ext>
+                </a:extLst>
+              </a:tr>
+              <a:tr h="370840">
+                <a:tc>
+                  <a:txBody>
+                    <a:bodyPr/>
+                    <a:lstStyle/>
+                    <a:p>
+                      <a:pPr marL="0" marR="0" lvl="0" indent="0" algn="l" defTabSz="914400" rtl="0" eaLnBrk="1" fontAlgn="auto" latinLnBrk="0" hangingPunct="1">
+                        <a:lnSpc>
+                          <a:spcPct val="100000"/>
+                        </a:lnSpc>
+                        <a:spcBef>
+                          <a:spcPts val="0"/>
+                        </a:spcBef>
+                        <a:spcAft>
+                          <a:spcPts val="0"/>
+                        </a:spcAft>
+                        <a:buClrTx/>
+                        <a:buSzTx/>
+                        <a:buFontTx/>
+                        <a:buNone/>
+                        <a:tabLst/>
+                        <a:defRPr/>
+                      </a:pPr>
+                      <a:r>
+                        <a:rPr lang="nl-BE" dirty="0"/>
+                        <a:t>Kasper </a:t>
+                      </a:r>
+                      <a:r>
+                        <a:rPr lang="nl-BE" dirty="0" err="1"/>
+                        <a:t>Dumoulin</a:t>
+                      </a:r>
+                      <a:endParaRPr lang="nl-BE" dirty="0"/>
+                    </a:p>
+                  </a:txBody>
+                  <a:tcPr>
+                    <a:lnL w="12700" cap="flat" cmpd="sng" algn="ctr">
+                      <a:solidFill>
+                        <a:schemeClr val="tx1"/>
+                      </a:solidFill>
+                      <a:prstDash val="solid"/>
+                      <a:round/>
+                      <a:headEnd type="none" w="med" len="med"/>
+                      <a:tailEnd type="none" w="med" len="med"/>
+                    </a:lnL>
+                  </a:tcPr>
+                </a:tc>
+                <a:tc>
+                  <a:txBody>
+                    <a:bodyPr/>
+                    <a:lstStyle/>
+                    <a:p>
+                      <a:pPr marL="0" marR="0" lvl="0" indent="0" algn="l" defTabSz="914400" rtl="0" eaLnBrk="1" fontAlgn="auto" latinLnBrk="0" hangingPunct="1">
+                        <a:lnSpc>
+                          <a:spcPct val="100000"/>
+                        </a:lnSpc>
+                        <a:spcBef>
+                          <a:spcPts val="0"/>
+                        </a:spcBef>
+                        <a:spcAft>
+                          <a:spcPts val="0"/>
+                        </a:spcAft>
+                        <a:buClrTx/>
+                        <a:buSzTx/>
+                        <a:buFontTx/>
+                        <a:buNone/>
+                        <a:tabLst/>
+                        <a:defRPr/>
+                      </a:pPr>
+                      <a:r>
+                        <a:rPr lang="nl-BE" dirty="0" err="1"/>
+                        <a:t>Testing</a:t>
+                      </a:r>
+                      <a:r>
+                        <a:rPr lang="nl-BE" dirty="0"/>
+                        <a:t>/</a:t>
+                      </a:r>
+                      <a:r>
+                        <a:rPr lang="nl-BE" dirty="0" err="1"/>
+                        <a:t>comparison</a:t>
+                      </a:r>
+                      <a:endParaRPr lang="nl-BE" dirty="0"/>
+                    </a:p>
+                  </a:txBody>
+                  <a:tcPr/>
+                </a:tc>
+                <a:tc>
+                  <a:txBody>
+                    <a:bodyPr/>
+                    <a:lstStyle/>
+                    <a:p>
+                      <a:pPr marL="0" marR="0" lvl="0" indent="0" algn="l" defTabSz="914400" rtl="0" eaLnBrk="1" fontAlgn="auto" latinLnBrk="0" hangingPunct="1">
+                        <a:lnSpc>
+                          <a:spcPct val="100000"/>
+                        </a:lnSpc>
+                        <a:spcBef>
+                          <a:spcPts val="0"/>
+                        </a:spcBef>
+                        <a:spcAft>
+                          <a:spcPts val="0"/>
+                        </a:spcAft>
+                        <a:buClrTx/>
+                        <a:buSzTx/>
+                        <a:buFontTx/>
+                        <a:buNone/>
+                        <a:tabLst/>
+                        <a:defRPr/>
+                      </a:pPr>
+                      <a:r>
+                        <a:rPr lang="nl-BE" dirty="0" err="1"/>
+                        <a:t>Testing</a:t>
+                      </a:r>
+                      <a:r>
+                        <a:rPr lang="nl-BE" dirty="0"/>
+                        <a:t>/</a:t>
+                      </a:r>
+                      <a:r>
+                        <a:rPr lang="nl-BE" dirty="0" err="1"/>
+                        <a:t>comparison</a:t>
+                      </a:r>
+                      <a:endParaRPr lang="nl-BE" dirty="0"/>
+                    </a:p>
+                  </a:txBody>
+                  <a:tcPr/>
+                </a:tc>
+                <a:tc>
+                  <a:txBody>
+                    <a:bodyPr/>
+                    <a:lstStyle/>
+                    <a:p>
+                      <a:pPr marL="0" marR="0" lvl="0" indent="0" algn="l" defTabSz="914400" rtl="0" eaLnBrk="1" fontAlgn="auto" latinLnBrk="0" hangingPunct="1">
+                        <a:lnSpc>
+                          <a:spcPct val="100000"/>
+                        </a:lnSpc>
+                        <a:spcBef>
+                          <a:spcPts val="0"/>
+                        </a:spcBef>
+                        <a:spcAft>
+                          <a:spcPts val="0"/>
+                        </a:spcAft>
+                        <a:buClrTx/>
+                        <a:buSzTx/>
+                        <a:buFontTx/>
+                        <a:buNone/>
+                        <a:tabLst/>
+                        <a:defRPr/>
+                      </a:pPr>
+                      <a:r>
+                        <a:rPr lang="nl-BE" dirty="0" err="1"/>
+                        <a:t>Refining</a:t>
+                      </a:r>
+                      <a:r>
+                        <a:rPr lang="nl-BE" dirty="0"/>
+                        <a:t> code</a:t>
+                      </a:r>
+                    </a:p>
+                  </a:txBody>
+                  <a:tcPr/>
+                </a:tc>
+                <a:tc>
+                  <a:txBody>
+                    <a:bodyPr/>
+                    <a:lstStyle/>
+                    <a:p>
+                      <a:r>
+                        <a:rPr lang="nl-BE" dirty="0" err="1"/>
+                        <a:t>Refining</a:t>
+                      </a:r>
+                      <a:r>
+                        <a:rPr lang="nl-BE" dirty="0"/>
+                        <a:t> code</a:t>
+                      </a:r>
+                    </a:p>
+                  </a:txBody>
+                  <a:tcPr>
+                    <a:lnR w="12700" cap="flat" cmpd="sng" algn="ctr">
+                      <a:solidFill>
+                        <a:schemeClr val="tx1"/>
+                      </a:solidFill>
+                      <a:prstDash val="solid"/>
+                      <a:round/>
+                      <a:headEnd type="none" w="med" len="med"/>
+                      <a:tailEnd type="none" w="med" len="med"/>
+                    </a:lnR>
+                  </a:tcPr>
+                </a:tc>
+                <a:extLst>
+                  <a:ext uri="{0D108BD9-81ED-4DB2-BD59-A6C34878D82A}">
+                    <a16:rowId xmlns:a16="http://schemas.microsoft.com/office/drawing/2014/main" val="2535650466"/>
+                  </a:ext>
+                </a:extLst>
+              </a:tr>
+              <a:tr h="370840">
+                <a:tc>
+                  <a:txBody>
+                    <a:bodyPr/>
+                    <a:lstStyle/>
+                    <a:p>
+                      <a:pPr marL="0" marR="0" lvl="0" indent="0" algn="l" defTabSz="914400" rtl="0" eaLnBrk="1" fontAlgn="auto" latinLnBrk="0" hangingPunct="1">
+                        <a:lnSpc>
+                          <a:spcPct val="100000"/>
+                        </a:lnSpc>
+                        <a:spcBef>
+                          <a:spcPts val="0"/>
+                        </a:spcBef>
+                        <a:spcAft>
+                          <a:spcPts val="0"/>
+                        </a:spcAft>
+                        <a:buClrTx/>
+                        <a:buSzTx/>
+                        <a:buFontTx/>
+                        <a:buNone/>
+                        <a:tabLst/>
+                        <a:defRPr/>
+                      </a:pPr>
+                      <a:r>
+                        <a:rPr lang="nl-BE" dirty="0"/>
+                        <a:t>Mauro Janssens</a:t>
+                      </a:r>
+                    </a:p>
+                  </a:txBody>
+                  <a:tcPr>
+                    <a:lnL w="12700" cap="flat" cmpd="sng" algn="ctr">
+                      <a:solidFill>
+                        <a:schemeClr val="tx1"/>
+                      </a:solidFill>
+                      <a:prstDash val="solid"/>
+                      <a:round/>
+                      <a:headEnd type="none" w="med" len="med"/>
+                      <a:tailEnd type="none" w="med" len="med"/>
+                    </a:lnL>
+                  </a:tcPr>
+                </a:tc>
+                <a:tc>
+                  <a:txBody>
+                    <a:bodyPr/>
+                    <a:lstStyle/>
+                    <a:p>
+                      <a:pPr marL="0" marR="0" lvl="0" indent="0" algn="l" defTabSz="914400" rtl="0" eaLnBrk="1" fontAlgn="auto" latinLnBrk="0" hangingPunct="1">
+                        <a:lnSpc>
+                          <a:spcPct val="100000"/>
+                        </a:lnSpc>
+                        <a:spcBef>
+                          <a:spcPts val="0"/>
+                        </a:spcBef>
+                        <a:spcAft>
+                          <a:spcPts val="0"/>
+                        </a:spcAft>
+                        <a:buClrTx/>
+                        <a:buSzTx/>
+                        <a:buFontTx/>
+                        <a:buNone/>
+                        <a:tabLst/>
+                        <a:defRPr/>
+                      </a:pPr>
+                      <a:r>
+                        <a:rPr lang="nl-BE" dirty="0"/>
+                        <a:t>Face </a:t>
+                      </a:r>
+                      <a:r>
+                        <a:rPr lang="nl-BE" dirty="0" err="1"/>
+                        <a:t>Recognition</a:t>
+                      </a:r>
+                      <a:endParaRPr lang="nl-BE" dirty="0"/>
+                    </a:p>
+                  </a:txBody>
+                  <a:tcPr/>
+                </a:tc>
+                <a:tc>
+                  <a:txBody>
+                    <a:bodyPr/>
+                    <a:lstStyle/>
+                    <a:p>
+                      <a:pPr marL="0" marR="0" lvl="0" indent="0" algn="l" defTabSz="914400" rtl="0" eaLnBrk="1" fontAlgn="auto" latinLnBrk="0" hangingPunct="1">
+                        <a:lnSpc>
+                          <a:spcPct val="100000"/>
+                        </a:lnSpc>
+                        <a:spcBef>
+                          <a:spcPts val="0"/>
+                        </a:spcBef>
+                        <a:spcAft>
+                          <a:spcPts val="0"/>
+                        </a:spcAft>
+                        <a:buClrTx/>
+                        <a:buSzTx/>
+                        <a:buFontTx/>
+                        <a:buNone/>
+                        <a:tabLst/>
+                        <a:defRPr/>
+                      </a:pPr>
+                      <a:r>
+                        <a:rPr lang="nl-BE" dirty="0"/>
+                        <a:t>Face </a:t>
+                      </a:r>
+                      <a:r>
+                        <a:rPr lang="nl-BE" dirty="0" err="1"/>
+                        <a:t>Recognition</a:t>
+                      </a:r>
+                      <a:endParaRPr lang="nl-BE" dirty="0"/>
+                    </a:p>
+                  </a:txBody>
+                  <a:tcPr/>
+                </a:tc>
+                <a:tc>
+                  <a:txBody>
+                    <a:bodyPr/>
+                    <a:lstStyle/>
+                    <a:p>
+                      <a:r>
+                        <a:rPr lang="nl-BE" dirty="0"/>
+                        <a:t>Face </a:t>
+                      </a:r>
+                      <a:r>
+                        <a:rPr lang="nl-BE" dirty="0" err="1"/>
+                        <a:t>Recognition</a:t>
+                      </a:r>
+                      <a:endParaRPr lang="nl-BE" dirty="0"/>
+                    </a:p>
+                  </a:txBody>
+                  <a:tcPr/>
+                </a:tc>
+                <a:tc>
+                  <a:txBody>
+                    <a:bodyPr/>
+                    <a:lstStyle/>
+                    <a:p>
+                      <a:r>
+                        <a:rPr lang="nl-BE" dirty="0" err="1"/>
+                        <a:t>Multithreading</a:t>
+                      </a:r>
+                      <a:endParaRPr lang="nl-BE" dirty="0"/>
+                    </a:p>
+                  </a:txBody>
+                  <a:tcPr>
+                    <a:lnR w="12700" cap="flat" cmpd="sng" algn="ctr">
+                      <a:solidFill>
+                        <a:schemeClr val="tx1"/>
+                      </a:solidFill>
+                      <a:prstDash val="solid"/>
+                      <a:round/>
+                      <a:headEnd type="none" w="med" len="med"/>
+                      <a:tailEnd type="none" w="med" len="med"/>
+                    </a:lnR>
+                  </a:tcPr>
+                </a:tc>
+                <a:extLst>
+                  <a:ext uri="{0D108BD9-81ED-4DB2-BD59-A6C34878D82A}">
+                    <a16:rowId xmlns:a16="http://schemas.microsoft.com/office/drawing/2014/main" val="1056747163"/>
+                  </a:ext>
+                </a:extLst>
+              </a:tr>
+              <a:tr h="370840">
+                <a:tc>
+                  <a:txBody>
+                    <a:bodyPr/>
+                    <a:lstStyle/>
+                    <a:p>
+                      <a:pPr marL="0" marR="0" lvl="0" indent="0" algn="l" defTabSz="914400" rtl="0" eaLnBrk="1" fontAlgn="auto" latinLnBrk="0" hangingPunct="1">
+                        <a:lnSpc>
+                          <a:spcPct val="100000"/>
+                        </a:lnSpc>
+                        <a:spcBef>
+                          <a:spcPts val="0"/>
+                        </a:spcBef>
+                        <a:spcAft>
+                          <a:spcPts val="0"/>
+                        </a:spcAft>
+                        <a:buClrTx/>
+                        <a:buSzTx/>
+                        <a:buFontTx/>
+                        <a:buNone/>
+                        <a:tabLst/>
+                        <a:defRPr/>
+                      </a:pPr>
+                      <a:r>
+                        <a:rPr lang="nl-BE" dirty="0"/>
+                        <a:t>Pepijn Haenen</a:t>
+                      </a:r>
+                    </a:p>
+                  </a:txBody>
+                  <a:tcPr>
+                    <a:lnL w="12700" cap="flat" cmpd="sng" algn="ctr">
+                      <a:solidFill>
+                        <a:schemeClr val="tx1"/>
+                      </a:solidFill>
+                      <a:prstDash val="solid"/>
+                      <a:round/>
+                      <a:headEnd type="none" w="med" len="med"/>
+                      <a:tailEnd type="none" w="med" len="med"/>
+                    </a:lnL>
+                  </a:tcPr>
+                </a:tc>
+                <a:tc>
+                  <a:txBody>
+                    <a:bodyPr/>
+                    <a:lstStyle/>
+                    <a:p>
+                      <a:pPr marL="0" marR="0" lvl="0" indent="0" algn="l" defTabSz="914400" rtl="0" eaLnBrk="1" fontAlgn="auto" latinLnBrk="0" hangingPunct="1">
+                        <a:lnSpc>
+                          <a:spcPct val="100000"/>
+                        </a:lnSpc>
+                        <a:spcBef>
+                          <a:spcPts val="0"/>
+                        </a:spcBef>
+                        <a:spcAft>
+                          <a:spcPts val="0"/>
+                        </a:spcAft>
+                        <a:buClrTx/>
+                        <a:buSzTx/>
+                        <a:buFontTx/>
+                        <a:buNone/>
+                        <a:tabLst/>
+                        <a:defRPr/>
+                      </a:pPr>
+                      <a:endParaRPr lang="nl-BE" dirty="0"/>
+                    </a:p>
+                  </a:txBody>
+                  <a:tcPr/>
+                </a:tc>
+                <a:tc>
+                  <a:txBody>
+                    <a:bodyPr/>
+                    <a:lstStyle/>
+                    <a:p>
+                      <a:pPr marL="0" marR="0" lvl="0" indent="0" algn="l" defTabSz="914400" rtl="0" eaLnBrk="1" fontAlgn="auto" latinLnBrk="0" hangingPunct="1">
+                        <a:lnSpc>
+                          <a:spcPct val="100000"/>
+                        </a:lnSpc>
+                        <a:spcBef>
+                          <a:spcPts val="0"/>
+                        </a:spcBef>
+                        <a:spcAft>
+                          <a:spcPts val="0"/>
+                        </a:spcAft>
+                        <a:buClrTx/>
+                        <a:buSzTx/>
+                        <a:buFontTx/>
+                        <a:buNone/>
+                        <a:tabLst/>
+                        <a:defRPr/>
+                      </a:pPr>
+                      <a:endParaRPr lang="nl-BE" dirty="0"/>
+                    </a:p>
+                  </a:txBody>
+                  <a:tcPr/>
+                </a:tc>
+                <a:tc>
+                  <a:txBody>
+                    <a:bodyPr/>
+                    <a:lstStyle/>
+                    <a:p>
+                      <a:r>
+                        <a:rPr lang="nl-BE" dirty="0"/>
+                        <a:t>Face tracking</a:t>
+                      </a:r>
+                    </a:p>
+                  </a:txBody>
+                  <a:tcPr/>
+                </a:tc>
+                <a:tc>
+                  <a:txBody>
+                    <a:bodyPr/>
+                    <a:lstStyle/>
+                    <a:p>
+                      <a:r>
+                        <a:rPr lang="nl-BE" dirty="0"/>
+                        <a:t>Face tracking</a:t>
+                      </a:r>
+                    </a:p>
+                  </a:txBody>
+                  <a:tcPr>
+                    <a:lnR w="12700" cap="flat" cmpd="sng" algn="ctr">
+                      <a:solidFill>
+                        <a:schemeClr val="tx1"/>
+                      </a:solidFill>
+                      <a:prstDash val="solid"/>
+                      <a:round/>
+                      <a:headEnd type="none" w="med" len="med"/>
+                      <a:tailEnd type="none" w="med" len="med"/>
+                    </a:lnR>
+                  </a:tcPr>
+                </a:tc>
+                <a:extLst>
+                  <a:ext uri="{0D108BD9-81ED-4DB2-BD59-A6C34878D82A}">
+                    <a16:rowId xmlns:a16="http://schemas.microsoft.com/office/drawing/2014/main" val="4081416973"/>
+                  </a:ext>
+                </a:extLst>
+              </a:tr>
+              <a:tr h="370840">
+                <a:tc>
+                  <a:txBody>
+                    <a:bodyPr/>
+                    <a:lstStyle/>
+                    <a:p>
+                      <a:pPr marL="0" marR="0" lvl="0" indent="0" algn="l" defTabSz="914400" rtl="0" eaLnBrk="1" fontAlgn="auto" latinLnBrk="0" hangingPunct="1">
+                        <a:lnSpc>
+                          <a:spcPct val="100000"/>
+                        </a:lnSpc>
+                        <a:spcBef>
+                          <a:spcPts val="0"/>
+                        </a:spcBef>
+                        <a:spcAft>
+                          <a:spcPts val="0"/>
+                        </a:spcAft>
+                        <a:buClrTx/>
+                        <a:buSzTx/>
+                        <a:buFontTx/>
+                        <a:buNone/>
+                        <a:tabLst/>
+                        <a:defRPr/>
+                      </a:pPr>
+                      <a:r>
+                        <a:rPr lang="nl-BE" dirty="0"/>
+                        <a:t>Philippe </a:t>
+                      </a:r>
+                      <a:r>
+                        <a:rPr lang="nl-BE" dirty="0" err="1"/>
+                        <a:t>Laffineur</a:t>
+                      </a:r>
+                      <a:endParaRPr lang="nl-BE" dirty="0"/>
+                    </a:p>
+                  </a:txBody>
+                  <a:tcPr>
+                    <a:lnL w="12700" cap="flat" cmpd="sng" algn="ctr">
+                      <a:solidFill>
+                        <a:schemeClr val="tx1"/>
+                      </a:solidFill>
+                      <a:prstDash val="solid"/>
+                      <a:round/>
+                      <a:headEnd type="none" w="med" len="med"/>
+                      <a:tailEnd type="none" w="med" len="med"/>
+                    </a:lnL>
+                  </a:tcPr>
+                </a:tc>
+                <a:tc>
+                  <a:txBody>
+                    <a:bodyPr/>
+                    <a:lstStyle/>
+                    <a:p>
+                      <a:r>
+                        <a:rPr lang="nl-BE" dirty="0"/>
+                        <a:t>Brochure</a:t>
+                      </a:r>
+                    </a:p>
+                  </a:txBody>
+                  <a:tcPr/>
+                </a:tc>
+                <a:tc>
+                  <a:txBody>
+                    <a:bodyPr/>
+                    <a:lstStyle/>
+                    <a:p>
+                      <a:r>
+                        <a:rPr lang="nl-BE" dirty="0"/>
+                        <a:t>Brochure</a:t>
+                      </a:r>
+                    </a:p>
+                  </a:txBody>
+                  <a:tcPr/>
+                </a:tc>
+                <a:tc>
+                  <a:txBody>
+                    <a:bodyPr/>
+                    <a:lstStyle/>
+                    <a:p>
+                      <a:r>
+                        <a:rPr lang="nl-BE" dirty="0"/>
+                        <a:t>Brochure</a:t>
+                      </a:r>
+                    </a:p>
+                  </a:txBody>
+                  <a:tcPr/>
+                </a:tc>
+                <a:tc>
+                  <a:txBody>
+                    <a:bodyPr/>
+                    <a:lstStyle/>
+                    <a:p>
+                      <a:r>
+                        <a:rPr lang="nl-BE" dirty="0"/>
+                        <a:t>Brochure</a:t>
+                      </a:r>
+                    </a:p>
+                  </a:txBody>
+                  <a:tcPr>
+                    <a:lnR w="12700" cap="flat" cmpd="sng" algn="ctr">
+                      <a:solidFill>
+                        <a:schemeClr val="tx1"/>
+                      </a:solidFill>
+                      <a:prstDash val="solid"/>
+                      <a:round/>
+                      <a:headEnd type="none" w="med" len="med"/>
+                      <a:tailEnd type="none" w="med" len="med"/>
+                    </a:lnR>
+                  </a:tcPr>
+                </a:tc>
+                <a:extLst>
+                  <a:ext uri="{0D108BD9-81ED-4DB2-BD59-A6C34878D82A}">
+                    <a16:rowId xmlns:a16="http://schemas.microsoft.com/office/drawing/2014/main" val="4226429342"/>
+                  </a:ext>
+                </a:extLst>
+              </a:tr>
+              <a:tr h="370840">
+                <a:tc>
+                  <a:txBody>
+                    <a:bodyPr/>
+                    <a:lstStyle/>
+                    <a:p>
+                      <a:pPr marL="0" marR="0" lvl="0" indent="0" algn="l" defTabSz="914400" rtl="0" eaLnBrk="1" fontAlgn="auto" latinLnBrk="0" hangingPunct="1">
+                        <a:lnSpc>
+                          <a:spcPct val="100000"/>
+                        </a:lnSpc>
+                        <a:spcBef>
+                          <a:spcPts val="0"/>
+                        </a:spcBef>
+                        <a:spcAft>
+                          <a:spcPts val="0"/>
+                        </a:spcAft>
+                        <a:buClrTx/>
+                        <a:buSzTx/>
+                        <a:buFontTx/>
+                        <a:buNone/>
+                        <a:tabLst/>
+                        <a:defRPr/>
+                      </a:pPr>
+                      <a:r>
+                        <a:rPr lang="nl-BE" dirty="0" err="1"/>
+                        <a:t>Tjorben</a:t>
+                      </a:r>
+                      <a:r>
+                        <a:rPr lang="nl-BE" dirty="0"/>
+                        <a:t> </a:t>
+                      </a:r>
+                      <a:r>
+                        <a:rPr lang="nl-BE" dirty="0" err="1"/>
+                        <a:t>Godeau</a:t>
+                      </a:r>
+                      <a:endParaRPr lang="nl-BE" dirty="0"/>
+                    </a:p>
+                  </a:txBody>
+                  <a:tcPr>
+                    <a:lnL w="12700" cap="flat" cmpd="sng" algn="ctr">
+                      <a:solidFill>
+                        <a:schemeClr val="tx1"/>
+                      </a:solidFill>
+                      <a:prstDash val="solid"/>
+                      <a:round/>
+                      <a:headEnd type="none" w="med" len="med"/>
+                      <a:tailEnd type="none" w="med" len="med"/>
+                    </a:lnL>
+                    <a:lnB w="12700" cap="flat" cmpd="sng" algn="ctr">
+                      <a:solidFill>
+                        <a:schemeClr val="tx1"/>
+                      </a:solidFill>
+                      <a:prstDash val="solid"/>
+                      <a:round/>
+                      <a:headEnd type="none" w="med" len="med"/>
+                      <a:tailEnd type="none" w="med" len="med"/>
+                    </a:lnB>
+                  </a:tcPr>
+                </a:tc>
+                <a:tc>
+                  <a:txBody>
+                    <a:bodyPr/>
+                    <a:lstStyle/>
+                    <a:p>
+                      <a:pPr marL="0" marR="0" lvl="0" indent="0" algn="l" defTabSz="914400" rtl="0" eaLnBrk="1" fontAlgn="auto" latinLnBrk="0" hangingPunct="1">
+                        <a:lnSpc>
+                          <a:spcPct val="100000"/>
+                        </a:lnSpc>
+                        <a:spcBef>
+                          <a:spcPts val="0"/>
+                        </a:spcBef>
+                        <a:spcAft>
+                          <a:spcPts val="0"/>
+                        </a:spcAft>
+                        <a:buClrTx/>
+                        <a:buSzTx/>
+                        <a:buFontTx/>
+                        <a:buNone/>
+                        <a:tabLst/>
+                        <a:defRPr/>
+                      </a:pPr>
+                      <a:r>
+                        <a:rPr lang="nl-BE" dirty="0"/>
+                        <a:t>Brochure</a:t>
+                      </a:r>
+                    </a:p>
+                  </a:txBody>
+                  <a:tcPr>
+                    <a:lnB w="12700" cap="flat" cmpd="sng" algn="ctr">
+                      <a:solidFill>
+                        <a:schemeClr val="tx1"/>
+                      </a:solidFill>
+                      <a:prstDash val="solid"/>
+                      <a:round/>
+                      <a:headEnd type="none" w="med" len="med"/>
+                      <a:tailEnd type="none" w="med" len="med"/>
+                    </a:lnB>
+                  </a:tcPr>
+                </a:tc>
+                <a:tc>
+                  <a:txBody>
+                    <a:bodyPr/>
+                    <a:lstStyle/>
+                    <a:p>
+                      <a:pPr marL="0" marR="0" lvl="0" indent="0" algn="l" defTabSz="914400" rtl="0" eaLnBrk="1" fontAlgn="auto" latinLnBrk="0" hangingPunct="1">
+                        <a:lnSpc>
+                          <a:spcPct val="100000"/>
+                        </a:lnSpc>
+                        <a:spcBef>
+                          <a:spcPts val="0"/>
+                        </a:spcBef>
+                        <a:spcAft>
+                          <a:spcPts val="0"/>
+                        </a:spcAft>
+                        <a:buClrTx/>
+                        <a:buSzTx/>
+                        <a:buFontTx/>
+                        <a:buNone/>
+                        <a:tabLst/>
+                        <a:defRPr/>
+                      </a:pPr>
+                      <a:r>
+                        <a:rPr lang="nl-BE" dirty="0"/>
+                        <a:t>Brochure</a:t>
+                      </a:r>
+                    </a:p>
+                  </a:txBody>
+                  <a:tcPr>
+                    <a:lnB w="12700" cap="flat" cmpd="sng" algn="ctr">
+                      <a:solidFill>
+                        <a:schemeClr val="tx1"/>
+                      </a:solidFill>
+                      <a:prstDash val="solid"/>
+                      <a:round/>
+                      <a:headEnd type="none" w="med" len="med"/>
+                      <a:tailEnd type="none" w="med" len="med"/>
+                    </a:lnB>
+                  </a:tcPr>
+                </a:tc>
+                <a:tc>
+                  <a:txBody>
+                    <a:bodyPr/>
+                    <a:lstStyle/>
+                    <a:p>
+                      <a:pPr marL="0" marR="0" lvl="0" indent="0" algn="l" defTabSz="914400" rtl="0" eaLnBrk="1" fontAlgn="auto" latinLnBrk="0" hangingPunct="1">
+                        <a:lnSpc>
+                          <a:spcPct val="100000"/>
+                        </a:lnSpc>
+                        <a:spcBef>
+                          <a:spcPts val="0"/>
+                        </a:spcBef>
+                        <a:spcAft>
+                          <a:spcPts val="0"/>
+                        </a:spcAft>
+                        <a:buClrTx/>
+                        <a:buSzTx/>
+                        <a:buFontTx/>
+                        <a:buNone/>
+                        <a:tabLst/>
+                        <a:defRPr/>
+                      </a:pPr>
+                      <a:r>
+                        <a:rPr lang="nl-BE" dirty="0"/>
+                        <a:t>Brochure</a:t>
+                      </a:r>
+                    </a:p>
+                  </a:txBody>
+                  <a:tcPr>
+                    <a:lnB w="12700" cap="flat" cmpd="sng" algn="ctr">
+                      <a:solidFill>
+                        <a:schemeClr val="tx1"/>
+                      </a:solidFill>
+                      <a:prstDash val="solid"/>
+                      <a:round/>
+                      <a:headEnd type="none" w="med" len="med"/>
+                      <a:tailEnd type="none" w="med" len="med"/>
+                    </a:lnB>
+                  </a:tcPr>
+                </a:tc>
+                <a:tc>
+                  <a:txBody>
+                    <a:bodyPr/>
+                    <a:lstStyle/>
+                    <a:p>
+                      <a:r>
+                        <a:rPr lang="nl-BE" dirty="0"/>
+                        <a:t>Tracking</a:t>
+                      </a:r>
+                    </a:p>
+                  </a:txBody>
+                  <a:tcPr>
+                    <a:lnR w="12700" cap="flat" cmpd="sng" algn="ctr">
+                      <a:solidFill>
+                        <a:schemeClr val="tx1"/>
+                      </a:solidFill>
+                      <a:prstDash val="solid"/>
+                      <a:round/>
+                      <a:headEnd type="none" w="med" len="med"/>
+                      <a:tailEnd type="none" w="med" len="med"/>
+                    </a:lnR>
+                    <a:lnB w="12700" cap="flat" cmpd="sng" algn="ctr">
+                      <a:solidFill>
+                        <a:schemeClr val="tx1"/>
+                      </a:solidFill>
+                      <a:prstDash val="solid"/>
+                      <a:round/>
+                      <a:headEnd type="none" w="med" len="med"/>
+                      <a:tailEnd type="none" w="med" len="med"/>
+                    </a:lnB>
+                  </a:tcPr>
+                </a:tc>
+                <a:extLst>
+                  <a:ext uri="{0D108BD9-81ED-4DB2-BD59-A6C34878D82A}">
+                    <a16:rowId xmlns:a16="http://schemas.microsoft.com/office/drawing/2014/main" val="3156394708"/>
+                  </a:ext>
+                </a:extLst>
+              </a:tr>
+            </a:tbl>
+          </a:graphicData>
+        </a:graphic>
+      </p:graphicFrame>
+      <p:sp>
+        <p:nvSpPr>
+          <p:cNvPr id="32" name="Rectangle 8">
+            <a:extLst>
+              <a:ext uri="{FF2B5EF4-FFF2-40B4-BE49-F238E27FC236}">
+                <a16:creationId xmlns:a16="http://schemas.microsoft.com/office/drawing/2014/main" id="{8532E473-3AD0-1ACA-DBD6-4C38F717FFAD}"/>
+              </a:ext>
+            </a:extLst>
+          </p:cNvPr>
+          <p:cNvSpPr>
+            <a:spLocks noChangeArrowheads="1"/>
+          </p:cNvSpPr>
+          <p:nvPr/>
+        </p:nvSpPr>
+        <p:spPr bwMode="auto">
+          <a:xfrm>
+            <a:off x="576000" y="3212786"/>
+            <a:ext cx="11311200" cy="304800"/>
+          </a:xfrm>
+          <a:prstGeom prst="rect">
+            <a:avLst/>
+          </a:prstGeom>
+          <a:solidFill>
+            <a:schemeClr val="tx2">
+              <a:lumMod val="75000"/>
+            </a:schemeClr>
+          </a:solidFill>
+          <a:ln w="9525">
+            <a:solidFill>
+              <a:srgbClr val="333333"/>
+            </a:solidFill>
+            <a:miter lim="800000"/>
+            <a:headEnd/>
+            <a:tailEnd/>
+          </a:ln>
+          <a:effectLst/>
+        </p:spPr>
+        <p:txBody>
+          <a:bodyPr wrap="none" anchor="ctr"/>
+          <a:lstStyle/>
+          <a:p>
+            <a:r>
+              <a:rPr lang="en-US" altLang="nl-BE" sz="1400" b="1" dirty="0" err="1">
+                <a:solidFill>
+                  <a:schemeClr val="bg1"/>
+                </a:solidFill>
+                <a:latin typeface="Verdana" panose="020B0604030504040204" pitchFamily="34" charset="0"/>
+              </a:rPr>
+              <a:t>Uitgevoerde</a:t>
+            </a:r>
+            <a:r>
+              <a:rPr lang="en-US" altLang="nl-BE" sz="1400" b="1" dirty="0">
+                <a:solidFill>
+                  <a:schemeClr val="bg1"/>
+                </a:solidFill>
+                <a:latin typeface="Verdana" panose="020B0604030504040204" pitchFamily="34" charset="0"/>
+              </a:rPr>
+              <a:t> taken </a:t>
+            </a:r>
+            <a:r>
+              <a:rPr lang="en-US" altLang="nl-BE" sz="1400" b="1" dirty="0" err="1">
+                <a:solidFill>
+                  <a:schemeClr val="bg1"/>
+                </a:solidFill>
+                <a:latin typeface="Verdana" panose="020B0604030504040204" pitchFamily="34" charset="0"/>
+              </a:rPr>
+              <a:t>tijdens</a:t>
+            </a:r>
+            <a:r>
+              <a:rPr lang="en-US" altLang="nl-BE" sz="1400" b="1" dirty="0">
+                <a:solidFill>
+                  <a:schemeClr val="bg1"/>
+                </a:solidFill>
+                <a:latin typeface="Verdana" panose="020B0604030504040204" pitchFamily="34" charset="0"/>
+              </a:rPr>
+              <a:t> </a:t>
+            </a:r>
+            <a:r>
+              <a:rPr lang="en-US" altLang="nl-BE" sz="1400" b="1" dirty="0" err="1">
+                <a:solidFill>
+                  <a:schemeClr val="bg1"/>
+                </a:solidFill>
+                <a:latin typeface="Verdana" panose="020B0604030504040204" pitchFamily="34" charset="0"/>
+              </a:rPr>
+              <a:t>teamzitting</a:t>
+            </a:r>
+            <a:endParaRPr lang="en-US" altLang="nl-BE" sz="1400" b="1" dirty="0">
+              <a:solidFill>
+                <a:schemeClr val="bg1"/>
+              </a:solidFill>
+              <a:latin typeface="Verdana" panose="020B0604030504040204" pitchFamily="34" charset="0"/>
+            </a:endParaRPr>
+          </a:p>
+        </p:txBody>
+      </p:sp>
+      <p:sp>
+        <p:nvSpPr>
+          <p:cNvPr id="33" name="Rectangle 7">
+            <a:extLst>
+              <a:ext uri="{FF2B5EF4-FFF2-40B4-BE49-F238E27FC236}">
+                <a16:creationId xmlns:a16="http://schemas.microsoft.com/office/drawing/2014/main" id="{8C784DF3-91D0-06EA-41CD-A662AB28C0FF}"/>
+              </a:ext>
+            </a:extLst>
+          </p:cNvPr>
+          <p:cNvSpPr>
+            <a:spLocks noChangeArrowheads="1"/>
+          </p:cNvSpPr>
+          <p:nvPr/>
+        </p:nvSpPr>
+        <p:spPr bwMode="auto">
+          <a:xfrm>
+            <a:off x="6946320" y="695718"/>
+            <a:ext cx="4940880" cy="1018404"/>
+          </a:xfrm>
+          <a:prstGeom prst="rect">
+            <a:avLst/>
+          </a:prstGeom>
+          <a:noFill/>
+          <a:ln w="9525">
+            <a:solidFill>
+              <a:srgbClr val="333333"/>
+            </a:solidFill>
+            <a:miter lim="800000"/>
+            <a:headEnd/>
+            <a:tailEnd/>
+          </a:ln>
+          <a:effectLst/>
+          <a:extLst>
+            <a:ext uri="{909E8E84-426E-40DD-AFC4-6F175D3DCCD1}">
+              <a14:hiddenFill xmlns:a14="http://schemas.microsoft.com/office/drawing/2010/main">
+                <a:solidFill>
+                  <a:schemeClr val="accent1"/>
+                </a:solidFill>
+              </a14:hiddenFill>
+            </a:ext>
+            <a:ext uri="{AF507438-7753-43E0-B8FC-AC1667EBCBE1}">
+              <a14:hiddenEffects xmlns:a14="http://schemas.microsoft.com/office/drawing/2010/main">
+                <a:effectLst>
+                  <a:outerShdw dist="35921" dir="2700000" algn="ctr" rotWithShape="0">
+                    <a:schemeClr val="bg2"/>
+                  </a:outerShdw>
+                </a:effectLst>
+              </a14:hiddenEffects>
+            </a:ext>
+          </a:extLst>
+        </p:spPr>
+        <p:txBody>
+          <a:bodyPr wrap="none" anchor="ctr"/>
+          <a:lstStyle/>
+          <a:p>
+            <a:endParaRPr lang="nl-BE"/>
+          </a:p>
+        </p:txBody>
+      </p:sp>
+      <p:sp>
+        <p:nvSpPr>
+          <p:cNvPr id="34" name="Rectangle 8">
+            <a:extLst>
+              <a:ext uri="{FF2B5EF4-FFF2-40B4-BE49-F238E27FC236}">
+                <a16:creationId xmlns:a16="http://schemas.microsoft.com/office/drawing/2014/main" id="{DAE5054B-71F1-C2E9-80C9-BD8557A87D5A}"/>
+              </a:ext>
+            </a:extLst>
+          </p:cNvPr>
+          <p:cNvSpPr>
+            <a:spLocks noChangeArrowheads="1"/>
+          </p:cNvSpPr>
+          <p:nvPr/>
+        </p:nvSpPr>
+        <p:spPr bwMode="auto">
+          <a:xfrm>
+            <a:off x="6946320" y="695718"/>
+            <a:ext cx="4940880" cy="304800"/>
+          </a:xfrm>
+          <a:prstGeom prst="rect">
+            <a:avLst/>
+          </a:prstGeom>
+          <a:solidFill>
+            <a:schemeClr val="tx2">
+              <a:lumMod val="75000"/>
+            </a:schemeClr>
+          </a:solidFill>
+          <a:ln w="9525">
+            <a:solidFill>
+              <a:srgbClr val="333333"/>
+            </a:solidFill>
+            <a:miter lim="800000"/>
+            <a:headEnd/>
+            <a:tailEnd/>
+          </a:ln>
+          <a:effectLst/>
+        </p:spPr>
+        <p:txBody>
+          <a:bodyPr wrap="none" anchor="ctr"/>
+          <a:lstStyle/>
+          <a:p>
+            <a:r>
+              <a:rPr lang="en-US" altLang="nl-BE" sz="1400" b="1" dirty="0" err="1">
+                <a:solidFill>
+                  <a:schemeClr val="bg1"/>
+                </a:solidFill>
+                <a:latin typeface="Verdana" panose="020B0604030504040204" pitchFamily="34" charset="0"/>
+              </a:rPr>
+              <a:t>Voltooide</a:t>
+            </a:r>
+            <a:r>
+              <a:rPr lang="en-US" altLang="nl-BE" sz="1400" b="1" dirty="0">
+                <a:solidFill>
+                  <a:schemeClr val="bg1"/>
+                </a:solidFill>
+                <a:latin typeface="Verdana" panose="020B0604030504040204" pitchFamily="34" charset="0"/>
+              </a:rPr>
+              <a:t> </a:t>
+            </a:r>
+            <a:r>
+              <a:rPr lang="en-US" altLang="nl-BE" sz="1400" b="1" dirty="0" err="1">
+                <a:solidFill>
+                  <a:schemeClr val="bg1"/>
+                </a:solidFill>
+                <a:latin typeface="Verdana" panose="020B0604030504040204" pitchFamily="34" charset="0"/>
+              </a:rPr>
+              <a:t>acties</a:t>
+            </a:r>
+            <a:r>
+              <a:rPr lang="en-US" altLang="nl-BE" sz="1400" b="1" dirty="0">
+                <a:solidFill>
+                  <a:schemeClr val="bg1"/>
+                </a:solidFill>
+                <a:latin typeface="Verdana" panose="020B0604030504040204" pitchFamily="34" charset="0"/>
+              </a:rPr>
+              <a:t> – </a:t>
+            </a:r>
+            <a:r>
+              <a:rPr lang="en-US" altLang="nl-BE" sz="1400" b="1" dirty="0" err="1">
+                <a:solidFill>
+                  <a:schemeClr val="bg1"/>
+                </a:solidFill>
+                <a:latin typeface="Verdana" panose="020B0604030504040204" pitchFamily="34" charset="0"/>
+              </a:rPr>
+              <a:t>mijlpalen</a:t>
+            </a:r>
+            <a:endParaRPr lang="en-US" altLang="nl-BE" sz="1400" b="1" dirty="0">
+              <a:solidFill>
+                <a:schemeClr val="bg1"/>
+              </a:solidFill>
+              <a:latin typeface="Verdana" panose="020B0604030504040204" pitchFamily="34" charset="0"/>
+            </a:endParaRPr>
+          </a:p>
+        </p:txBody>
+      </p:sp>
+      <p:sp>
+        <p:nvSpPr>
+          <p:cNvPr id="35" name="Rectangle 20">
+            <a:extLst>
+              <a:ext uri="{FF2B5EF4-FFF2-40B4-BE49-F238E27FC236}">
+                <a16:creationId xmlns:a16="http://schemas.microsoft.com/office/drawing/2014/main" id="{CA220699-8C1A-C150-E2CF-34C808F65288}"/>
+              </a:ext>
+            </a:extLst>
+          </p:cNvPr>
+          <p:cNvSpPr>
+            <a:spLocks noChangeArrowheads="1"/>
+          </p:cNvSpPr>
+          <p:nvPr/>
+        </p:nvSpPr>
+        <p:spPr bwMode="auto">
+          <a:xfrm>
+            <a:off x="6946320" y="1017296"/>
+            <a:ext cx="4940880" cy="713604"/>
+          </a:xfrm>
+          <a:prstGeom prst="rect">
+            <a:avLst/>
+          </a:prstGeom>
+          <a:noFill/>
+          <a:ln>
+            <a:noFill/>
+          </a:ln>
+          <a:effectLst/>
+          <a:extLst>
+            <a:ext uri="{909E8E84-426E-40DD-AFC4-6F175D3DCCD1}">
+              <a14:hiddenFill xmlns:a14="http://schemas.microsoft.com/office/drawing/2010/main">
+                <a:solidFill>
+                  <a:srgbClr val="333333"/>
+                </a:solidFill>
+              </a14:hiddenFill>
+            </a:ext>
+            <a:ext uri="{91240B29-F687-4F45-9708-019B960494DF}">
+              <a14:hiddenLine xmlns:a14="http://schemas.microsoft.com/office/drawing/2010/main" w="9525">
+                <a:solidFill>
+                  <a:srgbClr val="333333"/>
+                </a:solidFill>
+                <a:miter lim="800000"/>
+                <a:headEnd/>
+                <a:tailEnd/>
+              </a14:hiddenLine>
+            </a:ext>
+            <a:ext uri="{AF507438-7753-43E0-B8FC-AC1667EBCBE1}">
+              <a14:hiddenEffects xmlns:a14="http://schemas.microsoft.com/office/drawing/2010/main">
+                <a:effectLst>
+                  <a:outerShdw dist="35921" dir="2700000" algn="ctr" rotWithShape="0">
+                    <a:schemeClr val="bg2"/>
+                  </a:outerShdw>
+                </a:effectLst>
+              </a14:hiddenEffects>
+            </a:ext>
+          </a:extLst>
+        </p:spPr>
+        <p:txBody>
+          <a:bodyPr wrap="none"/>
+          <a:lstStyle/>
+          <a:p>
+            <a:endParaRPr lang="en-US" altLang="nl-BE" sz="1200" dirty="0">
+              <a:solidFill>
+                <a:srgbClr val="333333"/>
+              </a:solidFill>
+              <a:latin typeface="Verdana" panose="020B0604030504040204" pitchFamily="34" charset="0"/>
+            </a:endParaRPr>
+          </a:p>
+        </p:txBody>
+      </p:sp>
+      <p:sp>
+        <p:nvSpPr>
+          <p:cNvPr id="36" name="Rectangle 7">
+            <a:extLst>
+              <a:ext uri="{FF2B5EF4-FFF2-40B4-BE49-F238E27FC236}">
+                <a16:creationId xmlns:a16="http://schemas.microsoft.com/office/drawing/2014/main" id="{E522FAAD-4C4E-A54F-A8AD-49240F449D94}"/>
+              </a:ext>
+            </a:extLst>
+          </p:cNvPr>
+          <p:cNvSpPr>
+            <a:spLocks noChangeArrowheads="1"/>
+          </p:cNvSpPr>
+          <p:nvPr/>
+        </p:nvSpPr>
+        <p:spPr bwMode="auto">
+          <a:xfrm>
+            <a:off x="6946320" y="1901580"/>
+            <a:ext cx="4940880" cy="1018404"/>
+          </a:xfrm>
+          <a:prstGeom prst="rect">
+            <a:avLst/>
+          </a:prstGeom>
+          <a:noFill/>
+          <a:ln w="9525">
+            <a:solidFill>
+              <a:srgbClr val="333333"/>
+            </a:solidFill>
+            <a:miter lim="800000"/>
+            <a:headEnd/>
+            <a:tailEnd/>
+          </a:ln>
+          <a:effectLst/>
+          <a:extLst>
+            <a:ext uri="{909E8E84-426E-40DD-AFC4-6F175D3DCCD1}">
+              <a14:hiddenFill xmlns:a14="http://schemas.microsoft.com/office/drawing/2010/main">
+                <a:solidFill>
+                  <a:schemeClr val="accent1"/>
+                </a:solidFill>
+              </a14:hiddenFill>
+            </a:ext>
+            <a:ext uri="{AF507438-7753-43E0-B8FC-AC1667EBCBE1}">
+              <a14:hiddenEffects xmlns:a14="http://schemas.microsoft.com/office/drawing/2010/main">
+                <a:effectLst>
+                  <a:outerShdw dist="35921" dir="2700000" algn="ctr" rotWithShape="0">
+                    <a:schemeClr val="bg2"/>
+                  </a:outerShdw>
+                </a:effectLst>
+              </a14:hiddenEffects>
+            </a:ext>
+          </a:extLst>
+        </p:spPr>
+        <p:txBody>
+          <a:bodyPr wrap="none" anchor="ctr"/>
+          <a:lstStyle/>
+          <a:p>
+            <a:endParaRPr lang="nl-BE"/>
+          </a:p>
+        </p:txBody>
+      </p:sp>
+      <p:sp>
+        <p:nvSpPr>
+          <p:cNvPr id="37" name="Rectangle 8">
+            <a:extLst>
+              <a:ext uri="{FF2B5EF4-FFF2-40B4-BE49-F238E27FC236}">
+                <a16:creationId xmlns:a16="http://schemas.microsoft.com/office/drawing/2014/main" id="{27D7948D-3EDF-A9AD-5576-B7B4C9037342}"/>
+              </a:ext>
+            </a:extLst>
+          </p:cNvPr>
+          <p:cNvSpPr>
+            <a:spLocks noChangeArrowheads="1"/>
+          </p:cNvSpPr>
+          <p:nvPr/>
+        </p:nvSpPr>
+        <p:spPr bwMode="auto">
+          <a:xfrm>
+            <a:off x="6946320" y="1901580"/>
+            <a:ext cx="4940880" cy="304800"/>
+          </a:xfrm>
+          <a:prstGeom prst="rect">
+            <a:avLst/>
+          </a:prstGeom>
+          <a:solidFill>
+            <a:schemeClr val="tx2">
+              <a:lumMod val="75000"/>
+            </a:schemeClr>
+          </a:solidFill>
+          <a:ln w="9525">
+            <a:solidFill>
+              <a:srgbClr val="333333"/>
+            </a:solidFill>
+            <a:miter lim="800000"/>
+            <a:headEnd/>
+            <a:tailEnd/>
+          </a:ln>
+          <a:effectLst/>
+        </p:spPr>
+        <p:txBody>
+          <a:bodyPr wrap="none" anchor="ctr"/>
+          <a:lstStyle/>
+          <a:p>
+            <a:r>
+              <a:rPr lang="en-US" altLang="nl-BE" sz="1400" b="1" dirty="0" err="1">
+                <a:solidFill>
+                  <a:schemeClr val="bg1"/>
+                </a:solidFill>
+                <a:latin typeface="Verdana" panose="020B0604030504040204" pitchFamily="34" charset="0"/>
+              </a:rPr>
+              <a:t>Lopende</a:t>
+            </a:r>
+            <a:r>
+              <a:rPr lang="en-US" altLang="nl-BE" sz="1400" b="1" dirty="0">
+                <a:solidFill>
+                  <a:schemeClr val="bg1"/>
+                </a:solidFill>
+                <a:latin typeface="Verdana" panose="020B0604030504040204" pitchFamily="34" charset="0"/>
+              </a:rPr>
+              <a:t> </a:t>
+            </a:r>
+            <a:r>
+              <a:rPr lang="en-US" altLang="nl-BE" sz="1400" b="1" dirty="0" err="1">
+                <a:solidFill>
+                  <a:schemeClr val="bg1"/>
+                </a:solidFill>
+                <a:latin typeface="Verdana" panose="020B0604030504040204" pitchFamily="34" charset="0"/>
+              </a:rPr>
+              <a:t>acties</a:t>
+            </a:r>
+            <a:r>
+              <a:rPr lang="en-US" altLang="nl-BE" sz="1400" b="1" dirty="0">
+                <a:solidFill>
+                  <a:schemeClr val="bg1"/>
+                </a:solidFill>
+                <a:latin typeface="Verdana" panose="020B0604030504040204" pitchFamily="34" charset="0"/>
+              </a:rPr>
+              <a:t> – </a:t>
+            </a:r>
+            <a:r>
+              <a:rPr lang="en-US" altLang="nl-BE" sz="1400" b="1" dirty="0" err="1">
+                <a:solidFill>
+                  <a:schemeClr val="bg1"/>
+                </a:solidFill>
+                <a:latin typeface="Verdana" panose="020B0604030504040204" pitchFamily="34" charset="0"/>
+              </a:rPr>
+              <a:t>volgende</a:t>
+            </a:r>
+            <a:r>
+              <a:rPr lang="en-US" altLang="nl-BE" sz="1400" b="1" dirty="0">
+                <a:solidFill>
+                  <a:schemeClr val="bg1"/>
+                </a:solidFill>
+                <a:latin typeface="Verdana" panose="020B0604030504040204" pitchFamily="34" charset="0"/>
+              </a:rPr>
+              <a:t> </a:t>
+            </a:r>
+            <a:r>
+              <a:rPr lang="en-US" altLang="nl-BE" sz="1400" b="1" dirty="0" err="1">
+                <a:solidFill>
+                  <a:schemeClr val="bg1"/>
+                </a:solidFill>
+                <a:latin typeface="Verdana" panose="020B0604030504040204" pitchFamily="34" charset="0"/>
+              </a:rPr>
+              <a:t>stappen</a:t>
+            </a:r>
+            <a:endParaRPr lang="en-US" altLang="nl-BE" sz="1400" b="1" dirty="0">
+              <a:solidFill>
+                <a:schemeClr val="bg1"/>
+              </a:solidFill>
+              <a:latin typeface="Verdana" panose="020B0604030504040204" pitchFamily="34" charset="0"/>
+            </a:endParaRPr>
+          </a:p>
+        </p:txBody>
+      </p:sp>
+      <p:sp>
+        <p:nvSpPr>
+          <p:cNvPr id="38" name="Rectangle 20">
+            <a:extLst>
+              <a:ext uri="{FF2B5EF4-FFF2-40B4-BE49-F238E27FC236}">
+                <a16:creationId xmlns:a16="http://schemas.microsoft.com/office/drawing/2014/main" id="{2728EF24-94C7-6A18-7240-28E5437CB6DC}"/>
+              </a:ext>
+            </a:extLst>
+          </p:cNvPr>
+          <p:cNvSpPr>
+            <a:spLocks noChangeArrowheads="1"/>
+          </p:cNvSpPr>
+          <p:nvPr/>
+        </p:nvSpPr>
+        <p:spPr bwMode="auto">
+          <a:xfrm>
+            <a:off x="6946320" y="2206380"/>
+            <a:ext cx="4940880" cy="713604"/>
+          </a:xfrm>
+          <a:prstGeom prst="rect">
+            <a:avLst/>
+          </a:prstGeom>
+          <a:noFill/>
+          <a:ln>
+            <a:noFill/>
+          </a:ln>
+          <a:effectLst/>
+          <a:extLst>
+            <a:ext uri="{909E8E84-426E-40DD-AFC4-6F175D3DCCD1}">
+              <a14:hiddenFill xmlns:a14="http://schemas.microsoft.com/office/drawing/2010/main">
+                <a:solidFill>
+                  <a:srgbClr val="333333"/>
+                </a:solidFill>
+              </a14:hiddenFill>
+            </a:ext>
+            <a:ext uri="{91240B29-F687-4F45-9708-019B960494DF}">
+              <a14:hiddenLine xmlns:a14="http://schemas.microsoft.com/office/drawing/2010/main" w="9525">
+                <a:solidFill>
+                  <a:srgbClr val="333333"/>
+                </a:solidFill>
+                <a:miter lim="800000"/>
+                <a:headEnd/>
+                <a:tailEnd/>
+              </a14:hiddenLine>
+            </a:ext>
+            <a:ext uri="{AF507438-7753-43E0-B8FC-AC1667EBCBE1}">
+              <a14:hiddenEffects xmlns:a14="http://schemas.microsoft.com/office/drawing/2010/main">
+                <a:effectLst>
+                  <a:outerShdw dist="35921" dir="2700000" algn="ctr" rotWithShape="0">
+                    <a:schemeClr val="bg2"/>
+                  </a:outerShdw>
+                </a:effectLst>
+              </a14:hiddenEffects>
+            </a:ext>
+          </a:extLst>
+        </p:spPr>
+        <p:txBody>
+          <a:bodyPr wrap="none"/>
+          <a:lstStyle/>
+          <a:p>
+            <a:endParaRPr lang="en-US" altLang="nl-BE" sz="1200" dirty="0">
+              <a:solidFill>
+                <a:srgbClr val="333333"/>
+              </a:solidFill>
+              <a:latin typeface="Verdana" panose="020B0604030504040204" pitchFamily="34" charset="0"/>
+            </a:endParaRPr>
+          </a:p>
+        </p:txBody>
+      </p:sp>
+      <p:sp>
+        <p:nvSpPr>
+          <p:cNvPr id="6" name="Rectangle 20">
+            <a:extLst>
+              <a:ext uri="{FF2B5EF4-FFF2-40B4-BE49-F238E27FC236}">
+                <a16:creationId xmlns:a16="http://schemas.microsoft.com/office/drawing/2014/main" id="{36B2768F-C43F-065E-FE5D-C9B16EAEA476}"/>
+              </a:ext>
+            </a:extLst>
+          </p:cNvPr>
+          <p:cNvSpPr>
+            <a:spLocks noChangeArrowheads="1"/>
+          </p:cNvSpPr>
+          <p:nvPr/>
+        </p:nvSpPr>
+        <p:spPr bwMode="auto">
+          <a:xfrm>
+            <a:off x="6940800" y="1000518"/>
+            <a:ext cx="4946400" cy="713604"/>
+          </a:xfrm>
+          <a:prstGeom prst="rect">
+            <a:avLst/>
+          </a:prstGeom>
+          <a:noFill/>
+          <a:ln>
+            <a:noFill/>
+          </a:ln>
+          <a:effectLst/>
+          <a:extLst>
+            <a:ext uri="{909E8E84-426E-40DD-AFC4-6F175D3DCCD1}">
+              <a14:hiddenFill xmlns:a14="http://schemas.microsoft.com/office/drawing/2010/main">
+                <a:solidFill>
+                  <a:srgbClr val="333333"/>
+                </a:solidFill>
+              </a14:hiddenFill>
+            </a:ext>
+            <a:ext uri="{91240B29-F687-4F45-9708-019B960494DF}">
+              <a14:hiddenLine xmlns:a14="http://schemas.microsoft.com/office/drawing/2010/main" w="9525">
+                <a:solidFill>
+                  <a:srgbClr val="333333"/>
+                </a:solidFill>
+                <a:miter lim="800000"/>
+                <a:headEnd/>
+                <a:tailEnd/>
+              </a14:hiddenLine>
+            </a:ext>
+            <a:ext uri="{AF507438-7753-43E0-B8FC-AC1667EBCBE1}">
+              <a14:hiddenEffects xmlns:a14="http://schemas.microsoft.com/office/drawing/2010/main">
+                <a:effectLst>
+                  <a:outerShdw dist="35921" dir="2700000" algn="ctr" rotWithShape="0">
+                    <a:schemeClr val="bg2"/>
+                  </a:outerShdw>
+                </a:effectLst>
+              </a14:hiddenEffects>
+            </a:ext>
+          </a:extLst>
+        </p:spPr>
+        <p:txBody>
+          <a:bodyPr wrap="none"/>
+          <a:lstStyle/>
+          <a:p>
+            <a:pPr>
+              <a:buFontTx/>
+              <a:buChar char="•"/>
+            </a:pPr>
+            <a:r>
+              <a:rPr lang="en-US" altLang="nl-BE" sz="1200" dirty="0">
+                <a:solidFill>
+                  <a:srgbClr val="333333"/>
+                </a:solidFill>
+                <a:latin typeface="Verdana" panose="020B0604030504040204" pitchFamily="34" charset="0"/>
+              </a:rPr>
+              <a:t> The biggest part of combining the code</a:t>
+            </a:r>
+          </a:p>
+          <a:p>
+            <a:pPr>
+              <a:buFontTx/>
+              <a:buChar char="•"/>
+            </a:pPr>
+            <a:r>
+              <a:rPr lang="en-US" altLang="nl-BE" sz="1200" dirty="0">
+                <a:solidFill>
+                  <a:srgbClr val="333333"/>
+                </a:solidFill>
+                <a:latin typeface="Verdana" panose="020B0604030504040204" pitchFamily="34" charset="0"/>
+              </a:rPr>
               <a:t> The largest part of tracking</a:t>
             </a:r>
           </a:p>
@@ -13947,7 +16138,7 @@
     </p:spTree>
     <p:extLst>
       <p:ext uri="{BB962C8B-B14F-4D97-AF65-F5344CB8AC3E}">
-        <p14:creationId xmlns:p14="http://schemas.microsoft.com/office/powerpoint/2010/main" val="2924789050"/>
+        <p14:creationId xmlns:p14="http://schemas.microsoft.com/office/powerpoint/2010/main" val="72176718"/>
       </p:ext>
     </p:extLst>
   </p:cSld>

--- a/logboek_ESAT9A1.pptx
+++ b/logboek_ESAT9A1.pptx
@@ -6,10 +6,10 @@
     <p:sldMasterId id="2147483694" r:id="rId2"/>
   </p:sldMasterIdLst>
   <p:notesMasterIdLst>
-    <p:notesMasterId r:id="rId17"/>
+    <p:notesMasterId r:id="rId18"/>
   </p:notesMasterIdLst>
   <p:handoutMasterIdLst>
-    <p:handoutMasterId r:id="rId18"/>
+    <p:handoutMasterId r:id="rId19"/>
   </p:handoutMasterIdLst>
   <p:sldIdLst>
     <p:sldId id="261" r:id="rId3"/>
@@ -26,6 +26,7 @@
     <p:sldId id="272" r:id="rId14"/>
     <p:sldId id="273" r:id="rId15"/>
     <p:sldId id="275" r:id="rId16"/>
+    <p:sldId id="276" r:id="rId17"/>
   </p:sldIdLst>
   <p:sldSz cx="12192000" cy="6858000"/>
   <p:notesSz cx="6858000" cy="9144000"/>
@@ -217,7 +218,7 @@
           <a:p>
             <a:fld id="{8F591CCF-F6FD-734B-854A-5BC033593B1E}" type="datetimeFigureOut">
               <a:rPr lang="nl-NL" smtClean="0"/>
-              <a:t>24-11-2022</a:t>
+              <a:t>28-11-2022</a:t>
             </a:fld>
             <a:endParaRPr lang="nl-NL"/>
           </a:p>
@@ -382,7 +383,7 @@
           <a:p>
             <a:fld id="{23C66214-DB21-4647-B5DA-0D17CA592867}" type="datetimeFigureOut">
               <a:rPr lang="nl-NL" smtClean="0"/>
-              <a:t>24-11-2022</a:t>
+              <a:t>28-11-2022</a:t>
             </a:fld>
             <a:endParaRPr lang="nl-NL"/>
           </a:p>
@@ -1371,7 +1372,7 @@
           <a:p>
             <a:fld id="{32CB04F5-1DDB-433A-9F56-F69ABF3D82C1}" type="datetime1">
               <a:rPr lang="nl-BE" smtClean="0"/>
-              <a:t>24/11/2022</a:t>
+              <a:t>28/11/2022</a:t>
             </a:fld>
             <a:endParaRPr lang="nl-NL"/>
           </a:p>
@@ -1654,7 +1655,7 @@
           <a:p>
             <a:fld id="{105EA0AE-89F5-40F4-A8AC-2CFB7172A437}" type="datetime1">
               <a:rPr lang="nl-BE" smtClean="0"/>
-              <a:t>24/11/2022</a:t>
+              <a:t>28/11/2022</a:t>
             </a:fld>
             <a:endParaRPr lang="nl-NL"/>
           </a:p>
@@ -1984,7 +1985,7 @@
           <a:p>
             <a:fld id="{51F891C0-052E-4374-9F7B-8DF3098847EC}" type="datetime1">
               <a:rPr lang="nl-BE" smtClean="0"/>
-              <a:t>24/11/2022</a:t>
+              <a:t>28/11/2022</a:t>
             </a:fld>
             <a:endParaRPr lang="nl-NL"/>
           </a:p>
@@ -2304,7 +2305,7 @@
           <a:p>
             <a:fld id="{0BAB7CBA-08E0-4FB9-BBC7-B0F9EE30FC23}" type="datetime1">
               <a:rPr lang="nl-BE" smtClean="0"/>
-              <a:t>24/11/2022</a:t>
+              <a:t>28/11/2022</a:t>
             </a:fld>
             <a:endParaRPr lang="nl-NL" dirty="0"/>
           </a:p>
@@ -2625,7 +2626,7 @@
           <a:p>
             <a:fld id="{A9A41F9E-F395-4802-BA0E-A579FF58717F}" type="datetime1">
               <a:rPr lang="nl-BE" smtClean="0"/>
-              <a:t>24/11/2022</a:t>
+              <a:t>28/11/2022</a:t>
             </a:fld>
             <a:endParaRPr lang="nl-NL" dirty="0"/>
           </a:p>
@@ -2767,7 +2768,7 @@
           <a:p>
             <a:fld id="{2A8B9AD4-BDDB-4121-9EEE-D890BB11E687}" type="datetime1">
               <a:rPr lang="nl-BE" smtClean="0"/>
-              <a:t>24/11/2022</a:t>
+              <a:t>28/11/2022</a:t>
             </a:fld>
             <a:endParaRPr lang="nl-NL"/>
           </a:p>
@@ -3251,7 +3252,7 @@
           <a:p>
             <a:fld id="{8DC808CC-4EBF-4C64-BA9E-B07B99C9DB99}" type="datetime1">
               <a:rPr lang="nl-BE" smtClean="0"/>
-              <a:t>24/11/2022</a:t>
+              <a:t>28/11/2022</a:t>
             </a:fld>
             <a:endParaRPr lang="nl-NL" dirty="0"/>
           </a:p>
@@ -3372,7 +3373,7 @@
           <a:p>
             <a:fld id="{26609C90-ED50-42CD-B56C-68BF842A2B6A}" type="datetime1">
               <a:rPr lang="nl-BE" smtClean="0"/>
-              <a:t>24/11/2022</a:t>
+              <a:t>28/11/2022</a:t>
             </a:fld>
             <a:endParaRPr lang="nl-NL"/>
           </a:p>
@@ -3493,7 +3494,7 @@
           <a:p>
             <a:fld id="{F15E82AE-B9EE-446E-B46E-329ABC891749}" type="datetime1">
               <a:rPr lang="nl-BE" smtClean="0"/>
-              <a:t>24/11/2022</a:t>
+              <a:t>28/11/2022</a:t>
             </a:fld>
             <a:endParaRPr lang="nl-NL"/>
           </a:p>
@@ -3675,7 +3676,7 @@
           <a:p>
             <a:fld id="{4A7FDF18-BDCB-4338-9FA2-782F60A2E51C}" type="datetime1">
               <a:rPr lang="nl-BE" smtClean="0"/>
-              <a:t>24/11/2022</a:t>
+              <a:t>28/11/2022</a:t>
             </a:fld>
             <a:endParaRPr lang="nl-NL" dirty="0"/>
           </a:p>
@@ -3959,7 +3960,7 @@
           <a:p>
             <a:fld id="{E389F4DD-E9F0-454C-8CE7-299000EBA983}" type="datetime1">
               <a:rPr lang="nl-BE" smtClean="0"/>
-              <a:t>24/11/2022</a:t>
+              <a:t>28/11/2022</a:t>
             </a:fld>
             <a:endParaRPr lang="nl-NL" dirty="0"/>
           </a:p>
@@ -4600,7 +4601,7 @@
           <a:p>
             <a:fld id="{7F18BCE0-9917-41C7-AA76-58ADB721FDEC}" type="datetime1">
               <a:rPr lang="nl-BE" smtClean="0"/>
-              <a:t>24/11/2022</a:t>
+              <a:t>28/11/2022</a:t>
             </a:fld>
             <a:endParaRPr lang="nl-NL" dirty="0"/>
           </a:p>
@@ -16110,6 +16111,2729 @@
     <p:extLst>
       <p:ext uri="{BB962C8B-B14F-4D97-AF65-F5344CB8AC3E}">
         <p14:creationId xmlns:p14="http://schemas.microsoft.com/office/powerpoint/2010/main" val="72176718"/>
+      </p:ext>
+    </p:extLst>
+  </p:cSld>
+  <p:clrMapOvr>
+    <a:masterClrMapping/>
+  </p:clrMapOvr>
+</p:sld>
+</file>
+
+<file path=ppt/slides/slide15.xml><?xml version="1.0" encoding="utf-8"?>
+<p:sld xmlns:a="http://schemas.openxmlformats.org/drawingml/2006/main" xmlns:r="http://schemas.openxmlformats.org/officeDocument/2006/relationships" xmlns:p="http://schemas.openxmlformats.org/presentationml/2006/main">
+  <p:cSld>
+    <p:spTree>
+      <p:nvGrpSpPr>
+        <p:cNvPr id="1" name=""/>
+        <p:cNvGrpSpPr/>
+        <p:nvPr/>
+      </p:nvGrpSpPr>
+      <p:grpSpPr>
+        <a:xfrm>
+          <a:off x="0" y="0"/>
+          <a:ext cx="0" cy="0"/>
+          <a:chOff x="0" y="0"/>
+          <a:chExt cx="0" cy="0"/>
+        </a:xfrm>
+      </p:grpSpPr>
+      <p:sp>
+        <p:nvSpPr>
+          <p:cNvPr id="3" name="Tijdelijke aanduiding voor voettekst 2">
+            <a:extLst>
+              <a:ext uri="{FF2B5EF4-FFF2-40B4-BE49-F238E27FC236}">
+                <a16:creationId xmlns:a16="http://schemas.microsoft.com/office/drawing/2014/main" id="{8A4675E4-17D3-F776-F4A4-379D7D7DF71F}"/>
+              </a:ext>
+            </a:extLst>
+          </p:cNvPr>
+          <p:cNvSpPr>
+            <a:spLocks noGrp="1"/>
+          </p:cNvSpPr>
+          <p:nvPr>
+            <p:ph type="ftr" sz="quarter" idx="11"/>
+          </p:nvPr>
+        </p:nvSpPr>
+        <p:spPr/>
+        <p:txBody>
+          <a:bodyPr/>
+          <a:lstStyle/>
+          <a:p>
+            <a:r>
+              <a:rPr lang="nl-NL"/>
+              <a:t>Faculty, department, unit ...</a:t>
+            </a:r>
+          </a:p>
+        </p:txBody>
+      </p:sp>
+      <p:sp>
+        <p:nvSpPr>
+          <p:cNvPr id="4" name="Tijdelijke aanduiding voor dianummer 3">
+            <a:extLst>
+              <a:ext uri="{FF2B5EF4-FFF2-40B4-BE49-F238E27FC236}">
+                <a16:creationId xmlns:a16="http://schemas.microsoft.com/office/drawing/2014/main" id="{033BF3EA-AA33-261E-8D31-8101DCD638CC}"/>
+              </a:ext>
+            </a:extLst>
+          </p:cNvPr>
+          <p:cNvSpPr>
+            <a:spLocks noGrp="1"/>
+          </p:cNvSpPr>
+          <p:nvPr>
+            <p:ph type="sldNum" sz="quarter" idx="12"/>
+          </p:nvPr>
+        </p:nvSpPr>
+        <p:spPr/>
+        <p:txBody>
+          <a:bodyPr/>
+          <a:lstStyle/>
+          <a:p>
+            <a:fld id="{0A297500-7527-634B-90F4-69D0994C32B4}" type="slidenum">
+              <a:rPr lang="nl-NL" smtClean="0"/>
+              <a:t>15</a:t>
+            </a:fld>
+            <a:endParaRPr lang="nl-NL"/>
+          </a:p>
+        </p:txBody>
+      </p:sp>
+      <p:sp>
+        <p:nvSpPr>
+          <p:cNvPr id="5" name="Titel 4">
+            <a:extLst>
+              <a:ext uri="{FF2B5EF4-FFF2-40B4-BE49-F238E27FC236}">
+                <a16:creationId xmlns:a16="http://schemas.microsoft.com/office/drawing/2014/main" id="{0AB90542-B085-F406-9290-1072716337BA}"/>
+              </a:ext>
+            </a:extLst>
+          </p:cNvPr>
+          <p:cNvSpPr>
+            <a:spLocks noGrp="1"/>
+          </p:cNvSpPr>
+          <p:nvPr>
+            <p:ph type="title"/>
+          </p:nvPr>
+        </p:nvSpPr>
+        <p:spPr>
+          <a:xfrm>
+            <a:off x="576000" y="7600"/>
+            <a:ext cx="11041200" cy="1152000"/>
+          </a:xfrm>
+        </p:spPr>
+        <p:txBody>
+          <a:bodyPr/>
+          <a:lstStyle/>
+          <a:p>
+            <a:r>
+              <a:rPr lang="nl-BE" dirty="0"/>
+              <a:t>Week 8 (2</a:t>
+            </a:r>
+            <a:r>
+              <a:rPr lang="en-BE" dirty="0"/>
+              <a:t>4</a:t>
+            </a:r>
+            <a:r>
+              <a:rPr lang="nl-BE" dirty="0"/>
+              <a:t>/11/2022)</a:t>
+            </a:r>
+          </a:p>
+        </p:txBody>
+      </p:sp>
+      <p:sp>
+        <p:nvSpPr>
+          <p:cNvPr id="28" name="Rectangle 7">
+            <a:extLst>
+              <a:ext uri="{FF2B5EF4-FFF2-40B4-BE49-F238E27FC236}">
+                <a16:creationId xmlns:a16="http://schemas.microsoft.com/office/drawing/2014/main" id="{1ED11395-C284-9D31-0A1F-8CE593280307}"/>
+              </a:ext>
+            </a:extLst>
+          </p:cNvPr>
+          <p:cNvSpPr>
+            <a:spLocks noChangeArrowheads="1"/>
+          </p:cNvSpPr>
+          <p:nvPr/>
+        </p:nvSpPr>
+        <p:spPr bwMode="auto">
+          <a:xfrm>
+            <a:off x="580800" y="1348510"/>
+            <a:ext cx="4940880" cy="1767742"/>
+          </a:xfrm>
+          <a:prstGeom prst="rect">
+            <a:avLst/>
+          </a:prstGeom>
+          <a:noFill/>
+          <a:ln w="9525">
+            <a:solidFill>
+              <a:srgbClr val="333333"/>
+            </a:solidFill>
+            <a:miter lim="800000"/>
+            <a:headEnd/>
+            <a:tailEnd/>
+          </a:ln>
+          <a:effectLst/>
+          <a:extLst>
+            <a:ext uri="{909E8E84-426E-40DD-AFC4-6F175D3DCCD1}">
+              <a14:hiddenFill xmlns:a14="http://schemas.microsoft.com/office/drawing/2010/main">
+                <a:solidFill>
+                  <a:schemeClr val="accent1"/>
+                </a:solidFill>
+              </a14:hiddenFill>
+            </a:ext>
+            <a:ext uri="{AF507438-7753-43E0-B8FC-AC1667EBCBE1}">
+              <a14:hiddenEffects xmlns:a14="http://schemas.microsoft.com/office/drawing/2010/main">
+                <a:effectLst>
+                  <a:outerShdw dist="35921" dir="2700000" algn="ctr" rotWithShape="0">
+                    <a:schemeClr val="bg2"/>
+                  </a:outerShdw>
+                </a:effectLst>
+              </a14:hiddenEffects>
+            </a:ext>
+          </a:extLst>
+        </p:spPr>
+        <p:txBody>
+          <a:bodyPr wrap="none" anchor="ctr"/>
+          <a:lstStyle/>
+          <a:p>
+            <a:endParaRPr lang="nl-BE"/>
+          </a:p>
+        </p:txBody>
+      </p:sp>
+      <p:sp>
+        <p:nvSpPr>
+          <p:cNvPr id="29" name="Rectangle 8">
+            <a:extLst>
+              <a:ext uri="{FF2B5EF4-FFF2-40B4-BE49-F238E27FC236}">
+                <a16:creationId xmlns:a16="http://schemas.microsoft.com/office/drawing/2014/main" id="{6FC4B744-16AC-500A-BBB9-19F5AFB1A6F4}"/>
+              </a:ext>
+            </a:extLst>
+          </p:cNvPr>
+          <p:cNvSpPr>
+            <a:spLocks noChangeArrowheads="1"/>
+          </p:cNvSpPr>
+          <p:nvPr/>
+        </p:nvSpPr>
+        <p:spPr bwMode="auto">
+          <a:xfrm>
+            <a:off x="580800" y="1365141"/>
+            <a:ext cx="4940880" cy="304800"/>
+          </a:xfrm>
+          <a:prstGeom prst="rect">
+            <a:avLst/>
+          </a:prstGeom>
+          <a:solidFill>
+            <a:schemeClr val="tx2">
+              <a:lumMod val="75000"/>
+            </a:schemeClr>
+          </a:solidFill>
+          <a:ln w="9525">
+            <a:solidFill>
+              <a:srgbClr val="333333"/>
+            </a:solidFill>
+            <a:miter lim="800000"/>
+            <a:headEnd/>
+            <a:tailEnd/>
+          </a:ln>
+          <a:effectLst/>
+        </p:spPr>
+        <p:txBody>
+          <a:bodyPr wrap="none" anchor="ctr"/>
+          <a:lstStyle/>
+          <a:p>
+            <a:r>
+              <a:rPr lang="en-US" altLang="nl-BE" sz="1400" b="1">
+                <a:solidFill>
+                  <a:schemeClr val="bg1"/>
+                </a:solidFill>
+                <a:latin typeface="Verdana" panose="020B0604030504040204" pitchFamily="34" charset="0"/>
+              </a:rPr>
+              <a:t>Planning</a:t>
+            </a:r>
+          </a:p>
+        </p:txBody>
+      </p:sp>
+      <p:sp>
+        <p:nvSpPr>
+          <p:cNvPr id="30" name="Rectangle 20">
+            <a:extLst>
+              <a:ext uri="{FF2B5EF4-FFF2-40B4-BE49-F238E27FC236}">
+                <a16:creationId xmlns:a16="http://schemas.microsoft.com/office/drawing/2014/main" id="{F8F8537C-8B21-E85D-8ED6-BCD891428026}"/>
+              </a:ext>
+            </a:extLst>
+          </p:cNvPr>
+          <p:cNvSpPr>
+            <a:spLocks noChangeArrowheads="1"/>
+          </p:cNvSpPr>
+          <p:nvPr/>
+        </p:nvSpPr>
+        <p:spPr bwMode="auto">
+          <a:xfrm>
+            <a:off x="576000" y="1669941"/>
+            <a:ext cx="4940880" cy="1498664"/>
+          </a:xfrm>
+          <a:prstGeom prst="rect">
+            <a:avLst/>
+          </a:prstGeom>
+          <a:noFill/>
+          <a:ln>
+            <a:noFill/>
+          </a:ln>
+          <a:effectLst/>
+          <a:extLst>
+            <a:ext uri="{909E8E84-426E-40DD-AFC4-6F175D3DCCD1}">
+              <a14:hiddenFill xmlns:a14="http://schemas.microsoft.com/office/drawing/2010/main">
+                <a:solidFill>
+                  <a:srgbClr val="333333"/>
+                </a:solidFill>
+              </a14:hiddenFill>
+            </a:ext>
+            <a:ext uri="{91240B29-F687-4F45-9708-019B960494DF}">
+              <a14:hiddenLine xmlns:a14="http://schemas.microsoft.com/office/drawing/2010/main" w="9525">
+                <a:solidFill>
+                  <a:srgbClr val="333333"/>
+                </a:solidFill>
+                <a:miter lim="800000"/>
+                <a:headEnd/>
+                <a:tailEnd/>
+              </a14:hiddenLine>
+            </a:ext>
+            <a:ext uri="{AF507438-7753-43E0-B8FC-AC1667EBCBE1}">
+              <a14:hiddenEffects xmlns:a14="http://schemas.microsoft.com/office/drawing/2010/main">
+                <a:effectLst>
+                  <a:outerShdw dist="35921" dir="2700000" algn="ctr" rotWithShape="0">
+                    <a:schemeClr val="bg2"/>
+                  </a:outerShdw>
+                </a:effectLst>
+              </a14:hiddenEffects>
+            </a:ext>
+          </a:extLst>
+        </p:spPr>
+        <p:txBody>
+          <a:bodyPr wrap="none"/>
+          <a:lstStyle/>
+          <a:p>
+            <a:pPr>
+              <a:buFontTx/>
+              <a:buChar char="•"/>
+            </a:pPr>
+            <a:r>
+              <a:rPr lang="en-US" altLang="nl-BE" sz="1200" dirty="0">
+                <a:solidFill>
+                  <a:srgbClr val="333333"/>
+                </a:solidFill>
+                <a:latin typeface="Verdana" panose="020B0604030504040204" pitchFamily="34" charset="0"/>
+              </a:rPr>
+              <a:t> Brochure</a:t>
+            </a:r>
+          </a:p>
+          <a:p>
+            <a:pPr>
+              <a:buFontTx/>
+              <a:buChar char="•"/>
+            </a:pPr>
+            <a:r>
+              <a:rPr lang="en-US" altLang="nl-BE" sz="1200" dirty="0">
+                <a:solidFill>
+                  <a:srgbClr val="333333"/>
+                </a:solidFill>
+                <a:latin typeface="Verdana" panose="020B0604030504040204" pitchFamily="34" charset="0"/>
+              </a:rPr>
+              <a:t> Gestures</a:t>
+            </a:r>
+          </a:p>
+          <a:p>
+            <a:pPr>
+              <a:buFontTx/>
+              <a:buChar char="•"/>
+            </a:pPr>
+            <a:r>
+              <a:rPr lang="en-US" altLang="nl-BE" sz="1200" dirty="0">
+                <a:solidFill>
+                  <a:srgbClr val="333333"/>
+                </a:solidFill>
+                <a:latin typeface="Verdana" panose="020B0604030504040204" pitchFamily="34" charset="0"/>
+              </a:rPr>
+              <a:t> Integration</a:t>
+            </a:r>
+          </a:p>
+          <a:p>
+            <a:pPr>
+              <a:buFontTx/>
+              <a:buChar char="•"/>
+            </a:pPr>
+            <a:r>
+              <a:rPr lang="en-US" altLang="nl-BE" sz="1200" dirty="0">
+                <a:solidFill>
+                  <a:srgbClr val="333333"/>
+                </a:solidFill>
+                <a:latin typeface="Verdana" panose="020B0604030504040204" pitchFamily="34" charset="0"/>
+              </a:rPr>
+              <a:t> </a:t>
+            </a:r>
+            <a:r>
+              <a:rPr lang="en-US" altLang="nl-BE" sz="1200" dirty="0" err="1">
+                <a:solidFill>
+                  <a:srgbClr val="333333"/>
+                </a:solidFill>
+                <a:latin typeface="Verdana" panose="020B0604030504040204" pitchFamily="34" charset="0"/>
+              </a:rPr>
+              <a:t>Facerecognition</a:t>
+            </a:r>
+            <a:endParaRPr lang="en-US" altLang="nl-BE" sz="1200" dirty="0">
+              <a:solidFill>
+                <a:srgbClr val="333333"/>
+              </a:solidFill>
+              <a:latin typeface="Verdana" panose="020B0604030504040204" pitchFamily="34" charset="0"/>
+            </a:endParaRPr>
+          </a:p>
+          <a:p>
+            <a:pPr>
+              <a:buFontTx/>
+              <a:buChar char="•"/>
+            </a:pPr>
+            <a:r>
+              <a:rPr lang="en-US" altLang="nl-BE" sz="1200" dirty="0">
+                <a:solidFill>
+                  <a:srgbClr val="333333"/>
+                </a:solidFill>
+                <a:latin typeface="Verdana" panose="020B0604030504040204" pitchFamily="34" charset="0"/>
+              </a:rPr>
+              <a:t> </a:t>
+            </a:r>
+            <a:r>
+              <a:rPr lang="en-US" altLang="nl-BE" sz="1200" dirty="0" err="1">
+                <a:solidFill>
+                  <a:srgbClr val="333333"/>
+                </a:solidFill>
+                <a:latin typeface="Verdana" panose="020B0604030504040204" pitchFamily="34" charset="0"/>
+              </a:rPr>
+              <a:t>Dlib</a:t>
+            </a:r>
+            <a:r>
+              <a:rPr lang="en-US" altLang="nl-BE" sz="1200" dirty="0">
+                <a:solidFill>
+                  <a:srgbClr val="333333"/>
+                </a:solidFill>
+                <a:latin typeface="Verdana" panose="020B0604030504040204" pitchFamily="34" charset="0"/>
+              </a:rPr>
+              <a:t> </a:t>
+            </a:r>
+            <a:r>
+              <a:rPr lang="en-US" altLang="nl-BE" sz="1200" dirty="0" err="1">
+                <a:solidFill>
+                  <a:srgbClr val="333333"/>
+                </a:solidFill>
+                <a:latin typeface="Verdana" panose="020B0604030504040204" pitchFamily="34" charset="0"/>
+              </a:rPr>
+              <a:t>Headdetection</a:t>
+            </a:r>
+            <a:endParaRPr lang="en-US" altLang="nl-BE" sz="1200" dirty="0">
+              <a:solidFill>
+                <a:srgbClr val="333333"/>
+              </a:solidFill>
+              <a:latin typeface="Verdana" panose="020B0604030504040204" pitchFamily="34" charset="0"/>
+            </a:endParaRPr>
+          </a:p>
+          <a:p>
+            <a:pPr>
+              <a:buFontTx/>
+              <a:buChar char="•"/>
+            </a:pPr>
+            <a:r>
+              <a:rPr lang="en-US" altLang="nl-BE" sz="1200" dirty="0">
+                <a:solidFill>
+                  <a:srgbClr val="333333"/>
+                </a:solidFill>
+                <a:latin typeface="Verdana" panose="020B0604030504040204" pitchFamily="34" charset="0"/>
+              </a:rPr>
+              <a:t> Adding Restrictions</a:t>
+            </a:r>
+          </a:p>
+          <a:p>
+            <a:pPr>
+              <a:buFontTx/>
+              <a:buChar char="•"/>
+            </a:pPr>
+            <a:endParaRPr lang="en-US" altLang="nl-BE" sz="1200" dirty="0">
+              <a:solidFill>
+                <a:srgbClr val="333333"/>
+              </a:solidFill>
+              <a:latin typeface="Verdana" panose="020B0604030504040204" pitchFamily="34" charset="0"/>
+            </a:endParaRPr>
+          </a:p>
+          <a:p>
+            <a:pPr>
+              <a:buFontTx/>
+              <a:buChar char="•"/>
+            </a:pPr>
+            <a:endParaRPr lang="en-US" altLang="nl-BE" sz="1200" dirty="0">
+              <a:solidFill>
+                <a:srgbClr val="333333"/>
+              </a:solidFill>
+              <a:latin typeface="Verdana" panose="020B0604030504040204" pitchFamily="34" charset="0"/>
+            </a:endParaRPr>
+          </a:p>
+        </p:txBody>
+      </p:sp>
+      <p:graphicFrame>
+        <p:nvGraphicFramePr>
+          <p:cNvPr id="31" name="Table 8">
+            <a:extLst>
+              <a:ext uri="{FF2B5EF4-FFF2-40B4-BE49-F238E27FC236}">
+                <a16:creationId xmlns:a16="http://schemas.microsoft.com/office/drawing/2014/main" id="{39209D40-A90A-28AF-7EE5-2185F6AED7D9}"/>
+              </a:ext>
+            </a:extLst>
+          </p:cNvPr>
+          <p:cNvGraphicFramePr>
+            <a:graphicFrameLocks noGrp="1"/>
+          </p:cNvGraphicFramePr>
+          <p:nvPr>
+            <p:extLst>
+              <p:ext uri="{D42A27DB-BD31-4B8C-83A1-F6EECF244321}">
+                <p14:modId xmlns:p14="http://schemas.microsoft.com/office/powerpoint/2010/main" val="2690538366"/>
+              </p:ext>
+            </p:extLst>
+          </p:nvPr>
+        </p:nvGraphicFramePr>
+        <p:xfrm>
+          <a:off x="580800" y="3517586"/>
+          <a:ext cx="11306400" cy="3134360"/>
+        </p:xfrm>
+        <a:graphic>
+          <a:graphicData uri="http://schemas.openxmlformats.org/drawingml/2006/table">
+            <a:tbl>
+              <a:tblPr firstRow="1" bandRow="1">
+                <a:tableStyleId>{5C22544A-7EE6-4342-B048-85BDC9FD1C3A}</a:tableStyleId>
+              </a:tblPr>
+              <a:tblGrid>
+                <a:gridCol w="2115747">
+                  <a:extLst>
+                    <a:ext uri="{9D8B030D-6E8A-4147-A177-3AD203B41FA5}">
+                      <a16:colId xmlns:a16="http://schemas.microsoft.com/office/drawing/2014/main" val="3222044758"/>
+                    </a:ext>
+                  </a:extLst>
+                </a:gridCol>
+                <a:gridCol w="2406813">
+                  <a:extLst>
+                    <a:ext uri="{9D8B030D-6E8A-4147-A177-3AD203B41FA5}">
+                      <a16:colId xmlns:a16="http://schemas.microsoft.com/office/drawing/2014/main" val="23332546"/>
+                    </a:ext>
+                  </a:extLst>
+                </a:gridCol>
+                <a:gridCol w="2261280">
+                  <a:extLst>
+                    <a:ext uri="{9D8B030D-6E8A-4147-A177-3AD203B41FA5}">
+                      <a16:colId xmlns:a16="http://schemas.microsoft.com/office/drawing/2014/main" val="62682046"/>
+                    </a:ext>
+                  </a:extLst>
+                </a:gridCol>
+                <a:gridCol w="2261280">
+                  <a:extLst>
+                    <a:ext uri="{9D8B030D-6E8A-4147-A177-3AD203B41FA5}">
+                      <a16:colId xmlns:a16="http://schemas.microsoft.com/office/drawing/2014/main" val="1440099295"/>
+                    </a:ext>
+                  </a:extLst>
+                </a:gridCol>
+                <a:gridCol w="2261280">
+                  <a:extLst>
+                    <a:ext uri="{9D8B030D-6E8A-4147-A177-3AD203B41FA5}">
+                      <a16:colId xmlns:a16="http://schemas.microsoft.com/office/drawing/2014/main" val="2799077174"/>
+                    </a:ext>
+                  </a:extLst>
+                </a:gridCol>
+              </a:tblGrid>
+              <a:tr h="370840">
+                <a:tc>
+                  <a:txBody>
+                    <a:bodyPr/>
+                    <a:lstStyle/>
+                    <a:p>
+                      <a:r>
+                        <a:rPr lang="nl-BE" dirty="0"/>
+                        <a:t>Naam student</a:t>
+                      </a:r>
+                    </a:p>
+                  </a:txBody>
+                  <a:tcPr>
+                    <a:lnL w="12700" cap="flat" cmpd="sng" algn="ctr">
+                      <a:solidFill>
+                        <a:schemeClr val="tx1"/>
+                      </a:solidFill>
+                      <a:prstDash val="solid"/>
+                      <a:round/>
+                      <a:headEnd type="none" w="med" len="med"/>
+                      <a:tailEnd type="none" w="med" len="med"/>
+                    </a:lnL>
+                    <a:lnT w="12700" cap="flat" cmpd="sng" algn="ctr">
+                      <a:solidFill>
+                        <a:schemeClr val="tx1"/>
+                      </a:solidFill>
+                      <a:prstDash val="solid"/>
+                      <a:round/>
+                      <a:headEnd type="none" w="med" len="med"/>
+                      <a:tailEnd type="none" w="med" len="med"/>
+                    </a:lnT>
+                  </a:tcPr>
+                </a:tc>
+                <a:tc>
+                  <a:txBody>
+                    <a:bodyPr/>
+                    <a:lstStyle/>
+                    <a:p>
+                      <a:r>
+                        <a:rPr lang="nl-BE" dirty="0"/>
+                        <a:t>14u00-15u00</a:t>
+                      </a:r>
+                    </a:p>
+                  </a:txBody>
+                  <a:tcPr>
+                    <a:lnT w="12700" cap="flat" cmpd="sng" algn="ctr">
+                      <a:solidFill>
+                        <a:schemeClr val="tx1"/>
+                      </a:solidFill>
+                      <a:prstDash val="solid"/>
+                      <a:round/>
+                      <a:headEnd type="none" w="med" len="med"/>
+                      <a:tailEnd type="none" w="med" len="med"/>
+                    </a:lnT>
+                  </a:tcPr>
+                </a:tc>
+                <a:tc>
+                  <a:txBody>
+                    <a:bodyPr/>
+                    <a:lstStyle/>
+                    <a:p>
+                      <a:r>
+                        <a:rPr lang="nl-BE" dirty="0"/>
+                        <a:t>15u00-16u00</a:t>
+                      </a:r>
+                    </a:p>
+                  </a:txBody>
+                  <a:tcPr>
+                    <a:lnT w="12700" cap="flat" cmpd="sng" algn="ctr">
+                      <a:solidFill>
+                        <a:schemeClr val="tx1"/>
+                      </a:solidFill>
+                      <a:prstDash val="solid"/>
+                      <a:round/>
+                      <a:headEnd type="none" w="med" len="med"/>
+                      <a:tailEnd type="none" w="med" len="med"/>
+                    </a:lnT>
+                  </a:tcPr>
+                </a:tc>
+                <a:tc>
+                  <a:txBody>
+                    <a:bodyPr/>
+                    <a:lstStyle/>
+                    <a:p>
+                      <a:r>
+                        <a:rPr lang="nl-BE" dirty="0"/>
+                        <a:t>16u00-17u00</a:t>
+                      </a:r>
+                    </a:p>
+                  </a:txBody>
+                  <a:tcPr>
+                    <a:lnT w="12700" cap="flat" cmpd="sng" algn="ctr">
+                      <a:solidFill>
+                        <a:schemeClr val="tx1"/>
+                      </a:solidFill>
+                      <a:prstDash val="solid"/>
+                      <a:round/>
+                      <a:headEnd type="none" w="med" len="med"/>
+                      <a:tailEnd type="none" w="med" len="med"/>
+                    </a:lnT>
+                  </a:tcPr>
+                </a:tc>
+                <a:tc>
+                  <a:txBody>
+                    <a:bodyPr/>
+                    <a:lstStyle/>
+                    <a:p>
+                      <a:r>
+                        <a:rPr lang="nl-BE" dirty="0"/>
+                        <a:t>17u00-18u00</a:t>
+                      </a:r>
+                    </a:p>
+                  </a:txBody>
+                  <a:tcPr>
+                    <a:lnR w="12700" cap="flat" cmpd="sng" algn="ctr">
+                      <a:solidFill>
+                        <a:schemeClr val="tx1"/>
+                      </a:solidFill>
+                      <a:prstDash val="solid"/>
+                      <a:round/>
+                      <a:headEnd type="none" w="med" len="med"/>
+                      <a:tailEnd type="none" w="med" len="med"/>
+                    </a:lnR>
+                    <a:lnT w="12700" cap="flat" cmpd="sng" algn="ctr">
+                      <a:solidFill>
+                        <a:schemeClr val="tx1"/>
+                      </a:solidFill>
+                      <a:prstDash val="solid"/>
+                      <a:round/>
+                      <a:headEnd type="none" w="med" len="med"/>
+                      <a:tailEnd type="none" w="med" len="med"/>
+                    </a:lnT>
+                  </a:tcPr>
+                </a:tc>
+                <a:extLst>
+                  <a:ext uri="{0D108BD9-81ED-4DB2-BD59-A6C34878D82A}">
+                    <a16:rowId xmlns:a16="http://schemas.microsoft.com/office/drawing/2014/main" val="1545514501"/>
+                  </a:ext>
+                </a:extLst>
+              </a:tr>
+              <a:tr h="370840">
+                <a:tc>
+                  <a:txBody>
+                    <a:bodyPr/>
+                    <a:lstStyle/>
+                    <a:p>
+                      <a:r>
+                        <a:rPr lang="nl-BE" dirty="0"/>
+                        <a:t>Arne </a:t>
+                      </a:r>
+                      <a:r>
+                        <a:rPr lang="nl-BE" dirty="0" err="1"/>
+                        <a:t>Lemahieu</a:t>
+                      </a:r>
+                      <a:endParaRPr lang="nl-BE" dirty="0"/>
+                    </a:p>
+                  </a:txBody>
+                  <a:tcPr>
+                    <a:lnL w="12700" cap="flat" cmpd="sng" algn="ctr">
+                      <a:solidFill>
+                        <a:schemeClr val="tx1"/>
+                      </a:solidFill>
+                      <a:prstDash val="solid"/>
+                      <a:round/>
+                      <a:headEnd type="none" w="med" len="med"/>
+                      <a:tailEnd type="none" w="med" len="med"/>
+                    </a:lnL>
+                  </a:tcPr>
+                </a:tc>
+                <a:tc>
+                  <a:txBody>
+                    <a:bodyPr/>
+                    <a:lstStyle/>
+                    <a:p>
+                      <a:r>
+                        <a:rPr lang="en-US" altLang="nl-BE" sz="1800" dirty="0" err="1">
+                          <a:solidFill>
+                            <a:srgbClr val="333333"/>
+                          </a:solidFill>
+                          <a:latin typeface="Verdana" panose="020B0604030504040204" pitchFamily="34" charset="0"/>
+                        </a:rPr>
+                        <a:t>Dlib</a:t>
+                      </a:r>
+                      <a:r>
+                        <a:rPr lang="en-US" altLang="nl-BE" sz="1800" dirty="0">
+                          <a:solidFill>
+                            <a:srgbClr val="333333"/>
+                          </a:solidFill>
+                          <a:latin typeface="Verdana" panose="020B0604030504040204" pitchFamily="34" charset="0"/>
+                        </a:rPr>
+                        <a:t> </a:t>
+                      </a:r>
+                      <a:r>
+                        <a:rPr lang="en-US" altLang="nl-BE" sz="1800" dirty="0" err="1">
+                          <a:solidFill>
+                            <a:srgbClr val="333333"/>
+                          </a:solidFill>
+                          <a:latin typeface="Verdana" panose="020B0604030504040204" pitchFamily="34" charset="0"/>
+                        </a:rPr>
+                        <a:t>Headdetection</a:t>
+                      </a:r>
+                      <a:endParaRPr lang="nl-BE" dirty="0"/>
+                    </a:p>
+                  </a:txBody>
+                  <a:tcPr/>
+                </a:tc>
+                <a:tc>
+                  <a:txBody>
+                    <a:bodyPr/>
+                    <a:lstStyle/>
+                    <a:p>
+                      <a:pPr marL="0" marR="0" lvl="0" indent="0" algn="l" defTabSz="914400" rtl="0" eaLnBrk="1" fontAlgn="auto" latinLnBrk="0" hangingPunct="1">
+                        <a:lnSpc>
+                          <a:spcPct val="100000"/>
+                        </a:lnSpc>
+                        <a:spcBef>
+                          <a:spcPts val="0"/>
+                        </a:spcBef>
+                        <a:spcAft>
+                          <a:spcPts val="0"/>
+                        </a:spcAft>
+                        <a:buClrTx/>
+                        <a:buSzTx/>
+                        <a:buFontTx/>
+                        <a:buNone/>
+                        <a:tabLst/>
+                        <a:defRPr/>
+                      </a:pPr>
+                      <a:r>
+                        <a:rPr lang="en-US" altLang="nl-BE" sz="1800" dirty="0" err="1">
+                          <a:solidFill>
+                            <a:srgbClr val="333333"/>
+                          </a:solidFill>
+                          <a:latin typeface="Verdana" panose="020B0604030504040204" pitchFamily="34" charset="0"/>
+                        </a:rPr>
+                        <a:t>Dlib</a:t>
+                      </a:r>
+                      <a:r>
+                        <a:rPr lang="en-US" altLang="nl-BE" sz="1800" dirty="0">
+                          <a:solidFill>
+                            <a:srgbClr val="333333"/>
+                          </a:solidFill>
+                          <a:latin typeface="Verdana" panose="020B0604030504040204" pitchFamily="34" charset="0"/>
+                        </a:rPr>
+                        <a:t> Head</a:t>
+                      </a:r>
+                      <a:endParaRPr lang="nl-BE" dirty="0"/>
+                    </a:p>
+                  </a:txBody>
+                  <a:tcPr/>
+                </a:tc>
+                <a:tc>
+                  <a:txBody>
+                    <a:bodyPr/>
+                    <a:lstStyle/>
+                    <a:p>
+                      <a:r>
+                        <a:rPr lang="en-US" altLang="nl-BE" sz="1800" dirty="0" err="1">
+                          <a:solidFill>
+                            <a:srgbClr val="333333"/>
+                          </a:solidFill>
+                          <a:latin typeface="Verdana" panose="020B0604030504040204" pitchFamily="34" charset="0"/>
+                        </a:rPr>
+                        <a:t>Dlib</a:t>
+                      </a:r>
+                      <a:r>
+                        <a:rPr lang="en-US" altLang="nl-BE" sz="1800" dirty="0">
+                          <a:solidFill>
+                            <a:srgbClr val="333333"/>
+                          </a:solidFill>
+                          <a:latin typeface="Verdana" panose="020B0604030504040204" pitchFamily="34" charset="0"/>
+                        </a:rPr>
+                        <a:t> Head</a:t>
+                      </a:r>
+                      <a:endParaRPr lang="nl-BE" dirty="0"/>
+                    </a:p>
+                  </a:txBody>
+                  <a:tcPr/>
+                </a:tc>
+                <a:tc>
+                  <a:txBody>
+                    <a:bodyPr/>
+                    <a:lstStyle/>
+                    <a:p>
+                      <a:r>
+                        <a:rPr lang="en-US" altLang="nl-BE" sz="1800" dirty="0" err="1">
+                          <a:solidFill>
+                            <a:srgbClr val="333333"/>
+                          </a:solidFill>
+                          <a:latin typeface="Verdana" panose="020B0604030504040204" pitchFamily="34" charset="0"/>
+                        </a:rPr>
+                        <a:t>Dlib</a:t>
+                      </a:r>
+                      <a:r>
+                        <a:rPr lang="en-US" altLang="nl-BE" sz="1800" dirty="0">
+                          <a:solidFill>
+                            <a:srgbClr val="333333"/>
+                          </a:solidFill>
+                          <a:latin typeface="Verdana" panose="020B0604030504040204" pitchFamily="34" charset="0"/>
+                        </a:rPr>
+                        <a:t> Head</a:t>
+                      </a:r>
+                      <a:endParaRPr lang="nl-BE" dirty="0"/>
+                    </a:p>
+                  </a:txBody>
+                  <a:tcPr>
+                    <a:lnR w="12700" cap="flat" cmpd="sng" algn="ctr">
+                      <a:solidFill>
+                        <a:schemeClr val="tx1"/>
+                      </a:solidFill>
+                      <a:prstDash val="solid"/>
+                      <a:round/>
+                      <a:headEnd type="none" w="med" len="med"/>
+                      <a:tailEnd type="none" w="med" len="med"/>
+                    </a:lnR>
+                  </a:tcPr>
+                </a:tc>
+                <a:extLst>
+                  <a:ext uri="{0D108BD9-81ED-4DB2-BD59-A6C34878D82A}">
+                    <a16:rowId xmlns:a16="http://schemas.microsoft.com/office/drawing/2014/main" val="4272612081"/>
+                  </a:ext>
+                </a:extLst>
+              </a:tr>
+              <a:tr h="370840">
+                <a:tc>
+                  <a:txBody>
+                    <a:bodyPr/>
+                    <a:lstStyle/>
+                    <a:p>
+                      <a:pPr marL="0" marR="0" lvl="0" indent="0" algn="l" defTabSz="914400" rtl="0" eaLnBrk="1" fontAlgn="auto" latinLnBrk="0" hangingPunct="1">
+                        <a:lnSpc>
+                          <a:spcPct val="100000"/>
+                        </a:lnSpc>
+                        <a:spcBef>
+                          <a:spcPts val="0"/>
+                        </a:spcBef>
+                        <a:spcAft>
+                          <a:spcPts val="0"/>
+                        </a:spcAft>
+                        <a:buClrTx/>
+                        <a:buSzTx/>
+                        <a:buFontTx/>
+                        <a:buNone/>
+                        <a:tabLst/>
+                        <a:defRPr/>
+                      </a:pPr>
+                      <a:r>
+                        <a:rPr lang="nl-BE" dirty="0"/>
+                        <a:t>Kasper </a:t>
+                      </a:r>
+                      <a:r>
+                        <a:rPr lang="nl-BE" dirty="0" err="1"/>
+                        <a:t>Dumoulin</a:t>
+                      </a:r>
+                      <a:endParaRPr lang="nl-BE" dirty="0"/>
+                    </a:p>
+                  </a:txBody>
+                  <a:tcPr>
+                    <a:lnL w="12700" cap="flat" cmpd="sng" algn="ctr">
+                      <a:solidFill>
+                        <a:schemeClr val="tx1"/>
+                      </a:solidFill>
+                      <a:prstDash val="solid"/>
+                      <a:round/>
+                      <a:headEnd type="none" w="med" len="med"/>
+                      <a:tailEnd type="none" w="med" len="med"/>
+                    </a:lnL>
+                  </a:tcPr>
+                </a:tc>
+                <a:tc>
+                  <a:txBody>
+                    <a:bodyPr/>
+                    <a:lstStyle/>
+                    <a:p>
+                      <a:pPr marL="0" marR="0" lvl="0" indent="0" algn="l" defTabSz="914400" rtl="0" eaLnBrk="1" fontAlgn="auto" latinLnBrk="0" hangingPunct="1">
+                        <a:lnSpc>
+                          <a:spcPct val="100000"/>
+                        </a:lnSpc>
+                        <a:spcBef>
+                          <a:spcPts val="0"/>
+                        </a:spcBef>
+                        <a:spcAft>
+                          <a:spcPts val="0"/>
+                        </a:spcAft>
+                        <a:buClrTx/>
+                        <a:buSzTx/>
+                        <a:buFontTx/>
+                        <a:buNone/>
+                        <a:tabLst/>
+                        <a:defRPr/>
+                      </a:pPr>
+                      <a:r>
+                        <a:rPr lang="en-US" altLang="nl-BE" sz="1800" dirty="0">
+                          <a:solidFill>
+                            <a:srgbClr val="333333"/>
+                          </a:solidFill>
+                          <a:latin typeface="Verdana" panose="020B0604030504040204" pitchFamily="34" charset="0"/>
+                        </a:rPr>
+                        <a:t>Adding Restrictions</a:t>
+                      </a:r>
+                    </a:p>
+                  </a:txBody>
+                  <a:tcPr/>
+                </a:tc>
+                <a:tc>
+                  <a:txBody>
+                    <a:bodyPr/>
+                    <a:lstStyle/>
+                    <a:p>
+                      <a:pPr marL="0" marR="0" lvl="0" indent="0" algn="l" defTabSz="914400" rtl="0" eaLnBrk="1" fontAlgn="auto" latinLnBrk="0" hangingPunct="1">
+                        <a:lnSpc>
+                          <a:spcPct val="100000"/>
+                        </a:lnSpc>
+                        <a:spcBef>
+                          <a:spcPts val="0"/>
+                        </a:spcBef>
+                        <a:spcAft>
+                          <a:spcPts val="0"/>
+                        </a:spcAft>
+                        <a:buClrTx/>
+                        <a:buSzTx/>
+                        <a:buFontTx/>
+                        <a:buNone/>
+                        <a:tabLst/>
+                        <a:defRPr/>
+                      </a:pPr>
+                      <a:r>
+                        <a:rPr lang="en-US" altLang="nl-BE" sz="1800" dirty="0">
+                          <a:solidFill>
+                            <a:srgbClr val="333333"/>
+                          </a:solidFill>
+                          <a:latin typeface="Verdana" panose="020B0604030504040204" pitchFamily="34" charset="0"/>
+                        </a:rPr>
+                        <a:t>Adding Restrictions</a:t>
+                      </a:r>
+                    </a:p>
+                  </a:txBody>
+                  <a:tcPr/>
+                </a:tc>
+                <a:tc>
+                  <a:txBody>
+                    <a:bodyPr/>
+                    <a:lstStyle/>
+                    <a:p>
+                      <a:pPr marL="0" marR="0" lvl="0" indent="0" algn="l" defTabSz="914400" rtl="0" eaLnBrk="1" fontAlgn="auto" latinLnBrk="0" hangingPunct="1">
+                        <a:lnSpc>
+                          <a:spcPct val="100000"/>
+                        </a:lnSpc>
+                        <a:spcBef>
+                          <a:spcPts val="0"/>
+                        </a:spcBef>
+                        <a:spcAft>
+                          <a:spcPts val="0"/>
+                        </a:spcAft>
+                        <a:buClrTx/>
+                        <a:buSzTx/>
+                        <a:buFontTx/>
+                        <a:buNone/>
+                        <a:tabLst/>
+                        <a:defRPr/>
+                      </a:pPr>
+                      <a:r>
+                        <a:rPr lang="en-US" altLang="nl-BE" sz="1800" dirty="0">
+                          <a:solidFill>
+                            <a:srgbClr val="333333"/>
+                          </a:solidFill>
+                          <a:latin typeface="Verdana" panose="020B0604030504040204" pitchFamily="34" charset="0"/>
+                        </a:rPr>
+                        <a:t>Adding Restrictions</a:t>
+                      </a:r>
+                    </a:p>
+                  </a:txBody>
+                  <a:tcPr/>
+                </a:tc>
+                <a:tc>
+                  <a:txBody>
+                    <a:bodyPr/>
+                    <a:lstStyle/>
+                    <a:p>
+                      <a:pPr marL="0" marR="0" lvl="0" indent="0" algn="l" defTabSz="914400" rtl="0" eaLnBrk="1" fontAlgn="auto" latinLnBrk="0" hangingPunct="1">
+                        <a:lnSpc>
+                          <a:spcPct val="100000"/>
+                        </a:lnSpc>
+                        <a:spcBef>
+                          <a:spcPts val="0"/>
+                        </a:spcBef>
+                        <a:spcAft>
+                          <a:spcPts val="0"/>
+                        </a:spcAft>
+                        <a:buClrTx/>
+                        <a:buSzTx/>
+                        <a:buFontTx/>
+                        <a:buNone/>
+                        <a:tabLst/>
+                        <a:defRPr/>
+                      </a:pPr>
+                      <a:r>
+                        <a:rPr lang="en-US" altLang="nl-BE" sz="1800" dirty="0">
+                          <a:solidFill>
+                            <a:srgbClr val="333333"/>
+                          </a:solidFill>
+                          <a:latin typeface="Verdana" panose="020B0604030504040204" pitchFamily="34" charset="0"/>
+                        </a:rPr>
+                        <a:t>Adding Restrictions</a:t>
+                      </a:r>
+                    </a:p>
+                  </a:txBody>
+                  <a:tcPr>
+                    <a:lnR w="12700" cap="flat" cmpd="sng" algn="ctr">
+                      <a:solidFill>
+                        <a:schemeClr val="tx1"/>
+                      </a:solidFill>
+                      <a:prstDash val="solid"/>
+                      <a:round/>
+                      <a:headEnd type="none" w="med" len="med"/>
+                      <a:tailEnd type="none" w="med" len="med"/>
+                    </a:lnR>
+                  </a:tcPr>
+                </a:tc>
+                <a:extLst>
+                  <a:ext uri="{0D108BD9-81ED-4DB2-BD59-A6C34878D82A}">
+                    <a16:rowId xmlns:a16="http://schemas.microsoft.com/office/drawing/2014/main" val="2535650466"/>
+                  </a:ext>
+                </a:extLst>
+              </a:tr>
+              <a:tr h="370840">
+                <a:tc>
+                  <a:txBody>
+                    <a:bodyPr/>
+                    <a:lstStyle/>
+                    <a:p>
+                      <a:pPr marL="0" marR="0" lvl="0" indent="0" algn="l" defTabSz="914400" rtl="0" eaLnBrk="1" fontAlgn="auto" latinLnBrk="0" hangingPunct="1">
+                        <a:lnSpc>
+                          <a:spcPct val="100000"/>
+                        </a:lnSpc>
+                        <a:spcBef>
+                          <a:spcPts val="0"/>
+                        </a:spcBef>
+                        <a:spcAft>
+                          <a:spcPts val="0"/>
+                        </a:spcAft>
+                        <a:buClrTx/>
+                        <a:buSzTx/>
+                        <a:buFontTx/>
+                        <a:buNone/>
+                        <a:tabLst/>
+                        <a:defRPr/>
+                      </a:pPr>
+                      <a:r>
+                        <a:rPr lang="nl-BE" dirty="0"/>
+                        <a:t>Mauro Janssens</a:t>
+                      </a:r>
+                    </a:p>
+                  </a:txBody>
+                  <a:tcPr>
+                    <a:lnL w="12700" cap="flat" cmpd="sng" algn="ctr">
+                      <a:solidFill>
+                        <a:schemeClr val="tx1"/>
+                      </a:solidFill>
+                      <a:prstDash val="solid"/>
+                      <a:round/>
+                      <a:headEnd type="none" w="med" len="med"/>
+                      <a:tailEnd type="none" w="med" len="med"/>
+                    </a:lnL>
+                  </a:tcPr>
+                </a:tc>
+                <a:tc>
+                  <a:txBody>
+                    <a:bodyPr/>
+                    <a:lstStyle/>
+                    <a:p>
+                      <a:r>
+                        <a:rPr lang="nl-BE" dirty="0"/>
+                        <a:t>Integration</a:t>
+                      </a:r>
+                    </a:p>
+                  </a:txBody>
+                  <a:tcPr/>
+                </a:tc>
+                <a:tc>
+                  <a:txBody>
+                    <a:bodyPr/>
+                    <a:lstStyle/>
+                    <a:p>
+                      <a:pPr marL="0" marR="0" lvl="0" indent="0" algn="l" defTabSz="914400" rtl="0" eaLnBrk="1" fontAlgn="auto" latinLnBrk="0" hangingPunct="1">
+                        <a:lnSpc>
+                          <a:spcPct val="100000"/>
+                        </a:lnSpc>
+                        <a:spcBef>
+                          <a:spcPts val="0"/>
+                        </a:spcBef>
+                        <a:spcAft>
+                          <a:spcPts val="0"/>
+                        </a:spcAft>
+                        <a:buClrTx/>
+                        <a:buSzTx/>
+                        <a:buFontTx/>
+                        <a:buNone/>
+                        <a:tabLst/>
+                        <a:defRPr/>
+                      </a:pPr>
+                      <a:r>
+                        <a:rPr lang="nl-BE" dirty="0"/>
+                        <a:t>Integration</a:t>
+                      </a:r>
+                    </a:p>
+                  </a:txBody>
+                  <a:tcPr/>
+                </a:tc>
+                <a:tc>
+                  <a:txBody>
+                    <a:bodyPr/>
+                    <a:lstStyle/>
+                    <a:p>
+                      <a:pPr marL="0" marR="0" lvl="0" indent="0" algn="l" defTabSz="914400" rtl="0" eaLnBrk="1" fontAlgn="auto" latinLnBrk="0" hangingPunct="1">
+                        <a:lnSpc>
+                          <a:spcPct val="100000"/>
+                        </a:lnSpc>
+                        <a:spcBef>
+                          <a:spcPts val="0"/>
+                        </a:spcBef>
+                        <a:spcAft>
+                          <a:spcPts val="0"/>
+                        </a:spcAft>
+                        <a:buClrTx/>
+                        <a:buSzTx/>
+                        <a:buFontTx/>
+                        <a:buNone/>
+                        <a:tabLst/>
+                        <a:defRPr/>
+                      </a:pPr>
+                      <a:r>
+                        <a:rPr lang="nl-BE" dirty="0"/>
+                        <a:t>Integration</a:t>
+                      </a:r>
+                    </a:p>
+                  </a:txBody>
+                  <a:tcPr/>
+                </a:tc>
+                <a:tc>
+                  <a:txBody>
+                    <a:bodyPr/>
+                    <a:lstStyle/>
+                    <a:p>
+                      <a:pPr marL="0" marR="0" lvl="0" indent="0" algn="l" defTabSz="914400" rtl="0" eaLnBrk="1" fontAlgn="auto" latinLnBrk="0" hangingPunct="1">
+                        <a:lnSpc>
+                          <a:spcPct val="100000"/>
+                        </a:lnSpc>
+                        <a:spcBef>
+                          <a:spcPts val="0"/>
+                        </a:spcBef>
+                        <a:spcAft>
+                          <a:spcPts val="0"/>
+                        </a:spcAft>
+                        <a:buClrTx/>
+                        <a:buSzTx/>
+                        <a:buFontTx/>
+                        <a:buNone/>
+                        <a:tabLst/>
+                        <a:defRPr/>
+                      </a:pPr>
+                      <a:r>
+                        <a:rPr lang="nl-BE" dirty="0"/>
+                        <a:t>Integration</a:t>
+                      </a:r>
+                    </a:p>
+                  </a:txBody>
+                  <a:tcPr>
+                    <a:lnR w="12700" cap="flat" cmpd="sng" algn="ctr">
+                      <a:solidFill>
+                        <a:schemeClr val="tx1"/>
+                      </a:solidFill>
+                      <a:prstDash val="solid"/>
+                      <a:round/>
+                      <a:headEnd type="none" w="med" len="med"/>
+                      <a:tailEnd type="none" w="med" len="med"/>
+                    </a:lnR>
+                  </a:tcPr>
+                </a:tc>
+                <a:extLst>
+                  <a:ext uri="{0D108BD9-81ED-4DB2-BD59-A6C34878D82A}">
+                    <a16:rowId xmlns:a16="http://schemas.microsoft.com/office/drawing/2014/main" val="1056747163"/>
+                  </a:ext>
+                </a:extLst>
+              </a:tr>
+              <a:tr h="370840">
+                <a:tc>
+                  <a:txBody>
+                    <a:bodyPr/>
+                    <a:lstStyle/>
+                    <a:p>
+                      <a:pPr marL="0" marR="0" lvl="0" indent="0" algn="l" defTabSz="914400" rtl="0" eaLnBrk="1" fontAlgn="auto" latinLnBrk="0" hangingPunct="1">
+                        <a:lnSpc>
+                          <a:spcPct val="100000"/>
+                        </a:lnSpc>
+                        <a:spcBef>
+                          <a:spcPts val="0"/>
+                        </a:spcBef>
+                        <a:spcAft>
+                          <a:spcPts val="0"/>
+                        </a:spcAft>
+                        <a:buClrTx/>
+                        <a:buSzTx/>
+                        <a:buFontTx/>
+                        <a:buNone/>
+                        <a:tabLst/>
+                        <a:defRPr/>
+                      </a:pPr>
+                      <a:r>
+                        <a:rPr lang="nl-BE" dirty="0"/>
+                        <a:t>Pepijn Haenen</a:t>
+                      </a:r>
+                    </a:p>
+                  </a:txBody>
+                  <a:tcPr>
+                    <a:lnL w="12700" cap="flat" cmpd="sng" algn="ctr">
+                      <a:solidFill>
+                        <a:schemeClr val="tx1"/>
+                      </a:solidFill>
+                      <a:prstDash val="solid"/>
+                      <a:round/>
+                      <a:headEnd type="none" w="med" len="med"/>
+                      <a:tailEnd type="none" w="med" len="med"/>
+                    </a:lnL>
+                  </a:tcPr>
+                </a:tc>
+                <a:tc>
+                  <a:txBody>
+                    <a:bodyPr/>
+                    <a:lstStyle/>
+                    <a:p>
+                      <a:pPr marL="0" marR="0" lvl="0" indent="0" algn="l" defTabSz="914400" rtl="0" eaLnBrk="1" fontAlgn="auto" latinLnBrk="0" hangingPunct="1">
+                        <a:lnSpc>
+                          <a:spcPct val="100000"/>
+                        </a:lnSpc>
+                        <a:spcBef>
+                          <a:spcPts val="0"/>
+                        </a:spcBef>
+                        <a:spcAft>
+                          <a:spcPts val="0"/>
+                        </a:spcAft>
+                        <a:buClrTx/>
+                        <a:buSzTx/>
+                        <a:buFontTx/>
+                        <a:buNone/>
+                        <a:tabLst/>
+                        <a:defRPr/>
+                      </a:pPr>
+                      <a:r>
+                        <a:rPr lang="nl-BE" dirty="0"/>
+                        <a:t>Brochure</a:t>
+                      </a:r>
+                    </a:p>
+                  </a:txBody>
+                  <a:tcPr/>
+                </a:tc>
+                <a:tc>
+                  <a:txBody>
+                    <a:bodyPr/>
+                    <a:lstStyle/>
+                    <a:p>
+                      <a:pPr marL="0" marR="0" lvl="0" indent="0" algn="l" defTabSz="914400" rtl="0" eaLnBrk="1" fontAlgn="auto" latinLnBrk="0" hangingPunct="1">
+                        <a:lnSpc>
+                          <a:spcPct val="100000"/>
+                        </a:lnSpc>
+                        <a:spcBef>
+                          <a:spcPts val="0"/>
+                        </a:spcBef>
+                        <a:spcAft>
+                          <a:spcPts val="0"/>
+                        </a:spcAft>
+                        <a:buClrTx/>
+                        <a:buSzTx/>
+                        <a:buFontTx/>
+                        <a:buNone/>
+                        <a:tabLst/>
+                        <a:defRPr/>
+                      </a:pPr>
+                      <a:r>
+                        <a:rPr lang="nl-BE" dirty="0"/>
+                        <a:t>Brochure</a:t>
+                      </a:r>
+                    </a:p>
+                  </a:txBody>
+                  <a:tcPr/>
+                </a:tc>
+                <a:tc>
+                  <a:txBody>
+                    <a:bodyPr/>
+                    <a:lstStyle/>
+                    <a:p>
+                      <a:pPr marL="0" marR="0" lvl="0" indent="0" algn="l" defTabSz="914400" rtl="0" eaLnBrk="1" fontAlgn="auto" latinLnBrk="0" hangingPunct="1">
+                        <a:lnSpc>
+                          <a:spcPct val="100000"/>
+                        </a:lnSpc>
+                        <a:spcBef>
+                          <a:spcPts val="0"/>
+                        </a:spcBef>
+                        <a:spcAft>
+                          <a:spcPts val="0"/>
+                        </a:spcAft>
+                        <a:buClrTx/>
+                        <a:buSzTx/>
+                        <a:buFontTx/>
+                        <a:buNone/>
+                        <a:tabLst/>
+                        <a:defRPr/>
+                      </a:pPr>
+                      <a:r>
+                        <a:rPr lang="nl-BE" dirty="0"/>
+                        <a:t>Brochure</a:t>
+                      </a:r>
+                    </a:p>
+                  </a:txBody>
+                  <a:tcPr/>
+                </a:tc>
+                <a:tc>
+                  <a:txBody>
+                    <a:bodyPr/>
+                    <a:lstStyle/>
+                    <a:p>
+                      <a:pPr marL="0" marR="0" lvl="0" indent="0" algn="l" defTabSz="914400" rtl="0" eaLnBrk="1" fontAlgn="auto" latinLnBrk="0" hangingPunct="1">
+                        <a:lnSpc>
+                          <a:spcPct val="100000"/>
+                        </a:lnSpc>
+                        <a:spcBef>
+                          <a:spcPts val="0"/>
+                        </a:spcBef>
+                        <a:spcAft>
+                          <a:spcPts val="0"/>
+                        </a:spcAft>
+                        <a:buClrTx/>
+                        <a:buSzTx/>
+                        <a:buFontTx/>
+                        <a:buNone/>
+                        <a:tabLst/>
+                        <a:defRPr/>
+                      </a:pPr>
+                      <a:r>
+                        <a:rPr lang="nl-BE" dirty="0"/>
+                        <a:t>Brochure</a:t>
+                      </a:r>
+                    </a:p>
+                  </a:txBody>
+                  <a:tcPr>
+                    <a:lnR w="12700" cap="flat" cmpd="sng" algn="ctr">
+                      <a:solidFill>
+                        <a:schemeClr val="tx1"/>
+                      </a:solidFill>
+                      <a:prstDash val="solid"/>
+                      <a:round/>
+                      <a:headEnd type="none" w="med" len="med"/>
+                      <a:tailEnd type="none" w="med" len="med"/>
+                    </a:lnR>
+                  </a:tcPr>
+                </a:tc>
+                <a:extLst>
+                  <a:ext uri="{0D108BD9-81ED-4DB2-BD59-A6C34878D82A}">
+                    <a16:rowId xmlns:a16="http://schemas.microsoft.com/office/drawing/2014/main" val="4081416973"/>
+                  </a:ext>
+                </a:extLst>
+              </a:tr>
+              <a:tr h="370840">
+                <a:tc>
+                  <a:txBody>
+                    <a:bodyPr/>
+                    <a:lstStyle/>
+                    <a:p>
+                      <a:pPr marL="0" marR="0" lvl="0" indent="0" algn="l" defTabSz="914400" rtl="0" eaLnBrk="1" fontAlgn="auto" latinLnBrk="0" hangingPunct="1">
+                        <a:lnSpc>
+                          <a:spcPct val="100000"/>
+                        </a:lnSpc>
+                        <a:spcBef>
+                          <a:spcPts val="0"/>
+                        </a:spcBef>
+                        <a:spcAft>
+                          <a:spcPts val="0"/>
+                        </a:spcAft>
+                        <a:buClrTx/>
+                        <a:buSzTx/>
+                        <a:buFontTx/>
+                        <a:buNone/>
+                        <a:tabLst/>
+                        <a:defRPr/>
+                      </a:pPr>
+                      <a:r>
+                        <a:rPr lang="nl-BE" dirty="0"/>
+                        <a:t>Philippe </a:t>
+                      </a:r>
+                      <a:r>
+                        <a:rPr lang="nl-BE" dirty="0" err="1"/>
+                        <a:t>Laffineur</a:t>
+                      </a:r>
+                      <a:endParaRPr lang="nl-BE" dirty="0"/>
+                    </a:p>
+                  </a:txBody>
+                  <a:tcPr>
+                    <a:lnL w="12700" cap="flat" cmpd="sng" algn="ctr">
+                      <a:solidFill>
+                        <a:schemeClr val="tx1"/>
+                      </a:solidFill>
+                      <a:prstDash val="solid"/>
+                      <a:round/>
+                      <a:headEnd type="none" w="med" len="med"/>
+                      <a:tailEnd type="none" w="med" len="med"/>
+                    </a:lnL>
+                  </a:tcPr>
+                </a:tc>
+                <a:tc>
+                  <a:txBody>
+                    <a:bodyPr/>
+                    <a:lstStyle/>
+                    <a:p>
+                      <a:pPr marL="0" marR="0" lvl="0" indent="0" algn="l" defTabSz="914400" rtl="0" eaLnBrk="1" fontAlgn="auto" latinLnBrk="0" hangingPunct="1">
+                        <a:lnSpc>
+                          <a:spcPct val="100000"/>
+                        </a:lnSpc>
+                        <a:spcBef>
+                          <a:spcPts val="0"/>
+                        </a:spcBef>
+                        <a:spcAft>
+                          <a:spcPts val="0"/>
+                        </a:spcAft>
+                        <a:buClrTx/>
+                        <a:buSzTx/>
+                        <a:buFontTx/>
+                        <a:buNone/>
+                        <a:tabLst/>
+                        <a:defRPr/>
+                      </a:pPr>
+                      <a:r>
+                        <a:rPr lang="en-US" altLang="nl-BE" sz="1800" dirty="0" err="1">
+                          <a:solidFill>
+                            <a:srgbClr val="333333"/>
+                          </a:solidFill>
+                          <a:latin typeface="Verdana" panose="020B0604030504040204" pitchFamily="34" charset="0"/>
+                        </a:rPr>
+                        <a:t>Dlib</a:t>
+                      </a:r>
+                      <a:r>
+                        <a:rPr lang="en-US" altLang="nl-BE" sz="1800" dirty="0">
+                          <a:solidFill>
+                            <a:srgbClr val="333333"/>
+                          </a:solidFill>
+                          <a:latin typeface="Verdana" panose="020B0604030504040204" pitchFamily="34" charset="0"/>
+                        </a:rPr>
+                        <a:t> Head</a:t>
+                      </a:r>
+                      <a:endParaRPr lang="nl-BE" dirty="0"/>
+                    </a:p>
+                  </a:txBody>
+                  <a:tcPr/>
+                </a:tc>
+                <a:tc>
+                  <a:txBody>
+                    <a:bodyPr/>
+                    <a:lstStyle/>
+                    <a:p>
+                      <a:pPr marL="0" marR="0" lvl="0" indent="0" algn="l" defTabSz="914400" rtl="0" eaLnBrk="1" fontAlgn="auto" latinLnBrk="0" hangingPunct="1">
+                        <a:lnSpc>
+                          <a:spcPct val="100000"/>
+                        </a:lnSpc>
+                        <a:spcBef>
+                          <a:spcPts val="0"/>
+                        </a:spcBef>
+                        <a:spcAft>
+                          <a:spcPts val="0"/>
+                        </a:spcAft>
+                        <a:buClrTx/>
+                        <a:buSzTx/>
+                        <a:buFontTx/>
+                        <a:buNone/>
+                        <a:tabLst/>
+                        <a:defRPr/>
+                      </a:pPr>
+                      <a:r>
+                        <a:rPr lang="en-US" altLang="nl-BE" sz="1800" dirty="0" err="1">
+                          <a:solidFill>
+                            <a:srgbClr val="333333"/>
+                          </a:solidFill>
+                          <a:latin typeface="Verdana" panose="020B0604030504040204" pitchFamily="34" charset="0"/>
+                        </a:rPr>
+                        <a:t>Dlib</a:t>
+                      </a:r>
+                      <a:r>
+                        <a:rPr lang="en-US" altLang="nl-BE" sz="1800" dirty="0">
+                          <a:solidFill>
+                            <a:srgbClr val="333333"/>
+                          </a:solidFill>
+                          <a:latin typeface="Verdana" panose="020B0604030504040204" pitchFamily="34" charset="0"/>
+                        </a:rPr>
+                        <a:t> Head</a:t>
+                      </a:r>
+                      <a:endParaRPr lang="nl-BE" dirty="0"/>
+                    </a:p>
+                  </a:txBody>
+                  <a:tcPr/>
+                </a:tc>
+                <a:tc>
+                  <a:txBody>
+                    <a:bodyPr/>
+                    <a:lstStyle/>
+                    <a:p>
+                      <a:pPr marL="0" marR="0" lvl="0" indent="0" algn="l" defTabSz="914400" rtl="0" eaLnBrk="1" fontAlgn="auto" latinLnBrk="0" hangingPunct="1">
+                        <a:lnSpc>
+                          <a:spcPct val="100000"/>
+                        </a:lnSpc>
+                        <a:spcBef>
+                          <a:spcPts val="0"/>
+                        </a:spcBef>
+                        <a:spcAft>
+                          <a:spcPts val="0"/>
+                        </a:spcAft>
+                        <a:buClrTx/>
+                        <a:buSzTx/>
+                        <a:buFontTx/>
+                        <a:buNone/>
+                        <a:tabLst/>
+                        <a:defRPr/>
+                      </a:pPr>
+                      <a:r>
+                        <a:rPr lang="en-US" altLang="nl-BE" sz="1800" dirty="0" err="1">
+                          <a:solidFill>
+                            <a:srgbClr val="333333"/>
+                          </a:solidFill>
+                          <a:latin typeface="Verdana" panose="020B0604030504040204" pitchFamily="34" charset="0"/>
+                        </a:rPr>
+                        <a:t>Dlib</a:t>
+                      </a:r>
+                      <a:r>
+                        <a:rPr lang="en-US" altLang="nl-BE" sz="1800" dirty="0">
+                          <a:solidFill>
+                            <a:srgbClr val="333333"/>
+                          </a:solidFill>
+                          <a:latin typeface="Verdana" panose="020B0604030504040204" pitchFamily="34" charset="0"/>
+                        </a:rPr>
+                        <a:t> Head</a:t>
+                      </a:r>
+                      <a:endParaRPr lang="nl-BE" dirty="0"/>
+                    </a:p>
+                  </a:txBody>
+                  <a:tcPr/>
+                </a:tc>
+                <a:tc>
+                  <a:txBody>
+                    <a:bodyPr/>
+                    <a:lstStyle/>
+                    <a:p>
+                      <a:pPr marL="0" marR="0" lvl="0" indent="0" algn="l" defTabSz="914400" rtl="0" eaLnBrk="1" fontAlgn="auto" latinLnBrk="0" hangingPunct="1">
+                        <a:lnSpc>
+                          <a:spcPct val="100000"/>
+                        </a:lnSpc>
+                        <a:spcBef>
+                          <a:spcPts val="0"/>
+                        </a:spcBef>
+                        <a:spcAft>
+                          <a:spcPts val="0"/>
+                        </a:spcAft>
+                        <a:buClrTx/>
+                        <a:buSzTx/>
+                        <a:buFontTx/>
+                        <a:buNone/>
+                        <a:tabLst/>
+                        <a:defRPr/>
+                      </a:pPr>
+                      <a:r>
+                        <a:rPr lang="en-US" altLang="nl-BE" sz="1800" dirty="0" err="1">
+                          <a:solidFill>
+                            <a:srgbClr val="333333"/>
+                          </a:solidFill>
+                          <a:latin typeface="Verdana" panose="020B0604030504040204" pitchFamily="34" charset="0"/>
+                        </a:rPr>
+                        <a:t>Dlib</a:t>
+                      </a:r>
+                      <a:r>
+                        <a:rPr lang="en-US" altLang="nl-BE" sz="1800" dirty="0">
+                          <a:solidFill>
+                            <a:srgbClr val="333333"/>
+                          </a:solidFill>
+                          <a:latin typeface="Verdana" panose="020B0604030504040204" pitchFamily="34" charset="0"/>
+                        </a:rPr>
+                        <a:t> Head</a:t>
+                      </a:r>
+                      <a:endParaRPr lang="nl-BE" dirty="0"/>
+                    </a:p>
+                  </a:txBody>
+                  <a:tcPr>
+                    <a:lnR w="12700" cap="flat" cmpd="sng" algn="ctr">
+                      <a:solidFill>
+                        <a:schemeClr val="tx1"/>
+                      </a:solidFill>
+                      <a:prstDash val="solid"/>
+                      <a:round/>
+                      <a:headEnd type="none" w="med" len="med"/>
+                      <a:tailEnd type="none" w="med" len="med"/>
+                    </a:lnR>
+                  </a:tcPr>
+                </a:tc>
+                <a:extLst>
+                  <a:ext uri="{0D108BD9-81ED-4DB2-BD59-A6C34878D82A}">
+                    <a16:rowId xmlns:a16="http://schemas.microsoft.com/office/drawing/2014/main" val="4226429342"/>
+                  </a:ext>
+                </a:extLst>
+              </a:tr>
+              <a:tr h="370840">
+                <a:tc>
+                  <a:txBody>
+                    <a:bodyPr/>
+                    <a:lstStyle/>
+                    <a:p>
+                      <a:pPr marL="0" marR="0" lvl="0" indent="0" algn="l" defTabSz="914400" rtl="0" eaLnBrk="1" fontAlgn="auto" latinLnBrk="0" hangingPunct="1">
+                        <a:lnSpc>
+                          <a:spcPct val="100000"/>
+                        </a:lnSpc>
+                        <a:spcBef>
+                          <a:spcPts val="0"/>
+                        </a:spcBef>
+                        <a:spcAft>
+                          <a:spcPts val="0"/>
+                        </a:spcAft>
+                        <a:buClrTx/>
+                        <a:buSzTx/>
+                        <a:buFontTx/>
+                        <a:buNone/>
+                        <a:tabLst/>
+                        <a:defRPr/>
+                      </a:pPr>
+                      <a:r>
+                        <a:rPr lang="nl-BE" dirty="0" err="1"/>
+                        <a:t>Tjorben</a:t>
+                      </a:r>
+                      <a:r>
+                        <a:rPr lang="nl-BE" dirty="0"/>
+                        <a:t> </a:t>
+                      </a:r>
+                      <a:r>
+                        <a:rPr lang="nl-BE" dirty="0" err="1"/>
+                        <a:t>Godeau</a:t>
+                      </a:r>
+                      <a:endParaRPr lang="nl-BE" dirty="0"/>
+                    </a:p>
+                  </a:txBody>
+                  <a:tcPr>
+                    <a:lnL w="12700" cap="flat" cmpd="sng" algn="ctr">
+                      <a:solidFill>
+                        <a:schemeClr val="tx1"/>
+                      </a:solidFill>
+                      <a:prstDash val="solid"/>
+                      <a:round/>
+                      <a:headEnd type="none" w="med" len="med"/>
+                      <a:tailEnd type="none" w="med" len="med"/>
+                    </a:lnL>
+                    <a:lnB w="12700" cap="flat" cmpd="sng" algn="ctr">
+                      <a:solidFill>
+                        <a:schemeClr val="tx1"/>
+                      </a:solidFill>
+                      <a:prstDash val="solid"/>
+                      <a:round/>
+                      <a:headEnd type="none" w="med" len="med"/>
+                      <a:tailEnd type="none" w="med" len="med"/>
+                    </a:lnB>
+                  </a:tcPr>
+                </a:tc>
+                <a:tc>
+                  <a:txBody>
+                    <a:bodyPr/>
+                    <a:lstStyle/>
+                    <a:p>
+                      <a:pPr marL="0" marR="0" lvl="0" indent="0" algn="l" defTabSz="914400" rtl="0" eaLnBrk="1" fontAlgn="auto" latinLnBrk="0" hangingPunct="1">
+                        <a:lnSpc>
+                          <a:spcPct val="100000"/>
+                        </a:lnSpc>
+                        <a:spcBef>
+                          <a:spcPts val="0"/>
+                        </a:spcBef>
+                        <a:spcAft>
+                          <a:spcPts val="0"/>
+                        </a:spcAft>
+                        <a:buClrTx/>
+                        <a:buSzTx/>
+                        <a:buFontTx/>
+                        <a:buNone/>
+                        <a:tabLst/>
+                        <a:defRPr/>
+                      </a:pPr>
+                      <a:r>
+                        <a:rPr lang="en-US" altLang="nl-BE" sz="1800" dirty="0">
+                          <a:solidFill>
+                            <a:srgbClr val="333333"/>
+                          </a:solidFill>
+                          <a:latin typeface="Verdana" panose="020B0604030504040204" pitchFamily="34" charset="0"/>
+                        </a:rPr>
+                        <a:t>Adding Restrictions</a:t>
+                      </a:r>
+                    </a:p>
+                  </a:txBody>
+                  <a:tcPr>
+                    <a:lnB w="12700" cap="flat" cmpd="sng" algn="ctr">
+                      <a:solidFill>
+                        <a:schemeClr val="tx1"/>
+                      </a:solidFill>
+                      <a:prstDash val="solid"/>
+                      <a:round/>
+                      <a:headEnd type="none" w="med" len="med"/>
+                      <a:tailEnd type="none" w="med" len="med"/>
+                    </a:lnB>
+                  </a:tcPr>
+                </a:tc>
+                <a:tc>
+                  <a:txBody>
+                    <a:bodyPr/>
+                    <a:lstStyle/>
+                    <a:p>
+                      <a:pPr marL="0" marR="0" lvl="0" indent="0" algn="l" defTabSz="914400" rtl="0" eaLnBrk="1" fontAlgn="auto" latinLnBrk="0" hangingPunct="1">
+                        <a:lnSpc>
+                          <a:spcPct val="100000"/>
+                        </a:lnSpc>
+                        <a:spcBef>
+                          <a:spcPts val="0"/>
+                        </a:spcBef>
+                        <a:spcAft>
+                          <a:spcPts val="0"/>
+                        </a:spcAft>
+                        <a:buClrTx/>
+                        <a:buSzTx/>
+                        <a:buFontTx/>
+                        <a:buNone/>
+                        <a:tabLst/>
+                        <a:defRPr/>
+                      </a:pPr>
+                      <a:r>
+                        <a:rPr lang="en-US" altLang="nl-BE" sz="1800" dirty="0">
+                          <a:solidFill>
+                            <a:srgbClr val="333333"/>
+                          </a:solidFill>
+                          <a:latin typeface="Verdana" panose="020B0604030504040204" pitchFamily="34" charset="0"/>
+                        </a:rPr>
+                        <a:t>Adding Restrictions</a:t>
+                      </a:r>
+                    </a:p>
+                  </a:txBody>
+                  <a:tcPr>
+                    <a:lnB w="12700" cap="flat" cmpd="sng" algn="ctr">
+                      <a:solidFill>
+                        <a:schemeClr val="tx1"/>
+                      </a:solidFill>
+                      <a:prstDash val="solid"/>
+                      <a:round/>
+                      <a:headEnd type="none" w="med" len="med"/>
+                      <a:tailEnd type="none" w="med" len="med"/>
+                    </a:lnB>
+                  </a:tcPr>
+                </a:tc>
+                <a:tc>
+                  <a:txBody>
+                    <a:bodyPr/>
+                    <a:lstStyle/>
+                    <a:p>
+                      <a:pPr marL="0" marR="0" lvl="0" indent="0" algn="l" defTabSz="914400" rtl="0" eaLnBrk="1" fontAlgn="auto" latinLnBrk="0" hangingPunct="1">
+                        <a:lnSpc>
+                          <a:spcPct val="100000"/>
+                        </a:lnSpc>
+                        <a:spcBef>
+                          <a:spcPts val="0"/>
+                        </a:spcBef>
+                        <a:spcAft>
+                          <a:spcPts val="0"/>
+                        </a:spcAft>
+                        <a:buClrTx/>
+                        <a:buSzTx/>
+                        <a:buFontTx/>
+                        <a:buNone/>
+                        <a:tabLst/>
+                        <a:defRPr/>
+                      </a:pPr>
+                      <a:r>
+                        <a:rPr lang="en-US" altLang="nl-BE" sz="1800" dirty="0">
+                          <a:solidFill>
+                            <a:srgbClr val="333333"/>
+                          </a:solidFill>
+                          <a:latin typeface="Verdana" panose="020B0604030504040204" pitchFamily="34" charset="0"/>
+                        </a:rPr>
+                        <a:t>Adding Restrictions</a:t>
+                      </a:r>
+                    </a:p>
+                  </a:txBody>
+                  <a:tcPr>
+                    <a:lnB w="12700" cap="flat" cmpd="sng" algn="ctr">
+                      <a:solidFill>
+                        <a:schemeClr val="tx1"/>
+                      </a:solidFill>
+                      <a:prstDash val="solid"/>
+                      <a:round/>
+                      <a:headEnd type="none" w="med" len="med"/>
+                      <a:tailEnd type="none" w="med" len="med"/>
+                    </a:lnB>
+                  </a:tcPr>
+                </a:tc>
+                <a:tc>
+                  <a:txBody>
+                    <a:bodyPr/>
+                    <a:lstStyle/>
+                    <a:p>
+                      <a:pPr marL="0" marR="0" lvl="0" indent="0" algn="l" defTabSz="914400" rtl="0" eaLnBrk="1" fontAlgn="auto" latinLnBrk="0" hangingPunct="1">
+                        <a:lnSpc>
+                          <a:spcPct val="100000"/>
+                        </a:lnSpc>
+                        <a:spcBef>
+                          <a:spcPts val="0"/>
+                        </a:spcBef>
+                        <a:spcAft>
+                          <a:spcPts val="0"/>
+                        </a:spcAft>
+                        <a:buClrTx/>
+                        <a:buSzTx/>
+                        <a:buFontTx/>
+                        <a:buNone/>
+                        <a:tabLst/>
+                        <a:defRPr/>
+                      </a:pPr>
+                      <a:r>
+                        <a:rPr lang="en-US" altLang="nl-BE" sz="1800">
+                          <a:solidFill>
+                            <a:srgbClr val="333333"/>
+                          </a:solidFill>
+                          <a:latin typeface="Verdana" panose="020B0604030504040204" pitchFamily="34" charset="0"/>
+                        </a:rPr>
+                        <a:t>Adding Restrictions</a:t>
+                      </a:r>
+                    </a:p>
+                  </a:txBody>
+                  <a:tcPr>
+                    <a:lnR w="12700" cap="flat" cmpd="sng" algn="ctr">
+                      <a:solidFill>
+                        <a:schemeClr val="tx1"/>
+                      </a:solidFill>
+                      <a:prstDash val="solid"/>
+                      <a:round/>
+                      <a:headEnd type="none" w="med" len="med"/>
+                      <a:tailEnd type="none" w="med" len="med"/>
+                    </a:lnR>
+                    <a:lnB w="12700" cap="flat" cmpd="sng" algn="ctr">
+                      <a:solidFill>
+                        <a:schemeClr val="tx1"/>
+                      </a:solidFill>
+                      <a:prstDash val="solid"/>
+                      <a:round/>
+                      <a:headEnd type="none" w="med" len="med"/>
+                      <a:tailEnd type="none" w="med" len="med"/>
+                    </a:lnB>
+                  </a:tcPr>
+                </a:tc>
+                <a:extLst>
+                  <a:ext uri="{0D108BD9-81ED-4DB2-BD59-A6C34878D82A}">
+                    <a16:rowId xmlns:a16="http://schemas.microsoft.com/office/drawing/2014/main" val="3156394708"/>
+                  </a:ext>
+                </a:extLst>
+              </a:tr>
+            </a:tbl>
+          </a:graphicData>
+        </a:graphic>
+      </p:graphicFrame>
+      <p:sp>
+        <p:nvSpPr>
+          <p:cNvPr id="32" name="Rectangle 8">
+            <a:extLst>
+              <a:ext uri="{FF2B5EF4-FFF2-40B4-BE49-F238E27FC236}">
+                <a16:creationId xmlns:a16="http://schemas.microsoft.com/office/drawing/2014/main" id="{8532E473-3AD0-1ACA-DBD6-4C38F717FFAD}"/>
+              </a:ext>
+            </a:extLst>
+          </p:cNvPr>
+          <p:cNvSpPr>
+            <a:spLocks noChangeArrowheads="1"/>
+          </p:cNvSpPr>
+          <p:nvPr/>
+        </p:nvSpPr>
+        <p:spPr bwMode="auto">
+          <a:xfrm>
+            <a:off x="576000" y="3212786"/>
+            <a:ext cx="11311200" cy="304800"/>
+          </a:xfrm>
+          <a:prstGeom prst="rect">
+            <a:avLst/>
+          </a:prstGeom>
+          <a:solidFill>
+            <a:schemeClr val="tx2">
+              <a:lumMod val="75000"/>
+            </a:schemeClr>
+          </a:solidFill>
+          <a:ln w="9525">
+            <a:solidFill>
+              <a:srgbClr val="333333"/>
+            </a:solidFill>
+            <a:miter lim="800000"/>
+            <a:headEnd/>
+            <a:tailEnd/>
+          </a:ln>
+          <a:effectLst/>
+        </p:spPr>
+        <p:txBody>
+          <a:bodyPr wrap="none" anchor="ctr"/>
+          <a:lstStyle/>
+          <a:p>
+            <a:r>
+              <a:rPr lang="en-US" altLang="nl-BE" sz="1400" b="1" dirty="0" err="1">
+                <a:solidFill>
+                  <a:schemeClr val="bg1"/>
+                </a:solidFill>
+                <a:latin typeface="Verdana" panose="020B0604030504040204" pitchFamily="34" charset="0"/>
+              </a:rPr>
+              <a:t>Uitgevoerde</a:t>
+            </a:r>
+            <a:r>
+              <a:rPr lang="en-US" altLang="nl-BE" sz="1400" b="1" dirty="0">
+                <a:solidFill>
+                  <a:schemeClr val="bg1"/>
+                </a:solidFill>
+                <a:latin typeface="Verdana" panose="020B0604030504040204" pitchFamily="34" charset="0"/>
+              </a:rPr>
+              <a:t> taken </a:t>
+            </a:r>
+            <a:r>
+              <a:rPr lang="en-US" altLang="nl-BE" sz="1400" b="1" dirty="0" err="1">
+                <a:solidFill>
+                  <a:schemeClr val="bg1"/>
+                </a:solidFill>
+                <a:latin typeface="Verdana" panose="020B0604030504040204" pitchFamily="34" charset="0"/>
+              </a:rPr>
+              <a:t>tijdens</a:t>
+            </a:r>
+            <a:r>
+              <a:rPr lang="en-US" altLang="nl-BE" sz="1400" b="1" dirty="0">
+                <a:solidFill>
+                  <a:schemeClr val="bg1"/>
+                </a:solidFill>
+                <a:latin typeface="Verdana" panose="020B0604030504040204" pitchFamily="34" charset="0"/>
+              </a:rPr>
+              <a:t> </a:t>
+            </a:r>
+            <a:r>
+              <a:rPr lang="en-US" altLang="nl-BE" sz="1400" b="1" dirty="0" err="1">
+                <a:solidFill>
+                  <a:schemeClr val="bg1"/>
+                </a:solidFill>
+                <a:latin typeface="Verdana" panose="020B0604030504040204" pitchFamily="34" charset="0"/>
+              </a:rPr>
+              <a:t>teamzitting</a:t>
+            </a:r>
+            <a:endParaRPr lang="en-US" altLang="nl-BE" sz="1400" b="1" dirty="0">
+              <a:solidFill>
+                <a:schemeClr val="bg1"/>
+              </a:solidFill>
+              <a:latin typeface="Verdana" panose="020B0604030504040204" pitchFamily="34" charset="0"/>
+            </a:endParaRPr>
+          </a:p>
+        </p:txBody>
+      </p:sp>
+      <p:sp>
+        <p:nvSpPr>
+          <p:cNvPr id="33" name="Rectangle 7">
+            <a:extLst>
+              <a:ext uri="{FF2B5EF4-FFF2-40B4-BE49-F238E27FC236}">
+                <a16:creationId xmlns:a16="http://schemas.microsoft.com/office/drawing/2014/main" id="{8C784DF3-91D0-06EA-41CD-A662AB28C0FF}"/>
+              </a:ext>
+            </a:extLst>
+          </p:cNvPr>
+          <p:cNvSpPr>
+            <a:spLocks noChangeArrowheads="1"/>
+          </p:cNvSpPr>
+          <p:nvPr/>
+        </p:nvSpPr>
+        <p:spPr bwMode="auto">
+          <a:xfrm>
+            <a:off x="6946320" y="695718"/>
+            <a:ext cx="4940880" cy="1018404"/>
+          </a:xfrm>
+          <a:prstGeom prst="rect">
+            <a:avLst/>
+          </a:prstGeom>
+          <a:noFill/>
+          <a:ln w="9525">
+            <a:solidFill>
+              <a:srgbClr val="333333"/>
+            </a:solidFill>
+            <a:miter lim="800000"/>
+            <a:headEnd/>
+            <a:tailEnd/>
+          </a:ln>
+          <a:effectLst/>
+          <a:extLst>
+            <a:ext uri="{909E8E84-426E-40DD-AFC4-6F175D3DCCD1}">
+              <a14:hiddenFill xmlns:a14="http://schemas.microsoft.com/office/drawing/2010/main">
+                <a:solidFill>
+                  <a:schemeClr val="accent1"/>
+                </a:solidFill>
+              </a14:hiddenFill>
+            </a:ext>
+            <a:ext uri="{AF507438-7753-43E0-B8FC-AC1667EBCBE1}">
+              <a14:hiddenEffects xmlns:a14="http://schemas.microsoft.com/office/drawing/2010/main">
+                <a:effectLst>
+                  <a:outerShdw dist="35921" dir="2700000" algn="ctr" rotWithShape="0">
+                    <a:schemeClr val="bg2"/>
+                  </a:outerShdw>
+                </a:effectLst>
+              </a14:hiddenEffects>
+            </a:ext>
+          </a:extLst>
+        </p:spPr>
+        <p:txBody>
+          <a:bodyPr wrap="none" anchor="ctr"/>
+          <a:lstStyle/>
+          <a:p>
+            <a:endParaRPr lang="nl-BE"/>
+          </a:p>
+        </p:txBody>
+      </p:sp>
+      <p:sp>
+        <p:nvSpPr>
+          <p:cNvPr id="34" name="Rectangle 8">
+            <a:extLst>
+              <a:ext uri="{FF2B5EF4-FFF2-40B4-BE49-F238E27FC236}">
+                <a16:creationId xmlns:a16="http://schemas.microsoft.com/office/drawing/2014/main" id="{DAE5054B-71F1-C2E9-80C9-BD8557A87D5A}"/>
+              </a:ext>
+            </a:extLst>
+          </p:cNvPr>
+          <p:cNvSpPr>
+            <a:spLocks noChangeArrowheads="1"/>
+          </p:cNvSpPr>
+          <p:nvPr/>
+        </p:nvSpPr>
+        <p:spPr bwMode="auto">
+          <a:xfrm>
+            <a:off x="6946320" y="695718"/>
+            <a:ext cx="4940880" cy="304800"/>
+          </a:xfrm>
+          <a:prstGeom prst="rect">
+            <a:avLst/>
+          </a:prstGeom>
+          <a:solidFill>
+            <a:schemeClr val="tx2">
+              <a:lumMod val="75000"/>
+            </a:schemeClr>
+          </a:solidFill>
+          <a:ln w="9525">
+            <a:solidFill>
+              <a:srgbClr val="333333"/>
+            </a:solidFill>
+            <a:miter lim="800000"/>
+            <a:headEnd/>
+            <a:tailEnd/>
+          </a:ln>
+          <a:effectLst/>
+        </p:spPr>
+        <p:txBody>
+          <a:bodyPr wrap="none" anchor="ctr"/>
+          <a:lstStyle/>
+          <a:p>
+            <a:r>
+              <a:rPr lang="en-US" altLang="nl-BE" sz="1400" b="1" dirty="0" err="1">
+                <a:solidFill>
+                  <a:schemeClr val="bg1"/>
+                </a:solidFill>
+                <a:latin typeface="Verdana" panose="020B0604030504040204" pitchFamily="34" charset="0"/>
+              </a:rPr>
+              <a:t>Voltooide</a:t>
+            </a:r>
+            <a:r>
+              <a:rPr lang="en-US" altLang="nl-BE" sz="1400" b="1" dirty="0">
+                <a:solidFill>
+                  <a:schemeClr val="bg1"/>
+                </a:solidFill>
+                <a:latin typeface="Verdana" panose="020B0604030504040204" pitchFamily="34" charset="0"/>
+              </a:rPr>
+              <a:t> </a:t>
+            </a:r>
+            <a:r>
+              <a:rPr lang="en-US" altLang="nl-BE" sz="1400" b="1" dirty="0" err="1">
+                <a:solidFill>
+                  <a:schemeClr val="bg1"/>
+                </a:solidFill>
+                <a:latin typeface="Verdana" panose="020B0604030504040204" pitchFamily="34" charset="0"/>
+              </a:rPr>
+              <a:t>acties</a:t>
+            </a:r>
+            <a:r>
+              <a:rPr lang="en-US" altLang="nl-BE" sz="1400" b="1" dirty="0">
+                <a:solidFill>
+                  <a:schemeClr val="bg1"/>
+                </a:solidFill>
+                <a:latin typeface="Verdana" panose="020B0604030504040204" pitchFamily="34" charset="0"/>
+              </a:rPr>
+              <a:t> – </a:t>
+            </a:r>
+            <a:r>
+              <a:rPr lang="en-US" altLang="nl-BE" sz="1400" b="1" dirty="0" err="1">
+                <a:solidFill>
+                  <a:schemeClr val="bg1"/>
+                </a:solidFill>
+                <a:latin typeface="Verdana" panose="020B0604030504040204" pitchFamily="34" charset="0"/>
+              </a:rPr>
+              <a:t>mijlpalen</a:t>
+            </a:r>
+            <a:endParaRPr lang="en-US" altLang="nl-BE" sz="1400" b="1" dirty="0">
+              <a:solidFill>
+                <a:schemeClr val="bg1"/>
+              </a:solidFill>
+              <a:latin typeface="Verdana" panose="020B0604030504040204" pitchFamily="34" charset="0"/>
+            </a:endParaRPr>
+          </a:p>
+        </p:txBody>
+      </p:sp>
+      <p:sp>
+        <p:nvSpPr>
+          <p:cNvPr id="35" name="Rectangle 20">
+            <a:extLst>
+              <a:ext uri="{FF2B5EF4-FFF2-40B4-BE49-F238E27FC236}">
+                <a16:creationId xmlns:a16="http://schemas.microsoft.com/office/drawing/2014/main" id="{CA220699-8C1A-C150-E2CF-34C808F65288}"/>
+              </a:ext>
+            </a:extLst>
+          </p:cNvPr>
+          <p:cNvSpPr>
+            <a:spLocks noChangeArrowheads="1"/>
+          </p:cNvSpPr>
+          <p:nvPr/>
+        </p:nvSpPr>
+        <p:spPr bwMode="auto">
+          <a:xfrm>
+            <a:off x="6946320" y="1017296"/>
+            <a:ext cx="4940880" cy="713604"/>
+          </a:xfrm>
+          <a:prstGeom prst="rect">
+            <a:avLst/>
+          </a:prstGeom>
+          <a:noFill/>
+          <a:ln>
+            <a:noFill/>
+          </a:ln>
+          <a:effectLst/>
+          <a:extLst>
+            <a:ext uri="{909E8E84-426E-40DD-AFC4-6F175D3DCCD1}">
+              <a14:hiddenFill xmlns:a14="http://schemas.microsoft.com/office/drawing/2010/main">
+                <a:solidFill>
+                  <a:srgbClr val="333333"/>
+                </a:solidFill>
+              </a14:hiddenFill>
+            </a:ext>
+            <a:ext uri="{91240B29-F687-4F45-9708-019B960494DF}">
+              <a14:hiddenLine xmlns:a14="http://schemas.microsoft.com/office/drawing/2010/main" w="9525">
+                <a:solidFill>
+                  <a:srgbClr val="333333"/>
+                </a:solidFill>
+                <a:miter lim="800000"/>
+                <a:headEnd/>
+                <a:tailEnd/>
+              </a14:hiddenLine>
+            </a:ext>
+            <a:ext uri="{AF507438-7753-43E0-B8FC-AC1667EBCBE1}">
+              <a14:hiddenEffects xmlns:a14="http://schemas.microsoft.com/office/drawing/2010/main">
+                <a:effectLst>
+                  <a:outerShdw dist="35921" dir="2700000" algn="ctr" rotWithShape="0">
+                    <a:schemeClr val="bg2"/>
+                  </a:outerShdw>
+                </a:effectLst>
+              </a14:hiddenEffects>
+            </a:ext>
+          </a:extLst>
+        </p:spPr>
+        <p:txBody>
+          <a:bodyPr wrap="none"/>
+          <a:lstStyle/>
+          <a:p>
+            <a:endParaRPr lang="en-US" altLang="nl-BE" sz="1200" dirty="0">
+              <a:solidFill>
+                <a:srgbClr val="333333"/>
+              </a:solidFill>
+              <a:latin typeface="Verdana" panose="020B0604030504040204" pitchFamily="34" charset="0"/>
+            </a:endParaRPr>
+          </a:p>
+        </p:txBody>
+      </p:sp>
+      <p:sp>
+        <p:nvSpPr>
+          <p:cNvPr id="36" name="Rectangle 7">
+            <a:extLst>
+              <a:ext uri="{FF2B5EF4-FFF2-40B4-BE49-F238E27FC236}">
+                <a16:creationId xmlns:a16="http://schemas.microsoft.com/office/drawing/2014/main" id="{E522FAAD-4C4E-A54F-A8AD-49240F449D94}"/>
+              </a:ext>
+            </a:extLst>
+          </p:cNvPr>
+          <p:cNvSpPr>
+            <a:spLocks noChangeArrowheads="1"/>
+          </p:cNvSpPr>
+          <p:nvPr/>
+        </p:nvSpPr>
+        <p:spPr bwMode="auto">
+          <a:xfrm>
+            <a:off x="6946320" y="1901580"/>
+            <a:ext cx="4940880" cy="1152124"/>
+          </a:xfrm>
+          <a:prstGeom prst="rect">
+            <a:avLst/>
+          </a:prstGeom>
+          <a:noFill/>
+          <a:ln w="9525">
+            <a:solidFill>
+              <a:srgbClr val="333333"/>
+            </a:solidFill>
+            <a:miter lim="800000"/>
+            <a:headEnd/>
+            <a:tailEnd/>
+          </a:ln>
+          <a:effectLst/>
+          <a:extLst>
+            <a:ext uri="{909E8E84-426E-40DD-AFC4-6F175D3DCCD1}">
+              <a14:hiddenFill xmlns:a14="http://schemas.microsoft.com/office/drawing/2010/main">
+                <a:solidFill>
+                  <a:schemeClr val="accent1"/>
+                </a:solidFill>
+              </a14:hiddenFill>
+            </a:ext>
+            <a:ext uri="{AF507438-7753-43E0-B8FC-AC1667EBCBE1}">
+              <a14:hiddenEffects xmlns:a14="http://schemas.microsoft.com/office/drawing/2010/main">
+                <a:effectLst>
+                  <a:outerShdw dist="35921" dir="2700000" algn="ctr" rotWithShape="0">
+                    <a:schemeClr val="bg2"/>
+                  </a:outerShdw>
+                </a:effectLst>
+              </a14:hiddenEffects>
+            </a:ext>
+          </a:extLst>
+        </p:spPr>
+        <p:txBody>
+          <a:bodyPr wrap="none" anchor="ctr"/>
+          <a:lstStyle/>
+          <a:p>
+            <a:endParaRPr lang="nl-BE"/>
+          </a:p>
+        </p:txBody>
+      </p:sp>
+      <p:sp>
+        <p:nvSpPr>
+          <p:cNvPr id="37" name="Rectangle 8">
+            <a:extLst>
+              <a:ext uri="{FF2B5EF4-FFF2-40B4-BE49-F238E27FC236}">
+                <a16:creationId xmlns:a16="http://schemas.microsoft.com/office/drawing/2014/main" id="{27D7948D-3EDF-A9AD-5576-B7B4C9037342}"/>
+              </a:ext>
+            </a:extLst>
+          </p:cNvPr>
+          <p:cNvSpPr>
+            <a:spLocks noChangeArrowheads="1"/>
+          </p:cNvSpPr>
+          <p:nvPr/>
+        </p:nvSpPr>
+        <p:spPr bwMode="auto">
+          <a:xfrm>
+            <a:off x="6946320" y="1901580"/>
+            <a:ext cx="4940880" cy="304800"/>
+          </a:xfrm>
+          <a:prstGeom prst="rect">
+            <a:avLst/>
+          </a:prstGeom>
+          <a:solidFill>
+            <a:schemeClr val="tx2">
+              <a:lumMod val="75000"/>
+            </a:schemeClr>
+          </a:solidFill>
+          <a:ln w="9525">
+            <a:solidFill>
+              <a:srgbClr val="333333"/>
+            </a:solidFill>
+            <a:miter lim="800000"/>
+            <a:headEnd/>
+            <a:tailEnd/>
+          </a:ln>
+          <a:effectLst/>
+        </p:spPr>
+        <p:txBody>
+          <a:bodyPr wrap="none" anchor="ctr"/>
+          <a:lstStyle/>
+          <a:p>
+            <a:r>
+              <a:rPr lang="en-US" altLang="nl-BE" sz="1400" b="1" dirty="0" err="1">
+                <a:solidFill>
+                  <a:schemeClr val="bg1"/>
+                </a:solidFill>
+                <a:latin typeface="Verdana" panose="020B0604030504040204" pitchFamily="34" charset="0"/>
+              </a:rPr>
+              <a:t>Lopende</a:t>
+            </a:r>
+            <a:r>
+              <a:rPr lang="en-US" altLang="nl-BE" sz="1400" b="1" dirty="0">
+                <a:solidFill>
+                  <a:schemeClr val="bg1"/>
+                </a:solidFill>
+                <a:latin typeface="Verdana" panose="020B0604030504040204" pitchFamily="34" charset="0"/>
+              </a:rPr>
+              <a:t> </a:t>
+            </a:r>
+            <a:r>
+              <a:rPr lang="en-US" altLang="nl-BE" sz="1400" b="1" dirty="0" err="1">
+                <a:solidFill>
+                  <a:schemeClr val="bg1"/>
+                </a:solidFill>
+                <a:latin typeface="Verdana" panose="020B0604030504040204" pitchFamily="34" charset="0"/>
+              </a:rPr>
+              <a:t>acties</a:t>
+            </a:r>
+            <a:r>
+              <a:rPr lang="en-US" altLang="nl-BE" sz="1400" b="1" dirty="0">
+                <a:solidFill>
+                  <a:schemeClr val="bg1"/>
+                </a:solidFill>
+                <a:latin typeface="Verdana" panose="020B0604030504040204" pitchFamily="34" charset="0"/>
+              </a:rPr>
+              <a:t> – </a:t>
+            </a:r>
+            <a:r>
+              <a:rPr lang="en-US" altLang="nl-BE" sz="1400" b="1" dirty="0" err="1">
+                <a:solidFill>
+                  <a:schemeClr val="bg1"/>
+                </a:solidFill>
+                <a:latin typeface="Verdana" panose="020B0604030504040204" pitchFamily="34" charset="0"/>
+              </a:rPr>
+              <a:t>volgende</a:t>
+            </a:r>
+            <a:r>
+              <a:rPr lang="en-US" altLang="nl-BE" sz="1400" b="1" dirty="0">
+                <a:solidFill>
+                  <a:schemeClr val="bg1"/>
+                </a:solidFill>
+                <a:latin typeface="Verdana" panose="020B0604030504040204" pitchFamily="34" charset="0"/>
+              </a:rPr>
+              <a:t> </a:t>
+            </a:r>
+            <a:r>
+              <a:rPr lang="en-US" altLang="nl-BE" sz="1400" b="1" dirty="0" err="1">
+                <a:solidFill>
+                  <a:schemeClr val="bg1"/>
+                </a:solidFill>
+                <a:latin typeface="Verdana" panose="020B0604030504040204" pitchFamily="34" charset="0"/>
+              </a:rPr>
+              <a:t>stappen</a:t>
+            </a:r>
+            <a:endParaRPr lang="en-US" altLang="nl-BE" sz="1400" b="1" dirty="0">
+              <a:solidFill>
+                <a:schemeClr val="bg1"/>
+              </a:solidFill>
+              <a:latin typeface="Verdana" panose="020B0604030504040204" pitchFamily="34" charset="0"/>
+            </a:endParaRPr>
+          </a:p>
+        </p:txBody>
+      </p:sp>
+      <p:sp>
+        <p:nvSpPr>
+          <p:cNvPr id="38" name="Rectangle 20">
+            <a:extLst>
+              <a:ext uri="{FF2B5EF4-FFF2-40B4-BE49-F238E27FC236}">
+                <a16:creationId xmlns:a16="http://schemas.microsoft.com/office/drawing/2014/main" id="{2728EF24-94C7-6A18-7240-28E5437CB6DC}"/>
+              </a:ext>
+            </a:extLst>
+          </p:cNvPr>
+          <p:cNvSpPr>
+            <a:spLocks noChangeArrowheads="1"/>
+          </p:cNvSpPr>
+          <p:nvPr/>
+        </p:nvSpPr>
+        <p:spPr bwMode="auto">
+          <a:xfrm>
+            <a:off x="6946320" y="2206380"/>
+            <a:ext cx="4940880" cy="909872"/>
+          </a:xfrm>
+          <a:prstGeom prst="rect">
+            <a:avLst/>
+          </a:prstGeom>
+          <a:noFill/>
+          <a:ln>
+            <a:noFill/>
+          </a:ln>
+          <a:effectLst/>
+          <a:extLst>
+            <a:ext uri="{909E8E84-426E-40DD-AFC4-6F175D3DCCD1}">
+              <a14:hiddenFill xmlns:a14="http://schemas.microsoft.com/office/drawing/2010/main">
+                <a:solidFill>
+                  <a:srgbClr val="333333"/>
+                </a:solidFill>
+              </a14:hiddenFill>
+            </a:ext>
+            <a:ext uri="{91240B29-F687-4F45-9708-019B960494DF}">
+              <a14:hiddenLine xmlns:a14="http://schemas.microsoft.com/office/drawing/2010/main" w="9525">
+                <a:solidFill>
+                  <a:srgbClr val="333333"/>
+                </a:solidFill>
+                <a:miter lim="800000"/>
+                <a:headEnd/>
+                <a:tailEnd/>
+              </a14:hiddenLine>
+            </a:ext>
+            <a:ext uri="{AF507438-7753-43E0-B8FC-AC1667EBCBE1}">
+              <a14:hiddenEffects xmlns:a14="http://schemas.microsoft.com/office/drawing/2010/main">
+                <a:effectLst>
+                  <a:outerShdw dist="35921" dir="2700000" algn="ctr" rotWithShape="0">
+                    <a:schemeClr val="bg2"/>
+                  </a:outerShdw>
+                </a:effectLst>
+              </a14:hiddenEffects>
+            </a:ext>
+          </a:extLst>
+        </p:spPr>
+        <p:txBody>
+          <a:bodyPr wrap="none"/>
+          <a:lstStyle/>
+          <a:p>
+            <a:endParaRPr lang="en-US" altLang="nl-BE" sz="1200" dirty="0">
+              <a:solidFill>
+                <a:srgbClr val="333333"/>
+              </a:solidFill>
+              <a:latin typeface="Verdana" panose="020B0604030504040204" pitchFamily="34" charset="0"/>
+            </a:endParaRPr>
+          </a:p>
+        </p:txBody>
+      </p:sp>
+      <p:sp>
+        <p:nvSpPr>
+          <p:cNvPr id="6" name="Rectangle 20">
+            <a:extLst>
+              <a:ext uri="{FF2B5EF4-FFF2-40B4-BE49-F238E27FC236}">
+                <a16:creationId xmlns:a16="http://schemas.microsoft.com/office/drawing/2014/main" id="{36B2768F-C43F-065E-FE5D-C9B16EAEA476}"/>
+              </a:ext>
+            </a:extLst>
+          </p:cNvPr>
+          <p:cNvSpPr>
+            <a:spLocks noChangeArrowheads="1"/>
+          </p:cNvSpPr>
+          <p:nvPr/>
+        </p:nvSpPr>
+        <p:spPr bwMode="auto">
+          <a:xfrm>
+            <a:off x="6940800" y="1000518"/>
+            <a:ext cx="4946400" cy="713604"/>
+          </a:xfrm>
+          <a:prstGeom prst="rect">
+            <a:avLst/>
+          </a:prstGeom>
+          <a:noFill/>
+          <a:ln>
+            <a:noFill/>
+          </a:ln>
+          <a:effectLst/>
+          <a:extLst>
+            <a:ext uri="{909E8E84-426E-40DD-AFC4-6F175D3DCCD1}">
+              <a14:hiddenFill xmlns:a14="http://schemas.microsoft.com/office/drawing/2010/main">
+                <a:solidFill>
+                  <a:srgbClr val="333333"/>
+                </a:solidFill>
+              </a14:hiddenFill>
+            </a:ext>
+            <a:ext uri="{91240B29-F687-4F45-9708-019B960494DF}">
+              <a14:hiddenLine xmlns:a14="http://schemas.microsoft.com/office/drawing/2010/main" w="9525">
+                <a:solidFill>
+                  <a:srgbClr val="333333"/>
+                </a:solidFill>
+                <a:miter lim="800000"/>
+                <a:headEnd/>
+                <a:tailEnd/>
+              </a14:hiddenLine>
+            </a:ext>
+            <a:ext uri="{AF507438-7753-43E0-B8FC-AC1667EBCBE1}">
+              <a14:hiddenEffects xmlns:a14="http://schemas.microsoft.com/office/drawing/2010/main">
+                <a:effectLst>
+                  <a:outerShdw dist="35921" dir="2700000" algn="ctr" rotWithShape="0">
+                    <a:schemeClr val="bg2"/>
+                  </a:outerShdw>
+                </a:effectLst>
+              </a14:hiddenEffects>
+            </a:ext>
+          </a:extLst>
+        </p:spPr>
+        <p:txBody>
+          <a:bodyPr wrap="none"/>
+          <a:lstStyle/>
+          <a:p>
+            <a:pPr>
+              <a:buFontTx/>
+              <a:buChar char="•"/>
+            </a:pPr>
+            <a:r>
+              <a:rPr lang="en-US" altLang="nl-BE" sz="1200" dirty="0">
+                <a:solidFill>
+                  <a:srgbClr val="333333"/>
+                </a:solidFill>
+                <a:latin typeface="Verdana" panose="020B0604030504040204" pitchFamily="34" charset="0"/>
+              </a:rPr>
+              <a:t> Gestures</a:t>
+            </a:r>
+          </a:p>
+          <a:p>
+            <a:pPr>
+              <a:buFontTx/>
+              <a:buChar char="•"/>
+            </a:pPr>
+            <a:r>
+              <a:rPr lang="en-US" altLang="nl-BE" sz="1200" dirty="0">
+                <a:solidFill>
+                  <a:srgbClr val="333333"/>
+                </a:solidFill>
+                <a:latin typeface="Verdana" panose="020B0604030504040204" pitchFamily="34" charset="0"/>
+              </a:rPr>
+              <a:t> Integration</a:t>
+            </a:r>
+          </a:p>
+          <a:p>
+            <a:pPr>
+              <a:buFontTx/>
+              <a:buChar char="•"/>
+            </a:pPr>
+            <a:r>
+              <a:rPr lang="en-US" altLang="nl-BE" sz="1200" dirty="0">
+                <a:solidFill>
+                  <a:srgbClr val="333333"/>
+                </a:solidFill>
+                <a:latin typeface="Verdana" panose="020B0604030504040204" pitchFamily="34" charset="0"/>
+              </a:rPr>
+              <a:t> </a:t>
+            </a:r>
+            <a:r>
+              <a:rPr lang="en-US" altLang="nl-BE" sz="1200" dirty="0" err="1">
+                <a:solidFill>
+                  <a:srgbClr val="333333"/>
+                </a:solidFill>
+                <a:latin typeface="Verdana" panose="020B0604030504040204" pitchFamily="34" charset="0"/>
+              </a:rPr>
+              <a:t>Dlib</a:t>
+            </a:r>
+            <a:r>
+              <a:rPr lang="en-US" altLang="nl-BE" sz="1200" dirty="0">
+                <a:solidFill>
+                  <a:srgbClr val="333333"/>
+                </a:solidFill>
+                <a:latin typeface="Verdana" panose="020B0604030504040204" pitchFamily="34" charset="0"/>
+              </a:rPr>
+              <a:t> </a:t>
+            </a:r>
+            <a:r>
+              <a:rPr lang="en-US" altLang="nl-BE" sz="1200" dirty="0" err="1">
+                <a:solidFill>
+                  <a:srgbClr val="333333"/>
+                </a:solidFill>
+                <a:latin typeface="Verdana" panose="020B0604030504040204" pitchFamily="34" charset="0"/>
+              </a:rPr>
+              <a:t>Headdetection</a:t>
+            </a:r>
+            <a:endParaRPr lang="en-US" altLang="nl-BE" sz="1200" dirty="0">
+              <a:solidFill>
+                <a:srgbClr val="333333"/>
+              </a:solidFill>
+              <a:latin typeface="Verdana" panose="020B0604030504040204" pitchFamily="34" charset="0"/>
+            </a:endParaRPr>
+          </a:p>
+        </p:txBody>
+      </p:sp>
+      <p:sp>
+        <p:nvSpPr>
+          <p:cNvPr id="2" name="Rectangle 20">
+            <a:extLst>
+              <a:ext uri="{FF2B5EF4-FFF2-40B4-BE49-F238E27FC236}">
+                <a16:creationId xmlns:a16="http://schemas.microsoft.com/office/drawing/2014/main" id="{92C87990-DCE2-9586-EF8E-6726A456D115}"/>
+              </a:ext>
+            </a:extLst>
+          </p:cNvPr>
+          <p:cNvSpPr>
+            <a:spLocks noChangeArrowheads="1"/>
+          </p:cNvSpPr>
+          <p:nvPr/>
+        </p:nvSpPr>
+        <p:spPr bwMode="auto">
+          <a:xfrm>
+            <a:off x="6946320" y="2206380"/>
+            <a:ext cx="4946400" cy="847324"/>
+          </a:xfrm>
+          <a:prstGeom prst="rect">
+            <a:avLst/>
+          </a:prstGeom>
+          <a:noFill/>
+          <a:ln>
+            <a:noFill/>
+          </a:ln>
+          <a:effectLst/>
+          <a:extLst>
+            <a:ext uri="{909E8E84-426E-40DD-AFC4-6F175D3DCCD1}">
+              <a14:hiddenFill xmlns:a14="http://schemas.microsoft.com/office/drawing/2010/main">
+                <a:solidFill>
+                  <a:srgbClr val="333333"/>
+                </a:solidFill>
+              </a14:hiddenFill>
+            </a:ext>
+            <a:ext uri="{91240B29-F687-4F45-9708-019B960494DF}">
+              <a14:hiddenLine xmlns:a14="http://schemas.microsoft.com/office/drawing/2010/main" w="9525">
+                <a:solidFill>
+                  <a:srgbClr val="333333"/>
+                </a:solidFill>
+                <a:miter lim="800000"/>
+                <a:headEnd/>
+                <a:tailEnd/>
+              </a14:hiddenLine>
+            </a:ext>
+            <a:ext uri="{AF507438-7753-43E0-B8FC-AC1667EBCBE1}">
+              <a14:hiddenEffects xmlns:a14="http://schemas.microsoft.com/office/drawing/2010/main">
+                <a:effectLst>
+                  <a:outerShdw dist="35921" dir="2700000" algn="ctr" rotWithShape="0">
+                    <a:schemeClr val="bg2"/>
+                  </a:outerShdw>
+                </a:effectLst>
+              </a14:hiddenEffects>
+            </a:ext>
+          </a:extLst>
+        </p:spPr>
+        <p:txBody>
+          <a:bodyPr wrap="none"/>
+          <a:lstStyle/>
+          <a:p>
+            <a:pPr>
+              <a:buFontTx/>
+              <a:buChar char="•"/>
+            </a:pPr>
+            <a:r>
+              <a:rPr lang="en-US" altLang="nl-BE" sz="1200" dirty="0">
+                <a:solidFill>
+                  <a:srgbClr val="333333"/>
+                </a:solidFill>
+                <a:latin typeface="Verdana" panose="020B0604030504040204" pitchFamily="34" charset="0"/>
+              </a:rPr>
+              <a:t> Brochure</a:t>
+            </a:r>
+          </a:p>
+          <a:p>
+            <a:pPr>
+              <a:buFontTx/>
+              <a:buChar char="•"/>
+            </a:pPr>
+            <a:r>
+              <a:rPr lang="en-US" altLang="nl-BE" sz="1200" dirty="0">
+                <a:solidFill>
+                  <a:srgbClr val="333333"/>
+                </a:solidFill>
+                <a:latin typeface="Verdana" panose="020B0604030504040204" pitchFamily="34" charset="0"/>
+              </a:rPr>
+              <a:t> </a:t>
+            </a:r>
+            <a:r>
+              <a:rPr lang="en-US" altLang="nl-BE" sz="1200" dirty="0" err="1">
+                <a:solidFill>
+                  <a:srgbClr val="333333"/>
+                </a:solidFill>
+                <a:latin typeface="Verdana" panose="020B0604030504040204" pitchFamily="34" charset="0"/>
+              </a:rPr>
+              <a:t>Facerecognition</a:t>
+            </a:r>
+            <a:endParaRPr lang="en-US" altLang="nl-BE" sz="1200" dirty="0">
+              <a:solidFill>
+                <a:srgbClr val="333333"/>
+              </a:solidFill>
+              <a:latin typeface="Verdana" panose="020B0604030504040204" pitchFamily="34" charset="0"/>
+            </a:endParaRPr>
+          </a:p>
+          <a:p>
+            <a:pPr>
+              <a:buFontTx/>
+              <a:buChar char="•"/>
+            </a:pPr>
+            <a:r>
+              <a:rPr lang="en-US" altLang="nl-BE" sz="1200" dirty="0">
+                <a:solidFill>
+                  <a:srgbClr val="333333"/>
+                </a:solidFill>
+                <a:latin typeface="Verdana" panose="020B0604030504040204" pitchFamily="34" charset="0"/>
+              </a:rPr>
+              <a:t> Adding Restrictions</a:t>
+            </a:r>
+          </a:p>
+          <a:p>
+            <a:pPr>
+              <a:buFontTx/>
+              <a:buChar char="•"/>
+            </a:pPr>
+            <a:endParaRPr lang="en-US" altLang="nl-BE" sz="1200" dirty="0">
+              <a:solidFill>
+                <a:srgbClr val="333333"/>
+              </a:solidFill>
+              <a:latin typeface="Verdana" panose="020B0604030504040204" pitchFamily="34" charset="0"/>
+            </a:endParaRPr>
+          </a:p>
+        </p:txBody>
+      </p:sp>
+    </p:spTree>
+    <p:extLst>
+      <p:ext uri="{BB962C8B-B14F-4D97-AF65-F5344CB8AC3E}">
+        <p14:creationId xmlns:p14="http://schemas.microsoft.com/office/powerpoint/2010/main" val="918495523"/>
       </p:ext>
     </p:extLst>
   </p:cSld>

--- a/logboek_ESAT9A1.pptx
+++ b/logboek_ESAT9A1.pptx
@@ -6,10 +6,10 @@
     <p:sldMasterId id="2147483694" r:id="rId2"/>
   </p:sldMasterIdLst>
   <p:notesMasterIdLst>
-    <p:notesMasterId r:id="rId18"/>
+    <p:notesMasterId r:id="rId19"/>
   </p:notesMasterIdLst>
   <p:handoutMasterIdLst>
-    <p:handoutMasterId r:id="rId19"/>
+    <p:handoutMasterId r:id="rId20"/>
   </p:handoutMasterIdLst>
   <p:sldIdLst>
     <p:sldId id="261" r:id="rId3"/>
@@ -27,6 +27,7 @@
     <p:sldId id="273" r:id="rId15"/>
     <p:sldId id="275" r:id="rId16"/>
     <p:sldId id="276" r:id="rId17"/>
+    <p:sldId id="277" r:id="rId18"/>
   </p:sldIdLst>
   <p:sldSz cx="12192000" cy="6858000"/>
   <p:notesSz cx="6858000" cy="9144000"/>
@@ -18834,6 +18835,2625 @@
     <p:extLst>
       <p:ext uri="{BB962C8B-B14F-4D97-AF65-F5344CB8AC3E}">
         <p14:creationId xmlns:p14="http://schemas.microsoft.com/office/powerpoint/2010/main" val="918495523"/>
+      </p:ext>
+    </p:extLst>
+  </p:cSld>
+  <p:clrMapOvr>
+    <a:masterClrMapping/>
+  </p:clrMapOvr>
+</p:sld>
+</file>
+
+<file path=ppt/slides/slide16.xml><?xml version="1.0" encoding="utf-8"?>
+<p:sld xmlns:a="http://schemas.openxmlformats.org/drawingml/2006/main" xmlns:r="http://schemas.openxmlformats.org/officeDocument/2006/relationships" xmlns:p="http://schemas.openxmlformats.org/presentationml/2006/main">
+  <p:cSld>
+    <p:spTree>
+      <p:nvGrpSpPr>
+        <p:cNvPr id="1" name=""/>
+        <p:cNvGrpSpPr/>
+        <p:nvPr/>
+      </p:nvGrpSpPr>
+      <p:grpSpPr>
+        <a:xfrm>
+          <a:off x="0" y="0"/>
+          <a:ext cx="0" cy="0"/>
+          <a:chOff x="0" y="0"/>
+          <a:chExt cx="0" cy="0"/>
+        </a:xfrm>
+      </p:grpSpPr>
+      <p:sp>
+        <p:nvSpPr>
+          <p:cNvPr id="3" name="Tijdelijke aanduiding voor voettekst 2">
+            <a:extLst>
+              <a:ext uri="{FF2B5EF4-FFF2-40B4-BE49-F238E27FC236}">
+                <a16:creationId xmlns:a16="http://schemas.microsoft.com/office/drawing/2014/main" id="{8A4675E4-17D3-F776-F4A4-379D7D7DF71F}"/>
+              </a:ext>
+            </a:extLst>
+          </p:cNvPr>
+          <p:cNvSpPr>
+            <a:spLocks noGrp="1"/>
+          </p:cNvSpPr>
+          <p:nvPr>
+            <p:ph type="ftr" sz="quarter" idx="11"/>
+          </p:nvPr>
+        </p:nvSpPr>
+        <p:spPr/>
+        <p:txBody>
+          <a:bodyPr/>
+          <a:lstStyle/>
+          <a:p>
+            <a:r>
+              <a:rPr lang="nl-NL"/>
+              <a:t>Faculty, department, unit ...</a:t>
+            </a:r>
+          </a:p>
+        </p:txBody>
+      </p:sp>
+      <p:sp>
+        <p:nvSpPr>
+          <p:cNvPr id="4" name="Tijdelijke aanduiding voor dianummer 3">
+            <a:extLst>
+              <a:ext uri="{FF2B5EF4-FFF2-40B4-BE49-F238E27FC236}">
+                <a16:creationId xmlns:a16="http://schemas.microsoft.com/office/drawing/2014/main" id="{033BF3EA-AA33-261E-8D31-8101DCD638CC}"/>
+              </a:ext>
+            </a:extLst>
+          </p:cNvPr>
+          <p:cNvSpPr>
+            <a:spLocks noGrp="1"/>
+          </p:cNvSpPr>
+          <p:nvPr>
+            <p:ph type="sldNum" sz="quarter" idx="12"/>
+          </p:nvPr>
+        </p:nvSpPr>
+        <p:spPr/>
+        <p:txBody>
+          <a:bodyPr/>
+          <a:lstStyle/>
+          <a:p>
+            <a:fld id="{0A297500-7527-634B-90F4-69D0994C32B4}" type="slidenum">
+              <a:rPr lang="nl-NL" smtClean="0"/>
+              <a:t>16</a:t>
+            </a:fld>
+            <a:endParaRPr lang="nl-NL"/>
+          </a:p>
+        </p:txBody>
+      </p:sp>
+      <p:sp>
+        <p:nvSpPr>
+          <p:cNvPr id="5" name="Titel 4">
+            <a:extLst>
+              <a:ext uri="{FF2B5EF4-FFF2-40B4-BE49-F238E27FC236}">
+                <a16:creationId xmlns:a16="http://schemas.microsoft.com/office/drawing/2014/main" id="{0AB90542-B085-F406-9290-1072716337BA}"/>
+              </a:ext>
+            </a:extLst>
+          </p:cNvPr>
+          <p:cNvSpPr>
+            <a:spLocks noGrp="1"/>
+          </p:cNvSpPr>
+          <p:nvPr>
+            <p:ph type="title"/>
+          </p:nvPr>
+        </p:nvSpPr>
+        <p:spPr>
+          <a:xfrm>
+            <a:off x="576000" y="7600"/>
+            <a:ext cx="11041200" cy="1152000"/>
+          </a:xfrm>
+        </p:spPr>
+        <p:txBody>
+          <a:bodyPr/>
+          <a:lstStyle/>
+          <a:p>
+            <a:r>
+              <a:rPr lang="nl-BE" dirty="0"/>
+              <a:t>Week 9 (2</a:t>
+            </a:r>
+            <a:r>
+              <a:rPr lang="en-US" dirty="0"/>
+              <a:t>8</a:t>
+            </a:r>
+            <a:r>
+              <a:rPr lang="nl-BE"/>
+              <a:t>/11/2022</a:t>
+            </a:r>
+            <a:r>
+              <a:rPr lang="nl-BE" dirty="0"/>
+              <a:t>)</a:t>
+            </a:r>
+          </a:p>
+        </p:txBody>
+      </p:sp>
+      <p:sp>
+        <p:nvSpPr>
+          <p:cNvPr id="28" name="Rectangle 7">
+            <a:extLst>
+              <a:ext uri="{FF2B5EF4-FFF2-40B4-BE49-F238E27FC236}">
+                <a16:creationId xmlns:a16="http://schemas.microsoft.com/office/drawing/2014/main" id="{1ED11395-C284-9D31-0A1F-8CE593280307}"/>
+              </a:ext>
+            </a:extLst>
+          </p:cNvPr>
+          <p:cNvSpPr>
+            <a:spLocks noChangeArrowheads="1"/>
+          </p:cNvSpPr>
+          <p:nvPr/>
+        </p:nvSpPr>
+        <p:spPr bwMode="auto">
+          <a:xfrm>
+            <a:off x="580800" y="1348510"/>
+            <a:ext cx="4940880" cy="1767742"/>
+          </a:xfrm>
+          <a:prstGeom prst="rect">
+            <a:avLst/>
+          </a:prstGeom>
+          <a:noFill/>
+          <a:ln w="9525">
+            <a:solidFill>
+              <a:srgbClr val="333333"/>
+            </a:solidFill>
+            <a:miter lim="800000"/>
+            <a:headEnd/>
+            <a:tailEnd/>
+          </a:ln>
+          <a:effectLst/>
+          <a:extLst>
+            <a:ext uri="{909E8E84-426E-40DD-AFC4-6F175D3DCCD1}">
+              <a14:hiddenFill xmlns:a14="http://schemas.microsoft.com/office/drawing/2010/main">
+                <a:solidFill>
+                  <a:schemeClr val="accent1"/>
+                </a:solidFill>
+              </a14:hiddenFill>
+            </a:ext>
+            <a:ext uri="{AF507438-7753-43E0-B8FC-AC1667EBCBE1}">
+              <a14:hiddenEffects xmlns:a14="http://schemas.microsoft.com/office/drawing/2010/main">
+                <a:effectLst>
+                  <a:outerShdw dist="35921" dir="2700000" algn="ctr" rotWithShape="0">
+                    <a:schemeClr val="bg2"/>
+                  </a:outerShdw>
+                </a:effectLst>
+              </a14:hiddenEffects>
+            </a:ext>
+          </a:extLst>
+        </p:spPr>
+        <p:txBody>
+          <a:bodyPr wrap="none" anchor="ctr"/>
+          <a:lstStyle/>
+          <a:p>
+            <a:endParaRPr lang="nl-BE"/>
+          </a:p>
+        </p:txBody>
+      </p:sp>
+      <p:sp>
+        <p:nvSpPr>
+          <p:cNvPr id="29" name="Rectangle 8">
+            <a:extLst>
+              <a:ext uri="{FF2B5EF4-FFF2-40B4-BE49-F238E27FC236}">
+                <a16:creationId xmlns:a16="http://schemas.microsoft.com/office/drawing/2014/main" id="{6FC4B744-16AC-500A-BBB9-19F5AFB1A6F4}"/>
+              </a:ext>
+            </a:extLst>
+          </p:cNvPr>
+          <p:cNvSpPr>
+            <a:spLocks noChangeArrowheads="1"/>
+          </p:cNvSpPr>
+          <p:nvPr/>
+        </p:nvSpPr>
+        <p:spPr bwMode="auto">
+          <a:xfrm>
+            <a:off x="580800" y="1365141"/>
+            <a:ext cx="4940880" cy="304800"/>
+          </a:xfrm>
+          <a:prstGeom prst="rect">
+            <a:avLst/>
+          </a:prstGeom>
+          <a:solidFill>
+            <a:schemeClr val="tx2">
+              <a:lumMod val="75000"/>
+            </a:schemeClr>
+          </a:solidFill>
+          <a:ln w="9525">
+            <a:solidFill>
+              <a:srgbClr val="333333"/>
+            </a:solidFill>
+            <a:miter lim="800000"/>
+            <a:headEnd/>
+            <a:tailEnd/>
+          </a:ln>
+          <a:effectLst/>
+        </p:spPr>
+        <p:txBody>
+          <a:bodyPr wrap="none" anchor="ctr"/>
+          <a:lstStyle/>
+          <a:p>
+            <a:r>
+              <a:rPr lang="en-US" altLang="nl-BE" sz="1400" b="1">
+                <a:solidFill>
+                  <a:schemeClr val="bg1"/>
+                </a:solidFill>
+                <a:latin typeface="Verdana" panose="020B0604030504040204" pitchFamily="34" charset="0"/>
+              </a:rPr>
+              <a:t>Planning</a:t>
+            </a:r>
+          </a:p>
+        </p:txBody>
+      </p:sp>
+      <p:sp>
+        <p:nvSpPr>
+          <p:cNvPr id="30" name="Rectangle 20">
+            <a:extLst>
+              <a:ext uri="{FF2B5EF4-FFF2-40B4-BE49-F238E27FC236}">
+                <a16:creationId xmlns:a16="http://schemas.microsoft.com/office/drawing/2014/main" id="{F8F8537C-8B21-E85D-8ED6-BCD891428026}"/>
+              </a:ext>
+            </a:extLst>
+          </p:cNvPr>
+          <p:cNvSpPr>
+            <a:spLocks noChangeArrowheads="1"/>
+          </p:cNvSpPr>
+          <p:nvPr/>
+        </p:nvSpPr>
+        <p:spPr bwMode="auto">
+          <a:xfrm>
+            <a:off x="576000" y="1669941"/>
+            <a:ext cx="4940880" cy="1498664"/>
+          </a:xfrm>
+          <a:prstGeom prst="rect">
+            <a:avLst/>
+          </a:prstGeom>
+          <a:noFill/>
+          <a:ln>
+            <a:noFill/>
+          </a:ln>
+          <a:effectLst/>
+          <a:extLst>
+            <a:ext uri="{909E8E84-426E-40DD-AFC4-6F175D3DCCD1}">
+              <a14:hiddenFill xmlns:a14="http://schemas.microsoft.com/office/drawing/2010/main">
+                <a:solidFill>
+                  <a:srgbClr val="333333"/>
+                </a:solidFill>
+              </a14:hiddenFill>
+            </a:ext>
+            <a:ext uri="{91240B29-F687-4F45-9708-019B960494DF}">
+              <a14:hiddenLine xmlns:a14="http://schemas.microsoft.com/office/drawing/2010/main" w="9525">
+                <a:solidFill>
+                  <a:srgbClr val="333333"/>
+                </a:solidFill>
+                <a:miter lim="800000"/>
+                <a:headEnd/>
+                <a:tailEnd/>
+              </a14:hiddenLine>
+            </a:ext>
+            <a:ext uri="{AF507438-7753-43E0-B8FC-AC1667EBCBE1}">
+              <a14:hiddenEffects xmlns:a14="http://schemas.microsoft.com/office/drawing/2010/main">
+                <a:effectLst>
+                  <a:outerShdw dist="35921" dir="2700000" algn="ctr" rotWithShape="0">
+                    <a:schemeClr val="bg2"/>
+                  </a:outerShdw>
+                </a:effectLst>
+              </a14:hiddenEffects>
+            </a:ext>
+          </a:extLst>
+        </p:spPr>
+        <p:txBody>
+          <a:bodyPr wrap="none"/>
+          <a:lstStyle/>
+          <a:p>
+            <a:pPr>
+              <a:buFontTx/>
+              <a:buChar char="•"/>
+            </a:pPr>
+            <a:r>
+              <a:rPr lang="en-US" altLang="nl-BE" sz="1200" dirty="0">
+                <a:solidFill>
+                  <a:srgbClr val="333333"/>
+                </a:solidFill>
+                <a:latin typeface="Verdana" panose="020B0604030504040204" pitchFamily="34" charset="0"/>
+              </a:rPr>
+              <a:t> Brochure (B)</a:t>
+            </a:r>
+          </a:p>
+          <a:p>
+            <a:pPr>
+              <a:buFontTx/>
+              <a:buChar char="•"/>
+            </a:pPr>
+            <a:r>
+              <a:rPr lang="en-US" altLang="nl-BE" sz="1200" dirty="0">
+                <a:solidFill>
+                  <a:srgbClr val="333333"/>
+                </a:solidFill>
+                <a:latin typeface="Verdana" panose="020B0604030504040204" pitchFamily="34" charset="0"/>
+              </a:rPr>
+              <a:t> </a:t>
+            </a:r>
+            <a:r>
+              <a:rPr lang="en-US" altLang="nl-BE" sz="1200" dirty="0" err="1">
+                <a:solidFill>
+                  <a:srgbClr val="333333"/>
+                </a:solidFill>
+                <a:latin typeface="Verdana" panose="020B0604030504040204" pitchFamily="34" charset="0"/>
+              </a:rPr>
+              <a:t>Facerecognition</a:t>
+            </a:r>
+            <a:r>
+              <a:rPr lang="en-US" altLang="nl-BE" sz="1200" dirty="0">
+                <a:solidFill>
+                  <a:srgbClr val="333333"/>
+                </a:solidFill>
+                <a:latin typeface="Verdana" panose="020B0604030504040204" pitchFamily="34" charset="0"/>
+              </a:rPr>
+              <a:t> + Multiprocessing (FM)</a:t>
+            </a:r>
+          </a:p>
+          <a:p>
+            <a:pPr>
+              <a:buFontTx/>
+              <a:buChar char="•"/>
+            </a:pPr>
+            <a:r>
+              <a:rPr lang="en-US" altLang="nl-BE" sz="1200" dirty="0">
+                <a:solidFill>
+                  <a:srgbClr val="333333"/>
+                </a:solidFill>
+                <a:latin typeface="Verdana" panose="020B0604030504040204" pitchFamily="34" charset="0"/>
+              </a:rPr>
+              <a:t> </a:t>
+            </a:r>
+            <a:r>
+              <a:rPr lang="en-US" altLang="nl-BE" sz="1200" dirty="0" err="1">
+                <a:solidFill>
+                  <a:srgbClr val="333333"/>
+                </a:solidFill>
+                <a:latin typeface="Verdana" panose="020B0604030504040204" pitchFamily="34" charset="0"/>
+              </a:rPr>
+              <a:t>Dlib</a:t>
+            </a:r>
+            <a:r>
+              <a:rPr lang="en-US" altLang="nl-BE" sz="1200" dirty="0">
+                <a:solidFill>
+                  <a:srgbClr val="333333"/>
+                </a:solidFill>
+                <a:latin typeface="Verdana" panose="020B0604030504040204" pitchFamily="34" charset="0"/>
+              </a:rPr>
+              <a:t> </a:t>
+            </a:r>
+            <a:r>
+              <a:rPr lang="en-US" altLang="nl-BE" sz="1200" dirty="0" err="1">
+                <a:solidFill>
+                  <a:srgbClr val="333333"/>
+                </a:solidFill>
+                <a:latin typeface="Verdana" panose="020B0604030504040204" pitchFamily="34" charset="0"/>
+              </a:rPr>
+              <a:t>Headdetection</a:t>
+            </a:r>
+            <a:r>
+              <a:rPr lang="en-US" altLang="nl-BE" sz="1200" dirty="0">
+                <a:solidFill>
+                  <a:srgbClr val="333333"/>
+                </a:solidFill>
+                <a:latin typeface="Verdana" panose="020B0604030504040204" pitchFamily="34" charset="0"/>
+              </a:rPr>
+              <a:t> (DH)</a:t>
+            </a:r>
+          </a:p>
+          <a:p>
+            <a:pPr>
+              <a:buFontTx/>
+              <a:buChar char="•"/>
+            </a:pPr>
+            <a:r>
+              <a:rPr lang="en-US" altLang="nl-BE" sz="1200" dirty="0">
+                <a:solidFill>
+                  <a:srgbClr val="333333"/>
+                </a:solidFill>
+                <a:latin typeface="Verdana" panose="020B0604030504040204" pitchFamily="34" charset="0"/>
+              </a:rPr>
+              <a:t> Adding Restrictions (AR)</a:t>
+            </a:r>
+          </a:p>
+          <a:p>
+            <a:pPr>
+              <a:buFontTx/>
+              <a:buChar char="•"/>
+            </a:pPr>
+            <a:r>
+              <a:rPr lang="en-US" altLang="nl-BE" sz="1200" dirty="0">
+                <a:solidFill>
+                  <a:srgbClr val="333333"/>
+                </a:solidFill>
+                <a:latin typeface="Verdana" panose="020B0604030504040204" pitchFamily="34" charset="0"/>
+              </a:rPr>
+              <a:t> Tracking Faces (TF)</a:t>
+            </a:r>
+          </a:p>
+          <a:p>
+            <a:pPr>
+              <a:buFontTx/>
+              <a:buChar char="•"/>
+            </a:pPr>
+            <a:endParaRPr lang="en-US" altLang="nl-BE" sz="1200" dirty="0">
+              <a:solidFill>
+                <a:srgbClr val="333333"/>
+              </a:solidFill>
+              <a:latin typeface="Verdana" panose="020B0604030504040204" pitchFamily="34" charset="0"/>
+            </a:endParaRPr>
+          </a:p>
+          <a:p>
+            <a:pPr>
+              <a:buFontTx/>
+              <a:buChar char="•"/>
+            </a:pPr>
+            <a:endParaRPr lang="en-US" altLang="nl-BE" sz="1200" dirty="0">
+              <a:solidFill>
+                <a:srgbClr val="333333"/>
+              </a:solidFill>
+              <a:latin typeface="Verdana" panose="020B0604030504040204" pitchFamily="34" charset="0"/>
+            </a:endParaRPr>
+          </a:p>
+        </p:txBody>
+      </p:sp>
+      <p:graphicFrame>
+        <p:nvGraphicFramePr>
+          <p:cNvPr id="31" name="Table 8">
+            <a:extLst>
+              <a:ext uri="{FF2B5EF4-FFF2-40B4-BE49-F238E27FC236}">
+                <a16:creationId xmlns:a16="http://schemas.microsoft.com/office/drawing/2014/main" id="{39209D40-A90A-28AF-7EE5-2185F6AED7D9}"/>
+              </a:ext>
+            </a:extLst>
+          </p:cNvPr>
+          <p:cNvGraphicFramePr>
+            <a:graphicFrameLocks noGrp="1"/>
+          </p:cNvGraphicFramePr>
+          <p:nvPr>
+            <p:extLst>
+              <p:ext uri="{D42A27DB-BD31-4B8C-83A1-F6EECF244321}">
+                <p14:modId xmlns:p14="http://schemas.microsoft.com/office/powerpoint/2010/main" val="4265336859"/>
+              </p:ext>
+            </p:extLst>
+          </p:nvPr>
+        </p:nvGraphicFramePr>
+        <p:xfrm>
+          <a:off x="580800" y="3517586"/>
+          <a:ext cx="11306400" cy="2595880"/>
+        </p:xfrm>
+        <a:graphic>
+          <a:graphicData uri="http://schemas.openxmlformats.org/drawingml/2006/table">
+            <a:tbl>
+              <a:tblPr firstRow="1" bandRow="1">
+                <a:tableStyleId>{5C22544A-7EE6-4342-B048-85BDC9FD1C3A}</a:tableStyleId>
+              </a:tblPr>
+              <a:tblGrid>
+                <a:gridCol w="2115747">
+                  <a:extLst>
+                    <a:ext uri="{9D8B030D-6E8A-4147-A177-3AD203B41FA5}">
+                      <a16:colId xmlns:a16="http://schemas.microsoft.com/office/drawing/2014/main" val="3222044758"/>
+                    </a:ext>
+                  </a:extLst>
+                </a:gridCol>
+                <a:gridCol w="2406813">
+                  <a:extLst>
+                    <a:ext uri="{9D8B030D-6E8A-4147-A177-3AD203B41FA5}">
+                      <a16:colId xmlns:a16="http://schemas.microsoft.com/office/drawing/2014/main" val="23332546"/>
+                    </a:ext>
+                  </a:extLst>
+                </a:gridCol>
+                <a:gridCol w="2261280">
+                  <a:extLst>
+                    <a:ext uri="{9D8B030D-6E8A-4147-A177-3AD203B41FA5}">
+                      <a16:colId xmlns:a16="http://schemas.microsoft.com/office/drawing/2014/main" val="62682046"/>
+                    </a:ext>
+                  </a:extLst>
+                </a:gridCol>
+                <a:gridCol w="2261280">
+                  <a:extLst>
+                    <a:ext uri="{9D8B030D-6E8A-4147-A177-3AD203B41FA5}">
+                      <a16:colId xmlns:a16="http://schemas.microsoft.com/office/drawing/2014/main" val="1440099295"/>
+                    </a:ext>
+                  </a:extLst>
+                </a:gridCol>
+                <a:gridCol w="2261280">
+                  <a:extLst>
+                    <a:ext uri="{9D8B030D-6E8A-4147-A177-3AD203B41FA5}">
+                      <a16:colId xmlns:a16="http://schemas.microsoft.com/office/drawing/2014/main" val="2799077174"/>
+                    </a:ext>
+                  </a:extLst>
+                </a:gridCol>
+              </a:tblGrid>
+              <a:tr h="370840">
+                <a:tc>
+                  <a:txBody>
+                    <a:bodyPr/>
+                    <a:lstStyle/>
+                    <a:p>
+                      <a:r>
+                        <a:rPr lang="nl-BE" dirty="0"/>
+                        <a:t>Naam student</a:t>
+                      </a:r>
+                    </a:p>
+                  </a:txBody>
+                  <a:tcPr>
+                    <a:lnL w="12700" cap="flat" cmpd="sng" algn="ctr">
+                      <a:solidFill>
+                        <a:schemeClr val="tx1"/>
+                      </a:solidFill>
+                      <a:prstDash val="solid"/>
+                      <a:round/>
+                      <a:headEnd type="none" w="med" len="med"/>
+                      <a:tailEnd type="none" w="med" len="med"/>
+                    </a:lnL>
+                    <a:lnT w="12700" cap="flat" cmpd="sng" algn="ctr">
+                      <a:solidFill>
+                        <a:schemeClr val="tx1"/>
+                      </a:solidFill>
+                      <a:prstDash val="solid"/>
+                      <a:round/>
+                      <a:headEnd type="none" w="med" len="med"/>
+                      <a:tailEnd type="none" w="med" len="med"/>
+                    </a:lnT>
+                  </a:tcPr>
+                </a:tc>
+                <a:tc>
+                  <a:txBody>
+                    <a:bodyPr/>
+                    <a:lstStyle/>
+                    <a:p>
+                      <a:r>
+                        <a:rPr lang="nl-BE" dirty="0"/>
+                        <a:t>14u00-15u00</a:t>
+                      </a:r>
+                    </a:p>
+                  </a:txBody>
+                  <a:tcPr>
+                    <a:lnT w="12700" cap="flat" cmpd="sng" algn="ctr">
+                      <a:solidFill>
+                        <a:schemeClr val="tx1"/>
+                      </a:solidFill>
+                      <a:prstDash val="solid"/>
+                      <a:round/>
+                      <a:headEnd type="none" w="med" len="med"/>
+                      <a:tailEnd type="none" w="med" len="med"/>
+                    </a:lnT>
+                  </a:tcPr>
+                </a:tc>
+                <a:tc>
+                  <a:txBody>
+                    <a:bodyPr/>
+                    <a:lstStyle/>
+                    <a:p>
+                      <a:r>
+                        <a:rPr lang="nl-BE" dirty="0"/>
+                        <a:t>15u00-16u00</a:t>
+                      </a:r>
+                    </a:p>
+                  </a:txBody>
+                  <a:tcPr>
+                    <a:lnT w="12700" cap="flat" cmpd="sng" algn="ctr">
+                      <a:solidFill>
+                        <a:schemeClr val="tx1"/>
+                      </a:solidFill>
+                      <a:prstDash val="solid"/>
+                      <a:round/>
+                      <a:headEnd type="none" w="med" len="med"/>
+                      <a:tailEnd type="none" w="med" len="med"/>
+                    </a:lnT>
+                  </a:tcPr>
+                </a:tc>
+                <a:tc>
+                  <a:txBody>
+                    <a:bodyPr/>
+                    <a:lstStyle/>
+                    <a:p>
+                      <a:r>
+                        <a:rPr lang="nl-BE" dirty="0"/>
+                        <a:t>16u00-17u00</a:t>
+                      </a:r>
+                    </a:p>
+                  </a:txBody>
+                  <a:tcPr>
+                    <a:lnT w="12700" cap="flat" cmpd="sng" algn="ctr">
+                      <a:solidFill>
+                        <a:schemeClr val="tx1"/>
+                      </a:solidFill>
+                      <a:prstDash val="solid"/>
+                      <a:round/>
+                      <a:headEnd type="none" w="med" len="med"/>
+                      <a:tailEnd type="none" w="med" len="med"/>
+                    </a:lnT>
+                  </a:tcPr>
+                </a:tc>
+                <a:tc>
+                  <a:txBody>
+                    <a:bodyPr/>
+                    <a:lstStyle/>
+                    <a:p>
+                      <a:r>
+                        <a:rPr lang="nl-BE" dirty="0"/>
+                        <a:t>17u00-18u00</a:t>
+                      </a:r>
+                    </a:p>
+                  </a:txBody>
+                  <a:tcPr>
+                    <a:lnR w="12700" cap="flat" cmpd="sng" algn="ctr">
+                      <a:solidFill>
+                        <a:schemeClr val="tx1"/>
+                      </a:solidFill>
+                      <a:prstDash val="solid"/>
+                      <a:round/>
+                      <a:headEnd type="none" w="med" len="med"/>
+                      <a:tailEnd type="none" w="med" len="med"/>
+                    </a:lnR>
+                    <a:lnT w="12700" cap="flat" cmpd="sng" algn="ctr">
+                      <a:solidFill>
+                        <a:schemeClr val="tx1"/>
+                      </a:solidFill>
+                      <a:prstDash val="solid"/>
+                      <a:round/>
+                      <a:headEnd type="none" w="med" len="med"/>
+                      <a:tailEnd type="none" w="med" len="med"/>
+                    </a:lnT>
+                  </a:tcPr>
+                </a:tc>
+                <a:extLst>
+                  <a:ext uri="{0D108BD9-81ED-4DB2-BD59-A6C34878D82A}">
+                    <a16:rowId xmlns:a16="http://schemas.microsoft.com/office/drawing/2014/main" val="1545514501"/>
+                  </a:ext>
+                </a:extLst>
+              </a:tr>
+              <a:tr h="370840">
+                <a:tc>
+                  <a:txBody>
+                    <a:bodyPr/>
+                    <a:lstStyle/>
+                    <a:p>
+                      <a:r>
+                        <a:rPr lang="nl-BE" dirty="0"/>
+                        <a:t>Arne </a:t>
+                      </a:r>
+                      <a:r>
+                        <a:rPr lang="nl-BE" dirty="0" err="1"/>
+                        <a:t>Lemahieu</a:t>
+                      </a:r>
+                      <a:endParaRPr lang="nl-BE" dirty="0"/>
+                    </a:p>
+                  </a:txBody>
+                  <a:tcPr>
+                    <a:lnL w="12700" cap="flat" cmpd="sng" algn="ctr">
+                      <a:solidFill>
+                        <a:schemeClr val="tx1"/>
+                      </a:solidFill>
+                      <a:prstDash val="solid"/>
+                      <a:round/>
+                      <a:headEnd type="none" w="med" len="med"/>
+                      <a:tailEnd type="none" w="med" len="med"/>
+                    </a:lnL>
+                  </a:tcPr>
+                </a:tc>
+                <a:tc>
+                  <a:txBody>
+                    <a:bodyPr/>
+                    <a:lstStyle/>
+                    <a:p>
+                      <a:r>
+                        <a:rPr lang="nl-BE" dirty="0"/>
+                        <a:t>DH</a:t>
+                      </a:r>
+                    </a:p>
+                  </a:txBody>
+                  <a:tcPr/>
+                </a:tc>
+                <a:tc>
+                  <a:txBody>
+                    <a:bodyPr/>
+                    <a:lstStyle/>
+                    <a:p>
+                      <a:pPr marL="0" marR="0" lvl="0" indent="0" algn="l" defTabSz="914400" rtl="0" eaLnBrk="1" fontAlgn="auto" latinLnBrk="0" hangingPunct="1">
+                        <a:lnSpc>
+                          <a:spcPct val="100000"/>
+                        </a:lnSpc>
+                        <a:spcBef>
+                          <a:spcPts val="0"/>
+                        </a:spcBef>
+                        <a:spcAft>
+                          <a:spcPts val="0"/>
+                        </a:spcAft>
+                        <a:buClrTx/>
+                        <a:buSzTx/>
+                        <a:buFontTx/>
+                        <a:buNone/>
+                        <a:tabLst/>
+                        <a:defRPr/>
+                      </a:pPr>
+                      <a:r>
+                        <a:rPr lang="nl-BE" dirty="0"/>
+                        <a:t>DH</a:t>
+                      </a:r>
+                    </a:p>
+                  </a:txBody>
+                  <a:tcPr/>
+                </a:tc>
+                <a:tc>
+                  <a:txBody>
+                    <a:bodyPr/>
+                    <a:lstStyle/>
+                    <a:p>
+                      <a:pPr marL="0" marR="0" lvl="0" indent="0" algn="l" defTabSz="914400" rtl="0" eaLnBrk="1" fontAlgn="auto" latinLnBrk="0" hangingPunct="1">
+                        <a:lnSpc>
+                          <a:spcPct val="100000"/>
+                        </a:lnSpc>
+                        <a:spcBef>
+                          <a:spcPts val="0"/>
+                        </a:spcBef>
+                        <a:spcAft>
+                          <a:spcPts val="0"/>
+                        </a:spcAft>
+                        <a:buClrTx/>
+                        <a:buSzTx/>
+                        <a:buFontTx/>
+                        <a:buNone/>
+                        <a:tabLst/>
+                        <a:defRPr/>
+                      </a:pPr>
+                      <a:r>
+                        <a:rPr lang="nl-BE" dirty="0"/>
+                        <a:t>DH</a:t>
+                      </a:r>
+                    </a:p>
+                  </a:txBody>
+                  <a:tcPr/>
+                </a:tc>
+                <a:tc>
+                  <a:txBody>
+                    <a:bodyPr/>
+                    <a:lstStyle/>
+                    <a:p>
+                      <a:pPr marL="0" marR="0" lvl="0" indent="0" algn="l" defTabSz="914400" rtl="0" eaLnBrk="1" fontAlgn="auto" latinLnBrk="0" hangingPunct="1">
+                        <a:lnSpc>
+                          <a:spcPct val="100000"/>
+                        </a:lnSpc>
+                        <a:spcBef>
+                          <a:spcPts val="0"/>
+                        </a:spcBef>
+                        <a:spcAft>
+                          <a:spcPts val="0"/>
+                        </a:spcAft>
+                        <a:buClrTx/>
+                        <a:buSzTx/>
+                        <a:buFontTx/>
+                        <a:buNone/>
+                        <a:tabLst/>
+                        <a:defRPr/>
+                      </a:pPr>
+                      <a:r>
+                        <a:rPr lang="nl-BE" dirty="0"/>
+                        <a:t>DH</a:t>
+                      </a:r>
+                    </a:p>
+                  </a:txBody>
+                  <a:tcPr>
+                    <a:lnR w="12700" cap="flat" cmpd="sng" algn="ctr">
+                      <a:solidFill>
+                        <a:schemeClr val="tx1"/>
+                      </a:solidFill>
+                      <a:prstDash val="solid"/>
+                      <a:round/>
+                      <a:headEnd type="none" w="med" len="med"/>
+                      <a:tailEnd type="none" w="med" len="med"/>
+                    </a:lnR>
+                  </a:tcPr>
+                </a:tc>
+                <a:extLst>
+                  <a:ext uri="{0D108BD9-81ED-4DB2-BD59-A6C34878D82A}">
+                    <a16:rowId xmlns:a16="http://schemas.microsoft.com/office/drawing/2014/main" val="4272612081"/>
+                  </a:ext>
+                </a:extLst>
+              </a:tr>
+              <a:tr h="370840">
+                <a:tc>
+                  <a:txBody>
+                    <a:bodyPr/>
+                    <a:lstStyle/>
+                    <a:p>
+                      <a:pPr marL="0" marR="0" lvl="0" indent="0" algn="l" defTabSz="914400" rtl="0" eaLnBrk="1" fontAlgn="auto" latinLnBrk="0" hangingPunct="1">
+                        <a:lnSpc>
+                          <a:spcPct val="100000"/>
+                        </a:lnSpc>
+                        <a:spcBef>
+                          <a:spcPts val="0"/>
+                        </a:spcBef>
+                        <a:spcAft>
+                          <a:spcPts val="0"/>
+                        </a:spcAft>
+                        <a:buClrTx/>
+                        <a:buSzTx/>
+                        <a:buFontTx/>
+                        <a:buNone/>
+                        <a:tabLst/>
+                        <a:defRPr/>
+                      </a:pPr>
+                      <a:r>
+                        <a:rPr lang="nl-BE" dirty="0"/>
+                        <a:t>Kasper </a:t>
+                      </a:r>
+                      <a:r>
+                        <a:rPr lang="nl-BE" dirty="0" err="1"/>
+                        <a:t>Dumoulin</a:t>
+                      </a:r>
+                      <a:endParaRPr lang="nl-BE" dirty="0"/>
+                    </a:p>
+                  </a:txBody>
+                  <a:tcPr>
+                    <a:lnL w="12700" cap="flat" cmpd="sng" algn="ctr">
+                      <a:solidFill>
+                        <a:schemeClr val="tx1"/>
+                      </a:solidFill>
+                      <a:prstDash val="solid"/>
+                      <a:round/>
+                      <a:headEnd type="none" w="med" len="med"/>
+                      <a:tailEnd type="none" w="med" len="med"/>
+                    </a:lnL>
+                  </a:tcPr>
+                </a:tc>
+                <a:tc>
+                  <a:txBody>
+                    <a:bodyPr/>
+                    <a:lstStyle/>
+                    <a:p>
+                      <a:pPr marL="0" marR="0" lvl="0" indent="0" algn="l" defTabSz="914400" rtl="0" eaLnBrk="1" fontAlgn="auto" latinLnBrk="0" hangingPunct="1">
+                        <a:lnSpc>
+                          <a:spcPct val="100000"/>
+                        </a:lnSpc>
+                        <a:spcBef>
+                          <a:spcPts val="0"/>
+                        </a:spcBef>
+                        <a:spcAft>
+                          <a:spcPts val="0"/>
+                        </a:spcAft>
+                        <a:buClrTx/>
+                        <a:buSzTx/>
+                        <a:buFontTx/>
+                        <a:buNone/>
+                        <a:tabLst/>
+                        <a:defRPr/>
+                      </a:pPr>
+                      <a:r>
+                        <a:rPr lang="en-US" altLang="nl-BE" sz="1800" dirty="0">
+                          <a:solidFill>
+                            <a:srgbClr val="333333"/>
+                          </a:solidFill>
+                          <a:latin typeface="Verdana" panose="020B0604030504040204" pitchFamily="34" charset="0"/>
+                        </a:rPr>
+                        <a:t>AR</a:t>
+                      </a:r>
+                    </a:p>
+                  </a:txBody>
+                  <a:tcPr/>
+                </a:tc>
+                <a:tc>
+                  <a:txBody>
+                    <a:bodyPr/>
+                    <a:lstStyle/>
+                    <a:p>
+                      <a:pPr marL="0" marR="0" lvl="0" indent="0" algn="l" defTabSz="914400" rtl="0" eaLnBrk="1" fontAlgn="auto" latinLnBrk="0" hangingPunct="1">
+                        <a:lnSpc>
+                          <a:spcPct val="100000"/>
+                        </a:lnSpc>
+                        <a:spcBef>
+                          <a:spcPts val="0"/>
+                        </a:spcBef>
+                        <a:spcAft>
+                          <a:spcPts val="0"/>
+                        </a:spcAft>
+                        <a:buClrTx/>
+                        <a:buSzTx/>
+                        <a:buFontTx/>
+                        <a:buNone/>
+                        <a:tabLst/>
+                        <a:defRPr/>
+                      </a:pPr>
+                      <a:r>
+                        <a:rPr lang="en-US" altLang="nl-BE" sz="1800" dirty="0">
+                          <a:solidFill>
+                            <a:srgbClr val="333333"/>
+                          </a:solidFill>
+                          <a:latin typeface="Verdana" panose="020B0604030504040204" pitchFamily="34" charset="0"/>
+                        </a:rPr>
+                        <a:t>AR</a:t>
+                      </a:r>
+                    </a:p>
+                  </a:txBody>
+                  <a:tcPr/>
+                </a:tc>
+                <a:tc>
+                  <a:txBody>
+                    <a:bodyPr/>
+                    <a:lstStyle/>
+                    <a:p>
+                      <a:pPr marL="0" marR="0" lvl="0" indent="0" algn="l" defTabSz="914400" rtl="0" eaLnBrk="1" fontAlgn="auto" latinLnBrk="0" hangingPunct="1">
+                        <a:lnSpc>
+                          <a:spcPct val="100000"/>
+                        </a:lnSpc>
+                        <a:spcBef>
+                          <a:spcPts val="0"/>
+                        </a:spcBef>
+                        <a:spcAft>
+                          <a:spcPts val="0"/>
+                        </a:spcAft>
+                        <a:buClrTx/>
+                        <a:buSzTx/>
+                        <a:buFontTx/>
+                        <a:buNone/>
+                        <a:tabLst/>
+                        <a:defRPr/>
+                      </a:pPr>
+                      <a:r>
+                        <a:rPr lang="en-US" altLang="nl-BE" sz="1800" dirty="0">
+                          <a:solidFill>
+                            <a:srgbClr val="333333"/>
+                          </a:solidFill>
+                          <a:latin typeface="Verdana" panose="020B0604030504040204" pitchFamily="34" charset="0"/>
+                        </a:rPr>
+                        <a:t>AR</a:t>
+                      </a:r>
+                    </a:p>
+                  </a:txBody>
+                  <a:tcPr/>
+                </a:tc>
+                <a:tc>
+                  <a:txBody>
+                    <a:bodyPr/>
+                    <a:lstStyle/>
+                    <a:p>
+                      <a:pPr marL="0" marR="0" lvl="0" indent="0" algn="l" defTabSz="914400" rtl="0" eaLnBrk="1" fontAlgn="auto" latinLnBrk="0" hangingPunct="1">
+                        <a:lnSpc>
+                          <a:spcPct val="100000"/>
+                        </a:lnSpc>
+                        <a:spcBef>
+                          <a:spcPts val="0"/>
+                        </a:spcBef>
+                        <a:spcAft>
+                          <a:spcPts val="0"/>
+                        </a:spcAft>
+                        <a:buClrTx/>
+                        <a:buSzTx/>
+                        <a:buFontTx/>
+                        <a:buNone/>
+                        <a:tabLst/>
+                        <a:defRPr/>
+                      </a:pPr>
+                      <a:r>
+                        <a:rPr lang="en-US" altLang="nl-BE" sz="1800" dirty="0">
+                          <a:solidFill>
+                            <a:srgbClr val="333333"/>
+                          </a:solidFill>
+                          <a:latin typeface="Verdana" panose="020B0604030504040204" pitchFamily="34" charset="0"/>
+                        </a:rPr>
+                        <a:t>AR</a:t>
+                      </a:r>
+                    </a:p>
+                  </a:txBody>
+                  <a:tcPr>
+                    <a:lnR w="12700" cap="flat" cmpd="sng" algn="ctr">
+                      <a:solidFill>
+                        <a:schemeClr val="tx1"/>
+                      </a:solidFill>
+                      <a:prstDash val="solid"/>
+                      <a:round/>
+                      <a:headEnd type="none" w="med" len="med"/>
+                      <a:tailEnd type="none" w="med" len="med"/>
+                    </a:lnR>
+                  </a:tcPr>
+                </a:tc>
+                <a:extLst>
+                  <a:ext uri="{0D108BD9-81ED-4DB2-BD59-A6C34878D82A}">
+                    <a16:rowId xmlns:a16="http://schemas.microsoft.com/office/drawing/2014/main" val="2535650466"/>
+                  </a:ext>
+                </a:extLst>
+              </a:tr>
+              <a:tr h="370840">
+                <a:tc>
+                  <a:txBody>
+                    <a:bodyPr/>
+                    <a:lstStyle/>
+                    <a:p>
+                      <a:pPr marL="0" marR="0" lvl="0" indent="0" algn="l" defTabSz="914400" rtl="0" eaLnBrk="1" fontAlgn="auto" latinLnBrk="0" hangingPunct="1">
+                        <a:lnSpc>
+                          <a:spcPct val="100000"/>
+                        </a:lnSpc>
+                        <a:spcBef>
+                          <a:spcPts val="0"/>
+                        </a:spcBef>
+                        <a:spcAft>
+                          <a:spcPts val="0"/>
+                        </a:spcAft>
+                        <a:buClrTx/>
+                        <a:buSzTx/>
+                        <a:buFontTx/>
+                        <a:buNone/>
+                        <a:tabLst/>
+                        <a:defRPr/>
+                      </a:pPr>
+                      <a:r>
+                        <a:rPr lang="nl-BE" dirty="0"/>
+                        <a:t>Mauro Janssens</a:t>
+                      </a:r>
+                    </a:p>
+                  </a:txBody>
+                  <a:tcPr>
+                    <a:lnL w="12700" cap="flat" cmpd="sng" algn="ctr">
+                      <a:solidFill>
+                        <a:schemeClr val="tx1"/>
+                      </a:solidFill>
+                      <a:prstDash val="solid"/>
+                      <a:round/>
+                      <a:headEnd type="none" w="med" len="med"/>
+                      <a:tailEnd type="none" w="med" len="med"/>
+                    </a:lnL>
+                  </a:tcPr>
+                </a:tc>
+                <a:tc>
+                  <a:txBody>
+                    <a:bodyPr/>
+                    <a:lstStyle/>
+                    <a:p>
+                      <a:r>
+                        <a:rPr lang="nl-BE" dirty="0"/>
+                        <a:t>FM</a:t>
+                      </a:r>
+                    </a:p>
+                  </a:txBody>
+                  <a:tcPr/>
+                </a:tc>
+                <a:tc>
+                  <a:txBody>
+                    <a:bodyPr/>
+                    <a:lstStyle/>
+                    <a:p>
+                      <a:pPr marL="0" marR="0" lvl="0" indent="0" algn="l" defTabSz="914400" rtl="0" eaLnBrk="1" fontAlgn="auto" latinLnBrk="0" hangingPunct="1">
+                        <a:lnSpc>
+                          <a:spcPct val="100000"/>
+                        </a:lnSpc>
+                        <a:spcBef>
+                          <a:spcPts val="0"/>
+                        </a:spcBef>
+                        <a:spcAft>
+                          <a:spcPts val="0"/>
+                        </a:spcAft>
+                        <a:buClrTx/>
+                        <a:buSzTx/>
+                        <a:buFontTx/>
+                        <a:buNone/>
+                        <a:tabLst/>
+                        <a:defRPr/>
+                      </a:pPr>
+                      <a:r>
+                        <a:rPr lang="nl-BE" dirty="0"/>
+                        <a:t>FM</a:t>
+                      </a:r>
+                    </a:p>
+                  </a:txBody>
+                  <a:tcPr/>
+                </a:tc>
+                <a:tc>
+                  <a:txBody>
+                    <a:bodyPr/>
+                    <a:lstStyle/>
+                    <a:p>
+                      <a:pPr marL="0" marR="0" lvl="0" indent="0" algn="l" defTabSz="914400" rtl="0" eaLnBrk="1" fontAlgn="auto" latinLnBrk="0" hangingPunct="1">
+                        <a:lnSpc>
+                          <a:spcPct val="100000"/>
+                        </a:lnSpc>
+                        <a:spcBef>
+                          <a:spcPts val="0"/>
+                        </a:spcBef>
+                        <a:spcAft>
+                          <a:spcPts val="0"/>
+                        </a:spcAft>
+                        <a:buClrTx/>
+                        <a:buSzTx/>
+                        <a:buFontTx/>
+                        <a:buNone/>
+                        <a:tabLst/>
+                        <a:defRPr/>
+                      </a:pPr>
+                      <a:r>
+                        <a:rPr lang="nl-BE" dirty="0"/>
+                        <a:t>FM</a:t>
+                      </a:r>
+                    </a:p>
+                  </a:txBody>
+                  <a:tcPr/>
+                </a:tc>
+                <a:tc>
+                  <a:txBody>
+                    <a:bodyPr/>
+                    <a:lstStyle/>
+                    <a:p>
+                      <a:pPr marL="0" marR="0" lvl="0" indent="0" algn="l" defTabSz="914400" rtl="0" eaLnBrk="1" fontAlgn="auto" latinLnBrk="0" hangingPunct="1">
+                        <a:lnSpc>
+                          <a:spcPct val="100000"/>
+                        </a:lnSpc>
+                        <a:spcBef>
+                          <a:spcPts val="0"/>
+                        </a:spcBef>
+                        <a:spcAft>
+                          <a:spcPts val="0"/>
+                        </a:spcAft>
+                        <a:buClrTx/>
+                        <a:buSzTx/>
+                        <a:buFontTx/>
+                        <a:buNone/>
+                        <a:tabLst/>
+                        <a:defRPr/>
+                      </a:pPr>
+                      <a:r>
+                        <a:rPr lang="nl-BE" dirty="0"/>
+                        <a:t>FM</a:t>
+                      </a:r>
+                    </a:p>
+                  </a:txBody>
+                  <a:tcPr>
+                    <a:lnR w="12700" cap="flat" cmpd="sng" algn="ctr">
+                      <a:solidFill>
+                        <a:schemeClr val="tx1"/>
+                      </a:solidFill>
+                      <a:prstDash val="solid"/>
+                      <a:round/>
+                      <a:headEnd type="none" w="med" len="med"/>
+                      <a:tailEnd type="none" w="med" len="med"/>
+                    </a:lnR>
+                  </a:tcPr>
+                </a:tc>
+                <a:extLst>
+                  <a:ext uri="{0D108BD9-81ED-4DB2-BD59-A6C34878D82A}">
+                    <a16:rowId xmlns:a16="http://schemas.microsoft.com/office/drawing/2014/main" val="1056747163"/>
+                  </a:ext>
+                </a:extLst>
+              </a:tr>
+              <a:tr h="370840">
+                <a:tc>
+                  <a:txBody>
+                    <a:bodyPr/>
+                    <a:lstStyle/>
+                    <a:p>
+                      <a:pPr marL="0" marR="0" lvl="0" indent="0" algn="l" defTabSz="914400" rtl="0" eaLnBrk="1" fontAlgn="auto" latinLnBrk="0" hangingPunct="1">
+                        <a:lnSpc>
+                          <a:spcPct val="100000"/>
+                        </a:lnSpc>
+                        <a:spcBef>
+                          <a:spcPts val="0"/>
+                        </a:spcBef>
+                        <a:spcAft>
+                          <a:spcPts val="0"/>
+                        </a:spcAft>
+                        <a:buClrTx/>
+                        <a:buSzTx/>
+                        <a:buFontTx/>
+                        <a:buNone/>
+                        <a:tabLst/>
+                        <a:defRPr/>
+                      </a:pPr>
+                      <a:r>
+                        <a:rPr lang="nl-BE" dirty="0"/>
+                        <a:t>Pepijn Haenen</a:t>
+                      </a:r>
+                    </a:p>
+                  </a:txBody>
+                  <a:tcPr>
+                    <a:lnL w="12700" cap="flat" cmpd="sng" algn="ctr">
+                      <a:solidFill>
+                        <a:schemeClr val="tx1"/>
+                      </a:solidFill>
+                      <a:prstDash val="solid"/>
+                      <a:round/>
+                      <a:headEnd type="none" w="med" len="med"/>
+                      <a:tailEnd type="none" w="med" len="med"/>
+                    </a:lnL>
+                  </a:tcPr>
+                </a:tc>
+                <a:tc>
+                  <a:txBody>
+                    <a:bodyPr/>
+                    <a:lstStyle/>
+                    <a:p>
+                      <a:pPr marL="0" marR="0" lvl="0" indent="0" algn="l" defTabSz="914400" rtl="0" eaLnBrk="1" fontAlgn="auto" latinLnBrk="0" hangingPunct="1">
+                        <a:lnSpc>
+                          <a:spcPct val="100000"/>
+                        </a:lnSpc>
+                        <a:spcBef>
+                          <a:spcPts val="0"/>
+                        </a:spcBef>
+                        <a:spcAft>
+                          <a:spcPts val="0"/>
+                        </a:spcAft>
+                        <a:buClrTx/>
+                        <a:buSzTx/>
+                        <a:buFontTx/>
+                        <a:buNone/>
+                        <a:tabLst/>
+                        <a:defRPr/>
+                      </a:pPr>
+                      <a:r>
+                        <a:rPr lang="nl-BE" dirty="0"/>
+                        <a:t>TF</a:t>
+                      </a:r>
+                    </a:p>
+                  </a:txBody>
+                  <a:tcPr/>
+                </a:tc>
+                <a:tc>
+                  <a:txBody>
+                    <a:bodyPr/>
+                    <a:lstStyle/>
+                    <a:p>
+                      <a:pPr marL="0" marR="0" lvl="0" indent="0" algn="l" defTabSz="914400" rtl="0" eaLnBrk="1" fontAlgn="auto" latinLnBrk="0" hangingPunct="1">
+                        <a:lnSpc>
+                          <a:spcPct val="100000"/>
+                        </a:lnSpc>
+                        <a:spcBef>
+                          <a:spcPts val="0"/>
+                        </a:spcBef>
+                        <a:spcAft>
+                          <a:spcPts val="0"/>
+                        </a:spcAft>
+                        <a:buClrTx/>
+                        <a:buSzTx/>
+                        <a:buFontTx/>
+                        <a:buNone/>
+                        <a:tabLst/>
+                        <a:defRPr/>
+                      </a:pPr>
+                      <a:r>
+                        <a:rPr lang="nl-BE" dirty="0"/>
+                        <a:t>TF</a:t>
+                      </a:r>
+                    </a:p>
+                  </a:txBody>
+                  <a:tcPr/>
+                </a:tc>
+                <a:tc>
+                  <a:txBody>
+                    <a:bodyPr/>
+                    <a:lstStyle/>
+                    <a:p>
+                      <a:pPr marL="0" marR="0" lvl="0" indent="0" algn="l" defTabSz="914400" rtl="0" eaLnBrk="1" fontAlgn="auto" latinLnBrk="0" hangingPunct="1">
+                        <a:lnSpc>
+                          <a:spcPct val="100000"/>
+                        </a:lnSpc>
+                        <a:spcBef>
+                          <a:spcPts val="0"/>
+                        </a:spcBef>
+                        <a:spcAft>
+                          <a:spcPts val="0"/>
+                        </a:spcAft>
+                        <a:buClrTx/>
+                        <a:buSzTx/>
+                        <a:buFontTx/>
+                        <a:buNone/>
+                        <a:tabLst/>
+                        <a:defRPr/>
+                      </a:pPr>
+                      <a:r>
+                        <a:rPr lang="nl-BE" dirty="0"/>
+                        <a:t>TF</a:t>
+                      </a:r>
+                    </a:p>
+                  </a:txBody>
+                  <a:tcPr/>
+                </a:tc>
+                <a:tc>
+                  <a:txBody>
+                    <a:bodyPr/>
+                    <a:lstStyle/>
+                    <a:p>
+                      <a:pPr marL="0" marR="0" lvl="0" indent="0" algn="l" defTabSz="914400" rtl="0" eaLnBrk="1" fontAlgn="auto" latinLnBrk="0" hangingPunct="1">
+                        <a:lnSpc>
+                          <a:spcPct val="100000"/>
+                        </a:lnSpc>
+                        <a:spcBef>
+                          <a:spcPts val="0"/>
+                        </a:spcBef>
+                        <a:spcAft>
+                          <a:spcPts val="0"/>
+                        </a:spcAft>
+                        <a:buClrTx/>
+                        <a:buSzTx/>
+                        <a:buFontTx/>
+                        <a:buNone/>
+                        <a:tabLst/>
+                        <a:defRPr/>
+                      </a:pPr>
+                      <a:r>
+                        <a:rPr lang="nl-BE" dirty="0"/>
+                        <a:t>TF</a:t>
+                      </a:r>
+                    </a:p>
+                  </a:txBody>
+                  <a:tcPr>
+                    <a:lnR w="12700" cap="flat" cmpd="sng" algn="ctr">
+                      <a:solidFill>
+                        <a:schemeClr val="tx1"/>
+                      </a:solidFill>
+                      <a:prstDash val="solid"/>
+                      <a:round/>
+                      <a:headEnd type="none" w="med" len="med"/>
+                      <a:tailEnd type="none" w="med" len="med"/>
+                    </a:lnR>
+                  </a:tcPr>
+                </a:tc>
+                <a:extLst>
+                  <a:ext uri="{0D108BD9-81ED-4DB2-BD59-A6C34878D82A}">
+                    <a16:rowId xmlns:a16="http://schemas.microsoft.com/office/drawing/2014/main" val="4081416973"/>
+                  </a:ext>
+                </a:extLst>
+              </a:tr>
+              <a:tr h="370840">
+                <a:tc>
+                  <a:txBody>
+                    <a:bodyPr/>
+                    <a:lstStyle/>
+                    <a:p>
+                      <a:pPr marL="0" marR="0" lvl="0" indent="0" algn="l" defTabSz="914400" rtl="0" eaLnBrk="1" fontAlgn="auto" latinLnBrk="0" hangingPunct="1">
+                        <a:lnSpc>
+                          <a:spcPct val="100000"/>
+                        </a:lnSpc>
+                        <a:spcBef>
+                          <a:spcPts val="0"/>
+                        </a:spcBef>
+                        <a:spcAft>
+                          <a:spcPts val="0"/>
+                        </a:spcAft>
+                        <a:buClrTx/>
+                        <a:buSzTx/>
+                        <a:buFontTx/>
+                        <a:buNone/>
+                        <a:tabLst/>
+                        <a:defRPr/>
+                      </a:pPr>
+                      <a:r>
+                        <a:rPr lang="nl-BE" dirty="0"/>
+                        <a:t>Philippe </a:t>
+                      </a:r>
+                      <a:r>
+                        <a:rPr lang="nl-BE" dirty="0" err="1"/>
+                        <a:t>Laffineur</a:t>
+                      </a:r>
+                      <a:endParaRPr lang="nl-BE" dirty="0"/>
+                    </a:p>
+                  </a:txBody>
+                  <a:tcPr>
+                    <a:lnL w="12700" cap="flat" cmpd="sng" algn="ctr">
+                      <a:solidFill>
+                        <a:schemeClr val="tx1"/>
+                      </a:solidFill>
+                      <a:prstDash val="solid"/>
+                      <a:round/>
+                      <a:headEnd type="none" w="med" len="med"/>
+                      <a:tailEnd type="none" w="med" len="med"/>
+                    </a:lnL>
+                  </a:tcPr>
+                </a:tc>
+                <a:tc>
+                  <a:txBody>
+                    <a:bodyPr/>
+                    <a:lstStyle/>
+                    <a:p>
+                      <a:pPr marL="0" marR="0" lvl="0" indent="0" algn="l" defTabSz="914400" rtl="0" eaLnBrk="1" fontAlgn="auto" latinLnBrk="0" hangingPunct="1">
+                        <a:lnSpc>
+                          <a:spcPct val="100000"/>
+                        </a:lnSpc>
+                        <a:spcBef>
+                          <a:spcPts val="0"/>
+                        </a:spcBef>
+                        <a:spcAft>
+                          <a:spcPts val="0"/>
+                        </a:spcAft>
+                        <a:buClrTx/>
+                        <a:buSzTx/>
+                        <a:buFontTx/>
+                        <a:buNone/>
+                        <a:tabLst/>
+                        <a:defRPr/>
+                      </a:pPr>
+                      <a:r>
+                        <a:rPr lang="nl-BE" dirty="0"/>
+                        <a:t>B</a:t>
+                      </a:r>
+                    </a:p>
+                  </a:txBody>
+                  <a:tcPr/>
+                </a:tc>
+                <a:tc>
+                  <a:txBody>
+                    <a:bodyPr/>
+                    <a:lstStyle/>
+                    <a:p>
+                      <a:pPr marL="0" marR="0" lvl="0" indent="0" algn="l" defTabSz="914400" rtl="0" eaLnBrk="1" fontAlgn="auto" latinLnBrk="0" hangingPunct="1">
+                        <a:lnSpc>
+                          <a:spcPct val="100000"/>
+                        </a:lnSpc>
+                        <a:spcBef>
+                          <a:spcPts val="0"/>
+                        </a:spcBef>
+                        <a:spcAft>
+                          <a:spcPts val="0"/>
+                        </a:spcAft>
+                        <a:buClrTx/>
+                        <a:buSzTx/>
+                        <a:buFontTx/>
+                        <a:buNone/>
+                        <a:tabLst/>
+                        <a:defRPr/>
+                      </a:pPr>
+                      <a:r>
+                        <a:rPr lang="nl-BE" dirty="0"/>
+                        <a:t>B</a:t>
+                      </a:r>
+                    </a:p>
+                  </a:txBody>
+                  <a:tcPr/>
+                </a:tc>
+                <a:tc>
+                  <a:txBody>
+                    <a:bodyPr/>
+                    <a:lstStyle/>
+                    <a:p>
+                      <a:pPr marL="0" marR="0" lvl="0" indent="0" algn="l" defTabSz="914400" rtl="0" eaLnBrk="1" fontAlgn="auto" latinLnBrk="0" hangingPunct="1">
+                        <a:lnSpc>
+                          <a:spcPct val="100000"/>
+                        </a:lnSpc>
+                        <a:spcBef>
+                          <a:spcPts val="0"/>
+                        </a:spcBef>
+                        <a:spcAft>
+                          <a:spcPts val="0"/>
+                        </a:spcAft>
+                        <a:buClrTx/>
+                        <a:buSzTx/>
+                        <a:buFontTx/>
+                        <a:buNone/>
+                        <a:tabLst/>
+                        <a:defRPr/>
+                      </a:pPr>
+                      <a:r>
+                        <a:rPr lang="nl-BE" dirty="0"/>
+                        <a:t>B</a:t>
+                      </a:r>
+                    </a:p>
+                  </a:txBody>
+                  <a:tcPr/>
+                </a:tc>
+                <a:tc>
+                  <a:txBody>
+                    <a:bodyPr/>
+                    <a:lstStyle/>
+                    <a:p>
+                      <a:pPr marL="0" marR="0" lvl="0" indent="0" algn="l" defTabSz="914400" rtl="0" eaLnBrk="1" fontAlgn="auto" latinLnBrk="0" hangingPunct="1">
+                        <a:lnSpc>
+                          <a:spcPct val="100000"/>
+                        </a:lnSpc>
+                        <a:spcBef>
+                          <a:spcPts val="0"/>
+                        </a:spcBef>
+                        <a:spcAft>
+                          <a:spcPts val="0"/>
+                        </a:spcAft>
+                        <a:buClrTx/>
+                        <a:buSzTx/>
+                        <a:buFontTx/>
+                        <a:buNone/>
+                        <a:tabLst/>
+                        <a:defRPr/>
+                      </a:pPr>
+                      <a:r>
+                        <a:rPr lang="nl-BE" dirty="0"/>
+                        <a:t>DH</a:t>
+                      </a:r>
+                    </a:p>
+                  </a:txBody>
+                  <a:tcPr>
+                    <a:lnR w="12700" cap="flat" cmpd="sng" algn="ctr">
+                      <a:solidFill>
+                        <a:schemeClr val="tx1"/>
+                      </a:solidFill>
+                      <a:prstDash val="solid"/>
+                      <a:round/>
+                      <a:headEnd type="none" w="med" len="med"/>
+                      <a:tailEnd type="none" w="med" len="med"/>
+                    </a:lnR>
+                  </a:tcPr>
+                </a:tc>
+                <a:extLst>
+                  <a:ext uri="{0D108BD9-81ED-4DB2-BD59-A6C34878D82A}">
+                    <a16:rowId xmlns:a16="http://schemas.microsoft.com/office/drawing/2014/main" val="4226429342"/>
+                  </a:ext>
+                </a:extLst>
+              </a:tr>
+              <a:tr h="370840">
+                <a:tc>
+                  <a:txBody>
+                    <a:bodyPr/>
+                    <a:lstStyle/>
+                    <a:p>
+                      <a:pPr marL="0" marR="0" lvl="0" indent="0" algn="l" defTabSz="914400" rtl="0" eaLnBrk="1" fontAlgn="auto" latinLnBrk="0" hangingPunct="1">
+                        <a:lnSpc>
+                          <a:spcPct val="100000"/>
+                        </a:lnSpc>
+                        <a:spcBef>
+                          <a:spcPts val="0"/>
+                        </a:spcBef>
+                        <a:spcAft>
+                          <a:spcPts val="0"/>
+                        </a:spcAft>
+                        <a:buClrTx/>
+                        <a:buSzTx/>
+                        <a:buFontTx/>
+                        <a:buNone/>
+                        <a:tabLst/>
+                        <a:defRPr/>
+                      </a:pPr>
+                      <a:r>
+                        <a:rPr lang="nl-BE" dirty="0" err="1"/>
+                        <a:t>Tjorben</a:t>
+                      </a:r>
+                      <a:r>
+                        <a:rPr lang="nl-BE" dirty="0"/>
+                        <a:t> </a:t>
+                      </a:r>
+                      <a:r>
+                        <a:rPr lang="nl-BE" dirty="0" err="1"/>
+                        <a:t>Godeau</a:t>
+                      </a:r>
+                      <a:endParaRPr lang="nl-BE" dirty="0"/>
+                    </a:p>
+                  </a:txBody>
+                  <a:tcPr>
+                    <a:lnL w="12700" cap="flat" cmpd="sng" algn="ctr">
+                      <a:solidFill>
+                        <a:schemeClr val="tx1"/>
+                      </a:solidFill>
+                      <a:prstDash val="solid"/>
+                      <a:round/>
+                      <a:headEnd type="none" w="med" len="med"/>
+                      <a:tailEnd type="none" w="med" len="med"/>
+                    </a:lnL>
+                    <a:lnB w="12700" cap="flat" cmpd="sng" algn="ctr">
+                      <a:solidFill>
+                        <a:schemeClr val="tx1"/>
+                      </a:solidFill>
+                      <a:prstDash val="solid"/>
+                      <a:round/>
+                      <a:headEnd type="none" w="med" len="med"/>
+                      <a:tailEnd type="none" w="med" len="med"/>
+                    </a:lnB>
+                  </a:tcPr>
+                </a:tc>
+                <a:tc>
+                  <a:txBody>
+                    <a:bodyPr/>
+                    <a:lstStyle/>
+                    <a:p>
+                      <a:pPr marL="0" marR="0" lvl="0" indent="0" algn="l" defTabSz="914400" rtl="0" eaLnBrk="1" fontAlgn="auto" latinLnBrk="0" hangingPunct="1">
+                        <a:lnSpc>
+                          <a:spcPct val="100000"/>
+                        </a:lnSpc>
+                        <a:spcBef>
+                          <a:spcPts val="0"/>
+                        </a:spcBef>
+                        <a:spcAft>
+                          <a:spcPts val="0"/>
+                        </a:spcAft>
+                        <a:buClrTx/>
+                        <a:buSzTx/>
+                        <a:buFontTx/>
+                        <a:buNone/>
+                        <a:tabLst/>
+                        <a:defRPr/>
+                      </a:pPr>
+                      <a:r>
+                        <a:rPr lang="en-US" altLang="nl-BE" sz="1800" dirty="0">
+                          <a:solidFill>
+                            <a:srgbClr val="333333"/>
+                          </a:solidFill>
+                          <a:latin typeface="Verdana" panose="020B0604030504040204" pitchFamily="34" charset="0"/>
+                        </a:rPr>
+                        <a:t>AR</a:t>
+                      </a:r>
+                    </a:p>
+                  </a:txBody>
+                  <a:tcPr>
+                    <a:lnB w="12700" cap="flat" cmpd="sng" algn="ctr">
+                      <a:solidFill>
+                        <a:schemeClr val="tx1"/>
+                      </a:solidFill>
+                      <a:prstDash val="solid"/>
+                      <a:round/>
+                      <a:headEnd type="none" w="med" len="med"/>
+                      <a:tailEnd type="none" w="med" len="med"/>
+                    </a:lnB>
+                  </a:tcPr>
+                </a:tc>
+                <a:tc>
+                  <a:txBody>
+                    <a:bodyPr/>
+                    <a:lstStyle/>
+                    <a:p>
+                      <a:pPr marL="0" marR="0" lvl="0" indent="0" algn="l" defTabSz="914400" rtl="0" eaLnBrk="1" fontAlgn="auto" latinLnBrk="0" hangingPunct="1">
+                        <a:lnSpc>
+                          <a:spcPct val="100000"/>
+                        </a:lnSpc>
+                        <a:spcBef>
+                          <a:spcPts val="0"/>
+                        </a:spcBef>
+                        <a:spcAft>
+                          <a:spcPts val="0"/>
+                        </a:spcAft>
+                        <a:buClrTx/>
+                        <a:buSzTx/>
+                        <a:buFontTx/>
+                        <a:buNone/>
+                        <a:tabLst/>
+                        <a:defRPr/>
+                      </a:pPr>
+                      <a:r>
+                        <a:rPr lang="en-US" altLang="nl-BE" sz="1800" dirty="0">
+                          <a:solidFill>
+                            <a:srgbClr val="333333"/>
+                          </a:solidFill>
+                          <a:latin typeface="Verdana" panose="020B0604030504040204" pitchFamily="34" charset="0"/>
+                        </a:rPr>
+                        <a:t>AR</a:t>
+                      </a:r>
+                    </a:p>
+                  </a:txBody>
+                  <a:tcPr>
+                    <a:lnB w="12700" cap="flat" cmpd="sng" algn="ctr">
+                      <a:solidFill>
+                        <a:schemeClr val="tx1"/>
+                      </a:solidFill>
+                      <a:prstDash val="solid"/>
+                      <a:round/>
+                      <a:headEnd type="none" w="med" len="med"/>
+                      <a:tailEnd type="none" w="med" len="med"/>
+                    </a:lnB>
+                  </a:tcPr>
+                </a:tc>
+                <a:tc>
+                  <a:txBody>
+                    <a:bodyPr/>
+                    <a:lstStyle/>
+                    <a:p>
+                      <a:pPr marL="0" marR="0" lvl="0" indent="0" algn="l" defTabSz="914400" rtl="0" eaLnBrk="1" fontAlgn="auto" latinLnBrk="0" hangingPunct="1">
+                        <a:lnSpc>
+                          <a:spcPct val="100000"/>
+                        </a:lnSpc>
+                        <a:spcBef>
+                          <a:spcPts val="0"/>
+                        </a:spcBef>
+                        <a:spcAft>
+                          <a:spcPts val="0"/>
+                        </a:spcAft>
+                        <a:buClrTx/>
+                        <a:buSzTx/>
+                        <a:buFontTx/>
+                        <a:buNone/>
+                        <a:tabLst/>
+                        <a:defRPr/>
+                      </a:pPr>
+                      <a:r>
+                        <a:rPr lang="en-US" altLang="nl-BE" sz="1800" dirty="0">
+                          <a:solidFill>
+                            <a:srgbClr val="333333"/>
+                          </a:solidFill>
+                          <a:latin typeface="Verdana" panose="020B0604030504040204" pitchFamily="34" charset="0"/>
+                        </a:rPr>
+                        <a:t>AR</a:t>
+                      </a:r>
+                    </a:p>
+                  </a:txBody>
+                  <a:tcPr>
+                    <a:lnB w="12700" cap="flat" cmpd="sng" algn="ctr">
+                      <a:solidFill>
+                        <a:schemeClr val="tx1"/>
+                      </a:solidFill>
+                      <a:prstDash val="solid"/>
+                      <a:round/>
+                      <a:headEnd type="none" w="med" len="med"/>
+                      <a:tailEnd type="none" w="med" len="med"/>
+                    </a:lnB>
+                  </a:tcPr>
+                </a:tc>
+                <a:tc>
+                  <a:txBody>
+                    <a:bodyPr/>
+                    <a:lstStyle/>
+                    <a:p>
+                      <a:pPr marL="0" marR="0" lvl="0" indent="0" algn="l" defTabSz="914400" rtl="0" eaLnBrk="1" fontAlgn="auto" latinLnBrk="0" hangingPunct="1">
+                        <a:lnSpc>
+                          <a:spcPct val="100000"/>
+                        </a:lnSpc>
+                        <a:spcBef>
+                          <a:spcPts val="0"/>
+                        </a:spcBef>
+                        <a:spcAft>
+                          <a:spcPts val="0"/>
+                        </a:spcAft>
+                        <a:buClrTx/>
+                        <a:buSzTx/>
+                        <a:buFontTx/>
+                        <a:buNone/>
+                        <a:tabLst/>
+                        <a:defRPr/>
+                      </a:pPr>
+                      <a:r>
+                        <a:rPr lang="en-US" altLang="nl-BE" sz="1800" dirty="0">
+                          <a:solidFill>
+                            <a:srgbClr val="333333"/>
+                          </a:solidFill>
+                          <a:latin typeface="Verdana" panose="020B0604030504040204" pitchFamily="34" charset="0"/>
+                        </a:rPr>
+                        <a:t>AR</a:t>
+                      </a:r>
+                    </a:p>
+                  </a:txBody>
+                  <a:tcPr>
+                    <a:lnR w="12700" cap="flat" cmpd="sng" algn="ctr">
+                      <a:solidFill>
+                        <a:schemeClr val="tx1"/>
+                      </a:solidFill>
+                      <a:prstDash val="solid"/>
+                      <a:round/>
+                      <a:headEnd type="none" w="med" len="med"/>
+                      <a:tailEnd type="none" w="med" len="med"/>
+                    </a:lnR>
+                    <a:lnB w="12700" cap="flat" cmpd="sng" algn="ctr">
+                      <a:solidFill>
+                        <a:schemeClr val="tx1"/>
+                      </a:solidFill>
+                      <a:prstDash val="solid"/>
+                      <a:round/>
+                      <a:headEnd type="none" w="med" len="med"/>
+                      <a:tailEnd type="none" w="med" len="med"/>
+                    </a:lnB>
+                  </a:tcPr>
+                </a:tc>
+                <a:extLst>
+                  <a:ext uri="{0D108BD9-81ED-4DB2-BD59-A6C34878D82A}">
+                    <a16:rowId xmlns:a16="http://schemas.microsoft.com/office/drawing/2014/main" val="3156394708"/>
+                  </a:ext>
+                </a:extLst>
+              </a:tr>
+            </a:tbl>
+          </a:graphicData>
+        </a:graphic>
+      </p:graphicFrame>
+      <p:sp>
+        <p:nvSpPr>
+          <p:cNvPr id="32" name="Rectangle 8">
+            <a:extLst>
+              <a:ext uri="{FF2B5EF4-FFF2-40B4-BE49-F238E27FC236}">
+                <a16:creationId xmlns:a16="http://schemas.microsoft.com/office/drawing/2014/main" id="{8532E473-3AD0-1ACA-DBD6-4C38F717FFAD}"/>
+              </a:ext>
+            </a:extLst>
+          </p:cNvPr>
+          <p:cNvSpPr>
+            <a:spLocks noChangeArrowheads="1"/>
+          </p:cNvSpPr>
+          <p:nvPr/>
+        </p:nvSpPr>
+        <p:spPr bwMode="auto">
+          <a:xfrm>
+            <a:off x="576000" y="3212786"/>
+            <a:ext cx="11311200" cy="304800"/>
+          </a:xfrm>
+          <a:prstGeom prst="rect">
+            <a:avLst/>
+          </a:prstGeom>
+          <a:solidFill>
+            <a:schemeClr val="tx2">
+              <a:lumMod val="75000"/>
+            </a:schemeClr>
+          </a:solidFill>
+          <a:ln w="9525">
+            <a:solidFill>
+              <a:srgbClr val="333333"/>
+            </a:solidFill>
+            <a:miter lim="800000"/>
+            <a:headEnd/>
+            <a:tailEnd/>
+          </a:ln>
+          <a:effectLst/>
+        </p:spPr>
+        <p:txBody>
+          <a:bodyPr wrap="none" anchor="ctr"/>
+          <a:lstStyle/>
+          <a:p>
+            <a:r>
+              <a:rPr lang="en-US" altLang="nl-BE" sz="1400" b="1" dirty="0" err="1">
+                <a:solidFill>
+                  <a:schemeClr val="bg1"/>
+                </a:solidFill>
+                <a:latin typeface="Verdana" panose="020B0604030504040204" pitchFamily="34" charset="0"/>
+              </a:rPr>
+              <a:t>Uitgevoerde</a:t>
+            </a:r>
+            <a:r>
+              <a:rPr lang="en-US" altLang="nl-BE" sz="1400" b="1" dirty="0">
+                <a:solidFill>
+                  <a:schemeClr val="bg1"/>
+                </a:solidFill>
+                <a:latin typeface="Verdana" panose="020B0604030504040204" pitchFamily="34" charset="0"/>
+              </a:rPr>
+              <a:t> taken </a:t>
+            </a:r>
+            <a:r>
+              <a:rPr lang="en-US" altLang="nl-BE" sz="1400" b="1" dirty="0" err="1">
+                <a:solidFill>
+                  <a:schemeClr val="bg1"/>
+                </a:solidFill>
+                <a:latin typeface="Verdana" panose="020B0604030504040204" pitchFamily="34" charset="0"/>
+              </a:rPr>
+              <a:t>tijdens</a:t>
+            </a:r>
+            <a:r>
+              <a:rPr lang="en-US" altLang="nl-BE" sz="1400" b="1" dirty="0">
+                <a:solidFill>
+                  <a:schemeClr val="bg1"/>
+                </a:solidFill>
+                <a:latin typeface="Verdana" panose="020B0604030504040204" pitchFamily="34" charset="0"/>
+              </a:rPr>
+              <a:t> </a:t>
+            </a:r>
+            <a:r>
+              <a:rPr lang="en-US" altLang="nl-BE" sz="1400" b="1" dirty="0" err="1">
+                <a:solidFill>
+                  <a:schemeClr val="bg1"/>
+                </a:solidFill>
+                <a:latin typeface="Verdana" panose="020B0604030504040204" pitchFamily="34" charset="0"/>
+              </a:rPr>
+              <a:t>teamzitting</a:t>
+            </a:r>
+            <a:endParaRPr lang="en-US" altLang="nl-BE" sz="1400" b="1" dirty="0">
+              <a:solidFill>
+                <a:schemeClr val="bg1"/>
+              </a:solidFill>
+              <a:latin typeface="Verdana" panose="020B0604030504040204" pitchFamily="34" charset="0"/>
+            </a:endParaRPr>
+          </a:p>
+        </p:txBody>
+      </p:sp>
+      <p:sp>
+        <p:nvSpPr>
+          <p:cNvPr id="33" name="Rectangle 7">
+            <a:extLst>
+              <a:ext uri="{FF2B5EF4-FFF2-40B4-BE49-F238E27FC236}">
+                <a16:creationId xmlns:a16="http://schemas.microsoft.com/office/drawing/2014/main" id="{8C784DF3-91D0-06EA-41CD-A662AB28C0FF}"/>
+              </a:ext>
+            </a:extLst>
+          </p:cNvPr>
+          <p:cNvSpPr>
+            <a:spLocks noChangeArrowheads="1"/>
+          </p:cNvSpPr>
+          <p:nvPr/>
+        </p:nvSpPr>
+        <p:spPr bwMode="auto">
+          <a:xfrm>
+            <a:off x="6946320" y="695718"/>
+            <a:ext cx="4940880" cy="1018404"/>
+          </a:xfrm>
+          <a:prstGeom prst="rect">
+            <a:avLst/>
+          </a:prstGeom>
+          <a:noFill/>
+          <a:ln w="9525">
+            <a:solidFill>
+              <a:srgbClr val="333333"/>
+            </a:solidFill>
+            <a:miter lim="800000"/>
+            <a:headEnd/>
+            <a:tailEnd/>
+          </a:ln>
+          <a:effectLst/>
+          <a:extLst>
+            <a:ext uri="{909E8E84-426E-40DD-AFC4-6F175D3DCCD1}">
+              <a14:hiddenFill xmlns:a14="http://schemas.microsoft.com/office/drawing/2010/main">
+                <a:solidFill>
+                  <a:schemeClr val="accent1"/>
+                </a:solidFill>
+              </a14:hiddenFill>
+            </a:ext>
+            <a:ext uri="{AF507438-7753-43E0-B8FC-AC1667EBCBE1}">
+              <a14:hiddenEffects xmlns:a14="http://schemas.microsoft.com/office/drawing/2010/main">
+                <a:effectLst>
+                  <a:outerShdw dist="35921" dir="2700000" algn="ctr" rotWithShape="0">
+                    <a:schemeClr val="bg2"/>
+                  </a:outerShdw>
+                </a:effectLst>
+              </a14:hiddenEffects>
+            </a:ext>
+          </a:extLst>
+        </p:spPr>
+        <p:txBody>
+          <a:bodyPr wrap="none" anchor="ctr"/>
+          <a:lstStyle/>
+          <a:p>
+            <a:endParaRPr lang="nl-BE"/>
+          </a:p>
+        </p:txBody>
+      </p:sp>
+      <p:sp>
+        <p:nvSpPr>
+          <p:cNvPr id="34" name="Rectangle 8">
+            <a:extLst>
+              <a:ext uri="{FF2B5EF4-FFF2-40B4-BE49-F238E27FC236}">
+                <a16:creationId xmlns:a16="http://schemas.microsoft.com/office/drawing/2014/main" id="{DAE5054B-71F1-C2E9-80C9-BD8557A87D5A}"/>
+              </a:ext>
+            </a:extLst>
+          </p:cNvPr>
+          <p:cNvSpPr>
+            <a:spLocks noChangeArrowheads="1"/>
+          </p:cNvSpPr>
+          <p:nvPr/>
+        </p:nvSpPr>
+        <p:spPr bwMode="auto">
+          <a:xfrm>
+            <a:off x="6946320" y="695718"/>
+            <a:ext cx="4940880" cy="304800"/>
+          </a:xfrm>
+          <a:prstGeom prst="rect">
+            <a:avLst/>
+          </a:prstGeom>
+          <a:solidFill>
+            <a:schemeClr val="tx2">
+              <a:lumMod val="75000"/>
+            </a:schemeClr>
+          </a:solidFill>
+          <a:ln w="9525">
+            <a:solidFill>
+              <a:srgbClr val="333333"/>
+            </a:solidFill>
+            <a:miter lim="800000"/>
+            <a:headEnd/>
+            <a:tailEnd/>
+          </a:ln>
+          <a:effectLst/>
+        </p:spPr>
+        <p:txBody>
+          <a:bodyPr wrap="none" anchor="ctr"/>
+          <a:lstStyle/>
+          <a:p>
+            <a:r>
+              <a:rPr lang="en-US" altLang="nl-BE" sz="1400" b="1" dirty="0" err="1">
+                <a:solidFill>
+                  <a:schemeClr val="bg1"/>
+                </a:solidFill>
+                <a:latin typeface="Verdana" panose="020B0604030504040204" pitchFamily="34" charset="0"/>
+              </a:rPr>
+              <a:t>Voltooide</a:t>
+            </a:r>
+            <a:r>
+              <a:rPr lang="en-US" altLang="nl-BE" sz="1400" b="1" dirty="0">
+                <a:solidFill>
+                  <a:schemeClr val="bg1"/>
+                </a:solidFill>
+                <a:latin typeface="Verdana" panose="020B0604030504040204" pitchFamily="34" charset="0"/>
+              </a:rPr>
+              <a:t> </a:t>
+            </a:r>
+            <a:r>
+              <a:rPr lang="en-US" altLang="nl-BE" sz="1400" b="1" dirty="0" err="1">
+                <a:solidFill>
+                  <a:schemeClr val="bg1"/>
+                </a:solidFill>
+                <a:latin typeface="Verdana" panose="020B0604030504040204" pitchFamily="34" charset="0"/>
+              </a:rPr>
+              <a:t>acties</a:t>
+            </a:r>
+            <a:r>
+              <a:rPr lang="en-US" altLang="nl-BE" sz="1400" b="1" dirty="0">
+                <a:solidFill>
+                  <a:schemeClr val="bg1"/>
+                </a:solidFill>
+                <a:latin typeface="Verdana" panose="020B0604030504040204" pitchFamily="34" charset="0"/>
+              </a:rPr>
+              <a:t> – </a:t>
+            </a:r>
+            <a:r>
+              <a:rPr lang="en-US" altLang="nl-BE" sz="1400" b="1" dirty="0" err="1">
+                <a:solidFill>
+                  <a:schemeClr val="bg1"/>
+                </a:solidFill>
+                <a:latin typeface="Verdana" panose="020B0604030504040204" pitchFamily="34" charset="0"/>
+              </a:rPr>
+              <a:t>mijlpalen</a:t>
+            </a:r>
+            <a:endParaRPr lang="en-US" altLang="nl-BE" sz="1400" b="1" dirty="0">
+              <a:solidFill>
+                <a:schemeClr val="bg1"/>
+              </a:solidFill>
+              <a:latin typeface="Verdana" panose="020B0604030504040204" pitchFamily="34" charset="0"/>
+            </a:endParaRPr>
+          </a:p>
+        </p:txBody>
+      </p:sp>
+      <p:sp>
+        <p:nvSpPr>
+          <p:cNvPr id="35" name="Rectangle 20">
+            <a:extLst>
+              <a:ext uri="{FF2B5EF4-FFF2-40B4-BE49-F238E27FC236}">
+                <a16:creationId xmlns:a16="http://schemas.microsoft.com/office/drawing/2014/main" id="{CA220699-8C1A-C150-E2CF-34C808F65288}"/>
+              </a:ext>
+            </a:extLst>
+          </p:cNvPr>
+          <p:cNvSpPr>
+            <a:spLocks noChangeArrowheads="1"/>
+          </p:cNvSpPr>
+          <p:nvPr/>
+        </p:nvSpPr>
+        <p:spPr bwMode="auto">
+          <a:xfrm>
+            <a:off x="6946320" y="1017296"/>
+            <a:ext cx="4940880" cy="713604"/>
+          </a:xfrm>
+          <a:prstGeom prst="rect">
+            <a:avLst/>
+          </a:prstGeom>
+          <a:noFill/>
+          <a:ln>
+            <a:noFill/>
+          </a:ln>
+          <a:effectLst/>
+          <a:extLst>
+            <a:ext uri="{909E8E84-426E-40DD-AFC4-6F175D3DCCD1}">
+              <a14:hiddenFill xmlns:a14="http://schemas.microsoft.com/office/drawing/2010/main">
+                <a:solidFill>
+                  <a:srgbClr val="333333"/>
+                </a:solidFill>
+              </a14:hiddenFill>
+            </a:ext>
+            <a:ext uri="{91240B29-F687-4F45-9708-019B960494DF}">
+              <a14:hiddenLine xmlns:a14="http://schemas.microsoft.com/office/drawing/2010/main" w="9525">
+                <a:solidFill>
+                  <a:srgbClr val="333333"/>
+                </a:solidFill>
+                <a:miter lim="800000"/>
+                <a:headEnd/>
+                <a:tailEnd/>
+              </a14:hiddenLine>
+            </a:ext>
+            <a:ext uri="{AF507438-7753-43E0-B8FC-AC1667EBCBE1}">
+              <a14:hiddenEffects xmlns:a14="http://schemas.microsoft.com/office/drawing/2010/main">
+                <a:effectLst>
+                  <a:outerShdw dist="35921" dir="2700000" algn="ctr" rotWithShape="0">
+                    <a:schemeClr val="bg2"/>
+                  </a:outerShdw>
+                </a:effectLst>
+              </a14:hiddenEffects>
+            </a:ext>
+          </a:extLst>
+        </p:spPr>
+        <p:txBody>
+          <a:bodyPr wrap="none"/>
+          <a:lstStyle/>
+          <a:p>
+            <a:endParaRPr lang="en-US" altLang="nl-BE" sz="1200" dirty="0">
+              <a:solidFill>
+                <a:srgbClr val="333333"/>
+              </a:solidFill>
+              <a:latin typeface="Verdana" panose="020B0604030504040204" pitchFamily="34" charset="0"/>
+            </a:endParaRPr>
+          </a:p>
+        </p:txBody>
+      </p:sp>
+      <p:sp>
+        <p:nvSpPr>
+          <p:cNvPr id="36" name="Rectangle 7">
+            <a:extLst>
+              <a:ext uri="{FF2B5EF4-FFF2-40B4-BE49-F238E27FC236}">
+                <a16:creationId xmlns:a16="http://schemas.microsoft.com/office/drawing/2014/main" id="{E522FAAD-4C4E-A54F-A8AD-49240F449D94}"/>
+              </a:ext>
+            </a:extLst>
+          </p:cNvPr>
+          <p:cNvSpPr>
+            <a:spLocks noChangeArrowheads="1"/>
+          </p:cNvSpPr>
+          <p:nvPr/>
+        </p:nvSpPr>
+        <p:spPr bwMode="auto">
+          <a:xfrm>
+            <a:off x="6946320" y="1901580"/>
+            <a:ext cx="4940880" cy="1152124"/>
+          </a:xfrm>
+          <a:prstGeom prst="rect">
+            <a:avLst/>
+          </a:prstGeom>
+          <a:noFill/>
+          <a:ln w="9525">
+            <a:solidFill>
+              <a:srgbClr val="333333"/>
+            </a:solidFill>
+            <a:miter lim="800000"/>
+            <a:headEnd/>
+            <a:tailEnd/>
+          </a:ln>
+          <a:effectLst/>
+          <a:extLst>
+            <a:ext uri="{909E8E84-426E-40DD-AFC4-6F175D3DCCD1}">
+              <a14:hiddenFill xmlns:a14="http://schemas.microsoft.com/office/drawing/2010/main">
+                <a:solidFill>
+                  <a:schemeClr val="accent1"/>
+                </a:solidFill>
+              </a14:hiddenFill>
+            </a:ext>
+            <a:ext uri="{AF507438-7753-43E0-B8FC-AC1667EBCBE1}">
+              <a14:hiddenEffects xmlns:a14="http://schemas.microsoft.com/office/drawing/2010/main">
+                <a:effectLst>
+                  <a:outerShdw dist="35921" dir="2700000" algn="ctr" rotWithShape="0">
+                    <a:schemeClr val="bg2"/>
+                  </a:outerShdw>
+                </a:effectLst>
+              </a14:hiddenEffects>
+            </a:ext>
+          </a:extLst>
+        </p:spPr>
+        <p:txBody>
+          <a:bodyPr wrap="none" anchor="ctr"/>
+          <a:lstStyle/>
+          <a:p>
+            <a:endParaRPr lang="nl-BE"/>
+          </a:p>
+        </p:txBody>
+      </p:sp>
+      <p:sp>
+        <p:nvSpPr>
+          <p:cNvPr id="37" name="Rectangle 8">
+            <a:extLst>
+              <a:ext uri="{FF2B5EF4-FFF2-40B4-BE49-F238E27FC236}">
+                <a16:creationId xmlns:a16="http://schemas.microsoft.com/office/drawing/2014/main" id="{27D7948D-3EDF-A9AD-5576-B7B4C9037342}"/>
+              </a:ext>
+            </a:extLst>
+          </p:cNvPr>
+          <p:cNvSpPr>
+            <a:spLocks noChangeArrowheads="1"/>
+          </p:cNvSpPr>
+          <p:nvPr/>
+        </p:nvSpPr>
+        <p:spPr bwMode="auto">
+          <a:xfrm>
+            <a:off x="6946320" y="1901580"/>
+            <a:ext cx="4940880" cy="304800"/>
+          </a:xfrm>
+          <a:prstGeom prst="rect">
+            <a:avLst/>
+          </a:prstGeom>
+          <a:solidFill>
+            <a:schemeClr val="tx2">
+              <a:lumMod val="75000"/>
+            </a:schemeClr>
+          </a:solidFill>
+          <a:ln w="9525">
+            <a:solidFill>
+              <a:srgbClr val="333333"/>
+            </a:solidFill>
+            <a:miter lim="800000"/>
+            <a:headEnd/>
+            <a:tailEnd/>
+          </a:ln>
+          <a:effectLst/>
+        </p:spPr>
+        <p:txBody>
+          <a:bodyPr wrap="none" anchor="ctr"/>
+          <a:lstStyle/>
+          <a:p>
+            <a:r>
+              <a:rPr lang="en-US" altLang="nl-BE" sz="1400" b="1" dirty="0" err="1">
+                <a:solidFill>
+                  <a:schemeClr val="bg1"/>
+                </a:solidFill>
+                <a:latin typeface="Verdana" panose="020B0604030504040204" pitchFamily="34" charset="0"/>
+              </a:rPr>
+              <a:t>Lopende</a:t>
+            </a:r>
+            <a:r>
+              <a:rPr lang="en-US" altLang="nl-BE" sz="1400" b="1" dirty="0">
+                <a:solidFill>
+                  <a:schemeClr val="bg1"/>
+                </a:solidFill>
+                <a:latin typeface="Verdana" panose="020B0604030504040204" pitchFamily="34" charset="0"/>
+              </a:rPr>
+              <a:t> </a:t>
+            </a:r>
+            <a:r>
+              <a:rPr lang="en-US" altLang="nl-BE" sz="1400" b="1" dirty="0" err="1">
+                <a:solidFill>
+                  <a:schemeClr val="bg1"/>
+                </a:solidFill>
+                <a:latin typeface="Verdana" panose="020B0604030504040204" pitchFamily="34" charset="0"/>
+              </a:rPr>
+              <a:t>acties</a:t>
+            </a:r>
+            <a:r>
+              <a:rPr lang="en-US" altLang="nl-BE" sz="1400" b="1" dirty="0">
+                <a:solidFill>
+                  <a:schemeClr val="bg1"/>
+                </a:solidFill>
+                <a:latin typeface="Verdana" panose="020B0604030504040204" pitchFamily="34" charset="0"/>
+              </a:rPr>
+              <a:t> – </a:t>
+            </a:r>
+            <a:r>
+              <a:rPr lang="en-US" altLang="nl-BE" sz="1400" b="1" dirty="0" err="1">
+                <a:solidFill>
+                  <a:schemeClr val="bg1"/>
+                </a:solidFill>
+                <a:latin typeface="Verdana" panose="020B0604030504040204" pitchFamily="34" charset="0"/>
+              </a:rPr>
+              <a:t>volgende</a:t>
+            </a:r>
+            <a:r>
+              <a:rPr lang="en-US" altLang="nl-BE" sz="1400" b="1" dirty="0">
+                <a:solidFill>
+                  <a:schemeClr val="bg1"/>
+                </a:solidFill>
+                <a:latin typeface="Verdana" panose="020B0604030504040204" pitchFamily="34" charset="0"/>
+              </a:rPr>
+              <a:t> </a:t>
+            </a:r>
+            <a:r>
+              <a:rPr lang="en-US" altLang="nl-BE" sz="1400" b="1" dirty="0" err="1">
+                <a:solidFill>
+                  <a:schemeClr val="bg1"/>
+                </a:solidFill>
+                <a:latin typeface="Verdana" panose="020B0604030504040204" pitchFamily="34" charset="0"/>
+              </a:rPr>
+              <a:t>stappen</a:t>
+            </a:r>
+            <a:endParaRPr lang="en-US" altLang="nl-BE" sz="1400" b="1" dirty="0">
+              <a:solidFill>
+                <a:schemeClr val="bg1"/>
+              </a:solidFill>
+              <a:latin typeface="Verdana" panose="020B0604030504040204" pitchFamily="34" charset="0"/>
+            </a:endParaRPr>
+          </a:p>
+        </p:txBody>
+      </p:sp>
+      <p:sp>
+        <p:nvSpPr>
+          <p:cNvPr id="38" name="Rectangle 20">
+            <a:extLst>
+              <a:ext uri="{FF2B5EF4-FFF2-40B4-BE49-F238E27FC236}">
+                <a16:creationId xmlns:a16="http://schemas.microsoft.com/office/drawing/2014/main" id="{2728EF24-94C7-6A18-7240-28E5437CB6DC}"/>
+              </a:ext>
+            </a:extLst>
+          </p:cNvPr>
+          <p:cNvSpPr>
+            <a:spLocks noChangeArrowheads="1"/>
+          </p:cNvSpPr>
+          <p:nvPr/>
+        </p:nvSpPr>
+        <p:spPr bwMode="auto">
+          <a:xfrm>
+            <a:off x="6946320" y="2206380"/>
+            <a:ext cx="4940880" cy="909872"/>
+          </a:xfrm>
+          <a:prstGeom prst="rect">
+            <a:avLst/>
+          </a:prstGeom>
+          <a:noFill/>
+          <a:ln>
+            <a:noFill/>
+          </a:ln>
+          <a:effectLst/>
+          <a:extLst>
+            <a:ext uri="{909E8E84-426E-40DD-AFC4-6F175D3DCCD1}">
+              <a14:hiddenFill xmlns:a14="http://schemas.microsoft.com/office/drawing/2010/main">
+                <a:solidFill>
+                  <a:srgbClr val="333333"/>
+                </a:solidFill>
+              </a14:hiddenFill>
+            </a:ext>
+            <a:ext uri="{91240B29-F687-4F45-9708-019B960494DF}">
+              <a14:hiddenLine xmlns:a14="http://schemas.microsoft.com/office/drawing/2010/main" w="9525">
+                <a:solidFill>
+                  <a:srgbClr val="333333"/>
+                </a:solidFill>
+                <a:miter lim="800000"/>
+                <a:headEnd/>
+                <a:tailEnd/>
+              </a14:hiddenLine>
+            </a:ext>
+            <a:ext uri="{AF507438-7753-43E0-B8FC-AC1667EBCBE1}">
+              <a14:hiddenEffects xmlns:a14="http://schemas.microsoft.com/office/drawing/2010/main">
+                <a:effectLst>
+                  <a:outerShdw dist="35921" dir="2700000" algn="ctr" rotWithShape="0">
+                    <a:schemeClr val="bg2"/>
+                  </a:outerShdw>
+                </a:effectLst>
+              </a14:hiddenEffects>
+            </a:ext>
+          </a:extLst>
+        </p:spPr>
+        <p:txBody>
+          <a:bodyPr wrap="none"/>
+          <a:lstStyle/>
+          <a:p>
+            <a:endParaRPr lang="en-US" altLang="nl-BE" sz="1200" dirty="0">
+              <a:solidFill>
+                <a:srgbClr val="333333"/>
+              </a:solidFill>
+              <a:latin typeface="Verdana" panose="020B0604030504040204" pitchFamily="34" charset="0"/>
+            </a:endParaRPr>
+          </a:p>
+        </p:txBody>
+      </p:sp>
+      <p:sp>
+        <p:nvSpPr>
+          <p:cNvPr id="6" name="Rectangle 20">
+            <a:extLst>
+              <a:ext uri="{FF2B5EF4-FFF2-40B4-BE49-F238E27FC236}">
+                <a16:creationId xmlns:a16="http://schemas.microsoft.com/office/drawing/2014/main" id="{36B2768F-C43F-065E-FE5D-C9B16EAEA476}"/>
+              </a:ext>
+            </a:extLst>
+          </p:cNvPr>
+          <p:cNvSpPr>
+            <a:spLocks noChangeArrowheads="1"/>
+          </p:cNvSpPr>
+          <p:nvPr/>
+        </p:nvSpPr>
+        <p:spPr bwMode="auto">
+          <a:xfrm>
+            <a:off x="6940800" y="1000518"/>
+            <a:ext cx="4946400" cy="713604"/>
+          </a:xfrm>
+          <a:prstGeom prst="rect">
+            <a:avLst/>
+          </a:prstGeom>
+          <a:noFill/>
+          <a:ln>
+            <a:noFill/>
+          </a:ln>
+          <a:effectLst/>
+          <a:extLst>
+            <a:ext uri="{909E8E84-426E-40DD-AFC4-6F175D3DCCD1}">
+              <a14:hiddenFill xmlns:a14="http://schemas.microsoft.com/office/drawing/2010/main">
+                <a:solidFill>
+                  <a:srgbClr val="333333"/>
+                </a:solidFill>
+              </a14:hiddenFill>
+            </a:ext>
+            <a:ext uri="{91240B29-F687-4F45-9708-019B960494DF}">
+              <a14:hiddenLine xmlns:a14="http://schemas.microsoft.com/office/drawing/2010/main" w="9525">
+                <a:solidFill>
+                  <a:srgbClr val="333333"/>
+                </a:solidFill>
+                <a:miter lim="800000"/>
+                <a:headEnd/>
+                <a:tailEnd/>
+              </a14:hiddenLine>
+            </a:ext>
+            <a:ext uri="{AF507438-7753-43E0-B8FC-AC1667EBCBE1}">
+              <a14:hiddenEffects xmlns:a14="http://schemas.microsoft.com/office/drawing/2010/main">
+                <a:effectLst>
+                  <a:outerShdw dist="35921" dir="2700000" algn="ctr" rotWithShape="0">
+                    <a:schemeClr val="bg2"/>
+                  </a:outerShdw>
+                </a:effectLst>
+              </a14:hiddenEffects>
+            </a:ext>
+          </a:extLst>
+        </p:spPr>
+        <p:txBody>
+          <a:bodyPr wrap="none"/>
+          <a:lstStyle/>
+          <a:p>
+            <a:pPr>
+              <a:buFontTx/>
+              <a:buChar char="•"/>
+            </a:pPr>
+            <a:r>
+              <a:rPr lang="en-US" altLang="nl-BE" sz="1200" dirty="0">
+                <a:solidFill>
+                  <a:srgbClr val="333333"/>
+                </a:solidFill>
+                <a:latin typeface="Verdana" panose="020B0604030504040204" pitchFamily="34" charset="0"/>
+              </a:rPr>
+              <a:t> Brochure</a:t>
+            </a:r>
+          </a:p>
+          <a:p>
+            <a:pPr>
+              <a:buFontTx/>
+              <a:buChar char="•"/>
+            </a:pPr>
+            <a:r>
+              <a:rPr lang="en-US" altLang="nl-BE" sz="1200" dirty="0">
+                <a:solidFill>
+                  <a:srgbClr val="333333"/>
+                </a:solidFill>
+                <a:latin typeface="Verdana" panose="020B0604030504040204" pitchFamily="34" charset="0"/>
+              </a:rPr>
+              <a:t> Adding Restrictions</a:t>
+            </a:r>
+          </a:p>
+          <a:p>
+            <a:endParaRPr lang="en-US" altLang="nl-BE" sz="1200" dirty="0">
+              <a:solidFill>
+                <a:srgbClr val="333333"/>
+              </a:solidFill>
+              <a:latin typeface="Verdana" panose="020B0604030504040204" pitchFamily="34" charset="0"/>
+            </a:endParaRPr>
+          </a:p>
+        </p:txBody>
+      </p:sp>
+      <p:sp>
+        <p:nvSpPr>
+          <p:cNvPr id="2" name="Rectangle 20">
+            <a:extLst>
+              <a:ext uri="{FF2B5EF4-FFF2-40B4-BE49-F238E27FC236}">
+                <a16:creationId xmlns:a16="http://schemas.microsoft.com/office/drawing/2014/main" id="{92C87990-DCE2-9586-EF8E-6726A456D115}"/>
+              </a:ext>
+            </a:extLst>
+          </p:cNvPr>
+          <p:cNvSpPr>
+            <a:spLocks noChangeArrowheads="1"/>
+          </p:cNvSpPr>
+          <p:nvPr/>
+        </p:nvSpPr>
+        <p:spPr bwMode="auto">
+          <a:xfrm>
+            <a:off x="6946320" y="2206380"/>
+            <a:ext cx="4946400" cy="847324"/>
+          </a:xfrm>
+          <a:prstGeom prst="rect">
+            <a:avLst/>
+          </a:prstGeom>
+          <a:noFill/>
+          <a:ln>
+            <a:noFill/>
+          </a:ln>
+          <a:effectLst/>
+          <a:extLst>
+            <a:ext uri="{909E8E84-426E-40DD-AFC4-6F175D3DCCD1}">
+              <a14:hiddenFill xmlns:a14="http://schemas.microsoft.com/office/drawing/2010/main">
+                <a:solidFill>
+                  <a:srgbClr val="333333"/>
+                </a:solidFill>
+              </a14:hiddenFill>
+            </a:ext>
+            <a:ext uri="{91240B29-F687-4F45-9708-019B960494DF}">
+              <a14:hiddenLine xmlns:a14="http://schemas.microsoft.com/office/drawing/2010/main" w="9525">
+                <a:solidFill>
+                  <a:srgbClr val="333333"/>
+                </a:solidFill>
+                <a:miter lim="800000"/>
+                <a:headEnd/>
+                <a:tailEnd/>
+              </a14:hiddenLine>
+            </a:ext>
+            <a:ext uri="{AF507438-7753-43E0-B8FC-AC1667EBCBE1}">
+              <a14:hiddenEffects xmlns:a14="http://schemas.microsoft.com/office/drawing/2010/main">
+                <a:effectLst>
+                  <a:outerShdw dist="35921" dir="2700000" algn="ctr" rotWithShape="0">
+                    <a:schemeClr val="bg2"/>
+                  </a:outerShdw>
+                </a:effectLst>
+              </a14:hiddenEffects>
+            </a:ext>
+          </a:extLst>
+        </p:spPr>
+        <p:txBody>
+          <a:bodyPr wrap="none"/>
+          <a:lstStyle/>
+          <a:p>
+            <a:pPr>
+              <a:buFontTx/>
+              <a:buChar char="•"/>
+            </a:pPr>
+            <a:r>
+              <a:rPr lang="en-US" altLang="nl-BE" sz="1200" dirty="0">
+                <a:solidFill>
+                  <a:srgbClr val="333333"/>
+                </a:solidFill>
+                <a:latin typeface="Verdana" panose="020B0604030504040204" pitchFamily="34" charset="0"/>
+              </a:rPr>
+              <a:t> </a:t>
+            </a:r>
+            <a:r>
+              <a:rPr lang="en-US" altLang="nl-BE" sz="1200" dirty="0" err="1">
+                <a:solidFill>
+                  <a:srgbClr val="333333"/>
+                </a:solidFill>
+                <a:latin typeface="Verdana" panose="020B0604030504040204" pitchFamily="34" charset="0"/>
+              </a:rPr>
+              <a:t>Facerecognition</a:t>
+            </a:r>
+            <a:r>
+              <a:rPr lang="en-US" altLang="nl-BE" sz="1200" dirty="0">
+                <a:solidFill>
+                  <a:srgbClr val="333333"/>
+                </a:solidFill>
+                <a:latin typeface="Verdana" panose="020B0604030504040204" pitchFamily="34" charset="0"/>
+              </a:rPr>
+              <a:t> + Multiprocessing</a:t>
+            </a:r>
+          </a:p>
+          <a:p>
+            <a:pPr>
+              <a:buFontTx/>
+              <a:buChar char="•"/>
+            </a:pPr>
+            <a:r>
+              <a:rPr lang="en-US" altLang="nl-BE" sz="1200" dirty="0">
+                <a:solidFill>
+                  <a:srgbClr val="333333"/>
+                </a:solidFill>
+                <a:latin typeface="Verdana" panose="020B0604030504040204" pitchFamily="34" charset="0"/>
+              </a:rPr>
+              <a:t> </a:t>
+            </a:r>
+            <a:r>
+              <a:rPr lang="en-US" altLang="nl-BE" sz="1200" dirty="0" err="1">
+                <a:solidFill>
+                  <a:srgbClr val="333333"/>
+                </a:solidFill>
+                <a:latin typeface="Verdana" panose="020B0604030504040204" pitchFamily="34" charset="0"/>
+              </a:rPr>
+              <a:t>Dlib</a:t>
+            </a:r>
+            <a:r>
+              <a:rPr lang="en-US" altLang="nl-BE" sz="1200" dirty="0">
+                <a:solidFill>
+                  <a:srgbClr val="333333"/>
+                </a:solidFill>
+                <a:latin typeface="Verdana" panose="020B0604030504040204" pitchFamily="34" charset="0"/>
+              </a:rPr>
+              <a:t> </a:t>
+            </a:r>
+            <a:r>
+              <a:rPr lang="en-US" altLang="nl-BE" sz="1200" dirty="0" err="1">
+                <a:solidFill>
+                  <a:srgbClr val="333333"/>
+                </a:solidFill>
+                <a:latin typeface="Verdana" panose="020B0604030504040204" pitchFamily="34" charset="0"/>
+              </a:rPr>
+              <a:t>Headdetection</a:t>
+            </a:r>
+            <a:endParaRPr lang="en-US" altLang="nl-BE" sz="1200" dirty="0">
+              <a:solidFill>
+                <a:srgbClr val="333333"/>
+              </a:solidFill>
+              <a:latin typeface="Verdana" panose="020B0604030504040204" pitchFamily="34" charset="0"/>
+            </a:endParaRPr>
+          </a:p>
+          <a:p>
+            <a:pPr>
+              <a:buFontTx/>
+              <a:buChar char="•"/>
+            </a:pPr>
+            <a:r>
+              <a:rPr lang="en-US" altLang="nl-BE" sz="1200" dirty="0">
+                <a:solidFill>
+                  <a:srgbClr val="333333"/>
+                </a:solidFill>
+                <a:latin typeface="Verdana" panose="020B0604030504040204" pitchFamily="34" charset="0"/>
+              </a:rPr>
+              <a:t> Tracking Faces</a:t>
+            </a:r>
+          </a:p>
+          <a:p>
+            <a:pPr>
+              <a:buFontTx/>
+              <a:buChar char="•"/>
+            </a:pPr>
+            <a:endParaRPr lang="en-US" altLang="nl-BE" sz="1200" dirty="0">
+              <a:solidFill>
+                <a:srgbClr val="333333"/>
+              </a:solidFill>
+              <a:latin typeface="Verdana" panose="020B0604030504040204" pitchFamily="34" charset="0"/>
+            </a:endParaRPr>
+          </a:p>
+        </p:txBody>
+      </p:sp>
+    </p:spTree>
+    <p:extLst>
+      <p:ext uri="{BB962C8B-B14F-4D97-AF65-F5344CB8AC3E}">
+        <p14:creationId xmlns:p14="http://schemas.microsoft.com/office/powerpoint/2010/main" val="822129639"/>
       </p:ext>
     </p:extLst>
   </p:cSld>

--- a/logboek_ESAT9A1.pptx
+++ b/logboek_ESAT9A1.pptx
@@ -6,10 +6,10 @@
     <p:sldMasterId id="2147483694" r:id="rId2"/>
   </p:sldMasterIdLst>
   <p:notesMasterIdLst>
-    <p:notesMasterId r:id="rId19"/>
+    <p:notesMasterId r:id="rId20"/>
   </p:notesMasterIdLst>
   <p:handoutMasterIdLst>
-    <p:handoutMasterId r:id="rId20"/>
+    <p:handoutMasterId r:id="rId21"/>
   </p:handoutMasterIdLst>
   <p:sldIdLst>
     <p:sldId id="261" r:id="rId3"/>
@@ -28,6 +28,7 @@
     <p:sldId id="275" r:id="rId16"/>
     <p:sldId id="276" r:id="rId17"/>
     <p:sldId id="277" r:id="rId18"/>
+    <p:sldId id="278" r:id="rId19"/>
   </p:sldIdLst>
   <p:sldSz cx="12192000" cy="6858000"/>
   <p:notesSz cx="6858000" cy="9144000"/>
@@ -219,7 +220,7 @@
           <a:p>
             <a:fld id="{8F591CCF-F6FD-734B-854A-5BC033593B1E}" type="datetimeFigureOut">
               <a:rPr lang="nl-NL" smtClean="0"/>
-              <a:t>28-11-2022</a:t>
+              <a:t>5-12-2022</a:t>
             </a:fld>
             <a:endParaRPr lang="nl-NL"/>
           </a:p>
@@ -384,7 +385,7 @@
           <a:p>
             <a:fld id="{23C66214-DB21-4647-B5DA-0D17CA592867}" type="datetimeFigureOut">
               <a:rPr lang="nl-NL" smtClean="0"/>
-              <a:t>28-11-2022</a:t>
+              <a:t>5-12-2022</a:t>
             </a:fld>
             <a:endParaRPr lang="nl-NL"/>
           </a:p>
@@ -1373,7 +1374,7 @@
           <a:p>
             <a:fld id="{32CB04F5-1DDB-433A-9F56-F69ABF3D82C1}" type="datetime1">
               <a:rPr lang="nl-BE" smtClean="0"/>
-              <a:t>28/11/2022</a:t>
+              <a:t>5/12/2022</a:t>
             </a:fld>
             <a:endParaRPr lang="nl-NL"/>
           </a:p>
@@ -1656,7 +1657,7 @@
           <a:p>
             <a:fld id="{105EA0AE-89F5-40F4-A8AC-2CFB7172A437}" type="datetime1">
               <a:rPr lang="nl-BE" smtClean="0"/>
-              <a:t>28/11/2022</a:t>
+              <a:t>5/12/2022</a:t>
             </a:fld>
             <a:endParaRPr lang="nl-NL"/>
           </a:p>
@@ -1986,7 +1987,7 @@
           <a:p>
             <a:fld id="{51F891C0-052E-4374-9F7B-8DF3098847EC}" type="datetime1">
               <a:rPr lang="nl-BE" smtClean="0"/>
-              <a:t>28/11/2022</a:t>
+              <a:t>5/12/2022</a:t>
             </a:fld>
             <a:endParaRPr lang="nl-NL"/>
           </a:p>
@@ -2306,7 +2307,7 @@
           <a:p>
             <a:fld id="{0BAB7CBA-08E0-4FB9-BBC7-B0F9EE30FC23}" type="datetime1">
               <a:rPr lang="nl-BE" smtClean="0"/>
-              <a:t>28/11/2022</a:t>
+              <a:t>5/12/2022</a:t>
             </a:fld>
             <a:endParaRPr lang="nl-NL" dirty="0"/>
           </a:p>
@@ -2627,7 +2628,7 @@
           <a:p>
             <a:fld id="{A9A41F9E-F395-4802-BA0E-A579FF58717F}" type="datetime1">
               <a:rPr lang="nl-BE" smtClean="0"/>
-              <a:t>28/11/2022</a:t>
+              <a:t>5/12/2022</a:t>
             </a:fld>
             <a:endParaRPr lang="nl-NL" dirty="0"/>
           </a:p>
@@ -2769,7 +2770,7 @@
           <a:p>
             <a:fld id="{2A8B9AD4-BDDB-4121-9EEE-D890BB11E687}" type="datetime1">
               <a:rPr lang="nl-BE" smtClean="0"/>
-              <a:t>28/11/2022</a:t>
+              <a:t>5/12/2022</a:t>
             </a:fld>
             <a:endParaRPr lang="nl-NL"/>
           </a:p>
@@ -3253,7 +3254,7 @@
           <a:p>
             <a:fld id="{8DC808CC-4EBF-4C64-BA9E-B07B99C9DB99}" type="datetime1">
               <a:rPr lang="nl-BE" smtClean="0"/>
-              <a:t>28/11/2022</a:t>
+              <a:t>5/12/2022</a:t>
             </a:fld>
             <a:endParaRPr lang="nl-NL" dirty="0"/>
           </a:p>
@@ -3374,7 +3375,7 @@
           <a:p>
             <a:fld id="{26609C90-ED50-42CD-B56C-68BF842A2B6A}" type="datetime1">
               <a:rPr lang="nl-BE" smtClean="0"/>
-              <a:t>28/11/2022</a:t>
+              <a:t>5/12/2022</a:t>
             </a:fld>
             <a:endParaRPr lang="nl-NL"/>
           </a:p>
@@ -3495,7 +3496,7 @@
           <a:p>
             <a:fld id="{F15E82AE-B9EE-446E-B46E-329ABC891749}" type="datetime1">
               <a:rPr lang="nl-BE" smtClean="0"/>
-              <a:t>28/11/2022</a:t>
+              <a:t>5/12/2022</a:t>
             </a:fld>
             <a:endParaRPr lang="nl-NL"/>
           </a:p>
@@ -3677,7 +3678,7 @@
           <a:p>
             <a:fld id="{4A7FDF18-BDCB-4338-9FA2-782F60A2E51C}" type="datetime1">
               <a:rPr lang="nl-BE" smtClean="0"/>
-              <a:t>28/11/2022</a:t>
+              <a:t>5/12/2022</a:t>
             </a:fld>
             <a:endParaRPr lang="nl-NL" dirty="0"/>
           </a:p>
@@ -3961,7 +3962,7 @@
           <a:p>
             <a:fld id="{E389F4DD-E9F0-454C-8CE7-299000EBA983}" type="datetime1">
               <a:rPr lang="nl-BE" smtClean="0"/>
-              <a:t>28/11/2022</a:t>
+              <a:t>5/12/2022</a:t>
             </a:fld>
             <a:endParaRPr lang="nl-NL" dirty="0"/>
           </a:p>
@@ -4602,7 +4603,7 @@
           <a:p>
             <a:fld id="{7F18BCE0-9917-41C7-AA76-58ADB721FDEC}" type="datetime1">
               <a:rPr lang="nl-BE" smtClean="0"/>
-              <a:t>28/11/2022</a:t>
+              <a:t>5/12/2022</a:t>
             </a:fld>
             <a:endParaRPr lang="nl-NL" dirty="0"/>
           </a:p>
@@ -18953,12 +18954,8 @@
               <a:t>8</a:t>
             </a:r>
             <a:r>
-              <a:rPr lang="nl-BE"/>
-              <a:t>/11/2022</a:t>
-            </a:r>
-            <a:r>
               <a:rPr lang="nl-BE" dirty="0"/>
-              <a:t>)</a:t>
+              <a:t>/11/2022)</a:t>
             </a:r>
           </a:p>
         </p:txBody>
@@ -19304,14 +19301,14 @@
           <p:nvPr>
             <p:extLst>
               <p:ext uri="{D42A27DB-BD31-4B8C-83A1-F6EECF244321}">
-                <p14:modId xmlns:p14="http://schemas.microsoft.com/office/powerpoint/2010/main" val="4265336859"/>
+                <p14:modId xmlns:p14="http://schemas.microsoft.com/office/powerpoint/2010/main" val="770055173"/>
               </p:ext>
             </p:extLst>
           </p:nvPr>
         </p:nvGraphicFramePr>
         <p:xfrm>
           <a:off x="580800" y="3517586"/>
-          <a:ext cx="11306400" cy="2595880"/>
+          <a:ext cx="11306400" cy="2608894"/>
         </p:xfrm>
         <a:graphic>
           <a:graphicData uri="http://schemas.openxmlformats.org/drawingml/2006/table">
@@ -19356,7 +19353,7 @@
                   </a:extLst>
                 </a:gridCol>
               </a:tblGrid>
-              <a:tr h="370840">
+              <a:tr h="383854">
                 <a:tc>
                   <a:txBody>
                     <a:bodyPr/>
@@ -21454,6 +21451,2657 @@
     <p:extLst>
       <p:ext uri="{BB962C8B-B14F-4D97-AF65-F5344CB8AC3E}">
         <p14:creationId xmlns:p14="http://schemas.microsoft.com/office/powerpoint/2010/main" val="822129639"/>
+      </p:ext>
+    </p:extLst>
+  </p:cSld>
+  <p:clrMapOvr>
+    <a:masterClrMapping/>
+  </p:clrMapOvr>
+</p:sld>
+</file>
+
+<file path=ppt/slides/slide17.xml><?xml version="1.0" encoding="utf-8"?>
+<p:sld xmlns:a="http://schemas.openxmlformats.org/drawingml/2006/main" xmlns:r="http://schemas.openxmlformats.org/officeDocument/2006/relationships" xmlns:p="http://schemas.openxmlformats.org/presentationml/2006/main">
+  <p:cSld>
+    <p:spTree>
+      <p:nvGrpSpPr>
+        <p:cNvPr id="1" name=""/>
+        <p:cNvGrpSpPr/>
+        <p:nvPr/>
+      </p:nvGrpSpPr>
+      <p:grpSpPr>
+        <a:xfrm>
+          <a:off x="0" y="0"/>
+          <a:ext cx="0" cy="0"/>
+          <a:chOff x="0" y="0"/>
+          <a:chExt cx="0" cy="0"/>
+        </a:xfrm>
+      </p:grpSpPr>
+      <p:sp>
+        <p:nvSpPr>
+          <p:cNvPr id="3" name="Footer Placeholder 2">
+            <a:extLst>
+              <a:ext uri="{FF2B5EF4-FFF2-40B4-BE49-F238E27FC236}">
+                <a16:creationId xmlns:a16="http://schemas.microsoft.com/office/drawing/2014/main" id="{CFCD853F-4692-AC7B-5F97-834027F14CB4}"/>
+              </a:ext>
+            </a:extLst>
+          </p:cNvPr>
+          <p:cNvSpPr>
+            <a:spLocks noGrp="1"/>
+          </p:cNvSpPr>
+          <p:nvPr>
+            <p:ph type="ftr" sz="quarter" idx="11"/>
+          </p:nvPr>
+        </p:nvSpPr>
+        <p:spPr/>
+        <p:txBody>
+          <a:bodyPr/>
+          <a:lstStyle/>
+          <a:p>
+            <a:r>
+              <a:rPr lang="nl-NL"/>
+              <a:t>Faculty, department, unit ...</a:t>
+            </a:r>
+          </a:p>
+        </p:txBody>
+      </p:sp>
+      <p:sp>
+        <p:nvSpPr>
+          <p:cNvPr id="4" name="Slide Number Placeholder 3">
+            <a:extLst>
+              <a:ext uri="{FF2B5EF4-FFF2-40B4-BE49-F238E27FC236}">
+                <a16:creationId xmlns:a16="http://schemas.microsoft.com/office/drawing/2014/main" id="{405B4ED2-1C71-3311-927C-3F71AEC3CFA2}"/>
+              </a:ext>
+            </a:extLst>
+          </p:cNvPr>
+          <p:cNvSpPr>
+            <a:spLocks noGrp="1"/>
+          </p:cNvSpPr>
+          <p:nvPr>
+            <p:ph type="sldNum" sz="quarter" idx="12"/>
+          </p:nvPr>
+        </p:nvSpPr>
+        <p:spPr/>
+        <p:txBody>
+          <a:bodyPr/>
+          <a:lstStyle/>
+          <a:p>
+            <a:fld id="{0A297500-7527-634B-90F4-69D0994C32B4}" type="slidenum">
+              <a:rPr lang="nl-NL" smtClean="0"/>
+              <a:t>17</a:t>
+            </a:fld>
+            <a:endParaRPr lang="nl-NL"/>
+          </a:p>
+        </p:txBody>
+      </p:sp>
+      <p:sp>
+        <p:nvSpPr>
+          <p:cNvPr id="5" name="Title 4">
+            <a:extLst>
+              <a:ext uri="{FF2B5EF4-FFF2-40B4-BE49-F238E27FC236}">
+                <a16:creationId xmlns:a16="http://schemas.microsoft.com/office/drawing/2014/main" id="{8A3016EB-1567-9BF0-EE8F-607A6AFE6A1D}"/>
+              </a:ext>
+            </a:extLst>
+          </p:cNvPr>
+          <p:cNvSpPr>
+            <a:spLocks noGrp="1"/>
+          </p:cNvSpPr>
+          <p:nvPr>
+            <p:ph type="title"/>
+          </p:nvPr>
+        </p:nvSpPr>
+        <p:spPr/>
+        <p:txBody>
+          <a:bodyPr/>
+          <a:lstStyle/>
+          <a:p>
+            <a:r>
+              <a:rPr lang="nl-BE" dirty="0"/>
+              <a:t>Week 9</a:t>
+            </a:r>
+            <a:endParaRPr lang="en-BE" dirty="0"/>
+          </a:p>
+        </p:txBody>
+      </p:sp>
+      <p:sp>
+        <p:nvSpPr>
+          <p:cNvPr id="6" name="Rectangle 7">
+            <a:extLst>
+              <a:ext uri="{FF2B5EF4-FFF2-40B4-BE49-F238E27FC236}">
+                <a16:creationId xmlns:a16="http://schemas.microsoft.com/office/drawing/2014/main" id="{6E7BA07B-1A60-792E-FC2D-D70313C32F64}"/>
+              </a:ext>
+            </a:extLst>
+          </p:cNvPr>
+          <p:cNvSpPr>
+            <a:spLocks noChangeArrowheads="1"/>
+          </p:cNvSpPr>
+          <p:nvPr/>
+        </p:nvSpPr>
+        <p:spPr bwMode="auto">
+          <a:xfrm>
+            <a:off x="580800" y="1348510"/>
+            <a:ext cx="4940880" cy="1767742"/>
+          </a:xfrm>
+          <a:prstGeom prst="rect">
+            <a:avLst/>
+          </a:prstGeom>
+          <a:noFill/>
+          <a:ln w="9525">
+            <a:solidFill>
+              <a:srgbClr val="333333"/>
+            </a:solidFill>
+            <a:miter lim="800000"/>
+            <a:headEnd/>
+            <a:tailEnd/>
+          </a:ln>
+          <a:effectLst/>
+          <a:extLst>
+            <a:ext uri="{909E8E84-426E-40DD-AFC4-6F175D3DCCD1}">
+              <a14:hiddenFill xmlns:a14="http://schemas.microsoft.com/office/drawing/2010/main">
+                <a:solidFill>
+                  <a:schemeClr val="accent1"/>
+                </a:solidFill>
+              </a14:hiddenFill>
+            </a:ext>
+            <a:ext uri="{AF507438-7753-43E0-B8FC-AC1667EBCBE1}">
+              <a14:hiddenEffects xmlns:a14="http://schemas.microsoft.com/office/drawing/2010/main">
+                <a:effectLst>
+                  <a:outerShdw dist="35921" dir="2700000" algn="ctr" rotWithShape="0">
+                    <a:schemeClr val="bg2"/>
+                  </a:outerShdw>
+                </a:effectLst>
+              </a14:hiddenEffects>
+            </a:ext>
+          </a:extLst>
+        </p:spPr>
+        <p:txBody>
+          <a:bodyPr wrap="none" anchor="ctr"/>
+          <a:lstStyle/>
+          <a:p>
+            <a:endParaRPr lang="nl-BE"/>
+          </a:p>
+        </p:txBody>
+      </p:sp>
+      <p:sp>
+        <p:nvSpPr>
+          <p:cNvPr id="7" name="Rectangle 8">
+            <a:extLst>
+              <a:ext uri="{FF2B5EF4-FFF2-40B4-BE49-F238E27FC236}">
+                <a16:creationId xmlns:a16="http://schemas.microsoft.com/office/drawing/2014/main" id="{688894B0-8274-FF8C-31DC-7FADDB447BBD}"/>
+              </a:ext>
+            </a:extLst>
+          </p:cNvPr>
+          <p:cNvSpPr>
+            <a:spLocks noChangeArrowheads="1"/>
+          </p:cNvSpPr>
+          <p:nvPr/>
+        </p:nvSpPr>
+        <p:spPr bwMode="auto">
+          <a:xfrm>
+            <a:off x="580800" y="1365141"/>
+            <a:ext cx="4940880" cy="304800"/>
+          </a:xfrm>
+          <a:prstGeom prst="rect">
+            <a:avLst/>
+          </a:prstGeom>
+          <a:solidFill>
+            <a:schemeClr val="tx2">
+              <a:lumMod val="75000"/>
+            </a:schemeClr>
+          </a:solidFill>
+          <a:ln w="9525">
+            <a:solidFill>
+              <a:srgbClr val="333333"/>
+            </a:solidFill>
+            <a:miter lim="800000"/>
+            <a:headEnd/>
+            <a:tailEnd/>
+          </a:ln>
+          <a:effectLst/>
+        </p:spPr>
+        <p:txBody>
+          <a:bodyPr wrap="none" anchor="ctr"/>
+          <a:lstStyle/>
+          <a:p>
+            <a:r>
+              <a:rPr lang="en-US" altLang="nl-BE" sz="1400" b="1">
+                <a:solidFill>
+                  <a:schemeClr val="bg1"/>
+                </a:solidFill>
+                <a:latin typeface="Verdana" panose="020B0604030504040204" pitchFamily="34" charset="0"/>
+              </a:rPr>
+              <a:t>Planning</a:t>
+            </a:r>
+          </a:p>
+        </p:txBody>
+      </p:sp>
+      <p:sp>
+        <p:nvSpPr>
+          <p:cNvPr id="8" name="Rectangle 20">
+            <a:extLst>
+              <a:ext uri="{FF2B5EF4-FFF2-40B4-BE49-F238E27FC236}">
+                <a16:creationId xmlns:a16="http://schemas.microsoft.com/office/drawing/2014/main" id="{2C004F39-C318-8202-D70F-E7A2256F6ADD}"/>
+              </a:ext>
+            </a:extLst>
+          </p:cNvPr>
+          <p:cNvSpPr>
+            <a:spLocks noChangeArrowheads="1"/>
+          </p:cNvSpPr>
+          <p:nvPr/>
+        </p:nvSpPr>
+        <p:spPr bwMode="auto">
+          <a:xfrm>
+            <a:off x="576000" y="1669941"/>
+            <a:ext cx="4940880" cy="1498664"/>
+          </a:xfrm>
+          <a:prstGeom prst="rect">
+            <a:avLst/>
+          </a:prstGeom>
+          <a:noFill/>
+          <a:ln>
+            <a:noFill/>
+          </a:ln>
+          <a:effectLst/>
+          <a:extLst>
+            <a:ext uri="{909E8E84-426E-40DD-AFC4-6F175D3DCCD1}">
+              <a14:hiddenFill xmlns:a14="http://schemas.microsoft.com/office/drawing/2010/main">
+                <a:solidFill>
+                  <a:srgbClr val="333333"/>
+                </a:solidFill>
+              </a14:hiddenFill>
+            </a:ext>
+            <a:ext uri="{91240B29-F687-4F45-9708-019B960494DF}">
+              <a14:hiddenLine xmlns:a14="http://schemas.microsoft.com/office/drawing/2010/main" w="9525">
+                <a:solidFill>
+                  <a:srgbClr val="333333"/>
+                </a:solidFill>
+                <a:miter lim="800000"/>
+                <a:headEnd/>
+                <a:tailEnd/>
+              </a14:hiddenLine>
+            </a:ext>
+            <a:ext uri="{AF507438-7753-43E0-B8FC-AC1667EBCBE1}">
+              <a14:hiddenEffects xmlns:a14="http://schemas.microsoft.com/office/drawing/2010/main">
+                <a:effectLst>
+                  <a:outerShdw dist="35921" dir="2700000" algn="ctr" rotWithShape="0">
+                    <a:schemeClr val="bg2"/>
+                  </a:outerShdw>
+                </a:effectLst>
+              </a14:hiddenEffects>
+            </a:ext>
+          </a:extLst>
+        </p:spPr>
+        <p:txBody>
+          <a:bodyPr wrap="none"/>
+          <a:lstStyle/>
+          <a:p>
+            <a:pPr>
+              <a:buFontTx/>
+              <a:buChar char="•"/>
+            </a:pPr>
+            <a:r>
+              <a:rPr lang="en-US" altLang="nl-BE" sz="1200" dirty="0">
+                <a:solidFill>
+                  <a:srgbClr val="333333"/>
+                </a:solidFill>
+                <a:latin typeface="Verdana" panose="020B0604030504040204" pitchFamily="34" charset="0"/>
+              </a:rPr>
+              <a:t> Brochure (B)</a:t>
+            </a:r>
+          </a:p>
+          <a:p>
+            <a:pPr>
+              <a:buFontTx/>
+              <a:buChar char="•"/>
+            </a:pPr>
+            <a:r>
+              <a:rPr lang="en-US" altLang="nl-BE" sz="1200" dirty="0">
+                <a:solidFill>
+                  <a:srgbClr val="333333"/>
+                </a:solidFill>
+                <a:latin typeface="Verdana" panose="020B0604030504040204" pitchFamily="34" charset="0"/>
+              </a:rPr>
+              <a:t> </a:t>
+            </a:r>
+            <a:r>
+              <a:rPr lang="en-US" altLang="nl-BE" sz="1200" dirty="0" err="1">
+                <a:solidFill>
+                  <a:srgbClr val="333333"/>
+                </a:solidFill>
+                <a:latin typeface="Verdana" panose="020B0604030504040204" pitchFamily="34" charset="0"/>
+              </a:rPr>
+              <a:t>Facerecognition</a:t>
+            </a:r>
+            <a:r>
+              <a:rPr lang="en-US" altLang="nl-BE" sz="1200" dirty="0">
+                <a:solidFill>
+                  <a:srgbClr val="333333"/>
+                </a:solidFill>
+                <a:latin typeface="Verdana" panose="020B0604030504040204" pitchFamily="34" charset="0"/>
+              </a:rPr>
+              <a:t> + Multiprocessing (FM)</a:t>
+            </a:r>
+          </a:p>
+          <a:p>
+            <a:pPr>
+              <a:buFontTx/>
+              <a:buChar char="•"/>
+            </a:pPr>
+            <a:r>
+              <a:rPr lang="en-US" altLang="nl-BE" sz="1200" dirty="0">
+                <a:solidFill>
+                  <a:srgbClr val="333333"/>
+                </a:solidFill>
+                <a:latin typeface="Verdana" panose="020B0604030504040204" pitchFamily="34" charset="0"/>
+              </a:rPr>
+              <a:t> </a:t>
+            </a:r>
+            <a:r>
+              <a:rPr lang="en-US" altLang="nl-BE" sz="1200" dirty="0" err="1">
+                <a:solidFill>
+                  <a:srgbClr val="333333"/>
+                </a:solidFill>
+                <a:latin typeface="Verdana" panose="020B0604030504040204" pitchFamily="34" charset="0"/>
+              </a:rPr>
+              <a:t>Dlib</a:t>
+            </a:r>
+            <a:r>
+              <a:rPr lang="en-US" altLang="nl-BE" sz="1200" dirty="0">
+                <a:solidFill>
+                  <a:srgbClr val="333333"/>
+                </a:solidFill>
+                <a:latin typeface="Verdana" panose="020B0604030504040204" pitchFamily="34" charset="0"/>
+              </a:rPr>
+              <a:t> </a:t>
+            </a:r>
+            <a:r>
+              <a:rPr lang="en-US" altLang="nl-BE" sz="1200" dirty="0" err="1">
+                <a:solidFill>
+                  <a:srgbClr val="333333"/>
+                </a:solidFill>
+                <a:latin typeface="Verdana" panose="020B0604030504040204" pitchFamily="34" charset="0"/>
+              </a:rPr>
+              <a:t>Headdetection</a:t>
+            </a:r>
+            <a:r>
+              <a:rPr lang="en-US" altLang="nl-BE" sz="1200" dirty="0">
+                <a:solidFill>
+                  <a:srgbClr val="333333"/>
+                </a:solidFill>
+                <a:latin typeface="Verdana" panose="020B0604030504040204" pitchFamily="34" charset="0"/>
+              </a:rPr>
+              <a:t> (DH)</a:t>
+            </a:r>
+          </a:p>
+          <a:p>
+            <a:pPr>
+              <a:buFontTx/>
+              <a:buChar char="•"/>
+            </a:pPr>
+            <a:r>
+              <a:rPr lang="en-US" altLang="nl-BE" sz="1200" dirty="0">
+                <a:solidFill>
+                  <a:srgbClr val="333333"/>
+                </a:solidFill>
+                <a:latin typeface="Verdana" panose="020B0604030504040204" pitchFamily="34" charset="0"/>
+              </a:rPr>
+              <a:t> Adding Restrictions (AR)</a:t>
+            </a:r>
+          </a:p>
+          <a:p>
+            <a:pPr>
+              <a:buFontTx/>
+              <a:buChar char="•"/>
+            </a:pPr>
+            <a:r>
+              <a:rPr lang="en-US" altLang="nl-BE" sz="1200" dirty="0">
+                <a:solidFill>
+                  <a:srgbClr val="333333"/>
+                </a:solidFill>
+                <a:latin typeface="Verdana" panose="020B0604030504040204" pitchFamily="34" charset="0"/>
+              </a:rPr>
+              <a:t> Tracking Faces (TF)</a:t>
+            </a:r>
+          </a:p>
+          <a:p>
+            <a:pPr>
+              <a:buFontTx/>
+              <a:buChar char="•"/>
+            </a:pPr>
+            <a:r>
+              <a:rPr lang="en-US" altLang="nl-BE" sz="1200" dirty="0">
+                <a:solidFill>
+                  <a:srgbClr val="333333"/>
+                </a:solidFill>
+                <a:latin typeface="Verdana" panose="020B0604030504040204" pitchFamily="34" charset="0"/>
+              </a:rPr>
+              <a:t> Organizing display (OD)</a:t>
+            </a:r>
+          </a:p>
+          <a:p>
+            <a:pPr>
+              <a:buFontTx/>
+              <a:buChar char="•"/>
+            </a:pPr>
+            <a:r>
+              <a:rPr lang="en-US" altLang="nl-BE" sz="1200" dirty="0">
+                <a:solidFill>
+                  <a:srgbClr val="333333"/>
+                </a:solidFill>
+                <a:latin typeface="Verdana" panose="020B0604030504040204" pitchFamily="34" charset="0"/>
+              </a:rPr>
+              <a:t> </a:t>
+            </a:r>
+            <a:r>
+              <a:rPr lang="en-US" altLang="nl-BE" sz="1200" dirty="0" err="1">
+                <a:solidFill>
+                  <a:srgbClr val="333333"/>
+                </a:solidFill>
+                <a:latin typeface="Verdana" panose="020B0604030504040204" pitchFamily="34" charset="0"/>
+              </a:rPr>
+              <a:t>Powerpoint</a:t>
+            </a:r>
+            <a:r>
+              <a:rPr lang="en-US" altLang="nl-BE" sz="1200" dirty="0">
+                <a:solidFill>
+                  <a:srgbClr val="333333"/>
+                </a:solidFill>
+                <a:latin typeface="Verdana" panose="020B0604030504040204" pitchFamily="34" charset="0"/>
+              </a:rPr>
+              <a:t> (PP)</a:t>
+            </a:r>
+          </a:p>
+          <a:p>
+            <a:pPr>
+              <a:buFontTx/>
+              <a:buChar char="•"/>
+            </a:pPr>
+            <a:endParaRPr lang="en-US" altLang="nl-BE" sz="1200" dirty="0">
+              <a:solidFill>
+                <a:srgbClr val="333333"/>
+              </a:solidFill>
+              <a:latin typeface="Verdana" panose="020B0604030504040204" pitchFamily="34" charset="0"/>
+            </a:endParaRPr>
+          </a:p>
+        </p:txBody>
+      </p:sp>
+      <p:graphicFrame>
+        <p:nvGraphicFramePr>
+          <p:cNvPr id="9" name="Table 8">
+            <a:extLst>
+              <a:ext uri="{FF2B5EF4-FFF2-40B4-BE49-F238E27FC236}">
+                <a16:creationId xmlns:a16="http://schemas.microsoft.com/office/drawing/2014/main" id="{3F96A58F-3125-52E3-570E-19EDEF0E860F}"/>
+              </a:ext>
+            </a:extLst>
+          </p:cNvPr>
+          <p:cNvGraphicFramePr>
+            <a:graphicFrameLocks noGrp="1"/>
+          </p:cNvGraphicFramePr>
+          <p:nvPr>
+            <p:extLst>
+              <p:ext uri="{D42A27DB-BD31-4B8C-83A1-F6EECF244321}">
+                <p14:modId xmlns:p14="http://schemas.microsoft.com/office/powerpoint/2010/main" val="626141262"/>
+              </p:ext>
+            </p:extLst>
+          </p:nvPr>
+        </p:nvGraphicFramePr>
+        <p:xfrm>
+          <a:off x="580800" y="3517586"/>
+          <a:ext cx="11306400" cy="2608894"/>
+        </p:xfrm>
+        <a:graphic>
+          <a:graphicData uri="http://schemas.openxmlformats.org/drawingml/2006/table">
+            <a:tbl>
+              <a:tblPr firstRow="1" bandRow="1">
+                <a:tableStyleId>{5C22544A-7EE6-4342-B048-85BDC9FD1C3A}</a:tableStyleId>
+              </a:tblPr>
+              <a:tblGrid>
+                <a:gridCol w="2115747">
+                  <a:extLst>
+                    <a:ext uri="{9D8B030D-6E8A-4147-A177-3AD203B41FA5}">
+                      <a16:colId xmlns:a16="http://schemas.microsoft.com/office/drawing/2014/main" val="3222044758"/>
+                    </a:ext>
+                  </a:extLst>
+                </a:gridCol>
+                <a:gridCol w="2406813">
+                  <a:extLst>
+                    <a:ext uri="{9D8B030D-6E8A-4147-A177-3AD203B41FA5}">
+                      <a16:colId xmlns:a16="http://schemas.microsoft.com/office/drawing/2014/main" val="23332546"/>
+                    </a:ext>
+                  </a:extLst>
+                </a:gridCol>
+                <a:gridCol w="2261280">
+                  <a:extLst>
+                    <a:ext uri="{9D8B030D-6E8A-4147-A177-3AD203B41FA5}">
+                      <a16:colId xmlns:a16="http://schemas.microsoft.com/office/drawing/2014/main" val="62682046"/>
+                    </a:ext>
+                  </a:extLst>
+                </a:gridCol>
+                <a:gridCol w="2261280">
+                  <a:extLst>
+                    <a:ext uri="{9D8B030D-6E8A-4147-A177-3AD203B41FA5}">
+                      <a16:colId xmlns:a16="http://schemas.microsoft.com/office/drawing/2014/main" val="1440099295"/>
+                    </a:ext>
+                  </a:extLst>
+                </a:gridCol>
+                <a:gridCol w="2261280">
+                  <a:extLst>
+                    <a:ext uri="{9D8B030D-6E8A-4147-A177-3AD203B41FA5}">
+                      <a16:colId xmlns:a16="http://schemas.microsoft.com/office/drawing/2014/main" val="2799077174"/>
+                    </a:ext>
+                  </a:extLst>
+                </a:gridCol>
+              </a:tblGrid>
+              <a:tr h="383854">
+                <a:tc>
+                  <a:txBody>
+                    <a:bodyPr/>
+                    <a:lstStyle/>
+                    <a:p>
+                      <a:r>
+                        <a:rPr lang="nl-BE" dirty="0"/>
+                        <a:t>Naam student</a:t>
+                      </a:r>
+                    </a:p>
+                  </a:txBody>
+                  <a:tcPr>
+                    <a:lnL w="12700" cap="flat" cmpd="sng" algn="ctr">
+                      <a:solidFill>
+                        <a:schemeClr val="tx1"/>
+                      </a:solidFill>
+                      <a:prstDash val="solid"/>
+                      <a:round/>
+                      <a:headEnd type="none" w="med" len="med"/>
+                      <a:tailEnd type="none" w="med" len="med"/>
+                    </a:lnL>
+                    <a:lnT w="12700" cap="flat" cmpd="sng" algn="ctr">
+                      <a:solidFill>
+                        <a:schemeClr val="tx1"/>
+                      </a:solidFill>
+                      <a:prstDash val="solid"/>
+                      <a:round/>
+                      <a:headEnd type="none" w="med" len="med"/>
+                      <a:tailEnd type="none" w="med" len="med"/>
+                    </a:lnT>
+                  </a:tcPr>
+                </a:tc>
+                <a:tc>
+                  <a:txBody>
+                    <a:bodyPr/>
+                    <a:lstStyle/>
+                    <a:p>
+                      <a:r>
+                        <a:rPr lang="nl-BE" dirty="0"/>
+                        <a:t>14u00-15u00</a:t>
+                      </a:r>
+                    </a:p>
+                  </a:txBody>
+                  <a:tcPr>
+                    <a:lnT w="12700" cap="flat" cmpd="sng" algn="ctr">
+                      <a:solidFill>
+                        <a:schemeClr val="tx1"/>
+                      </a:solidFill>
+                      <a:prstDash val="solid"/>
+                      <a:round/>
+                      <a:headEnd type="none" w="med" len="med"/>
+                      <a:tailEnd type="none" w="med" len="med"/>
+                    </a:lnT>
+                  </a:tcPr>
+                </a:tc>
+                <a:tc>
+                  <a:txBody>
+                    <a:bodyPr/>
+                    <a:lstStyle/>
+                    <a:p>
+                      <a:r>
+                        <a:rPr lang="nl-BE" dirty="0"/>
+                        <a:t>15u00-16u00</a:t>
+                      </a:r>
+                    </a:p>
+                  </a:txBody>
+                  <a:tcPr>
+                    <a:lnT w="12700" cap="flat" cmpd="sng" algn="ctr">
+                      <a:solidFill>
+                        <a:schemeClr val="tx1"/>
+                      </a:solidFill>
+                      <a:prstDash val="solid"/>
+                      <a:round/>
+                      <a:headEnd type="none" w="med" len="med"/>
+                      <a:tailEnd type="none" w="med" len="med"/>
+                    </a:lnT>
+                  </a:tcPr>
+                </a:tc>
+                <a:tc>
+                  <a:txBody>
+                    <a:bodyPr/>
+                    <a:lstStyle/>
+                    <a:p>
+                      <a:r>
+                        <a:rPr lang="nl-BE" dirty="0"/>
+                        <a:t>16u00-17u00</a:t>
+                      </a:r>
+                    </a:p>
+                  </a:txBody>
+                  <a:tcPr>
+                    <a:lnT w="12700" cap="flat" cmpd="sng" algn="ctr">
+                      <a:solidFill>
+                        <a:schemeClr val="tx1"/>
+                      </a:solidFill>
+                      <a:prstDash val="solid"/>
+                      <a:round/>
+                      <a:headEnd type="none" w="med" len="med"/>
+                      <a:tailEnd type="none" w="med" len="med"/>
+                    </a:lnT>
+                  </a:tcPr>
+                </a:tc>
+                <a:tc>
+                  <a:txBody>
+                    <a:bodyPr/>
+                    <a:lstStyle/>
+                    <a:p>
+                      <a:r>
+                        <a:rPr lang="nl-BE" dirty="0"/>
+                        <a:t>17u00-18u00</a:t>
+                      </a:r>
+                    </a:p>
+                  </a:txBody>
+                  <a:tcPr>
+                    <a:lnR w="12700" cap="flat" cmpd="sng" algn="ctr">
+                      <a:solidFill>
+                        <a:schemeClr val="tx1"/>
+                      </a:solidFill>
+                      <a:prstDash val="solid"/>
+                      <a:round/>
+                      <a:headEnd type="none" w="med" len="med"/>
+                      <a:tailEnd type="none" w="med" len="med"/>
+                    </a:lnR>
+                    <a:lnT w="12700" cap="flat" cmpd="sng" algn="ctr">
+                      <a:solidFill>
+                        <a:schemeClr val="tx1"/>
+                      </a:solidFill>
+                      <a:prstDash val="solid"/>
+                      <a:round/>
+                      <a:headEnd type="none" w="med" len="med"/>
+                      <a:tailEnd type="none" w="med" len="med"/>
+                    </a:lnT>
+                  </a:tcPr>
+                </a:tc>
+                <a:extLst>
+                  <a:ext uri="{0D108BD9-81ED-4DB2-BD59-A6C34878D82A}">
+                    <a16:rowId xmlns:a16="http://schemas.microsoft.com/office/drawing/2014/main" val="1545514501"/>
+                  </a:ext>
+                </a:extLst>
+              </a:tr>
+              <a:tr h="370840">
+                <a:tc>
+                  <a:txBody>
+                    <a:bodyPr/>
+                    <a:lstStyle/>
+                    <a:p>
+                      <a:r>
+                        <a:rPr lang="nl-BE" dirty="0"/>
+                        <a:t>Arne </a:t>
+                      </a:r>
+                      <a:r>
+                        <a:rPr lang="nl-BE" dirty="0" err="1"/>
+                        <a:t>Lemahieu</a:t>
+                      </a:r>
+                      <a:endParaRPr lang="nl-BE" dirty="0"/>
+                    </a:p>
+                  </a:txBody>
+                  <a:tcPr>
+                    <a:lnL w="12700" cap="flat" cmpd="sng" algn="ctr">
+                      <a:solidFill>
+                        <a:schemeClr val="tx1"/>
+                      </a:solidFill>
+                      <a:prstDash val="solid"/>
+                      <a:round/>
+                      <a:headEnd type="none" w="med" len="med"/>
+                      <a:tailEnd type="none" w="med" len="med"/>
+                    </a:lnL>
+                  </a:tcPr>
+                </a:tc>
+                <a:tc>
+                  <a:txBody>
+                    <a:bodyPr/>
+                    <a:lstStyle/>
+                    <a:p>
+                      <a:r>
+                        <a:rPr lang="nl-BE" dirty="0"/>
+                        <a:t>DH</a:t>
+                      </a:r>
+                    </a:p>
+                  </a:txBody>
+                  <a:tcPr/>
+                </a:tc>
+                <a:tc>
+                  <a:txBody>
+                    <a:bodyPr/>
+                    <a:lstStyle/>
+                    <a:p>
+                      <a:pPr marL="0" marR="0" lvl="0" indent="0" algn="l" defTabSz="914400" rtl="0" eaLnBrk="1" fontAlgn="auto" latinLnBrk="0" hangingPunct="1">
+                        <a:lnSpc>
+                          <a:spcPct val="100000"/>
+                        </a:lnSpc>
+                        <a:spcBef>
+                          <a:spcPts val="0"/>
+                        </a:spcBef>
+                        <a:spcAft>
+                          <a:spcPts val="0"/>
+                        </a:spcAft>
+                        <a:buClrTx/>
+                        <a:buSzTx/>
+                        <a:buFontTx/>
+                        <a:buNone/>
+                        <a:tabLst/>
+                        <a:defRPr/>
+                      </a:pPr>
+                      <a:r>
+                        <a:rPr lang="nl-BE" dirty="0"/>
+                        <a:t>DH</a:t>
+                      </a:r>
+                    </a:p>
+                  </a:txBody>
+                  <a:tcPr/>
+                </a:tc>
+                <a:tc>
+                  <a:txBody>
+                    <a:bodyPr/>
+                    <a:lstStyle/>
+                    <a:p>
+                      <a:pPr marL="0" marR="0" lvl="0" indent="0" algn="l" defTabSz="914400" rtl="0" eaLnBrk="1" fontAlgn="auto" latinLnBrk="0" hangingPunct="1">
+                        <a:lnSpc>
+                          <a:spcPct val="100000"/>
+                        </a:lnSpc>
+                        <a:spcBef>
+                          <a:spcPts val="0"/>
+                        </a:spcBef>
+                        <a:spcAft>
+                          <a:spcPts val="0"/>
+                        </a:spcAft>
+                        <a:buClrTx/>
+                        <a:buSzTx/>
+                        <a:buFontTx/>
+                        <a:buNone/>
+                        <a:tabLst/>
+                        <a:defRPr/>
+                      </a:pPr>
+                      <a:r>
+                        <a:rPr lang="nl-BE" dirty="0"/>
+                        <a:t>DH</a:t>
+                      </a:r>
+                    </a:p>
+                  </a:txBody>
+                  <a:tcPr/>
+                </a:tc>
+                <a:tc>
+                  <a:txBody>
+                    <a:bodyPr/>
+                    <a:lstStyle/>
+                    <a:p>
+                      <a:pPr marL="0" marR="0" lvl="0" indent="0" algn="l" defTabSz="914400" rtl="0" eaLnBrk="1" fontAlgn="auto" latinLnBrk="0" hangingPunct="1">
+                        <a:lnSpc>
+                          <a:spcPct val="100000"/>
+                        </a:lnSpc>
+                        <a:spcBef>
+                          <a:spcPts val="0"/>
+                        </a:spcBef>
+                        <a:spcAft>
+                          <a:spcPts val="0"/>
+                        </a:spcAft>
+                        <a:buClrTx/>
+                        <a:buSzTx/>
+                        <a:buFontTx/>
+                        <a:buNone/>
+                        <a:tabLst/>
+                        <a:defRPr/>
+                      </a:pPr>
+                      <a:r>
+                        <a:rPr lang="nl-BE" dirty="0"/>
+                        <a:t>DH</a:t>
+                      </a:r>
+                    </a:p>
+                  </a:txBody>
+                  <a:tcPr>
+                    <a:lnR w="12700" cap="flat" cmpd="sng" algn="ctr">
+                      <a:solidFill>
+                        <a:schemeClr val="tx1"/>
+                      </a:solidFill>
+                      <a:prstDash val="solid"/>
+                      <a:round/>
+                      <a:headEnd type="none" w="med" len="med"/>
+                      <a:tailEnd type="none" w="med" len="med"/>
+                    </a:lnR>
+                  </a:tcPr>
+                </a:tc>
+                <a:extLst>
+                  <a:ext uri="{0D108BD9-81ED-4DB2-BD59-A6C34878D82A}">
+                    <a16:rowId xmlns:a16="http://schemas.microsoft.com/office/drawing/2014/main" val="4272612081"/>
+                  </a:ext>
+                </a:extLst>
+              </a:tr>
+              <a:tr h="370840">
+                <a:tc>
+                  <a:txBody>
+                    <a:bodyPr/>
+                    <a:lstStyle/>
+                    <a:p>
+                      <a:pPr marL="0" marR="0" lvl="0" indent="0" algn="l" defTabSz="914400" rtl="0" eaLnBrk="1" fontAlgn="auto" latinLnBrk="0" hangingPunct="1">
+                        <a:lnSpc>
+                          <a:spcPct val="100000"/>
+                        </a:lnSpc>
+                        <a:spcBef>
+                          <a:spcPts val="0"/>
+                        </a:spcBef>
+                        <a:spcAft>
+                          <a:spcPts val="0"/>
+                        </a:spcAft>
+                        <a:buClrTx/>
+                        <a:buSzTx/>
+                        <a:buFontTx/>
+                        <a:buNone/>
+                        <a:tabLst/>
+                        <a:defRPr/>
+                      </a:pPr>
+                      <a:r>
+                        <a:rPr lang="nl-BE" dirty="0"/>
+                        <a:t>Kasper </a:t>
+                      </a:r>
+                      <a:r>
+                        <a:rPr lang="nl-BE" dirty="0" err="1"/>
+                        <a:t>Dumoulin</a:t>
+                      </a:r>
+                      <a:endParaRPr lang="nl-BE" dirty="0"/>
+                    </a:p>
+                  </a:txBody>
+                  <a:tcPr>
+                    <a:lnL w="12700" cap="flat" cmpd="sng" algn="ctr">
+                      <a:solidFill>
+                        <a:schemeClr val="tx1"/>
+                      </a:solidFill>
+                      <a:prstDash val="solid"/>
+                      <a:round/>
+                      <a:headEnd type="none" w="med" len="med"/>
+                      <a:tailEnd type="none" w="med" len="med"/>
+                    </a:lnL>
+                  </a:tcPr>
+                </a:tc>
+                <a:tc>
+                  <a:txBody>
+                    <a:bodyPr/>
+                    <a:lstStyle/>
+                    <a:p>
+                      <a:pPr marL="0" marR="0" lvl="0" indent="0" algn="l" defTabSz="914400" rtl="0" eaLnBrk="1" fontAlgn="auto" latinLnBrk="0" hangingPunct="1">
+                        <a:lnSpc>
+                          <a:spcPct val="100000"/>
+                        </a:lnSpc>
+                        <a:spcBef>
+                          <a:spcPts val="0"/>
+                        </a:spcBef>
+                        <a:spcAft>
+                          <a:spcPts val="0"/>
+                        </a:spcAft>
+                        <a:buClrTx/>
+                        <a:buSzTx/>
+                        <a:buFontTx/>
+                        <a:buNone/>
+                        <a:tabLst/>
+                        <a:defRPr/>
+                      </a:pPr>
+                      <a:r>
+                        <a:rPr lang="en-US" altLang="nl-BE" sz="1800" dirty="0">
+                          <a:solidFill>
+                            <a:srgbClr val="333333"/>
+                          </a:solidFill>
+                          <a:latin typeface="Verdana" panose="020B0604030504040204" pitchFamily="34" charset="0"/>
+                        </a:rPr>
+                        <a:t>OD</a:t>
+                      </a:r>
+                    </a:p>
+                  </a:txBody>
+                  <a:tcPr/>
+                </a:tc>
+                <a:tc>
+                  <a:txBody>
+                    <a:bodyPr/>
+                    <a:lstStyle/>
+                    <a:p>
+                      <a:pPr marL="0" marR="0" lvl="0" indent="0" algn="l" defTabSz="914400" rtl="0" eaLnBrk="1" fontAlgn="auto" latinLnBrk="0" hangingPunct="1">
+                        <a:lnSpc>
+                          <a:spcPct val="100000"/>
+                        </a:lnSpc>
+                        <a:spcBef>
+                          <a:spcPts val="0"/>
+                        </a:spcBef>
+                        <a:spcAft>
+                          <a:spcPts val="0"/>
+                        </a:spcAft>
+                        <a:buClrTx/>
+                        <a:buSzTx/>
+                        <a:buFontTx/>
+                        <a:buNone/>
+                        <a:tabLst/>
+                        <a:defRPr/>
+                      </a:pPr>
+                      <a:r>
+                        <a:rPr lang="en-US" altLang="nl-BE" sz="1800" dirty="0">
+                          <a:solidFill>
+                            <a:srgbClr val="333333"/>
+                          </a:solidFill>
+                          <a:latin typeface="Verdana" panose="020B0604030504040204" pitchFamily="34" charset="0"/>
+                        </a:rPr>
+                        <a:t>OD</a:t>
+                      </a:r>
+                    </a:p>
+                  </a:txBody>
+                  <a:tcPr/>
+                </a:tc>
+                <a:tc>
+                  <a:txBody>
+                    <a:bodyPr/>
+                    <a:lstStyle/>
+                    <a:p>
+                      <a:pPr marL="0" marR="0" lvl="0" indent="0" algn="l" defTabSz="914400" rtl="0" eaLnBrk="1" fontAlgn="auto" latinLnBrk="0" hangingPunct="1">
+                        <a:lnSpc>
+                          <a:spcPct val="100000"/>
+                        </a:lnSpc>
+                        <a:spcBef>
+                          <a:spcPts val="0"/>
+                        </a:spcBef>
+                        <a:spcAft>
+                          <a:spcPts val="0"/>
+                        </a:spcAft>
+                        <a:buClrTx/>
+                        <a:buSzTx/>
+                        <a:buFontTx/>
+                        <a:buNone/>
+                        <a:tabLst/>
+                        <a:defRPr/>
+                      </a:pPr>
+                      <a:r>
+                        <a:rPr lang="en-US" altLang="nl-BE" sz="1800" dirty="0">
+                          <a:solidFill>
+                            <a:srgbClr val="333333"/>
+                          </a:solidFill>
+                          <a:latin typeface="Verdana" panose="020B0604030504040204" pitchFamily="34" charset="0"/>
+                        </a:rPr>
+                        <a:t>OD</a:t>
+                      </a:r>
+                    </a:p>
+                  </a:txBody>
+                  <a:tcPr/>
+                </a:tc>
+                <a:tc>
+                  <a:txBody>
+                    <a:bodyPr/>
+                    <a:lstStyle/>
+                    <a:p>
+                      <a:pPr marL="0" marR="0" lvl="0" indent="0" algn="l" defTabSz="914400" rtl="0" eaLnBrk="1" fontAlgn="auto" latinLnBrk="0" hangingPunct="1">
+                        <a:lnSpc>
+                          <a:spcPct val="100000"/>
+                        </a:lnSpc>
+                        <a:spcBef>
+                          <a:spcPts val="0"/>
+                        </a:spcBef>
+                        <a:spcAft>
+                          <a:spcPts val="0"/>
+                        </a:spcAft>
+                        <a:buClrTx/>
+                        <a:buSzTx/>
+                        <a:buFontTx/>
+                        <a:buNone/>
+                        <a:tabLst/>
+                        <a:defRPr/>
+                      </a:pPr>
+                      <a:r>
+                        <a:rPr lang="en-US" altLang="nl-BE" sz="1800" dirty="0">
+                          <a:solidFill>
+                            <a:srgbClr val="333333"/>
+                          </a:solidFill>
+                          <a:latin typeface="Verdana" panose="020B0604030504040204" pitchFamily="34" charset="0"/>
+                        </a:rPr>
+                        <a:t>OD</a:t>
+                      </a:r>
+                    </a:p>
+                  </a:txBody>
+                  <a:tcPr>
+                    <a:lnR w="12700" cap="flat" cmpd="sng" algn="ctr">
+                      <a:solidFill>
+                        <a:schemeClr val="tx1"/>
+                      </a:solidFill>
+                      <a:prstDash val="solid"/>
+                      <a:round/>
+                      <a:headEnd type="none" w="med" len="med"/>
+                      <a:tailEnd type="none" w="med" len="med"/>
+                    </a:lnR>
+                  </a:tcPr>
+                </a:tc>
+                <a:extLst>
+                  <a:ext uri="{0D108BD9-81ED-4DB2-BD59-A6C34878D82A}">
+                    <a16:rowId xmlns:a16="http://schemas.microsoft.com/office/drawing/2014/main" val="2535650466"/>
+                  </a:ext>
+                </a:extLst>
+              </a:tr>
+              <a:tr h="370840">
+                <a:tc>
+                  <a:txBody>
+                    <a:bodyPr/>
+                    <a:lstStyle/>
+                    <a:p>
+                      <a:pPr marL="0" marR="0" lvl="0" indent="0" algn="l" defTabSz="914400" rtl="0" eaLnBrk="1" fontAlgn="auto" latinLnBrk="0" hangingPunct="1">
+                        <a:lnSpc>
+                          <a:spcPct val="100000"/>
+                        </a:lnSpc>
+                        <a:spcBef>
+                          <a:spcPts val="0"/>
+                        </a:spcBef>
+                        <a:spcAft>
+                          <a:spcPts val="0"/>
+                        </a:spcAft>
+                        <a:buClrTx/>
+                        <a:buSzTx/>
+                        <a:buFontTx/>
+                        <a:buNone/>
+                        <a:tabLst/>
+                        <a:defRPr/>
+                      </a:pPr>
+                      <a:r>
+                        <a:rPr lang="nl-BE" dirty="0"/>
+                        <a:t>Mauro Janssens</a:t>
+                      </a:r>
+                    </a:p>
+                  </a:txBody>
+                  <a:tcPr>
+                    <a:lnL w="12700" cap="flat" cmpd="sng" algn="ctr">
+                      <a:solidFill>
+                        <a:schemeClr val="tx1"/>
+                      </a:solidFill>
+                      <a:prstDash val="solid"/>
+                      <a:round/>
+                      <a:headEnd type="none" w="med" len="med"/>
+                      <a:tailEnd type="none" w="med" len="med"/>
+                    </a:lnL>
+                  </a:tcPr>
+                </a:tc>
+                <a:tc>
+                  <a:txBody>
+                    <a:bodyPr/>
+                    <a:lstStyle/>
+                    <a:p>
+                      <a:r>
+                        <a:rPr lang="nl-BE" dirty="0"/>
+                        <a:t>FM</a:t>
+                      </a:r>
+                    </a:p>
+                  </a:txBody>
+                  <a:tcPr/>
+                </a:tc>
+                <a:tc>
+                  <a:txBody>
+                    <a:bodyPr/>
+                    <a:lstStyle/>
+                    <a:p>
+                      <a:pPr marL="0" marR="0" lvl="0" indent="0" algn="l" defTabSz="914400" rtl="0" eaLnBrk="1" fontAlgn="auto" latinLnBrk="0" hangingPunct="1">
+                        <a:lnSpc>
+                          <a:spcPct val="100000"/>
+                        </a:lnSpc>
+                        <a:spcBef>
+                          <a:spcPts val="0"/>
+                        </a:spcBef>
+                        <a:spcAft>
+                          <a:spcPts val="0"/>
+                        </a:spcAft>
+                        <a:buClrTx/>
+                        <a:buSzTx/>
+                        <a:buFontTx/>
+                        <a:buNone/>
+                        <a:tabLst/>
+                        <a:defRPr/>
+                      </a:pPr>
+                      <a:r>
+                        <a:rPr lang="nl-BE" dirty="0"/>
+                        <a:t>FM</a:t>
+                      </a:r>
+                    </a:p>
+                  </a:txBody>
+                  <a:tcPr/>
+                </a:tc>
+                <a:tc>
+                  <a:txBody>
+                    <a:bodyPr/>
+                    <a:lstStyle/>
+                    <a:p>
+                      <a:pPr marL="0" marR="0" lvl="0" indent="0" algn="l" defTabSz="914400" rtl="0" eaLnBrk="1" fontAlgn="auto" latinLnBrk="0" hangingPunct="1">
+                        <a:lnSpc>
+                          <a:spcPct val="100000"/>
+                        </a:lnSpc>
+                        <a:spcBef>
+                          <a:spcPts val="0"/>
+                        </a:spcBef>
+                        <a:spcAft>
+                          <a:spcPts val="0"/>
+                        </a:spcAft>
+                        <a:buClrTx/>
+                        <a:buSzTx/>
+                        <a:buFontTx/>
+                        <a:buNone/>
+                        <a:tabLst/>
+                        <a:defRPr/>
+                      </a:pPr>
+                      <a:r>
+                        <a:rPr lang="nl-BE" dirty="0"/>
+                        <a:t>FM</a:t>
+                      </a:r>
+                    </a:p>
+                  </a:txBody>
+                  <a:tcPr/>
+                </a:tc>
+                <a:tc>
+                  <a:txBody>
+                    <a:bodyPr/>
+                    <a:lstStyle/>
+                    <a:p>
+                      <a:pPr marL="0" marR="0" lvl="0" indent="0" algn="l" defTabSz="914400" rtl="0" eaLnBrk="1" fontAlgn="auto" latinLnBrk="0" hangingPunct="1">
+                        <a:lnSpc>
+                          <a:spcPct val="100000"/>
+                        </a:lnSpc>
+                        <a:spcBef>
+                          <a:spcPts val="0"/>
+                        </a:spcBef>
+                        <a:spcAft>
+                          <a:spcPts val="0"/>
+                        </a:spcAft>
+                        <a:buClrTx/>
+                        <a:buSzTx/>
+                        <a:buFontTx/>
+                        <a:buNone/>
+                        <a:tabLst/>
+                        <a:defRPr/>
+                      </a:pPr>
+                      <a:r>
+                        <a:rPr lang="nl-BE" dirty="0"/>
+                        <a:t>FM</a:t>
+                      </a:r>
+                    </a:p>
+                  </a:txBody>
+                  <a:tcPr>
+                    <a:lnR w="12700" cap="flat" cmpd="sng" algn="ctr">
+                      <a:solidFill>
+                        <a:schemeClr val="tx1"/>
+                      </a:solidFill>
+                      <a:prstDash val="solid"/>
+                      <a:round/>
+                      <a:headEnd type="none" w="med" len="med"/>
+                      <a:tailEnd type="none" w="med" len="med"/>
+                    </a:lnR>
+                  </a:tcPr>
+                </a:tc>
+                <a:extLst>
+                  <a:ext uri="{0D108BD9-81ED-4DB2-BD59-A6C34878D82A}">
+                    <a16:rowId xmlns:a16="http://schemas.microsoft.com/office/drawing/2014/main" val="1056747163"/>
+                  </a:ext>
+                </a:extLst>
+              </a:tr>
+              <a:tr h="370840">
+                <a:tc>
+                  <a:txBody>
+                    <a:bodyPr/>
+                    <a:lstStyle/>
+                    <a:p>
+                      <a:pPr marL="0" marR="0" lvl="0" indent="0" algn="l" defTabSz="914400" rtl="0" eaLnBrk="1" fontAlgn="auto" latinLnBrk="0" hangingPunct="1">
+                        <a:lnSpc>
+                          <a:spcPct val="100000"/>
+                        </a:lnSpc>
+                        <a:spcBef>
+                          <a:spcPts val="0"/>
+                        </a:spcBef>
+                        <a:spcAft>
+                          <a:spcPts val="0"/>
+                        </a:spcAft>
+                        <a:buClrTx/>
+                        <a:buSzTx/>
+                        <a:buFontTx/>
+                        <a:buNone/>
+                        <a:tabLst/>
+                        <a:defRPr/>
+                      </a:pPr>
+                      <a:r>
+                        <a:rPr lang="nl-BE" dirty="0"/>
+                        <a:t>Pepijn Haenen</a:t>
+                      </a:r>
+                    </a:p>
+                  </a:txBody>
+                  <a:tcPr>
+                    <a:lnL w="12700" cap="flat" cmpd="sng" algn="ctr">
+                      <a:solidFill>
+                        <a:schemeClr val="tx1"/>
+                      </a:solidFill>
+                      <a:prstDash val="solid"/>
+                      <a:round/>
+                      <a:headEnd type="none" w="med" len="med"/>
+                      <a:tailEnd type="none" w="med" len="med"/>
+                    </a:lnL>
+                  </a:tcPr>
+                </a:tc>
+                <a:tc>
+                  <a:txBody>
+                    <a:bodyPr/>
+                    <a:lstStyle/>
+                    <a:p>
+                      <a:pPr marL="0" marR="0" lvl="0" indent="0" algn="l" defTabSz="914400" rtl="0" eaLnBrk="1" fontAlgn="auto" latinLnBrk="0" hangingPunct="1">
+                        <a:lnSpc>
+                          <a:spcPct val="100000"/>
+                        </a:lnSpc>
+                        <a:spcBef>
+                          <a:spcPts val="0"/>
+                        </a:spcBef>
+                        <a:spcAft>
+                          <a:spcPts val="0"/>
+                        </a:spcAft>
+                        <a:buClrTx/>
+                        <a:buSzTx/>
+                        <a:buFontTx/>
+                        <a:buNone/>
+                        <a:tabLst/>
+                        <a:defRPr/>
+                      </a:pPr>
+                      <a:r>
+                        <a:rPr lang="nl-BE" dirty="0"/>
+                        <a:t>TF</a:t>
+                      </a:r>
+                    </a:p>
+                  </a:txBody>
+                  <a:tcPr/>
+                </a:tc>
+                <a:tc>
+                  <a:txBody>
+                    <a:bodyPr/>
+                    <a:lstStyle/>
+                    <a:p>
+                      <a:pPr marL="0" marR="0" lvl="0" indent="0" algn="l" defTabSz="914400" rtl="0" eaLnBrk="1" fontAlgn="auto" latinLnBrk="0" hangingPunct="1">
+                        <a:lnSpc>
+                          <a:spcPct val="100000"/>
+                        </a:lnSpc>
+                        <a:spcBef>
+                          <a:spcPts val="0"/>
+                        </a:spcBef>
+                        <a:spcAft>
+                          <a:spcPts val="0"/>
+                        </a:spcAft>
+                        <a:buClrTx/>
+                        <a:buSzTx/>
+                        <a:buFontTx/>
+                        <a:buNone/>
+                        <a:tabLst/>
+                        <a:defRPr/>
+                      </a:pPr>
+                      <a:r>
+                        <a:rPr lang="nl-BE" dirty="0"/>
+                        <a:t>TF</a:t>
+                      </a:r>
+                    </a:p>
+                  </a:txBody>
+                  <a:tcPr/>
+                </a:tc>
+                <a:tc>
+                  <a:txBody>
+                    <a:bodyPr/>
+                    <a:lstStyle/>
+                    <a:p>
+                      <a:pPr marL="0" marR="0" lvl="0" indent="0" algn="l" defTabSz="914400" rtl="0" eaLnBrk="1" fontAlgn="auto" latinLnBrk="0" hangingPunct="1">
+                        <a:lnSpc>
+                          <a:spcPct val="100000"/>
+                        </a:lnSpc>
+                        <a:spcBef>
+                          <a:spcPts val="0"/>
+                        </a:spcBef>
+                        <a:spcAft>
+                          <a:spcPts val="0"/>
+                        </a:spcAft>
+                        <a:buClrTx/>
+                        <a:buSzTx/>
+                        <a:buFontTx/>
+                        <a:buNone/>
+                        <a:tabLst/>
+                        <a:defRPr/>
+                      </a:pPr>
+                      <a:r>
+                        <a:rPr lang="nl-BE" dirty="0"/>
+                        <a:t>TF</a:t>
+                      </a:r>
+                    </a:p>
+                  </a:txBody>
+                  <a:tcPr/>
+                </a:tc>
+                <a:tc>
+                  <a:txBody>
+                    <a:bodyPr/>
+                    <a:lstStyle/>
+                    <a:p>
+                      <a:pPr marL="0" marR="0" lvl="0" indent="0" algn="l" defTabSz="914400" rtl="0" eaLnBrk="1" fontAlgn="auto" latinLnBrk="0" hangingPunct="1">
+                        <a:lnSpc>
+                          <a:spcPct val="100000"/>
+                        </a:lnSpc>
+                        <a:spcBef>
+                          <a:spcPts val="0"/>
+                        </a:spcBef>
+                        <a:spcAft>
+                          <a:spcPts val="0"/>
+                        </a:spcAft>
+                        <a:buClrTx/>
+                        <a:buSzTx/>
+                        <a:buFontTx/>
+                        <a:buNone/>
+                        <a:tabLst/>
+                        <a:defRPr/>
+                      </a:pPr>
+                      <a:r>
+                        <a:rPr lang="nl-BE" dirty="0"/>
+                        <a:t>TF</a:t>
+                      </a:r>
+                    </a:p>
+                  </a:txBody>
+                  <a:tcPr>
+                    <a:lnR w="12700" cap="flat" cmpd="sng" algn="ctr">
+                      <a:solidFill>
+                        <a:schemeClr val="tx1"/>
+                      </a:solidFill>
+                      <a:prstDash val="solid"/>
+                      <a:round/>
+                      <a:headEnd type="none" w="med" len="med"/>
+                      <a:tailEnd type="none" w="med" len="med"/>
+                    </a:lnR>
+                  </a:tcPr>
+                </a:tc>
+                <a:extLst>
+                  <a:ext uri="{0D108BD9-81ED-4DB2-BD59-A6C34878D82A}">
+                    <a16:rowId xmlns:a16="http://schemas.microsoft.com/office/drawing/2014/main" val="4081416973"/>
+                  </a:ext>
+                </a:extLst>
+              </a:tr>
+              <a:tr h="370840">
+                <a:tc>
+                  <a:txBody>
+                    <a:bodyPr/>
+                    <a:lstStyle/>
+                    <a:p>
+                      <a:pPr marL="0" marR="0" lvl="0" indent="0" algn="l" defTabSz="914400" rtl="0" eaLnBrk="1" fontAlgn="auto" latinLnBrk="0" hangingPunct="1">
+                        <a:lnSpc>
+                          <a:spcPct val="100000"/>
+                        </a:lnSpc>
+                        <a:spcBef>
+                          <a:spcPts val="0"/>
+                        </a:spcBef>
+                        <a:spcAft>
+                          <a:spcPts val="0"/>
+                        </a:spcAft>
+                        <a:buClrTx/>
+                        <a:buSzTx/>
+                        <a:buFontTx/>
+                        <a:buNone/>
+                        <a:tabLst/>
+                        <a:defRPr/>
+                      </a:pPr>
+                      <a:r>
+                        <a:rPr lang="nl-BE" dirty="0"/>
+                        <a:t>Philippe </a:t>
+                      </a:r>
+                      <a:r>
+                        <a:rPr lang="nl-BE" dirty="0" err="1"/>
+                        <a:t>Laffineur</a:t>
+                      </a:r>
+                      <a:endParaRPr lang="nl-BE" dirty="0"/>
+                    </a:p>
+                  </a:txBody>
+                  <a:tcPr>
+                    <a:lnL w="12700" cap="flat" cmpd="sng" algn="ctr">
+                      <a:solidFill>
+                        <a:schemeClr val="tx1"/>
+                      </a:solidFill>
+                      <a:prstDash val="solid"/>
+                      <a:round/>
+                      <a:headEnd type="none" w="med" len="med"/>
+                      <a:tailEnd type="none" w="med" len="med"/>
+                    </a:lnL>
+                  </a:tcPr>
+                </a:tc>
+                <a:tc>
+                  <a:txBody>
+                    <a:bodyPr/>
+                    <a:lstStyle/>
+                    <a:p>
+                      <a:pPr marL="0" marR="0" lvl="0" indent="0" algn="l" defTabSz="914400" rtl="0" eaLnBrk="1" fontAlgn="auto" latinLnBrk="0" hangingPunct="1">
+                        <a:lnSpc>
+                          <a:spcPct val="100000"/>
+                        </a:lnSpc>
+                        <a:spcBef>
+                          <a:spcPts val="0"/>
+                        </a:spcBef>
+                        <a:spcAft>
+                          <a:spcPts val="0"/>
+                        </a:spcAft>
+                        <a:buClrTx/>
+                        <a:buSzTx/>
+                        <a:buFontTx/>
+                        <a:buNone/>
+                        <a:tabLst/>
+                        <a:defRPr/>
+                      </a:pPr>
+                      <a:r>
+                        <a:rPr lang="nl-BE" dirty="0"/>
+                        <a:t>PP</a:t>
+                      </a:r>
+                    </a:p>
+                  </a:txBody>
+                  <a:tcPr/>
+                </a:tc>
+                <a:tc>
+                  <a:txBody>
+                    <a:bodyPr/>
+                    <a:lstStyle/>
+                    <a:p>
+                      <a:pPr marL="0" marR="0" lvl="0" indent="0" algn="l" defTabSz="914400" rtl="0" eaLnBrk="1" fontAlgn="auto" latinLnBrk="0" hangingPunct="1">
+                        <a:lnSpc>
+                          <a:spcPct val="100000"/>
+                        </a:lnSpc>
+                        <a:spcBef>
+                          <a:spcPts val="0"/>
+                        </a:spcBef>
+                        <a:spcAft>
+                          <a:spcPts val="0"/>
+                        </a:spcAft>
+                        <a:buClrTx/>
+                        <a:buSzTx/>
+                        <a:buFontTx/>
+                        <a:buNone/>
+                        <a:tabLst/>
+                        <a:defRPr/>
+                      </a:pPr>
+                      <a:r>
+                        <a:rPr lang="nl-BE" dirty="0"/>
+                        <a:t>PP</a:t>
+                      </a:r>
+                    </a:p>
+                  </a:txBody>
+                  <a:tcPr/>
+                </a:tc>
+                <a:tc>
+                  <a:txBody>
+                    <a:bodyPr/>
+                    <a:lstStyle/>
+                    <a:p>
+                      <a:pPr marL="0" marR="0" lvl="0" indent="0" algn="l" defTabSz="914400" rtl="0" eaLnBrk="1" fontAlgn="auto" latinLnBrk="0" hangingPunct="1">
+                        <a:lnSpc>
+                          <a:spcPct val="100000"/>
+                        </a:lnSpc>
+                        <a:spcBef>
+                          <a:spcPts val="0"/>
+                        </a:spcBef>
+                        <a:spcAft>
+                          <a:spcPts val="0"/>
+                        </a:spcAft>
+                        <a:buClrTx/>
+                        <a:buSzTx/>
+                        <a:buFontTx/>
+                        <a:buNone/>
+                        <a:tabLst/>
+                        <a:defRPr/>
+                      </a:pPr>
+                      <a:r>
+                        <a:rPr lang="nl-BE" dirty="0"/>
+                        <a:t>PP</a:t>
+                      </a:r>
+                    </a:p>
+                  </a:txBody>
+                  <a:tcPr/>
+                </a:tc>
+                <a:tc>
+                  <a:txBody>
+                    <a:bodyPr/>
+                    <a:lstStyle/>
+                    <a:p>
+                      <a:pPr marL="0" marR="0" lvl="0" indent="0" algn="l" defTabSz="914400" rtl="0" eaLnBrk="1" fontAlgn="auto" latinLnBrk="0" hangingPunct="1">
+                        <a:lnSpc>
+                          <a:spcPct val="100000"/>
+                        </a:lnSpc>
+                        <a:spcBef>
+                          <a:spcPts val="0"/>
+                        </a:spcBef>
+                        <a:spcAft>
+                          <a:spcPts val="0"/>
+                        </a:spcAft>
+                        <a:buClrTx/>
+                        <a:buSzTx/>
+                        <a:buFontTx/>
+                        <a:buNone/>
+                        <a:tabLst/>
+                        <a:defRPr/>
+                      </a:pPr>
+                      <a:r>
+                        <a:rPr lang="nl-BE" dirty="0"/>
+                        <a:t>PP</a:t>
+                      </a:r>
+                    </a:p>
+                  </a:txBody>
+                  <a:tcPr>
+                    <a:lnR w="12700" cap="flat" cmpd="sng" algn="ctr">
+                      <a:solidFill>
+                        <a:schemeClr val="tx1"/>
+                      </a:solidFill>
+                      <a:prstDash val="solid"/>
+                      <a:round/>
+                      <a:headEnd type="none" w="med" len="med"/>
+                      <a:tailEnd type="none" w="med" len="med"/>
+                    </a:lnR>
+                  </a:tcPr>
+                </a:tc>
+                <a:extLst>
+                  <a:ext uri="{0D108BD9-81ED-4DB2-BD59-A6C34878D82A}">
+                    <a16:rowId xmlns:a16="http://schemas.microsoft.com/office/drawing/2014/main" val="4226429342"/>
+                  </a:ext>
+                </a:extLst>
+              </a:tr>
+              <a:tr h="370840">
+                <a:tc>
+                  <a:txBody>
+                    <a:bodyPr/>
+                    <a:lstStyle/>
+                    <a:p>
+                      <a:pPr marL="0" marR="0" lvl="0" indent="0" algn="l" defTabSz="914400" rtl="0" eaLnBrk="1" fontAlgn="auto" latinLnBrk="0" hangingPunct="1">
+                        <a:lnSpc>
+                          <a:spcPct val="100000"/>
+                        </a:lnSpc>
+                        <a:spcBef>
+                          <a:spcPts val="0"/>
+                        </a:spcBef>
+                        <a:spcAft>
+                          <a:spcPts val="0"/>
+                        </a:spcAft>
+                        <a:buClrTx/>
+                        <a:buSzTx/>
+                        <a:buFontTx/>
+                        <a:buNone/>
+                        <a:tabLst/>
+                        <a:defRPr/>
+                      </a:pPr>
+                      <a:r>
+                        <a:rPr lang="nl-BE" dirty="0" err="1"/>
+                        <a:t>Tjorben</a:t>
+                      </a:r>
+                      <a:r>
+                        <a:rPr lang="nl-BE" dirty="0"/>
+                        <a:t> </a:t>
+                      </a:r>
+                      <a:r>
+                        <a:rPr lang="nl-BE" dirty="0" err="1"/>
+                        <a:t>Godeau</a:t>
+                      </a:r>
+                      <a:endParaRPr lang="nl-BE" dirty="0"/>
+                    </a:p>
+                  </a:txBody>
+                  <a:tcPr>
+                    <a:lnL w="12700" cap="flat" cmpd="sng" algn="ctr">
+                      <a:solidFill>
+                        <a:schemeClr val="tx1"/>
+                      </a:solidFill>
+                      <a:prstDash val="solid"/>
+                      <a:round/>
+                      <a:headEnd type="none" w="med" len="med"/>
+                      <a:tailEnd type="none" w="med" len="med"/>
+                    </a:lnL>
+                    <a:lnB w="12700" cap="flat" cmpd="sng" algn="ctr">
+                      <a:solidFill>
+                        <a:schemeClr val="tx1"/>
+                      </a:solidFill>
+                      <a:prstDash val="solid"/>
+                      <a:round/>
+                      <a:headEnd type="none" w="med" len="med"/>
+                      <a:tailEnd type="none" w="med" len="med"/>
+                    </a:lnB>
+                  </a:tcPr>
+                </a:tc>
+                <a:tc>
+                  <a:txBody>
+                    <a:bodyPr/>
+                    <a:lstStyle/>
+                    <a:p>
+                      <a:pPr marL="0" marR="0" lvl="0" indent="0" algn="l" defTabSz="914400" rtl="0" eaLnBrk="1" fontAlgn="auto" latinLnBrk="0" hangingPunct="1">
+                        <a:lnSpc>
+                          <a:spcPct val="100000"/>
+                        </a:lnSpc>
+                        <a:spcBef>
+                          <a:spcPts val="0"/>
+                        </a:spcBef>
+                        <a:spcAft>
+                          <a:spcPts val="0"/>
+                        </a:spcAft>
+                        <a:buClrTx/>
+                        <a:buSzTx/>
+                        <a:buFontTx/>
+                        <a:buNone/>
+                        <a:tabLst/>
+                        <a:defRPr/>
+                      </a:pPr>
+                      <a:r>
+                        <a:rPr lang="en-US" altLang="nl-BE" sz="1800" dirty="0">
+                          <a:solidFill>
+                            <a:srgbClr val="333333"/>
+                          </a:solidFill>
+                          <a:latin typeface="Verdana" panose="020B0604030504040204" pitchFamily="34" charset="0"/>
+                        </a:rPr>
+                        <a:t>OD</a:t>
+                      </a:r>
+                    </a:p>
+                  </a:txBody>
+                  <a:tcPr>
+                    <a:lnB w="12700" cap="flat" cmpd="sng" algn="ctr">
+                      <a:solidFill>
+                        <a:schemeClr val="tx1"/>
+                      </a:solidFill>
+                      <a:prstDash val="solid"/>
+                      <a:round/>
+                      <a:headEnd type="none" w="med" len="med"/>
+                      <a:tailEnd type="none" w="med" len="med"/>
+                    </a:lnB>
+                  </a:tcPr>
+                </a:tc>
+                <a:tc>
+                  <a:txBody>
+                    <a:bodyPr/>
+                    <a:lstStyle/>
+                    <a:p>
+                      <a:pPr marL="0" marR="0" lvl="0" indent="0" algn="l" defTabSz="914400" rtl="0" eaLnBrk="1" fontAlgn="auto" latinLnBrk="0" hangingPunct="1">
+                        <a:lnSpc>
+                          <a:spcPct val="100000"/>
+                        </a:lnSpc>
+                        <a:spcBef>
+                          <a:spcPts val="0"/>
+                        </a:spcBef>
+                        <a:spcAft>
+                          <a:spcPts val="0"/>
+                        </a:spcAft>
+                        <a:buClrTx/>
+                        <a:buSzTx/>
+                        <a:buFontTx/>
+                        <a:buNone/>
+                        <a:tabLst/>
+                        <a:defRPr/>
+                      </a:pPr>
+                      <a:r>
+                        <a:rPr lang="en-US" altLang="nl-BE" sz="1800" dirty="0">
+                          <a:solidFill>
+                            <a:srgbClr val="333333"/>
+                          </a:solidFill>
+                          <a:latin typeface="Verdana" panose="020B0604030504040204" pitchFamily="34" charset="0"/>
+                        </a:rPr>
+                        <a:t>OD</a:t>
+                      </a:r>
+                    </a:p>
+                  </a:txBody>
+                  <a:tcPr>
+                    <a:lnB w="12700" cap="flat" cmpd="sng" algn="ctr">
+                      <a:solidFill>
+                        <a:schemeClr val="tx1"/>
+                      </a:solidFill>
+                      <a:prstDash val="solid"/>
+                      <a:round/>
+                      <a:headEnd type="none" w="med" len="med"/>
+                      <a:tailEnd type="none" w="med" len="med"/>
+                    </a:lnB>
+                  </a:tcPr>
+                </a:tc>
+                <a:tc>
+                  <a:txBody>
+                    <a:bodyPr/>
+                    <a:lstStyle/>
+                    <a:p>
+                      <a:pPr marL="0" marR="0" lvl="0" indent="0" algn="l" defTabSz="914400" rtl="0" eaLnBrk="1" fontAlgn="auto" latinLnBrk="0" hangingPunct="1">
+                        <a:lnSpc>
+                          <a:spcPct val="100000"/>
+                        </a:lnSpc>
+                        <a:spcBef>
+                          <a:spcPts val="0"/>
+                        </a:spcBef>
+                        <a:spcAft>
+                          <a:spcPts val="0"/>
+                        </a:spcAft>
+                        <a:buClrTx/>
+                        <a:buSzTx/>
+                        <a:buFontTx/>
+                        <a:buNone/>
+                        <a:tabLst/>
+                        <a:defRPr/>
+                      </a:pPr>
+                      <a:r>
+                        <a:rPr lang="en-US" altLang="nl-BE" sz="1800" dirty="0" err="1">
+                          <a:solidFill>
+                            <a:srgbClr val="333333"/>
+                          </a:solidFill>
+                          <a:latin typeface="Verdana" panose="020B0604030504040204" pitchFamily="34" charset="0"/>
+                        </a:rPr>
+                        <a:t>Verslag</a:t>
+                      </a:r>
+                      <a:endParaRPr lang="en-US" altLang="nl-BE" sz="1800" dirty="0">
+                        <a:solidFill>
+                          <a:srgbClr val="333333"/>
+                        </a:solidFill>
+                        <a:latin typeface="Verdana" panose="020B0604030504040204" pitchFamily="34" charset="0"/>
+                      </a:endParaRPr>
+                    </a:p>
+                  </a:txBody>
+                  <a:tcPr>
+                    <a:lnB w="12700" cap="flat" cmpd="sng" algn="ctr">
+                      <a:solidFill>
+                        <a:schemeClr val="tx1"/>
+                      </a:solidFill>
+                      <a:prstDash val="solid"/>
+                      <a:round/>
+                      <a:headEnd type="none" w="med" len="med"/>
+                      <a:tailEnd type="none" w="med" len="med"/>
+                    </a:lnB>
+                  </a:tcPr>
+                </a:tc>
+                <a:tc>
+                  <a:txBody>
+                    <a:bodyPr/>
+                    <a:lstStyle/>
+                    <a:p>
+                      <a:pPr marL="0" marR="0" lvl="0" indent="0" algn="l" defTabSz="914400" rtl="0" eaLnBrk="1" fontAlgn="auto" latinLnBrk="0" hangingPunct="1">
+                        <a:lnSpc>
+                          <a:spcPct val="100000"/>
+                        </a:lnSpc>
+                        <a:spcBef>
+                          <a:spcPts val="0"/>
+                        </a:spcBef>
+                        <a:spcAft>
+                          <a:spcPts val="0"/>
+                        </a:spcAft>
+                        <a:buClrTx/>
+                        <a:buSzTx/>
+                        <a:buFontTx/>
+                        <a:buNone/>
+                        <a:tabLst/>
+                        <a:defRPr/>
+                      </a:pPr>
+                      <a:r>
+                        <a:rPr lang="en-US" altLang="nl-BE" sz="1800" dirty="0" err="1">
+                          <a:solidFill>
+                            <a:srgbClr val="333333"/>
+                          </a:solidFill>
+                          <a:latin typeface="Verdana" panose="020B0604030504040204" pitchFamily="34" charset="0"/>
+                        </a:rPr>
+                        <a:t>Verslag</a:t>
+                      </a:r>
+                      <a:endParaRPr lang="en-US" altLang="nl-BE" sz="1800" dirty="0">
+                        <a:solidFill>
+                          <a:srgbClr val="333333"/>
+                        </a:solidFill>
+                        <a:latin typeface="Verdana" panose="020B0604030504040204" pitchFamily="34" charset="0"/>
+                      </a:endParaRPr>
+                    </a:p>
+                  </a:txBody>
+                  <a:tcPr>
+                    <a:lnR w="12700" cap="flat" cmpd="sng" algn="ctr">
+                      <a:solidFill>
+                        <a:schemeClr val="tx1"/>
+                      </a:solidFill>
+                      <a:prstDash val="solid"/>
+                      <a:round/>
+                      <a:headEnd type="none" w="med" len="med"/>
+                      <a:tailEnd type="none" w="med" len="med"/>
+                    </a:lnR>
+                    <a:lnB w="12700" cap="flat" cmpd="sng" algn="ctr">
+                      <a:solidFill>
+                        <a:schemeClr val="tx1"/>
+                      </a:solidFill>
+                      <a:prstDash val="solid"/>
+                      <a:round/>
+                      <a:headEnd type="none" w="med" len="med"/>
+                      <a:tailEnd type="none" w="med" len="med"/>
+                    </a:lnB>
+                  </a:tcPr>
+                </a:tc>
+                <a:extLst>
+                  <a:ext uri="{0D108BD9-81ED-4DB2-BD59-A6C34878D82A}">
+                    <a16:rowId xmlns:a16="http://schemas.microsoft.com/office/drawing/2014/main" val="3156394708"/>
+                  </a:ext>
+                </a:extLst>
+              </a:tr>
+            </a:tbl>
+          </a:graphicData>
+        </a:graphic>
+      </p:graphicFrame>
+      <p:sp>
+        <p:nvSpPr>
+          <p:cNvPr id="10" name="Rectangle 8">
+            <a:extLst>
+              <a:ext uri="{FF2B5EF4-FFF2-40B4-BE49-F238E27FC236}">
+                <a16:creationId xmlns:a16="http://schemas.microsoft.com/office/drawing/2014/main" id="{1E15D5E2-F566-92F2-FA58-4E3627C12EDC}"/>
+              </a:ext>
+            </a:extLst>
+          </p:cNvPr>
+          <p:cNvSpPr>
+            <a:spLocks noChangeArrowheads="1"/>
+          </p:cNvSpPr>
+          <p:nvPr/>
+        </p:nvSpPr>
+        <p:spPr bwMode="auto">
+          <a:xfrm>
+            <a:off x="576000" y="3212786"/>
+            <a:ext cx="11311200" cy="304800"/>
+          </a:xfrm>
+          <a:prstGeom prst="rect">
+            <a:avLst/>
+          </a:prstGeom>
+          <a:solidFill>
+            <a:schemeClr val="tx2">
+              <a:lumMod val="75000"/>
+            </a:schemeClr>
+          </a:solidFill>
+          <a:ln w="9525">
+            <a:solidFill>
+              <a:srgbClr val="333333"/>
+            </a:solidFill>
+            <a:miter lim="800000"/>
+            <a:headEnd/>
+            <a:tailEnd/>
+          </a:ln>
+          <a:effectLst/>
+        </p:spPr>
+        <p:txBody>
+          <a:bodyPr wrap="none" anchor="ctr"/>
+          <a:lstStyle/>
+          <a:p>
+            <a:r>
+              <a:rPr lang="en-US" altLang="nl-BE" sz="1400" b="1" dirty="0" err="1">
+                <a:solidFill>
+                  <a:schemeClr val="bg1"/>
+                </a:solidFill>
+                <a:latin typeface="Verdana" panose="020B0604030504040204" pitchFamily="34" charset="0"/>
+              </a:rPr>
+              <a:t>Uitgevoerde</a:t>
+            </a:r>
+            <a:r>
+              <a:rPr lang="en-US" altLang="nl-BE" sz="1400" b="1" dirty="0">
+                <a:solidFill>
+                  <a:schemeClr val="bg1"/>
+                </a:solidFill>
+                <a:latin typeface="Verdana" panose="020B0604030504040204" pitchFamily="34" charset="0"/>
+              </a:rPr>
+              <a:t> taken </a:t>
+            </a:r>
+            <a:r>
+              <a:rPr lang="en-US" altLang="nl-BE" sz="1400" b="1" dirty="0" err="1">
+                <a:solidFill>
+                  <a:schemeClr val="bg1"/>
+                </a:solidFill>
+                <a:latin typeface="Verdana" panose="020B0604030504040204" pitchFamily="34" charset="0"/>
+              </a:rPr>
+              <a:t>tijdens</a:t>
+            </a:r>
+            <a:r>
+              <a:rPr lang="en-US" altLang="nl-BE" sz="1400" b="1" dirty="0">
+                <a:solidFill>
+                  <a:schemeClr val="bg1"/>
+                </a:solidFill>
+                <a:latin typeface="Verdana" panose="020B0604030504040204" pitchFamily="34" charset="0"/>
+              </a:rPr>
+              <a:t> </a:t>
+            </a:r>
+            <a:r>
+              <a:rPr lang="en-US" altLang="nl-BE" sz="1400" b="1" dirty="0" err="1">
+                <a:solidFill>
+                  <a:schemeClr val="bg1"/>
+                </a:solidFill>
+                <a:latin typeface="Verdana" panose="020B0604030504040204" pitchFamily="34" charset="0"/>
+              </a:rPr>
+              <a:t>teamzitting</a:t>
+            </a:r>
+            <a:endParaRPr lang="en-US" altLang="nl-BE" sz="1400" b="1" dirty="0">
+              <a:solidFill>
+                <a:schemeClr val="bg1"/>
+              </a:solidFill>
+              <a:latin typeface="Verdana" panose="020B0604030504040204" pitchFamily="34" charset="0"/>
+            </a:endParaRPr>
+          </a:p>
+        </p:txBody>
+      </p:sp>
+      <p:sp>
+        <p:nvSpPr>
+          <p:cNvPr id="11" name="Rectangle 7">
+            <a:extLst>
+              <a:ext uri="{FF2B5EF4-FFF2-40B4-BE49-F238E27FC236}">
+                <a16:creationId xmlns:a16="http://schemas.microsoft.com/office/drawing/2014/main" id="{4C49554B-2833-9D8A-22BC-131952084B16}"/>
+              </a:ext>
+            </a:extLst>
+          </p:cNvPr>
+          <p:cNvSpPr>
+            <a:spLocks noChangeArrowheads="1"/>
+          </p:cNvSpPr>
+          <p:nvPr/>
+        </p:nvSpPr>
+        <p:spPr bwMode="auto">
+          <a:xfrm>
+            <a:off x="6946320" y="695718"/>
+            <a:ext cx="4940880" cy="1018404"/>
+          </a:xfrm>
+          <a:prstGeom prst="rect">
+            <a:avLst/>
+          </a:prstGeom>
+          <a:noFill/>
+          <a:ln w="9525">
+            <a:solidFill>
+              <a:srgbClr val="333333"/>
+            </a:solidFill>
+            <a:miter lim="800000"/>
+            <a:headEnd/>
+            <a:tailEnd/>
+          </a:ln>
+          <a:effectLst/>
+          <a:extLst>
+            <a:ext uri="{909E8E84-426E-40DD-AFC4-6F175D3DCCD1}">
+              <a14:hiddenFill xmlns:a14="http://schemas.microsoft.com/office/drawing/2010/main">
+                <a:solidFill>
+                  <a:schemeClr val="accent1"/>
+                </a:solidFill>
+              </a14:hiddenFill>
+            </a:ext>
+            <a:ext uri="{AF507438-7753-43E0-B8FC-AC1667EBCBE1}">
+              <a14:hiddenEffects xmlns:a14="http://schemas.microsoft.com/office/drawing/2010/main">
+                <a:effectLst>
+                  <a:outerShdw dist="35921" dir="2700000" algn="ctr" rotWithShape="0">
+                    <a:schemeClr val="bg2"/>
+                  </a:outerShdw>
+                </a:effectLst>
+              </a14:hiddenEffects>
+            </a:ext>
+          </a:extLst>
+        </p:spPr>
+        <p:txBody>
+          <a:bodyPr wrap="none" anchor="ctr"/>
+          <a:lstStyle/>
+          <a:p>
+            <a:endParaRPr lang="nl-BE"/>
+          </a:p>
+        </p:txBody>
+      </p:sp>
+      <p:sp>
+        <p:nvSpPr>
+          <p:cNvPr id="12" name="Rectangle 8">
+            <a:extLst>
+              <a:ext uri="{FF2B5EF4-FFF2-40B4-BE49-F238E27FC236}">
+                <a16:creationId xmlns:a16="http://schemas.microsoft.com/office/drawing/2014/main" id="{829DF3FB-77D0-F322-EFCA-0210FB23D701}"/>
+              </a:ext>
+            </a:extLst>
+          </p:cNvPr>
+          <p:cNvSpPr>
+            <a:spLocks noChangeArrowheads="1"/>
+          </p:cNvSpPr>
+          <p:nvPr/>
+        </p:nvSpPr>
+        <p:spPr bwMode="auto">
+          <a:xfrm>
+            <a:off x="6946320" y="695718"/>
+            <a:ext cx="4940880" cy="304800"/>
+          </a:xfrm>
+          <a:prstGeom prst="rect">
+            <a:avLst/>
+          </a:prstGeom>
+          <a:solidFill>
+            <a:schemeClr val="tx2">
+              <a:lumMod val="75000"/>
+            </a:schemeClr>
+          </a:solidFill>
+          <a:ln w="9525">
+            <a:solidFill>
+              <a:srgbClr val="333333"/>
+            </a:solidFill>
+            <a:miter lim="800000"/>
+            <a:headEnd/>
+            <a:tailEnd/>
+          </a:ln>
+          <a:effectLst/>
+        </p:spPr>
+        <p:txBody>
+          <a:bodyPr wrap="none" anchor="ctr"/>
+          <a:lstStyle/>
+          <a:p>
+            <a:r>
+              <a:rPr lang="en-US" altLang="nl-BE" sz="1400" b="1" dirty="0" err="1">
+                <a:solidFill>
+                  <a:schemeClr val="bg1"/>
+                </a:solidFill>
+                <a:latin typeface="Verdana" panose="020B0604030504040204" pitchFamily="34" charset="0"/>
+              </a:rPr>
+              <a:t>Voltooide</a:t>
+            </a:r>
+            <a:r>
+              <a:rPr lang="en-US" altLang="nl-BE" sz="1400" b="1" dirty="0">
+                <a:solidFill>
+                  <a:schemeClr val="bg1"/>
+                </a:solidFill>
+                <a:latin typeface="Verdana" panose="020B0604030504040204" pitchFamily="34" charset="0"/>
+              </a:rPr>
+              <a:t> </a:t>
+            </a:r>
+            <a:r>
+              <a:rPr lang="en-US" altLang="nl-BE" sz="1400" b="1" dirty="0" err="1">
+                <a:solidFill>
+                  <a:schemeClr val="bg1"/>
+                </a:solidFill>
+                <a:latin typeface="Verdana" panose="020B0604030504040204" pitchFamily="34" charset="0"/>
+              </a:rPr>
+              <a:t>acties</a:t>
+            </a:r>
+            <a:r>
+              <a:rPr lang="en-US" altLang="nl-BE" sz="1400" b="1" dirty="0">
+                <a:solidFill>
+                  <a:schemeClr val="bg1"/>
+                </a:solidFill>
+                <a:latin typeface="Verdana" panose="020B0604030504040204" pitchFamily="34" charset="0"/>
+              </a:rPr>
+              <a:t> – </a:t>
+            </a:r>
+            <a:r>
+              <a:rPr lang="en-US" altLang="nl-BE" sz="1400" b="1" dirty="0" err="1">
+                <a:solidFill>
+                  <a:schemeClr val="bg1"/>
+                </a:solidFill>
+                <a:latin typeface="Verdana" panose="020B0604030504040204" pitchFamily="34" charset="0"/>
+              </a:rPr>
+              <a:t>mijlpalen</a:t>
+            </a:r>
+            <a:endParaRPr lang="en-US" altLang="nl-BE" sz="1400" b="1" dirty="0">
+              <a:solidFill>
+                <a:schemeClr val="bg1"/>
+              </a:solidFill>
+              <a:latin typeface="Verdana" panose="020B0604030504040204" pitchFamily="34" charset="0"/>
+            </a:endParaRPr>
+          </a:p>
+        </p:txBody>
+      </p:sp>
+      <p:sp>
+        <p:nvSpPr>
+          <p:cNvPr id="13" name="Rectangle 20">
+            <a:extLst>
+              <a:ext uri="{FF2B5EF4-FFF2-40B4-BE49-F238E27FC236}">
+                <a16:creationId xmlns:a16="http://schemas.microsoft.com/office/drawing/2014/main" id="{54AEE442-8314-6071-A9DA-633FDB1953B7}"/>
+              </a:ext>
+            </a:extLst>
+          </p:cNvPr>
+          <p:cNvSpPr>
+            <a:spLocks noChangeArrowheads="1"/>
+          </p:cNvSpPr>
+          <p:nvPr/>
+        </p:nvSpPr>
+        <p:spPr bwMode="auto">
+          <a:xfrm>
+            <a:off x="6946320" y="1017296"/>
+            <a:ext cx="4940880" cy="713604"/>
+          </a:xfrm>
+          <a:prstGeom prst="rect">
+            <a:avLst/>
+          </a:prstGeom>
+          <a:noFill/>
+          <a:ln>
+            <a:noFill/>
+          </a:ln>
+          <a:effectLst/>
+          <a:extLst>
+            <a:ext uri="{909E8E84-426E-40DD-AFC4-6F175D3DCCD1}">
+              <a14:hiddenFill xmlns:a14="http://schemas.microsoft.com/office/drawing/2010/main">
+                <a:solidFill>
+                  <a:srgbClr val="333333"/>
+                </a:solidFill>
+              </a14:hiddenFill>
+            </a:ext>
+            <a:ext uri="{91240B29-F687-4F45-9708-019B960494DF}">
+              <a14:hiddenLine xmlns:a14="http://schemas.microsoft.com/office/drawing/2010/main" w="9525">
+                <a:solidFill>
+                  <a:srgbClr val="333333"/>
+                </a:solidFill>
+                <a:miter lim="800000"/>
+                <a:headEnd/>
+                <a:tailEnd/>
+              </a14:hiddenLine>
+            </a:ext>
+            <a:ext uri="{AF507438-7753-43E0-B8FC-AC1667EBCBE1}">
+              <a14:hiddenEffects xmlns:a14="http://schemas.microsoft.com/office/drawing/2010/main">
+                <a:effectLst>
+                  <a:outerShdw dist="35921" dir="2700000" algn="ctr" rotWithShape="0">
+                    <a:schemeClr val="bg2"/>
+                  </a:outerShdw>
+                </a:effectLst>
+              </a14:hiddenEffects>
+            </a:ext>
+          </a:extLst>
+        </p:spPr>
+        <p:txBody>
+          <a:bodyPr wrap="none"/>
+          <a:lstStyle/>
+          <a:p>
+            <a:endParaRPr lang="en-US" altLang="nl-BE" sz="1200" dirty="0">
+              <a:solidFill>
+                <a:srgbClr val="333333"/>
+              </a:solidFill>
+              <a:latin typeface="Verdana" panose="020B0604030504040204" pitchFamily="34" charset="0"/>
+            </a:endParaRPr>
+          </a:p>
+        </p:txBody>
+      </p:sp>
+      <p:sp>
+        <p:nvSpPr>
+          <p:cNvPr id="14" name="Rectangle 7">
+            <a:extLst>
+              <a:ext uri="{FF2B5EF4-FFF2-40B4-BE49-F238E27FC236}">
+                <a16:creationId xmlns:a16="http://schemas.microsoft.com/office/drawing/2014/main" id="{2F53B2FB-FBD3-3A76-E3F3-06650F7D9C62}"/>
+              </a:ext>
+            </a:extLst>
+          </p:cNvPr>
+          <p:cNvSpPr>
+            <a:spLocks noChangeArrowheads="1"/>
+          </p:cNvSpPr>
+          <p:nvPr/>
+        </p:nvSpPr>
+        <p:spPr bwMode="auto">
+          <a:xfrm>
+            <a:off x="6946320" y="1901580"/>
+            <a:ext cx="4940880" cy="1152124"/>
+          </a:xfrm>
+          <a:prstGeom prst="rect">
+            <a:avLst/>
+          </a:prstGeom>
+          <a:noFill/>
+          <a:ln w="9525">
+            <a:solidFill>
+              <a:srgbClr val="333333"/>
+            </a:solidFill>
+            <a:miter lim="800000"/>
+            <a:headEnd/>
+            <a:tailEnd/>
+          </a:ln>
+          <a:effectLst/>
+          <a:extLst>
+            <a:ext uri="{909E8E84-426E-40DD-AFC4-6F175D3DCCD1}">
+              <a14:hiddenFill xmlns:a14="http://schemas.microsoft.com/office/drawing/2010/main">
+                <a:solidFill>
+                  <a:schemeClr val="accent1"/>
+                </a:solidFill>
+              </a14:hiddenFill>
+            </a:ext>
+            <a:ext uri="{AF507438-7753-43E0-B8FC-AC1667EBCBE1}">
+              <a14:hiddenEffects xmlns:a14="http://schemas.microsoft.com/office/drawing/2010/main">
+                <a:effectLst>
+                  <a:outerShdw dist="35921" dir="2700000" algn="ctr" rotWithShape="0">
+                    <a:schemeClr val="bg2"/>
+                  </a:outerShdw>
+                </a:effectLst>
+              </a14:hiddenEffects>
+            </a:ext>
+          </a:extLst>
+        </p:spPr>
+        <p:txBody>
+          <a:bodyPr wrap="none" anchor="ctr"/>
+          <a:lstStyle/>
+          <a:p>
+            <a:endParaRPr lang="nl-BE"/>
+          </a:p>
+        </p:txBody>
+      </p:sp>
+      <p:sp>
+        <p:nvSpPr>
+          <p:cNvPr id="15" name="Rectangle 8">
+            <a:extLst>
+              <a:ext uri="{FF2B5EF4-FFF2-40B4-BE49-F238E27FC236}">
+                <a16:creationId xmlns:a16="http://schemas.microsoft.com/office/drawing/2014/main" id="{92918837-F08D-7D58-B007-A50891FD9137}"/>
+              </a:ext>
+            </a:extLst>
+          </p:cNvPr>
+          <p:cNvSpPr>
+            <a:spLocks noChangeArrowheads="1"/>
+          </p:cNvSpPr>
+          <p:nvPr/>
+        </p:nvSpPr>
+        <p:spPr bwMode="auto">
+          <a:xfrm>
+            <a:off x="6946320" y="1901580"/>
+            <a:ext cx="4940880" cy="304800"/>
+          </a:xfrm>
+          <a:prstGeom prst="rect">
+            <a:avLst/>
+          </a:prstGeom>
+          <a:solidFill>
+            <a:schemeClr val="tx2">
+              <a:lumMod val="75000"/>
+            </a:schemeClr>
+          </a:solidFill>
+          <a:ln w="9525">
+            <a:solidFill>
+              <a:srgbClr val="333333"/>
+            </a:solidFill>
+            <a:miter lim="800000"/>
+            <a:headEnd/>
+            <a:tailEnd/>
+          </a:ln>
+          <a:effectLst/>
+        </p:spPr>
+        <p:txBody>
+          <a:bodyPr wrap="none" anchor="ctr"/>
+          <a:lstStyle/>
+          <a:p>
+            <a:r>
+              <a:rPr lang="en-US" altLang="nl-BE" sz="1400" b="1" dirty="0" err="1">
+                <a:solidFill>
+                  <a:schemeClr val="bg1"/>
+                </a:solidFill>
+                <a:latin typeface="Verdana" panose="020B0604030504040204" pitchFamily="34" charset="0"/>
+              </a:rPr>
+              <a:t>Lopende</a:t>
+            </a:r>
+            <a:r>
+              <a:rPr lang="en-US" altLang="nl-BE" sz="1400" b="1" dirty="0">
+                <a:solidFill>
+                  <a:schemeClr val="bg1"/>
+                </a:solidFill>
+                <a:latin typeface="Verdana" panose="020B0604030504040204" pitchFamily="34" charset="0"/>
+              </a:rPr>
+              <a:t> </a:t>
+            </a:r>
+            <a:r>
+              <a:rPr lang="en-US" altLang="nl-BE" sz="1400" b="1" dirty="0" err="1">
+                <a:solidFill>
+                  <a:schemeClr val="bg1"/>
+                </a:solidFill>
+                <a:latin typeface="Verdana" panose="020B0604030504040204" pitchFamily="34" charset="0"/>
+              </a:rPr>
+              <a:t>acties</a:t>
+            </a:r>
+            <a:r>
+              <a:rPr lang="en-US" altLang="nl-BE" sz="1400" b="1" dirty="0">
+                <a:solidFill>
+                  <a:schemeClr val="bg1"/>
+                </a:solidFill>
+                <a:latin typeface="Verdana" panose="020B0604030504040204" pitchFamily="34" charset="0"/>
+              </a:rPr>
+              <a:t> – </a:t>
+            </a:r>
+            <a:r>
+              <a:rPr lang="en-US" altLang="nl-BE" sz="1400" b="1" dirty="0" err="1">
+                <a:solidFill>
+                  <a:schemeClr val="bg1"/>
+                </a:solidFill>
+                <a:latin typeface="Verdana" panose="020B0604030504040204" pitchFamily="34" charset="0"/>
+              </a:rPr>
+              <a:t>volgende</a:t>
+            </a:r>
+            <a:r>
+              <a:rPr lang="en-US" altLang="nl-BE" sz="1400" b="1" dirty="0">
+                <a:solidFill>
+                  <a:schemeClr val="bg1"/>
+                </a:solidFill>
+                <a:latin typeface="Verdana" panose="020B0604030504040204" pitchFamily="34" charset="0"/>
+              </a:rPr>
+              <a:t> </a:t>
+            </a:r>
+            <a:r>
+              <a:rPr lang="en-US" altLang="nl-BE" sz="1400" b="1" dirty="0" err="1">
+                <a:solidFill>
+                  <a:schemeClr val="bg1"/>
+                </a:solidFill>
+                <a:latin typeface="Verdana" panose="020B0604030504040204" pitchFamily="34" charset="0"/>
+              </a:rPr>
+              <a:t>stappen</a:t>
+            </a:r>
+            <a:endParaRPr lang="en-US" altLang="nl-BE" sz="1400" b="1" dirty="0">
+              <a:solidFill>
+                <a:schemeClr val="bg1"/>
+              </a:solidFill>
+              <a:latin typeface="Verdana" panose="020B0604030504040204" pitchFamily="34" charset="0"/>
+            </a:endParaRPr>
+          </a:p>
+        </p:txBody>
+      </p:sp>
+      <p:sp>
+        <p:nvSpPr>
+          <p:cNvPr id="16" name="Rectangle 20">
+            <a:extLst>
+              <a:ext uri="{FF2B5EF4-FFF2-40B4-BE49-F238E27FC236}">
+                <a16:creationId xmlns:a16="http://schemas.microsoft.com/office/drawing/2014/main" id="{A1880DB7-4CF8-49ED-25FA-75AFEF45435C}"/>
+              </a:ext>
+            </a:extLst>
+          </p:cNvPr>
+          <p:cNvSpPr>
+            <a:spLocks noChangeArrowheads="1"/>
+          </p:cNvSpPr>
+          <p:nvPr/>
+        </p:nvSpPr>
+        <p:spPr bwMode="auto">
+          <a:xfrm>
+            <a:off x="6946320" y="2206380"/>
+            <a:ext cx="4940880" cy="909872"/>
+          </a:xfrm>
+          <a:prstGeom prst="rect">
+            <a:avLst/>
+          </a:prstGeom>
+          <a:noFill/>
+          <a:ln>
+            <a:noFill/>
+          </a:ln>
+          <a:effectLst/>
+          <a:extLst>
+            <a:ext uri="{909E8E84-426E-40DD-AFC4-6F175D3DCCD1}">
+              <a14:hiddenFill xmlns:a14="http://schemas.microsoft.com/office/drawing/2010/main">
+                <a:solidFill>
+                  <a:srgbClr val="333333"/>
+                </a:solidFill>
+              </a14:hiddenFill>
+            </a:ext>
+            <a:ext uri="{91240B29-F687-4F45-9708-019B960494DF}">
+              <a14:hiddenLine xmlns:a14="http://schemas.microsoft.com/office/drawing/2010/main" w="9525">
+                <a:solidFill>
+                  <a:srgbClr val="333333"/>
+                </a:solidFill>
+                <a:miter lim="800000"/>
+                <a:headEnd/>
+                <a:tailEnd/>
+              </a14:hiddenLine>
+            </a:ext>
+            <a:ext uri="{AF507438-7753-43E0-B8FC-AC1667EBCBE1}">
+              <a14:hiddenEffects xmlns:a14="http://schemas.microsoft.com/office/drawing/2010/main">
+                <a:effectLst>
+                  <a:outerShdw dist="35921" dir="2700000" algn="ctr" rotWithShape="0">
+                    <a:schemeClr val="bg2"/>
+                  </a:outerShdw>
+                </a:effectLst>
+              </a14:hiddenEffects>
+            </a:ext>
+          </a:extLst>
+        </p:spPr>
+        <p:txBody>
+          <a:bodyPr wrap="none"/>
+          <a:lstStyle/>
+          <a:p>
+            <a:endParaRPr lang="en-US" altLang="nl-BE" sz="1200" dirty="0">
+              <a:solidFill>
+                <a:srgbClr val="333333"/>
+              </a:solidFill>
+              <a:latin typeface="Verdana" panose="020B0604030504040204" pitchFamily="34" charset="0"/>
+            </a:endParaRPr>
+          </a:p>
+        </p:txBody>
+      </p:sp>
+      <p:sp>
+        <p:nvSpPr>
+          <p:cNvPr id="17" name="Rectangle 20">
+            <a:extLst>
+              <a:ext uri="{FF2B5EF4-FFF2-40B4-BE49-F238E27FC236}">
+                <a16:creationId xmlns:a16="http://schemas.microsoft.com/office/drawing/2014/main" id="{4F604ADD-3AA1-CFE6-87E0-F57319BC2E29}"/>
+              </a:ext>
+            </a:extLst>
+          </p:cNvPr>
+          <p:cNvSpPr>
+            <a:spLocks noChangeArrowheads="1"/>
+          </p:cNvSpPr>
+          <p:nvPr/>
+        </p:nvSpPr>
+        <p:spPr bwMode="auto">
+          <a:xfrm>
+            <a:off x="6940800" y="1000518"/>
+            <a:ext cx="4946400" cy="713604"/>
+          </a:xfrm>
+          <a:prstGeom prst="rect">
+            <a:avLst/>
+          </a:prstGeom>
+          <a:noFill/>
+          <a:ln>
+            <a:noFill/>
+          </a:ln>
+          <a:effectLst/>
+          <a:extLst>
+            <a:ext uri="{909E8E84-426E-40DD-AFC4-6F175D3DCCD1}">
+              <a14:hiddenFill xmlns:a14="http://schemas.microsoft.com/office/drawing/2010/main">
+                <a:solidFill>
+                  <a:srgbClr val="333333"/>
+                </a:solidFill>
+              </a14:hiddenFill>
+            </a:ext>
+            <a:ext uri="{91240B29-F687-4F45-9708-019B960494DF}">
+              <a14:hiddenLine xmlns:a14="http://schemas.microsoft.com/office/drawing/2010/main" w="9525">
+                <a:solidFill>
+                  <a:srgbClr val="333333"/>
+                </a:solidFill>
+                <a:miter lim="800000"/>
+                <a:headEnd/>
+                <a:tailEnd/>
+              </a14:hiddenLine>
+            </a:ext>
+            <a:ext uri="{AF507438-7753-43E0-B8FC-AC1667EBCBE1}">
+              <a14:hiddenEffects xmlns:a14="http://schemas.microsoft.com/office/drawing/2010/main">
+                <a:effectLst>
+                  <a:outerShdw dist="35921" dir="2700000" algn="ctr" rotWithShape="0">
+                    <a:schemeClr val="bg2"/>
+                  </a:outerShdw>
+                </a:effectLst>
+              </a14:hiddenEffects>
+            </a:ext>
+          </a:extLst>
+        </p:spPr>
+        <p:txBody>
+          <a:bodyPr wrap="none"/>
+          <a:lstStyle/>
+          <a:p>
+            <a:pPr>
+              <a:buFontTx/>
+              <a:buChar char="•"/>
+            </a:pPr>
+            <a:r>
+              <a:rPr lang="en-US" altLang="nl-BE" sz="1200" dirty="0">
+                <a:solidFill>
+                  <a:srgbClr val="333333"/>
+                </a:solidFill>
+                <a:latin typeface="Verdana" panose="020B0604030504040204" pitchFamily="34" charset="0"/>
+              </a:rPr>
+              <a:t> Brochure</a:t>
+            </a:r>
+          </a:p>
+          <a:p>
+            <a:pPr>
+              <a:buFontTx/>
+              <a:buChar char="•"/>
+            </a:pPr>
+            <a:r>
+              <a:rPr lang="en-US" altLang="nl-BE" sz="1200" dirty="0">
+                <a:solidFill>
+                  <a:srgbClr val="333333"/>
+                </a:solidFill>
+                <a:latin typeface="Verdana" panose="020B0604030504040204" pitchFamily="34" charset="0"/>
+              </a:rPr>
+              <a:t> Adding Restrictions</a:t>
+            </a:r>
+          </a:p>
+          <a:p>
+            <a:endParaRPr lang="en-US" altLang="nl-BE" sz="1200" dirty="0">
+              <a:solidFill>
+                <a:srgbClr val="333333"/>
+              </a:solidFill>
+              <a:latin typeface="Verdana" panose="020B0604030504040204" pitchFamily="34" charset="0"/>
+            </a:endParaRPr>
+          </a:p>
+        </p:txBody>
+      </p:sp>
+      <p:sp>
+        <p:nvSpPr>
+          <p:cNvPr id="18" name="Rectangle 20">
+            <a:extLst>
+              <a:ext uri="{FF2B5EF4-FFF2-40B4-BE49-F238E27FC236}">
+                <a16:creationId xmlns:a16="http://schemas.microsoft.com/office/drawing/2014/main" id="{8581FD55-0099-D63C-D350-D8F1973931A1}"/>
+              </a:ext>
+            </a:extLst>
+          </p:cNvPr>
+          <p:cNvSpPr>
+            <a:spLocks noChangeArrowheads="1"/>
+          </p:cNvSpPr>
+          <p:nvPr/>
+        </p:nvSpPr>
+        <p:spPr bwMode="auto">
+          <a:xfrm>
+            <a:off x="6946320" y="2206380"/>
+            <a:ext cx="4946400" cy="847324"/>
+          </a:xfrm>
+          <a:prstGeom prst="rect">
+            <a:avLst/>
+          </a:prstGeom>
+          <a:noFill/>
+          <a:ln>
+            <a:noFill/>
+          </a:ln>
+          <a:effectLst/>
+          <a:extLst>
+            <a:ext uri="{909E8E84-426E-40DD-AFC4-6F175D3DCCD1}">
+              <a14:hiddenFill xmlns:a14="http://schemas.microsoft.com/office/drawing/2010/main">
+                <a:solidFill>
+                  <a:srgbClr val="333333"/>
+                </a:solidFill>
+              </a14:hiddenFill>
+            </a:ext>
+            <a:ext uri="{91240B29-F687-4F45-9708-019B960494DF}">
+              <a14:hiddenLine xmlns:a14="http://schemas.microsoft.com/office/drawing/2010/main" w="9525">
+                <a:solidFill>
+                  <a:srgbClr val="333333"/>
+                </a:solidFill>
+                <a:miter lim="800000"/>
+                <a:headEnd/>
+                <a:tailEnd/>
+              </a14:hiddenLine>
+            </a:ext>
+            <a:ext uri="{AF507438-7753-43E0-B8FC-AC1667EBCBE1}">
+              <a14:hiddenEffects xmlns:a14="http://schemas.microsoft.com/office/drawing/2010/main">
+                <a:effectLst>
+                  <a:outerShdw dist="35921" dir="2700000" algn="ctr" rotWithShape="0">
+                    <a:schemeClr val="bg2"/>
+                  </a:outerShdw>
+                </a:effectLst>
+              </a14:hiddenEffects>
+            </a:ext>
+          </a:extLst>
+        </p:spPr>
+        <p:txBody>
+          <a:bodyPr wrap="none"/>
+          <a:lstStyle/>
+          <a:p>
+            <a:pPr>
+              <a:buFontTx/>
+              <a:buChar char="•"/>
+            </a:pPr>
+            <a:r>
+              <a:rPr lang="en-US" altLang="nl-BE" sz="1200" dirty="0">
+                <a:solidFill>
+                  <a:srgbClr val="333333"/>
+                </a:solidFill>
+                <a:latin typeface="Verdana" panose="020B0604030504040204" pitchFamily="34" charset="0"/>
+              </a:rPr>
+              <a:t> </a:t>
+            </a:r>
+            <a:r>
+              <a:rPr lang="en-US" altLang="nl-BE" sz="1200" dirty="0" err="1">
+                <a:solidFill>
+                  <a:srgbClr val="333333"/>
+                </a:solidFill>
+                <a:latin typeface="Verdana" panose="020B0604030504040204" pitchFamily="34" charset="0"/>
+              </a:rPr>
+              <a:t>Facerecognition</a:t>
+            </a:r>
+            <a:r>
+              <a:rPr lang="en-US" altLang="nl-BE" sz="1200" dirty="0">
+                <a:solidFill>
+                  <a:srgbClr val="333333"/>
+                </a:solidFill>
+                <a:latin typeface="Verdana" panose="020B0604030504040204" pitchFamily="34" charset="0"/>
+              </a:rPr>
+              <a:t> + Multiprocessing</a:t>
+            </a:r>
+          </a:p>
+          <a:p>
+            <a:pPr>
+              <a:buFontTx/>
+              <a:buChar char="•"/>
+            </a:pPr>
+            <a:r>
+              <a:rPr lang="en-US" altLang="nl-BE" sz="1200" dirty="0">
+                <a:solidFill>
+                  <a:srgbClr val="333333"/>
+                </a:solidFill>
+                <a:latin typeface="Verdana" panose="020B0604030504040204" pitchFamily="34" charset="0"/>
+              </a:rPr>
+              <a:t> </a:t>
+            </a:r>
+            <a:r>
+              <a:rPr lang="en-US" altLang="nl-BE" sz="1200" dirty="0" err="1">
+                <a:solidFill>
+                  <a:srgbClr val="333333"/>
+                </a:solidFill>
+                <a:latin typeface="Verdana" panose="020B0604030504040204" pitchFamily="34" charset="0"/>
+              </a:rPr>
+              <a:t>Dlib</a:t>
+            </a:r>
+            <a:r>
+              <a:rPr lang="en-US" altLang="nl-BE" sz="1200" dirty="0">
+                <a:solidFill>
+                  <a:srgbClr val="333333"/>
+                </a:solidFill>
+                <a:latin typeface="Verdana" panose="020B0604030504040204" pitchFamily="34" charset="0"/>
+              </a:rPr>
+              <a:t> </a:t>
+            </a:r>
+            <a:r>
+              <a:rPr lang="en-US" altLang="nl-BE" sz="1200" dirty="0" err="1">
+                <a:solidFill>
+                  <a:srgbClr val="333333"/>
+                </a:solidFill>
+                <a:latin typeface="Verdana" panose="020B0604030504040204" pitchFamily="34" charset="0"/>
+              </a:rPr>
+              <a:t>Headdetection</a:t>
+            </a:r>
+            <a:endParaRPr lang="en-US" altLang="nl-BE" sz="1200" dirty="0">
+              <a:solidFill>
+                <a:srgbClr val="333333"/>
+              </a:solidFill>
+              <a:latin typeface="Verdana" panose="020B0604030504040204" pitchFamily="34" charset="0"/>
+            </a:endParaRPr>
+          </a:p>
+          <a:p>
+            <a:pPr>
+              <a:buFontTx/>
+              <a:buChar char="•"/>
+            </a:pPr>
+            <a:r>
+              <a:rPr lang="en-US" altLang="nl-BE" sz="1200" dirty="0">
+                <a:solidFill>
+                  <a:srgbClr val="333333"/>
+                </a:solidFill>
+                <a:latin typeface="Verdana" panose="020B0604030504040204" pitchFamily="34" charset="0"/>
+              </a:rPr>
+              <a:t> Tracking Faces</a:t>
+            </a:r>
+          </a:p>
+          <a:p>
+            <a:pPr>
+              <a:buFontTx/>
+              <a:buChar char="•"/>
+            </a:pPr>
+            <a:endParaRPr lang="en-US" altLang="nl-BE" sz="1200" dirty="0">
+              <a:solidFill>
+                <a:srgbClr val="333333"/>
+              </a:solidFill>
+              <a:latin typeface="Verdana" panose="020B0604030504040204" pitchFamily="34" charset="0"/>
+            </a:endParaRPr>
+          </a:p>
+        </p:txBody>
+      </p:sp>
+    </p:spTree>
+    <p:extLst>
+      <p:ext uri="{BB962C8B-B14F-4D97-AF65-F5344CB8AC3E}">
+        <p14:creationId xmlns:p14="http://schemas.microsoft.com/office/powerpoint/2010/main" val="1537513076"/>
       </p:ext>
     </p:extLst>
   </p:cSld>
